--- a/toolkit/job-analysis/job-analysis-presentation.pptx
+++ b/toolkit/job-analysis/job-analysis-presentation.pptx
@@ -5,10 +5,10 @@
     <p:sldMasterId id="2147483666" r:id="rId1"/>
   </p:sldMasterIdLst>
   <p:notesMasterIdLst>
-    <p:notesMasterId r:id="rId30"/>
+    <p:notesMasterId r:id="rId32"/>
   </p:notesMasterIdLst>
   <p:handoutMasterIdLst>
-    <p:handoutMasterId r:id="rId31"/>
+    <p:handoutMasterId r:id="rId33"/>
   </p:handoutMasterIdLst>
   <p:sldIdLst>
     <p:sldId id="256" r:id="rId2"/>
@@ -17,76 +17,78 @@
     <p:sldId id="257" r:id="rId5"/>
     <p:sldId id="261" r:id="rId6"/>
     <p:sldId id="347" r:id="rId7"/>
-    <p:sldId id="363" r:id="rId8"/>
+    <p:sldId id="364" r:id="rId8"/>
     <p:sldId id="323" r:id="rId9"/>
-    <p:sldId id="324" r:id="rId10"/>
-    <p:sldId id="327" r:id="rId11"/>
-    <p:sldId id="348" r:id="rId12"/>
-    <p:sldId id="329" r:id="rId13"/>
-    <p:sldId id="331" r:id="rId14"/>
-    <p:sldId id="291" r:id="rId15"/>
-    <p:sldId id="349" r:id="rId16"/>
-    <p:sldId id="350" r:id="rId17"/>
-    <p:sldId id="353" r:id="rId18"/>
-    <p:sldId id="354" r:id="rId19"/>
-    <p:sldId id="356" r:id="rId20"/>
-    <p:sldId id="357" r:id="rId21"/>
-    <p:sldId id="358" r:id="rId22"/>
-    <p:sldId id="359" r:id="rId23"/>
-    <p:sldId id="360" r:id="rId24"/>
-    <p:sldId id="361" r:id="rId25"/>
-    <p:sldId id="345" r:id="rId26"/>
-    <p:sldId id="355" r:id="rId27"/>
-    <p:sldId id="341" r:id="rId28"/>
-    <p:sldId id="362" r:id="rId29"/>
+    <p:sldId id="363" r:id="rId10"/>
+    <p:sldId id="365" r:id="rId11"/>
+    <p:sldId id="324" r:id="rId12"/>
+    <p:sldId id="327" r:id="rId13"/>
+    <p:sldId id="348" r:id="rId14"/>
+    <p:sldId id="329" r:id="rId15"/>
+    <p:sldId id="331" r:id="rId16"/>
+    <p:sldId id="291" r:id="rId17"/>
+    <p:sldId id="349" r:id="rId18"/>
+    <p:sldId id="350" r:id="rId19"/>
+    <p:sldId id="353" r:id="rId20"/>
+    <p:sldId id="354" r:id="rId21"/>
+    <p:sldId id="356" r:id="rId22"/>
+    <p:sldId id="357" r:id="rId23"/>
+    <p:sldId id="358" r:id="rId24"/>
+    <p:sldId id="359" r:id="rId25"/>
+    <p:sldId id="360" r:id="rId26"/>
+    <p:sldId id="361" r:id="rId27"/>
+    <p:sldId id="345" r:id="rId28"/>
+    <p:sldId id="355" r:id="rId29"/>
+    <p:sldId id="341" r:id="rId30"/>
+    <p:sldId id="362" r:id="rId31"/>
   </p:sldIdLst>
   <p:sldSz cx="17340263" cy="9753600"/>
   <p:notesSz cx="6881813" cy="9296400"/>
   <p:embeddedFontLst>
     <p:embeddedFont>
       <p:font typeface="Avenir" panose="02000503020000020003" pitchFamily="2" charset="0"/>
-      <p:regular r:id="rId32"/>
-      <p:italic r:id="rId33"/>
+      <p:regular r:id="rId34"/>
+      <p:italic r:id="rId35"/>
     </p:embeddedFont>
     <p:embeddedFont>
       <p:font typeface="Cambria" panose="02040503050406030204" pitchFamily="18" charset="0"/>
-      <p:regular r:id="rId34"/>
-      <p:bold r:id="rId35"/>
-      <p:italic r:id="rId36"/>
-      <p:boldItalic r:id="rId37"/>
+      <p:regular r:id="rId36"/>
+      <p:bold r:id="rId37"/>
+      <p:italic r:id="rId38"/>
+      <p:boldItalic r:id="rId39"/>
     </p:embeddedFont>
     <p:embeddedFont>
       <p:font typeface="Merriweather" pitchFamily="2" charset="77"/>
-      <p:regular r:id="rId38"/>
-      <p:bold r:id="rId39"/>
-      <p:italic r:id="rId40"/>
-      <p:boldItalic r:id="rId41"/>
+      <p:regular r:id="rId40"/>
+      <p:bold r:id="rId41"/>
+      <p:italic r:id="rId42"/>
+      <p:boldItalic r:id="rId43"/>
     </p:embeddedFont>
     <p:embeddedFont>
       <p:font typeface="Merriweather Sans" pitchFamily="2" charset="77"/>
-      <p:regular r:id="rId42"/>
-      <p:bold r:id="rId43"/>
-      <p:italic r:id="rId44"/>
-      <p:boldItalic r:id="rId45"/>
+      <p:regular r:id="rId44"/>
+      <p:bold r:id="rId45"/>
+      <p:italic r:id="rId46"/>
+      <p:boldItalic r:id="rId47"/>
     </p:embeddedFont>
     <p:embeddedFont>
       <p:font typeface="Rockwell" panose="02060603020205020403" pitchFamily="18" charset="77"/>
-      <p:regular r:id="rId46"/>
-      <p:bold r:id="rId47"/>
-      <p:italic r:id="rId48"/>
-      <p:boldItalic r:id="rId49"/>
+      <p:regular r:id="rId48"/>
+      <p:bold r:id="rId49"/>
+      <p:italic r:id="rId50"/>
+      <p:boldItalic r:id="rId51"/>
     </p:embeddedFont>
     <p:embeddedFont>
       <p:font typeface="Source Sans Pro" panose="020B0503030403020204" pitchFamily="34" charset="0"/>
-      <p:regular r:id="rId50"/>
-      <p:bold r:id="rId51"/>
-      <p:italic r:id="rId52"/>
-      <p:boldItalic r:id="rId53"/>
+      <p:regular r:id="rId52"/>
+      <p:bold r:id="rId53"/>
+      <p:italic r:id="rId54"/>
+      <p:boldItalic r:id="rId55"/>
     </p:embeddedFont>
     <p:embeddedFont>
       <p:font typeface="Source Sans Pro SemiBold" panose="020B0603030403020204" pitchFamily="34" charset="0"/>
-      <p:bold r:id="rId54"/>
-      <p:boldItalic r:id="rId55"/>
+      <p:bold r:id="rId56"/>
+      <p:boldItalic r:id="rId57"/>
     </p:embeddedFont>
   </p:embeddedFontLst>
   <p:defaultTextStyle>
@@ -1272,14 +1274,6 @@
           <a:bodyPr/>
           <a:lstStyle/>
           <a:p>
-            <a:r>
-              <a:rPr lang="en-US" dirty="0"/>
-              <a:t>Note to facilitator:</a:t>
-            </a:r>
-            <a:r>
-              <a:rPr lang="en-US" baseline="0" dirty="0"/>
-              <a:t> To save time, divide the room in half and have half the participants do half the competencies per group. The levels should built upon each other. They should be as succinct as possible.</a:t>
-            </a:r>
             <a:endParaRPr lang="en-US" dirty="0"/>
           </a:p>
         </p:txBody>
@@ -1287,7 +1281,7 @@
     </p:spTree>
     <p:extLst>
       <p:ext uri="{BB962C8B-B14F-4D97-AF65-F5344CB8AC3E}">
-        <p14:creationId xmlns:p14="http://schemas.microsoft.com/office/powerpoint/2010/main" val="3067309723"/>
+        <p14:creationId xmlns:p14="http://schemas.microsoft.com/office/powerpoint/2010/main" val="627141534"/>
       </p:ext>
     </p:extLst>
   </p:cSld>
@@ -1341,6 +1335,180 @@
           <a:bodyPr/>
           <a:lstStyle/>
           <a:p>
+            <a:endParaRPr lang="en-US" dirty="0"/>
+          </a:p>
+          <a:p>
+            <a:r>
+              <a:rPr lang="en-US" sz="2200" b="0" i="0" u="none" strike="noStrike" cap="none" dirty="0">
+                <a:solidFill>
+                  <a:srgbClr val="000000"/>
+                </a:solidFill>
+                <a:effectLst/>
+                <a:latin typeface="Merriweather Sans"/>
+                <a:ea typeface="Merriweather Sans"/>
+                <a:cs typeface="Merriweather Sans"/>
+                <a:sym typeface="Merriweather Sans"/>
+              </a:rPr>
+              <a:t>DO NOT require agency-specific certifications, technologies, etc. that aren’t common in the private sector. </a:t>
+            </a:r>
+          </a:p>
+          <a:p>
+            <a:endParaRPr lang="en-US" sz="2200" b="0" i="0" u="none" strike="noStrike" cap="none" dirty="0">
+              <a:solidFill>
+                <a:srgbClr val="000000"/>
+              </a:solidFill>
+              <a:effectLst/>
+              <a:latin typeface="Merriweather Sans"/>
+              <a:ea typeface="Merriweather Sans"/>
+              <a:cs typeface="Merriweather Sans"/>
+              <a:sym typeface="Merriweather Sans"/>
+            </a:endParaRPr>
+          </a:p>
+          <a:p>
+            <a:r>
+              <a:rPr lang="en-US" sz="2200" b="0" i="0" u="none" strike="noStrike" cap="none" dirty="0">
+                <a:solidFill>
+                  <a:srgbClr val="000000"/>
+                </a:solidFill>
+                <a:effectLst/>
+                <a:latin typeface="Merriweather Sans"/>
+                <a:sym typeface="Merriweather Sans"/>
+              </a:rPr>
+              <a:t>DO NOT require experience with government-only tech, this may exclude private sector applicants who could do the job well</a:t>
+            </a:r>
+            <a:endParaRPr lang="en-US" dirty="0"/>
+          </a:p>
+          <a:p>
+            <a:endParaRPr lang="en-US" dirty="0"/>
+          </a:p>
+        </p:txBody>
+      </p:sp>
+    </p:spTree>
+    <p:extLst>
+      <p:ext uri="{BB962C8B-B14F-4D97-AF65-F5344CB8AC3E}">
+        <p14:creationId xmlns:p14="http://schemas.microsoft.com/office/powerpoint/2010/main" val="4230347775"/>
+      </p:ext>
+    </p:extLst>
+  </p:cSld>
+  <p:clrMapOvr>
+    <a:masterClrMapping/>
+  </p:clrMapOvr>
+</p:notes>
+</file>
+
+<file path=ppt/notesSlides/notesSlide12.xml><?xml version="1.0" encoding="utf-8"?>
+<p:notes xmlns:a="http://schemas.openxmlformats.org/drawingml/2006/main" xmlns:r="http://schemas.openxmlformats.org/officeDocument/2006/relationships" xmlns:p="http://schemas.openxmlformats.org/presentationml/2006/main">
+  <p:cSld>
+    <p:spTree>
+      <p:nvGrpSpPr>
+        <p:cNvPr id="1" name=""/>
+        <p:cNvGrpSpPr/>
+        <p:nvPr/>
+      </p:nvGrpSpPr>
+      <p:grpSpPr>
+        <a:xfrm>
+          <a:off x="0" y="0"/>
+          <a:ext cx="0" cy="0"/>
+          <a:chOff x="0" y="0"/>
+          <a:chExt cx="0" cy="0"/>
+        </a:xfrm>
+      </p:grpSpPr>
+      <p:sp>
+        <p:nvSpPr>
+          <p:cNvPr id="2" name="Slide Image Placeholder 1"/>
+          <p:cNvSpPr>
+            <a:spLocks noGrp="1" noRot="1" noChangeAspect="1"/>
+          </p:cNvSpPr>
+          <p:nvPr>
+            <p:ph type="sldImg"/>
+          </p:nvPr>
+        </p:nvSpPr>
+        <p:spPr/>
+      </p:sp>
+      <p:sp>
+        <p:nvSpPr>
+          <p:cNvPr id="3" name="Notes Placeholder 2"/>
+          <p:cNvSpPr>
+            <a:spLocks noGrp="1"/>
+          </p:cNvSpPr>
+          <p:nvPr>
+            <p:ph type="body" idx="1"/>
+          </p:nvPr>
+        </p:nvSpPr>
+        <p:spPr/>
+        <p:txBody>
+          <a:bodyPr/>
+          <a:lstStyle/>
+          <a:p>
+            <a:r>
+              <a:rPr lang="en-US" dirty="0"/>
+              <a:t>Note to facilitator:</a:t>
+            </a:r>
+            <a:r>
+              <a:rPr lang="en-US" baseline="0" dirty="0"/>
+              <a:t> To save time, divide the room in half and have half the participants do half the competencies per group. The levels should built upon each other. They should be as succinct as possible.</a:t>
+            </a:r>
+            <a:endParaRPr lang="en-US" dirty="0"/>
+          </a:p>
+        </p:txBody>
+      </p:sp>
+    </p:spTree>
+    <p:extLst>
+      <p:ext uri="{BB962C8B-B14F-4D97-AF65-F5344CB8AC3E}">
+        <p14:creationId xmlns:p14="http://schemas.microsoft.com/office/powerpoint/2010/main" val="3067309723"/>
+      </p:ext>
+    </p:extLst>
+  </p:cSld>
+  <p:clrMapOvr>
+    <a:masterClrMapping/>
+  </p:clrMapOvr>
+</p:notes>
+</file>
+
+<file path=ppt/notesSlides/notesSlide13.xml><?xml version="1.0" encoding="utf-8"?>
+<p:notes xmlns:a="http://schemas.openxmlformats.org/drawingml/2006/main" xmlns:r="http://schemas.openxmlformats.org/officeDocument/2006/relationships" xmlns:p="http://schemas.openxmlformats.org/presentationml/2006/main">
+  <p:cSld>
+    <p:spTree>
+      <p:nvGrpSpPr>
+        <p:cNvPr id="1" name=""/>
+        <p:cNvGrpSpPr/>
+        <p:nvPr/>
+      </p:nvGrpSpPr>
+      <p:grpSpPr>
+        <a:xfrm>
+          <a:off x="0" y="0"/>
+          <a:ext cx="0" cy="0"/>
+          <a:chOff x="0" y="0"/>
+          <a:chExt cx="0" cy="0"/>
+        </a:xfrm>
+      </p:grpSpPr>
+      <p:sp>
+        <p:nvSpPr>
+          <p:cNvPr id="2" name="Slide Image Placeholder 1"/>
+          <p:cNvSpPr>
+            <a:spLocks noGrp="1" noRot="1" noChangeAspect="1"/>
+          </p:cNvSpPr>
+          <p:nvPr>
+            <p:ph type="sldImg"/>
+          </p:nvPr>
+        </p:nvSpPr>
+        <p:spPr/>
+      </p:sp>
+      <p:sp>
+        <p:nvSpPr>
+          <p:cNvPr id="3" name="Notes Placeholder 2"/>
+          <p:cNvSpPr>
+            <a:spLocks noGrp="1"/>
+          </p:cNvSpPr>
+          <p:nvPr>
+            <p:ph type="body" idx="1"/>
+          </p:nvPr>
+        </p:nvSpPr>
+        <p:spPr/>
+        <p:txBody>
+          <a:bodyPr/>
+          <a:lstStyle/>
+          <a:p>
             <a:pPr marL="457200" marR="0" lvl="0" indent="-228600" algn="l" defTabSz="914400" rtl="0" eaLnBrk="1" fontAlgn="auto" latinLnBrk="0" hangingPunct="1">
               <a:lnSpc>
                 <a:spcPct val="100000"/>
@@ -1388,7 +1556,7 @@
 </p:notes>
 </file>
 
-<file path=ppt/notesSlides/notesSlide12.xml><?xml version="1.0" encoding="utf-8"?>
+<file path=ppt/notesSlides/notesSlide14.xml><?xml version="1.0" encoding="utf-8"?>
 <p:notes xmlns:a="http://schemas.openxmlformats.org/drawingml/2006/main" xmlns:r="http://schemas.openxmlformats.org/officeDocument/2006/relationships" xmlns:p="http://schemas.openxmlformats.org/presentationml/2006/main" showMasterSp="0" showMasterPhAnim="0">
   <p:cSld>
     <p:spTree>
@@ -1504,7 +1672,7 @@
 </p:notes>
 </file>
 
-<file path=ppt/notesSlides/notesSlide13.xml><?xml version="1.0" encoding="utf-8"?>
+<file path=ppt/notesSlides/notesSlide15.xml><?xml version="1.0" encoding="utf-8"?>
 <p:notes xmlns:a="http://schemas.openxmlformats.org/drawingml/2006/main" xmlns:r="http://schemas.openxmlformats.org/officeDocument/2006/relationships" xmlns:p="http://schemas.openxmlformats.org/presentationml/2006/main">
   <p:cSld>
     <p:spTree>
@@ -1565,7 +1733,7 @@
 </p:notes>
 </file>
 
-<file path=ppt/notesSlides/notesSlide14.xml><?xml version="1.0" encoding="utf-8"?>
+<file path=ppt/notesSlides/notesSlide16.xml><?xml version="1.0" encoding="utf-8"?>
 <p:notes xmlns:a="http://schemas.openxmlformats.org/drawingml/2006/main" xmlns:r="http://schemas.openxmlformats.org/officeDocument/2006/relationships" xmlns:p="http://schemas.openxmlformats.org/presentationml/2006/main" showMasterSp="0" showMasterPhAnim="0">
   <p:cSld>
     <p:spTree>
@@ -1686,7 +1854,7 @@
 </p:notes>
 </file>
 
-<file path=ppt/notesSlides/notesSlide15.xml><?xml version="1.0" encoding="utf-8"?>
+<file path=ppt/notesSlides/notesSlide17.xml><?xml version="1.0" encoding="utf-8"?>
 <p:notes xmlns:a="http://schemas.openxmlformats.org/drawingml/2006/main" xmlns:r="http://schemas.openxmlformats.org/officeDocument/2006/relationships" xmlns:p="http://schemas.openxmlformats.org/presentationml/2006/main" showMasterSp="0" showMasterPhAnim="0">
   <p:cSld>
     <p:spTree>
@@ -1807,167 +1975,6 @@
 </p:notes>
 </file>
 
-<file path=ppt/notesSlides/notesSlide16.xml><?xml version="1.0" encoding="utf-8"?>
-<p:notes xmlns:a="http://schemas.openxmlformats.org/drawingml/2006/main" xmlns:r="http://schemas.openxmlformats.org/officeDocument/2006/relationships" xmlns:p="http://schemas.openxmlformats.org/presentationml/2006/main">
-  <p:cSld>
-    <p:spTree>
-      <p:nvGrpSpPr>
-        <p:cNvPr id="1" name=""/>
-        <p:cNvGrpSpPr/>
-        <p:nvPr/>
-      </p:nvGrpSpPr>
-      <p:grpSpPr>
-        <a:xfrm>
-          <a:off x="0" y="0"/>
-          <a:ext cx="0" cy="0"/>
-          <a:chOff x="0" y="0"/>
-          <a:chExt cx="0" cy="0"/>
-        </a:xfrm>
-      </p:grpSpPr>
-      <p:sp>
-        <p:nvSpPr>
-          <p:cNvPr id="2" name="Slide Image Placeholder 1"/>
-          <p:cNvSpPr>
-            <a:spLocks noGrp="1" noRot="1" noChangeAspect="1"/>
-          </p:cNvSpPr>
-          <p:nvPr>
-            <p:ph type="sldImg"/>
-          </p:nvPr>
-        </p:nvSpPr>
-        <p:spPr/>
-      </p:sp>
-      <p:sp>
-        <p:nvSpPr>
-          <p:cNvPr id="3" name="Notes Placeholder 2"/>
-          <p:cNvSpPr>
-            <a:spLocks noGrp="1"/>
-          </p:cNvSpPr>
-          <p:nvPr>
-            <p:ph type="body" idx="1"/>
-          </p:nvPr>
-        </p:nvSpPr>
-        <p:spPr/>
-        <p:txBody>
-          <a:bodyPr/>
-          <a:lstStyle/>
-          <a:p>
-            <a:r>
-              <a:rPr lang="en-US" dirty="0"/>
-              <a:t>Use 4-5 sample resumes you prepared ahead of time</a:t>
-            </a:r>
-          </a:p>
-          <a:p>
-            <a:endParaRPr lang="en-US" dirty="0"/>
-          </a:p>
-          <a:p>
-            <a:r>
-              <a:rPr lang="en-US" dirty="0"/>
-              <a:t>Take 1 hour to try to use competencies to do resume review</a:t>
-            </a:r>
-          </a:p>
-          <a:p>
-            <a:endParaRPr lang="en-US" dirty="0"/>
-          </a:p>
-          <a:p>
-            <a:r>
-              <a:rPr lang="en-US" dirty="0"/>
-              <a:t>It’s OK to decide not all competencies are required to appear in a resume, but this must be decided ahead of time in the assessment strategy</a:t>
-            </a:r>
-          </a:p>
-          <a:p>
-            <a:endParaRPr lang="en-US" dirty="0"/>
-          </a:p>
-          <a:p>
-            <a:r>
-              <a:rPr lang="en-US" dirty="0"/>
-              <a:t>Figure out how many pages of job experience is sufficient to make a determination</a:t>
-            </a:r>
-          </a:p>
-          <a:p>
-            <a:endParaRPr lang="en-US" dirty="0"/>
-          </a:p>
-          <a:p>
-            <a:r>
-              <a:rPr lang="en-US" dirty="0"/>
-              <a:t>Play close attention to the discussion about proficiency level required for each competency – this will be needed in a later step</a:t>
-            </a:r>
-          </a:p>
-        </p:txBody>
-      </p:sp>
-    </p:spTree>
-    <p:extLst>
-      <p:ext uri="{BB962C8B-B14F-4D97-AF65-F5344CB8AC3E}">
-        <p14:creationId xmlns:p14="http://schemas.microsoft.com/office/powerpoint/2010/main" val="3624751010"/>
-      </p:ext>
-    </p:extLst>
-  </p:cSld>
-  <p:clrMapOvr>
-    <a:masterClrMapping/>
-  </p:clrMapOvr>
-</p:notes>
-</file>
-
-<file path=ppt/notesSlides/notesSlide17.xml><?xml version="1.0" encoding="utf-8"?>
-<p:notes xmlns:a="http://schemas.openxmlformats.org/drawingml/2006/main" xmlns:r="http://schemas.openxmlformats.org/officeDocument/2006/relationships" xmlns:p="http://schemas.openxmlformats.org/presentationml/2006/main">
-  <p:cSld>
-    <p:spTree>
-      <p:nvGrpSpPr>
-        <p:cNvPr id="1" name=""/>
-        <p:cNvGrpSpPr/>
-        <p:nvPr/>
-      </p:nvGrpSpPr>
-      <p:grpSpPr>
-        <a:xfrm>
-          <a:off x="0" y="0"/>
-          <a:ext cx="0" cy="0"/>
-          <a:chOff x="0" y="0"/>
-          <a:chExt cx="0" cy="0"/>
-        </a:xfrm>
-      </p:grpSpPr>
-      <p:sp>
-        <p:nvSpPr>
-          <p:cNvPr id="2" name="Slide Image Placeholder 1"/>
-          <p:cNvSpPr>
-            <a:spLocks noGrp="1" noRot="1" noChangeAspect="1"/>
-          </p:cNvSpPr>
-          <p:nvPr>
-            <p:ph type="sldImg"/>
-          </p:nvPr>
-        </p:nvSpPr>
-        <p:spPr/>
-      </p:sp>
-      <p:sp>
-        <p:nvSpPr>
-          <p:cNvPr id="3" name="Notes Placeholder 2"/>
-          <p:cNvSpPr>
-            <a:spLocks noGrp="1"/>
-          </p:cNvSpPr>
-          <p:nvPr>
-            <p:ph type="body" idx="1"/>
-          </p:nvPr>
-        </p:nvSpPr>
-        <p:spPr/>
-        <p:txBody>
-          <a:bodyPr/>
-          <a:lstStyle/>
-          <a:p>
-            <a:endParaRPr lang="en-US" dirty="0"/>
-          </a:p>
-        </p:txBody>
-      </p:sp>
-    </p:spTree>
-    <p:extLst>
-      <p:ext uri="{BB962C8B-B14F-4D97-AF65-F5344CB8AC3E}">
-        <p14:creationId xmlns:p14="http://schemas.microsoft.com/office/powerpoint/2010/main" val="18592764"/>
-      </p:ext>
-    </p:extLst>
-  </p:cSld>
-  <p:clrMapOvr>
-    <a:masterClrMapping/>
-  </p:clrMapOvr>
-</p:notes>
-</file>
-
 <file path=ppt/notesSlides/notesSlide18.xml><?xml version="1.0" encoding="utf-8"?>
 <p:notes xmlns:a="http://schemas.openxmlformats.org/drawingml/2006/main" xmlns:r="http://schemas.openxmlformats.org/officeDocument/2006/relationships" xmlns:p="http://schemas.openxmlformats.org/presentationml/2006/main">
   <p:cSld>
@@ -2012,133 +2019,53 @@
           <a:bodyPr/>
           <a:lstStyle/>
           <a:p>
-            <a:pPr lvl="0"/>
-            <a:r>
-              <a:rPr lang="en-US" sz="2200" b="0" i="0" u="none" strike="noStrike" cap="none" dirty="0">
-                <a:solidFill>
-                  <a:srgbClr val="000000"/>
-                </a:solidFill>
-                <a:effectLst/>
-                <a:latin typeface="Merriweather Sans"/>
-                <a:ea typeface="Merriweather Sans"/>
-                <a:cs typeface="Merriweather Sans"/>
-                <a:sym typeface="Merriweather Sans"/>
-              </a:rPr>
-              <a:t>Trying to discover applicant’s ability to apply their experience in a new situation</a:t>
-            </a:r>
-          </a:p>
-          <a:p>
-            <a:pPr lvl="0"/>
-            <a:r>
-              <a:rPr lang="en-US" sz="2200" b="0" i="0" u="none" strike="noStrike" cap="none" dirty="0">
-                <a:solidFill>
-                  <a:srgbClr val="000000"/>
-                </a:solidFill>
-                <a:effectLst/>
-                <a:latin typeface="Merriweather Sans"/>
-                <a:ea typeface="Merriweather Sans"/>
-                <a:cs typeface="Merriweather Sans"/>
-                <a:sym typeface="Merriweather Sans"/>
-              </a:rPr>
-              <a:t>“and can you give an example of when you did this in the past”</a:t>
-            </a:r>
-          </a:p>
-          <a:p>
-            <a:pPr lvl="0"/>
-            <a:endParaRPr lang="en-US" sz="2200" b="0" i="0" u="none" strike="noStrike" cap="none" dirty="0">
-              <a:solidFill>
-                <a:srgbClr val="000000"/>
-              </a:solidFill>
-              <a:effectLst/>
-              <a:latin typeface="Merriweather Sans"/>
-              <a:ea typeface="Merriweather Sans"/>
-              <a:cs typeface="Merriweather Sans"/>
-              <a:sym typeface="Merriweather Sans"/>
-            </a:endParaRPr>
-          </a:p>
-          <a:p>
-            <a:pPr lvl="0"/>
-            <a:r>
-              <a:rPr lang="en-US" sz="2200" b="0" i="0" u="none" strike="noStrike" cap="none" dirty="0">
-                <a:solidFill>
-                  <a:srgbClr val="000000"/>
-                </a:solidFill>
-                <a:effectLst/>
-                <a:latin typeface="Merriweather Sans"/>
-                <a:ea typeface="Merriweather Sans"/>
-                <a:cs typeface="Merriweather Sans"/>
-                <a:sym typeface="Merriweather Sans"/>
-              </a:rPr>
-              <a:t>Be intentional about the kinds of questions there can be</a:t>
-            </a:r>
-          </a:p>
-          <a:p>
-            <a:pPr lvl="0"/>
-            <a:endParaRPr lang="en-US" sz="2200" b="0" i="0" u="none" strike="noStrike" cap="none" dirty="0">
-              <a:solidFill>
-                <a:srgbClr val="000000"/>
-              </a:solidFill>
-              <a:effectLst/>
-              <a:latin typeface="Merriweather Sans"/>
-              <a:ea typeface="Merriweather Sans"/>
-              <a:cs typeface="Merriweather Sans"/>
-              <a:sym typeface="Merriweather Sans"/>
-            </a:endParaRPr>
-          </a:p>
-          <a:p>
-            <a:pPr lvl="0"/>
-            <a:r>
-              <a:rPr lang="en-US" sz="2200" b="0" i="0" u="none" strike="noStrike" cap="none" dirty="0">
-                <a:solidFill>
-                  <a:srgbClr val="000000"/>
-                </a:solidFill>
-                <a:effectLst/>
-                <a:latin typeface="Merriweather Sans"/>
-                <a:ea typeface="Merriweather Sans"/>
-                <a:cs typeface="Merriweather Sans"/>
-                <a:sym typeface="Merriweather Sans"/>
-              </a:rPr>
-              <a:t>Wording of the hypothetical questions is very tricky – it can be confusing to the applicants, difficult to “set the scene” so it makes sense for them</a:t>
-            </a:r>
-          </a:p>
-          <a:p>
-            <a:pPr lvl="0"/>
-            <a:endParaRPr lang="en-US" sz="2200" b="0" i="0" u="none" strike="noStrike" cap="none" dirty="0">
-              <a:solidFill>
-                <a:srgbClr val="000000"/>
-              </a:solidFill>
-              <a:effectLst/>
-              <a:latin typeface="Merriweather Sans"/>
-              <a:ea typeface="Merriweather Sans"/>
-              <a:cs typeface="Merriweather Sans"/>
-              <a:sym typeface="Merriweather Sans"/>
-            </a:endParaRPr>
-          </a:p>
-          <a:p>
-            <a:pPr lvl="0"/>
-            <a:r>
-              <a:rPr lang="en-US" sz="2200" b="0" i="0" u="none" strike="noStrike" cap="none" dirty="0">
-                <a:solidFill>
-                  <a:srgbClr val="000000"/>
-                </a:solidFill>
-                <a:effectLst/>
-                <a:latin typeface="Merriweather Sans"/>
-                <a:ea typeface="Merriweather Sans"/>
-                <a:cs typeface="Merriweather Sans"/>
-                <a:sym typeface="Merriweather Sans"/>
-              </a:rPr>
-              <a:t>Strike the balance between the two question types</a:t>
+            <a:r>
+              <a:rPr lang="en-US" dirty="0"/>
+              <a:t>Use 4-5 sample resumes you prepared ahead of time</a:t>
             </a:r>
           </a:p>
           <a:p>
             <a:endParaRPr lang="en-US" dirty="0"/>
+          </a:p>
+          <a:p>
+            <a:r>
+              <a:rPr lang="en-US" dirty="0"/>
+              <a:t>Take 1 hour to try to use competencies to do resume review</a:t>
+            </a:r>
+          </a:p>
+          <a:p>
+            <a:endParaRPr lang="en-US" dirty="0"/>
+          </a:p>
+          <a:p>
+            <a:r>
+              <a:rPr lang="en-US" dirty="0"/>
+              <a:t>It’s OK to decide not all competencies are required to appear in a resume, but this must be decided ahead of time in the assessment strategy</a:t>
+            </a:r>
+          </a:p>
+          <a:p>
+            <a:endParaRPr lang="en-US" dirty="0"/>
+          </a:p>
+          <a:p>
+            <a:r>
+              <a:rPr lang="en-US" dirty="0"/>
+              <a:t>Figure out how many pages of job experience is sufficient to make a determination</a:t>
+            </a:r>
+          </a:p>
+          <a:p>
+            <a:endParaRPr lang="en-US" dirty="0"/>
+          </a:p>
+          <a:p>
+            <a:r>
+              <a:rPr lang="en-US" dirty="0"/>
+              <a:t>Play close attention to the discussion about proficiency level required for each competency – this will be needed in a later step</a:t>
+            </a:r>
           </a:p>
         </p:txBody>
       </p:sp>
     </p:spTree>
     <p:extLst>
       <p:ext uri="{BB962C8B-B14F-4D97-AF65-F5344CB8AC3E}">
-        <p14:creationId xmlns:p14="http://schemas.microsoft.com/office/powerpoint/2010/main" val="63585316"/>
+        <p14:creationId xmlns:p14="http://schemas.microsoft.com/office/powerpoint/2010/main" val="3624751010"/>
       </p:ext>
     </p:extLst>
   </p:cSld>
@@ -2149,11 +2076,11 @@
 </file>
 
 <file path=ppt/notesSlides/notesSlide19.xml><?xml version="1.0" encoding="utf-8"?>
-<p:notes xmlns:a="http://schemas.openxmlformats.org/drawingml/2006/main" xmlns:r="http://schemas.openxmlformats.org/officeDocument/2006/relationships" xmlns:p="http://schemas.openxmlformats.org/presentationml/2006/main" showMasterSp="0" showMasterPhAnim="0">
+<p:notes xmlns:a="http://schemas.openxmlformats.org/drawingml/2006/main" xmlns:r="http://schemas.openxmlformats.org/officeDocument/2006/relationships" xmlns:p="http://schemas.openxmlformats.org/presentationml/2006/main">
   <p:cSld>
     <p:spTree>
       <p:nvGrpSpPr>
-        <p:cNvPr id="1" name="Shape 304"/>
+        <p:cNvPr id="1" name=""/>
         <p:cNvGrpSpPr/>
         <p:nvPr/>
       </p:nvGrpSpPr>
@@ -2167,99 +2094,39 @@
       </p:grpSpPr>
       <p:sp>
         <p:nvSpPr>
-          <p:cNvPr id="305" name="Google Shape;305;p34:notes"/>
-          <p:cNvSpPr txBox="1">
+          <p:cNvPr id="2" name="Slide Image Placeholder 1"/>
+          <p:cNvSpPr>
+            <a:spLocks noGrp="1" noRot="1" noChangeAspect="1"/>
+          </p:cNvSpPr>
+          <p:nvPr>
+            <p:ph type="sldImg"/>
+          </p:nvPr>
+        </p:nvSpPr>
+        <p:spPr/>
+      </p:sp>
+      <p:sp>
+        <p:nvSpPr>
+          <p:cNvPr id="3" name="Notes Placeholder 2"/>
+          <p:cNvSpPr>
             <a:spLocks noGrp="1"/>
           </p:cNvSpPr>
           <p:nvPr>
             <p:ph type="body" idx="1"/>
           </p:nvPr>
         </p:nvSpPr>
-        <p:spPr>
-          <a:xfrm>
-            <a:off x="917575" y="4415790"/>
-            <a:ext cx="5046663" cy="4183380"/>
-          </a:xfrm>
-          <a:prstGeom prst="rect">
-            <a:avLst/>
-          </a:prstGeom>
-          <a:noFill/>
-          <a:ln>
-            <a:noFill/>
-          </a:ln>
-        </p:spPr>
+        <p:spPr/>
         <p:txBody>
-          <a:bodyPr spcFirstLastPara="1" wrap="square" lIns="92425" tIns="46200" rIns="92425" bIns="46200" anchor="t" anchorCtr="0">
-            <a:noAutofit/>
-          </a:bodyPr>
+          <a:bodyPr/>
           <a:lstStyle/>
           <a:p>
-            <a:pPr marL="0" lvl="0" indent="0" algn="l" rtl="0">
-              <a:lnSpc>
-                <a:spcPct val="100000"/>
-              </a:lnSpc>
-              <a:spcBef>
-                <a:spcPts val="0"/>
-              </a:spcBef>
-              <a:spcAft>
-                <a:spcPts val="0"/>
-              </a:spcAft>
-              <a:buSzPts val="1400"/>
-              <a:buNone/>
-            </a:pPr>
-            <a:endParaRPr/>
+            <a:endParaRPr lang="en-US" dirty="0"/>
           </a:p>
         </p:txBody>
-      </p:sp>
-      <p:sp>
-        <p:nvSpPr>
-          <p:cNvPr id="306" name="Google Shape;306;p34:notes"/>
-          <p:cNvSpPr>
-            <a:spLocks noGrp="1" noRot="1" noChangeAspect="1"/>
-          </p:cNvSpPr>
-          <p:nvPr>
-            <p:ph type="sldImg" idx="2"/>
-          </p:nvPr>
-        </p:nvSpPr>
-        <p:spPr>
-          <a:xfrm>
-            <a:off x="342900" y="696913"/>
-            <a:ext cx="6197600" cy="3486150"/>
-          </a:xfrm>
-          <a:custGeom>
-            <a:avLst/>
-            <a:gdLst/>
-            <a:ahLst/>
-            <a:cxnLst/>
-            <a:rect l="l" t="t" r="r" b="b"/>
-            <a:pathLst>
-              <a:path w="120000" h="120000" extrusionOk="0">
-                <a:moveTo>
-                  <a:pt x="0" y="0"/>
-                </a:moveTo>
-                <a:lnTo>
-                  <a:pt x="120000" y="0"/>
-                </a:lnTo>
-                <a:lnTo>
-                  <a:pt x="120000" y="120000"/>
-                </a:lnTo>
-                <a:lnTo>
-                  <a:pt x="0" y="120000"/>
-                </a:lnTo>
-                <a:close/>
-              </a:path>
-            </a:pathLst>
-          </a:custGeom>
-          <a:noFill/>
-          <a:ln>
-            <a:noFill/>
-          </a:ln>
-        </p:spPr>
       </p:sp>
     </p:spTree>
     <p:extLst>
       <p:ext uri="{BB962C8B-B14F-4D97-AF65-F5344CB8AC3E}">
-        <p14:creationId xmlns:p14="http://schemas.microsoft.com/office/powerpoint/2010/main" val="1352616743"/>
+        <p14:creationId xmlns:p14="http://schemas.microsoft.com/office/powerpoint/2010/main" val="18592764"/>
       </p:ext>
     </p:extLst>
   </p:cSld>
@@ -2324,6 +2191,307 @@
     <p:extLst>
       <p:ext uri="{BB962C8B-B14F-4D97-AF65-F5344CB8AC3E}">
         <p14:creationId xmlns:p14="http://schemas.microsoft.com/office/powerpoint/2010/main" val="501840269"/>
+      </p:ext>
+    </p:extLst>
+  </p:cSld>
+  <p:clrMapOvr>
+    <a:masterClrMapping/>
+  </p:clrMapOvr>
+</p:notes>
+</file>
+
+<file path=ppt/notesSlides/notesSlide20.xml><?xml version="1.0" encoding="utf-8"?>
+<p:notes xmlns:a="http://schemas.openxmlformats.org/drawingml/2006/main" xmlns:r="http://schemas.openxmlformats.org/officeDocument/2006/relationships" xmlns:p="http://schemas.openxmlformats.org/presentationml/2006/main">
+  <p:cSld>
+    <p:spTree>
+      <p:nvGrpSpPr>
+        <p:cNvPr id="1" name=""/>
+        <p:cNvGrpSpPr/>
+        <p:nvPr/>
+      </p:nvGrpSpPr>
+      <p:grpSpPr>
+        <a:xfrm>
+          <a:off x="0" y="0"/>
+          <a:ext cx="0" cy="0"/>
+          <a:chOff x="0" y="0"/>
+          <a:chExt cx="0" cy="0"/>
+        </a:xfrm>
+      </p:grpSpPr>
+      <p:sp>
+        <p:nvSpPr>
+          <p:cNvPr id="2" name="Slide Image Placeholder 1"/>
+          <p:cNvSpPr>
+            <a:spLocks noGrp="1" noRot="1" noChangeAspect="1"/>
+          </p:cNvSpPr>
+          <p:nvPr>
+            <p:ph type="sldImg"/>
+          </p:nvPr>
+        </p:nvSpPr>
+        <p:spPr/>
+      </p:sp>
+      <p:sp>
+        <p:nvSpPr>
+          <p:cNvPr id="3" name="Notes Placeholder 2"/>
+          <p:cNvSpPr>
+            <a:spLocks noGrp="1"/>
+          </p:cNvSpPr>
+          <p:nvPr>
+            <p:ph type="body" idx="1"/>
+          </p:nvPr>
+        </p:nvSpPr>
+        <p:spPr/>
+        <p:txBody>
+          <a:bodyPr/>
+          <a:lstStyle/>
+          <a:p>
+            <a:pPr lvl="0"/>
+            <a:r>
+              <a:rPr lang="en-US" sz="2200" b="0" i="0" u="none" strike="noStrike" cap="none" dirty="0">
+                <a:solidFill>
+                  <a:srgbClr val="000000"/>
+                </a:solidFill>
+                <a:effectLst/>
+                <a:latin typeface="Merriweather Sans"/>
+                <a:ea typeface="Merriweather Sans"/>
+                <a:cs typeface="Merriweather Sans"/>
+                <a:sym typeface="Merriweather Sans"/>
+              </a:rPr>
+              <a:t>Trying to discover applicant’s ability to apply their experience in a new situation</a:t>
+            </a:r>
+          </a:p>
+          <a:p>
+            <a:pPr lvl="0"/>
+            <a:r>
+              <a:rPr lang="en-US" sz="2200" b="0" i="0" u="none" strike="noStrike" cap="none" dirty="0">
+                <a:solidFill>
+                  <a:srgbClr val="000000"/>
+                </a:solidFill>
+                <a:effectLst/>
+                <a:latin typeface="Merriweather Sans"/>
+                <a:ea typeface="Merriweather Sans"/>
+                <a:cs typeface="Merriweather Sans"/>
+                <a:sym typeface="Merriweather Sans"/>
+              </a:rPr>
+              <a:t>“and can you give an example of when you did this in the past”</a:t>
+            </a:r>
+          </a:p>
+          <a:p>
+            <a:pPr lvl="0"/>
+            <a:endParaRPr lang="en-US" sz="2200" b="0" i="0" u="none" strike="noStrike" cap="none" dirty="0">
+              <a:solidFill>
+                <a:srgbClr val="000000"/>
+              </a:solidFill>
+              <a:effectLst/>
+              <a:latin typeface="Merriweather Sans"/>
+              <a:ea typeface="Merriweather Sans"/>
+              <a:cs typeface="Merriweather Sans"/>
+              <a:sym typeface="Merriweather Sans"/>
+            </a:endParaRPr>
+          </a:p>
+          <a:p>
+            <a:pPr lvl="0"/>
+            <a:r>
+              <a:rPr lang="en-US" sz="2200" b="0" i="0" u="none" strike="noStrike" cap="none" dirty="0">
+                <a:solidFill>
+                  <a:srgbClr val="000000"/>
+                </a:solidFill>
+                <a:effectLst/>
+                <a:latin typeface="Merriweather Sans"/>
+                <a:ea typeface="Merriweather Sans"/>
+                <a:cs typeface="Merriweather Sans"/>
+                <a:sym typeface="Merriweather Sans"/>
+              </a:rPr>
+              <a:t>Be intentional about the kinds of questions there can be</a:t>
+            </a:r>
+          </a:p>
+          <a:p>
+            <a:pPr lvl="0"/>
+            <a:endParaRPr lang="en-US" sz="2200" b="0" i="0" u="none" strike="noStrike" cap="none" dirty="0">
+              <a:solidFill>
+                <a:srgbClr val="000000"/>
+              </a:solidFill>
+              <a:effectLst/>
+              <a:latin typeface="Merriweather Sans"/>
+              <a:ea typeface="Merriweather Sans"/>
+              <a:cs typeface="Merriweather Sans"/>
+              <a:sym typeface="Merriweather Sans"/>
+            </a:endParaRPr>
+          </a:p>
+          <a:p>
+            <a:pPr lvl="0"/>
+            <a:r>
+              <a:rPr lang="en-US" sz="2200" b="0" i="0" u="none" strike="noStrike" cap="none" dirty="0">
+                <a:solidFill>
+                  <a:srgbClr val="000000"/>
+                </a:solidFill>
+                <a:effectLst/>
+                <a:latin typeface="Merriweather Sans"/>
+                <a:ea typeface="Merriweather Sans"/>
+                <a:cs typeface="Merriweather Sans"/>
+                <a:sym typeface="Merriweather Sans"/>
+              </a:rPr>
+              <a:t>Wording of the hypothetical questions is very tricky – it can be confusing to the applicants, difficult to “set the scene” so it makes sense for them</a:t>
+            </a:r>
+          </a:p>
+          <a:p>
+            <a:pPr lvl="0"/>
+            <a:endParaRPr lang="en-US" sz="2200" b="0" i="0" u="none" strike="noStrike" cap="none" dirty="0">
+              <a:solidFill>
+                <a:srgbClr val="000000"/>
+              </a:solidFill>
+              <a:effectLst/>
+              <a:latin typeface="Merriweather Sans"/>
+              <a:ea typeface="Merriweather Sans"/>
+              <a:cs typeface="Merriweather Sans"/>
+              <a:sym typeface="Merriweather Sans"/>
+            </a:endParaRPr>
+          </a:p>
+          <a:p>
+            <a:pPr lvl="0"/>
+            <a:r>
+              <a:rPr lang="en-US" sz="2200" b="0" i="0" u="none" strike="noStrike" cap="none" dirty="0">
+                <a:solidFill>
+                  <a:srgbClr val="000000"/>
+                </a:solidFill>
+                <a:effectLst/>
+                <a:latin typeface="Merriweather Sans"/>
+                <a:ea typeface="Merriweather Sans"/>
+                <a:cs typeface="Merriweather Sans"/>
+                <a:sym typeface="Merriweather Sans"/>
+              </a:rPr>
+              <a:t>Strike the balance between the two question types</a:t>
+            </a:r>
+          </a:p>
+          <a:p>
+            <a:endParaRPr lang="en-US" dirty="0"/>
+          </a:p>
+        </p:txBody>
+      </p:sp>
+    </p:spTree>
+    <p:extLst>
+      <p:ext uri="{BB962C8B-B14F-4D97-AF65-F5344CB8AC3E}">
+        <p14:creationId xmlns:p14="http://schemas.microsoft.com/office/powerpoint/2010/main" val="63585316"/>
+      </p:ext>
+    </p:extLst>
+  </p:cSld>
+  <p:clrMapOvr>
+    <a:masterClrMapping/>
+  </p:clrMapOvr>
+</p:notes>
+</file>
+
+<file path=ppt/notesSlides/notesSlide21.xml><?xml version="1.0" encoding="utf-8"?>
+<p:notes xmlns:a="http://schemas.openxmlformats.org/drawingml/2006/main" xmlns:r="http://schemas.openxmlformats.org/officeDocument/2006/relationships" xmlns:p="http://schemas.openxmlformats.org/presentationml/2006/main" showMasterSp="0" showMasterPhAnim="0">
+  <p:cSld>
+    <p:spTree>
+      <p:nvGrpSpPr>
+        <p:cNvPr id="1" name="Shape 304"/>
+        <p:cNvGrpSpPr/>
+        <p:nvPr/>
+      </p:nvGrpSpPr>
+      <p:grpSpPr>
+        <a:xfrm>
+          <a:off x="0" y="0"/>
+          <a:ext cx="0" cy="0"/>
+          <a:chOff x="0" y="0"/>
+          <a:chExt cx="0" cy="0"/>
+        </a:xfrm>
+      </p:grpSpPr>
+      <p:sp>
+        <p:nvSpPr>
+          <p:cNvPr id="305" name="Google Shape;305;p34:notes"/>
+          <p:cNvSpPr txBox="1">
+            <a:spLocks noGrp="1"/>
+          </p:cNvSpPr>
+          <p:nvPr>
+            <p:ph type="body" idx="1"/>
+          </p:nvPr>
+        </p:nvSpPr>
+        <p:spPr>
+          <a:xfrm>
+            <a:off x="917575" y="4415790"/>
+            <a:ext cx="5046663" cy="4183380"/>
+          </a:xfrm>
+          <a:prstGeom prst="rect">
+            <a:avLst/>
+          </a:prstGeom>
+          <a:noFill/>
+          <a:ln>
+            <a:noFill/>
+          </a:ln>
+        </p:spPr>
+        <p:txBody>
+          <a:bodyPr spcFirstLastPara="1" wrap="square" lIns="92425" tIns="46200" rIns="92425" bIns="46200" anchor="t" anchorCtr="0">
+            <a:noAutofit/>
+          </a:bodyPr>
+          <a:lstStyle/>
+          <a:p>
+            <a:pPr marL="0" lvl="0" indent="0" algn="l" rtl="0">
+              <a:lnSpc>
+                <a:spcPct val="100000"/>
+              </a:lnSpc>
+              <a:spcBef>
+                <a:spcPts val="0"/>
+              </a:spcBef>
+              <a:spcAft>
+                <a:spcPts val="0"/>
+              </a:spcAft>
+              <a:buSzPts val="1400"/>
+              <a:buNone/>
+            </a:pPr>
+            <a:endParaRPr/>
+          </a:p>
+        </p:txBody>
+      </p:sp>
+      <p:sp>
+        <p:nvSpPr>
+          <p:cNvPr id="306" name="Google Shape;306;p34:notes"/>
+          <p:cNvSpPr>
+            <a:spLocks noGrp="1" noRot="1" noChangeAspect="1"/>
+          </p:cNvSpPr>
+          <p:nvPr>
+            <p:ph type="sldImg" idx="2"/>
+          </p:nvPr>
+        </p:nvSpPr>
+        <p:spPr>
+          <a:xfrm>
+            <a:off x="342900" y="696913"/>
+            <a:ext cx="6197600" cy="3486150"/>
+          </a:xfrm>
+          <a:custGeom>
+            <a:avLst/>
+            <a:gdLst/>
+            <a:ahLst/>
+            <a:cxnLst/>
+            <a:rect l="l" t="t" r="r" b="b"/>
+            <a:pathLst>
+              <a:path w="120000" h="120000" extrusionOk="0">
+                <a:moveTo>
+                  <a:pt x="0" y="0"/>
+                </a:moveTo>
+                <a:lnTo>
+                  <a:pt x="120000" y="0"/>
+                </a:lnTo>
+                <a:lnTo>
+                  <a:pt x="120000" y="120000"/>
+                </a:lnTo>
+                <a:lnTo>
+                  <a:pt x="0" y="120000"/>
+                </a:lnTo>
+                <a:close/>
+              </a:path>
+            </a:pathLst>
+          </a:custGeom>
+          <a:noFill/>
+          <a:ln>
+            <a:noFill/>
+          </a:ln>
+        </p:spPr>
+      </p:sp>
+    </p:spTree>
+    <p:extLst>
+      <p:ext uri="{BB962C8B-B14F-4D97-AF65-F5344CB8AC3E}">
+        <p14:creationId xmlns:p14="http://schemas.microsoft.com/office/powerpoint/2010/main" val="1352616743"/>
       </p:ext>
     </p:extLst>
   </p:cSld>
@@ -3402,18 +3570,9 @@
               <a:t> </a:t>
             </a:r>
             <a:r>
-              <a:rPr lang="en-US" sz="1600"/>
-              <a:t>Participants should take </a:t>
-            </a:r>
-            <a:r>
               <a:rPr lang="en-US" sz="1600" dirty="0"/>
-              <a:t>about 15 minutes to write down daily job tasks for </a:t>
-            </a:r>
-            <a:r>
-              <a:rPr lang="en-US" sz="1600"/>
-              <a:t>the role.</a:t>
-            </a:r>
-            <a:endParaRPr lang="en-US" sz="1600" dirty="0"/>
+              <a:t>Participants should take about 15 minutes to write down daily job tasks for the role.</a:t>
+            </a:r>
           </a:p>
         </p:txBody>
       </p:sp>
@@ -3542,139 +3701,15 @@
             </a:r>
             <a:r>
               <a:rPr lang="en-US" sz="1600" dirty="0"/>
-              <a:t>After</a:t>
-            </a:r>
-            <a:r>
-              <a:rPr lang="en-US" sz="1600" baseline="0" dirty="0"/>
-              <a:t> 10 minutes, if some folks are done, invite them to start coming up to put their tasks down while reading them aloud. If any are multiple tasks in one note, the leader should ask them to break it up into two different notes. If something is not really a task beginning with a verb, it should also be sent back.</a:t>
-            </a:r>
-          </a:p>
-          <a:p>
-            <a:pPr marL="0" marR="0" lvl="0" indent="0" algn="l" defTabSz="914400" rtl="0" eaLnBrk="1" fontAlgn="auto" latinLnBrk="0" hangingPunct="1">
-              <a:lnSpc>
-                <a:spcPct val="100000"/>
-              </a:lnSpc>
-              <a:spcBef>
-                <a:spcPts val="0"/>
-              </a:spcBef>
-              <a:spcAft>
-                <a:spcPts val="0"/>
-              </a:spcAft>
-              <a:buClr>
-                <a:srgbClr val="000000"/>
-              </a:buClr>
-              <a:buSzPts val="1400"/>
-              <a:buFont typeface="Arial"/>
-              <a:buNone/>
-              <a:tabLst/>
-              <a:defRPr/>
-            </a:pPr>
-            <a:r>
-              <a:rPr lang="en-US" sz="1600" baseline="0" dirty="0"/>
-              <a:t>As people come up to read and add their notes, if they’re similar to another note, they should put them close together.</a:t>
-            </a:r>
-          </a:p>
-          <a:p>
-            <a:pPr marL="0" marR="0" lvl="0" indent="0" algn="l" defTabSz="914400" rtl="0" eaLnBrk="1" fontAlgn="auto" latinLnBrk="0" hangingPunct="1">
-              <a:lnSpc>
-                <a:spcPct val="100000"/>
-              </a:lnSpc>
-              <a:spcBef>
-                <a:spcPts val="0"/>
-              </a:spcBef>
-              <a:spcAft>
-                <a:spcPts val="0"/>
-              </a:spcAft>
-              <a:buClr>
-                <a:srgbClr val="000000"/>
-              </a:buClr>
-              <a:buSzPts val="1400"/>
-              <a:buFont typeface="Arial"/>
-              <a:buNone/>
-              <a:tabLst/>
-              <a:defRPr/>
-            </a:pPr>
-            <a:r>
-              <a:rPr lang="en-US" sz="1600" baseline="0" dirty="0"/>
-              <a:t>Then the whole group should come up and make sure all common tasks are bunched up together. </a:t>
-            </a:r>
-          </a:p>
-          <a:p>
-            <a:pPr marL="0" marR="0" lvl="0" indent="0" algn="l" defTabSz="914400" rtl="0" eaLnBrk="1" fontAlgn="auto" latinLnBrk="0" hangingPunct="1">
-              <a:lnSpc>
-                <a:spcPct val="100000"/>
-              </a:lnSpc>
-              <a:spcBef>
-                <a:spcPts val="0"/>
-              </a:spcBef>
-              <a:spcAft>
-                <a:spcPts val="0"/>
-              </a:spcAft>
-              <a:buClr>
-                <a:srgbClr val="000000"/>
-              </a:buClr>
-              <a:buSzPts val="1400"/>
-              <a:buFont typeface="Arial"/>
-              <a:buNone/>
-              <a:tabLst/>
-              <a:defRPr/>
-            </a:pPr>
-            <a:r>
-              <a:rPr lang="en-US" sz="1600" dirty="0"/>
-              <a:t> Then the group can create a competency name that they think is covered</a:t>
-            </a:r>
-            <a:r>
-              <a:rPr lang="en-US" sz="1600" baseline="0" dirty="0"/>
-              <a:t> by each common group of tasks. </a:t>
-            </a:r>
-            <a:endParaRPr lang="en-US" sz="1600" dirty="0"/>
-          </a:p>
-          <a:p>
-            <a:pPr marL="0" lvl="0" indent="0" algn="l" rtl="0">
-              <a:spcBef>
-                <a:spcPts val="0"/>
-              </a:spcBef>
-              <a:spcAft>
-                <a:spcPts val="0"/>
-              </a:spcAft>
-              <a:buNone/>
-            </a:pPr>
-            <a:endParaRPr lang="en-US" sz="1600" dirty="0"/>
-          </a:p>
-          <a:p>
-            <a:pPr marL="0" lvl="0" indent="0" algn="l" rtl="0">
-              <a:spcBef>
-                <a:spcPts val="0"/>
-              </a:spcBef>
-              <a:spcAft>
-                <a:spcPts val="0"/>
-              </a:spcAft>
-              <a:buNone/>
-            </a:pPr>
-            <a:r>
-              <a:rPr lang="en-US" sz="1600" dirty="0"/>
-              <a:t>Ask</a:t>
-            </a:r>
-            <a:r>
-              <a:rPr lang="en-US" sz="1600" baseline="0" dirty="0"/>
-              <a:t> the SMEs if there are any EQ related competencies they think are required that are not represented by the groupings. Also ask them if there is enough technical competencies represented versus only soft competencies (leadership, collaboration, analysis, </a:t>
-            </a:r>
-            <a:r>
-              <a:rPr lang="en-US" sz="1600" baseline="0" dirty="0" err="1"/>
-              <a:t>etc</a:t>
-            </a:r>
-            <a:r>
-              <a:rPr lang="en-US" sz="1600" baseline="0" dirty="0"/>
-              <a:t>).  </a:t>
-            </a:r>
-            <a:endParaRPr lang="en-US" sz="1600" dirty="0"/>
+              <a:t>Participants should take about 15 minutes to write down daily job tasks for the role.</a:t>
+            </a:r>
           </a:p>
         </p:txBody>
       </p:sp>
     </p:spTree>
     <p:extLst>
       <p:ext uri="{BB962C8B-B14F-4D97-AF65-F5344CB8AC3E}">
-        <p14:creationId xmlns:p14="http://schemas.microsoft.com/office/powerpoint/2010/main" val="340954401"/>
+        <p14:creationId xmlns:p14="http://schemas.microsoft.com/office/powerpoint/2010/main" val="138556394"/>
       </p:ext>
     </p:extLst>
   </p:cSld>
@@ -3765,11 +3800,11 @@
 </file>
 
 <file path=ppt/notesSlides/notesSlide8.xml><?xml version="1.0" encoding="utf-8"?>
-<p:notes xmlns:a="http://schemas.openxmlformats.org/drawingml/2006/main" xmlns:r="http://schemas.openxmlformats.org/officeDocument/2006/relationships" xmlns:p="http://schemas.openxmlformats.org/presentationml/2006/main">
+<p:notes xmlns:a="http://schemas.openxmlformats.org/drawingml/2006/main" xmlns:r="http://schemas.openxmlformats.org/officeDocument/2006/relationships" xmlns:p="http://schemas.openxmlformats.org/presentationml/2006/main" showMasterSp="0" showMasterPhAnim="0">
   <p:cSld>
     <p:spTree>
       <p:nvGrpSpPr>
-        <p:cNvPr id="1" name=""/>
+        <p:cNvPr id="1" name="Shape 161"/>
         <p:cNvGrpSpPr/>
         <p:nvPr/>
       </p:nvGrpSpPr>
@@ -3783,39 +3818,232 @@
       </p:grpSpPr>
       <p:sp>
         <p:nvSpPr>
-          <p:cNvPr id="2" name="Slide Image Placeholder 1"/>
+          <p:cNvPr id="162" name="Google Shape;162;g4e285569a2_1_0:notes"/>
           <p:cNvSpPr>
             <a:spLocks noGrp="1" noRot="1" noChangeAspect="1"/>
           </p:cNvSpPr>
           <p:nvPr>
-            <p:ph type="sldImg"/>
+            <p:ph type="sldImg" idx="2"/>
           </p:nvPr>
         </p:nvSpPr>
-        <p:spPr/>
+        <p:spPr>
+          <a:xfrm>
+            <a:off x="342900" y="696913"/>
+            <a:ext cx="6197600" cy="3486150"/>
+          </a:xfrm>
+          <a:custGeom>
+            <a:avLst/>
+            <a:gdLst/>
+            <a:ahLst/>
+            <a:cxnLst/>
+            <a:rect l="l" t="t" r="r" b="b"/>
+            <a:pathLst>
+              <a:path w="120000" h="120000" extrusionOk="0">
+                <a:moveTo>
+                  <a:pt x="0" y="0"/>
+                </a:moveTo>
+                <a:lnTo>
+                  <a:pt x="120000" y="0"/>
+                </a:lnTo>
+                <a:lnTo>
+                  <a:pt x="120000" y="120000"/>
+                </a:lnTo>
+                <a:lnTo>
+                  <a:pt x="0" y="120000"/>
+                </a:lnTo>
+                <a:close/>
+              </a:path>
+            </a:pathLst>
+          </a:custGeom>
+        </p:spPr>
       </p:sp>
       <p:sp>
         <p:nvSpPr>
-          <p:cNvPr id="3" name="Notes Placeholder 2"/>
-          <p:cNvSpPr>
+          <p:cNvPr id="163" name="Google Shape;163;g4e285569a2_1_0:notes"/>
+          <p:cNvSpPr txBox="1">
             <a:spLocks noGrp="1"/>
           </p:cNvSpPr>
           <p:nvPr>
             <p:ph type="body" idx="1"/>
           </p:nvPr>
         </p:nvSpPr>
-        <p:spPr/>
+        <p:spPr>
+          <a:xfrm>
+            <a:off x="917575" y="4415790"/>
+            <a:ext cx="5046600" cy="4183500"/>
+          </a:xfrm>
+          <a:prstGeom prst="rect">
+            <a:avLst/>
+          </a:prstGeom>
+        </p:spPr>
         <p:txBody>
-          <a:bodyPr/>
+          <a:bodyPr spcFirstLastPara="1" wrap="square" lIns="92425" tIns="46200" rIns="92425" bIns="46200" anchor="t" anchorCtr="0">
+            <a:noAutofit/>
+          </a:bodyPr>
           <a:lstStyle/>
           <a:p>
-            <a:endParaRPr lang="en-US" dirty="0"/>
+            <a:pPr marL="0" marR="0" lvl="0" indent="0" algn="l" defTabSz="914400" rtl="0" eaLnBrk="1" fontAlgn="auto" latinLnBrk="0" hangingPunct="1">
+              <a:lnSpc>
+                <a:spcPct val="100000"/>
+              </a:lnSpc>
+              <a:spcBef>
+                <a:spcPts val="0"/>
+              </a:spcBef>
+              <a:spcAft>
+                <a:spcPts val="0"/>
+              </a:spcAft>
+              <a:buClr>
+                <a:srgbClr val="000000"/>
+              </a:buClr>
+              <a:buSzPts val="1400"/>
+              <a:buFont typeface="Arial"/>
+              <a:buNone/>
+              <a:tabLst/>
+              <a:defRPr/>
+            </a:pPr>
+            <a:r>
+              <a:rPr lang="en-US" sz="1600" dirty="0"/>
+              <a:t>Notes for instructor:</a:t>
+            </a:r>
+            <a:r>
+              <a:rPr lang="en-US" sz="1600" baseline="0" dirty="0"/>
+              <a:t> </a:t>
+            </a:r>
+            <a:r>
+              <a:rPr lang="en-US" sz="1600" dirty="0"/>
+              <a:t>After</a:t>
+            </a:r>
+            <a:r>
+              <a:rPr lang="en-US" sz="1600" baseline="0" dirty="0"/>
+              <a:t> 10 minutes, if some folks are done, invite them to start coming up to put their tasks down while reading them aloud. If any are multiple tasks in one note, the leader should ask them to break it up into two different notes. If something is not really a task beginning with a verb, it should also be sent back.</a:t>
+            </a:r>
+          </a:p>
+          <a:p>
+            <a:pPr marL="0" marR="0" lvl="0" indent="0" algn="l" defTabSz="914400" rtl="0" eaLnBrk="1" fontAlgn="auto" latinLnBrk="0" hangingPunct="1">
+              <a:lnSpc>
+                <a:spcPct val="100000"/>
+              </a:lnSpc>
+              <a:spcBef>
+                <a:spcPts val="0"/>
+              </a:spcBef>
+              <a:spcAft>
+                <a:spcPts val="0"/>
+              </a:spcAft>
+              <a:buClr>
+                <a:srgbClr val="000000"/>
+              </a:buClr>
+              <a:buSzPts val="1400"/>
+              <a:buFont typeface="Arial"/>
+              <a:buNone/>
+              <a:tabLst/>
+              <a:defRPr/>
+            </a:pPr>
+            <a:r>
+              <a:rPr lang="en-US" sz="1600" baseline="0" dirty="0"/>
+              <a:t>As people come up to read and add their notes, if they’re similar to another note, they should put them close together.</a:t>
+            </a:r>
+          </a:p>
+          <a:p>
+            <a:pPr marL="0" marR="0" lvl="0" indent="0" algn="l" defTabSz="914400" rtl="0" eaLnBrk="1" fontAlgn="auto" latinLnBrk="0" hangingPunct="1">
+              <a:lnSpc>
+                <a:spcPct val="100000"/>
+              </a:lnSpc>
+              <a:spcBef>
+                <a:spcPts val="0"/>
+              </a:spcBef>
+              <a:spcAft>
+                <a:spcPts val="0"/>
+              </a:spcAft>
+              <a:buClr>
+                <a:srgbClr val="000000"/>
+              </a:buClr>
+              <a:buSzPts val="1400"/>
+              <a:buFont typeface="Arial"/>
+              <a:buNone/>
+              <a:tabLst/>
+              <a:defRPr/>
+            </a:pPr>
+            <a:r>
+              <a:rPr lang="en-US" sz="1600" baseline="0" dirty="0"/>
+              <a:t>Then the whole group should come up and make sure all common tasks are bunched up together. </a:t>
+            </a:r>
+          </a:p>
+          <a:p>
+            <a:pPr marL="0" marR="0" lvl="0" indent="0" algn="l" defTabSz="914400" rtl="0" eaLnBrk="1" fontAlgn="auto" latinLnBrk="0" hangingPunct="1">
+              <a:lnSpc>
+                <a:spcPct val="100000"/>
+              </a:lnSpc>
+              <a:spcBef>
+                <a:spcPts val="0"/>
+              </a:spcBef>
+              <a:spcAft>
+                <a:spcPts val="0"/>
+              </a:spcAft>
+              <a:buClr>
+                <a:srgbClr val="000000"/>
+              </a:buClr>
+              <a:buSzPts val="1400"/>
+              <a:buFont typeface="Arial"/>
+              <a:buNone/>
+              <a:tabLst/>
+              <a:defRPr/>
+            </a:pPr>
+            <a:r>
+              <a:rPr lang="en-US" sz="1600" dirty="0"/>
+              <a:t> Then the group can create a competency name that they think is covered</a:t>
+            </a:r>
+            <a:r>
+              <a:rPr lang="en-US" sz="1600" baseline="0" dirty="0"/>
+              <a:t> by each common group of tasks. </a:t>
+            </a:r>
+            <a:endParaRPr lang="en-US" sz="1600" dirty="0"/>
+          </a:p>
+          <a:p>
+            <a:pPr marL="0" lvl="0" indent="0" algn="l" rtl="0">
+              <a:spcBef>
+                <a:spcPts val="0"/>
+              </a:spcBef>
+              <a:spcAft>
+                <a:spcPts val="0"/>
+              </a:spcAft>
+              <a:buNone/>
+            </a:pPr>
+            <a:endParaRPr lang="en-US" sz="1600" dirty="0"/>
+          </a:p>
+          <a:p>
+            <a:pPr marL="0" lvl="0" indent="0" algn="l" rtl="0">
+              <a:spcBef>
+                <a:spcPts val="0"/>
+              </a:spcBef>
+              <a:spcAft>
+                <a:spcPts val="0"/>
+              </a:spcAft>
+              <a:buNone/>
+            </a:pPr>
+            <a:r>
+              <a:rPr lang="en-US" sz="1600" dirty="0"/>
+              <a:t>Ask</a:t>
+            </a:r>
+            <a:r>
+              <a:rPr lang="en-US" sz="1600" baseline="0" dirty="0"/>
+              <a:t> the SMEs if there are any EQ related competencies they think are required that are not represented by the groupings. Also ask them if there is enough technical competencies represented versus only soft competencies (leadership, collaboration, analysis, </a:t>
+            </a:r>
+            <a:r>
+              <a:rPr lang="en-US" sz="1600" baseline="0" dirty="0" err="1"/>
+              <a:t>etc</a:t>
+            </a:r>
+            <a:r>
+              <a:rPr lang="en-US" sz="1600" baseline="0" dirty="0"/>
+              <a:t>).  </a:t>
+            </a:r>
+            <a:endParaRPr lang="en-US" sz="1600" dirty="0"/>
           </a:p>
         </p:txBody>
       </p:sp>
     </p:spTree>
     <p:extLst>
       <p:ext uri="{BB962C8B-B14F-4D97-AF65-F5344CB8AC3E}">
-        <p14:creationId xmlns:p14="http://schemas.microsoft.com/office/powerpoint/2010/main" val="627141534"/>
+        <p14:creationId xmlns:p14="http://schemas.microsoft.com/office/powerpoint/2010/main" val="340954401"/>
       </p:ext>
     </p:extLst>
   </p:cSld>
@@ -3826,11 +4054,11 @@
 </file>
 
 <file path=ppt/notesSlides/notesSlide9.xml><?xml version="1.0" encoding="utf-8"?>
-<p:notes xmlns:a="http://schemas.openxmlformats.org/drawingml/2006/main" xmlns:r="http://schemas.openxmlformats.org/officeDocument/2006/relationships" xmlns:p="http://schemas.openxmlformats.org/presentationml/2006/main">
+<p:notes xmlns:a="http://schemas.openxmlformats.org/drawingml/2006/main" xmlns:r="http://schemas.openxmlformats.org/officeDocument/2006/relationships" xmlns:p="http://schemas.openxmlformats.org/presentationml/2006/main" showMasterSp="0" showMasterPhAnim="0">
   <p:cSld>
     <p:spTree>
       <p:nvGrpSpPr>
-        <p:cNvPr id="1" name=""/>
+        <p:cNvPr id="1" name="Shape 161"/>
         <p:cNvGrpSpPr/>
         <p:nvPr/>
       </p:nvGrpSpPr>
@@ -3844,83 +4072,97 @@
       </p:grpSpPr>
       <p:sp>
         <p:nvSpPr>
-          <p:cNvPr id="2" name="Slide Image Placeholder 1"/>
+          <p:cNvPr id="162" name="Google Shape;162;g4e285569a2_1_0:notes"/>
           <p:cNvSpPr>
             <a:spLocks noGrp="1" noRot="1" noChangeAspect="1"/>
           </p:cNvSpPr>
           <p:nvPr>
-            <p:ph type="sldImg"/>
+            <p:ph type="sldImg" idx="2"/>
           </p:nvPr>
         </p:nvSpPr>
-        <p:spPr/>
+        <p:spPr>
+          <a:xfrm>
+            <a:off x="342900" y="696913"/>
+            <a:ext cx="6197600" cy="3486150"/>
+          </a:xfrm>
+          <a:custGeom>
+            <a:avLst/>
+            <a:gdLst/>
+            <a:ahLst/>
+            <a:cxnLst/>
+            <a:rect l="l" t="t" r="r" b="b"/>
+            <a:pathLst>
+              <a:path w="120000" h="120000" extrusionOk="0">
+                <a:moveTo>
+                  <a:pt x="0" y="0"/>
+                </a:moveTo>
+                <a:lnTo>
+                  <a:pt x="120000" y="0"/>
+                </a:lnTo>
+                <a:lnTo>
+                  <a:pt x="120000" y="120000"/>
+                </a:lnTo>
+                <a:lnTo>
+                  <a:pt x="0" y="120000"/>
+                </a:lnTo>
+                <a:close/>
+              </a:path>
+            </a:pathLst>
+          </a:custGeom>
+        </p:spPr>
       </p:sp>
       <p:sp>
         <p:nvSpPr>
-          <p:cNvPr id="3" name="Notes Placeholder 2"/>
-          <p:cNvSpPr>
+          <p:cNvPr id="163" name="Google Shape;163;g4e285569a2_1_0:notes"/>
+          <p:cNvSpPr txBox="1">
             <a:spLocks noGrp="1"/>
           </p:cNvSpPr>
           <p:nvPr>
             <p:ph type="body" idx="1"/>
           </p:nvPr>
         </p:nvSpPr>
-        <p:spPr/>
+        <p:spPr>
+          <a:xfrm>
+            <a:off x="917575" y="4415790"/>
+            <a:ext cx="5046600" cy="4183500"/>
+          </a:xfrm>
+          <a:prstGeom prst="rect">
+            <a:avLst/>
+          </a:prstGeom>
+        </p:spPr>
         <p:txBody>
-          <a:bodyPr/>
+          <a:bodyPr spcFirstLastPara="1" wrap="square" lIns="92425" tIns="46200" rIns="92425" bIns="46200" anchor="t" anchorCtr="0">
+            <a:noAutofit/>
+          </a:bodyPr>
           <a:lstStyle/>
           <a:p>
-            <a:endParaRPr lang="en-US" dirty="0"/>
-          </a:p>
-          <a:p>
-            <a:r>
-              <a:rPr lang="en-US" sz="2200" b="0" i="0" u="none" strike="noStrike" cap="none" dirty="0">
-                <a:solidFill>
-                  <a:srgbClr val="000000"/>
-                </a:solidFill>
-                <a:effectLst/>
-                <a:latin typeface="Merriweather Sans"/>
-                <a:ea typeface="Merriweather Sans"/>
-                <a:cs typeface="Merriweather Sans"/>
-                <a:sym typeface="Merriweather Sans"/>
-              </a:rPr>
-              <a:t>DO NOT require agency-specific certifications, technologies, etc. that aren’t common in the private sector. </a:t>
-            </a:r>
-          </a:p>
-          <a:p>
-            <a:endParaRPr lang="en-US" sz="2200" b="0" i="0" u="none" strike="noStrike" cap="none" dirty="0">
-              <a:solidFill>
+            <a:pPr marL="0" marR="0" lvl="0" indent="0" algn="l" defTabSz="914400" rtl="0" eaLnBrk="1" fontAlgn="auto" latinLnBrk="0" hangingPunct="1">
+              <a:lnSpc>
+                <a:spcPct val="100000"/>
+              </a:lnSpc>
+              <a:spcBef>
+                <a:spcPts val="0"/>
+              </a:spcBef>
+              <a:spcAft>
+                <a:spcPts val="0"/>
+              </a:spcAft>
+              <a:buClr>
                 <a:srgbClr val="000000"/>
-              </a:solidFill>
-              <a:effectLst/>
-              <a:latin typeface="Merriweather Sans"/>
-              <a:ea typeface="Merriweather Sans"/>
-              <a:cs typeface="Merriweather Sans"/>
-              <a:sym typeface="Merriweather Sans"/>
-            </a:endParaRPr>
-          </a:p>
-          <a:p>
-            <a:r>
-              <a:rPr lang="en-US" sz="2200" b="0" i="0" u="none" strike="noStrike" cap="none" dirty="0">
-                <a:solidFill>
-                  <a:srgbClr val="000000"/>
-                </a:solidFill>
-                <a:effectLst/>
-                <a:latin typeface="Merriweather Sans"/>
-                <a:sym typeface="Merriweather Sans"/>
-              </a:rPr>
-              <a:t>DO NOT require experience with government-only tech, this may exclude private sector applicants who could do the job well</a:t>
-            </a:r>
-            <a:endParaRPr lang="en-US" dirty="0"/>
-          </a:p>
-          <a:p>
-            <a:endParaRPr lang="en-US" dirty="0"/>
+              </a:buClr>
+              <a:buSzPts val="1400"/>
+              <a:buFont typeface="Arial"/>
+              <a:buNone/>
+              <a:tabLst/>
+              <a:defRPr/>
+            </a:pPr>
+            <a:endParaRPr lang="en-US" sz="1600" dirty="0"/>
           </a:p>
         </p:txBody>
       </p:sp>
     </p:spTree>
     <p:extLst>
       <p:ext uri="{BB962C8B-B14F-4D97-AF65-F5344CB8AC3E}">
-        <p14:creationId xmlns:p14="http://schemas.microsoft.com/office/powerpoint/2010/main" val="4230347775"/>
+        <p14:creationId xmlns:p14="http://schemas.microsoft.com/office/powerpoint/2010/main" val="3311435134"/>
       </p:ext>
     </p:extLst>
   </p:cSld>
@@ -7360,6 +7602,268 @@
   <p:cSld>
     <p:spTree>
       <p:nvGrpSpPr>
+        <p:cNvPr id="1" name="Shape 164"/>
+        <p:cNvGrpSpPr/>
+        <p:nvPr/>
+      </p:nvGrpSpPr>
+      <p:grpSpPr>
+        <a:xfrm>
+          <a:off x="0" y="0"/>
+          <a:ext cx="0" cy="0"/>
+          <a:chOff x="0" y="0"/>
+          <a:chExt cx="0" cy="0"/>
+        </a:xfrm>
+      </p:grpSpPr>
+      <p:sp>
+        <p:nvSpPr>
+          <p:cNvPr id="165" name="Google Shape;165;p33"/>
+          <p:cNvSpPr txBox="1">
+            <a:spLocks noGrp="1"/>
+          </p:cNvSpPr>
+          <p:nvPr>
+            <p:ph type="title"/>
+          </p:nvPr>
+        </p:nvSpPr>
+        <p:spPr/>
+        <p:txBody>
+          <a:bodyPr/>
+          <a:lstStyle/>
+          <a:p>
+            <a:pPr lvl="0"/>
+            <a:r>
+              <a:rPr lang="en-US" dirty="0"/>
+              <a:t>Example Groupings from Past Workshops</a:t>
+            </a:r>
+          </a:p>
+        </p:txBody>
+      </p:sp>
+      <p:sp>
+        <p:nvSpPr>
+          <p:cNvPr id="4" name="TextBox 3">
+            <a:extLst>
+              <a:ext uri="{FF2B5EF4-FFF2-40B4-BE49-F238E27FC236}">
+                <a16:creationId xmlns:a16="http://schemas.microsoft.com/office/drawing/2014/main" id="{A58307FC-FEC4-AD4D-98B3-926DA76B3493}"/>
+              </a:ext>
+            </a:extLst>
+          </p:cNvPr>
+          <p:cNvSpPr txBox="1"/>
+          <p:nvPr/>
+        </p:nvSpPr>
+        <p:spPr>
+          <a:xfrm>
+            <a:off x="17322800" y="762000"/>
+            <a:ext cx="184731" cy="307777"/>
+          </a:xfrm>
+          <a:prstGeom prst="rect">
+            <a:avLst/>
+          </a:prstGeom>
+          <a:noFill/>
+        </p:spPr>
+        <p:txBody>
+          <a:bodyPr wrap="none" rtlCol="0">
+            <a:spAutoFit/>
+          </a:bodyPr>
+          <a:lstStyle/>
+          <a:p>
+            <a:endParaRPr lang="en-US" dirty="0"/>
+          </a:p>
+        </p:txBody>
+      </p:sp>
+      <p:pic>
+        <p:nvPicPr>
+          <p:cNvPr id="6" name="Picture 5">
+            <a:extLst>
+              <a:ext uri="{FF2B5EF4-FFF2-40B4-BE49-F238E27FC236}">
+                <a16:creationId xmlns:a16="http://schemas.microsoft.com/office/drawing/2014/main" id="{C1AF7104-023E-9B42-B871-2CCD77CB194A}"/>
+              </a:ext>
+            </a:extLst>
+          </p:cNvPr>
+          <p:cNvPicPr>
+            <a:picLocks noChangeAspect="1"/>
+          </p:cNvPicPr>
+          <p:nvPr/>
+        </p:nvPicPr>
+        <p:blipFill>
+          <a:blip r:embed="rId3"/>
+          <a:stretch>
+            <a:fillRect/>
+          </a:stretch>
+        </p:blipFill>
+        <p:spPr>
+          <a:xfrm>
+            <a:off x="311886" y="1270000"/>
+            <a:ext cx="7797800" cy="8483600"/>
+          </a:xfrm>
+          <a:prstGeom prst="rect">
+            <a:avLst/>
+          </a:prstGeom>
+          <a:ln>
+            <a:solidFill>
+              <a:schemeClr val="tx2"/>
+            </a:solidFill>
+          </a:ln>
+        </p:spPr>
+      </p:pic>
+      <p:pic>
+        <p:nvPicPr>
+          <p:cNvPr id="10" name="Picture 9">
+            <a:extLst>
+              <a:ext uri="{FF2B5EF4-FFF2-40B4-BE49-F238E27FC236}">
+                <a16:creationId xmlns:a16="http://schemas.microsoft.com/office/drawing/2014/main" id="{2B2EAE93-3963-2F47-BE11-A9341DAA2B28}"/>
+              </a:ext>
+            </a:extLst>
+          </p:cNvPr>
+          <p:cNvPicPr>
+            <a:picLocks noChangeAspect="1"/>
+          </p:cNvPicPr>
+          <p:nvPr/>
+        </p:nvPicPr>
+        <p:blipFill>
+          <a:blip r:embed="rId4"/>
+          <a:stretch>
+            <a:fillRect/>
+          </a:stretch>
+        </p:blipFill>
+        <p:spPr>
+          <a:xfrm>
+            <a:off x="8989943" y="1270000"/>
+            <a:ext cx="8038514" cy="8483600"/>
+          </a:xfrm>
+          <a:prstGeom prst="rect">
+            <a:avLst/>
+          </a:prstGeom>
+          <a:ln>
+            <a:solidFill>
+              <a:schemeClr val="tx2"/>
+            </a:solidFill>
+          </a:ln>
+        </p:spPr>
+      </p:pic>
+    </p:spTree>
+    <p:extLst>
+      <p:ext uri="{BB962C8B-B14F-4D97-AF65-F5344CB8AC3E}">
+        <p14:creationId xmlns:p14="http://schemas.microsoft.com/office/powerpoint/2010/main" val="2056118188"/>
+      </p:ext>
+    </p:extLst>
+  </p:cSld>
+  <p:clrMapOvr>
+    <a:masterClrMapping/>
+  </p:clrMapOvr>
+</p:sld>
+</file>
+
+<file path=ppt/slides/slide11.xml><?xml version="1.0" encoding="utf-8"?>
+<p:sld xmlns:a="http://schemas.openxmlformats.org/drawingml/2006/main" xmlns:r="http://schemas.openxmlformats.org/officeDocument/2006/relationships" xmlns:p="http://schemas.openxmlformats.org/presentationml/2006/main">
+  <p:cSld>
+    <p:spTree>
+      <p:nvGrpSpPr>
+        <p:cNvPr id="1" name=""/>
+        <p:cNvGrpSpPr/>
+        <p:nvPr/>
+      </p:nvGrpSpPr>
+      <p:grpSpPr>
+        <a:xfrm>
+          <a:off x="0" y="0"/>
+          <a:ext cx="0" cy="0"/>
+          <a:chOff x="0" y="0"/>
+          <a:chExt cx="0" cy="0"/>
+        </a:xfrm>
+      </p:grpSpPr>
+      <p:sp>
+        <p:nvSpPr>
+          <p:cNvPr id="2" name="Title 1">
+            <a:extLst>
+              <a:ext uri="{FF2B5EF4-FFF2-40B4-BE49-F238E27FC236}">
+                <a16:creationId xmlns:a16="http://schemas.microsoft.com/office/drawing/2014/main" id="{9BFF689B-CB37-F045-890E-1702F6255CD6}"/>
+              </a:ext>
+            </a:extLst>
+          </p:cNvPr>
+          <p:cNvSpPr>
+            <a:spLocks noGrp="1"/>
+          </p:cNvSpPr>
+          <p:nvPr>
+            <p:ph type="title"/>
+          </p:nvPr>
+        </p:nvSpPr>
+        <p:spPr/>
+        <p:txBody>
+          <a:bodyPr/>
+          <a:lstStyle/>
+          <a:p>
+            <a:r>
+              <a:rPr lang="en-US" dirty="0"/>
+              <a:t>Dot Voting and discussion</a:t>
+            </a:r>
+          </a:p>
+        </p:txBody>
+      </p:sp>
+      <p:sp>
+        <p:nvSpPr>
+          <p:cNvPr id="3" name="Text Placeholder 2">
+            <a:extLst>
+              <a:ext uri="{FF2B5EF4-FFF2-40B4-BE49-F238E27FC236}">
+                <a16:creationId xmlns:a16="http://schemas.microsoft.com/office/drawing/2014/main" id="{9C73CD77-D3DE-854F-9047-B671C3713E10}"/>
+              </a:ext>
+            </a:extLst>
+          </p:cNvPr>
+          <p:cNvSpPr>
+            <a:spLocks noGrp="1"/>
+          </p:cNvSpPr>
+          <p:nvPr>
+            <p:ph type="body" idx="1"/>
+          </p:nvPr>
+        </p:nvSpPr>
+        <p:spPr/>
+        <p:txBody>
+          <a:bodyPr/>
+          <a:lstStyle/>
+          <a:p>
+            <a:r>
+              <a:rPr lang="en-US" dirty="0"/>
+              <a:t>Use dots to vote for most critical competencies for this position.</a:t>
+            </a:r>
+          </a:p>
+          <a:p>
+            <a:r>
+              <a:rPr lang="en-US" dirty="0"/>
+              <a:t>Limited number of dots so we can prioritize.</a:t>
+            </a:r>
+          </a:p>
+          <a:p>
+            <a:r>
+              <a:rPr lang="en-US" dirty="0"/>
+              <a:t>Goal is to select 4–6 critical competencies.</a:t>
+            </a:r>
+          </a:p>
+          <a:p>
+            <a:r>
+              <a:rPr lang="en-US" dirty="0"/>
+              <a:t>During this exercise, limit the number of tasks to just 4-5 under each competency.</a:t>
+            </a:r>
+          </a:p>
+          <a:p>
+            <a:endParaRPr lang="en-US" dirty="0"/>
+          </a:p>
+        </p:txBody>
+      </p:sp>
+    </p:spTree>
+    <p:extLst>
+      <p:ext uri="{BB962C8B-B14F-4D97-AF65-F5344CB8AC3E}">
+        <p14:creationId xmlns:p14="http://schemas.microsoft.com/office/powerpoint/2010/main" val="2342716868"/>
+      </p:ext>
+    </p:extLst>
+  </p:cSld>
+  <p:clrMapOvr>
+    <a:masterClrMapping/>
+  </p:clrMapOvr>
+</p:sld>
+</file>
+
+<file path=ppt/slides/slide12.xml><?xml version="1.0" encoding="utf-8"?>
+<p:sld xmlns:a="http://schemas.openxmlformats.org/drawingml/2006/main" xmlns:r="http://schemas.openxmlformats.org/officeDocument/2006/relationships" xmlns:p="http://schemas.openxmlformats.org/presentationml/2006/main">
+  <p:cSld>
+    <p:spTree>
+      <p:nvGrpSpPr>
         <p:cNvPr id="1" name=""/>
         <p:cNvGrpSpPr/>
         <p:nvPr/>
@@ -7478,7 +7982,7 @@
 </p:sld>
 </file>
 
-<file path=ppt/slides/slide11.xml><?xml version="1.0" encoding="utf-8"?>
+<file path=ppt/slides/slide13.xml><?xml version="1.0" encoding="utf-8"?>
 <p:sld xmlns:a="http://schemas.openxmlformats.org/drawingml/2006/main" xmlns:r="http://schemas.openxmlformats.org/officeDocument/2006/relationships" xmlns:p="http://schemas.openxmlformats.org/presentationml/2006/main">
   <p:cSld>
     <p:spTree>
@@ -7633,7 +8137,7 @@
 </p:sld>
 </file>
 
-<file path=ppt/slides/slide12.xml><?xml version="1.0" encoding="utf-8"?>
+<file path=ppt/slides/slide14.xml><?xml version="1.0" encoding="utf-8"?>
 <p:sld xmlns:a="http://schemas.openxmlformats.org/drawingml/2006/main" xmlns:r="http://schemas.openxmlformats.org/officeDocument/2006/relationships" xmlns:p="http://schemas.openxmlformats.org/presentationml/2006/main">
   <p:cSld>
     <p:spTree>
@@ -7807,7 +8311,7 @@
 </p:sld>
 </file>
 
-<file path=ppt/slides/slide13.xml><?xml version="1.0" encoding="utf-8"?>
+<file path=ppt/slides/slide15.xml><?xml version="1.0" encoding="utf-8"?>
 <p:sld xmlns:a="http://schemas.openxmlformats.org/drawingml/2006/main" xmlns:r="http://schemas.openxmlformats.org/officeDocument/2006/relationships" xmlns:p="http://schemas.openxmlformats.org/presentationml/2006/main">
   <p:cSld>
     <p:spTree>
@@ -7890,228 +8394,6 @@
     <p:extLst>
       <p:ext uri="{BB962C8B-B14F-4D97-AF65-F5344CB8AC3E}">
         <p14:creationId xmlns:p14="http://schemas.microsoft.com/office/powerpoint/2010/main" val="3689359389"/>
-      </p:ext>
-    </p:extLst>
-  </p:cSld>
-  <p:clrMapOvr>
-    <a:masterClrMapping/>
-  </p:clrMapOvr>
-</p:sld>
-</file>
-
-<file path=ppt/slides/slide14.xml><?xml version="1.0" encoding="utf-8"?>
-<p:sld xmlns:a="http://schemas.openxmlformats.org/drawingml/2006/main" xmlns:r="http://schemas.openxmlformats.org/officeDocument/2006/relationships" xmlns:p="http://schemas.openxmlformats.org/presentationml/2006/main">
-  <p:cSld>
-    <p:spTree>
-      <p:nvGrpSpPr>
-        <p:cNvPr id="1" name="Shape 307"/>
-        <p:cNvGrpSpPr/>
-        <p:nvPr/>
-      </p:nvGrpSpPr>
-      <p:grpSpPr>
-        <a:xfrm>
-          <a:off x="0" y="0"/>
-          <a:ext cx="0" cy="0"/>
-          <a:chOff x="0" y="0"/>
-          <a:chExt cx="0" cy="0"/>
-        </a:xfrm>
-      </p:grpSpPr>
-      <p:sp>
-        <p:nvSpPr>
-          <p:cNvPr id="4" name="Google Shape;68;p20">
-            <a:extLst>
-              <a:ext uri="{FF2B5EF4-FFF2-40B4-BE49-F238E27FC236}">
-                <a16:creationId xmlns:a16="http://schemas.microsoft.com/office/drawing/2014/main" id="{FF013F16-4A52-9A45-B7A8-5DE84E4CEFE2}"/>
-              </a:ext>
-            </a:extLst>
-          </p:cNvPr>
-          <p:cNvSpPr txBox="1">
-            <a:spLocks noGrp="1"/>
-          </p:cNvSpPr>
-          <p:nvPr>
-            <p:ph type="body" idx="1"/>
-          </p:nvPr>
-        </p:nvSpPr>
-        <p:spPr>
-          <a:xfrm>
-            <a:off x="2308393" y="4027713"/>
-            <a:ext cx="12723989" cy="2893800"/>
-          </a:xfrm>
-        </p:spPr>
-        <p:txBody>
-          <a:bodyPr>
-            <a:normAutofit/>
-          </a:bodyPr>
-          <a:lstStyle/>
-          <a:p>
-            <a:pPr lvl="0"/>
-            <a:r>
-              <a:rPr lang="en-US" dirty="0">
-                <a:sym typeface="Cambria"/>
-              </a:rPr>
-              <a:t>End of Day 1 Presentation</a:t>
-            </a:r>
-            <a:endParaRPr lang="en-US" dirty="0"/>
-          </a:p>
-        </p:txBody>
-      </p:sp>
-    </p:spTree>
-  </p:cSld>
-  <p:clrMapOvr>
-    <a:masterClrMapping/>
-  </p:clrMapOvr>
-</p:sld>
-</file>
-
-<file path=ppt/slides/slide15.xml><?xml version="1.0" encoding="utf-8"?>
-<p:sld xmlns:a="http://schemas.openxmlformats.org/drawingml/2006/main" xmlns:r="http://schemas.openxmlformats.org/officeDocument/2006/relationships" xmlns:p="http://schemas.openxmlformats.org/presentationml/2006/main">
-  <p:cSld>
-    <p:bg>
-      <p:bgPr>
-        <a:solidFill>
-          <a:srgbClr val="FFFF00"/>
-        </a:solidFill>
-        <a:effectLst/>
-      </p:bgPr>
-    </p:bg>
-    <p:spTree>
-      <p:nvGrpSpPr>
-        <p:cNvPr id="1" name=""/>
-        <p:cNvGrpSpPr/>
-        <p:nvPr/>
-      </p:nvGrpSpPr>
-      <p:grpSpPr>
-        <a:xfrm>
-          <a:off x="0" y="0"/>
-          <a:ext cx="0" cy="0"/>
-          <a:chOff x="0" y="0"/>
-          <a:chExt cx="0" cy="0"/>
-        </a:xfrm>
-      </p:grpSpPr>
-      <p:sp>
-        <p:nvSpPr>
-          <p:cNvPr id="2" name="Title 1">
-            <a:extLst>
-              <a:ext uri="{FF2B5EF4-FFF2-40B4-BE49-F238E27FC236}">
-                <a16:creationId xmlns:a16="http://schemas.microsoft.com/office/drawing/2014/main" id="{A4932B72-DF93-D54D-850F-12928960533A}"/>
-              </a:ext>
-            </a:extLst>
-          </p:cNvPr>
-          <p:cNvSpPr>
-            <a:spLocks noGrp="1"/>
-          </p:cNvSpPr>
-          <p:nvPr>
-            <p:ph type="title"/>
-          </p:nvPr>
-        </p:nvSpPr>
-        <p:spPr/>
-        <p:txBody>
-          <a:bodyPr/>
-          <a:lstStyle/>
-          <a:p>
-            <a:r>
-              <a:rPr lang="en-US" dirty="0"/>
-              <a:t>&lt;Delete THIS SLIDE BEFORE PRESENTING&gt;</a:t>
-            </a:r>
-          </a:p>
-        </p:txBody>
-      </p:sp>
-      <p:sp>
-        <p:nvSpPr>
-          <p:cNvPr id="3" name="Text Placeholder 2">
-            <a:extLst>
-              <a:ext uri="{FF2B5EF4-FFF2-40B4-BE49-F238E27FC236}">
-                <a16:creationId xmlns:a16="http://schemas.microsoft.com/office/drawing/2014/main" id="{DD0C6529-1517-6D4F-B2C1-4578D2693A9A}"/>
-              </a:ext>
-            </a:extLst>
-          </p:cNvPr>
-          <p:cNvSpPr>
-            <a:spLocks noGrp="1"/>
-          </p:cNvSpPr>
-          <p:nvPr>
-            <p:ph type="body" idx="13"/>
-          </p:nvPr>
-        </p:nvSpPr>
-        <p:spPr/>
-        <p:txBody>
-          <a:bodyPr>
-            <a:normAutofit/>
-          </a:bodyPr>
-          <a:lstStyle/>
-          <a:p>
-            <a:r>
-              <a:rPr lang="en-US" b="1" dirty="0"/>
-              <a:t>PREPARE THE FOLLOWING BEFORE DAY 2</a:t>
-            </a:r>
-          </a:p>
-          <a:p>
-            <a:pPr marL="742967" indent="-571500">
-              <a:buClr>
-                <a:schemeClr val="tx2"/>
-              </a:buClr>
-              <a:buFont typeface="Arial" panose="020B0604020202020204" pitchFamily="34" charset="0"/>
-              <a:buChar char="•"/>
-            </a:pPr>
-            <a:r>
-              <a:rPr lang="en-US" dirty="0"/>
-              <a:t>HR drafts JOA with competency names and definitions, the most critical job tasks from the job task exercise, and a few sentences from the PD that describes the position in the context of the agency – will be reviewed as a team on Day 2</a:t>
-            </a:r>
-          </a:p>
-          <a:p>
-            <a:pPr marL="742967" indent="-571500">
-              <a:buClr>
-                <a:schemeClr val="tx2"/>
-              </a:buClr>
-              <a:buFont typeface="Arial" panose="020B0604020202020204" pitchFamily="34" charset="0"/>
-              <a:buChar char="•"/>
-            </a:pPr>
-            <a:r>
-              <a:rPr lang="en-US" dirty="0"/>
-              <a:t>Competencies and proficiencies in a single doc for use on Day 2</a:t>
-            </a:r>
-          </a:p>
-          <a:p>
-            <a:pPr marL="742967" indent="-571500">
-              <a:buClr>
-                <a:schemeClr val="tx2"/>
-              </a:buClr>
-              <a:buFont typeface="Arial" panose="020B0604020202020204" pitchFamily="34" charset="0"/>
-              <a:buChar char="•"/>
-            </a:pPr>
-            <a:r>
-              <a:rPr lang="en-US" dirty="0"/>
-              <a:t>Reminder: Resumes (4-5) related to this job for practice resume review (Agency Talent Portal, LinkedIn, etc.)</a:t>
-            </a:r>
-          </a:p>
-          <a:p>
-            <a:pPr marL="742967" indent="-571500">
-              <a:buClr>
-                <a:schemeClr val="tx2"/>
-              </a:buClr>
-              <a:buFont typeface="Arial" panose="020B0604020202020204" pitchFamily="34" charset="0"/>
-              <a:buChar char="•"/>
-            </a:pPr>
-            <a:endParaRPr lang="en-US" dirty="0"/>
-          </a:p>
-          <a:p>
-            <a:pPr marL="742967" indent="-571500">
-              <a:buClr>
-                <a:schemeClr val="tx2"/>
-              </a:buClr>
-              <a:buFont typeface="Arial" panose="020B0604020202020204" pitchFamily="34" charset="0"/>
-              <a:buChar char="•"/>
-            </a:pPr>
-            <a:endParaRPr lang="en-US" dirty="0"/>
-          </a:p>
-          <a:p>
-            <a:endParaRPr lang="en-US" dirty="0"/>
-          </a:p>
-        </p:txBody>
-      </p:sp>
-    </p:spTree>
-    <p:extLst>
-      <p:ext uri="{BB962C8B-B14F-4D97-AF65-F5344CB8AC3E}">
-        <p14:creationId xmlns:p14="http://schemas.microsoft.com/office/powerpoint/2010/main" val="2239205312"/>
       </p:ext>
     </p:extLst>
   </p:cSld>
@@ -8171,6 +8453,228 @@
               <a:rPr lang="en-US" dirty="0">
                 <a:sym typeface="Cambria"/>
               </a:rPr>
+              <a:t>End of Day 1 Presentation</a:t>
+            </a:r>
+            <a:endParaRPr lang="en-US" dirty="0"/>
+          </a:p>
+        </p:txBody>
+      </p:sp>
+    </p:spTree>
+  </p:cSld>
+  <p:clrMapOvr>
+    <a:masterClrMapping/>
+  </p:clrMapOvr>
+</p:sld>
+</file>
+
+<file path=ppt/slides/slide17.xml><?xml version="1.0" encoding="utf-8"?>
+<p:sld xmlns:a="http://schemas.openxmlformats.org/drawingml/2006/main" xmlns:r="http://schemas.openxmlformats.org/officeDocument/2006/relationships" xmlns:p="http://schemas.openxmlformats.org/presentationml/2006/main">
+  <p:cSld>
+    <p:bg>
+      <p:bgPr>
+        <a:solidFill>
+          <a:srgbClr val="FFFF00"/>
+        </a:solidFill>
+        <a:effectLst/>
+      </p:bgPr>
+    </p:bg>
+    <p:spTree>
+      <p:nvGrpSpPr>
+        <p:cNvPr id="1" name=""/>
+        <p:cNvGrpSpPr/>
+        <p:nvPr/>
+      </p:nvGrpSpPr>
+      <p:grpSpPr>
+        <a:xfrm>
+          <a:off x="0" y="0"/>
+          <a:ext cx="0" cy="0"/>
+          <a:chOff x="0" y="0"/>
+          <a:chExt cx="0" cy="0"/>
+        </a:xfrm>
+      </p:grpSpPr>
+      <p:sp>
+        <p:nvSpPr>
+          <p:cNvPr id="2" name="Title 1">
+            <a:extLst>
+              <a:ext uri="{FF2B5EF4-FFF2-40B4-BE49-F238E27FC236}">
+                <a16:creationId xmlns:a16="http://schemas.microsoft.com/office/drawing/2014/main" id="{A4932B72-DF93-D54D-850F-12928960533A}"/>
+              </a:ext>
+            </a:extLst>
+          </p:cNvPr>
+          <p:cNvSpPr>
+            <a:spLocks noGrp="1"/>
+          </p:cNvSpPr>
+          <p:nvPr>
+            <p:ph type="title"/>
+          </p:nvPr>
+        </p:nvSpPr>
+        <p:spPr/>
+        <p:txBody>
+          <a:bodyPr/>
+          <a:lstStyle/>
+          <a:p>
+            <a:r>
+              <a:rPr lang="en-US" dirty="0"/>
+              <a:t>&lt;Delete THIS SLIDE BEFORE PRESENTING&gt;</a:t>
+            </a:r>
+          </a:p>
+        </p:txBody>
+      </p:sp>
+      <p:sp>
+        <p:nvSpPr>
+          <p:cNvPr id="3" name="Text Placeholder 2">
+            <a:extLst>
+              <a:ext uri="{FF2B5EF4-FFF2-40B4-BE49-F238E27FC236}">
+                <a16:creationId xmlns:a16="http://schemas.microsoft.com/office/drawing/2014/main" id="{DD0C6529-1517-6D4F-B2C1-4578D2693A9A}"/>
+              </a:ext>
+            </a:extLst>
+          </p:cNvPr>
+          <p:cNvSpPr>
+            <a:spLocks noGrp="1"/>
+          </p:cNvSpPr>
+          <p:nvPr>
+            <p:ph type="body" idx="13"/>
+          </p:nvPr>
+        </p:nvSpPr>
+        <p:spPr/>
+        <p:txBody>
+          <a:bodyPr>
+            <a:normAutofit/>
+          </a:bodyPr>
+          <a:lstStyle/>
+          <a:p>
+            <a:r>
+              <a:rPr lang="en-US" b="1" dirty="0"/>
+              <a:t>PREPARE THE FOLLOWING BEFORE DAY 2</a:t>
+            </a:r>
+          </a:p>
+          <a:p>
+            <a:pPr marL="742967" indent="-571500">
+              <a:buClr>
+                <a:schemeClr val="tx2"/>
+              </a:buClr>
+              <a:buFont typeface="Arial" panose="020B0604020202020204" pitchFamily="34" charset="0"/>
+              <a:buChar char="•"/>
+            </a:pPr>
+            <a:r>
+              <a:rPr lang="en-US" dirty="0"/>
+              <a:t>HR drafts JOA with competency names and definitions, the most critical job tasks from the job task exercise, and a few sentences from the PD that describes the position in the context of the agency – will be reviewed as a team on Day 2</a:t>
+            </a:r>
+          </a:p>
+          <a:p>
+            <a:pPr marL="742967" indent="-571500">
+              <a:buClr>
+                <a:schemeClr val="tx2"/>
+              </a:buClr>
+              <a:buFont typeface="Arial" panose="020B0604020202020204" pitchFamily="34" charset="0"/>
+              <a:buChar char="•"/>
+            </a:pPr>
+            <a:r>
+              <a:rPr lang="en-US" dirty="0"/>
+              <a:t>Competencies and proficiencies in a single doc for use on Day 2</a:t>
+            </a:r>
+          </a:p>
+          <a:p>
+            <a:pPr marL="742967" indent="-571500">
+              <a:buClr>
+                <a:schemeClr val="tx2"/>
+              </a:buClr>
+              <a:buFont typeface="Arial" panose="020B0604020202020204" pitchFamily="34" charset="0"/>
+              <a:buChar char="•"/>
+            </a:pPr>
+            <a:r>
+              <a:rPr lang="en-US" dirty="0"/>
+              <a:t>Reminder: Resumes (4-5) related to this job for practice resume review (Agency Talent Portal, LinkedIn, etc.)</a:t>
+            </a:r>
+          </a:p>
+          <a:p>
+            <a:pPr marL="742967" indent="-571500">
+              <a:buClr>
+                <a:schemeClr val="tx2"/>
+              </a:buClr>
+              <a:buFont typeface="Arial" panose="020B0604020202020204" pitchFamily="34" charset="0"/>
+              <a:buChar char="•"/>
+            </a:pPr>
+            <a:endParaRPr lang="en-US" dirty="0"/>
+          </a:p>
+          <a:p>
+            <a:pPr marL="742967" indent="-571500">
+              <a:buClr>
+                <a:schemeClr val="tx2"/>
+              </a:buClr>
+              <a:buFont typeface="Arial" panose="020B0604020202020204" pitchFamily="34" charset="0"/>
+              <a:buChar char="•"/>
+            </a:pPr>
+            <a:endParaRPr lang="en-US" dirty="0"/>
+          </a:p>
+          <a:p>
+            <a:endParaRPr lang="en-US" dirty="0"/>
+          </a:p>
+        </p:txBody>
+      </p:sp>
+    </p:spTree>
+    <p:extLst>
+      <p:ext uri="{BB962C8B-B14F-4D97-AF65-F5344CB8AC3E}">
+        <p14:creationId xmlns:p14="http://schemas.microsoft.com/office/powerpoint/2010/main" val="2239205312"/>
+      </p:ext>
+    </p:extLst>
+  </p:cSld>
+  <p:clrMapOvr>
+    <a:masterClrMapping/>
+  </p:clrMapOvr>
+</p:sld>
+</file>
+
+<file path=ppt/slides/slide18.xml><?xml version="1.0" encoding="utf-8"?>
+<p:sld xmlns:a="http://schemas.openxmlformats.org/drawingml/2006/main" xmlns:r="http://schemas.openxmlformats.org/officeDocument/2006/relationships" xmlns:p="http://schemas.openxmlformats.org/presentationml/2006/main">
+  <p:cSld>
+    <p:spTree>
+      <p:nvGrpSpPr>
+        <p:cNvPr id="1" name="Shape 307"/>
+        <p:cNvGrpSpPr/>
+        <p:nvPr/>
+      </p:nvGrpSpPr>
+      <p:grpSpPr>
+        <a:xfrm>
+          <a:off x="0" y="0"/>
+          <a:ext cx="0" cy="0"/>
+          <a:chOff x="0" y="0"/>
+          <a:chExt cx="0" cy="0"/>
+        </a:xfrm>
+      </p:grpSpPr>
+      <p:sp>
+        <p:nvSpPr>
+          <p:cNvPr id="4" name="Google Shape;68;p20">
+            <a:extLst>
+              <a:ext uri="{FF2B5EF4-FFF2-40B4-BE49-F238E27FC236}">
+                <a16:creationId xmlns:a16="http://schemas.microsoft.com/office/drawing/2014/main" id="{FF013F16-4A52-9A45-B7A8-5DE84E4CEFE2}"/>
+              </a:ext>
+            </a:extLst>
+          </p:cNvPr>
+          <p:cNvSpPr txBox="1">
+            <a:spLocks noGrp="1"/>
+          </p:cNvSpPr>
+          <p:nvPr>
+            <p:ph type="body" idx="1"/>
+          </p:nvPr>
+        </p:nvSpPr>
+        <p:spPr>
+          <a:xfrm>
+            <a:off x="2308393" y="4027713"/>
+            <a:ext cx="12723989" cy="2893800"/>
+          </a:xfrm>
+        </p:spPr>
+        <p:txBody>
+          <a:bodyPr>
+            <a:normAutofit/>
+          </a:bodyPr>
+          <a:lstStyle/>
+          <a:p>
+            <a:pPr lvl="0"/>
+            <a:r>
+              <a:rPr lang="en-US" dirty="0">
+                <a:sym typeface="Cambria"/>
+              </a:rPr>
               <a:t>Start of Day 2 Presentation</a:t>
             </a:r>
             <a:endParaRPr lang="en-US" dirty="0"/>
@@ -8190,7 +8694,7 @@
 </p:sld>
 </file>
 
-<file path=ppt/slides/slide17.xml><?xml version="1.0" encoding="utf-8"?>
+<file path=ppt/slides/slide19.xml><?xml version="1.0" encoding="utf-8"?>
 <p:sld xmlns:a="http://schemas.openxmlformats.org/drawingml/2006/main" xmlns:r="http://schemas.openxmlformats.org/officeDocument/2006/relationships" xmlns:p="http://schemas.openxmlformats.org/presentationml/2006/main">
   <p:cSld>
     <p:spTree>
@@ -8240,251 +8744,6 @@
     <p:extLst>
       <p:ext uri="{BB962C8B-B14F-4D97-AF65-F5344CB8AC3E}">
         <p14:creationId xmlns:p14="http://schemas.microsoft.com/office/powerpoint/2010/main" val="1311351790"/>
-      </p:ext>
-    </p:extLst>
-  </p:cSld>
-  <p:clrMapOvr>
-    <a:masterClrMapping/>
-  </p:clrMapOvr>
-</p:sld>
-</file>
-
-<file path=ppt/slides/slide18.xml><?xml version="1.0" encoding="utf-8"?>
-<p:sld xmlns:a="http://schemas.openxmlformats.org/drawingml/2006/main" xmlns:r="http://schemas.openxmlformats.org/officeDocument/2006/relationships" xmlns:p="http://schemas.openxmlformats.org/presentationml/2006/main">
-  <p:cSld>
-    <p:spTree>
-      <p:nvGrpSpPr>
-        <p:cNvPr id="1" name="Shape 73"/>
-        <p:cNvGrpSpPr/>
-        <p:nvPr/>
-      </p:nvGrpSpPr>
-      <p:grpSpPr>
-        <a:xfrm>
-          <a:off x="0" y="0"/>
-          <a:ext cx="0" cy="0"/>
-          <a:chOff x="0" y="0"/>
-          <a:chExt cx="0" cy="0"/>
-        </a:xfrm>
-      </p:grpSpPr>
-      <p:sp>
-        <p:nvSpPr>
-          <p:cNvPr id="74" name="Google Shape;74;p21"/>
-          <p:cNvSpPr txBox="1">
-            <a:spLocks noGrp="1"/>
-          </p:cNvSpPr>
-          <p:nvPr>
-            <p:ph type="title"/>
-          </p:nvPr>
-        </p:nvSpPr>
-        <p:spPr>
-          <a:xfrm>
-            <a:off x="1192143" y="519298"/>
-            <a:ext cx="16148120" cy="1290459"/>
-          </a:xfrm>
-        </p:spPr>
-        <p:txBody>
-          <a:bodyPr/>
-          <a:lstStyle/>
-          <a:p>
-            <a:pPr lvl="0"/>
-            <a:r>
-              <a:rPr lang="en-US" sz="3400" dirty="0"/>
-              <a:t>Agenda for Today: REVIEW JOA        Write questions</a:t>
-            </a:r>
-          </a:p>
-        </p:txBody>
-      </p:sp>
-      <p:sp>
-        <p:nvSpPr>
-          <p:cNvPr id="2" name="Text Placeholder 1">
-            <a:extLst>
-              <a:ext uri="{FF2B5EF4-FFF2-40B4-BE49-F238E27FC236}">
-                <a16:creationId xmlns:a16="http://schemas.microsoft.com/office/drawing/2014/main" id="{F7672C36-486C-0348-B94D-9EE828C96310}"/>
-              </a:ext>
-            </a:extLst>
-          </p:cNvPr>
-          <p:cNvSpPr>
-            <a:spLocks noGrp="1"/>
-          </p:cNvSpPr>
-          <p:nvPr>
-            <p:ph type="body" idx="1"/>
-          </p:nvPr>
-        </p:nvSpPr>
-        <p:spPr>
-          <a:xfrm>
-            <a:off x="1192143" y="1841500"/>
-            <a:ext cx="14956057" cy="7392802"/>
-          </a:xfrm>
-          <a:noFill/>
-          <a:ln>
-            <a:noFill/>
-          </a:ln>
-        </p:spPr>
-        <p:txBody>
-          <a:bodyPr spcFirstLastPara="1" wrap="square" lIns="0" tIns="0" rIns="0" bIns="0" anchor="t" anchorCtr="0">
-            <a:normAutofit fontScale="92500"/>
-          </a:bodyPr>
-          <a:lstStyle/>
-          <a:p>
-            <a:r>
-              <a:rPr lang="en-US" dirty="0"/>
-              <a:t>See new USAJOBS format, review the draft JOA (30 min)</a:t>
-            </a:r>
-          </a:p>
-          <a:p>
-            <a:r>
-              <a:rPr lang="en-US" dirty="0"/>
-              <a:t>Refine competencies and proficiency levels through resume review (1 hr)</a:t>
-            </a:r>
-          </a:p>
-          <a:p>
-            <a:r>
-              <a:rPr lang="en-US" dirty="0"/>
-              <a:t>Learn about and write structured interview questions (2 </a:t>
-            </a:r>
-            <a:r>
-              <a:rPr lang="en-US" dirty="0" err="1"/>
-              <a:t>hrs</a:t>
-            </a:r>
-            <a:r>
-              <a:rPr lang="en-US" dirty="0"/>
-              <a:t>)</a:t>
-            </a:r>
-          </a:p>
-          <a:p>
-            <a:r>
-              <a:rPr lang="en-US" dirty="0"/>
-              <a:t>Present breadth and depth questions and answers for refinement and feedback (2 hr)</a:t>
-            </a:r>
-          </a:p>
-          <a:p>
-            <a:r>
-              <a:rPr lang="en-US" dirty="0"/>
-              <a:t>Plan schedule of SME training, resume reviews, and interviews (15 min)</a:t>
-            </a:r>
-          </a:p>
-          <a:p>
-            <a:r>
-              <a:rPr lang="en-US" dirty="0"/>
-              <a:t>Day 3 preview: refine questions via mock interviews</a:t>
-            </a:r>
-          </a:p>
-        </p:txBody>
-      </p:sp>
-      <p:sp>
-        <p:nvSpPr>
-          <p:cNvPr id="3" name="Right Arrow 2">
-            <a:extLst>
-              <a:ext uri="{FF2B5EF4-FFF2-40B4-BE49-F238E27FC236}">
-                <a16:creationId xmlns:a16="http://schemas.microsoft.com/office/drawing/2014/main" id="{08E65AE0-39F9-FC41-BD3B-48B7CC96635D}"/>
-              </a:ext>
-            </a:extLst>
-          </p:cNvPr>
-          <p:cNvSpPr/>
-          <p:nvPr/>
-        </p:nvSpPr>
-        <p:spPr>
-          <a:xfrm>
-            <a:off x="9113905" y="641453"/>
-            <a:ext cx="368808" cy="367855"/>
-          </a:xfrm>
-          <a:prstGeom prst="rightArrow">
-            <a:avLst/>
-          </a:prstGeom>
-          <a:solidFill>
-            <a:schemeClr val="tx2"/>
-          </a:solidFill>
-          <a:ln>
-            <a:noFill/>
-          </a:ln>
-        </p:spPr>
-        <p:style>
-          <a:lnRef idx="2">
-            <a:schemeClr val="accent1">
-              <a:shade val="50000"/>
-            </a:schemeClr>
-          </a:lnRef>
-          <a:fillRef idx="1">
-            <a:schemeClr val="accent1"/>
-          </a:fillRef>
-          <a:effectRef idx="0">
-            <a:schemeClr val="accent1"/>
-          </a:effectRef>
-          <a:fontRef idx="minor">
-            <a:schemeClr val="lt1"/>
-          </a:fontRef>
-        </p:style>
-        <p:txBody>
-          <a:bodyPr rtlCol="0" anchor="ctr"/>
-          <a:lstStyle/>
-          <a:p>
-            <a:pPr algn="ctr"/>
-            <a:endParaRPr lang="en-US"/>
-          </a:p>
-        </p:txBody>
-      </p:sp>
-    </p:spTree>
-    <p:extLst>
-      <p:ext uri="{BB962C8B-B14F-4D97-AF65-F5344CB8AC3E}">
-        <p14:creationId xmlns:p14="http://schemas.microsoft.com/office/powerpoint/2010/main" val="3969998700"/>
-      </p:ext>
-    </p:extLst>
-  </p:cSld>
-  <p:clrMapOvr>
-    <a:masterClrMapping/>
-  </p:clrMapOvr>
-</p:sld>
-</file>
-
-<file path=ppt/slides/slide19.xml><?xml version="1.0" encoding="utf-8"?>
-<p:sld xmlns:a="http://schemas.openxmlformats.org/drawingml/2006/main" xmlns:r="http://schemas.openxmlformats.org/officeDocument/2006/relationships" xmlns:p="http://schemas.openxmlformats.org/presentationml/2006/main">
-  <p:cSld>
-    <p:spTree>
-      <p:nvGrpSpPr>
-        <p:cNvPr id="1" name=""/>
-        <p:cNvGrpSpPr/>
-        <p:nvPr/>
-      </p:nvGrpSpPr>
-      <p:grpSpPr>
-        <a:xfrm>
-          <a:off x="0" y="0"/>
-          <a:ext cx="0" cy="0"/>
-          <a:chOff x="0" y="0"/>
-          <a:chExt cx="0" cy="0"/>
-        </a:xfrm>
-      </p:grpSpPr>
-      <p:sp>
-        <p:nvSpPr>
-          <p:cNvPr id="2" name="Title 1">
-            <a:extLst>
-              <a:ext uri="{FF2B5EF4-FFF2-40B4-BE49-F238E27FC236}">
-                <a16:creationId xmlns:a16="http://schemas.microsoft.com/office/drawing/2014/main" id="{E0E56BF6-C2AA-1542-B427-9F99DA225EFE}"/>
-              </a:ext>
-            </a:extLst>
-          </p:cNvPr>
-          <p:cNvSpPr>
-            <a:spLocks noGrp="1"/>
-          </p:cNvSpPr>
-          <p:nvPr>
-            <p:ph type="title"/>
-          </p:nvPr>
-        </p:nvSpPr>
-        <p:spPr/>
-        <p:txBody>
-          <a:bodyPr/>
-          <a:lstStyle/>
-          <a:p>
-            <a:r>
-              <a:rPr lang="en-US" dirty="0"/>
-              <a:t>Practice resume review with the competencies</a:t>
-            </a:r>
-          </a:p>
-        </p:txBody>
-      </p:sp>
-    </p:spTree>
-    <p:extLst>
-      <p:ext uri="{BB962C8B-B14F-4D97-AF65-F5344CB8AC3E}">
-        <p14:creationId xmlns:p14="http://schemas.microsoft.com/office/powerpoint/2010/main" val="3440917198"/>
       </p:ext>
     </p:extLst>
   </p:cSld>
@@ -8637,6 +8896,251 @@
   <p:cSld>
     <p:spTree>
       <p:nvGrpSpPr>
+        <p:cNvPr id="1" name="Shape 73"/>
+        <p:cNvGrpSpPr/>
+        <p:nvPr/>
+      </p:nvGrpSpPr>
+      <p:grpSpPr>
+        <a:xfrm>
+          <a:off x="0" y="0"/>
+          <a:ext cx="0" cy="0"/>
+          <a:chOff x="0" y="0"/>
+          <a:chExt cx="0" cy="0"/>
+        </a:xfrm>
+      </p:grpSpPr>
+      <p:sp>
+        <p:nvSpPr>
+          <p:cNvPr id="74" name="Google Shape;74;p21"/>
+          <p:cNvSpPr txBox="1">
+            <a:spLocks noGrp="1"/>
+          </p:cNvSpPr>
+          <p:nvPr>
+            <p:ph type="title"/>
+          </p:nvPr>
+        </p:nvSpPr>
+        <p:spPr>
+          <a:xfrm>
+            <a:off x="1192143" y="519298"/>
+            <a:ext cx="16148120" cy="1290459"/>
+          </a:xfrm>
+        </p:spPr>
+        <p:txBody>
+          <a:bodyPr/>
+          <a:lstStyle/>
+          <a:p>
+            <a:pPr lvl="0"/>
+            <a:r>
+              <a:rPr lang="en-US" sz="3400" dirty="0"/>
+              <a:t>Agenda for Today: REVIEW JOA        Write questions</a:t>
+            </a:r>
+          </a:p>
+        </p:txBody>
+      </p:sp>
+      <p:sp>
+        <p:nvSpPr>
+          <p:cNvPr id="2" name="Text Placeholder 1">
+            <a:extLst>
+              <a:ext uri="{FF2B5EF4-FFF2-40B4-BE49-F238E27FC236}">
+                <a16:creationId xmlns:a16="http://schemas.microsoft.com/office/drawing/2014/main" id="{F7672C36-486C-0348-B94D-9EE828C96310}"/>
+              </a:ext>
+            </a:extLst>
+          </p:cNvPr>
+          <p:cNvSpPr>
+            <a:spLocks noGrp="1"/>
+          </p:cNvSpPr>
+          <p:nvPr>
+            <p:ph type="body" idx="1"/>
+          </p:nvPr>
+        </p:nvSpPr>
+        <p:spPr>
+          <a:xfrm>
+            <a:off x="1192143" y="1841500"/>
+            <a:ext cx="14956057" cy="7392802"/>
+          </a:xfrm>
+          <a:noFill/>
+          <a:ln>
+            <a:noFill/>
+          </a:ln>
+        </p:spPr>
+        <p:txBody>
+          <a:bodyPr spcFirstLastPara="1" wrap="square" lIns="0" tIns="0" rIns="0" bIns="0" anchor="t" anchorCtr="0">
+            <a:normAutofit fontScale="92500"/>
+          </a:bodyPr>
+          <a:lstStyle/>
+          <a:p>
+            <a:r>
+              <a:rPr lang="en-US" dirty="0"/>
+              <a:t>See new USAJOBS format, review the draft JOA (30 min)</a:t>
+            </a:r>
+          </a:p>
+          <a:p>
+            <a:r>
+              <a:rPr lang="en-US" dirty="0"/>
+              <a:t>Refine competencies and proficiency levels through resume review (1 hr)</a:t>
+            </a:r>
+          </a:p>
+          <a:p>
+            <a:r>
+              <a:rPr lang="en-US" dirty="0"/>
+              <a:t>Learn about and write structured interview questions (2 </a:t>
+            </a:r>
+            <a:r>
+              <a:rPr lang="en-US" dirty="0" err="1"/>
+              <a:t>hrs</a:t>
+            </a:r>
+            <a:r>
+              <a:rPr lang="en-US" dirty="0"/>
+              <a:t>)</a:t>
+            </a:r>
+          </a:p>
+          <a:p>
+            <a:r>
+              <a:rPr lang="en-US" dirty="0"/>
+              <a:t>Present breadth and depth questions and answers for refinement and feedback (2 hr)</a:t>
+            </a:r>
+          </a:p>
+          <a:p>
+            <a:r>
+              <a:rPr lang="en-US" dirty="0"/>
+              <a:t>Plan schedule of SME training, resume reviews, and interviews (15 min)</a:t>
+            </a:r>
+          </a:p>
+          <a:p>
+            <a:r>
+              <a:rPr lang="en-US" dirty="0"/>
+              <a:t>Day 3 preview: refine questions via mock interviews</a:t>
+            </a:r>
+          </a:p>
+        </p:txBody>
+      </p:sp>
+      <p:sp>
+        <p:nvSpPr>
+          <p:cNvPr id="3" name="Right Arrow 2">
+            <a:extLst>
+              <a:ext uri="{FF2B5EF4-FFF2-40B4-BE49-F238E27FC236}">
+                <a16:creationId xmlns:a16="http://schemas.microsoft.com/office/drawing/2014/main" id="{08E65AE0-39F9-FC41-BD3B-48B7CC96635D}"/>
+              </a:ext>
+            </a:extLst>
+          </p:cNvPr>
+          <p:cNvSpPr/>
+          <p:nvPr/>
+        </p:nvSpPr>
+        <p:spPr>
+          <a:xfrm>
+            <a:off x="9113905" y="641453"/>
+            <a:ext cx="368808" cy="367855"/>
+          </a:xfrm>
+          <a:prstGeom prst="rightArrow">
+            <a:avLst/>
+          </a:prstGeom>
+          <a:solidFill>
+            <a:schemeClr val="tx2"/>
+          </a:solidFill>
+          <a:ln>
+            <a:noFill/>
+          </a:ln>
+        </p:spPr>
+        <p:style>
+          <a:lnRef idx="2">
+            <a:schemeClr val="accent1">
+              <a:shade val="50000"/>
+            </a:schemeClr>
+          </a:lnRef>
+          <a:fillRef idx="1">
+            <a:schemeClr val="accent1"/>
+          </a:fillRef>
+          <a:effectRef idx="0">
+            <a:schemeClr val="accent1"/>
+          </a:effectRef>
+          <a:fontRef idx="minor">
+            <a:schemeClr val="lt1"/>
+          </a:fontRef>
+        </p:style>
+        <p:txBody>
+          <a:bodyPr rtlCol="0" anchor="ctr"/>
+          <a:lstStyle/>
+          <a:p>
+            <a:pPr algn="ctr"/>
+            <a:endParaRPr lang="en-US"/>
+          </a:p>
+        </p:txBody>
+      </p:sp>
+    </p:spTree>
+    <p:extLst>
+      <p:ext uri="{BB962C8B-B14F-4D97-AF65-F5344CB8AC3E}">
+        <p14:creationId xmlns:p14="http://schemas.microsoft.com/office/powerpoint/2010/main" val="3969998700"/>
+      </p:ext>
+    </p:extLst>
+  </p:cSld>
+  <p:clrMapOvr>
+    <a:masterClrMapping/>
+  </p:clrMapOvr>
+</p:sld>
+</file>
+
+<file path=ppt/slides/slide21.xml><?xml version="1.0" encoding="utf-8"?>
+<p:sld xmlns:a="http://schemas.openxmlformats.org/drawingml/2006/main" xmlns:r="http://schemas.openxmlformats.org/officeDocument/2006/relationships" xmlns:p="http://schemas.openxmlformats.org/presentationml/2006/main">
+  <p:cSld>
+    <p:spTree>
+      <p:nvGrpSpPr>
+        <p:cNvPr id="1" name=""/>
+        <p:cNvGrpSpPr/>
+        <p:nvPr/>
+      </p:nvGrpSpPr>
+      <p:grpSpPr>
+        <a:xfrm>
+          <a:off x="0" y="0"/>
+          <a:ext cx="0" cy="0"/>
+          <a:chOff x="0" y="0"/>
+          <a:chExt cx="0" cy="0"/>
+        </a:xfrm>
+      </p:grpSpPr>
+      <p:sp>
+        <p:nvSpPr>
+          <p:cNvPr id="2" name="Title 1">
+            <a:extLst>
+              <a:ext uri="{FF2B5EF4-FFF2-40B4-BE49-F238E27FC236}">
+                <a16:creationId xmlns:a16="http://schemas.microsoft.com/office/drawing/2014/main" id="{E0E56BF6-C2AA-1542-B427-9F99DA225EFE}"/>
+              </a:ext>
+            </a:extLst>
+          </p:cNvPr>
+          <p:cNvSpPr>
+            <a:spLocks noGrp="1"/>
+          </p:cNvSpPr>
+          <p:nvPr>
+            <p:ph type="title"/>
+          </p:nvPr>
+        </p:nvSpPr>
+        <p:spPr/>
+        <p:txBody>
+          <a:bodyPr/>
+          <a:lstStyle/>
+          <a:p>
+            <a:r>
+              <a:rPr lang="en-US" dirty="0"/>
+              <a:t>Practice resume review with the competencies</a:t>
+            </a:r>
+          </a:p>
+        </p:txBody>
+      </p:sp>
+    </p:spTree>
+    <p:extLst>
+      <p:ext uri="{BB962C8B-B14F-4D97-AF65-F5344CB8AC3E}">
+        <p14:creationId xmlns:p14="http://schemas.microsoft.com/office/powerpoint/2010/main" val="3440917198"/>
+      </p:ext>
+    </p:extLst>
+  </p:cSld>
+  <p:clrMapOvr>
+    <a:masterClrMapping/>
+  </p:clrMapOvr>
+</p:sld>
+</file>
+
+<file path=ppt/slides/slide22.xml><?xml version="1.0" encoding="utf-8"?>
+<p:sld xmlns:a="http://schemas.openxmlformats.org/drawingml/2006/main" xmlns:r="http://schemas.openxmlformats.org/officeDocument/2006/relationships" xmlns:p="http://schemas.openxmlformats.org/presentationml/2006/main">
+  <p:cSld>
+    <p:spTree>
+      <p:nvGrpSpPr>
         <p:cNvPr id="1" name=""/>
         <p:cNvGrpSpPr/>
         <p:nvPr/>
@@ -8737,7 +9241,7 @@
 </p:sld>
 </file>
 
-<file path=ppt/slides/slide21.xml><?xml version="1.0" encoding="utf-8"?>
+<file path=ppt/slides/slide23.xml><?xml version="1.0" encoding="utf-8"?>
 <p:sld xmlns:a="http://schemas.openxmlformats.org/drawingml/2006/main" xmlns:r="http://schemas.openxmlformats.org/officeDocument/2006/relationships" xmlns:p="http://schemas.openxmlformats.org/presentationml/2006/main">
   <p:cSld>
     <p:spTree>
@@ -8841,7 +9345,7 @@
 </p:sld>
 </file>
 
-<file path=ppt/slides/slide22.xml><?xml version="1.0" encoding="utf-8"?>
+<file path=ppt/slides/slide24.xml><?xml version="1.0" encoding="utf-8"?>
 <p:sld xmlns:a="http://schemas.openxmlformats.org/drawingml/2006/main" xmlns:r="http://schemas.openxmlformats.org/officeDocument/2006/relationships" xmlns:p="http://schemas.openxmlformats.org/presentationml/2006/main">
   <p:cSld>
     <p:spTree>
@@ -9963,7 +10467,7 @@
 </p:sld>
 </file>
 
-<file path=ppt/slides/slide23.xml><?xml version="1.0" encoding="utf-8"?>
+<file path=ppt/slides/slide25.xml><?xml version="1.0" encoding="utf-8"?>
 <p:sld xmlns:a="http://schemas.openxmlformats.org/drawingml/2006/main" xmlns:r="http://schemas.openxmlformats.org/officeDocument/2006/relationships" xmlns:p="http://schemas.openxmlformats.org/presentationml/2006/main">
   <p:cSld>
     <p:spTree>
@@ -10096,7 +10600,7 @@
 </p:sld>
 </file>
 
-<file path=ppt/slides/slide24.xml><?xml version="1.0" encoding="utf-8"?>
+<file path=ppt/slides/slide26.xml><?xml version="1.0" encoding="utf-8"?>
 <p:sld xmlns:a="http://schemas.openxmlformats.org/drawingml/2006/main" xmlns:r="http://schemas.openxmlformats.org/officeDocument/2006/relationships" xmlns:p="http://schemas.openxmlformats.org/presentationml/2006/main">
   <p:cSld>
     <p:spTree>
@@ -10223,7 +10727,7 @@
 </p:sld>
 </file>
 
-<file path=ppt/slides/slide25.xml><?xml version="1.0" encoding="utf-8"?>
+<file path=ppt/slides/slide27.xml><?xml version="1.0" encoding="utf-8"?>
 <p:sld xmlns:a="http://schemas.openxmlformats.org/drawingml/2006/main" xmlns:r="http://schemas.openxmlformats.org/officeDocument/2006/relationships" xmlns:p="http://schemas.openxmlformats.org/presentationml/2006/main">
   <p:cSld>
     <p:spTree>
@@ -10327,7 +10831,7 @@
 </p:sld>
 </file>
 
-<file path=ppt/slides/slide26.xml><?xml version="1.0" encoding="utf-8"?>
+<file path=ppt/slides/slide28.xml><?xml version="1.0" encoding="utf-8"?>
 <p:sld xmlns:a="http://schemas.openxmlformats.org/drawingml/2006/main" xmlns:r="http://schemas.openxmlformats.org/officeDocument/2006/relationships" xmlns:p="http://schemas.openxmlformats.org/presentationml/2006/main">
   <p:cSld>
     <p:spTree>
@@ -10467,7 +10971,7 @@
 </p:sld>
 </file>
 
-<file path=ppt/slides/slide27.xml><?xml version="1.0" encoding="utf-8"?>
+<file path=ppt/slides/slide29.xml><?xml version="1.0" encoding="utf-8"?>
 <p:sld xmlns:a="http://schemas.openxmlformats.org/drawingml/2006/main" xmlns:r="http://schemas.openxmlformats.org/officeDocument/2006/relationships" xmlns:p="http://schemas.openxmlformats.org/presentationml/2006/main">
   <p:cSld>
     <p:spTree>
@@ -10580,64 +11084,6 @@
     <p:extLst>
       <p:ext uri="{BB962C8B-B14F-4D97-AF65-F5344CB8AC3E}">
         <p14:creationId xmlns:p14="http://schemas.microsoft.com/office/powerpoint/2010/main" val="3229110467"/>
-      </p:ext>
-    </p:extLst>
-  </p:cSld>
-  <p:clrMapOvr>
-    <a:masterClrMapping/>
-  </p:clrMapOvr>
-</p:sld>
-</file>
-
-<file path=ppt/slides/slide28.xml><?xml version="1.0" encoding="utf-8"?>
-<p:sld xmlns:a="http://schemas.openxmlformats.org/drawingml/2006/main" xmlns:r="http://schemas.openxmlformats.org/officeDocument/2006/relationships" xmlns:p="http://schemas.openxmlformats.org/presentationml/2006/main">
-  <p:cSld>
-    <p:spTree>
-      <p:nvGrpSpPr>
-        <p:cNvPr id="1" name="Shape 307"/>
-        <p:cNvGrpSpPr/>
-        <p:nvPr/>
-      </p:nvGrpSpPr>
-      <p:grpSpPr>
-        <a:xfrm>
-          <a:off x="0" y="0"/>
-          <a:ext cx="0" cy="0"/>
-          <a:chOff x="0" y="0"/>
-          <a:chExt cx="0" cy="0"/>
-        </a:xfrm>
-      </p:grpSpPr>
-      <p:sp>
-        <p:nvSpPr>
-          <p:cNvPr id="2" name="Text Placeholder 1">
-            <a:extLst>
-              <a:ext uri="{FF2B5EF4-FFF2-40B4-BE49-F238E27FC236}">
-                <a16:creationId xmlns:a16="http://schemas.microsoft.com/office/drawing/2014/main" id="{869287C3-7579-1A46-84D5-F80BC36BAECA}"/>
-              </a:ext>
-            </a:extLst>
-          </p:cNvPr>
-          <p:cNvSpPr>
-            <a:spLocks noGrp="1"/>
-          </p:cNvSpPr>
-          <p:nvPr>
-            <p:ph type="body" idx="1"/>
-          </p:nvPr>
-        </p:nvSpPr>
-        <p:spPr/>
-        <p:txBody>
-          <a:bodyPr/>
-          <a:lstStyle/>
-          <a:p>
-            <a:r>
-              <a:rPr lang="en-US" dirty="0"/>
-              <a:t>The End</a:t>
-            </a:r>
-          </a:p>
-        </p:txBody>
-      </p:sp>
-    </p:spTree>
-    <p:extLst>
-      <p:ext uri="{BB962C8B-B14F-4D97-AF65-F5344CB8AC3E}">
-        <p14:creationId xmlns:p14="http://schemas.microsoft.com/office/powerpoint/2010/main" val="1713396560"/>
       </p:ext>
     </p:extLst>
   </p:cSld>
@@ -10697,6 +11143,64 @@
     <p:extLst>
       <p:ext uri="{BB962C8B-B14F-4D97-AF65-F5344CB8AC3E}">
         <p14:creationId xmlns:p14="http://schemas.microsoft.com/office/powerpoint/2010/main" val="1452944171"/>
+      </p:ext>
+    </p:extLst>
+  </p:cSld>
+  <p:clrMapOvr>
+    <a:masterClrMapping/>
+  </p:clrMapOvr>
+</p:sld>
+</file>
+
+<file path=ppt/slides/slide30.xml><?xml version="1.0" encoding="utf-8"?>
+<p:sld xmlns:a="http://schemas.openxmlformats.org/drawingml/2006/main" xmlns:r="http://schemas.openxmlformats.org/officeDocument/2006/relationships" xmlns:p="http://schemas.openxmlformats.org/presentationml/2006/main">
+  <p:cSld>
+    <p:spTree>
+      <p:nvGrpSpPr>
+        <p:cNvPr id="1" name="Shape 307"/>
+        <p:cNvGrpSpPr/>
+        <p:nvPr/>
+      </p:nvGrpSpPr>
+      <p:grpSpPr>
+        <a:xfrm>
+          <a:off x="0" y="0"/>
+          <a:ext cx="0" cy="0"/>
+          <a:chOff x="0" y="0"/>
+          <a:chExt cx="0" cy="0"/>
+        </a:xfrm>
+      </p:grpSpPr>
+      <p:sp>
+        <p:nvSpPr>
+          <p:cNvPr id="2" name="Text Placeholder 1">
+            <a:extLst>
+              <a:ext uri="{FF2B5EF4-FFF2-40B4-BE49-F238E27FC236}">
+                <a16:creationId xmlns:a16="http://schemas.microsoft.com/office/drawing/2014/main" id="{869287C3-7579-1A46-84D5-F80BC36BAECA}"/>
+              </a:ext>
+            </a:extLst>
+          </p:cNvPr>
+          <p:cNvSpPr>
+            <a:spLocks noGrp="1"/>
+          </p:cNvSpPr>
+          <p:nvPr>
+            <p:ph type="body" idx="1"/>
+          </p:nvPr>
+        </p:nvSpPr>
+        <p:spPr/>
+        <p:txBody>
+          <a:bodyPr/>
+          <a:lstStyle/>
+          <a:p>
+            <a:r>
+              <a:rPr lang="en-US" dirty="0"/>
+              <a:t>The End</a:t>
+            </a:r>
+          </a:p>
+        </p:txBody>
+      </p:sp>
+    </p:spTree>
+    <p:extLst>
+      <p:ext uri="{BB962C8B-B14F-4D97-AF65-F5344CB8AC3E}">
+        <p14:creationId xmlns:p14="http://schemas.microsoft.com/office/powerpoint/2010/main" val="1713396560"/>
       </p:ext>
     </p:extLst>
   </p:cSld>
@@ -11050,7 +11554,7 @@
             <a:pPr lvl="0"/>
             <a:r>
               <a:rPr lang="en-US" dirty="0"/>
-              <a:t>Job Task Exercise</a:t>
+              <a:t>Caveats</a:t>
             </a:r>
           </a:p>
         </p:txBody>
@@ -11074,31 +11578,14 @@
           <a:p>
             <a:r>
               <a:rPr lang="en-US" dirty="0"/>
-              <a:t>Be specific—actual tasks performed in the past month.</a:t>
+              <a:t>If you’re here, you can’t apply for the job</a:t>
             </a:r>
           </a:p>
           <a:p>
             <a:r>
               <a:rPr lang="en-US" dirty="0"/>
-              <a:t>The tasks should begin with a verb, indicating that they’re an action a person in that position would actively and </a:t>
-            </a:r>
-            <a:r>
-              <a:rPr lang="en-US" dirty="0" err="1"/>
-              <a:t>regularily</a:t>
-            </a:r>
-            <a:r>
-              <a:rPr lang="en-US" dirty="0"/>
-              <a:t> take.</a:t>
-            </a:r>
-          </a:p>
-          <a:p>
-            <a:r>
-              <a:rPr lang="en-US" dirty="0"/>
-              <a:t>Write one task per sticky note. Aim to write 10-15 tasks.</a:t>
-            </a:r>
-          </a:p>
-          <a:p>
-            <a:endParaRPr lang="en-US" dirty="0"/>
+              <a:t>Once the workshop moves into proficiencies, assessments, and any other subjects not published on the job announcement, all materials and discussion must be kept confidential.</a:t>
+            </a:r>
           </a:p>
         </p:txBody>
       </p:sp>
@@ -11150,7 +11637,7 @@
             <a:pPr lvl="0"/>
             <a:r>
               <a:rPr lang="en-US" dirty="0"/>
-              <a:t>Collection and Grouping Exercise</a:t>
+              <a:t>Job Task Exercise</a:t>
             </a:r>
           </a:p>
         </p:txBody>
@@ -11174,13 +11661,31 @@
           <a:p>
             <a:r>
               <a:rPr lang="en-US" dirty="0"/>
-              <a:t>We will group similar tasks, then give each group a title.</a:t>
+              <a:t>As a group, write down job tasks done by this position.</a:t>
             </a:r>
           </a:p>
           <a:p>
             <a:r>
               <a:rPr lang="en-US" dirty="0"/>
-              <a:t>These titles are the competencies for this job.</a:t>
+              <a:t>The tasks should begin with a verb, indicating that they’re an action a person in that position would actively and regularly take.</a:t>
+            </a:r>
+          </a:p>
+          <a:p>
+            <a:r>
+              <a:rPr lang="en-US" dirty="0"/>
+              <a:t>Be specific—actual tasks performed in the past month.</a:t>
+            </a:r>
+          </a:p>
+          <a:p>
+            <a:r>
+              <a:rPr lang="en-US" dirty="0"/>
+              <a:t>Write one task per sticky note. Aim to write at least 10-15 tasks.</a:t>
+            </a:r>
+          </a:p>
+          <a:p>
+            <a:r>
+              <a:rPr lang="en-US" dirty="0"/>
+              <a:t>We will analyze the tasks as a group – please work individually</a:t>
             </a:r>
           </a:p>
         </p:txBody>
@@ -11188,7 +11693,7 @@
     </p:spTree>
     <p:extLst>
       <p:ext uri="{BB962C8B-B14F-4D97-AF65-F5344CB8AC3E}">
-        <p14:creationId xmlns:p14="http://schemas.microsoft.com/office/powerpoint/2010/main" val="1407673860"/>
+        <p14:creationId xmlns:p14="http://schemas.microsoft.com/office/powerpoint/2010/main" val="1962334738"/>
       </p:ext>
     </p:extLst>
   </p:cSld>
@@ -11315,7 +11820,7 @@
   <p:cSld>
     <p:spTree>
       <p:nvGrpSpPr>
-        <p:cNvPr id="1" name=""/>
+        <p:cNvPr id="1" name="Shape 164"/>
         <p:cNvGrpSpPr/>
         <p:nvPr/>
       </p:nvGrpSpPr>
@@ -11329,14 +11834,8 @@
       </p:grpSpPr>
       <p:sp>
         <p:nvSpPr>
-          <p:cNvPr id="2" name="Title 1">
-            <a:extLst>
-              <a:ext uri="{FF2B5EF4-FFF2-40B4-BE49-F238E27FC236}">
-                <a16:creationId xmlns:a16="http://schemas.microsoft.com/office/drawing/2014/main" id="{9BFF689B-CB37-F045-890E-1702F6255CD6}"/>
-              </a:ext>
-            </a:extLst>
-          </p:cNvPr>
-          <p:cNvSpPr>
+          <p:cNvPr id="165" name="Google Shape;165;p33"/>
+          <p:cNvSpPr txBox="1">
             <a:spLocks noGrp="1"/>
           </p:cNvSpPr>
           <p:nvPr>
@@ -11348,23 +11847,18 @@
           <a:bodyPr/>
           <a:lstStyle/>
           <a:p>
+            <a:pPr lvl="0"/>
             <a:r>
               <a:rPr lang="en-US" dirty="0"/>
-              <a:t>Dot Voting and discussion</a:t>
+              <a:t>Collection and Grouping Exercise</a:t>
             </a:r>
           </a:p>
         </p:txBody>
       </p:sp>
       <p:sp>
         <p:nvSpPr>
-          <p:cNvPr id="3" name="Text Placeholder 2">
-            <a:extLst>
-              <a:ext uri="{FF2B5EF4-FFF2-40B4-BE49-F238E27FC236}">
-                <a16:creationId xmlns:a16="http://schemas.microsoft.com/office/drawing/2014/main" id="{9C73CD77-D3DE-854F-9047-B671C3713E10}"/>
-              </a:ext>
-            </a:extLst>
-          </p:cNvPr>
-          <p:cNvSpPr>
+          <p:cNvPr id="166" name="Google Shape;166;p33"/>
+          <p:cNvSpPr txBox="1">
             <a:spLocks noGrp="1"/>
           </p:cNvSpPr>
           <p:nvPr>
@@ -11373,30 +11867,43 @@
         </p:nvSpPr>
         <p:spPr/>
         <p:txBody>
-          <a:bodyPr/>
+          <a:bodyPr>
+            <a:normAutofit/>
+          </a:bodyPr>
           <a:lstStyle/>
           <a:p>
             <a:r>
               <a:rPr lang="en-US" dirty="0"/>
-              <a:t>Use dots to vote for most critical competencies for this position.</a:t>
+              <a:t>We’ll go through the tasks we created and group similar tasks together.</a:t>
             </a:r>
           </a:p>
           <a:p>
             <a:r>
               <a:rPr lang="en-US" dirty="0"/>
-              <a:t>Limited number of dots so we can prioritize.</a:t>
+              <a:t>As we group similar tasks, we’ll give each grouping a title.</a:t>
             </a:r>
           </a:p>
           <a:p>
             <a:r>
               <a:rPr lang="en-US" dirty="0"/>
-              <a:t>Goal is to select 4–6 critical competencies.</a:t>
+              <a:t>These titles are the competencies for this job.</a:t>
             </a:r>
           </a:p>
           <a:p>
             <a:r>
               <a:rPr lang="en-US" dirty="0"/>
-              <a:t>During this exercise, limit the number of tasks to just 4-5 under each competency.</a:t>
+              <a:t>Some groupings may involve multiple competencies</a:t>
+            </a:r>
+          </a:p>
+          <a:p>
+            <a:pPr lvl="1">
+              <a:spcBef>
+                <a:spcPts val="0"/>
+              </a:spcBef>
+            </a:pPr>
+            <a:r>
+              <a:rPr lang="en-US" dirty="0"/>
+              <a:t>For example, a grouping called “writing expert economic analysis” could require both “written communication” and specialized knowledge/experience in economics.</a:t>
             </a:r>
           </a:p>
           <a:p>
@@ -11407,7 +11914,7 @@
     </p:spTree>
     <p:extLst>
       <p:ext uri="{BB962C8B-B14F-4D97-AF65-F5344CB8AC3E}">
-        <p14:creationId xmlns:p14="http://schemas.microsoft.com/office/powerpoint/2010/main" val="2342716868"/>
+        <p14:creationId xmlns:p14="http://schemas.microsoft.com/office/powerpoint/2010/main" val="1407673860"/>
       </p:ext>
     </p:extLst>
   </p:cSld>

--- a/toolkit/job-analysis/job-analysis-presentation.pptx
+++ b/toolkit/job-analysis/job-analysis-presentation.pptx
@@ -14,9 +14,9 @@
     <p:sldId id="256" r:id="rId2"/>
     <p:sldId id="344" r:id="rId3"/>
     <p:sldId id="346" r:id="rId4"/>
-    <p:sldId id="257" r:id="rId5"/>
-    <p:sldId id="261" r:id="rId6"/>
-    <p:sldId id="347" r:id="rId7"/>
+    <p:sldId id="261" r:id="rId5"/>
+    <p:sldId id="367" r:id="rId6"/>
+    <p:sldId id="257" r:id="rId7"/>
     <p:sldId id="364" r:id="rId8"/>
     <p:sldId id="323" r:id="rId9"/>
     <p:sldId id="363" r:id="rId10"/>
@@ -2506,122 +2506,6 @@
   <p:cSld>
     <p:spTree>
       <p:nvGrpSpPr>
-        <p:cNvPr id="1" name="Shape 70"/>
-        <p:cNvGrpSpPr/>
-        <p:nvPr/>
-      </p:nvGrpSpPr>
-      <p:grpSpPr>
-        <a:xfrm>
-          <a:off x="0" y="0"/>
-          <a:ext cx="0" cy="0"/>
-          <a:chOff x="0" y="0"/>
-          <a:chExt cx="0" cy="0"/>
-        </a:xfrm>
-      </p:grpSpPr>
-      <p:sp>
-        <p:nvSpPr>
-          <p:cNvPr id="71" name="Google Shape;71;p2:notes"/>
-          <p:cNvSpPr txBox="1">
-            <a:spLocks noGrp="1"/>
-          </p:cNvSpPr>
-          <p:nvPr>
-            <p:ph type="body" idx="1"/>
-          </p:nvPr>
-        </p:nvSpPr>
-        <p:spPr>
-          <a:xfrm>
-            <a:off x="917575" y="4415790"/>
-            <a:ext cx="5046663" cy="4183380"/>
-          </a:xfrm>
-          <a:prstGeom prst="rect">
-            <a:avLst/>
-          </a:prstGeom>
-          <a:noFill/>
-          <a:ln>
-            <a:noFill/>
-          </a:ln>
-        </p:spPr>
-        <p:txBody>
-          <a:bodyPr spcFirstLastPara="1" wrap="square" lIns="92425" tIns="46200" rIns="92425" bIns="46200" anchor="t" anchorCtr="0">
-            <a:noAutofit/>
-          </a:bodyPr>
-          <a:lstStyle/>
-          <a:p>
-            <a:pPr marL="0" lvl="0" indent="0" algn="l" rtl="0">
-              <a:lnSpc>
-                <a:spcPct val="100000"/>
-              </a:lnSpc>
-              <a:spcBef>
-                <a:spcPts val="0"/>
-              </a:spcBef>
-              <a:spcAft>
-                <a:spcPts val="0"/>
-              </a:spcAft>
-              <a:buSzPts val="1400"/>
-              <a:buNone/>
-            </a:pPr>
-            <a:endParaRPr lang="en-US" dirty="0"/>
-          </a:p>
-        </p:txBody>
-      </p:sp>
-      <p:sp>
-        <p:nvSpPr>
-          <p:cNvPr id="72" name="Google Shape;72;p2:notes"/>
-          <p:cNvSpPr>
-            <a:spLocks noGrp="1" noRot="1" noChangeAspect="1"/>
-          </p:cNvSpPr>
-          <p:nvPr>
-            <p:ph type="sldImg" idx="2"/>
-          </p:nvPr>
-        </p:nvSpPr>
-        <p:spPr>
-          <a:xfrm>
-            <a:off x="342900" y="696913"/>
-            <a:ext cx="6197600" cy="3486150"/>
-          </a:xfrm>
-          <a:custGeom>
-            <a:avLst/>
-            <a:gdLst/>
-            <a:ahLst/>
-            <a:cxnLst/>
-            <a:rect l="l" t="t" r="r" b="b"/>
-            <a:pathLst>
-              <a:path w="120000" h="120000" extrusionOk="0">
-                <a:moveTo>
-                  <a:pt x="0" y="0"/>
-                </a:moveTo>
-                <a:lnTo>
-                  <a:pt x="120000" y="0"/>
-                </a:lnTo>
-                <a:lnTo>
-                  <a:pt x="120000" y="120000"/>
-                </a:lnTo>
-                <a:lnTo>
-                  <a:pt x="0" y="120000"/>
-                </a:lnTo>
-                <a:close/>
-              </a:path>
-            </a:pathLst>
-          </a:custGeom>
-          <a:noFill/>
-          <a:ln>
-            <a:noFill/>
-          </a:ln>
-        </p:spPr>
-      </p:sp>
-    </p:spTree>
-  </p:cSld>
-  <p:clrMapOvr>
-    <a:masterClrMapping/>
-  </p:clrMapOvr>
-</p:notes>
-</file>
-
-<file path=ppt/notesSlides/notesSlide4.xml><?xml version="1.0" encoding="utf-8"?>
-<p:notes xmlns:a="http://schemas.openxmlformats.org/drawingml/2006/main" xmlns:r="http://schemas.openxmlformats.org/officeDocument/2006/relationships" xmlns:p="http://schemas.openxmlformats.org/presentationml/2006/main" showMasterSp="0" showMasterPhAnim="0">
-  <p:cSld>
-    <p:spTree>
-      <p:nvGrpSpPr>
         <p:cNvPr id="1" name="Shape 96"/>
         <p:cNvGrpSpPr/>
         <p:nvPr/>
@@ -3459,12 +3343,12 @@
 </p:notes>
 </file>
 
-<file path=ppt/notesSlides/notesSlide5.xml><?xml version="1.0" encoding="utf-8"?>
+<file path=ppt/notesSlides/notesSlide4.xml><?xml version="1.0" encoding="utf-8"?>
 <p:notes xmlns:a="http://schemas.openxmlformats.org/drawingml/2006/main" xmlns:r="http://schemas.openxmlformats.org/officeDocument/2006/relationships" xmlns:p="http://schemas.openxmlformats.org/presentationml/2006/main" showMasterSp="0" showMasterPhAnim="0">
   <p:cSld>
     <p:spTree>
       <p:nvGrpSpPr>
-        <p:cNvPr id="1" name="Shape 161"/>
+        <p:cNvPr id="1" name="Shape 61"/>
         <p:cNvGrpSpPr/>
         <p:nvPr/>
       </p:nvGrpSpPr>
@@ -3478,7 +3362,7 @@
       </p:grpSpPr>
       <p:sp>
         <p:nvSpPr>
-          <p:cNvPr id="162" name="Google Shape;162;g4e285569a2_1_0:notes"/>
+          <p:cNvPr id="62" name="Google Shape;62;g702b318e36_0_0:notes"/>
           <p:cNvSpPr>
             <a:spLocks noGrp="1" noRot="1" noChangeAspect="1"/>
           </p:cNvSpPr>
@@ -3519,7 +3403,7 @@
       </p:sp>
       <p:sp>
         <p:nvSpPr>
-          <p:cNvPr id="163" name="Google Shape;163;g4e285569a2_1_0:notes"/>
+          <p:cNvPr id="63" name="Google Shape;63;g702b318e36_0_0:notes"/>
           <p:cNvSpPr txBox="1">
             <a:spLocks noGrp="1"/>
           </p:cNvSpPr>
@@ -3542,10 +3426,7 @@
           </a:bodyPr>
           <a:lstStyle/>
           <a:p>
-            <a:pPr marL="0" marR="0" lvl="0" indent="0" algn="l" defTabSz="914400" rtl="0" eaLnBrk="1" fontAlgn="auto" latinLnBrk="0" hangingPunct="1">
-              <a:lnSpc>
-                <a:spcPct val="100000"/>
-              </a:lnSpc>
+            <a:pPr marL="457200" lvl="0" indent="-298450" algn="l" rtl="0">
               <a:spcBef>
                 <a:spcPts val="0"/>
               </a:spcBef>
@@ -3555,33 +3436,299 @@
               <a:buClr>
                 <a:srgbClr val="000000"/>
               </a:buClr>
-              <a:buSzPts val="1400"/>
-              <a:buFont typeface="Arial"/>
-              <a:buNone/>
-              <a:tabLst/>
-              <a:defRPr/>
+              <a:buSzPts val="1100"/>
+              <a:buChar char="•"/>
             </a:pPr>
             <a:r>
-              <a:rPr lang="en-US" sz="1600" dirty="0"/>
-              <a:t>Notes for instructor:</a:t>
-            </a:r>
-            <a:r>
-              <a:rPr lang="en-US" sz="1600" baseline="0" dirty="0"/>
-              <a:t> </a:t>
-            </a:r>
-            <a:r>
-              <a:rPr lang="en-US" sz="1600" dirty="0"/>
-              <a:t>Participants should take about 15 minutes to write down daily job tasks for the role.</a:t>
-            </a:r>
+              <a:rPr lang="en-US" sz="1100" dirty="0">
+                <a:latin typeface="Arial"/>
+                <a:ea typeface="Arial"/>
+                <a:cs typeface="Arial"/>
+                <a:sym typeface="Arial"/>
+              </a:rPr>
+              <a:t>This process allows you to set the qualifications for the role you are hiring for, ensuring that you can find and hire applicants that are fully qualified</a:t>
+            </a:r>
+            <a:endParaRPr sz="1100" dirty="0">
+              <a:latin typeface="Arial"/>
+              <a:ea typeface="Arial"/>
+              <a:cs typeface="Arial"/>
+              <a:sym typeface="Arial"/>
+            </a:endParaRPr>
+          </a:p>
+          <a:p>
+            <a:pPr marL="457200" lvl="0" indent="-298450" algn="l" rtl="0">
+              <a:spcBef>
+                <a:spcPts val="0"/>
+              </a:spcBef>
+              <a:spcAft>
+                <a:spcPts val="0"/>
+              </a:spcAft>
+              <a:buClr>
+                <a:srgbClr val="000000"/>
+              </a:buClr>
+              <a:buSzPts val="1100"/>
+              <a:buChar char="•"/>
+            </a:pPr>
+            <a:r>
+              <a:rPr lang="en-US" sz="1100" dirty="0">
+                <a:latin typeface="Arial"/>
+                <a:ea typeface="Arial"/>
+                <a:cs typeface="Arial"/>
+                <a:sym typeface="Arial"/>
+              </a:rPr>
+              <a:t>The qualifications (competencies and proficiencies) you determine today will be used during resume review and phone interviews or other assessment</a:t>
+            </a:r>
+            <a:endParaRPr sz="1100" dirty="0">
+              <a:latin typeface="Arial"/>
+              <a:ea typeface="Arial"/>
+              <a:cs typeface="Arial"/>
+              <a:sym typeface="Arial"/>
+            </a:endParaRPr>
+          </a:p>
+          <a:p>
+            <a:pPr marL="457200" lvl="0" indent="-298450" algn="l" rtl="0">
+              <a:spcBef>
+                <a:spcPts val="0"/>
+              </a:spcBef>
+              <a:spcAft>
+                <a:spcPts val="0"/>
+              </a:spcAft>
+              <a:buClr>
+                <a:srgbClr val="000000"/>
+              </a:buClr>
+              <a:buSzPts val="1100"/>
+              <a:buChar char="•"/>
+            </a:pPr>
+            <a:r>
+              <a:rPr lang="en-US" sz="1100" dirty="0">
+                <a:latin typeface="Arial"/>
+                <a:ea typeface="Arial"/>
+                <a:cs typeface="Arial"/>
+                <a:sym typeface="Arial"/>
+              </a:rPr>
+              <a:t>Applicants who do not receive a passing score during resume review, phone interviews, or other assessments will not proceed</a:t>
+            </a:r>
+            <a:endParaRPr sz="1100" dirty="0">
+              <a:latin typeface="Arial"/>
+              <a:ea typeface="Arial"/>
+              <a:cs typeface="Arial"/>
+              <a:sym typeface="Arial"/>
+            </a:endParaRPr>
+          </a:p>
+          <a:p>
+            <a:pPr marL="457200" lvl="0" indent="-298450" algn="l" rtl="0">
+              <a:spcBef>
+                <a:spcPts val="0"/>
+              </a:spcBef>
+              <a:spcAft>
+                <a:spcPts val="0"/>
+              </a:spcAft>
+              <a:buClr>
+                <a:srgbClr val="000000"/>
+              </a:buClr>
+              <a:buSzPts val="1100"/>
+              <a:buChar char="•"/>
+            </a:pPr>
+            <a:r>
+              <a:rPr lang="en-US" sz="1100" dirty="0">
+                <a:latin typeface="Arial"/>
+                <a:ea typeface="Arial"/>
+                <a:cs typeface="Arial"/>
+                <a:sym typeface="Arial"/>
+              </a:rPr>
+              <a:t>Applicants are considered qualified when they pass the assessments with SMEs </a:t>
+            </a:r>
+            <a:endParaRPr sz="1100" dirty="0">
+              <a:latin typeface="Arial"/>
+              <a:ea typeface="Arial"/>
+              <a:cs typeface="Arial"/>
+              <a:sym typeface="Arial"/>
+            </a:endParaRPr>
+          </a:p>
+          <a:p>
+            <a:pPr marL="457200" lvl="0" indent="-298450" algn="l" rtl="0">
+              <a:spcBef>
+                <a:spcPts val="0"/>
+              </a:spcBef>
+              <a:spcAft>
+                <a:spcPts val="0"/>
+              </a:spcAft>
+              <a:buClr>
+                <a:srgbClr val="000000"/>
+              </a:buClr>
+              <a:buSzPts val="1100"/>
+              <a:buChar char="•"/>
+            </a:pPr>
+            <a:r>
+              <a:rPr lang="en-US" sz="1100" dirty="0">
+                <a:latin typeface="Arial"/>
+                <a:ea typeface="Arial"/>
+                <a:cs typeface="Arial"/>
+                <a:sym typeface="Arial"/>
+              </a:rPr>
+              <a:t>Applicants aren’t considered qualified until after they pass both interview assessments with SMEs</a:t>
+            </a:r>
+            <a:endParaRPr sz="1100" dirty="0">
+              <a:latin typeface="Arial"/>
+              <a:ea typeface="Arial"/>
+              <a:cs typeface="Arial"/>
+              <a:sym typeface="Arial"/>
+            </a:endParaRPr>
+          </a:p>
+          <a:p>
+            <a:pPr marL="457200" lvl="0" indent="-298450" algn="l" rtl="0">
+              <a:spcBef>
+                <a:spcPts val="0"/>
+              </a:spcBef>
+              <a:spcAft>
+                <a:spcPts val="0"/>
+              </a:spcAft>
+              <a:buClr>
+                <a:srgbClr val="000000"/>
+              </a:buClr>
+              <a:buSzPts val="1100"/>
+              <a:buChar char="•"/>
+            </a:pPr>
+            <a:r>
+              <a:rPr lang="en-US" sz="1100" dirty="0">
+                <a:latin typeface="Arial"/>
+                <a:ea typeface="Arial"/>
+                <a:cs typeface="Arial"/>
+                <a:sym typeface="Arial"/>
+              </a:rPr>
+              <a:t>After the assessments are complete, HR adjudicates veterans’ preference to all of the applicants who passed the assessment phase</a:t>
+            </a:r>
+            <a:endParaRPr sz="1100" dirty="0">
+              <a:latin typeface="Arial"/>
+              <a:ea typeface="Arial"/>
+              <a:cs typeface="Arial"/>
+              <a:sym typeface="Arial"/>
+            </a:endParaRPr>
           </a:p>
         </p:txBody>
       </p:sp>
     </p:spTree>
     <p:extLst>
       <p:ext uri="{BB962C8B-B14F-4D97-AF65-F5344CB8AC3E}">
-        <p14:creationId xmlns:p14="http://schemas.microsoft.com/office/powerpoint/2010/main" val="1842252073"/>
+        <p14:creationId xmlns:p14="http://schemas.microsoft.com/office/powerpoint/2010/main" val="996448903"/>
       </p:ext>
     </p:extLst>
+  </p:cSld>
+  <p:clrMapOvr>
+    <a:masterClrMapping/>
+  </p:clrMapOvr>
+</p:notes>
+</file>
+
+<file path=ppt/notesSlides/notesSlide5.xml><?xml version="1.0" encoding="utf-8"?>
+<p:notes xmlns:a="http://schemas.openxmlformats.org/drawingml/2006/main" xmlns:r="http://schemas.openxmlformats.org/officeDocument/2006/relationships" xmlns:p="http://schemas.openxmlformats.org/presentationml/2006/main" showMasterSp="0" showMasterPhAnim="0">
+  <p:cSld>
+    <p:spTree>
+      <p:nvGrpSpPr>
+        <p:cNvPr id="1" name="Shape 70"/>
+        <p:cNvGrpSpPr/>
+        <p:nvPr/>
+      </p:nvGrpSpPr>
+      <p:grpSpPr>
+        <a:xfrm>
+          <a:off x="0" y="0"/>
+          <a:ext cx="0" cy="0"/>
+          <a:chOff x="0" y="0"/>
+          <a:chExt cx="0" cy="0"/>
+        </a:xfrm>
+      </p:grpSpPr>
+      <p:sp>
+        <p:nvSpPr>
+          <p:cNvPr id="71" name="Google Shape;71;p2:notes"/>
+          <p:cNvSpPr txBox="1">
+            <a:spLocks noGrp="1"/>
+          </p:cNvSpPr>
+          <p:nvPr>
+            <p:ph type="body" idx="1"/>
+          </p:nvPr>
+        </p:nvSpPr>
+        <p:spPr>
+          <a:xfrm>
+            <a:off x="917575" y="4415790"/>
+            <a:ext cx="5046663" cy="4183380"/>
+          </a:xfrm>
+          <a:prstGeom prst="rect">
+            <a:avLst/>
+          </a:prstGeom>
+          <a:noFill/>
+          <a:ln>
+            <a:noFill/>
+          </a:ln>
+        </p:spPr>
+        <p:txBody>
+          <a:bodyPr spcFirstLastPara="1" wrap="square" lIns="92425" tIns="46200" rIns="92425" bIns="46200" anchor="t" anchorCtr="0">
+            <a:noAutofit/>
+          </a:bodyPr>
+          <a:lstStyle/>
+          <a:p>
+            <a:pPr marL="0" lvl="0" indent="0" algn="l" rtl="0">
+              <a:lnSpc>
+                <a:spcPct val="100000"/>
+              </a:lnSpc>
+              <a:spcBef>
+                <a:spcPts val="0"/>
+              </a:spcBef>
+              <a:spcAft>
+                <a:spcPts val="0"/>
+              </a:spcAft>
+              <a:buSzPts val="1400"/>
+              <a:buNone/>
+            </a:pPr>
+            <a:endParaRPr lang="en-US" dirty="0"/>
+          </a:p>
+        </p:txBody>
+      </p:sp>
+      <p:sp>
+        <p:nvSpPr>
+          <p:cNvPr id="72" name="Google Shape;72;p2:notes"/>
+          <p:cNvSpPr>
+            <a:spLocks noGrp="1" noRot="1" noChangeAspect="1"/>
+          </p:cNvSpPr>
+          <p:nvPr>
+            <p:ph type="sldImg" idx="2"/>
+          </p:nvPr>
+        </p:nvSpPr>
+        <p:spPr>
+          <a:xfrm>
+            <a:off x="342900" y="696913"/>
+            <a:ext cx="6197600" cy="3486150"/>
+          </a:xfrm>
+          <a:custGeom>
+            <a:avLst/>
+            <a:gdLst/>
+            <a:ahLst/>
+            <a:cxnLst/>
+            <a:rect l="l" t="t" r="r" b="b"/>
+            <a:pathLst>
+              <a:path w="120000" h="120000" extrusionOk="0">
+                <a:moveTo>
+                  <a:pt x="0" y="0"/>
+                </a:moveTo>
+                <a:lnTo>
+                  <a:pt x="120000" y="0"/>
+                </a:lnTo>
+                <a:lnTo>
+                  <a:pt x="120000" y="120000"/>
+                </a:lnTo>
+                <a:lnTo>
+                  <a:pt x="0" y="120000"/>
+                </a:lnTo>
+                <a:close/>
+              </a:path>
+            </a:pathLst>
+          </a:custGeom>
+          <a:noFill/>
+          <a:ln>
+            <a:noFill/>
+          </a:ln>
+        </p:spPr>
+      </p:sp>
+    </p:spTree>
   </p:cSld>
   <p:clrMapOvr>
     <a:masterClrMapping/>
@@ -7832,13 +7979,7 @@
           <a:p>
             <a:r>
               <a:rPr lang="en-US" dirty="0"/>
-              <a:t>Goal is to select 4–6 critical competencies.</a:t>
-            </a:r>
-          </a:p>
-          <a:p>
-            <a:r>
-              <a:rPr lang="en-US" dirty="0"/>
-              <a:t>During this exercise, limit the number of tasks to just 4-5 under each competency.</a:t>
+              <a:t>Goal: select 4–6 critical competencies.</a:t>
             </a:r>
           </a:p>
           <a:p>
@@ -11215,227 +11356,6 @@
   <p:cSld>
     <p:spTree>
       <p:nvGrpSpPr>
-        <p:cNvPr id="1" name="Shape 73"/>
-        <p:cNvGrpSpPr/>
-        <p:nvPr/>
-      </p:nvGrpSpPr>
-      <p:grpSpPr>
-        <a:xfrm>
-          <a:off x="0" y="0"/>
-          <a:ext cx="0" cy="0"/>
-          <a:chOff x="0" y="0"/>
-          <a:chExt cx="0" cy="0"/>
-        </a:xfrm>
-      </p:grpSpPr>
-      <p:sp>
-        <p:nvSpPr>
-          <p:cNvPr id="74" name="Google Shape;74;p21"/>
-          <p:cNvSpPr txBox="1">
-            <a:spLocks noGrp="1"/>
-          </p:cNvSpPr>
-          <p:nvPr>
-            <p:ph type="title"/>
-          </p:nvPr>
-        </p:nvSpPr>
-        <p:spPr>
-          <a:xfrm>
-            <a:off x="1192143" y="519298"/>
-            <a:ext cx="15580566" cy="1290459"/>
-          </a:xfrm>
-        </p:spPr>
-        <p:txBody>
-          <a:bodyPr/>
-          <a:lstStyle/>
-          <a:p>
-            <a:pPr lvl="0"/>
-            <a:r>
-              <a:rPr lang="en-US" dirty="0"/>
-              <a:t>Agenda for today: Tasks     Competencies     Proficiencies</a:t>
-            </a:r>
-          </a:p>
-        </p:txBody>
-      </p:sp>
-      <p:sp>
-        <p:nvSpPr>
-          <p:cNvPr id="2" name="Text Placeholder 1">
-            <a:extLst>
-              <a:ext uri="{FF2B5EF4-FFF2-40B4-BE49-F238E27FC236}">
-                <a16:creationId xmlns:a16="http://schemas.microsoft.com/office/drawing/2014/main" id="{F7672C36-486C-0348-B94D-9EE828C96310}"/>
-              </a:ext>
-            </a:extLst>
-          </p:cNvPr>
-          <p:cNvSpPr>
-            <a:spLocks noGrp="1"/>
-          </p:cNvSpPr>
-          <p:nvPr>
-            <p:ph type="body" idx="1"/>
-          </p:nvPr>
-        </p:nvSpPr>
-        <p:spPr>
-          <a:xfrm>
-            <a:off x="1192143" y="1841499"/>
-            <a:ext cx="14956057" cy="7624233"/>
-          </a:xfrm>
-        </p:spPr>
-        <p:txBody>
-          <a:bodyPr>
-            <a:normAutofit/>
-          </a:bodyPr>
-          <a:lstStyle/>
-          <a:p>
-            <a:pPr lvl="1"/>
-            <a:r>
-              <a:rPr lang="en-US" dirty="0"/>
-              <a:t>Overview of the process (30 min)</a:t>
-            </a:r>
-          </a:p>
-          <a:p>
-            <a:pPr lvl="1"/>
-            <a:r>
-              <a:rPr lang="en-US" dirty="0"/>
-              <a:t>Write down job tasks and group them to identify competencies (1 hr)</a:t>
-            </a:r>
-          </a:p>
-          <a:p>
-            <a:pPr lvl="1"/>
-            <a:r>
-              <a:rPr lang="en-US" dirty="0"/>
-              <a:t>Discuss and define critical competencies (2 hr)</a:t>
-            </a:r>
-          </a:p>
-          <a:p>
-            <a:pPr lvl="1"/>
-            <a:r>
-              <a:rPr lang="en-US" dirty="0"/>
-              <a:t>Create 4 proficiency levels for each competency (1 hr)</a:t>
-            </a:r>
-          </a:p>
-          <a:p>
-            <a:pPr lvl="1"/>
-            <a:r>
-              <a:rPr lang="en-US" dirty="0"/>
-              <a:t>Review PD and job tasks against competencies (must be “rooted in the PD”) (15 min)</a:t>
-            </a:r>
-          </a:p>
-        </p:txBody>
-      </p:sp>
-      <p:sp>
-        <p:nvSpPr>
-          <p:cNvPr id="4" name="Right Arrow 3">
-            <a:extLst>
-              <a:ext uri="{FF2B5EF4-FFF2-40B4-BE49-F238E27FC236}">
-                <a16:creationId xmlns:a16="http://schemas.microsoft.com/office/drawing/2014/main" id="{06C288B4-6B25-C34D-8358-F206E29C81CE}"/>
-              </a:ext>
-            </a:extLst>
-          </p:cNvPr>
-          <p:cNvSpPr/>
-          <p:nvPr/>
-        </p:nvSpPr>
-        <p:spPr>
-          <a:xfrm>
-            <a:off x="8098304" y="649336"/>
-            <a:ext cx="368808" cy="367855"/>
-          </a:xfrm>
-          <a:prstGeom prst="rightArrow">
-            <a:avLst/>
-          </a:prstGeom>
-          <a:solidFill>
-            <a:schemeClr val="tx2"/>
-          </a:solidFill>
-          <a:ln>
-            <a:noFill/>
-          </a:ln>
-        </p:spPr>
-        <p:style>
-          <a:lnRef idx="2">
-            <a:schemeClr val="accent1">
-              <a:shade val="50000"/>
-            </a:schemeClr>
-          </a:lnRef>
-          <a:fillRef idx="1">
-            <a:schemeClr val="accent1"/>
-          </a:fillRef>
-          <a:effectRef idx="0">
-            <a:schemeClr val="accent1"/>
-          </a:effectRef>
-          <a:fontRef idx="minor">
-            <a:schemeClr val="lt1"/>
-          </a:fontRef>
-        </p:style>
-        <p:txBody>
-          <a:bodyPr rtlCol="0" anchor="ctr"/>
-          <a:lstStyle/>
-          <a:p>
-            <a:pPr algn="ctr"/>
-            <a:endParaRPr lang="en-US"/>
-          </a:p>
-        </p:txBody>
-      </p:sp>
-      <p:sp>
-        <p:nvSpPr>
-          <p:cNvPr id="5" name="Right Arrow 4">
-            <a:extLst>
-              <a:ext uri="{FF2B5EF4-FFF2-40B4-BE49-F238E27FC236}">
-                <a16:creationId xmlns:a16="http://schemas.microsoft.com/office/drawing/2014/main" id="{C7C9A79A-439B-9E44-84F0-D575C0CC4E5E}"/>
-              </a:ext>
-            </a:extLst>
-          </p:cNvPr>
-          <p:cNvSpPr/>
-          <p:nvPr/>
-        </p:nvSpPr>
-        <p:spPr>
-          <a:xfrm>
-            <a:off x="12342543" y="649336"/>
-            <a:ext cx="368808" cy="367855"/>
-          </a:xfrm>
-          <a:prstGeom prst="rightArrow">
-            <a:avLst/>
-          </a:prstGeom>
-          <a:solidFill>
-            <a:schemeClr val="tx2"/>
-          </a:solidFill>
-          <a:ln>
-            <a:noFill/>
-          </a:ln>
-        </p:spPr>
-        <p:style>
-          <a:lnRef idx="2">
-            <a:schemeClr val="accent1">
-              <a:shade val="50000"/>
-            </a:schemeClr>
-          </a:lnRef>
-          <a:fillRef idx="1">
-            <a:schemeClr val="accent1"/>
-          </a:fillRef>
-          <a:effectRef idx="0">
-            <a:schemeClr val="accent1"/>
-          </a:effectRef>
-          <a:fontRef idx="minor">
-            <a:schemeClr val="lt1"/>
-          </a:fontRef>
-        </p:style>
-        <p:txBody>
-          <a:bodyPr rtlCol="0" anchor="ctr"/>
-          <a:lstStyle/>
-          <a:p>
-            <a:pPr algn="ctr"/>
-            <a:endParaRPr lang="en-US"/>
-          </a:p>
-        </p:txBody>
-      </p:sp>
-    </p:spTree>
-  </p:cSld>
-  <p:clrMapOvr>
-    <a:masterClrMapping/>
-  </p:clrMapOvr>
-</p:sld>
-</file>
-
-<file path=ppt/slides/slide5.xml><?xml version="1.0" encoding="utf-8"?>
-<p:sld xmlns:a="http://schemas.openxmlformats.org/drawingml/2006/main" xmlns:r="http://schemas.openxmlformats.org/officeDocument/2006/relationships" xmlns:p="http://schemas.openxmlformats.org/presentationml/2006/main">
-  <p:cSld>
-    <p:spTree>
-      <p:nvGrpSpPr>
         <p:cNvPr id="1" name="Shape 99"/>
         <p:cNvGrpSpPr/>
         <p:nvPr/>
@@ -11475,7 +11395,7 @@
           <a:p>
             <a:r>
               <a:rPr lang="en-US" dirty="0"/>
-              <a:t>Multi-Hurdle SME Assessment Process</a:t>
+              <a:t>Overview of the process</a:t>
             </a:r>
             <a:endParaRPr dirty="0"/>
           </a:p>
@@ -11519,12 +11439,12 @@
 </p:sld>
 </file>
 
-<file path=ppt/slides/slide6.xml><?xml version="1.0" encoding="utf-8"?>
+<file path=ppt/slides/slide5.xml><?xml version="1.0" encoding="utf-8"?>
 <p:sld xmlns:a="http://schemas.openxmlformats.org/drawingml/2006/main" xmlns:r="http://schemas.openxmlformats.org/officeDocument/2006/relationships" xmlns:p="http://schemas.openxmlformats.org/presentationml/2006/main">
   <p:cSld>
     <p:spTree>
       <p:nvGrpSpPr>
-        <p:cNvPr id="1" name="Shape 164"/>
+        <p:cNvPr id="1" name="Shape 64"/>
         <p:cNvGrpSpPr/>
         <p:nvPr/>
       </p:nvGrpSpPr>
@@ -11538,7 +11458,363 @@
       </p:grpSpPr>
       <p:sp>
         <p:nvSpPr>
-          <p:cNvPr id="165" name="Google Shape;165;p33"/>
+          <p:cNvPr id="66" name="Google Shape;66;g702b318e36_0_0"/>
+          <p:cNvSpPr txBox="1"/>
+          <p:nvPr/>
+        </p:nvSpPr>
+        <p:spPr>
+          <a:xfrm>
+            <a:off x="3477625" y="7213550"/>
+            <a:ext cx="12774000" cy="1290600"/>
+          </a:xfrm>
+          <a:prstGeom prst="rect">
+            <a:avLst/>
+          </a:prstGeom>
+          <a:noFill/>
+          <a:ln>
+            <a:noFill/>
+          </a:ln>
+        </p:spPr>
+        <p:txBody>
+          <a:bodyPr spcFirstLastPara="1" wrap="square" lIns="91425" tIns="91425" rIns="91425" bIns="91425" anchor="t" anchorCtr="0">
+            <a:noAutofit/>
+          </a:bodyPr>
+          <a:lstStyle/>
+          <a:p>
+            <a:pPr marL="0" lvl="0" indent="0" algn="l" rtl="0">
+              <a:spcBef>
+                <a:spcPts val="0"/>
+              </a:spcBef>
+              <a:spcAft>
+                <a:spcPts val="0"/>
+              </a:spcAft>
+              <a:buNone/>
+            </a:pPr>
+            <a:r>
+              <a:rPr lang="en-US" sz="3600" dirty="0">
+                <a:solidFill>
+                  <a:schemeClr val="lt2"/>
+                </a:solidFill>
+              </a:rPr>
+              <a:t>Applicants who qualify through the assessments will have veterans’ preference applied and be eligible for selection.</a:t>
+            </a:r>
+            <a:endParaRPr sz="3600" dirty="0">
+              <a:solidFill>
+                <a:schemeClr val="lt2"/>
+              </a:solidFill>
+            </a:endParaRPr>
+          </a:p>
+        </p:txBody>
+      </p:sp>
+      <p:sp>
+        <p:nvSpPr>
+          <p:cNvPr id="67" name="Google Shape;67;g702b318e36_0_0"/>
+          <p:cNvSpPr/>
+          <p:nvPr/>
+        </p:nvSpPr>
+        <p:spPr>
+          <a:xfrm>
+            <a:off x="1447788" y="4494225"/>
+            <a:ext cx="1881600" cy="1881600"/>
+          </a:xfrm>
+          <a:prstGeom prst="ellipse">
+            <a:avLst/>
+          </a:prstGeom>
+          <a:solidFill>
+            <a:srgbClr val="EFEFEF"/>
+          </a:solidFill>
+          <a:ln>
+            <a:noFill/>
+          </a:ln>
+        </p:spPr>
+        <p:txBody>
+          <a:bodyPr spcFirstLastPara="1" wrap="square" lIns="91425" tIns="91425" rIns="91425" bIns="91425" anchor="ctr" anchorCtr="0">
+            <a:noAutofit/>
+          </a:bodyPr>
+          <a:lstStyle/>
+          <a:p>
+            <a:pPr marL="0" lvl="0" indent="0" algn="l" rtl="0">
+              <a:spcBef>
+                <a:spcPts val="0"/>
+              </a:spcBef>
+              <a:spcAft>
+                <a:spcPts val="0"/>
+              </a:spcAft>
+              <a:buNone/>
+            </a:pPr>
+            <a:endParaRPr/>
+          </a:p>
+        </p:txBody>
+      </p:sp>
+      <p:pic>
+        <p:nvPicPr>
+          <p:cNvPr id="69" name="Google Shape;69;g702b318e36_0_0"/>
+          <p:cNvPicPr preferRelativeResize="0"/>
+          <p:nvPr/>
+        </p:nvPicPr>
+        <p:blipFill>
+          <a:blip r:embed="rId3">
+            <a:alphaModFix/>
+          </a:blip>
+          <a:stretch>
+            <a:fillRect/>
+          </a:stretch>
+        </p:blipFill>
+        <p:spPr>
+          <a:xfrm>
+            <a:off x="1593075" y="4639500"/>
+            <a:ext cx="1591056" cy="1591056"/>
+          </a:xfrm>
+          <a:prstGeom prst="rect">
+            <a:avLst/>
+          </a:prstGeom>
+          <a:noFill/>
+          <a:ln>
+            <a:noFill/>
+          </a:ln>
+        </p:spPr>
+      </p:pic>
+      <p:sp>
+        <p:nvSpPr>
+          <p:cNvPr id="70" name="Google Shape;70;g702b318e36_0_0"/>
+          <p:cNvSpPr/>
+          <p:nvPr/>
+        </p:nvSpPr>
+        <p:spPr>
+          <a:xfrm>
+            <a:off x="1447800" y="2169250"/>
+            <a:ext cx="1881600" cy="1881600"/>
+          </a:xfrm>
+          <a:prstGeom prst="ellipse">
+            <a:avLst/>
+          </a:prstGeom>
+          <a:solidFill>
+            <a:srgbClr val="EFEFEF"/>
+          </a:solidFill>
+          <a:ln>
+            <a:noFill/>
+          </a:ln>
+        </p:spPr>
+        <p:txBody>
+          <a:bodyPr spcFirstLastPara="1" wrap="square" lIns="91425" tIns="91425" rIns="91425" bIns="91425" anchor="ctr" anchorCtr="0">
+            <a:noAutofit/>
+          </a:bodyPr>
+          <a:lstStyle/>
+          <a:p>
+            <a:pPr marL="0" lvl="0" indent="0" algn="l" rtl="0">
+              <a:spcBef>
+                <a:spcPts val="0"/>
+              </a:spcBef>
+              <a:spcAft>
+                <a:spcPts val="0"/>
+              </a:spcAft>
+              <a:buNone/>
+            </a:pPr>
+            <a:endParaRPr/>
+          </a:p>
+        </p:txBody>
+      </p:sp>
+      <p:pic>
+        <p:nvPicPr>
+          <p:cNvPr id="71" name="Google Shape;71;g702b318e36_0_0"/>
+          <p:cNvPicPr preferRelativeResize="0"/>
+          <p:nvPr/>
+        </p:nvPicPr>
+        <p:blipFill>
+          <a:blip r:embed="rId4">
+            <a:alphaModFix/>
+          </a:blip>
+          <a:stretch>
+            <a:fillRect/>
+          </a:stretch>
+        </p:blipFill>
+        <p:spPr>
+          <a:xfrm>
+            <a:off x="1595288" y="2316737"/>
+            <a:ext cx="1586625" cy="1586625"/>
+          </a:xfrm>
+          <a:prstGeom prst="rect">
+            <a:avLst/>
+          </a:prstGeom>
+          <a:noFill/>
+          <a:ln>
+            <a:noFill/>
+          </a:ln>
+        </p:spPr>
+      </p:pic>
+      <p:sp>
+        <p:nvSpPr>
+          <p:cNvPr id="72" name="Google Shape;72;g702b318e36_0_0"/>
+          <p:cNvSpPr txBox="1"/>
+          <p:nvPr/>
+        </p:nvSpPr>
+        <p:spPr>
+          <a:xfrm>
+            <a:off x="3477625" y="2464750"/>
+            <a:ext cx="12774000" cy="1290600"/>
+          </a:xfrm>
+          <a:prstGeom prst="rect">
+            <a:avLst/>
+          </a:prstGeom>
+          <a:noFill/>
+          <a:ln>
+            <a:noFill/>
+          </a:ln>
+        </p:spPr>
+        <p:txBody>
+          <a:bodyPr spcFirstLastPara="1" wrap="square" lIns="91425" tIns="91425" rIns="91425" bIns="91425" anchor="t" anchorCtr="0">
+            <a:noAutofit/>
+          </a:bodyPr>
+          <a:lstStyle/>
+          <a:p>
+            <a:pPr marL="0" lvl="0" indent="0" algn="l" rtl="0">
+              <a:spcBef>
+                <a:spcPts val="0"/>
+              </a:spcBef>
+              <a:spcAft>
+                <a:spcPts val="0"/>
+              </a:spcAft>
+              <a:buNone/>
+            </a:pPr>
+            <a:r>
+              <a:rPr lang="en-US" sz="3600" dirty="0">
+                <a:solidFill>
+                  <a:schemeClr val="lt2"/>
+                </a:solidFill>
+              </a:rPr>
+              <a:t>During job analysis, we will determine the competencies and proficiencies to set the qualification “bar” for the position</a:t>
+            </a:r>
+            <a:endParaRPr sz="3600" dirty="0"/>
+          </a:p>
+        </p:txBody>
+      </p:sp>
+      <p:sp>
+        <p:nvSpPr>
+          <p:cNvPr id="73" name="Google Shape;73;g702b318e36_0_0"/>
+          <p:cNvSpPr txBox="1"/>
+          <p:nvPr/>
+        </p:nvSpPr>
+        <p:spPr>
+          <a:xfrm>
+            <a:off x="3477613" y="4789725"/>
+            <a:ext cx="12774000" cy="1290600"/>
+          </a:xfrm>
+          <a:prstGeom prst="rect">
+            <a:avLst/>
+          </a:prstGeom>
+          <a:noFill/>
+          <a:ln>
+            <a:noFill/>
+          </a:ln>
+        </p:spPr>
+        <p:txBody>
+          <a:bodyPr spcFirstLastPara="1" wrap="square" lIns="91425" tIns="91425" rIns="91425" bIns="91425" anchor="t" anchorCtr="0">
+            <a:noAutofit/>
+          </a:bodyPr>
+          <a:lstStyle/>
+          <a:p>
+            <a:pPr marL="0" lvl="0" indent="0" algn="l" rtl="0">
+              <a:spcBef>
+                <a:spcPts val="0"/>
+              </a:spcBef>
+              <a:spcAft>
+                <a:spcPts val="0"/>
+              </a:spcAft>
+              <a:buNone/>
+            </a:pPr>
+            <a:r>
+              <a:rPr lang="en-US" sz="3600" dirty="0">
+                <a:solidFill>
+                  <a:schemeClr val="lt2"/>
+                </a:solidFill>
+              </a:rPr>
+              <a:t>SMEs will reference the qualifications (competencies and proficiencies) during resume review and assessments</a:t>
+            </a:r>
+            <a:endParaRPr sz="3600" dirty="0">
+              <a:solidFill>
+                <a:schemeClr val="lt2"/>
+              </a:solidFill>
+            </a:endParaRPr>
+          </a:p>
+        </p:txBody>
+      </p:sp>
+      <p:sp>
+        <p:nvSpPr>
+          <p:cNvPr id="74" name="Google Shape;74;g702b318e36_0_0"/>
+          <p:cNvSpPr/>
+          <p:nvPr/>
+        </p:nvSpPr>
+        <p:spPr>
+          <a:xfrm>
+            <a:off x="1447800" y="6858400"/>
+            <a:ext cx="1881600" cy="1881600"/>
+          </a:xfrm>
+          <a:prstGeom prst="ellipse">
+            <a:avLst/>
+          </a:prstGeom>
+          <a:solidFill>
+            <a:srgbClr val="EFEFEF"/>
+          </a:solidFill>
+          <a:ln>
+            <a:noFill/>
+          </a:ln>
+        </p:spPr>
+        <p:txBody>
+          <a:bodyPr spcFirstLastPara="1" wrap="square" lIns="91425" tIns="91425" rIns="91425" bIns="91425" anchor="ctr" anchorCtr="0">
+            <a:noAutofit/>
+          </a:bodyPr>
+          <a:lstStyle/>
+          <a:p>
+            <a:pPr marL="0" lvl="0" indent="0" algn="l" rtl="0">
+              <a:spcBef>
+                <a:spcPts val="0"/>
+              </a:spcBef>
+              <a:spcAft>
+                <a:spcPts val="0"/>
+              </a:spcAft>
+              <a:buNone/>
+            </a:pPr>
+            <a:endParaRPr/>
+          </a:p>
+        </p:txBody>
+      </p:sp>
+      <p:pic>
+        <p:nvPicPr>
+          <p:cNvPr id="76" name="Google Shape;76;g702b318e36_0_0"/>
+          <p:cNvPicPr preferRelativeResize="0"/>
+          <p:nvPr/>
+        </p:nvPicPr>
+        <p:blipFill>
+          <a:blip r:embed="rId5">
+            <a:alphaModFix/>
+          </a:blip>
+          <a:stretch>
+            <a:fillRect/>
+          </a:stretch>
+        </p:blipFill>
+        <p:spPr>
+          <a:xfrm>
+            <a:off x="1348975" y="6819234"/>
+            <a:ext cx="2079249" cy="2079249"/>
+          </a:xfrm>
+          <a:prstGeom prst="rect">
+            <a:avLst/>
+          </a:prstGeom>
+          <a:noFill/>
+          <a:ln>
+            <a:noFill/>
+          </a:ln>
+        </p:spPr>
+      </p:pic>
+      <p:sp>
+        <p:nvSpPr>
+          <p:cNvPr id="16" name="Google Shape;100;p25">
+            <a:extLst>
+              <a:ext uri="{FF2B5EF4-FFF2-40B4-BE49-F238E27FC236}">
+                <a16:creationId xmlns:a16="http://schemas.microsoft.com/office/drawing/2014/main" id="{D021551C-AA92-6944-9301-71B89164FD23}"/>
+              </a:ext>
+            </a:extLst>
+          </p:cNvPr>
           <p:cNvSpPr txBox="1">
             <a:spLocks noGrp="1"/>
           </p:cNvSpPr>
@@ -11546,7 +11822,79 @@
             <p:ph type="title"/>
           </p:nvPr>
         </p:nvSpPr>
-        <p:spPr/>
+        <p:spPr>
+          <a:xfrm>
+            <a:off x="1192143" y="519298"/>
+            <a:ext cx="14956057" cy="1290459"/>
+          </a:xfrm>
+          <a:prstGeom prst="rect">
+            <a:avLst/>
+          </a:prstGeom>
+          <a:noFill/>
+          <a:ln>
+            <a:noFill/>
+          </a:ln>
+        </p:spPr>
+        <p:txBody>
+          <a:bodyPr spcFirstLastPara="1" wrap="square" lIns="91425" tIns="45700" rIns="91425" bIns="45700" anchor="t" anchorCtr="0">
+            <a:noAutofit/>
+          </a:bodyPr>
+          <a:lstStyle/>
+          <a:p>
+            <a:r>
+              <a:rPr lang="en-US" dirty="0"/>
+              <a:t>Overview of the process</a:t>
+            </a:r>
+            <a:endParaRPr dirty="0"/>
+          </a:p>
+        </p:txBody>
+      </p:sp>
+    </p:spTree>
+    <p:extLst>
+      <p:ext uri="{BB962C8B-B14F-4D97-AF65-F5344CB8AC3E}">
+        <p14:creationId xmlns:p14="http://schemas.microsoft.com/office/powerpoint/2010/main" val="2737081408"/>
+      </p:ext>
+    </p:extLst>
+  </p:cSld>
+  <p:clrMapOvr>
+    <a:masterClrMapping/>
+  </p:clrMapOvr>
+</p:sld>
+</file>
+
+<file path=ppt/slides/slide6.xml><?xml version="1.0" encoding="utf-8"?>
+<p:sld xmlns:a="http://schemas.openxmlformats.org/drawingml/2006/main" xmlns:r="http://schemas.openxmlformats.org/officeDocument/2006/relationships" xmlns:p="http://schemas.openxmlformats.org/presentationml/2006/main">
+  <p:cSld>
+    <p:spTree>
+      <p:nvGrpSpPr>
+        <p:cNvPr id="1" name="Shape 73"/>
+        <p:cNvGrpSpPr/>
+        <p:nvPr/>
+      </p:nvGrpSpPr>
+      <p:grpSpPr>
+        <a:xfrm>
+          <a:off x="0" y="0"/>
+          <a:ext cx="0" cy="0"/>
+          <a:chOff x="0" y="0"/>
+          <a:chExt cx="0" cy="0"/>
+        </a:xfrm>
+      </p:grpSpPr>
+      <p:sp>
+        <p:nvSpPr>
+          <p:cNvPr id="74" name="Google Shape;74;p21"/>
+          <p:cNvSpPr txBox="1">
+            <a:spLocks noGrp="1"/>
+          </p:cNvSpPr>
+          <p:nvPr>
+            <p:ph type="title"/>
+          </p:nvPr>
+        </p:nvSpPr>
+        <p:spPr>
+          <a:xfrm>
+            <a:off x="1192143" y="519298"/>
+            <a:ext cx="15904366" cy="1290459"/>
+          </a:xfrm>
+        </p:spPr>
         <p:txBody>
           <a:bodyPr/>
           <a:lstStyle/>
@@ -11554,47 +11902,92 @@
             <a:pPr lvl="0"/>
             <a:r>
               <a:rPr lang="en-US" dirty="0"/>
-              <a:t>Caveats</a:t>
+              <a:t>Agenda for today: Tasks </a:t>
+            </a:r>
+            <a:r>
+              <a:rPr lang="en-US" b="0" dirty="0"/>
+              <a:t>⟶ </a:t>
+            </a:r>
+            <a:r>
+              <a:rPr lang="en-US" dirty="0"/>
+              <a:t>Competencies</a:t>
+            </a:r>
+            <a:r>
+              <a:rPr lang="en-US" b="0" dirty="0"/>
+              <a:t> ⟶ </a:t>
+            </a:r>
+            <a:r>
+              <a:rPr lang="en-US" dirty="0"/>
+              <a:t>Proficiencies</a:t>
             </a:r>
           </a:p>
         </p:txBody>
       </p:sp>
       <p:sp>
         <p:nvSpPr>
-          <p:cNvPr id="166" name="Google Shape;166;p33"/>
-          <p:cNvSpPr txBox="1">
+          <p:cNvPr id="2" name="Text Placeholder 1">
+            <a:extLst>
+              <a:ext uri="{FF2B5EF4-FFF2-40B4-BE49-F238E27FC236}">
+                <a16:creationId xmlns:a16="http://schemas.microsoft.com/office/drawing/2014/main" id="{F7672C36-486C-0348-B94D-9EE828C96310}"/>
+              </a:ext>
+            </a:extLst>
+          </p:cNvPr>
+          <p:cNvSpPr>
             <a:spLocks noGrp="1"/>
           </p:cNvSpPr>
           <p:nvPr>
             <p:ph type="body" idx="1"/>
           </p:nvPr>
         </p:nvSpPr>
-        <p:spPr/>
+        <p:spPr>
+          <a:xfrm>
+            <a:off x="1192143" y="1841499"/>
+            <a:ext cx="14956057" cy="7624233"/>
+          </a:xfrm>
+        </p:spPr>
         <p:txBody>
           <a:bodyPr>
             <a:normAutofit/>
           </a:bodyPr>
           <a:lstStyle/>
           <a:p>
+            <a:pPr lvl="1"/>
             <a:r>
               <a:rPr lang="en-US" dirty="0"/>
-              <a:t>If you’re here, you can’t apply for the job</a:t>
-            </a:r>
-          </a:p>
-          <a:p>
+              <a:t>Overview of the process (30 min)</a:t>
+            </a:r>
+          </a:p>
+          <a:p>
+            <a:pPr lvl="1"/>
             <a:r>
               <a:rPr lang="en-US" dirty="0"/>
-              <a:t>Once the workshop moves into proficiencies, assessments, and any other subjects not published on the job announcement, all materials and discussion must be kept confidential.</a:t>
+              <a:t>Write down job tasks and group them to identify competencies (1 hr)</a:t>
+            </a:r>
+          </a:p>
+          <a:p>
+            <a:pPr lvl="1"/>
+            <a:r>
+              <a:rPr lang="en-US" dirty="0"/>
+              <a:t>Discuss and define critical competencies (2 hr)</a:t>
+            </a:r>
+          </a:p>
+          <a:p>
+            <a:pPr lvl="1"/>
+            <a:r>
+              <a:rPr lang="en-US" dirty="0"/>
+              <a:t>Create 4 proficiency levels for each competency (1 hr)</a:t>
+            </a:r>
+          </a:p>
+          <a:p>
+            <a:pPr lvl="1"/>
+            <a:r>
+              <a:rPr lang="en-US" dirty="0"/>
+              <a:t>Review PD and job tasks against competencies (must be “rooted in the PD”) (15 min)</a:t>
             </a:r>
           </a:p>
         </p:txBody>
       </p:sp>
     </p:spTree>
-    <p:extLst>
-      <p:ext uri="{BB962C8B-B14F-4D97-AF65-F5344CB8AC3E}">
-        <p14:creationId xmlns:p14="http://schemas.microsoft.com/office/powerpoint/2010/main" val="3466867755"/>
-      </p:ext>
-    </p:extLst>
   </p:cSld>
   <p:clrMapOvr>
     <a:masterClrMapping/>
@@ -11773,31 +12166,37 @@
           <a:p>
             <a:r>
               <a:rPr lang="en-US" dirty="0"/>
-              <a:t>Responded to customer requests and customer-related incidents</a:t>
+              <a:t>Communicate with customers about issue tickets</a:t>
             </a:r>
           </a:p>
           <a:p>
             <a:r>
               <a:rPr lang="en-US" dirty="0"/>
-              <a:t>Negotiated procurement with technology vendors</a:t>
+              <a:t>Research and resolve customer issues</a:t>
             </a:r>
           </a:p>
           <a:p>
             <a:r>
               <a:rPr lang="en-US" dirty="0"/>
-              <a:t>Developed information tracking procedures</a:t>
+              <a:t>Evaluate work by vendors</a:t>
             </a:r>
           </a:p>
           <a:p>
             <a:r>
               <a:rPr lang="en-US" dirty="0"/>
-              <a:t>Interpreted data and other information</a:t>
+              <a:t>Develop procedures and workflows</a:t>
             </a:r>
           </a:p>
           <a:p>
             <a:r>
               <a:rPr lang="en-US" dirty="0"/>
-              <a:t>Collected and analyzed internet services usage and performance statistics</a:t>
+              <a:t>Interpret data</a:t>
+            </a:r>
+          </a:p>
+          <a:p>
+            <a:r>
+              <a:rPr lang="en-US" dirty="0"/>
+              <a:t>Collect and analyze website usage and performance statistics</a:t>
             </a:r>
           </a:p>
         </p:txBody>

--- a/toolkit/job-analysis/job-analysis-presentation.pptx
+++ b/toolkit/job-analysis/job-analysis-presentation.pptx
@@ -5,10 +5,10 @@
     <p:sldMasterId id="2147483666" r:id="rId1"/>
   </p:sldMasterIdLst>
   <p:notesMasterIdLst>
-    <p:notesMasterId r:id="rId32"/>
+    <p:notesMasterId r:id="rId33"/>
   </p:notesMasterIdLst>
   <p:handoutMasterIdLst>
-    <p:handoutMasterId r:id="rId33"/>
+    <p:handoutMasterId r:id="rId34"/>
   </p:handoutMasterIdLst>
   <p:sldIdLst>
     <p:sldId id="256" r:id="rId2"/>
@@ -23,72 +23,73 @@
     <p:sldId id="365" r:id="rId11"/>
     <p:sldId id="324" r:id="rId12"/>
     <p:sldId id="327" r:id="rId13"/>
-    <p:sldId id="348" r:id="rId14"/>
-    <p:sldId id="329" r:id="rId15"/>
-    <p:sldId id="331" r:id="rId16"/>
-    <p:sldId id="291" r:id="rId17"/>
-    <p:sldId id="349" r:id="rId18"/>
-    <p:sldId id="350" r:id="rId19"/>
-    <p:sldId id="353" r:id="rId20"/>
-    <p:sldId id="354" r:id="rId21"/>
-    <p:sldId id="356" r:id="rId22"/>
-    <p:sldId id="357" r:id="rId23"/>
-    <p:sldId id="358" r:id="rId24"/>
-    <p:sldId id="359" r:id="rId25"/>
-    <p:sldId id="360" r:id="rId26"/>
-    <p:sldId id="361" r:id="rId27"/>
-    <p:sldId id="345" r:id="rId28"/>
-    <p:sldId id="355" r:id="rId29"/>
-    <p:sldId id="341" r:id="rId30"/>
-    <p:sldId id="362" r:id="rId31"/>
+    <p:sldId id="369" r:id="rId14"/>
+    <p:sldId id="348" r:id="rId15"/>
+    <p:sldId id="329" r:id="rId16"/>
+    <p:sldId id="331" r:id="rId17"/>
+    <p:sldId id="291" r:id="rId18"/>
+    <p:sldId id="349" r:id="rId19"/>
+    <p:sldId id="350" r:id="rId20"/>
+    <p:sldId id="353" r:id="rId21"/>
+    <p:sldId id="354" r:id="rId22"/>
+    <p:sldId id="356" r:id="rId23"/>
+    <p:sldId id="357" r:id="rId24"/>
+    <p:sldId id="358" r:id="rId25"/>
+    <p:sldId id="359" r:id="rId26"/>
+    <p:sldId id="360" r:id="rId27"/>
+    <p:sldId id="361" r:id="rId28"/>
+    <p:sldId id="345" r:id="rId29"/>
+    <p:sldId id="355" r:id="rId30"/>
+    <p:sldId id="341" r:id="rId31"/>
+    <p:sldId id="362" r:id="rId32"/>
   </p:sldIdLst>
   <p:sldSz cx="17340263" cy="9753600"/>
   <p:notesSz cx="6881813" cy="9296400"/>
   <p:embeddedFontLst>
     <p:embeddedFont>
       <p:font typeface="Avenir" panose="02000503020000020003" pitchFamily="2" charset="0"/>
-      <p:regular r:id="rId34"/>
-      <p:italic r:id="rId35"/>
+      <p:regular r:id="rId35"/>
+      <p:italic r:id="rId36"/>
     </p:embeddedFont>
     <p:embeddedFont>
       <p:font typeface="Cambria" panose="02040503050406030204" pitchFamily="18" charset="0"/>
-      <p:regular r:id="rId36"/>
-      <p:bold r:id="rId37"/>
-      <p:italic r:id="rId38"/>
-      <p:boldItalic r:id="rId39"/>
+      <p:regular r:id="rId37"/>
+      <p:bold r:id="rId38"/>
+      <p:italic r:id="rId39"/>
+      <p:boldItalic r:id="rId40"/>
     </p:embeddedFont>
     <p:embeddedFont>
       <p:font typeface="Merriweather" pitchFamily="2" charset="77"/>
-      <p:regular r:id="rId40"/>
-      <p:bold r:id="rId41"/>
-      <p:italic r:id="rId42"/>
-      <p:boldItalic r:id="rId43"/>
+      <p:regular r:id="rId41"/>
+      <p:bold r:id="rId42"/>
+      <p:italic r:id="rId43"/>
+      <p:boldItalic r:id="rId44"/>
     </p:embeddedFont>
     <p:embeddedFont>
       <p:font typeface="Merriweather Sans" pitchFamily="2" charset="77"/>
-      <p:regular r:id="rId44"/>
-      <p:bold r:id="rId45"/>
-      <p:italic r:id="rId46"/>
-      <p:boldItalic r:id="rId47"/>
+      <p:regular r:id="rId45"/>
+      <p:bold r:id="rId46"/>
+      <p:italic r:id="rId47"/>
+      <p:boldItalic r:id="rId48"/>
     </p:embeddedFont>
     <p:embeddedFont>
       <p:font typeface="Rockwell" panose="02060603020205020403" pitchFamily="18" charset="77"/>
-      <p:regular r:id="rId48"/>
-      <p:bold r:id="rId49"/>
-      <p:italic r:id="rId50"/>
-      <p:boldItalic r:id="rId51"/>
+      <p:regular r:id="rId49"/>
+      <p:bold r:id="rId50"/>
+      <p:italic r:id="rId51"/>
+      <p:boldItalic r:id="rId52"/>
     </p:embeddedFont>
     <p:embeddedFont>
       <p:font typeface="Source Sans Pro" panose="020B0503030403020204" pitchFamily="34" charset="0"/>
-      <p:regular r:id="rId52"/>
-      <p:bold r:id="rId53"/>
-      <p:italic r:id="rId54"/>
-      <p:boldItalic r:id="rId55"/>
+      <p:regular r:id="rId53"/>
+      <p:bold r:id="rId54"/>
+      <p:italic r:id="rId55"/>
+      <p:boldItalic r:id="rId56"/>
     </p:embeddedFont>
     <p:embeddedFont>
       <p:font typeface="Source Sans Pro SemiBold" panose="020B0603030403020204" pitchFamily="34" charset="0"/>
-      <p:bold r:id="rId56"/>
-      <p:boldItalic r:id="rId57"/>
+      <p:bold r:id="rId57"/>
+      <p:boldItalic r:id="rId58"/>
     </p:embeddedFont>
   </p:embeddedFontLst>
   <p:defaultTextStyle>
@@ -7983,6 +7984,12 @@
             </a:r>
           </a:p>
           <a:p>
+            <a:r>
+              <a:rPr lang="en-US" dirty="0"/>
+              <a:t>You may combine related competencies before voting.</a:t>
+            </a:r>
+          </a:p>
+          <a:p>
             <a:endParaRPr lang="en-US" dirty="0"/>
           </a:p>
         </p:txBody>
@@ -8040,7 +8047,7 @@
           <a:p>
             <a:r>
               <a:rPr lang="en-US" dirty="0"/>
-              <a:t>Now we define our critical competencies</a:t>
+              <a:t>Now we define these critical competencies</a:t>
             </a:r>
           </a:p>
         </p:txBody>
@@ -8145,6 +8152,82 @@
           <p:cNvPr id="2" name="Title 1">
             <a:extLst>
               <a:ext uri="{FF2B5EF4-FFF2-40B4-BE49-F238E27FC236}">
+                <a16:creationId xmlns:a16="http://schemas.microsoft.com/office/drawing/2014/main" id="{F4D084D1-B6B9-1641-9A1D-07927E0CBB74}"/>
+              </a:ext>
+            </a:extLst>
+          </p:cNvPr>
+          <p:cNvSpPr>
+            <a:spLocks noGrp="1"/>
+          </p:cNvSpPr>
+          <p:nvPr>
+            <p:ph type="title"/>
+          </p:nvPr>
+        </p:nvSpPr>
+        <p:spPr/>
+        <p:txBody>
+          <a:bodyPr/>
+          <a:lstStyle/>
+          <a:p>
+            <a:pPr algn="ctr"/>
+            <a:r>
+              <a:rPr lang="en-US" dirty="0"/>
+              <a:t>Notice: assessment materials discussed after this point are confidential. </a:t>
+            </a:r>
+            <a:br>
+              <a:rPr lang="en-US" dirty="0"/>
+            </a:br>
+            <a:br>
+              <a:rPr lang="en-US" dirty="0"/>
+            </a:br>
+            <a:r>
+              <a:rPr lang="en-US" dirty="0"/>
+              <a:t>Please sign and return the </a:t>
+            </a:r>
+            <a:br>
+              <a:rPr lang="en-US" dirty="0"/>
+            </a:br>
+            <a:r>
+              <a:rPr lang="en-US" dirty="0"/>
+              <a:t>confidentiality agreement. </a:t>
+            </a:r>
+          </a:p>
+        </p:txBody>
+      </p:sp>
+    </p:spTree>
+    <p:extLst>
+      <p:ext uri="{BB962C8B-B14F-4D97-AF65-F5344CB8AC3E}">
+        <p14:creationId xmlns:p14="http://schemas.microsoft.com/office/powerpoint/2010/main" val="2447843156"/>
+      </p:ext>
+    </p:extLst>
+  </p:cSld>
+  <p:clrMapOvr>
+    <a:masterClrMapping/>
+  </p:clrMapOvr>
+</p:sld>
+</file>
+
+<file path=ppt/slides/slide14.xml><?xml version="1.0" encoding="utf-8"?>
+<p:sld xmlns:a="http://schemas.openxmlformats.org/drawingml/2006/main" xmlns:r="http://schemas.openxmlformats.org/officeDocument/2006/relationships" xmlns:p="http://schemas.openxmlformats.org/presentationml/2006/main">
+  <p:cSld>
+    <p:spTree>
+      <p:nvGrpSpPr>
+        <p:cNvPr id="1" name=""/>
+        <p:cNvGrpSpPr/>
+        <p:nvPr/>
+      </p:nvGrpSpPr>
+      <p:grpSpPr>
+        <a:xfrm>
+          <a:off x="0" y="0"/>
+          <a:ext cx="0" cy="0"/>
+          <a:chOff x="0" y="0"/>
+          <a:chExt cx="0" cy="0"/>
+        </a:xfrm>
+      </p:grpSpPr>
+      <p:sp>
+        <p:nvSpPr>
+          <p:cNvPr id="2" name="Title 1">
+            <a:extLst>
+              <a:ext uri="{FF2B5EF4-FFF2-40B4-BE49-F238E27FC236}">
                 <a16:creationId xmlns:a16="http://schemas.microsoft.com/office/drawing/2014/main" id="{DDE9DDD5-5CC9-FC40-9EED-5D61EE4977C9}"/>
               </a:ext>
             </a:extLst>
@@ -8278,7 +8361,7 @@
 </p:sld>
 </file>
 
-<file path=ppt/slides/slide14.xml><?xml version="1.0" encoding="utf-8"?>
+<file path=ppt/slides/slide15.xml><?xml version="1.0" encoding="utf-8"?>
 <p:sld xmlns:a="http://schemas.openxmlformats.org/drawingml/2006/main" xmlns:r="http://schemas.openxmlformats.org/officeDocument/2006/relationships" xmlns:p="http://schemas.openxmlformats.org/presentationml/2006/main">
   <p:cSld>
     <p:spTree>
@@ -8452,7 +8535,7 @@
 </p:sld>
 </file>
 
-<file path=ppt/slides/slide15.xml><?xml version="1.0" encoding="utf-8"?>
+<file path=ppt/slides/slide16.xml><?xml version="1.0" encoding="utf-8"?>
 <p:sld xmlns:a="http://schemas.openxmlformats.org/drawingml/2006/main" xmlns:r="http://schemas.openxmlformats.org/officeDocument/2006/relationships" xmlns:p="http://schemas.openxmlformats.org/presentationml/2006/main">
   <p:cSld>
     <p:spTree>
@@ -8544,7 +8627,7 @@
 </p:sld>
 </file>
 
-<file path=ppt/slides/slide16.xml><?xml version="1.0" encoding="utf-8"?>
+<file path=ppt/slides/slide17.xml><?xml version="1.0" encoding="utf-8"?>
 <p:sld xmlns:a="http://schemas.openxmlformats.org/drawingml/2006/main" xmlns:r="http://schemas.openxmlformats.org/officeDocument/2006/relationships" xmlns:p="http://schemas.openxmlformats.org/presentationml/2006/main">
   <p:cSld>
     <p:spTree>
@@ -8608,7 +8691,7 @@
 </p:sld>
 </file>
 
-<file path=ppt/slides/slide17.xml><?xml version="1.0" encoding="utf-8"?>
+<file path=ppt/slides/slide18.xml><?xml version="1.0" encoding="utf-8"?>
 <p:sld xmlns:a="http://schemas.openxmlformats.org/drawingml/2006/main" xmlns:r="http://schemas.openxmlformats.org/officeDocument/2006/relationships" xmlns:p="http://schemas.openxmlformats.org/presentationml/2006/main">
   <p:cSld>
     <p:bg>
@@ -8766,7 +8849,7 @@
 </p:sld>
 </file>
 
-<file path=ppt/slides/slide18.xml><?xml version="1.0" encoding="utf-8"?>
+<file path=ppt/slides/slide19.xml><?xml version="1.0" encoding="utf-8"?>
 <p:sld xmlns:a="http://schemas.openxmlformats.org/drawingml/2006/main" xmlns:r="http://schemas.openxmlformats.org/officeDocument/2006/relationships" xmlns:p="http://schemas.openxmlformats.org/presentationml/2006/main">
   <p:cSld>
     <p:spTree>
@@ -8826,65 +8909,6 @@
     <p:extLst>
       <p:ext uri="{BB962C8B-B14F-4D97-AF65-F5344CB8AC3E}">
         <p14:creationId xmlns:p14="http://schemas.microsoft.com/office/powerpoint/2010/main" val="717651396"/>
-      </p:ext>
-    </p:extLst>
-  </p:cSld>
-  <p:clrMapOvr>
-    <a:masterClrMapping/>
-  </p:clrMapOvr>
-</p:sld>
-</file>
-
-<file path=ppt/slides/slide19.xml><?xml version="1.0" encoding="utf-8"?>
-<p:sld xmlns:a="http://schemas.openxmlformats.org/drawingml/2006/main" xmlns:r="http://schemas.openxmlformats.org/officeDocument/2006/relationships" xmlns:p="http://schemas.openxmlformats.org/presentationml/2006/main">
-  <p:cSld>
-    <p:spTree>
-      <p:nvGrpSpPr>
-        <p:cNvPr id="1" name=""/>
-        <p:cNvGrpSpPr/>
-        <p:nvPr/>
-      </p:nvGrpSpPr>
-      <p:grpSpPr>
-        <a:xfrm>
-          <a:off x="0" y="0"/>
-          <a:ext cx="0" cy="0"/>
-          <a:chOff x="0" y="0"/>
-          <a:chExt cx="0" cy="0"/>
-        </a:xfrm>
-      </p:grpSpPr>
-      <p:sp>
-        <p:nvSpPr>
-          <p:cNvPr id="2" name="Title 1">
-            <a:extLst>
-              <a:ext uri="{FF2B5EF4-FFF2-40B4-BE49-F238E27FC236}">
-                <a16:creationId xmlns:a16="http://schemas.microsoft.com/office/drawing/2014/main" id="{F4D084D1-B6B9-1641-9A1D-07927E0CBB74}"/>
-              </a:ext>
-            </a:extLst>
-          </p:cNvPr>
-          <p:cNvSpPr>
-            <a:spLocks noGrp="1"/>
-          </p:cNvSpPr>
-          <p:nvPr>
-            <p:ph type="title"/>
-          </p:nvPr>
-        </p:nvSpPr>
-        <p:spPr/>
-        <p:txBody>
-          <a:bodyPr/>
-          <a:lstStyle/>
-          <a:p>
-            <a:pPr algn="ctr"/>
-            <a:r>
-              <a:rPr lang="en-US" dirty="0"/>
-              <a:t>Thank you for coming back!</a:t>
-            </a:r>
-          </a:p>
-        </p:txBody>
-      </p:sp>
-    </p:spTree>
-    <p:extLst>
-      <p:ext uri="{BB962C8B-B14F-4D97-AF65-F5344CB8AC3E}">
-        <p14:creationId xmlns:p14="http://schemas.microsoft.com/office/powerpoint/2010/main" val="1311351790"/>
       </p:ext>
     </p:extLst>
   </p:cSld>
@@ -9037,6 +9061,65 @@
   <p:cSld>
     <p:spTree>
       <p:nvGrpSpPr>
+        <p:cNvPr id="1" name=""/>
+        <p:cNvGrpSpPr/>
+        <p:nvPr/>
+      </p:nvGrpSpPr>
+      <p:grpSpPr>
+        <a:xfrm>
+          <a:off x="0" y="0"/>
+          <a:ext cx="0" cy="0"/>
+          <a:chOff x="0" y="0"/>
+          <a:chExt cx="0" cy="0"/>
+        </a:xfrm>
+      </p:grpSpPr>
+      <p:sp>
+        <p:nvSpPr>
+          <p:cNvPr id="2" name="Title 1">
+            <a:extLst>
+              <a:ext uri="{FF2B5EF4-FFF2-40B4-BE49-F238E27FC236}">
+                <a16:creationId xmlns:a16="http://schemas.microsoft.com/office/drawing/2014/main" id="{F4D084D1-B6B9-1641-9A1D-07927E0CBB74}"/>
+              </a:ext>
+            </a:extLst>
+          </p:cNvPr>
+          <p:cNvSpPr>
+            <a:spLocks noGrp="1"/>
+          </p:cNvSpPr>
+          <p:nvPr>
+            <p:ph type="title"/>
+          </p:nvPr>
+        </p:nvSpPr>
+        <p:spPr/>
+        <p:txBody>
+          <a:bodyPr/>
+          <a:lstStyle/>
+          <a:p>
+            <a:pPr algn="ctr"/>
+            <a:r>
+              <a:rPr lang="en-US" dirty="0"/>
+              <a:t>Thank you for coming back!</a:t>
+            </a:r>
+          </a:p>
+        </p:txBody>
+      </p:sp>
+    </p:spTree>
+    <p:extLst>
+      <p:ext uri="{BB962C8B-B14F-4D97-AF65-F5344CB8AC3E}">
+        <p14:creationId xmlns:p14="http://schemas.microsoft.com/office/powerpoint/2010/main" val="1311351790"/>
+      </p:ext>
+    </p:extLst>
+  </p:cSld>
+  <p:clrMapOvr>
+    <a:masterClrMapping/>
+  </p:clrMapOvr>
+</p:sld>
+</file>
+
+<file path=ppt/slides/slide21.xml><?xml version="1.0" encoding="utf-8"?>
+<p:sld xmlns:a="http://schemas.openxmlformats.org/drawingml/2006/main" xmlns:r="http://schemas.openxmlformats.org/officeDocument/2006/relationships" xmlns:p="http://schemas.openxmlformats.org/presentationml/2006/main">
+  <p:cSld>
+    <p:spTree>
+      <p:nvGrpSpPr>
         <p:cNvPr id="1" name="Shape 73"/>
         <p:cNvGrpSpPr/>
         <p:nvPr/>
@@ -9072,7 +9155,15 @@
             <a:pPr lvl="0"/>
             <a:r>
               <a:rPr lang="en-US" sz="3400" dirty="0"/>
-              <a:t>Agenda for Today: REVIEW JOA        Write questions</a:t>
+              <a:t>Agenda for Today: REVIEW JOA </a:t>
+            </a:r>
+            <a:r>
+              <a:rPr lang="en-US" sz="3200" b="0" dirty="0"/>
+              <a:t>⟶ </a:t>
+            </a:r>
+            <a:r>
+              <a:rPr lang="en-US" sz="3400" dirty="0"/>
+              <a:t>Write questions</a:t>
             </a:r>
           </a:p>
         </p:txBody>
@@ -9154,58 +9245,6 @@
           </a:p>
         </p:txBody>
       </p:sp>
-      <p:sp>
-        <p:nvSpPr>
-          <p:cNvPr id="3" name="Right Arrow 2">
-            <a:extLst>
-              <a:ext uri="{FF2B5EF4-FFF2-40B4-BE49-F238E27FC236}">
-                <a16:creationId xmlns:a16="http://schemas.microsoft.com/office/drawing/2014/main" id="{08E65AE0-39F9-FC41-BD3B-48B7CC96635D}"/>
-              </a:ext>
-            </a:extLst>
-          </p:cNvPr>
-          <p:cNvSpPr/>
-          <p:nvPr/>
-        </p:nvSpPr>
-        <p:spPr>
-          <a:xfrm>
-            <a:off x="9113905" y="641453"/>
-            <a:ext cx="368808" cy="367855"/>
-          </a:xfrm>
-          <a:prstGeom prst="rightArrow">
-            <a:avLst/>
-          </a:prstGeom>
-          <a:solidFill>
-            <a:schemeClr val="tx2"/>
-          </a:solidFill>
-          <a:ln>
-            <a:noFill/>
-          </a:ln>
-        </p:spPr>
-        <p:style>
-          <a:lnRef idx="2">
-            <a:schemeClr val="accent1">
-              <a:shade val="50000"/>
-            </a:schemeClr>
-          </a:lnRef>
-          <a:fillRef idx="1">
-            <a:schemeClr val="accent1"/>
-          </a:fillRef>
-          <a:effectRef idx="0">
-            <a:schemeClr val="accent1"/>
-          </a:effectRef>
-          <a:fontRef idx="minor">
-            <a:schemeClr val="lt1"/>
-          </a:fontRef>
-        </p:style>
-        <p:txBody>
-          <a:bodyPr rtlCol="0" anchor="ctr"/>
-          <a:lstStyle/>
-          <a:p>
-            <a:pPr algn="ctr"/>
-            <a:endParaRPr lang="en-US"/>
-          </a:p>
-        </p:txBody>
-      </p:sp>
     </p:spTree>
     <p:extLst>
       <p:ext uri="{BB962C8B-B14F-4D97-AF65-F5344CB8AC3E}">
@@ -9219,7 +9258,7 @@
 </p:sld>
 </file>
 
-<file path=ppt/slides/slide21.xml><?xml version="1.0" encoding="utf-8"?>
+<file path=ppt/slides/slide22.xml><?xml version="1.0" encoding="utf-8"?>
 <p:sld xmlns:a="http://schemas.openxmlformats.org/drawingml/2006/main" xmlns:r="http://schemas.openxmlformats.org/officeDocument/2006/relationships" xmlns:p="http://schemas.openxmlformats.org/presentationml/2006/main">
   <p:cSld>
     <p:spTree>
@@ -9254,12 +9293,34 @@
         </p:nvSpPr>
         <p:spPr/>
         <p:txBody>
-          <a:bodyPr/>
+          <a:bodyPr>
+            <a:normAutofit fontScale="90000"/>
+          </a:bodyPr>
           <a:lstStyle/>
           <a:p>
             <a:r>
               <a:rPr lang="en-US" dirty="0"/>
-              <a:t>Practice resume review with the competencies</a:t>
+              <a:t>Practice resume review with the competencies and proficiencies</a:t>
+            </a:r>
+            <a:br>
+              <a:rPr lang="en-US" dirty="0"/>
+            </a:br>
+            <a:br>
+              <a:rPr lang="en-US" dirty="0"/>
+            </a:br>
+            <a:r>
+              <a:rPr lang="en-US" dirty="0"/>
+              <a:t>The facilitator will collect your responses privately </a:t>
+            </a:r>
+            <a:br>
+              <a:rPr lang="en-US" dirty="0"/>
+            </a:br>
+            <a:br>
+              <a:rPr lang="en-US" dirty="0"/>
+            </a:br>
+            <a:r>
+              <a:rPr lang="en-US" dirty="0"/>
+              <a:t>Only do one or two resumes at first</a:t>
             </a:r>
           </a:p>
         </p:txBody>
@@ -9277,7 +9338,7 @@
 </p:sld>
 </file>
 
-<file path=ppt/slides/slide22.xml><?xml version="1.0" encoding="utf-8"?>
+<file path=ppt/slides/slide23.xml><?xml version="1.0" encoding="utf-8"?>
 <p:sld xmlns:a="http://schemas.openxmlformats.org/drawingml/2006/main" xmlns:r="http://schemas.openxmlformats.org/officeDocument/2006/relationships" xmlns:p="http://schemas.openxmlformats.org/presentationml/2006/main">
   <p:cSld>
     <p:spTree>
@@ -9346,21 +9407,28 @@
             <a:pPr lvl="0"/>
             <a:r>
               <a:rPr lang="en-US" dirty="0"/>
+              <a:t>After resume review practice,</a:t>
+            </a:r>
+          </a:p>
+          <a:p>
+            <a:pPr lvl="1"/>
+            <a:r>
+              <a:rPr lang="en-US" dirty="0"/>
               <a:t>Clarify if there is recency relevance for any of the competencies.</a:t>
             </a:r>
           </a:p>
           <a:p>
-            <a:pPr lvl="0"/>
+            <a:pPr lvl="1"/>
             <a:r>
               <a:rPr lang="en-US" dirty="0"/>
               <a:t>Decide page limit (2-3 of job experience) for resume review.</a:t>
             </a:r>
           </a:p>
           <a:p>
-            <a:pPr lvl="0"/>
+            <a:pPr lvl="1"/>
             <a:r>
               <a:rPr lang="en-US" dirty="0"/>
-              <a:t>Confirm if all competencies are required or are some optional for resume review</a:t>
+              <a:t>Confirm if all competencies are required or if some are optional for resume review</a:t>
             </a:r>
           </a:p>
           <a:p>
@@ -9382,7 +9450,7 @@
 </p:sld>
 </file>
 
-<file path=ppt/slides/slide23.xml><?xml version="1.0" encoding="utf-8"?>
+<file path=ppt/slides/slide24.xml><?xml version="1.0" encoding="utf-8"?>
 <p:sld xmlns:a="http://schemas.openxmlformats.org/drawingml/2006/main" xmlns:r="http://schemas.openxmlformats.org/officeDocument/2006/relationships" xmlns:p="http://schemas.openxmlformats.org/presentationml/2006/main">
   <p:cSld>
     <p:spTree>
@@ -9486,7 +9554,7 @@
 </p:sld>
 </file>
 
-<file path=ppt/slides/slide24.xml><?xml version="1.0" encoding="utf-8"?>
+<file path=ppt/slides/slide25.xml><?xml version="1.0" encoding="utf-8"?>
 <p:sld xmlns:a="http://schemas.openxmlformats.org/drawingml/2006/main" xmlns:r="http://schemas.openxmlformats.org/officeDocument/2006/relationships" xmlns:p="http://schemas.openxmlformats.org/presentationml/2006/main">
   <p:cSld>
     <p:spTree>
@@ -10599,139 +10667,6 @@
     <p:extLst>
       <p:ext uri="{BB962C8B-B14F-4D97-AF65-F5344CB8AC3E}">
         <p14:creationId xmlns:p14="http://schemas.microsoft.com/office/powerpoint/2010/main" val="1075016947"/>
-      </p:ext>
-    </p:extLst>
-  </p:cSld>
-  <p:clrMapOvr>
-    <a:masterClrMapping/>
-  </p:clrMapOvr>
-</p:sld>
-</file>
-
-<file path=ppt/slides/slide25.xml><?xml version="1.0" encoding="utf-8"?>
-<p:sld xmlns:a="http://schemas.openxmlformats.org/drawingml/2006/main" xmlns:r="http://schemas.openxmlformats.org/officeDocument/2006/relationships" xmlns:p="http://schemas.openxmlformats.org/presentationml/2006/main">
-  <p:cSld>
-    <p:spTree>
-      <p:nvGrpSpPr>
-        <p:cNvPr id="1" name=""/>
-        <p:cNvGrpSpPr/>
-        <p:nvPr/>
-      </p:nvGrpSpPr>
-      <p:grpSpPr>
-        <a:xfrm>
-          <a:off x="0" y="0"/>
-          <a:ext cx="0" cy="0"/>
-          <a:chOff x="0" y="0"/>
-          <a:chExt cx="0" cy="0"/>
-        </a:xfrm>
-      </p:grpSpPr>
-      <p:sp>
-        <p:nvSpPr>
-          <p:cNvPr id="2" name="Title 1">
-            <a:extLst>
-              <a:ext uri="{FF2B5EF4-FFF2-40B4-BE49-F238E27FC236}">
-                <a16:creationId xmlns:a16="http://schemas.microsoft.com/office/drawing/2014/main" id="{D709A54F-690D-4846-9955-5559806301A0}"/>
-              </a:ext>
-            </a:extLst>
-          </p:cNvPr>
-          <p:cNvSpPr>
-            <a:spLocks noGrp="1"/>
-          </p:cNvSpPr>
-          <p:nvPr>
-            <p:ph type="title"/>
-          </p:nvPr>
-        </p:nvSpPr>
-        <p:spPr/>
-        <p:txBody>
-          <a:bodyPr/>
-          <a:lstStyle/>
-          <a:p>
-            <a:r>
-              <a:rPr lang="en-US" dirty="0"/>
-              <a:t>Example Breadth Question – Modern Architecture Competency</a:t>
-            </a:r>
-          </a:p>
-        </p:txBody>
-      </p:sp>
-      <p:sp>
-        <p:nvSpPr>
-          <p:cNvPr id="3" name="Text Placeholder 2">
-            <a:extLst>
-              <a:ext uri="{FF2B5EF4-FFF2-40B4-BE49-F238E27FC236}">
-                <a16:creationId xmlns:a16="http://schemas.microsoft.com/office/drawing/2014/main" id="{ACB6A2A8-2344-8545-A030-2ECC605B5A0E}"/>
-              </a:ext>
-            </a:extLst>
-          </p:cNvPr>
-          <p:cNvSpPr>
-            <a:spLocks noGrp="1"/>
-          </p:cNvSpPr>
-          <p:nvPr>
-            <p:ph type="body" idx="1"/>
-          </p:nvPr>
-        </p:nvSpPr>
-        <p:spPr>
-          <a:noFill/>
-          <a:ln>
-            <a:noFill/>
-          </a:ln>
-        </p:spPr>
-        <p:txBody>
-          <a:bodyPr spcFirstLastPara="1" wrap="square" lIns="0" tIns="0" rIns="0" bIns="0" anchor="t" anchorCtr="0">
-            <a:normAutofit/>
-          </a:bodyPr>
-          <a:lstStyle/>
-          <a:p>
-            <a:pPr marL="171467" indent="0">
-              <a:buNone/>
-            </a:pPr>
-            <a:r>
-              <a:rPr lang="en-US" b="1" dirty="0"/>
-              <a:t>Question: </a:t>
-            </a:r>
-            <a:r>
-              <a:rPr lang="en-US" dirty="0"/>
-              <a:t>You’re brought in to an existing project with a three-tier web site: A web server front-end, an application server, and a database. Each is on its own single separate machine. We want to upgrade the database without taking the site down for “scheduled maintenance.” How can we do this?</a:t>
-            </a:r>
-          </a:p>
-          <a:p>
-            <a:pPr marL="171467" indent="0">
-              <a:buNone/>
-            </a:pPr>
-            <a:r>
-              <a:rPr lang="en-US" b="1" dirty="0"/>
-              <a:t>Acceptable probe follow-up questions:</a:t>
-            </a:r>
-          </a:p>
-          <a:p>
-            <a:pPr marL="171467" indent="0">
-              <a:buNone/>
-            </a:pPr>
-            <a:r>
-              <a:rPr lang="en-US" dirty="0"/>
-              <a:t>How does this affect the application server?</a:t>
-            </a:r>
-          </a:p>
-          <a:p>
-            <a:pPr marL="171467" indent="0">
-              <a:buNone/>
-            </a:pPr>
-            <a:r>
-              <a:rPr lang="en-US" dirty="0"/>
-              <a:t>What happens next?</a:t>
-            </a:r>
-          </a:p>
-          <a:p>
-            <a:pPr marL="171467" indent="0">
-              <a:buNone/>
-            </a:pPr>
-            <a:endParaRPr lang="en-US" dirty="0"/>
-          </a:p>
-        </p:txBody>
-      </p:sp>
-    </p:spTree>
-    <p:extLst>
-      <p:ext uri="{BB962C8B-B14F-4D97-AF65-F5344CB8AC3E}">
-        <p14:creationId xmlns:p14="http://schemas.microsoft.com/office/powerpoint/2010/main" val="425015348"/>
       </p:ext>
     </p:extLst>
   </p:cSld>
@@ -10781,7 +10716,7 @@
           <a:p>
             <a:r>
               <a:rPr lang="en-US" dirty="0"/>
-              <a:t>Example Depth Question – Modern Architecture Competency</a:t>
+              <a:t>Example Breadth Question – Modern Architecture Competency</a:t>
             </a:r>
           </a:p>
         </p:txBody>
@@ -10810,7 +10745,7 @@
         </p:spPr>
         <p:txBody>
           <a:bodyPr spcFirstLastPara="1" wrap="square" lIns="0" tIns="0" rIns="0" bIns="0" anchor="t" anchorCtr="0">
-            <a:normAutofit fontScale="92500" lnSpcReduction="10000"/>
+            <a:normAutofit/>
           </a:bodyPr>
           <a:lstStyle/>
           <a:p>
@@ -10819,11 +10754,11 @@
             </a:pPr>
             <a:r>
               <a:rPr lang="en-US" b="1" dirty="0"/>
-              <a:t>Same question</a:t>
+              <a:t>Question: </a:t>
             </a:r>
             <a:r>
               <a:rPr lang="en-US" dirty="0"/>
-              <a:t>: You’re brought in to an existing project with a three-tier web site: A web server front-end, an application server, and a database. Each is on its own single separate machine. We want to upgrade the database without taking the site down for “scheduled maintenance.” How can we do this?</a:t>
+              <a:t>You’re brought in to an existing project with a three-tier web site: A web server front-end, an application server, and a database. Each is on its own single separate machine. We want to upgrade the database without taking the site down for “scheduled maintenance.” How can we do this?</a:t>
             </a:r>
           </a:p>
           <a:p>
@@ -10832,7 +10767,7 @@
             </a:pPr>
             <a:r>
               <a:rPr lang="en-US" b="1" dirty="0"/>
-              <a:t>Added depth follow-up questions:</a:t>
+              <a:t>Acceptable probe follow-up questions:</a:t>
             </a:r>
           </a:p>
           <a:p>
@@ -10841,7 +10776,7 @@
             </a:pPr>
             <a:r>
               <a:rPr lang="en-US" dirty="0"/>
-              <a:t>Before we made changes, the first request from a user took 1 second and subsequent requests took 100 milliseconds. We added a bunch of new application server instances behind a round-robin load balancer, and now many requests take 1 second. What’s going on?</a:t>
+              <a:t>How does this affect the application server?</a:t>
             </a:r>
           </a:p>
           <a:p>
@@ -10850,15 +10785,21 @@
             </a:pPr>
             <a:r>
               <a:rPr lang="en-US" dirty="0"/>
-              <a:t>All of our load balancers do round-robin. What should the health checks in front of the front-end HTTP server test for?</a:t>
-            </a:r>
+              <a:t>What happens next?</a:t>
+            </a:r>
+          </a:p>
+          <a:p>
+            <a:pPr marL="171467" indent="0">
+              <a:buNone/>
+            </a:pPr>
+            <a:endParaRPr lang="en-US" dirty="0"/>
           </a:p>
         </p:txBody>
       </p:sp>
     </p:spTree>
     <p:extLst>
       <p:ext uri="{BB962C8B-B14F-4D97-AF65-F5344CB8AC3E}">
-        <p14:creationId xmlns:p14="http://schemas.microsoft.com/office/powerpoint/2010/main" val="1851575256"/>
+        <p14:creationId xmlns:p14="http://schemas.microsoft.com/office/powerpoint/2010/main" val="425015348"/>
       </p:ext>
     </p:extLst>
   </p:cSld>
@@ -10890,7 +10831,7 @@
           <p:cNvPr id="2" name="Title 1">
             <a:extLst>
               <a:ext uri="{FF2B5EF4-FFF2-40B4-BE49-F238E27FC236}">
-                <a16:creationId xmlns:a16="http://schemas.microsoft.com/office/drawing/2014/main" id="{D4E4C047-701E-6045-A204-2E9F55292620}"/>
+                <a16:creationId xmlns:a16="http://schemas.microsoft.com/office/drawing/2014/main" id="{D709A54F-690D-4846-9955-5559806301A0}"/>
               </a:ext>
             </a:extLst>
           </p:cNvPr>
@@ -10908,7 +10849,7 @@
           <a:p>
             <a:r>
               <a:rPr lang="en-US" dirty="0"/>
-              <a:t>Example Breadth Question – Stakeholder Engagement Competency</a:t>
+              <a:t>Example Depth Question – Modern Architecture Competency</a:t>
             </a:r>
           </a:p>
         </p:txBody>
@@ -10918,7 +10859,7 @@
           <p:cNvPr id="3" name="Text Placeholder 2">
             <a:extLst>
               <a:ext uri="{FF2B5EF4-FFF2-40B4-BE49-F238E27FC236}">
-                <a16:creationId xmlns:a16="http://schemas.microsoft.com/office/drawing/2014/main" id="{D6A4DA58-3293-B044-90E9-FC07DFF20EF1}"/>
+                <a16:creationId xmlns:a16="http://schemas.microsoft.com/office/drawing/2014/main" id="{ACB6A2A8-2344-8545-A030-2ECC605B5A0E}"/>
               </a:ext>
             </a:extLst>
           </p:cNvPr>
@@ -10930,10 +10871,6 @@
           </p:nvPr>
         </p:nvSpPr>
         <p:spPr>
-          <a:xfrm>
-            <a:off x="1192143" y="1841500"/>
-            <a:ext cx="14956057" cy="7392802"/>
-          </a:xfrm>
           <a:noFill/>
           <a:ln>
             <a:noFill/>
@@ -10941,7 +10878,7 @@
         </p:spPr>
         <p:txBody>
           <a:bodyPr spcFirstLastPara="1" wrap="square" lIns="0" tIns="0" rIns="0" bIns="0" anchor="t" anchorCtr="0">
-            <a:normAutofit/>
+            <a:normAutofit fontScale="92500" lnSpcReduction="10000"/>
           </a:bodyPr>
           <a:lstStyle/>
           <a:p>
@@ -10950,11 +10887,38 @@
             </a:pPr>
             <a:r>
               <a:rPr lang="en-US" b="1" dirty="0"/>
-              <a:t>Question</a:t>
+              <a:t>Same question</a:t>
             </a:r>
             <a:r>
               <a:rPr lang="en-US" dirty="0"/>
-              <a:t>: Imagine you will be attending a chief executive briefing along with a number of senior leaders from your organization. These senior leaders have more experience and tenure in the organization than you have. In addition, they hold a view that is in conflict with yours. You need the chief executive to adopt your view. How would you prepare for this meeting?</a:t>
+              <a:t>: You’re brought in to an existing project with a three-tier web site: A web server front-end, an application server, and a database. Each is on its own single separate machine. We want to upgrade the database without taking the site down for “scheduled maintenance.” How can we do this?</a:t>
+            </a:r>
+          </a:p>
+          <a:p>
+            <a:pPr marL="171467" indent="0">
+              <a:buNone/>
+            </a:pPr>
+            <a:r>
+              <a:rPr lang="en-US" b="1" dirty="0"/>
+              <a:t>Added depth follow-up questions:</a:t>
+            </a:r>
+          </a:p>
+          <a:p>
+            <a:pPr marL="171467" indent="0">
+              <a:buNone/>
+            </a:pPr>
+            <a:r>
+              <a:rPr lang="en-US" dirty="0"/>
+              <a:t>Before we made changes, the first request from a user took 1 second and subsequent requests took 100 milliseconds. We added a bunch of new application server instances behind a round-robin load balancer, and now many requests take 1 second. What’s going on?</a:t>
+            </a:r>
+          </a:p>
+          <a:p>
+            <a:pPr marL="171467" indent="0">
+              <a:buNone/>
+            </a:pPr>
+            <a:r>
+              <a:rPr lang="en-US" dirty="0"/>
+              <a:t>All of our load balancers do round-robin. What should the health checks in front of the front-end HTTP server test for?</a:t>
             </a:r>
           </a:p>
         </p:txBody>
@@ -10962,7 +10926,7 @@
     </p:spTree>
     <p:extLst>
       <p:ext uri="{BB962C8B-B14F-4D97-AF65-F5344CB8AC3E}">
-        <p14:creationId xmlns:p14="http://schemas.microsoft.com/office/powerpoint/2010/main" val="1533237504"/>
+        <p14:creationId xmlns:p14="http://schemas.microsoft.com/office/powerpoint/2010/main" val="1851575256"/>
       </p:ext>
     </p:extLst>
   </p:cSld>
@@ -11012,6 +10976,110 @@
           <a:p>
             <a:r>
               <a:rPr lang="en-US" dirty="0"/>
+              <a:t>Example Breadth Question – Stakeholder Engagement Competency</a:t>
+            </a:r>
+          </a:p>
+        </p:txBody>
+      </p:sp>
+      <p:sp>
+        <p:nvSpPr>
+          <p:cNvPr id="3" name="Text Placeholder 2">
+            <a:extLst>
+              <a:ext uri="{FF2B5EF4-FFF2-40B4-BE49-F238E27FC236}">
+                <a16:creationId xmlns:a16="http://schemas.microsoft.com/office/drawing/2014/main" id="{D6A4DA58-3293-B044-90E9-FC07DFF20EF1}"/>
+              </a:ext>
+            </a:extLst>
+          </p:cNvPr>
+          <p:cNvSpPr>
+            <a:spLocks noGrp="1"/>
+          </p:cNvSpPr>
+          <p:nvPr>
+            <p:ph type="body" idx="1"/>
+          </p:nvPr>
+        </p:nvSpPr>
+        <p:spPr>
+          <a:xfrm>
+            <a:off x="1192143" y="1841500"/>
+            <a:ext cx="14956057" cy="7392802"/>
+          </a:xfrm>
+          <a:noFill/>
+          <a:ln>
+            <a:noFill/>
+          </a:ln>
+        </p:spPr>
+        <p:txBody>
+          <a:bodyPr spcFirstLastPara="1" wrap="square" lIns="0" tIns="0" rIns="0" bIns="0" anchor="t" anchorCtr="0">
+            <a:normAutofit/>
+          </a:bodyPr>
+          <a:lstStyle/>
+          <a:p>
+            <a:pPr marL="171467" indent="0">
+              <a:buNone/>
+            </a:pPr>
+            <a:r>
+              <a:rPr lang="en-US" b="1" dirty="0"/>
+              <a:t>Question</a:t>
+            </a:r>
+            <a:r>
+              <a:rPr lang="en-US" dirty="0"/>
+              <a:t>: Imagine you will be attending a chief executive briefing along with a number of senior leaders from your organization. These senior leaders have more experience and tenure in the organization than you have. In addition, they hold a view that is in conflict with yours. You need the chief executive to adopt your view. How would you prepare for this meeting?</a:t>
+            </a:r>
+          </a:p>
+        </p:txBody>
+      </p:sp>
+    </p:spTree>
+    <p:extLst>
+      <p:ext uri="{BB962C8B-B14F-4D97-AF65-F5344CB8AC3E}">
+        <p14:creationId xmlns:p14="http://schemas.microsoft.com/office/powerpoint/2010/main" val="1533237504"/>
+      </p:ext>
+    </p:extLst>
+  </p:cSld>
+  <p:clrMapOvr>
+    <a:masterClrMapping/>
+  </p:clrMapOvr>
+</p:sld>
+</file>
+
+<file path=ppt/slides/slide29.xml><?xml version="1.0" encoding="utf-8"?>
+<p:sld xmlns:a="http://schemas.openxmlformats.org/drawingml/2006/main" xmlns:r="http://schemas.openxmlformats.org/officeDocument/2006/relationships" xmlns:p="http://schemas.openxmlformats.org/presentationml/2006/main">
+  <p:cSld>
+    <p:spTree>
+      <p:nvGrpSpPr>
+        <p:cNvPr id="1" name=""/>
+        <p:cNvGrpSpPr/>
+        <p:nvPr/>
+      </p:nvGrpSpPr>
+      <p:grpSpPr>
+        <a:xfrm>
+          <a:off x="0" y="0"/>
+          <a:ext cx="0" cy="0"/>
+          <a:chOff x="0" y="0"/>
+          <a:chExt cx="0" cy="0"/>
+        </a:xfrm>
+      </p:grpSpPr>
+      <p:sp>
+        <p:nvSpPr>
+          <p:cNvPr id="2" name="Title 1">
+            <a:extLst>
+              <a:ext uri="{FF2B5EF4-FFF2-40B4-BE49-F238E27FC236}">
+                <a16:creationId xmlns:a16="http://schemas.microsoft.com/office/drawing/2014/main" id="{D4E4C047-701E-6045-A204-2E9F55292620}"/>
+              </a:ext>
+            </a:extLst>
+          </p:cNvPr>
+          <p:cNvSpPr>
+            <a:spLocks noGrp="1"/>
+          </p:cNvSpPr>
+          <p:nvPr>
+            <p:ph type="title"/>
+          </p:nvPr>
+        </p:nvSpPr>
+        <p:spPr/>
+        <p:txBody>
+          <a:bodyPr/>
+          <a:lstStyle/>
+          <a:p>
+            <a:r>
+              <a:rPr lang="en-US" dirty="0"/>
               <a:t>Example Depth Question – Stakeholder Engagement Competency</a:t>
             </a:r>
           </a:p>
@@ -11103,128 +11171,6 @@
     <p:extLst>
       <p:ext uri="{BB962C8B-B14F-4D97-AF65-F5344CB8AC3E}">
         <p14:creationId xmlns:p14="http://schemas.microsoft.com/office/powerpoint/2010/main" val="2563306313"/>
-      </p:ext>
-    </p:extLst>
-  </p:cSld>
-  <p:clrMapOvr>
-    <a:masterClrMapping/>
-  </p:clrMapOvr>
-</p:sld>
-</file>
-
-<file path=ppt/slides/slide29.xml><?xml version="1.0" encoding="utf-8"?>
-<p:sld xmlns:a="http://schemas.openxmlformats.org/drawingml/2006/main" xmlns:r="http://schemas.openxmlformats.org/officeDocument/2006/relationships" xmlns:p="http://schemas.openxmlformats.org/presentationml/2006/main">
-  <p:cSld>
-    <p:spTree>
-      <p:nvGrpSpPr>
-        <p:cNvPr id="1" name=""/>
-        <p:cNvGrpSpPr/>
-        <p:nvPr/>
-      </p:nvGrpSpPr>
-      <p:grpSpPr>
-        <a:xfrm>
-          <a:off x="0" y="0"/>
-          <a:ext cx="0" cy="0"/>
-          <a:chOff x="0" y="0"/>
-          <a:chExt cx="0" cy="0"/>
-        </a:xfrm>
-      </p:grpSpPr>
-      <p:sp>
-        <p:nvSpPr>
-          <p:cNvPr id="2" name="Title 1">
-            <a:extLst>
-              <a:ext uri="{FF2B5EF4-FFF2-40B4-BE49-F238E27FC236}">
-                <a16:creationId xmlns:a16="http://schemas.microsoft.com/office/drawing/2014/main" id="{04F7FE27-D6E3-974B-BC2C-90D61B7FD244}"/>
-              </a:ext>
-            </a:extLst>
-          </p:cNvPr>
-          <p:cNvSpPr>
-            <a:spLocks noGrp="1"/>
-          </p:cNvSpPr>
-          <p:nvPr>
-            <p:ph type="title"/>
-          </p:nvPr>
-        </p:nvSpPr>
-        <p:spPr/>
-        <p:txBody>
-          <a:bodyPr/>
-          <a:lstStyle/>
-          <a:p>
-            <a:r>
-              <a:rPr lang="en-US" dirty="0"/>
-              <a:t>Questions to Avoid</a:t>
-            </a:r>
-          </a:p>
-        </p:txBody>
-      </p:sp>
-      <p:sp>
-        <p:nvSpPr>
-          <p:cNvPr id="3" name="Text Placeholder 2">
-            <a:extLst>
-              <a:ext uri="{FF2B5EF4-FFF2-40B4-BE49-F238E27FC236}">
-                <a16:creationId xmlns:a16="http://schemas.microsoft.com/office/drawing/2014/main" id="{1AB84F35-D072-C14A-8AB5-98633C5CB974}"/>
-              </a:ext>
-            </a:extLst>
-          </p:cNvPr>
-          <p:cNvSpPr>
-            <a:spLocks noGrp="1"/>
-          </p:cNvSpPr>
-          <p:nvPr>
-            <p:ph type="body" idx="1"/>
-          </p:nvPr>
-        </p:nvSpPr>
-        <p:spPr/>
-        <p:txBody>
-          <a:bodyPr/>
-          <a:lstStyle/>
-          <a:p>
-            <a:pPr marL="171467" indent="0">
-              <a:buNone/>
-            </a:pPr>
-            <a:r>
-              <a:rPr lang="en-US" b="1" dirty="0"/>
-              <a:t>Brain teasers or puzzles:</a:t>
-            </a:r>
-            <a:r>
-              <a:rPr lang="en-US" dirty="0"/>
-              <a:t> These create stress for the applicant and don't test their skills.</a:t>
-            </a:r>
-          </a:p>
-          <a:p>
-            <a:pPr marL="171467" indent="0">
-              <a:buNone/>
-            </a:pPr>
-            <a:r>
-              <a:rPr lang="en-US" b="1" dirty="0"/>
-              <a:t>Self-assessing strengths and weaknesses:</a:t>
-            </a:r>
-            <a:r>
-              <a:rPr lang="en-US" dirty="0"/>
-              <a:t> These create disingenuous answers that don't relate to competencies.</a:t>
-            </a:r>
-          </a:p>
-          <a:p>
-            <a:pPr marL="171467" indent="0">
-              <a:buNone/>
-            </a:pPr>
-            <a:r>
-              <a:rPr lang="en-US" b="1" dirty="0"/>
-              <a:t>Questions about five year plans and future goals:</a:t>
-            </a:r>
-            <a:r>
-              <a:rPr lang="en-US" dirty="0"/>
-              <a:t> These don't test competencies and can reveal inappropriate information that introduces bias.</a:t>
-            </a:r>
-          </a:p>
-          <a:p>
-            <a:endParaRPr lang="en-US" dirty="0"/>
-          </a:p>
-        </p:txBody>
-      </p:sp>
-    </p:spTree>
-    <p:extLst>
-      <p:ext uri="{BB962C8B-B14F-4D97-AF65-F5344CB8AC3E}">
-        <p14:creationId xmlns:p14="http://schemas.microsoft.com/office/powerpoint/2010/main" val="3229110467"/>
       </p:ext>
     </p:extLst>
   </p:cSld>
@@ -11277,6 +11223,19 @@
               <a:rPr lang="en-US" dirty="0"/>
               <a:t>Thank you for coming!</a:t>
             </a:r>
+            <a:br>
+              <a:rPr lang="en-US" dirty="0"/>
+            </a:br>
+            <a:br>
+              <a:rPr lang="en-US" dirty="0"/>
+            </a:br>
+            <a:br>
+              <a:rPr lang="en-US" dirty="0"/>
+            </a:br>
+            <a:r>
+              <a:rPr lang="en-US" dirty="0"/>
+              <a:t>Let’s introduce ourselves.</a:t>
+            </a:r>
           </a:p>
         </p:txBody>
       </p:sp>
@@ -11294,6 +11253,128 @@
 </file>
 
 <file path=ppt/slides/slide30.xml><?xml version="1.0" encoding="utf-8"?>
+<p:sld xmlns:a="http://schemas.openxmlformats.org/drawingml/2006/main" xmlns:r="http://schemas.openxmlformats.org/officeDocument/2006/relationships" xmlns:p="http://schemas.openxmlformats.org/presentationml/2006/main">
+  <p:cSld>
+    <p:spTree>
+      <p:nvGrpSpPr>
+        <p:cNvPr id="1" name=""/>
+        <p:cNvGrpSpPr/>
+        <p:nvPr/>
+      </p:nvGrpSpPr>
+      <p:grpSpPr>
+        <a:xfrm>
+          <a:off x="0" y="0"/>
+          <a:ext cx="0" cy="0"/>
+          <a:chOff x="0" y="0"/>
+          <a:chExt cx="0" cy="0"/>
+        </a:xfrm>
+      </p:grpSpPr>
+      <p:sp>
+        <p:nvSpPr>
+          <p:cNvPr id="2" name="Title 1">
+            <a:extLst>
+              <a:ext uri="{FF2B5EF4-FFF2-40B4-BE49-F238E27FC236}">
+                <a16:creationId xmlns:a16="http://schemas.microsoft.com/office/drawing/2014/main" id="{04F7FE27-D6E3-974B-BC2C-90D61B7FD244}"/>
+              </a:ext>
+            </a:extLst>
+          </p:cNvPr>
+          <p:cNvSpPr>
+            <a:spLocks noGrp="1"/>
+          </p:cNvSpPr>
+          <p:nvPr>
+            <p:ph type="title"/>
+          </p:nvPr>
+        </p:nvSpPr>
+        <p:spPr/>
+        <p:txBody>
+          <a:bodyPr/>
+          <a:lstStyle/>
+          <a:p>
+            <a:r>
+              <a:rPr lang="en-US" dirty="0"/>
+              <a:t>Questions to Avoid</a:t>
+            </a:r>
+          </a:p>
+        </p:txBody>
+      </p:sp>
+      <p:sp>
+        <p:nvSpPr>
+          <p:cNvPr id="3" name="Text Placeholder 2">
+            <a:extLst>
+              <a:ext uri="{FF2B5EF4-FFF2-40B4-BE49-F238E27FC236}">
+                <a16:creationId xmlns:a16="http://schemas.microsoft.com/office/drawing/2014/main" id="{1AB84F35-D072-C14A-8AB5-98633C5CB974}"/>
+              </a:ext>
+            </a:extLst>
+          </p:cNvPr>
+          <p:cNvSpPr>
+            <a:spLocks noGrp="1"/>
+          </p:cNvSpPr>
+          <p:nvPr>
+            <p:ph type="body" idx="1"/>
+          </p:nvPr>
+        </p:nvSpPr>
+        <p:spPr/>
+        <p:txBody>
+          <a:bodyPr/>
+          <a:lstStyle/>
+          <a:p>
+            <a:pPr marL="171467" indent="0">
+              <a:buNone/>
+            </a:pPr>
+            <a:r>
+              <a:rPr lang="en-US" b="1" dirty="0"/>
+              <a:t>Brain teasers or puzzles:</a:t>
+            </a:r>
+            <a:r>
+              <a:rPr lang="en-US" dirty="0"/>
+              <a:t> These create stress for the applicant and don't test their skills.</a:t>
+            </a:r>
+          </a:p>
+          <a:p>
+            <a:pPr marL="171467" indent="0">
+              <a:buNone/>
+            </a:pPr>
+            <a:r>
+              <a:rPr lang="en-US" b="1" dirty="0"/>
+              <a:t>Self-assessing strengths and weaknesses:</a:t>
+            </a:r>
+            <a:r>
+              <a:rPr lang="en-US" dirty="0"/>
+              <a:t> These create disingenuous answers that don't relate to competencies.</a:t>
+            </a:r>
+          </a:p>
+          <a:p>
+            <a:pPr marL="171467" indent="0">
+              <a:buNone/>
+            </a:pPr>
+            <a:r>
+              <a:rPr lang="en-US" b="1" dirty="0"/>
+              <a:t>Questions about five year plans and future goals:</a:t>
+            </a:r>
+            <a:r>
+              <a:rPr lang="en-US" dirty="0"/>
+              <a:t> These don't test competencies and can reveal inappropriate information that introduces bias.</a:t>
+            </a:r>
+          </a:p>
+          <a:p>
+            <a:endParaRPr lang="en-US" dirty="0"/>
+          </a:p>
+        </p:txBody>
+      </p:sp>
+    </p:spTree>
+    <p:extLst>
+      <p:ext uri="{BB962C8B-B14F-4D97-AF65-F5344CB8AC3E}">
+        <p14:creationId xmlns:p14="http://schemas.microsoft.com/office/powerpoint/2010/main" val="3229110467"/>
+      </p:ext>
+    </p:extLst>
+  </p:cSld>
+  <p:clrMapOvr>
+    <a:masterClrMapping/>
+  </p:clrMapOvr>
+</p:sld>
+</file>
+
+<file path=ppt/slides/slide31.xml><?xml version="1.0" encoding="utf-8"?>
 <p:sld xmlns:a="http://schemas.openxmlformats.org/drawingml/2006/main" xmlns:r="http://schemas.openxmlformats.org/officeDocument/2006/relationships" xmlns:p="http://schemas.openxmlformats.org/presentationml/2006/main">
   <p:cSld>
     <p:spTree>

--- a/toolkit/job-analysis/job-analysis-presentation.pptx
+++ b/toolkit/job-analysis/job-analysis-presentation.pptx
@@ -5,10 +5,10 @@
     <p:sldMasterId id="2147483666" r:id="rId1"/>
   </p:sldMasterIdLst>
   <p:notesMasterIdLst>
-    <p:notesMasterId r:id="rId33"/>
+    <p:notesMasterId r:id="rId34"/>
   </p:notesMasterIdLst>
   <p:handoutMasterIdLst>
-    <p:handoutMasterId r:id="rId34"/>
+    <p:handoutMasterId r:id="rId35"/>
   </p:handoutMasterIdLst>
   <p:sldIdLst>
     <p:sldId id="256" r:id="rId2"/>
@@ -36,60 +36,61 @@
     <p:sldId id="357" r:id="rId24"/>
     <p:sldId id="358" r:id="rId25"/>
     <p:sldId id="359" r:id="rId26"/>
-    <p:sldId id="360" r:id="rId27"/>
-    <p:sldId id="361" r:id="rId28"/>
-    <p:sldId id="345" r:id="rId29"/>
-    <p:sldId id="355" r:id="rId30"/>
-    <p:sldId id="341" r:id="rId31"/>
-    <p:sldId id="362" r:id="rId32"/>
+    <p:sldId id="370" r:id="rId27"/>
+    <p:sldId id="360" r:id="rId28"/>
+    <p:sldId id="361" r:id="rId29"/>
+    <p:sldId id="345" r:id="rId30"/>
+    <p:sldId id="355" r:id="rId31"/>
+    <p:sldId id="341" r:id="rId32"/>
+    <p:sldId id="362" r:id="rId33"/>
   </p:sldIdLst>
   <p:sldSz cx="17340263" cy="9753600"/>
   <p:notesSz cx="6881813" cy="9296400"/>
   <p:embeddedFontLst>
     <p:embeddedFont>
       <p:font typeface="Avenir" panose="02000503020000020003" pitchFamily="2" charset="0"/>
-      <p:regular r:id="rId35"/>
-      <p:italic r:id="rId36"/>
+      <p:regular r:id="rId36"/>
+      <p:italic r:id="rId37"/>
     </p:embeddedFont>
     <p:embeddedFont>
       <p:font typeface="Cambria" panose="02040503050406030204" pitchFamily="18" charset="0"/>
-      <p:regular r:id="rId37"/>
-      <p:bold r:id="rId38"/>
-      <p:italic r:id="rId39"/>
-      <p:boldItalic r:id="rId40"/>
+      <p:regular r:id="rId38"/>
+      <p:bold r:id="rId39"/>
+      <p:italic r:id="rId40"/>
+      <p:boldItalic r:id="rId41"/>
     </p:embeddedFont>
     <p:embeddedFont>
       <p:font typeface="Merriweather" pitchFamily="2" charset="77"/>
-      <p:regular r:id="rId41"/>
-      <p:bold r:id="rId42"/>
-      <p:italic r:id="rId43"/>
-      <p:boldItalic r:id="rId44"/>
+      <p:regular r:id="rId42"/>
+      <p:bold r:id="rId43"/>
+      <p:italic r:id="rId44"/>
+      <p:boldItalic r:id="rId45"/>
     </p:embeddedFont>
     <p:embeddedFont>
       <p:font typeface="Merriweather Sans" pitchFamily="2" charset="77"/>
-      <p:regular r:id="rId45"/>
-      <p:bold r:id="rId46"/>
-      <p:italic r:id="rId47"/>
-      <p:boldItalic r:id="rId48"/>
+      <p:regular r:id="rId46"/>
+      <p:bold r:id="rId47"/>
+      <p:italic r:id="rId48"/>
+      <p:boldItalic r:id="rId49"/>
     </p:embeddedFont>
     <p:embeddedFont>
       <p:font typeface="Rockwell" panose="02060603020205020403" pitchFamily="18" charset="77"/>
-      <p:regular r:id="rId49"/>
-      <p:bold r:id="rId50"/>
-      <p:italic r:id="rId51"/>
-      <p:boldItalic r:id="rId52"/>
+      <p:regular r:id="rId50"/>
+      <p:bold r:id="rId51"/>
+      <p:italic r:id="rId52"/>
+      <p:boldItalic r:id="rId53"/>
     </p:embeddedFont>
     <p:embeddedFont>
       <p:font typeface="Source Sans Pro" panose="020B0503030403020204" pitchFamily="34" charset="0"/>
-      <p:regular r:id="rId53"/>
-      <p:bold r:id="rId54"/>
-      <p:italic r:id="rId55"/>
-      <p:boldItalic r:id="rId56"/>
+      <p:regular r:id="rId54"/>
+      <p:bold r:id="rId55"/>
+      <p:italic r:id="rId56"/>
+      <p:boldItalic r:id="rId57"/>
     </p:embeddedFont>
     <p:embeddedFont>
       <p:font typeface="Source Sans Pro SemiBold" panose="020B0603030403020204" pitchFamily="34" charset="0"/>
-      <p:bold r:id="rId57"/>
-      <p:boldItalic r:id="rId58"/>
+      <p:bold r:id="rId58"/>
+      <p:boldItalic r:id="rId59"/>
     </p:embeddedFont>
   </p:embeddedFontLst>
   <p:defaultTextStyle>
@@ -9196,7 +9197,7 @@
         </p:spPr>
         <p:txBody>
           <a:bodyPr spcFirstLastPara="1" wrap="square" lIns="0" tIns="0" rIns="0" bIns="0" anchor="t" anchorCtr="0">
-            <a:normAutofit fontScale="92500"/>
+            <a:normAutofit lnSpcReduction="10000"/>
           </a:bodyPr>
           <a:lstStyle/>
           <a:p>
@@ -9214,7 +9215,7 @@
           <a:p>
             <a:r>
               <a:rPr lang="en-US" dirty="0"/>
-              <a:t>Learn about and write structured interview questions (2 </a:t>
+              <a:t>Learn about and write assessment questions (2 </a:t>
             </a:r>
             <a:r>
               <a:rPr lang="en-US" dirty="0" err="1"/>
@@ -9228,7 +9229,7 @@
           <a:p>
             <a:r>
               <a:rPr lang="en-US" dirty="0"/>
-              <a:t>Present breadth and depth questions and answers for refinement and feedback (2 hr)</a:t>
+              <a:t>Present questions and answers for refinement and feedback (2 hr)</a:t>
             </a:r>
           </a:p>
           <a:p>
@@ -9294,7 +9295,7 @@
         <p:spPr/>
         <p:txBody>
           <a:bodyPr>
-            <a:normAutofit fontScale="90000"/>
+            <a:normAutofit/>
           </a:bodyPr>
           <a:lstStyle/>
           <a:p>
@@ -9310,17 +9311,14 @@
             </a:br>
             <a:r>
               <a:rPr lang="en-US" dirty="0"/>
-              <a:t>The facilitator will collect your responses privately </a:t>
+              <a:t>The facilitator will collect </a:t>
             </a:r>
             <a:br>
               <a:rPr lang="en-US" dirty="0"/>
             </a:br>
-            <a:br>
+            <a:r>
               <a:rPr lang="en-US" dirty="0"/>
-            </a:br>
-            <a:r>
-              <a:rPr lang="en-US" dirty="0"/>
-              <a:t>Only do one or two resumes at first</a:t>
+              <a:t>responses privately </a:t>
             </a:r>
           </a:p>
         </p:txBody>
@@ -9490,7 +9488,7 @@
           <a:p>
             <a:r>
               <a:rPr lang="en-US" dirty="0"/>
-              <a:t>Question Types</a:t>
+              <a:t>Assessments:</a:t>
             </a:r>
           </a:p>
         </p:txBody>
@@ -9513,21 +9511,45 @@
         </p:nvSpPr>
         <p:spPr/>
         <p:txBody>
-          <a:bodyPr/>
+          <a:bodyPr>
+            <a:normAutofit/>
+          </a:bodyPr>
           <a:lstStyle/>
           <a:p>
+            <a:r>
+              <a:rPr lang="en-US" dirty="0"/>
+              <a:t>Based on competencies, determine initial plan for assessments:</a:t>
+            </a:r>
+          </a:p>
+          <a:p>
+            <a:pPr lvl="1"/>
+            <a:r>
+              <a:rPr lang="en-US" dirty="0"/>
+              <a:t>Options include two structured interviews, one written assessment and one structured interview, </a:t>
+            </a:r>
+          </a:p>
+          <a:p>
+            <a:r>
+              <a:rPr lang="en-US" dirty="0"/>
+              <a:t>Next, we’ll create questions. Some example question types.</a:t>
+            </a:r>
+          </a:p>
+          <a:p>
+            <a:pPr lvl="1"/>
             <a:r>
               <a:rPr lang="en-US" dirty="0"/>
               <a:t>Past experience: “Tell me about a time…”</a:t>
             </a:r>
           </a:p>
           <a:p>
+            <a:pPr lvl="1"/>
             <a:r>
               <a:rPr lang="en-US" dirty="0"/>
               <a:t>Hypothetical situation: “Imagine we have a problem with…”</a:t>
             </a:r>
           </a:p>
           <a:p>
+            <a:pPr lvl="1"/>
             <a:r>
               <a:rPr lang="en-US" dirty="0"/>
               <a:t>Applicant’s viewpoint: “What do you think about…”</a:t>
@@ -10663,6 +10685,67 @@
           </a:p>
         </p:txBody>
       </p:sp>
+      <p:sp>
+        <p:nvSpPr>
+          <p:cNvPr id="9" name="Rectangle 8">
+            <a:extLst>
+              <a:ext uri="{FF2B5EF4-FFF2-40B4-BE49-F238E27FC236}">
+                <a16:creationId xmlns:a16="http://schemas.microsoft.com/office/drawing/2014/main" id="{1503535E-A95D-194A-BCC3-2DC71399598E}"/>
+              </a:ext>
+            </a:extLst>
+          </p:cNvPr>
+          <p:cNvSpPr/>
+          <p:nvPr/>
+        </p:nvSpPr>
+        <p:spPr>
+          <a:xfrm>
+            <a:off x="1734112" y="3746809"/>
+            <a:ext cx="13872117" cy="2141034"/>
+          </a:xfrm>
+          <a:prstGeom prst="rect">
+            <a:avLst/>
+          </a:prstGeom>
+          <a:solidFill>
+            <a:srgbClr val="FFFF00"/>
+          </a:solidFill>
+        </p:spPr>
+        <p:style>
+          <a:lnRef idx="2">
+            <a:schemeClr val="accent1">
+              <a:shade val="50000"/>
+            </a:schemeClr>
+          </a:lnRef>
+          <a:fillRef idx="1">
+            <a:schemeClr val="accent1"/>
+          </a:fillRef>
+          <a:effectRef idx="0">
+            <a:schemeClr val="accent1"/>
+          </a:effectRef>
+          <a:fontRef idx="minor">
+            <a:schemeClr val="lt1"/>
+          </a:fontRef>
+        </p:style>
+        <p:txBody>
+          <a:bodyPr rtlCol="0" anchor="ctr"/>
+          <a:lstStyle/>
+          <a:p>
+            <a:pPr algn="ctr"/>
+            <a:r>
+              <a:rPr lang="en-US" sz="3600" b="1" dirty="0">
+                <a:solidFill>
+                  <a:schemeClr val="tx2"/>
+                </a:solidFill>
+                <a:latin typeface="+mj-lt"/>
+              </a:rPr>
+              <a:t>Use this slide if doing two structured interview assessments</a:t>
+            </a:r>
+          </a:p>
+          <a:p>
+            <a:pPr algn="ctr"/>
+            <a:endParaRPr lang="en-US" dirty="0"/>
+          </a:p>
+        </p:txBody>
+      </p:sp>
     </p:spTree>
     <p:extLst>
       <p:ext uri="{BB962C8B-B14F-4D97-AF65-F5344CB8AC3E}">
@@ -10695,10 +10778,10 @@
       </p:grpSpPr>
       <p:sp>
         <p:nvSpPr>
-          <p:cNvPr id="2" name="Title 1">
+          <p:cNvPr id="4" name="Title 3">
             <a:extLst>
               <a:ext uri="{FF2B5EF4-FFF2-40B4-BE49-F238E27FC236}">
-                <a16:creationId xmlns:a16="http://schemas.microsoft.com/office/drawing/2014/main" id="{D709A54F-690D-4846-9955-5559806301A0}"/>
+                <a16:creationId xmlns:a16="http://schemas.microsoft.com/office/drawing/2014/main" id="{AE90C0D7-6A34-964F-8E33-5E36603A25C5}"/>
               </a:ext>
             </a:extLst>
           </p:cNvPr>
@@ -10709,35 +10792,45 @@
             <p:ph type="title"/>
           </p:nvPr>
         </p:nvSpPr>
-        <p:spPr/>
+        <p:spPr>
+          <a:xfrm>
+            <a:off x="1268344" y="519298"/>
+            <a:ext cx="7039768" cy="1290459"/>
+          </a:xfrm>
+        </p:spPr>
         <p:txBody>
           <a:bodyPr/>
           <a:lstStyle/>
           <a:p>
             <a:r>
               <a:rPr lang="en-US" dirty="0"/>
-              <a:t>Example Breadth Question – Modern Architecture Competency</a:t>
+              <a:t>Breadth questions</a:t>
             </a:r>
           </a:p>
         </p:txBody>
       </p:sp>
       <p:sp>
         <p:nvSpPr>
-          <p:cNvPr id="3" name="Text Placeholder 2">
+          <p:cNvPr id="6" name="Text Placeholder 2">
             <a:extLst>
               <a:ext uri="{FF2B5EF4-FFF2-40B4-BE49-F238E27FC236}">
-                <a16:creationId xmlns:a16="http://schemas.microsoft.com/office/drawing/2014/main" id="{ACB6A2A8-2344-8545-A030-2ECC605B5A0E}"/>
+                <a16:creationId xmlns:a16="http://schemas.microsoft.com/office/drawing/2014/main" id="{CC2E7D81-A3D8-E140-B023-A4C267EF860A}"/>
               </a:ext>
             </a:extLst>
           </p:cNvPr>
-          <p:cNvSpPr>
-            <a:spLocks noGrp="1"/>
+          <p:cNvSpPr txBox="1">
+            <a:spLocks/>
           </p:cNvSpPr>
-          <p:nvPr>
-            <p:ph type="body" idx="1"/>
-          </p:nvPr>
+          <p:nvPr/>
         </p:nvSpPr>
         <p:spPr>
+          <a:xfrm>
+            <a:off x="1268344" y="1993900"/>
+            <a:ext cx="6887369" cy="7131050"/>
+          </a:xfrm>
+          <a:prstGeom prst="rect">
+            <a:avLst/>
+          </a:prstGeom>
           <a:noFill/>
           <a:ln>
             <a:noFill/>
@@ -10745,53 +10838,1075 @@
         </p:spPr>
         <p:txBody>
           <a:bodyPr spcFirstLastPara="1" wrap="square" lIns="0" tIns="0" rIns="0" bIns="0" anchor="t" anchorCtr="0">
-            <a:normAutofit/>
+            <a:normAutofit fontScale="92500" lnSpcReduction="10000"/>
           </a:bodyPr>
+          <a:lstStyle>
+            <a:defPPr marR="0" lvl="0" algn="l" rtl="0">
+              <a:lnSpc>
+                <a:spcPct val="100000"/>
+              </a:lnSpc>
+              <a:spcBef>
+                <a:spcPts val="0"/>
+              </a:spcBef>
+              <a:spcAft>
+                <a:spcPts val="0"/>
+              </a:spcAft>
+            </a:defPPr>
+            <a:lvl1pPr marL="457246" marR="0" lvl="0" indent="-285779" algn="l" rtl="0">
+              <a:lnSpc>
+                <a:spcPct val="100000"/>
+              </a:lnSpc>
+              <a:spcBef>
+                <a:spcPts val="4200"/>
+              </a:spcBef>
+              <a:spcAft>
+                <a:spcPts val="0"/>
+              </a:spcAft>
+              <a:buClr>
+                <a:srgbClr val="0D71BC"/>
+              </a:buClr>
+              <a:buSzPct val="112000"/>
+              <a:buFont typeface="Arial" panose="020B0604020202020204" pitchFamily="34" charset="0"/>
+              <a:buChar char="•"/>
+              <a:defRPr sz="3600" b="0" i="0" u="none" strike="noStrike" cap="none">
+                <a:solidFill>
+                  <a:srgbClr val="0D71BC"/>
+                </a:solidFill>
+                <a:latin typeface="Source Sans Pro" panose="020B0503030403020204" pitchFamily="34" charset="0"/>
+                <a:ea typeface="Source Sans Pro" panose="020B0503030403020204" pitchFamily="34" charset="0"/>
+                <a:cs typeface="Avenir"/>
+                <a:sym typeface="Avenir"/>
+              </a:defRPr>
+            </a:lvl1pPr>
+            <a:lvl2pPr marL="914492" marR="0" lvl="1" indent="-285779" algn="l" rtl="0">
+              <a:lnSpc>
+                <a:spcPct val="100000"/>
+              </a:lnSpc>
+              <a:spcBef>
+                <a:spcPts val="4200"/>
+              </a:spcBef>
+              <a:spcAft>
+                <a:spcPts val="0"/>
+              </a:spcAft>
+              <a:buClr>
+                <a:srgbClr val="0D71BC"/>
+              </a:buClr>
+              <a:buSzPct val="112000"/>
+              <a:buFont typeface="Arial" panose="020B0604020202020204" pitchFamily="34" charset="0"/>
+              <a:buChar char="•"/>
+              <a:defRPr sz="3600" b="0" i="0" u="none" strike="noStrike" cap="none">
+                <a:solidFill>
+                  <a:srgbClr val="0D71BC"/>
+                </a:solidFill>
+                <a:latin typeface="Source Sans Pro" panose="020B0503030403020204" pitchFamily="34" charset="0"/>
+                <a:ea typeface="Source Sans Pro" panose="020B0503030403020204" pitchFamily="34" charset="0"/>
+                <a:cs typeface="Avenir"/>
+                <a:sym typeface="Avenir"/>
+              </a:defRPr>
+            </a:lvl2pPr>
+            <a:lvl3pPr marL="1371737" marR="0" lvl="2" indent="-314357" algn="l" rtl="0">
+              <a:lnSpc>
+                <a:spcPct val="100000"/>
+              </a:lnSpc>
+              <a:spcBef>
+                <a:spcPts val="4200"/>
+              </a:spcBef>
+              <a:spcAft>
+                <a:spcPts val="0"/>
+              </a:spcAft>
+              <a:buClr>
+                <a:srgbClr val="0D71BC"/>
+              </a:buClr>
+              <a:buSzPct val="112000"/>
+              <a:buFont typeface="Arial" panose="020B0604020202020204" pitchFamily="34" charset="0"/>
+              <a:buChar char="•"/>
+              <a:defRPr sz="3600" b="0" i="0" u="none" strike="noStrike" cap="none">
+                <a:solidFill>
+                  <a:srgbClr val="0D71BC"/>
+                </a:solidFill>
+                <a:latin typeface="Source Sans Pro" panose="020B0503030403020204" pitchFamily="34" charset="0"/>
+                <a:ea typeface="Source Sans Pro" panose="020B0503030403020204" pitchFamily="34" charset="0"/>
+                <a:cs typeface="Avenir"/>
+                <a:sym typeface="Avenir"/>
+              </a:defRPr>
+            </a:lvl3pPr>
+            <a:lvl4pPr marL="1828984" marR="0" lvl="3" indent="-314357" algn="l" rtl="0">
+              <a:lnSpc>
+                <a:spcPct val="100000"/>
+              </a:lnSpc>
+              <a:spcBef>
+                <a:spcPts val="4200"/>
+              </a:spcBef>
+              <a:spcAft>
+                <a:spcPts val="0"/>
+              </a:spcAft>
+              <a:buClr>
+                <a:srgbClr val="0D71BC"/>
+              </a:buClr>
+              <a:buSzPct val="112000"/>
+              <a:buFont typeface="Arial" panose="020B0604020202020204" pitchFamily="34" charset="0"/>
+              <a:buChar char="•"/>
+              <a:defRPr sz="3600" b="0" i="0" u="none" strike="noStrike" cap="none">
+                <a:solidFill>
+                  <a:srgbClr val="0D71BC"/>
+                </a:solidFill>
+                <a:latin typeface="Source Sans Pro" panose="020B0503030403020204" pitchFamily="34" charset="0"/>
+                <a:ea typeface="Source Sans Pro" panose="020B0503030403020204" pitchFamily="34" charset="0"/>
+                <a:cs typeface="Avenir"/>
+                <a:sym typeface="Avenir"/>
+              </a:defRPr>
+            </a:lvl4pPr>
+            <a:lvl5pPr marL="2286228" marR="0" lvl="4" indent="-314357" algn="l" rtl="0">
+              <a:lnSpc>
+                <a:spcPct val="100000"/>
+              </a:lnSpc>
+              <a:spcBef>
+                <a:spcPts val="4200"/>
+              </a:spcBef>
+              <a:spcAft>
+                <a:spcPts val="0"/>
+              </a:spcAft>
+              <a:buClr>
+                <a:srgbClr val="0D71BC"/>
+              </a:buClr>
+              <a:buSzPct val="112000"/>
+              <a:buFont typeface="Arial" panose="020B0604020202020204" pitchFamily="34" charset="0"/>
+              <a:buChar char="•"/>
+              <a:defRPr sz="3600" b="0" i="0" u="none" strike="noStrike" cap="none">
+                <a:solidFill>
+                  <a:srgbClr val="0D71BC"/>
+                </a:solidFill>
+                <a:latin typeface="Source Sans Pro" panose="020B0503030403020204" pitchFamily="34" charset="0"/>
+                <a:ea typeface="Source Sans Pro" panose="020B0503030403020204" pitchFamily="34" charset="0"/>
+                <a:cs typeface="Avenir"/>
+                <a:sym typeface="Avenir"/>
+              </a:defRPr>
+            </a:lvl5pPr>
+            <a:lvl6pPr marL="2743475" marR="0" lvl="5" indent="-314357" algn="l" rtl="0">
+              <a:lnSpc>
+                <a:spcPct val="100000"/>
+              </a:lnSpc>
+              <a:spcBef>
+                <a:spcPts val="4200"/>
+              </a:spcBef>
+              <a:spcAft>
+                <a:spcPts val="0"/>
+              </a:spcAft>
+              <a:buClr>
+                <a:srgbClr val="000000"/>
+              </a:buClr>
+              <a:buSzPts val="1350"/>
+              <a:buFont typeface="Rockwell"/>
+              <a:buChar char="•"/>
+              <a:defRPr sz="3600" b="0" i="0" u="none" strike="noStrike" cap="none">
+                <a:solidFill>
+                  <a:srgbClr val="000000"/>
+                </a:solidFill>
+                <a:latin typeface="Rockwell"/>
+                <a:ea typeface="Rockwell"/>
+                <a:cs typeface="Rockwell"/>
+                <a:sym typeface="Rockwell"/>
+              </a:defRPr>
+            </a:lvl6pPr>
+            <a:lvl7pPr marL="3200720" marR="0" lvl="6" indent="-314357" algn="l" rtl="0">
+              <a:lnSpc>
+                <a:spcPct val="100000"/>
+              </a:lnSpc>
+              <a:spcBef>
+                <a:spcPts val="4200"/>
+              </a:spcBef>
+              <a:spcAft>
+                <a:spcPts val="0"/>
+              </a:spcAft>
+              <a:buClr>
+                <a:srgbClr val="000000"/>
+              </a:buClr>
+              <a:buSzPts val="1350"/>
+              <a:buFont typeface="Rockwell"/>
+              <a:buChar char="•"/>
+              <a:defRPr sz="3600" b="0" i="0" u="none" strike="noStrike" cap="none">
+                <a:solidFill>
+                  <a:srgbClr val="000000"/>
+                </a:solidFill>
+                <a:latin typeface="Rockwell"/>
+                <a:ea typeface="Rockwell"/>
+                <a:cs typeface="Rockwell"/>
+                <a:sym typeface="Rockwell"/>
+              </a:defRPr>
+            </a:lvl7pPr>
+            <a:lvl8pPr marL="3657966" marR="0" lvl="7" indent="-314357" algn="l" rtl="0">
+              <a:lnSpc>
+                <a:spcPct val="100000"/>
+              </a:lnSpc>
+              <a:spcBef>
+                <a:spcPts val="4200"/>
+              </a:spcBef>
+              <a:spcAft>
+                <a:spcPts val="0"/>
+              </a:spcAft>
+              <a:buClr>
+                <a:srgbClr val="000000"/>
+              </a:buClr>
+              <a:buSzPts val="1350"/>
+              <a:buFont typeface="Rockwell"/>
+              <a:buChar char="•"/>
+              <a:defRPr sz="3600" b="0" i="0" u="none" strike="noStrike" cap="none">
+                <a:solidFill>
+                  <a:srgbClr val="000000"/>
+                </a:solidFill>
+                <a:latin typeface="Rockwell"/>
+                <a:ea typeface="Rockwell"/>
+                <a:cs typeface="Rockwell"/>
+                <a:sym typeface="Rockwell"/>
+              </a:defRPr>
+            </a:lvl8pPr>
+            <a:lvl9pPr marL="4115212" marR="0" lvl="8" indent="-314357" algn="l" rtl="0">
+              <a:lnSpc>
+                <a:spcPct val="100000"/>
+              </a:lnSpc>
+              <a:spcBef>
+                <a:spcPts val="4200"/>
+              </a:spcBef>
+              <a:spcAft>
+                <a:spcPts val="0"/>
+              </a:spcAft>
+              <a:buClr>
+                <a:srgbClr val="000000"/>
+              </a:buClr>
+              <a:buSzPts val="1350"/>
+              <a:buFont typeface="Rockwell"/>
+              <a:buChar char="•"/>
+              <a:defRPr sz="3600" b="0" i="0" u="none" strike="noStrike" cap="none">
+                <a:solidFill>
+                  <a:srgbClr val="000000"/>
+                </a:solidFill>
+                <a:latin typeface="Rockwell"/>
+                <a:ea typeface="Rockwell"/>
+                <a:cs typeface="Rockwell"/>
+                <a:sym typeface="Rockwell"/>
+              </a:defRPr>
+            </a:lvl9pPr>
+          </a:lstStyle>
+          <a:p>
+            <a:pPr>
+              <a:buClr>
+                <a:schemeClr val="tx2"/>
+              </a:buClr>
+            </a:pPr>
+            <a:r>
+              <a:rPr lang="en-US" dirty="0">
+                <a:solidFill>
+                  <a:schemeClr val="tx2"/>
+                </a:solidFill>
+                <a:latin typeface="Arial" panose="020B0604020202020204" pitchFamily="34" charset="0"/>
+                <a:cs typeface="Arial" panose="020B0604020202020204" pitchFamily="34" charset="0"/>
+              </a:rPr>
+              <a:t>The first assessment might test the applicant’s </a:t>
+            </a:r>
+            <a:r>
+              <a:rPr lang="en-US" b="1" i="1" dirty="0">
+                <a:solidFill>
+                  <a:schemeClr val="tx2"/>
+                </a:solidFill>
+                <a:latin typeface="Arial" panose="020B0604020202020204" pitchFamily="34" charset="0"/>
+                <a:cs typeface="Arial" panose="020B0604020202020204" pitchFamily="34" charset="0"/>
+              </a:rPr>
+              <a:t>breadth of experience</a:t>
+            </a:r>
+            <a:r>
+              <a:rPr lang="en-US" b="1" dirty="0">
+                <a:solidFill>
+                  <a:schemeClr val="tx2"/>
+                </a:solidFill>
+                <a:latin typeface="Arial" panose="020B0604020202020204" pitchFamily="34" charset="0"/>
+                <a:cs typeface="Arial" panose="020B0604020202020204" pitchFamily="34" charset="0"/>
+              </a:rPr>
+              <a:t> </a:t>
+            </a:r>
+            <a:r>
+              <a:rPr lang="en-US" dirty="0">
+                <a:solidFill>
+                  <a:schemeClr val="tx2"/>
+                </a:solidFill>
+                <a:latin typeface="Arial" panose="020B0604020202020204" pitchFamily="34" charset="0"/>
+                <a:cs typeface="Arial" panose="020B0604020202020204" pitchFamily="34" charset="0"/>
+              </a:rPr>
+              <a:t>across the competencies.</a:t>
+            </a:r>
+          </a:p>
+          <a:p>
+            <a:pPr>
+              <a:buClr>
+                <a:schemeClr val="tx2"/>
+              </a:buClr>
+            </a:pPr>
+            <a:r>
+              <a:rPr lang="en-US" dirty="0">
+                <a:solidFill>
+                  <a:schemeClr val="tx2"/>
+                </a:solidFill>
+                <a:latin typeface="Arial" panose="020B0604020202020204" pitchFamily="34" charset="0"/>
+                <a:cs typeface="Arial" panose="020B0604020202020204" pitchFamily="34" charset="0"/>
+              </a:rPr>
+              <a:t>Breadth questions tend to take 5-10 minutes for an applicant to answer.</a:t>
+            </a:r>
+          </a:p>
+          <a:p>
+            <a:pPr>
+              <a:buClr>
+                <a:schemeClr val="tx2"/>
+              </a:buClr>
+            </a:pPr>
+            <a:r>
+              <a:rPr lang="en-US" dirty="0">
+                <a:solidFill>
+                  <a:schemeClr val="tx2"/>
+                </a:solidFill>
+                <a:latin typeface="Arial" panose="020B0604020202020204" pitchFamily="34" charset="0"/>
+                <a:cs typeface="Arial" panose="020B0604020202020204" pitchFamily="34" charset="0"/>
+              </a:rPr>
+              <a:t>Breadth questions test if an applicant has experience, knowledge, or exposure to a general topic.</a:t>
+            </a:r>
+          </a:p>
+        </p:txBody>
+      </p:sp>
+      <p:sp>
+        <p:nvSpPr>
+          <p:cNvPr id="7" name="Text Placeholder 2">
+            <a:extLst>
+              <a:ext uri="{FF2B5EF4-FFF2-40B4-BE49-F238E27FC236}">
+                <a16:creationId xmlns:a16="http://schemas.microsoft.com/office/drawing/2014/main" id="{0C03725A-973B-874F-AC9C-1B79D87F47DD}"/>
+              </a:ext>
+            </a:extLst>
+          </p:cNvPr>
+          <p:cNvSpPr txBox="1">
+            <a:spLocks/>
+          </p:cNvSpPr>
+          <p:nvPr/>
+        </p:nvSpPr>
+        <p:spPr>
+          <a:xfrm>
+            <a:off x="8670131" y="1993900"/>
+            <a:ext cx="6887369" cy="7131050"/>
+          </a:xfrm>
+          <a:prstGeom prst="rect">
+            <a:avLst/>
+          </a:prstGeom>
+          <a:noFill/>
+          <a:ln>
+            <a:noFill/>
+          </a:ln>
+        </p:spPr>
+        <p:txBody>
+          <a:bodyPr spcFirstLastPara="1" wrap="square" lIns="0" tIns="0" rIns="0" bIns="0" anchor="t" anchorCtr="0">
+            <a:normAutofit fontScale="77500" lnSpcReduction="20000"/>
+          </a:bodyPr>
+          <a:lstStyle>
+            <a:defPPr marR="0" lvl="0" algn="l" rtl="0">
+              <a:lnSpc>
+                <a:spcPct val="100000"/>
+              </a:lnSpc>
+              <a:spcBef>
+                <a:spcPts val="0"/>
+              </a:spcBef>
+              <a:spcAft>
+                <a:spcPts val="0"/>
+              </a:spcAft>
+            </a:defPPr>
+            <a:lvl1pPr marL="457246" marR="0" lvl="0" indent="-285779" algn="l" rtl="0">
+              <a:lnSpc>
+                <a:spcPct val="100000"/>
+              </a:lnSpc>
+              <a:spcBef>
+                <a:spcPts val="4200"/>
+              </a:spcBef>
+              <a:spcAft>
+                <a:spcPts val="0"/>
+              </a:spcAft>
+              <a:buClr>
+                <a:srgbClr val="0D71BC"/>
+              </a:buClr>
+              <a:buSzPct val="112000"/>
+              <a:buFont typeface="Arial" panose="020B0604020202020204" pitchFamily="34" charset="0"/>
+              <a:buChar char="•"/>
+              <a:defRPr sz="3600" b="0" i="0" u="none" strike="noStrike" cap="none">
+                <a:solidFill>
+                  <a:srgbClr val="0D71BC"/>
+                </a:solidFill>
+                <a:latin typeface="Source Sans Pro" panose="020B0503030403020204" pitchFamily="34" charset="0"/>
+                <a:ea typeface="Source Sans Pro" panose="020B0503030403020204" pitchFamily="34" charset="0"/>
+                <a:cs typeface="Avenir"/>
+                <a:sym typeface="Avenir"/>
+              </a:defRPr>
+            </a:lvl1pPr>
+            <a:lvl2pPr marL="914492" marR="0" lvl="1" indent="-285779" algn="l" rtl="0">
+              <a:lnSpc>
+                <a:spcPct val="100000"/>
+              </a:lnSpc>
+              <a:spcBef>
+                <a:spcPts val="4200"/>
+              </a:spcBef>
+              <a:spcAft>
+                <a:spcPts val="0"/>
+              </a:spcAft>
+              <a:buClr>
+                <a:srgbClr val="0D71BC"/>
+              </a:buClr>
+              <a:buSzPct val="112000"/>
+              <a:buFont typeface="Arial" panose="020B0604020202020204" pitchFamily="34" charset="0"/>
+              <a:buChar char="•"/>
+              <a:defRPr sz="3600" b="0" i="0" u="none" strike="noStrike" cap="none">
+                <a:solidFill>
+                  <a:srgbClr val="0D71BC"/>
+                </a:solidFill>
+                <a:latin typeface="Source Sans Pro" panose="020B0503030403020204" pitchFamily="34" charset="0"/>
+                <a:ea typeface="Source Sans Pro" panose="020B0503030403020204" pitchFamily="34" charset="0"/>
+                <a:cs typeface="Avenir"/>
+                <a:sym typeface="Avenir"/>
+              </a:defRPr>
+            </a:lvl2pPr>
+            <a:lvl3pPr marL="1371737" marR="0" lvl="2" indent="-314357" algn="l" rtl="0">
+              <a:lnSpc>
+                <a:spcPct val="100000"/>
+              </a:lnSpc>
+              <a:spcBef>
+                <a:spcPts val="4200"/>
+              </a:spcBef>
+              <a:spcAft>
+                <a:spcPts val="0"/>
+              </a:spcAft>
+              <a:buClr>
+                <a:srgbClr val="0D71BC"/>
+              </a:buClr>
+              <a:buSzPct val="112000"/>
+              <a:buFont typeface="Arial" panose="020B0604020202020204" pitchFamily="34" charset="0"/>
+              <a:buChar char="•"/>
+              <a:defRPr sz="3600" b="0" i="0" u="none" strike="noStrike" cap="none">
+                <a:solidFill>
+                  <a:srgbClr val="0D71BC"/>
+                </a:solidFill>
+                <a:latin typeface="Source Sans Pro" panose="020B0503030403020204" pitchFamily="34" charset="0"/>
+                <a:ea typeface="Source Sans Pro" panose="020B0503030403020204" pitchFamily="34" charset="0"/>
+                <a:cs typeface="Avenir"/>
+                <a:sym typeface="Avenir"/>
+              </a:defRPr>
+            </a:lvl3pPr>
+            <a:lvl4pPr marL="1828984" marR="0" lvl="3" indent="-314357" algn="l" rtl="0">
+              <a:lnSpc>
+                <a:spcPct val="100000"/>
+              </a:lnSpc>
+              <a:spcBef>
+                <a:spcPts val="4200"/>
+              </a:spcBef>
+              <a:spcAft>
+                <a:spcPts val="0"/>
+              </a:spcAft>
+              <a:buClr>
+                <a:srgbClr val="0D71BC"/>
+              </a:buClr>
+              <a:buSzPct val="112000"/>
+              <a:buFont typeface="Arial" panose="020B0604020202020204" pitchFamily="34" charset="0"/>
+              <a:buChar char="•"/>
+              <a:defRPr sz="3600" b="0" i="0" u="none" strike="noStrike" cap="none">
+                <a:solidFill>
+                  <a:srgbClr val="0D71BC"/>
+                </a:solidFill>
+                <a:latin typeface="Source Sans Pro" panose="020B0503030403020204" pitchFamily="34" charset="0"/>
+                <a:ea typeface="Source Sans Pro" panose="020B0503030403020204" pitchFamily="34" charset="0"/>
+                <a:cs typeface="Avenir"/>
+                <a:sym typeface="Avenir"/>
+              </a:defRPr>
+            </a:lvl4pPr>
+            <a:lvl5pPr marL="2286228" marR="0" lvl="4" indent="-314357" algn="l" rtl="0">
+              <a:lnSpc>
+                <a:spcPct val="100000"/>
+              </a:lnSpc>
+              <a:spcBef>
+                <a:spcPts val="4200"/>
+              </a:spcBef>
+              <a:spcAft>
+                <a:spcPts val="0"/>
+              </a:spcAft>
+              <a:buClr>
+                <a:srgbClr val="0D71BC"/>
+              </a:buClr>
+              <a:buSzPct val="112000"/>
+              <a:buFont typeface="Arial" panose="020B0604020202020204" pitchFamily="34" charset="0"/>
+              <a:buChar char="•"/>
+              <a:defRPr sz="3600" b="0" i="0" u="none" strike="noStrike" cap="none">
+                <a:solidFill>
+                  <a:srgbClr val="0D71BC"/>
+                </a:solidFill>
+                <a:latin typeface="Source Sans Pro" panose="020B0503030403020204" pitchFamily="34" charset="0"/>
+                <a:ea typeface="Source Sans Pro" panose="020B0503030403020204" pitchFamily="34" charset="0"/>
+                <a:cs typeface="Avenir"/>
+                <a:sym typeface="Avenir"/>
+              </a:defRPr>
+            </a:lvl5pPr>
+            <a:lvl6pPr marL="2743475" marR="0" lvl="5" indent="-314357" algn="l" rtl="0">
+              <a:lnSpc>
+                <a:spcPct val="100000"/>
+              </a:lnSpc>
+              <a:spcBef>
+                <a:spcPts val="4200"/>
+              </a:spcBef>
+              <a:spcAft>
+                <a:spcPts val="0"/>
+              </a:spcAft>
+              <a:buClr>
+                <a:srgbClr val="000000"/>
+              </a:buClr>
+              <a:buSzPts val="1350"/>
+              <a:buFont typeface="Rockwell"/>
+              <a:buChar char="•"/>
+              <a:defRPr sz="3600" b="0" i="0" u="none" strike="noStrike" cap="none">
+                <a:solidFill>
+                  <a:srgbClr val="000000"/>
+                </a:solidFill>
+                <a:latin typeface="Rockwell"/>
+                <a:ea typeface="Rockwell"/>
+                <a:cs typeface="Rockwell"/>
+                <a:sym typeface="Rockwell"/>
+              </a:defRPr>
+            </a:lvl6pPr>
+            <a:lvl7pPr marL="3200720" marR="0" lvl="6" indent="-314357" algn="l" rtl="0">
+              <a:lnSpc>
+                <a:spcPct val="100000"/>
+              </a:lnSpc>
+              <a:spcBef>
+                <a:spcPts val="4200"/>
+              </a:spcBef>
+              <a:spcAft>
+                <a:spcPts val="0"/>
+              </a:spcAft>
+              <a:buClr>
+                <a:srgbClr val="000000"/>
+              </a:buClr>
+              <a:buSzPts val="1350"/>
+              <a:buFont typeface="Rockwell"/>
+              <a:buChar char="•"/>
+              <a:defRPr sz="3600" b="0" i="0" u="none" strike="noStrike" cap="none">
+                <a:solidFill>
+                  <a:srgbClr val="000000"/>
+                </a:solidFill>
+                <a:latin typeface="Rockwell"/>
+                <a:ea typeface="Rockwell"/>
+                <a:cs typeface="Rockwell"/>
+                <a:sym typeface="Rockwell"/>
+              </a:defRPr>
+            </a:lvl7pPr>
+            <a:lvl8pPr marL="3657966" marR="0" lvl="7" indent="-314357" algn="l" rtl="0">
+              <a:lnSpc>
+                <a:spcPct val="100000"/>
+              </a:lnSpc>
+              <a:spcBef>
+                <a:spcPts val="4200"/>
+              </a:spcBef>
+              <a:spcAft>
+                <a:spcPts val="0"/>
+              </a:spcAft>
+              <a:buClr>
+                <a:srgbClr val="000000"/>
+              </a:buClr>
+              <a:buSzPts val="1350"/>
+              <a:buFont typeface="Rockwell"/>
+              <a:buChar char="•"/>
+              <a:defRPr sz="3600" b="0" i="0" u="none" strike="noStrike" cap="none">
+                <a:solidFill>
+                  <a:srgbClr val="000000"/>
+                </a:solidFill>
+                <a:latin typeface="Rockwell"/>
+                <a:ea typeface="Rockwell"/>
+                <a:cs typeface="Rockwell"/>
+                <a:sym typeface="Rockwell"/>
+              </a:defRPr>
+            </a:lvl8pPr>
+            <a:lvl9pPr marL="4115212" marR="0" lvl="8" indent="-314357" algn="l" rtl="0">
+              <a:lnSpc>
+                <a:spcPct val="100000"/>
+              </a:lnSpc>
+              <a:spcBef>
+                <a:spcPts val="4200"/>
+              </a:spcBef>
+              <a:spcAft>
+                <a:spcPts val="0"/>
+              </a:spcAft>
+              <a:buClr>
+                <a:srgbClr val="000000"/>
+              </a:buClr>
+              <a:buSzPts val="1350"/>
+              <a:buFont typeface="Rockwell"/>
+              <a:buChar char="•"/>
+              <a:defRPr sz="3600" b="0" i="0" u="none" strike="noStrike" cap="none">
+                <a:solidFill>
+                  <a:srgbClr val="000000"/>
+                </a:solidFill>
+                <a:latin typeface="Rockwell"/>
+                <a:ea typeface="Rockwell"/>
+                <a:cs typeface="Rockwell"/>
+                <a:sym typeface="Rockwell"/>
+              </a:defRPr>
+            </a:lvl9pPr>
+          </a:lstStyle>
+          <a:p>
+            <a:pPr>
+              <a:buClr>
+                <a:schemeClr val="tx2"/>
+              </a:buClr>
+            </a:pPr>
+            <a:r>
+              <a:rPr lang="en-US" dirty="0">
+                <a:solidFill>
+                  <a:schemeClr val="tx2"/>
+                </a:solidFill>
+                <a:latin typeface="Arial" panose="020B0604020202020204" pitchFamily="34" charset="0"/>
+                <a:cs typeface="Arial" panose="020B0604020202020204" pitchFamily="34" charset="0"/>
+              </a:rPr>
+              <a:t>The structured interview tests the applicant’s </a:t>
+            </a:r>
+            <a:r>
+              <a:rPr lang="en-US" b="1" i="1" dirty="0">
+                <a:solidFill>
+                  <a:schemeClr val="tx2"/>
+                </a:solidFill>
+                <a:latin typeface="Arial" panose="020B0604020202020204" pitchFamily="34" charset="0"/>
+                <a:cs typeface="Arial" panose="020B0604020202020204" pitchFamily="34" charset="0"/>
+              </a:rPr>
+              <a:t>depth of knowledge</a:t>
+            </a:r>
+            <a:r>
+              <a:rPr lang="en-US" b="1" dirty="0">
+                <a:solidFill>
+                  <a:schemeClr val="tx2"/>
+                </a:solidFill>
+                <a:latin typeface="Arial" panose="020B0604020202020204" pitchFamily="34" charset="0"/>
+                <a:cs typeface="Arial" panose="020B0604020202020204" pitchFamily="34" charset="0"/>
+              </a:rPr>
+              <a:t> </a:t>
+            </a:r>
+            <a:r>
+              <a:rPr lang="en-US" dirty="0">
+                <a:solidFill>
+                  <a:schemeClr val="tx2"/>
+                </a:solidFill>
+                <a:latin typeface="Arial" panose="020B0604020202020204" pitchFamily="34" charset="0"/>
+                <a:cs typeface="Arial" panose="020B0604020202020204" pitchFamily="34" charset="0"/>
+              </a:rPr>
+              <a:t>across the competencies.</a:t>
+            </a:r>
+          </a:p>
+          <a:p>
+            <a:pPr>
+              <a:buClr>
+                <a:schemeClr val="tx2"/>
+              </a:buClr>
+            </a:pPr>
+            <a:r>
+              <a:rPr lang="en-US" dirty="0">
+                <a:solidFill>
+                  <a:schemeClr val="tx2"/>
+                </a:solidFill>
+                <a:latin typeface="Arial" panose="020B0604020202020204" pitchFamily="34" charset="0"/>
+                <a:cs typeface="Arial" panose="020B0604020202020204" pitchFamily="34" charset="0"/>
+              </a:rPr>
+              <a:t>Depth questions can take up to 10-15 minutes for an applicant to answer. </a:t>
+            </a:r>
+          </a:p>
+          <a:p>
+            <a:pPr>
+              <a:buClr>
+                <a:schemeClr val="tx2"/>
+              </a:buClr>
+            </a:pPr>
+            <a:r>
+              <a:rPr lang="en-US" dirty="0">
+                <a:solidFill>
+                  <a:schemeClr val="tx2"/>
+                </a:solidFill>
+                <a:latin typeface="Arial" panose="020B0604020202020204" pitchFamily="34" charset="0"/>
+                <a:cs typeface="Arial" panose="020B0604020202020204" pitchFamily="34" charset="0"/>
+              </a:rPr>
+              <a:t>Depth questions test how an applicant reacts and responds to changes in the presented situation.</a:t>
+            </a:r>
+          </a:p>
+          <a:p>
+            <a:pPr>
+              <a:buClr>
+                <a:schemeClr val="tx2"/>
+              </a:buClr>
+            </a:pPr>
+            <a:r>
+              <a:rPr lang="en-US" dirty="0">
+                <a:solidFill>
+                  <a:schemeClr val="tx2"/>
+                </a:solidFill>
+                <a:latin typeface="Arial" panose="020B0604020202020204" pitchFamily="34" charset="0"/>
+                <a:cs typeface="Arial" panose="020B0604020202020204" pitchFamily="34" charset="0"/>
+              </a:rPr>
+              <a:t>Depth: Mandated follow up questions that probe deeper (i.e., “Now imagine...” or “Tell me about a time you've experienced that hypothetical in real life.”).</a:t>
+            </a:r>
+          </a:p>
+          <a:p>
+            <a:pPr>
+              <a:buClr>
+                <a:schemeClr val="tx2"/>
+              </a:buClr>
+            </a:pPr>
+            <a:endParaRPr lang="en-US" dirty="0">
+              <a:solidFill>
+                <a:schemeClr val="tx2"/>
+              </a:solidFill>
+              <a:latin typeface="Arial" panose="020B0604020202020204" pitchFamily="34" charset="0"/>
+              <a:cs typeface="Arial" panose="020B0604020202020204" pitchFamily="34" charset="0"/>
+            </a:endParaRPr>
+          </a:p>
+        </p:txBody>
+      </p:sp>
+      <p:sp>
+        <p:nvSpPr>
+          <p:cNvPr id="8" name="Title 3">
+            <a:extLst>
+              <a:ext uri="{FF2B5EF4-FFF2-40B4-BE49-F238E27FC236}">
+                <a16:creationId xmlns:a16="http://schemas.microsoft.com/office/drawing/2014/main" id="{03688122-A7F5-3048-AD5C-54D50A88EE13}"/>
+              </a:ext>
+            </a:extLst>
+          </p:cNvPr>
+          <p:cNvSpPr txBox="1">
+            <a:spLocks/>
+          </p:cNvSpPr>
+          <p:nvPr/>
+        </p:nvSpPr>
+        <p:spPr>
+          <a:xfrm>
+            <a:off x="8670131" y="505196"/>
+            <a:ext cx="7039768" cy="1290459"/>
+          </a:xfrm>
+          <a:prstGeom prst="rect">
+            <a:avLst/>
+          </a:prstGeom>
+          <a:noFill/>
+          <a:ln>
+            <a:noFill/>
+          </a:ln>
+        </p:spPr>
+        <p:txBody>
+          <a:bodyPr spcFirstLastPara="1" wrap="square" lIns="91425" tIns="45700" rIns="91425" bIns="45700" anchor="t" anchorCtr="0"/>
+          <a:lstStyle>
+            <a:defPPr marR="0" lvl="0" algn="l" rtl="0">
+              <a:lnSpc>
+                <a:spcPct val="100000"/>
+              </a:lnSpc>
+              <a:spcBef>
+                <a:spcPts val="0"/>
+              </a:spcBef>
+              <a:spcAft>
+                <a:spcPts val="0"/>
+              </a:spcAft>
+            </a:defPPr>
+            <a:lvl1pPr marR="0" lvl="0" algn="l" rtl="0">
+              <a:lnSpc>
+                <a:spcPct val="100000"/>
+              </a:lnSpc>
+              <a:spcBef>
+                <a:spcPts val="0"/>
+              </a:spcBef>
+              <a:spcAft>
+                <a:spcPts val="0"/>
+              </a:spcAft>
+              <a:buClr>
+                <a:srgbClr val="000000"/>
+              </a:buClr>
+              <a:buSzPts val="1400"/>
+              <a:buFont typeface="Arial"/>
+              <a:buNone/>
+              <a:defRPr sz="3600" b="1" i="0" u="none" strike="noStrike" cap="all" baseline="0">
+                <a:solidFill>
+                  <a:srgbClr val="0D71BC"/>
+                </a:solidFill>
+                <a:latin typeface="Source Sans Pro SemiBold" panose="020B0503030403020204" pitchFamily="34" charset="0"/>
+                <a:ea typeface="Source Sans Pro SemiBold" panose="020B0503030403020204" pitchFamily="34" charset="0"/>
+                <a:cs typeface="Source Sans Pro SemiBold" panose="020B0503030403020204" pitchFamily="34" charset="0"/>
+                <a:sym typeface="Avenir"/>
+              </a:defRPr>
+            </a:lvl1pPr>
+            <a:lvl2pPr marR="0" lvl="1" algn="ctr" rtl="0">
+              <a:lnSpc>
+                <a:spcPct val="100000"/>
+              </a:lnSpc>
+              <a:spcBef>
+                <a:spcPts val="0"/>
+              </a:spcBef>
+              <a:spcAft>
+                <a:spcPts val="0"/>
+              </a:spcAft>
+              <a:buClr>
+                <a:srgbClr val="000000"/>
+              </a:buClr>
+              <a:buSzPts val="1400"/>
+              <a:buFont typeface="Arial"/>
+              <a:buNone/>
+              <a:defRPr sz="8000" b="0" i="0" u="none" strike="noStrike" cap="none">
+                <a:solidFill>
+                  <a:srgbClr val="000000"/>
+                </a:solidFill>
+                <a:latin typeface="Rockwell"/>
+                <a:ea typeface="Rockwell"/>
+                <a:cs typeface="Rockwell"/>
+                <a:sym typeface="Rockwell"/>
+              </a:defRPr>
+            </a:lvl2pPr>
+            <a:lvl3pPr marR="0" lvl="2" algn="ctr" rtl="0">
+              <a:lnSpc>
+                <a:spcPct val="100000"/>
+              </a:lnSpc>
+              <a:spcBef>
+                <a:spcPts val="0"/>
+              </a:spcBef>
+              <a:spcAft>
+                <a:spcPts val="0"/>
+              </a:spcAft>
+              <a:buClr>
+                <a:srgbClr val="000000"/>
+              </a:buClr>
+              <a:buSzPts val="1400"/>
+              <a:buFont typeface="Arial"/>
+              <a:buNone/>
+              <a:defRPr sz="8000" b="0" i="0" u="none" strike="noStrike" cap="none">
+                <a:solidFill>
+                  <a:srgbClr val="000000"/>
+                </a:solidFill>
+                <a:latin typeface="Rockwell"/>
+                <a:ea typeface="Rockwell"/>
+                <a:cs typeface="Rockwell"/>
+                <a:sym typeface="Rockwell"/>
+              </a:defRPr>
+            </a:lvl3pPr>
+            <a:lvl4pPr marR="0" lvl="3" algn="ctr" rtl="0">
+              <a:lnSpc>
+                <a:spcPct val="100000"/>
+              </a:lnSpc>
+              <a:spcBef>
+                <a:spcPts val="0"/>
+              </a:spcBef>
+              <a:spcAft>
+                <a:spcPts val="0"/>
+              </a:spcAft>
+              <a:buClr>
+                <a:srgbClr val="000000"/>
+              </a:buClr>
+              <a:buSzPts val="1400"/>
+              <a:buFont typeface="Arial"/>
+              <a:buNone/>
+              <a:defRPr sz="8000" b="0" i="0" u="none" strike="noStrike" cap="none">
+                <a:solidFill>
+                  <a:srgbClr val="000000"/>
+                </a:solidFill>
+                <a:latin typeface="Rockwell"/>
+                <a:ea typeface="Rockwell"/>
+                <a:cs typeface="Rockwell"/>
+                <a:sym typeface="Rockwell"/>
+              </a:defRPr>
+            </a:lvl4pPr>
+            <a:lvl5pPr marR="0" lvl="4" algn="ctr" rtl="0">
+              <a:lnSpc>
+                <a:spcPct val="100000"/>
+              </a:lnSpc>
+              <a:spcBef>
+                <a:spcPts val="0"/>
+              </a:spcBef>
+              <a:spcAft>
+                <a:spcPts val="0"/>
+              </a:spcAft>
+              <a:buClr>
+                <a:srgbClr val="000000"/>
+              </a:buClr>
+              <a:buSzPts val="1400"/>
+              <a:buFont typeface="Arial"/>
+              <a:buNone/>
+              <a:defRPr sz="8000" b="0" i="0" u="none" strike="noStrike" cap="none">
+                <a:solidFill>
+                  <a:srgbClr val="000000"/>
+                </a:solidFill>
+                <a:latin typeface="Rockwell"/>
+                <a:ea typeface="Rockwell"/>
+                <a:cs typeface="Rockwell"/>
+                <a:sym typeface="Rockwell"/>
+              </a:defRPr>
+            </a:lvl5pPr>
+            <a:lvl6pPr marR="0" lvl="5" algn="ctr" rtl="0">
+              <a:lnSpc>
+                <a:spcPct val="100000"/>
+              </a:lnSpc>
+              <a:spcBef>
+                <a:spcPts val="0"/>
+              </a:spcBef>
+              <a:spcAft>
+                <a:spcPts val="0"/>
+              </a:spcAft>
+              <a:buClr>
+                <a:srgbClr val="000000"/>
+              </a:buClr>
+              <a:buSzPts val="1400"/>
+              <a:buFont typeface="Arial"/>
+              <a:buNone/>
+              <a:defRPr sz="8000" b="0" i="0" u="none" strike="noStrike" cap="none">
+                <a:solidFill>
+                  <a:srgbClr val="000000"/>
+                </a:solidFill>
+                <a:latin typeface="Rockwell"/>
+                <a:ea typeface="Rockwell"/>
+                <a:cs typeface="Rockwell"/>
+                <a:sym typeface="Rockwell"/>
+              </a:defRPr>
+            </a:lvl6pPr>
+            <a:lvl7pPr marR="0" lvl="6" algn="ctr" rtl="0">
+              <a:lnSpc>
+                <a:spcPct val="100000"/>
+              </a:lnSpc>
+              <a:spcBef>
+                <a:spcPts val="0"/>
+              </a:spcBef>
+              <a:spcAft>
+                <a:spcPts val="0"/>
+              </a:spcAft>
+              <a:buClr>
+                <a:srgbClr val="000000"/>
+              </a:buClr>
+              <a:buSzPts val="1400"/>
+              <a:buFont typeface="Arial"/>
+              <a:buNone/>
+              <a:defRPr sz="8000" b="0" i="0" u="none" strike="noStrike" cap="none">
+                <a:solidFill>
+                  <a:srgbClr val="000000"/>
+                </a:solidFill>
+                <a:latin typeface="Rockwell"/>
+                <a:ea typeface="Rockwell"/>
+                <a:cs typeface="Rockwell"/>
+                <a:sym typeface="Rockwell"/>
+              </a:defRPr>
+            </a:lvl7pPr>
+            <a:lvl8pPr marR="0" lvl="7" algn="ctr" rtl="0">
+              <a:lnSpc>
+                <a:spcPct val="100000"/>
+              </a:lnSpc>
+              <a:spcBef>
+                <a:spcPts val="0"/>
+              </a:spcBef>
+              <a:spcAft>
+                <a:spcPts val="0"/>
+              </a:spcAft>
+              <a:buClr>
+                <a:srgbClr val="000000"/>
+              </a:buClr>
+              <a:buSzPts val="1400"/>
+              <a:buFont typeface="Arial"/>
+              <a:buNone/>
+              <a:defRPr sz="8000" b="0" i="0" u="none" strike="noStrike" cap="none">
+                <a:solidFill>
+                  <a:srgbClr val="000000"/>
+                </a:solidFill>
+                <a:latin typeface="Rockwell"/>
+                <a:ea typeface="Rockwell"/>
+                <a:cs typeface="Rockwell"/>
+                <a:sym typeface="Rockwell"/>
+              </a:defRPr>
+            </a:lvl8pPr>
+            <a:lvl9pPr marR="0" lvl="8" algn="ctr" rtl="0">
+              <a:lnSpc>
+                <a:spcPct val="100000"/>
+              </a:lnSpc>
+              <a:spcBef>
+                <a:spcPts val="0"/>
+              </a:spcBef>
+              <a:spcAft>
+                <a:spcPts val="0"/>
+              </a:spcAft>
+              <a:buClr>
+                <a:srgbClr val="000000"/>
+              </a:buClr>
+              <a:buSzPts val="1400"/>
+              <a:buFont typeface="Arial"/>
+              <a:buNone/>
+              <a:defRPr sz="8000" b="0" i="0" u="none" strike="noStrike" cap="none">
+                <a:solidFill>
+                  <a:srgbClr val="000000"/>
+                </a:solidFill>
+                <a:latin typeface="Rockwell"/>
+                <a:ea typeface="Rockwell"/>
+                <a:cs typeface="Rockwell"/>
+                <a:sym typeface="Rockwell"/>
+              </a:defRPr>
+            </a:lvl9pPr>
+          </a:lstStyle>
+          <a:p>
+            <a:r>
+              <a:rPr lang="en-US" dirty="0">
+                <a:solidFill>
+                  <a:schemeClr val="tx2"/>
+                </a:solidFill>
+                <a:latin typeface="+mn-lt"/>
+              </a:rPr>
+              <a:t>Depth questions</a:t>
+            </a:r>
+          </a:p>
+        </p:txBody>
+      </p:sp>
+      <p:sp>
+        <p:nvSpPr>
+          <p:cNvPr id="10" name="Rectangle 9">
+            <a:extLst>
+              <a:ext uri="{FF2B5EF4-FFF2-40B4-BE49-F238E27FC236}">
+                <a16:creationId xmlns:a16="http://schemas.microsoft.com/office/drawing/2014/main" id="{9EAB4561-523A-1148-B352-920659D66C80}"/>
+              </a:ext>
+            </a:extLst>
+          </p:cNvPr>
+          <p:cNvSpPr/>
+          <p:nvPr/>
+        </p:nvSpPr>
+        <p:spPr>
+          <a:xfrm>
+            <a:off x="1734112" y="3746809"/>
+            <a:ext cx="13872117" cy="2141034"/>
+          </a:xfrm>
+          <a:prstGeom prst="rect">
+            <a:avLst/>
+          </a:prstGeom>
+          <a:solidFill>
+            <a:srgbClr val="FFFF00"/>
+          </a:solidFill>
+        </p:spPr>
+        <p:style>
+          <a:lnRef idx="2">
+            <a:schemeClr val="accent1">
+              <a:shade val="50000"/>
+            </a:schemeClr>
+          </a:lnRef>
+          <a:fillRef idx="1">
+            <a:schemeClr val="accent1"/>
+          </a:fillRef>
+          <a:effectRef idx="0">
+            <a:schemeClr val="accent1"/>
+          </a:effectRef>
+          <a:fontRef idx="minor">
+            <a:schemeClr val="lt1"/>
+          </a:fontRef>
+        </p:style>
+        <p:txBody>
+          <a:bodyPr rtlCol="0" anchor="ctr"/>
           <a:lstStyle/>
           <a:p>
-            <a:pPr marL="171467" indent="0">
-              <a:buNone/>
-            </a:pPr>
-            <a:r>
-              <a:rPr lang="en-US" b="1" dirty="0"/>
-              <a:t>Question: </a:t>
-            </a:r>
-            <a:r>
-              <a:rPr lang="en-US" dirty="0"/>
-              <a:t>You’re brought in to an existing project with a three-tier web site: A web server front-end, an application server, and a database. Each is on its own single separate machine. We want to upgrade the database without taking the site down for “scheduled maintenance.” How can we do this?</a:t>
-            </a:r>
-          </a:p>
-          <a:p>
-            <a:pPr marL="171467" indent="0">
-              <a:buNone/>
-            </a:pPr>
-            <a:r>
-              <a:rPr lang="en-US" b="1" dirty="0"/>
-              <a:t>Acceptable probe follow-up questions:</a:t>
-            </a:r>
-          </a:p>
-          <a:p>
-            <a:pPr marL="171467" indent="0">
-              <a:buNone/>
-            </a:pPr>
-            <a:r>
-              <a:rPr lang="en-US" dirty="0"/>
-              <a:t>How does this affect the application server?</a:t>
-            </a:r>
-          </a:p>
-          <a:p>
-            <a:pPr marL="171467" indent="0">
-              <a:buNone/>
-            </a:pPr>
-            <a:r>
-              <a:rPr lang="en-US" dirty="0"/>
-              <a:t>What happens next?</a:t>
-            </a:r>
-          </a:p>
-          <a:p>
-            <a:pPr marL="171467" indent="0">
-              <a:buNone/>
-            </a:pPr>
+            <a:pPr algn="ctr"/>
+            <a:r>
+              <a:rPr lang="en-US" sz="3600" b="1" dirty="0">
+                <a:solidFill>
+                  <a:schemeClr val="tx2"/>
+                </a:solidFill>
+              </a:rPr>
+              <a:t>Use this slide if doing one structured interview</a:t>
+            </a:r>
+          </a:p>
+          <a:p>
+            <a:pPr algn="ctr"/>
             <a:endParaRPr lang="en-US" dirty="0"/>
           </a:p>
         </p:txBody>
@@ -10799,7 +11914,7 @@
     </p:spTree>
     <p:extLst>
       <p:ext uri="{BB962C8B-B14F-4D97-AF65-F5344CB8AC3E}">
-        <p14:creationId xmlns:p14="http://schemas.microsoft.com/office/powerpoint/2010/main" val="425015348"/>
+        <p14:creationId xmlns:p14="http://schemas.microsoft.com/office/powerpoint/2010/main" val="342815016"/>
       </p:ext>
     </p:extLst>
   </p:cSld>
@@ -10849,7 +11964,7 @@
           <a:p>
             <a:r>
               <a:rPr lang="en-US" dirty="0"/>
-              <a:t>Example Depth Question – Modern Architecture Competency</a:t>
+              <a:t>Example Breadth Question – Modern Architecture Competency</a:t>
             </a:r>
           </a:p>
         </p:txBody>
@@ -10878,7 +11993,7 @@
         </p:spPr>
         <p:txBody>
           <a:bodyPr spcFirstLastPara="1" wrap="square" lIns="0" tIns="0" rIns="0" bIns="0" anchor="t" anchorCtr="0">
-            <a:normAutofit fontScale="92500" lnSpcReduction="10000"/>
+            <a:normAutofit/>
           </a:bodyPr>
           <a:lstStyle/>
           <a:p>
@@ -10887,11 +12002,11 @@
             </a:pPr>
             <a:r>
               <a:rPr lang="en-US" b="1" dirty="0"/>
-              <a:t>Same question</a:t>
+              <a:t>Question: </a:t>
             </a:r>
             <a:r>
               <a:rPr lang="en-US" dirty="0"/>
-              <a:t>: You’re brought in to an existing project with a three-tier web site: A web server front-end, an application server, and a database. Each is on its own single separate machine. We want to upgrade the database without taking the site down for “scheduled maintenance.” How can we do this?</a:t>
+              <a:t>You’re brought in to an existing project with a three-tier web site: A web server front-end, an application server, and a database. Each is on its own single separate machine. We want to upgrade the database without taking the site down for “scheduled maintenance.” How can we do this?</a:t>
             </a:r>
           </a:p>
           <a:p>
@@ -10900,7 +12015,7 @@
             </a:pPr>
             <a:r>
               <a:rPr lang="en-US" b="1" dirty="0"/>
-              <a:t>Added depth follow-up questions:</a:t>
+              <a:t>Acceptable probe follow-up questions:</a:t>
             </a:r>
           </a:p>
           <a:p>
@@ -10909,7 +12024,7 @@
             </a:pPr>
             <a:r>
               <a:rPr lang="en-US" dirty="0"/>
-              <a:t>Before we made changes, the first request from a user took 1 second and subsequent requests took 100 milliseconds. We added a bunch of new application server instances behind a round-robin load balancer, and now many requests take 1 second. What’s going on?</a:t>
+              <a:t>How does this affect the application server?</a:t>
             </a:r>
           </a:p>
           <a:p>
@@ -10918,15 +12033,21 @@
             </a:pPr>
             <a:r>
               <a:rPr lang="en-US" dirty="0"/>
-              <a:t>All of our load balancers do round-robin. What should the health checks in front of the front-end HTTP server test for?</a:t>
-            </a:r>
+              <a:t>What happens next?</a:t>
+            </a:r>
+          </a:p>
+          <a:p>
+            <a:pPr marL="171467" indent="0">
+              <a:buNone/>
+            </a:pPr>
+            <a:endParaRPr lang="en-US" dirty="0"/>
           </a:p>
         </p:txBody>
       </p:sp>
     </p:spTree>
     <p:extLst>
       <p:ext uri="{BB962C8B-B14F-4D97-AF65-F5344CB8AC3E}">
-        <p14:creationId xmlns:p14="http://schemas.microsoft.com/office/powerpoint/2010/main" val="1851575256"/>
+        <p14:creationId xmlns:p14="http://schemas.microsoft.com/office/powerpoint/2010/main" val="425015348"/>
       </p:ext>
     </p:extLst>
   </p:cSld>
@@ -10958,7 +12079,7 @@
           <p:cNvPr id="2" name="Title 1">
             <a:extLst>
               <a:ext uri="{FF2B5EF4-FFF2-40B4-BE49-F238E27FC236}">
-                <a16:creationId xmlns:a16="http://schemas.microsoft.com/office/drawing/2014/main" id="{D4E4C047-701E-6045-A204-2E9F55292620}"/>
+                <a16:creationId xmlns:a16="http://schemas.microsoft.com/office/drawing/2014/main" id="{D709A54F-690D-4846-9955-5559806301A0}"/>
               </a:ext>
             </a:extLst>
           </p:cNvPr>
@@ -10976,7 +12097,7 @@
           <a:p>
             <a:r>
               <a:rPr lang="en-US" dirty="0"/>
-              <a:t>Example Breadth Question – Stakeholder Engagement Competency</a:t>
+              <a:t>Example Depth Question – Modern Architecture Competency</a:t>
             </a:r>
           </a:p>
         </p:txBody>
@@ -10986,7 +12107,7 @@
           <p:cNvPr id="3" name="Text Placeholder 2">
             <a:extLst>
               <a:ext uri="{FF2B5EF4-FFF2-40B4-BE49-F238E27FC236}">
-                <a16:creationId xmlns:a16="http://schemas.microsoft.com/office/drawing/2014/main" id="{D6A4DA58-3293-B044-90E9-FC07DFF20EF1}"/>
+                <a16:creationId xmlns:a16="http://schemas.microsoft.com/office/drawing/2014/main" id="{ACB6A2A8-2344-8545-A030-2ECC605B5A0E}"/>
               </a:ext>
             </a:extLst>
           </p:cNvPr>
@@ -10998,10 +12119,6 @@
           </p:nvPr>
         </p:nvSpPr>
         <p:spPr>
-          <a:xfrm>
-            <a:off x="1192143" y="1841500"/>
-            <a:ext cx="14956057" cy="7392802"/>
-          </a:xfrm>
           <a:noFill/>
           <a:ln>
             <a:noFill/>
@@ -11009,7 +12126,7 @@
         </p:spPr>
         <p:txBody>
           <a:bodyPr spcFirstLastPara="1" wrap="square" lIns="0" tIns="0" rIns="0" bIns="0" anchor="t" anchorCtr="0">
-            <a:normAutofit/>
+            <a:normAutofit fontScale="92500" lnSpcReduction="10000"/>
           </a:bodyPr>
           <a:lstStyle/>
           <a:p>
@@ -11018,11 +12135,38 @@
             </a:pPr>
             <a:r>
               <a:rPr lang="en-US" b="1" dirty="0"/>
-              <a:t>Question</a:t>
+              <a:t>Same question</a:t>
             </a:r>
             <a:r>
               <a:rPr lang="en-US" dirty="0"/>
-              <a:t>: Imagine you will be attending a chief executive briefing along with a number of senior leaders from your organization. These senior leaders have more experience and tenure in the organization than you have. In addition, they hold a view that is in conflict with yours. You need the chief executive to adopt your view. How would you prepare for this meeting?</a:t>
+              <a:t>: You’re brought in to an existing project with a three-tier web site: A web server front-end, an application server, and a database. Each is on its own single separate machine. We want to upgrade the database without taking the site down for “scheduled maintenance.” How can we do this?</a:t>
+            </a:r>
+          </a:p>
+          <a:p>
+            <a:pPr marL="171467" indent="0">
+              <a:buNone/>
+            </a:pPr>
+            <a:r>
+              <a:rPr lang="en-US" b="1" dirty="0"/>
+              <a:t>Added depth follow-up questions:</a:t>
+            </a:r>
+          </a:p>
+          <a:p>
+            <a:pPr marL="171467" indent="0">
+              <a:buNone/>
+            </a:pPr>
+            <a:r>
+              <a:rPr lang="en-US" dirty="0"/>
+              <a:t>Before we made changes, the first request from a user took 1 second and subsequent requests took 100 milliseconds. We added a bunch of new application server instances behind a round-robin load balancer, and now many requests take 1 second. What’s going on?</a:t>
+            </a:r>
+          </a:p>
+          <a:p>
+            <a:pPr marL="171467" indent="0">
+              <a:buNone/>
+            </a:pPr>
+            <a:r>
+              <a:rPr lang="en-US" dirty="0"/>
+              <a:t>All of our load balancers do round-robin. What should the health checks in front of the front-end HTTP server test for?</a:t>
             </a:r>
           </a:p>
         </p:txBody>
@@ -11030,7 +12174,7 @@
     </p:spTree>
     <p:extLst>
       <p:ext uri="{BB962C8B-B14F-4D97-AF65-F5344CB8AC3E}">
-        <p14:creationId xmlns:p14="http://schemas.microsoft.com/office/powerpoint/2010/main" val="1533237504"/>
+        <p14:creationId xmlns:p14="http://schemas.microsoft.com/office/powerpoint/2010/main" val="1851575256"/>
       </p:ext>
     </p:extLst>
   </p:cSld>
@@ -11080,7 +12224,7 @@
           <a:p>
             <a:r>
               <a:rPr lang="en-US" dirty="0"/>
-              <a:t>Example Depth Question – Stakeholder Engagement Competency</a:t>
+              <a:t>Example Breadth Question – Stakeholder Engagement Competency</a:t>
             </a:r>
           </a:p>
         </p:txBody>
@@ -11113,7 +12257,7 @@
         </p:spPr>
         <p:txBody>
           <a:bodyPr spcFirstLastPara="1" wrap="square" lIns="0" tIns="0" rIns="0" bIns="0" anchor="t" anchorCtr="0">
-            <a:normAutofit fontScale="77500" lnSpcReduction="20000"/>
+            <a:normAutofit/>
           </a:bodyPr>
           <a:lstStyle/>
           <a:p>
@@ -11122,47 +12266,11 @@
             </a:pPr>
             <a:r>
               <a:rPr lang="en-US" b="1" dirty="0"/>
-              <a:t>Same question</a:t>
+              <a:t>Question</a:t>
             </a:r>
             <a:r>
               <a:rPr lang="en-US" dirty="0"/>
               <a:t>: Imagine you will be attending a chief executive briefing along with a number of senior leaders from your organization. These senior leaders have more experience and tenure in the organization than you have. In addition, they hold a view that is in conflict with yours. You need the chief executive to adopt your view. How would you prepare for this meeting?</a:t>
-            </a:r>
-          </a:p>
-          <a:p>
-            <a:pPr marL="171467" indent="0">
-              <a:buNone/>
-            </a:pPr>
-            <a:r>
-              <a:rPr lang="en-US" b="1" dirty="0"/>
-              <a:t>Required follow-up questions:</a:t>
-            </a:r>
-          </a:p>
-          <a:p>
-            <a:pPr marL="171467" indent="0">
-              <a:buNone/>
-            </a:pPr>
-            <a:r>
-              <a:rPr lang="en-US" dirty="0"/>
-              <a:t>Imagine the meeting does not result in the outcome you had hoped for, what do you do next?</a:t>
-            </a:r>
-          </a:p>
-          <a:p>
-            <a:pPr marL="171467" indent="0">
-              <a:buNone/>
-            </a:pPr>
-            <a:r>
-              <a:rPr lang="en-US" dirty="0"/>
-              <a:t>Imagine the meeting did result in the outcome you hoped for, but the other senior leaders left the meeting with remaining concerns. Would you take any additional action with those stakeholders?</a:t>
-            </a:r>
-          </a:p>
-          <a:p>
-            <a:pPr marL="171467" indent="0">
-              <a:buNone/>
-            </a:pPr>
-            <a:r>
-              <a:rPr lang="en-US" dirty="0"/>
-              <a:t>Tell us about a time when you experienced a situation where you needed to convince a chief executive of something despite the other leaders who did not feel the same way. What was the outcome and what would you do differently next time?</a:t>
             </a:r>
           </a:p>
         </p:txBody>
@@ -11170,7 +12278,7 @@
     </p:spTree>
     <p:extLst>
       <p:ext uri="{BB962C8B-B14F-4D97-AF65-F5344CB8AC3E}">
-        <p14:creationId xmlns:p14="http://schemas.microsoft.com/office/powerpoint/2010/main" val="2563306313"/>
+        <p14:creationId xmlns:p14="http://schemas.microsoft.com/office/powerpoint/2010/main" val="1533237504"/>
       </p:ext>
     </p:extLst>
   </p:cSld>
@@ -11274,6 +12382,146 @@
           <p:cNvPr id="2" name="Title 1">
             <a:extLst>
               <a:ext uri="{FF2B5EF4-FFF2-40B4-BE49-F238E27FC236}">
+                <a16:creationId xmlns:a16="http://schemas.microsoft.com/office/drawing/2014/main" id="{D4E4C047-701E-6045-A204-2E9F55292620}"/>
+              </a:ext>
+            </a:extLst>
+          </p:cNvPr>
+          <p:cNvSpPr>
+            <a:spLocks noGrp="1"/>
+          </p:cNvSpPr>
+          <p:nvPr>
+            <p:ph type="title"/>
+          </p:nvPr>
+        </p:nvSpPr>
+        <p:spPr/>
+        <p:txBody>
+          <a:bodyPr/>
+          <a:lstStyle/>
+          <a:p>
+            <a:r>
+              <a:rPr lang="en-US" dirty="0"/>
+              <a:t>Example Depth Question – Stakeholder Engagement Competency</a:t>
+            </a:r>
+          </a:p>
+        </p:txBody>
+      </p:sp>
+      <p:sp>
+        <p:nvSpPr>
+          <p:cNvPr id="3" name="Text Placeholder 2">
+            <a:extLst>
+              <a:ext uri="{FF2B5EF4-FFF2-40B4-BE49-F238E27FC236}">
+                <a16:creationId xmlns:a16="http://schemas.microsoft.com/office/drawing/2014/main" id="{D6A4DA58-3293-B044-90E9-FC07DFF20EF1}"/>
+              </a:ext>
+            </a:extLst>
+          </p:cNvPr>
+          <p:cNvSpPr>
+            <a:spLocks noGrp="1"/>
+          </p:cNvSpPr>
+          <p:nvPr>
+            <p:ph type="body" idx="1"/>
+          </p:nvPr>
+        </p:nvSpPr>
+        <p:spPr>
+          <a:xfrm>
+            <a:off x="1192143" y="1841500"/>
+            <a:ext cx="14956057" cy="7392802"/>
+          </a:xfrm>
+          <a:noFill/>
+          <a:ln>
+            <a:noFill/>
+          </a:ln>
+        </p:spPr>
+        <p:txBody>
+          <a:bodyPr spcFirstLastPara="1" wrap="square" lIns="0" tIns="0" rIns="0" bIns="0" anchor="t" anchorCtr="0">
+            <a:normAutofit fontScale="77500" lnSpcReduction="20000"/>
+          </a:bodyPr>
+          <a:lstStyle/>
+          <a:p>
+            <a:pPr marL="171467" indent="0">
+              <a:buNone/>
+            </a:pPr>
+            <a:r>
+              <a:rPr lang="en-US" b="1" dirty="0"/>
+              <a:t>Same question</a:t>
+            </a:r>
+            <a:r>
+              <a:rPr lang="en-US" dirty="0"/>
+              <a:t>: Imagine you will be attending a chief executive briefing along with a number of senior leaders from your organization. These senior leaders have more experience and tenure in the organization than you have. In addition, they hold a view that is in conflict with yours. You need the chief executive to adopt your view. How would you prepare for this meeting?</a:t>
+            </a:r>
+          </a:p>
+          <a:p>
+            <a:pPr marL="171467" indent="0">
+              <a:buNone/>
+            </a:pPr>
+            <a:r>
+              <a:rPr lang="en-US" b="1" dirty="0"/>
+              <a:t>Required follow-up questions:</a:t>
+            </a:r>
+          </a:p>
+          <a:p>
+            <a:pPr marL="171467" indent="0">
+              <a:buNone/>
+            </a:pPr>
+            <a:r>
+              <a:rPr lang="en-US" dirty="0"/>
+              <a:t>Imagine the meeting does not result in the outcome you had hoped for, what do you do next?</a:t>
+            </a:r>
+          </a:p>
+          <a:p>
+            <a:pPr marL="171467" indent="0">
+              <a:buNone/>
+            </a:pPr>
+            <a:r>
+              <a:rPr lang="en-US" dirty="0"/>
+              <a:t>Imagine the meeting did result in the outcome you hoped for, but the other senior leaders left the meeting with remaining concerns. Would you take any additional action with those stakeholders?</a:t>
+            </a:r>
+          </a:p>
+          <a:p>
+            <a:pPr marL="171467" indent="0">
+              <a:buNone/>
+            </a:pPr>
+            <a:r>
+              <a:rPr lang="en-US" dirty="0"/>
+              <a:t>Tell us about a time when you experienced a situation where you needed to convince a chief executive of something despite the other leaders who did not feel the same way. What was the outcome and what would you do differently next time?</a:t>
+            </a:r>
+          </a:p>
+        </p:txBody>
+      </p:sp>
+    </p:spTree>
+    <p:extLst>
+      <p:ext uri="{BB962C8B-B14F-4D97-AF65-F5344CB8AC3E}">
+        <p14:creationId xmlns:p14="http://schemas.microsoft.com/office/powerpoint/2010/main" val="2563306313"/>
+      </p:ext>
+    </p:extLst>
+  </p:cSld>
+  <p:clrMapOvr>
+    <a:masterClrMapping/>
+  </p:clrMapOvr>
+</p:sld>
+</file>
+
+<file path=ppt/slides/slide31.xml><?xml version="1.0" encoding="utf-8"?>
+<p:sld xmlns:a="http://schemas.openxmlformats.org/drawingml/2006/main" xmlns:r="http://schemas.openxmlformats.org/officeDocument/2006/relationships" xmlns:p="http://schemas.openxmlformats.org/presentationml/2006/main">
+  <p:cSld>
+    <p:spTree>
+      <p:nvGrpSpPr>
+        <p:cNvPr id="1" name=""/>
+        <p:cNvGrpSpPr/>
+        <p:nvPr/>
+      </p:nvGrpSpPr>
+      <p:grpSpPr>
+        <a:xfrm>
+          <a:off x="0" y="0"/>
+          <a:ext cx="0" cy="0"/>
+          <a:chOff x="0" y="0"/>
+          <a:chExt cx="0" cy="0"/>
+        </a:xfrm>
+      </p:grpSpPr>
+      <p:sp>
+        <p:nvSpPr>
+          <p:cNvPr id="2" name="Title 1">
+            <a:extLst>
+              <a:ext uri="{FF2B5EF4-FFF2-40B4-BE49-F238E27FC236}">
                 <a16:creationId xmlns:a16="http://schemas.microsoft.com/office/drawing/2014/main" id="{04F7FE27-D6E3-974B-BC2C-90D61B7FD244}"/>
               </a:ext>
             </a:extLst>
@@ -11374,7 +12622,7 @@
 </p:sld>
 </file>
 
-<file path=ppt/slides/slide31.xml><?xml version="1.0" encoding="utf-8"?>
+<file path=ppt/slides/slide32.xml><?xml version="1.0" encoding="utf-8"?>
 <p:sld xmlns:a="http://schemas.openxmlformats.org/drawingml/2006/main" xmlns:r="http://schemas.openxmlformats.org/officeDocument/2006/relationships" xmlns:p="http://schemas.openxmlformats.org/presentationml/2006/main">
   <p:cSld>
     <p:spTree>

--- a/toolkit/job-analysis/job-analysis-presentation.pptx
+++ b/toolkit/job-analysis/job-analysis-presentation.pptx
@@ -5,10 +5,10 @@
     <p:sldMasterId id="2147483666" r:id="rId1"/>
   </p:sldMasterIdLst>
   <p:notesMasterIdLst>
-    <p:notesMasterId r:id="rId34"/>
+    <p:notesMasterId r:id="rId38"/>
   </p:notesMasterIdLst>
   <p:handoutMasterIdLst>
-    <p:handoutMasterId r:id="rId35"/>
+    <p:handoutMasterId r:id="rId39"/>
   </p:handoutMasterIdLst>
   <p:sldIdLst>
     <p:sldId id="256" r:id="rId2"/>
@@ -18,79 +18,83 @@
     <p:sldId id="367" r:id="rId6"/>
     <p:sldId id="257" r:id="rId7"/>
     <p:sldId id="364" r:id="rId8"/>
-    <p:sldId id="323" r:id="rId9"/>
-    <p:sldId id="363" r:id="rId10"/>
-    <p:sldId id="365" r:id="rId11"/>
-    <p:sldId id="324" r:id="rId12"/>
-    <p:sldId id="327" r:id="rId13"/>
-    <p:sldId id="369" r:id="rId14"/>
-    <p:sldId id="348" r:id="rId15"/>
+    <p:sldId id="373" r:id="rId9"/>
+    <p:sldId id="323" r:id="rId10"/>
+    <p:sldId id="363" r:id="rId11"/>
+    <p:sldId id="365" r:id="rId12"/>
+    <p:sldId id="324" r:id="rId13"/>
+    <p:sldId id="327" r:id="rId14"/>
+    <p:sldId id="369" r:id="rId15"/>
     <p:sldId id="329" r:id="rId16"/>
-    <p:sldId id="331" r:id="rId17"/>
-    <p:sldId id="291" r:id="rId18"/>
-    <p:sldId id="349" r:id="rId19"/>
-    <p:sldId id="350" r:id="rId20"/>
-    <p:sldId id="353" r:id="rId21"/>
-    <p:sldId id="354" r:id="rId22"/>
-    <p:sldId id="356" r:id="rId23"/>
-    <p:sldId id="357" r:id="rId24"/>
-    <p:sldId id="358" r:id="rId25"/>
-    <p:sldId id="359" r:id="rId26"/>
-    <p:sldId id="370" r:id="rId27"/>
-    <p:sldId id="360" r:id="rId28"/>
-    <p:sldId id="361" r:id="rId29"/>
-    <p:sldId id="345" r:id="rId30"/>
-    <p:sldId id="355" r:id="rId31"/>
-    <p:sldId id="341" r:id="rId32"/>
-    <p:sldId id="362" r:id="rId33"/>
+    <p:sldId id="348" r:id="rId17"/>
+    <p:sldId id="371" r:id="rId18"/>
+    <p:sldId id="331" r:id="rId19"/>
+    <p:sldId id="291" r:id="rId20"/>
+    <p:sldId id="349" r:id="rId21"/>
+    <p:sldId id="350" r:id="rId22"/>
+    <p:sldId id="353" r:id="rId23"/>
+    <p:sldId id="372" r:id="rId24"/>
+    <p:sldId id="354" r:id="rId25"/>
+    <p:sldId id="374" r:id="rId26"/>
+    <p:sldId id="356" r:id="rId27"/>
+    <p:sldId id="357" r:id="rId28"/>
+    <p:sldId id="358" r:id="rId29"/>
+    <p:sldId id="375" r:id="rId30"/>
+    <p:sldId id="359" r:id="rId31"/>
+    <p:sldId id="345" r:id="rId32"/>
+    <p:sldId id="355" r:id="rId33"/>
+    <p:sldId id="341" r:id="rId34"/>
+    <p:sldId id="362" r:id="rId35"/>
+    <p:sldId id="360" r:id="rId36"/>
+    <p:sldId id="361" r:id="rId37"/>
   </p:sldIdLst>
   <p:sldSz cx="17340263" cy="9753600"/>
   <p:notesSz cx="6881813" cy="9296400"/>
   <p:embeddedFontLst>
     <p:embeddedFont>
       <p:font typeface="Avenir" panose="02000503020000020003" pitchFamily="2" charset="0"/>
-      <p:regular r:id="rId36"/>
-      <p:italic r:id="rId37"/>
+      <p:regular r:id="rId40"/>
+      <p:italic r:id="rId41"/>
     </p:embeddedFont>
     <p:embeddedFont>
       <p:font typeface="Cambria" panose="02040503050406030204" pitchFamily="18" charset="0"/>
-      <p:regular r:id="rId38"/>
-      <p:bold r:id="rId39"/>
-      <p:italic r:id="rId40"/>
-      <p:boldItalic r:id="rId41"/>
-    </p:embeddedFont>
-    <p:embeddedFont>
-      <p:font typeface="Merriweather" pitchFamily="2" charset="77"/>
       <p:regular r:id="rId42"/>
       <p:bold r:id="rId43"/>
       <p:italic r:id="rId44"/>
       <p:boldItalic r:id="rId45"/>
     </p:embeddedFont>
     <p:embeddedFont>
-      <p:font typeface="Merriweather Sans" pitchFamily="2" charset="77"/>
+      <p:font typeface="Merriweather" pitchFamily="2" charset="77"/>
       <p:regular r:id="rId46"/>
       <p:bold r:id="rId47"/>
       <p:italic r:id="rId48"/>
       <p:boldItalic r:id="rId49"/>
     </p:embeddedFont>
     <p:embeddedFont>
-      <p:font typeface="Rockwell" panose="02060603020205020403" pitchFamily="18" charset="77"/>
+      <p:font typeface="Merriweather Sans" pitchFamily="2" charset="77"/>
       <p:regular r:id="rId50"/>
       <p:bold r:id="rId51"/>
       <p:italic r:id="rId52"/>
       <p:boldItalic r:id="rId53"/>
     </p:embeddedFont>
     <p:embeddedFont>
-      <p:font typeface="Source Sans Pro" panose="020B0503030403020204" pitchFamily="34" charset="0"/>
+      <p:font typeface="Rockwell" panose="02060603020205020403" pitchFamily="18" charset="77"/>
       <p:regular r:id="rId54"/>
       <p:bold r:id="rId55"/>
       <p:italic r:id="rId56"/>
       <p:boldItalic r:id="rId57"/>
     </p:embeddedFont>
     <p:embeddedFont>
+      <p:font typeface="Source Sans Pro" panose="020B0503030403020204" pitchFamily="34" charset="0"/>
+      <p:regular r:id="rId58"/>
+      <p:bold r:id="rId59"/>
+      <p:italic r:id="rId60"/>
+      <p:boldItalic r:id="rId61"/>
+    </p:embeddedFont>
+    <p:embeddedFont>
       <p:font typeface="Source Sans Pro SemiBold" panose="020B0603030403020204" pitchFamily="34" charset="0"/>
-      <p:bold r:id="rId58"/>
-      <p:boldItalic r:id="rId59"/>
+      <p:bold r:id="rId62"/>
+      <p:boldItalic r:id="rId63"/>
     </p:embeddedFont>
   </p:embeddedFontLst>
   <p:defaultTextStyle>
@@ -450,7 +454,7 @@
           <a:p>
             <a:fld id="{5F1244B9-655E-9143-8F11-143B7EBD7CDE}" type="datetimeFigureOut">
               <a:rPr lang="en-US" smtClean="0"/>
-              <a:t>8/4/20</a:t>
+              <a:t>8/12/20</a:t>
             </a:fld>
             <a:endParaRPr lang="en-US"/>
           </a:p>
@@ -1233,11 +1237,11 @@
 </file>
 
 <file path=ppt/notesSlides/notesSlide10.xml><?xml version="1.0" encoding="utf-8"?>
-<p:notes xmlns:a="http://schemas.openxmlformats.org/drawingml/2006/main" xmlns:r="http://schemas.openxmlformats.org/officeDocument/2006/relationships" xmlns:p="http://schemas.openxmlformats.org/presentationml/2006/main">
+<p:notes xmlns:a="http://schemas.openxmlformats.org/drawingml/2006/main" xmlns:r="http://schemas.openxmlformats.org/officeDocument/2006/relationships" xmlns:p="http://schemas.openxmlformats.org/presentationml/2006/main" showMasterSp="0" showMasterPhAnim="0">
   <p:cSld>
     <p:spTree>
       <p:nvGrpSpPr>
-        <p:cNvPr id="1" name=""/>
+        <p:cNvPr id="1" name="Shape 161"/>
         <p:cNvGrpSpPr/>
         <p:nvPr/>
       </p:nvGrpSpPr>
@@ -1251,39 +1255,97 @@
       </p:grpSpPr>
       <p:sp>
         <p:nvSpPr>
-          <p:cNvPr id="2" name="Slide Image Placeholder 1"/>
+          <p:cNvPr id="162" name="Google Shape;162;g4e285569a2_1_0:notes"/>
           <p:cNvSpPr>
             <a:spLocks noGrp="1" noRot="1" noChangeAspect="1"/>
           </p:cNvSpPr>
           <p:nvPr>
-            <p:ph type="sldImg"/>
+            <p:ph type="sldImg" idx="2"/>
           </p:nvPr>
         </p:nvSpPr>
-        <p:spPr/>
+        <p:spPr>
+          <a:xfrm>
+            <a:off x="342900" y="696913"/>
+            <a:ext cx="6197600" cy="3486150"/>
+          </a:xfrm>
+          <a:custGeom>
+            <a:avLst/>
+            <a:gdLst/>
+            <a:ahLst/>
+            <a:cxnLst/>
+            <a:rect l="l" t="t" r="r" b="b"/>
+            <a:pathLst>
+              <a:path w="120000" h="120000" extrusionOk="0">
+                <a:moveTo>
+                  <a:pt x="0" y="0"/>
+                </a:moveTo>
+                <a:lnTo>
+                  <a:pt x="120000" y="0"/>
+                </a:lnTo>
+                <a:lnTo>
+                  <a:pt x="120000" y="120000"/>
+                </a:lnTo>
+                <a:lnTo>
+                  <a:pt x="0" y="120000"/>
+                </a:lnTo>
+                <a:close/>
+              </a:path>
+            </a:pathLst>
+          </a:custGeom>
+        </p:spPr>
       </p:sp>
       <p:sp>
         <p:nvSpPr>
-          <p:cNvPr id="3" name="Notes Placeholder 2"/>
-          <p:cNvSpPr>
+          <p:cNvPr id="163" name="Google Shape;163;g4e285569a2_1_0:notes"/>
+          <p:cNvSpPr txBox="1">
             <a:spLocks noGrp="1"/>
           </p:cNvSpPr>
           <p:nvPr>
             <p:ph type="body" idx="1"/>
           </p:nvPr>
         </p:nvSpPr>
-        <p:spPr/>
+        <p:spPr>
+          <a:xfrm>
+            <a:off x="917575" y="4415790"/>
+            <a:ext cx="5046600" cy="4183500"/>
+          </a:xfrm>
+          <a:prstGeom prst="rect">
+            <a:avLst/>
+          </a:prstGeom>
+        </p:spPr>
         <p:txBody>
-          <a:bodyPr/>
+          <a:bodyPr spcFirstLastPara="1" wrap="square" lIns="92425" tIns="46200" rIns="92425" bIns="46200" anchor="t" anchorCtr="0">
+            <a:noAutofit/>
+          </a:bodyPr>
           <a:lstStyle/>
           <a:p>
-            <a:endParaRPr lang="en-US" dirty="0"/>
+            <a:pPr marL="0" marR="0" lvl="0" indent="0" algn="l" defTabSz="914400" rtl="0" eaLnBrk="1" fontAlgn="auto" latinLnBrk="0" hangingPunct="1">
+              <a:lnSpc>
+                <a:spcPct val="100000"/>
+              </a:lnSpc>
+              <a:spcBef>
+                <a:spcPts val="0"/>
+              </a:spcBef>
+              <a:spcAft>
+                <a:spcPts val="0"/>
+              </a:spcAft>
+              <a:buClr>
+                <a:srgbClr val="000000"/>
+              </a:buClr>
+              <a:buSzPts val="1400"/>
+              <a:buFont typeface="Arial"/>
+              <a:buNone/>
+              <a:tabLst/>
+              <a:defRPr/>
+            </a:pPr>
+            <a:endParaRPr lang="en-US" sz="1600" dirty="0"/>
           </a:p>
         </p:txBody>
       </p:sp>
     </p:spTree>
     <p:extLst>
       <p:ext uri="{BB962C8B-B14F-4D97-AF65-F5344CB8AC3E}">
-        <p14:creationId xmlns:p14="http://schemas.microsoft.com/office/powerpoint/2010/main" val="627141534"/>
+        <p14:creationId xmlns:p14="http://schemas.microsoft.com/office/powerpoint/2010/main" val="3311435134"/>
       </p:ext>
     </p:extLst>
   </p:cSld>
@@ -1339,56 +1401,12 @@
           <a:p>
             <a:endParaRPr lang="en-US" dirty="0"/>
           </a:p>
-          <a:p>
-            <a:r>
-              <a:rPr lang="en-US" sz="2200" b="0" i="0" u="none" strike="noStrike" cap="none" dirty="0">
-                <a:solidFill>
-                  <a:srgbClr val="000000"/>
-                </a:solidFill>
-                <a:effectLst/>
-                <a:latin typeface="Merriweather Sans"/>
-                <a:ea typeface="Merriweather Sans"/>
-                <a:cs typeface="Merriweather Sans"/>
-                <a:sym typeface="Merriweather Sans"/>
-              </a:rPr>
-              <a:t>DO NOT require agency-specific certifications, technologies, etc. that aren’t common in the private sector. </a:t>
-            </a:r>
-          </a:p>
-          <a:p>
-            <a:endParaRPr lang="en-US" sz="2200" b="0" i="0" u="none" strike="noStrike" cap="none" dirty="0">
-              <a:solidFill>
-                <a:srgbClr val="000000"/>
-              </a:solidFill>
-              <a:effectLst/>
-              <a:latin typeface="Merriweather Sans"/>
-              <a:ea typeface="Merriweather Sans"/>
-              <a:cs typeface="Merriweather Sans"/>
-              <a:sym typeface="Merriweather Sans"/>
-            </a:endParaRPr>
-          </a:p>
-          <a:p>
-            <a:r>
-              <a:rPr lang="en-US" sz="2200" b="0" i="0" u="none" strike="noStrike" cap="none" dirty="0">
-                <a:solidFill>
-                  <a:srgbClr val="000000"/>
-                </a:solidFill>
-                <a:effectLst/>
-                <a:latin typeface="Merriweather Sans"/>
-                <a:sym typeface="Merriweather Sans"/>
-              </a:rPr>
-              <a:t>DO NOT require experience with government-only tech, this may exclude private sector applicants who could do the job well</a:t>
-            </a:r>
-            <a:endParaRPr lang="en-US" dirty="0"/>
-          </a:p>
-          <a:p>
-            <a:endParaRPr lang="en-US" dirty="0"/>
-          </a:p>
         </p:txBody>
       </p:sp>
     </p:spTree>
     <p:extLst>
       <p:ext uri="{BB962C8B-B14F-4D97-AF65-F5344CB8AC3E}">
-        <p14:creationId xmlns:p14="http://schemas.microsoft.com/office/powerpoint/2010/main" val="4230347775"/>
+        <p14:creationId xmlns:p14="http://schemas.microsoft.com/office/powerpoint/2010/main" val="627141534"/>
       </p:ext>
     </p:extLst>
   </p:cSld>
@@ -1442,14 +1460,50 @@
           <a:bodyPr/>
           <a:lstStyle/>
           <a:p>
-            <a:r>
-              <a:rPr lang="en-US" dirty="0"/>
-              <a:t>Note to facilitator:</a:t>
-            </a:r>
-            <a:r>
-              <a:rPr lang="en-US" baseline="0" dirty="0"/>
-              <a:t> To save time, divide the room in half and have half the participants do half the competencies per group. The levels should built upon each other. They should be as succinct as possible.</a:t>
-            </a:r>
+            <a:endParaRPr lang="en-US" dirty="0"/>
+          </a:p>
+          <a:p>
+            <a:r>
+              <a:rPr lang="en-US" sz="2200" b="0" i="0" u="none" strike="noStrike" cap="none" dirty="0">
+                <a:solidFill>
+                  <a:srgbClr val="000000"/>
+                </a:solidFill>
+                <a:effectLst/>
+                <a:latin typeface="Merriweather Sans"/>
+                <a:ea typeface="Merriweather Sans"/>
+                <a:cs typeface="Merriweather Sans"/>
+                <a:sym typeface="Merriweather Sans"/>
+              </a:rPr>
+              <a:t>DO NOT require agency-specific certifications, technologies, etc. that aren’t common in the private sector. </a:t>
+            </a:r>
+          </a:p>
+          <a:p>
+            <a:endParaRPr lang="en-US" sz="2200" b="0" i="0" u="none" strike="noStrike" cap="none" dirty="0">
+              <a:solidFill>
+                <a:srgbClr val="000000"/>
+              </a:solidFill>
+              <a:effectLst/>
+              <a:latin typeface="Merriweather Sans"/>
+              <a:ea typeface="Merriweather Sans"/>
+              <a:cs typeface="Merriweather Sans"/>
+              <a:sym typeface="Merriweather Sans"/>
+            </a:endParaRPr>
+          </a:p>
+          <a:p>
+            <a:r>
+              <a:rPr lang="en-US" sz="2200" b="0" i="0" u="none" strike="noStrike" cap="none" dirty="0">
+                <a:solidFill>
+                  <a:srgbClr val="000000"/>
+                </a:solidFill>
+                <a:effectLst/>
+                <a:latin typeface="Merriweather Sans"/>
+                <a:sym typeface="Merriweather Sans"/>
+              </a:rPr>
+              <a:t>DO NOT require experience with government-only tech, this may exclude private sector applicants who could do the job well</a:t>
+            </a:r>
+            <a:endParaRPr lang="en-US" dirty="0"/>
+          </a:p>
+          <a:p>
             <a:endParaRPr lang="en-US" dirty="0"/>
           </a:p>
         </p:txBody>
@@ -1457,7 +1511,7 @@
     </p:spTree>
     <p:extLst>
       <p:ext uri="{BB962C8B-B14F-4D97-AF65-F5344CB8AC3E}">
-        <p14:creationId xmlns:p14="http://schemas.microsoft.com/office/powerpoint/2010/main" val="3067309723"/>
+        <p14:creationId xmlns:p14="http://schemas.microsoft.com/office/powerpoint/2010/main" val="4230347775"/>
       </p:ext>
     </p:extLst>
   </p:cSld>
@@ -1559,6 +1613,185 @@
 </file>
 
 <file path=ppt/notesSlides/notesSlide14.xml><?xml version="1.0" encoding="utf-8"?>
+<p:notes xmlns:a="http://schemas.openxmlformats.org/drawingml/2006/main" xmlns:r="http://schemas.openxmlformats.org/officeDocument/2006/relationships" xmlns:p="http://schemas.openxmlformats.org/presentationml/2006/main">
+  <p:cSld>
+    <p:spTree>
+      <p:nvGrpSpPr>
+        <p:cNvPr id="1" name=""/>
+        <p:cNvGrpSpPr/>
+        <p:nvPr/>
+      </p:nvGrpSpPr>
+      <p:grpSpPr>
+        <a:xfrm>
+          <a:off x="0" y="0"/>
+          <a:ext cx="0" cy="0"/>
+          <a:chOff x="0" y="0"/>
+          <a:chExt cx="0" cy="0"/>
+        </a:xfrm>
+      </p:grpSpPr>
+      <p:sp>
+        <p:nvSpPr>
+          <p:cNvPr id="2" name="Slide Image Placeholder 1"/>
+          <p:cNvSpPr>
+            <a:spLocks noGrp="1" noRot="1" noChangeAspect="1"/>
+          </p:cNvSpPr>
+          <p:nvPr>
+            <p:ph type="sldImg"/>
+          </p:nvPr>
+        </p:nvSpPr>
+        <p:spPr/>
+      </p:sp>
+      <p:sp>
+        <p:nvSpPr>
+          <p:cNvPr id="3" name="Notes Placeholder 2"/>
+          <p:cNvSpPr>
+            <a:spLocks noGrp="1"/>
+          </p:cNvSpPr>
+          <p:nvPr>
+            <p:ph type="body" idx="1"/>
+          </p:nvPr>
+        </p:nvSpPr>
+        <p:spPr/>
+        <p:txBody>
+          <a:bodyPr/>
+          <a:lstStyle/>
+          <a:p>
+            <a:r>
+              <a:rPr lang="en-US" dirty="0"/>
+              <a:t>Note to facilitator:</a:t>
+            </a:r>
+            <a:r>
+              <a:rPr lang="en-US" baseline="0" dirty="0"/>
+              <a:t> To save time, divide the room in half and have half the participants do half the competencies per group. The levels should built upon each other. They should be as succinct as possible. </a:t>
+            </a:r>
+            <a:r>
+              <a:rPr lang="en-US" sz="2200" b="0" i="0" u="none" strike="noStrike" cap="none" dirty="0">
+                <a:solidFill>
+                  <a:srgbClr val="000000"/>
+                </a:solidFill>
+                <a:effectLst/>
+                <a:latin typeface="Merriweather Sans"/>
+                <a:ea typeface="Merriweather Sans"/>
+                <a:cs typeface="Merriweather Sans"/>
+                <a:sym typeface="Merriweather Sans"/>
+              </a:rPr>
+              <a:t>through iterations.</a:t>
+            </a:r>
+          </a:p>
+        </p:txBody>
+      </p:sp>
+    </p:spTree>
+    <p:extLst>
+      <p:ext uri="{BB962C8B-B14F-4D97-AF65-F5344CB8AC3E}">
+        <p14:creationId xmlns:p14="http://schemas.microsoft.com/office/powerpoint/2010/main" val="3067309723"/>
+      </p:ext>
+    </p:extLst>
+  </p:cSld>
+  <p:clrMapOvr>
+    <a:masterClrMapping/>
+  </p:clrMapOvr>
+</p:notes>
+</file>
+
+<file path=ppt/notesSlides/notesSlide15.xml><?xml version="1.0" encoding="utf-8"?>
+<p:notes xmlns:a="http://schemas.openxmlformats.org/drawingml/2006/main" xmlns:r="http://schemas.openxmlformats.org/officeDocument/2006/relationships" xmlns:p="http://schemas.openxmlformats.org/presentationml/2006/main">
+  <p:cSld>
+    <p:spTree>
+      <p:nvGrpSpPr>
+        <p:cNvPr id="1" name=""/>
+        <p:cNvGrpSpPr/>
+        <p:nvPr/>
+      </p:nvGrpSpPr>
+      <p:grpSpPr>
+        <a:xfrm>
+          <a:off x="0" y="0"/>
+          <a:ext cx="0" cy="0"/>
+          <a:chOff x="0" y="0"/>
+          <a:chExt cx="0" cy="0"/>
+        </a:xfrm>
+      </p:grpSpPr>
+      <p:sp>
+        <p:nvSpPr>
+          <p:cNvPr id="2" name="Slide Image Placeholder 1"/>
+          <p:cNvSpPr>
+            <a:spLocks noGrp="1" noRot="1" noChangeAspect="1"/>
+          </p:cNvSpPr>
+          <p:nvPr>
+            <p:ph type="sldImg"/>
+          </p:nvPr>
+        </p:nvSpPr>
+        <p:spPr/>
+      </p:sp>
+      <p:sp>
+        <p:nvSpPr>
+          <p:cNvPr id="3" name="Notes Placeholder 2"/>
+          <p:cNvSpPr>
+            <a:spLocks noGrp="1"/>
+          </p:cNvSpPr>
+          <p:nvPr>
+            <p:ph type="body" idx="1"/>
+          </p:nvPr>
+        </p:nvSpPr>
+        <p:spPr/>
+        <p:txBody>
+          <a:bodyPr/>
+          <a:lstStyle/>
+          <a:p>
+            <a:r>
+              <a:rPr lang="en-US" dirty="0"/>
+              <a:t>Note to facilitator:</a:t>
+            </a:r>
+            <a:r>
+              <a:rPr lang="en-US" baseline="0" dirty="0"/>
+              <a:t> To save time, divide the room in half and have half the participants do half the competencies per group. The levels should built upon each other. They should be as succinct as possible.</a:t>
+            </a:r>
+          </a:p>
+          <a:p>
+            <a:endParaRPr lang="en-US" baseline="0" dirty="0"/>
+          </a:p>
+          <a:p>
+            <a:endParaRPr lang="en-US" baseline="0" dirty="0"/>
+          </a:p>
+          <a:p>
+            <a:r>
+              <a:rPr lang="en-US" dirty="0"/>
+              <a:t>- Unfamiliar: Has no experience, or cannot articulate how, building alliances or managing communications with stakeholders is integral to project success. </a:t>
+            </a:r>
+          </a:p>
+          <a:p>
+            <a:r>
+              <a:rPr lang="en-US" dirty="0"/>
+              <a:t>• Familiar: Understands that strategic stakeholder alliances and communication is important, but cannot provide an example of these actions from their career. </a:t>
+            </a:r>
+          </a:p>
+          <a:p>
+            <a:r>
+              <a:rPr lang="en-US" dirty="0"/>
+              <a:t>• Experienced: Provides examples and demonstrates the ability to identify a key stakeholder and a strategy for effective engagement. </a:t>
+            </a:r>
+          </a:p>
+          <a:p>
+            <a:r>
+              <a:rPr lang="en-US" dirty="0"/>
+              <a:t>• Master: Provides examples and demonstrates the ability to manage multiple key stakeholders, including executives, with varying levels of influence during a project or across multiple projects.</a:t>
+            </a:r>
+          </a:p>
+        </p:txBody>
+      </p:sp>
+    </p:spTree>
+    <p:extLst>
+      <p:ext uri="{BB962C8B-B14F-4D97-AF65-F5344CB8AC3E}">
+        <p14:creationId xmlns:p14="http://schemas.microsoft.com/office/powerpoint/2010/main" val="3409298584"/>
+      </p:ext>
+    </p:extLst>
+  </p:cSld>
+  <p:clrMapOvr>
+    <a:masterClrMapping/>
+  </p:clrMapOvr>
+</p:notes>
+</file>
+
+<file path=ppt/notesSlides/notesSlide16.xml><?xml version="1.0" encoding="utf-8"?>
 <p:notes xmlns:a="http://schemas.openxmlformats.org/drawingml/2006/main" xmlns:r="http://schemas.openxmlformats.org/officeDocument/2006/relationships" xmlns:p="http://schemas.openxmlformats.org/presentationml/2006/main" showMasterSp="0" showMasterPhAnim="0">
   <p:cSld>
     <p:spTree>
@@ -1674,7 +1907,7 @@
 </p:notes>
 </file>
 
-<file path=ppt/notesSlides/notesSlide15.xml><?xml version="1.0" encoding="utf-8"?>
+<file path=ppt/notesSlides/notesSlide17.xml><?xml version="1.0" encoding="utf-8"?>
 <p:notes xmlns:a="http://schemas.openxmlformats.org/drawingml/2006/main" xmlns:r="http://schemas.openxmlformats.org/officeDocument/2006/relationships" xmlns:p="http://schemas.openxmlformats.org/presentationml/2006/main">
   <p:cSld>
     <p:spTree>
@@ -1735,7 +1968,7 @@
 </p:notes>
 </file>
 
-<file path=ppt/notesSlides/notesSlide16.xml><?xml version="1.0" encoding="utf-8"?>
+<file path=ppt/notesSlides/notesSlide18.xml><?xml version="1.0" encoding="utf-8"?>
 <p:notes xmlns:a="http://schemas.openxmlformats.org/drawingml/2006/main" xmlns:r="http://schemas.openxmlformats.org/officeDocument/2006/relationships" xmlns:p="http://schemas.openxmlformats.org/presentationml/2006/main" showMasterSp="0" showMasterPhAnim="0">
   <p:cSld>
     <p:spTree>
@@ -1856,7 +2089,252 @@
 </p:notes>
 </file>
 
-<file path=ppt/notesSlides/notesSlide17.xml><?xml version="1.0" encoding="utf-8"?>
+<file path=ppt/notesSlides/notesSlide19.xml><?xml version="1.0" encoding="utf-8"?>
+<p:notes xmlns:a="http://schemas.openxmlformats.org/drawingml/2006/main" xmlns:r="http://schemas.openxmlformats.org/officeDocument/2006/relationships" xmlns:p="http://schemas.openxmlformats.org/presentationml/2006/main" showMasterSp="0" showMasterPhAnim="0">
+  <p:cSld>
+    <p:spTree>
+      <p:nvGrpSpPr>
+        <p:cNvPr id="1" name="Shape 96"/>
+        <p:cNvGrpSpPr/>
+        <p:nvPr/>
+      </p:nvGrpSpPr>
+      <p:grpSpPr>
+        <a:xfrm>
+          <a:off x="0" y="0"/>
+          <a:ext cx="0" cy="0"/>
+          <a:chOff x="0" y="0"/>
+          <a:chExt cx="0" cy="0"/>
+        </a:xfrm>
+      </p:grpSpPr>
+      <p:sp>
+        <p:nvSpPr>
+          <p:cNvPr id="97" name="Google Shape;97;p7:notes"/>
+          <p:cNvSpPr>
+            <a:spLocks noGrp="1" noRot="1" noChangeAspect="1"/>
+          </p:cNvSpPr>
+          <p:nvPr>
+            <p:ph type="sldImg" idx="2"/>
+          </p:nvPr>
+        </p:nvSpPr>
+        <p:spPr>
+          <a:xfrm>
+            <a:off x="342900" y="696913"/>
+            <a:ext cx="6197600" cy="3486150"/>
+          </a:xfrm>
+          <a:custGeom>
+            <a:avLst/>
+            <a:gdLst/>
+            <a:ahLst/>
+            <a:cxnLst/>
+            <a:rect l="l" t="t" r="r" b="b"/>
+            <a:pathLst>
+              <a:path w="120000" h="120000" extrusionOk="0">
+                <a:moveTo>
+                  <a:pt x="0" y="0"/>
+                </a:moveTo>
+                <a:lnTo>
+                  <a:pt x="120000" y="0"/>
+                </a:lnTo>
+                <a:lnTo>
+                  <a:pt x="120000" y="120000"/>
+                </a:lnTo>
+                <a:lnTo>
+                  <a:pt x="0" y="120000"/>
+                </a:lnTo>
+                <a:close/>
+              </a:path>
+            </a:pathLst>
+          </a:custGeom>
+          <a:noFill/>
+          <a:ln>
+            <a:noFill/>
+          </a:ln>
+        </p:spPr>
+      </p:sp>
+      <p:sp>
+        <p:nvSpPr>
+          <p:cNvPr id="98" name="Google Shape;98;p7:notes"/>
+          <p:cNvSpPr txBox="1">
+            <a:spLocks noGrp="1"/>
+          </p:cNvSpPr>
+          <p:nvPr>
+            <p:ph type="body" idx="1"/>
+          </p:nvPr>
+        </p:nvSpPr>
+        <p:spPr>
+          <a:xfrm>
+            <a:off x="917575" y="4415790"/>
+            <a:ext cx="5046663" cy="4183380"/>
+          </a:xfrm>
+          <a:prstGeom prst="rect">
+            <a:avLst/>
+          </a:prstGeom>
+          <a:noFill/>
+          <a:ln>
+            <a:noFill/>
+          </a:ln>
+        </p:spPr>
+        <p:txBody>
+          <a:bodyPr spcFirstLastPara="1" wrap="square" lIns="92425" tIns="46200" rIns="92425" bIns="46200" anchor="t" anchorCtr="0">
+            <a:noAutofit/>
+          </a:bodyPr>
+          <a:lstStyle/>
+          <a:p>
+            <a:r>
+              <a:rPr lang="en-US" sz="2200" b="0" i="0" u="none" strike="noStrike" cap="none" dirty="0">
+                <a:solidFill>
+                  <a:srgbClr val="000000"/>
+                </a:solidFill>
+                <a:effectLst/>
+                <a:latin typeface="Merriweather Sans"/>
+                <a:ea typeface="Merriweather Sans"/>
+                <a:cs typeface="Merriweather Sans"/>
+                <a:sym typeface="Merriweather Sans"/>
+              </a:rPr>
+              <a:t>Thank you for joining us on Day 2! I want to take a couple of minutes to ground folks on where we are. Here’s the process we walked through yesterday for how the SMEQA process works. </a:t>
+            </a:r>
+          </a:p>
+          <a:p>
+            <a:endParaRPr lang="en-US" sz="2200" b="0" i="0" u="none" strike="noStrike" cap="none" dirty="0">
+              <a:solidFill>
+                <a:srgbClr val="000000"/>
+              </a:solidFill>
+              <a:effectLst/>
+              <a:latin typeface="Merriweather Sans"/>
+              <a:ea typeface="Merriweather Sans"/>
+              <a:cs typeface="Merriweather Sans"/>
+              <a:sym typeface="Merriweather Sans"/>
+            </a:endParaRPr>
+          </a:p>
+          <a:p>
+            <a:r>
+              <a:rPr lang="en-US" sz="2200" b="0" i="0" u="none" strike="noStrike" cap="none" dirty="0">
+                <a:solidFill>
+                  <a:srgbClr val="000000"/>
+                </a:solidFill>
+                <a:effectLst/>
+                <a:latin typeface="Merriweather Sans"/>
+                <a:ea typeface="Merriweather Sans"/>
+                <a:cs typeface="Merriweather Sans"/>
+                <a:sym typeface="Merriweather Sans"/>
+              </a:rPr>
+              <a:t>First, you develop the materials from the overall Job Analysis Workshop. Then the job announcement is posted and applicants apply. Once applicants apply, then SMEs will review applicants through resume review and assessments. The cert will be created only after this assessment, ensuring that only candidates who are qualified make it onto the hiring cert. </a:t>
+            </a:r>
+          </a:p>
+          <a:p>
+            <a:endParaRPr lang="en-US" sz="2200" b="0" i="0" u="none" strike="noStrike" cap="none" dirty="0">
+              <a:solidFill>
+                <a:srgbClr val="000000"/>
+              </a:solidFill>
+              <a:effectLst/>
+              <a:latin typeface="Merriweather Sans"/>
+              <a:ea typeface="Merriweather Sans"/>
+              <a:cs typeface="Merriweather Sans"/>
+              <a:sym typeface="Merriweather Sans"/>
+            </a:endParaRPr>
+          </a:p>
+          <a:p>
+            <a:r>
+              <a:rPr lang="en-US" sz="2200" b="0" i="0" u="none" strike="noStrike" cap="none" dirty="0">
+                <a:solidFill>
+                  <a:srgbClr val="000000"/>
+                </a:solidFill>
+                <a:effectLst/>
+                <a:latin typeface="Merriweather Sans"/>
+                <a:ea typeface="Merriweather Sans"/>
+                <a:cs typeface="Merriweather Sans"/>
+                <a:sym typeface="Merriweather Sans"/>
+              </a:rPr>
+              <a:t>Today, as you know, we are in the middle of completing the Job Analysis Workshop. Yesterday we wrote the competencies and proficiency levels. These will be used for everything we do today: seeing how they work with reviewing resumes and creating assessment materials. As a reminder, SMEs will be reviewing resumes and conducting the assessments. The materials you create are used by both HR and SMEs in the hiring process. [Open couple of minutes for questions]</a:t>
+            </a:r>
+            <a:endParaRPr lang="en-US" dirty="0"/>
+          </a:p>
+        </p:txBody>
+      </p:sp>
+    </p:spTree>
+    <p:extLst>
+      <p:ext uri="{BB962C8B-B14F-4D97-AF65-F5344CB8AC3E}">
+        <p14:creationId xmlns:p14="http://schemas.microsoft.com/office/powerpoint/2010/main" val="1117182257"/>
+      </p:ext>
+    </p:extLst>
+  </p:cSld>
+  <p:clrMapOvr>
+    <a:masterClrMapping/>
+  </p:clrMapOvr>
+</p:notes>
+</file>
+
+<file path=ppt/notesSlides/notesSlide2.xml><?xml version="1.0" encoding="utf-8"?>
+<p:notes xmlns:a="http://schemas.openxmlformats.org/drawingml/2006/main" xmlns:r="http://schemas.openxmlformats.org/officeDocument/2006/relationships" xmlns:p="http://schemas.openxmlformats.org/presentationml/2006/main">
+  <p:cSld>
+    <p:spTree>
+      <p:nvGrpSpPr>
+        <p:cNvPr id="1" name=""/>
+        <p:cNvGrpSpPr/>
+        <p:nvPr/>
+      </p:nvGrpSpPr>
+      <p:grpSpPr>
+        <a:xfrm>
+          <a:off x="0" y="0"/>
+          <a:ext cx="0" cy="0"/>
+          <a:chOff x="0" y="0"/>
+          <a:chExt cx="0" cy="0"/>
+        </a:xfrm>
+      </p:grpSpPr>
+      <p:sp>
+        <p:nvSpPr>
+          <p:cNvPr id="2" name="Slide Image Placeholder 1"/>
+          <p:cNvSpPr>
+            <a:spLocks noGrp="1" noRot="1" noChangeAspect="1"/>
+          </p:cNvSpPr>
+          <p:nvPr>
+            <p:ph type="sldImg"/>
+          </p:nvPr>
+        </p:nvSpPr>
+        <p:spPr/>
+      </p:sp>
+      <p:sp>
+        <p:nvSpPr>
+          <p:cNvPr id="3" name="Notes Placeholder 2"/>
+          <p:cNvSpPr>
+            <a:spLocks noGrp="1"/>
+          </p:cNvSpPr>
+          <p:nvPr>
+            <p:ph type="body" idx="1"/>
+          </p:nvPr>
+        </p:nvSpPr>
+        <p:spPr/>
+        <p:txBody>
+          <a:bodyPr/>
+          <a:lstStyle/>
+          <a:p>
+            <a:r>
+              <a:rPr lang="en-US" dirty="0"/>
+              <a:t>Don’t share the competencies until the team has already come up with their competencies</a:t>
+            </a:r>
+          </a:p>
+          <a:p>
+            <a:r>
+              <a:rPr lang="en-US" dirty="0"/>
+              <a:t>If the workshop is remote, you will need different tools</a:t>
+            </a:r>
+          </a:p>
+        </p:txBody>
+      </p:sp>
+    </p:spTree>
+    <p:extLst>
+      <p:ext uri="{BB962C8B-B14F-4D97-AF65-F5344CB8AC3E}">
+        <p14:creationId xmlns:p14="http://schemas.microsoft.com/office/powerpoint/2010/main" val="501840269"/>
+      </p:ext>
+    </p:extLst>
+  </p:cSld>
+  <p:clrMapOvr>
+    <a:masterClrMapping/>
+  </p:clrMapOvr>
+</p:notes>
+</file>
+
+<file path=ppt/notesSlides/notesSlide20.xml><?xml version="1.0" encoding="utf-8"?>
 <p:notes xmlns:a="http://schemas.openxmlformats.org/drawingml/2006/main" xmlns:r="http://schemas.openxmlformats.org/officeDocument/2006/relationships" xmlns:p="http://schemas.openxmlformats.org/presentationml/2006/main" showMasterSp="0" showMasterPhAnim="0">
   <p:cSld>
     <p:spTree>
@@ -1977,7 +2455,7 @@
 </p:notes>
 </file>
 
-<file path=ppt/notesSlides/notesSlide18.xml><?xml version="1.0" encoding="utf-8"?>
+<file path=ppt/notesSlides/notesSlide21.xml><?xml version="1.0" encoding="utf-8"?>
 <p:notes xmlns:a="http://schemas.openxmlformats.org/drawingml/2006/main" xmlns:r="http://schemas.openxmlformats.org/officeDocument/2006/relationships" xmlns:p="http://schemas.openxmlformats.org/presentationml/2006/main">
   <p:cSld>
     <p:spTree>
@@ -2023,7 +2501,7 @@
           <a:p>
             <a:r>
               <a:rPr lang="en-US" dirty="0"/>
-              <a:t>Use 4-5 sample resumes you prepared ahead of time</a:t>
+              <a:t>Skip if this isn’t prepared! </a:t>
             </a:r>
           </a:p>
           <a:p>
@@ -2032,34 +2510,7 @@
           <a:p>
             <a:r>
               <a:rPr lang="en-US" dirty="0"/>
-              <a:t>Take 1 hour to try to use competencies to do resume review</a:t>
-            </a:r>
-          </a:p>
-          <a:p>
-            <a:endParaRPr lang="en-US" dirty="0"/>
-          </a:p>
-          <a:p>
-            <a:r>
-              <a:rPr lang="en-US" dirty="0"/>
-              <a:t>It’s OK to decide not all competencies are required to appear in a resume, but this must be decided ahead of time in the assessment strategy</a:t>
-            </a:r>
-          </a:p>
-          <a:p>
-            <a:endParaRPr lang="en-US" dirty="0"/>
-          </a:p>
-          <a:p>
-            <a:r>
-              <a:rPr lang="en-US" dirty="0"/>
-              <a:t>Figure out how many pages of job experience is sufficient to make a determination</a:t>
-            </a:r>
-          </a:p>
-          <a:p>
-            <a:endParaRPr lang="en-US" dirty="0"/>
-          </a:p>
-          <a:p>
-            <a:r>
-              <a:rPr lang="en-US" dirty="0"/>
-              <a:t>Play close attention to the discussion about proficiency level required for each competency – this will be needed in a later step</a:t>
+              <a:t>SMEs should verify job tasks and summary section.</a:t>
             </a:r>
           </a:p>
         </p:txBody>
@@ -2067,7 +2518,7 @@
     </p:spTree>
     <p:extLst>
       <p:ext uri="{BB962C8B-B14F-4D97-AF65-F5344CB8AC3E}">
-        <p14:creationId xmlns:p14="http://schemas.microsoft.com/office/powerpoint/2010/main" val="3624751010"/>
+        <p14:creationId xmlns:p14="http://schemas.microsoft.com/office/powerpoint/2010/main" val="160981160"/>
       </p:ext>
     </p:extLst>
   </p:cSld>
@@ -2077,7 +2528,7 @@
 </p:notes>
 </file>
 
-<file path=ppt/notesSlides/notesSlide19.xml><?xml version="1.0" encoding="utf-8"?>
+<file path=ppt/notesSlides/notesSlide22.xml><?xml version="1.0" encoding="utf-8"?>
 <p:notes xmlns:a="http://schemas.openxmlformats.org/drawingml/2006/main" xmlns:r="http://schemas.openxmlformats.org/officeDocument/2006/relationships" xmlns:p="http://schemas.openxmlformats.org/presentationml/2006/main">
   <p:cSld>
     <p:spTree>
@@ -2121,6 +2572,202 @@
           <a:bodyPr/>
           <a:lstStyle/>
           <a:p>
+            <a:pPr marL="457200" marR="0" lvl="0" indent="-228600" algn="l" defTabSz="914400" rtl="0" eaLnBrk="1" fontAlgn="auto" latinLnBrk="0" hangingPunct="1">
+              <a:lnSpc>
+                <a:spcPct val="100000"/>
+              </a:lnSpc>
+              <a:spcBef>
+                <a:spcPts val="0"/>
+              </a:spcBef>
+              <a:spcAft>
+                <a:spcPts val="0"/>
+              </a:spcAft>
+              <a:buClr>
+                <a:srgbClr val="000000"/>
+              </a:buClr>
+              <a:buSzPts val="1400"/>
+              <a:buFont typeface="Arial"/>
+              <a:buNone/>
+              <a:tabLst/>
+              <a:defRPr/>
+            </a:pPr>
+            <a:r>
+              <a:rPr lang="en-US" b="0" i="0" dirty="0">
+                <a:solidFill>
+                  <a:srgbClr val="1B1B1B"/>
+                </a:solidFill>
+                <a:effectLst/>
+                <a:latin typeface="Source Sans Pro Web"/>
+              </a:rPr>
+              <a:t>The group will check its work to date</a:t>
+            </a:r>
+          </a:p>
+          <a:p>
+            <a:pPr marL="457200" marR="0" lvl="0" indent="-228600" algn="l" defTabSz="914400" rtl="0" eaLnBrk="1" fontAlgn="auto" latinLnBrk="0" hangingPunct="1">
+              <a:lnSpc>
+                <a:spcPct val="100000"/>
+              </a:lnSpc>
+              <a:spcBef>
+                <a:spcPts val="0"/>
+              </a:spcBef>
+              <a:spcAft>
+                <a:spcPts val="0"/>
+              </a:spcAft>
+              <a:buClr>
+                <a:srgbClr val="000000"/>
+              </a:buClr>
+              <a:buSzPts val="1400"/>
+              <a:buFont typeface="Arial"/>
+              <a:buNone/>
+              <a:tabLst/>
+              <a:defRPr/>
+            </a:pPr>
+            <a:r>
+              <a:rPr lang="en-US" dirty="0"/>
+              <a:t>Use 4-5 sample resumes you prepared ahead of time, but timebox to 1 hour and expect to only get through 2-3 resumes.</a:t>
+            </a:r>
+          </a:p>
+          <a:p>
+            <a:pPr marL="457200" marR="0" lvl="0" indent="-228600" algn="l" defTabSz="914400" rtl="0" eaLnBrk="1" fontAlgn="auto" latinLnBrk="0" hangingPunct="1">
+              <a:lnSpc>
+                <a:spcPct val="100000"/>
+              </a:lnSpc>
+              <a:spcBef>
+                <a:spcPts val="0"/>
+              </a:spcBef>
+              <a:spcAft>
+                <a:spcPts val="0"/>
+              </a:spcAft>
+              <a:buClr>
+                <a:srgbClr val="000000"/>
+              </a:buClr>
+              <a:buSzPts val="1400"/>
+              <a:buFont typeface="Arial"/>
+              <a:buNone/>
+              <a:tabLst/>
+              <a:defRPr/>
+            </a:pPr>
+            <a:endParaRPr lang="en-US" b="0" i="0" dirty="0">
+              <a:solidFill>
+                <a:srgbClr val="1B1B1B"/>
+              </a:solidFill>
+              <a:effectLst/>
+              <a:latin typeface="Source Sans Pro Web"/>
+            </a:endParaRPr>
+          </a:p>
+          <a:p>
+            <a:r>
+              <a:rPr lang="en-US" sz="2200" b="0" i="0" u="none" strike="noStrike" cap="none" dirty="0">
+                <a:solidFill>
+                  <a:srgbClr val="000000"/>
+                </a:solidFill>
+                <a:effectLst/>
+                <a:latin typeface="Merriweather Sans"/>
+                <a:ea typeface="Merriweather Sans"/>
+                <a:cs typeface="Merriweather Sans"/>
+                <a:sym typeface="Merriweather Sans"/>
+              </a:rPr>
+              <a:t>Goals: </a:t>
+            </a:r>
+          </a:p>
+          <a:p>
+            <a:pPr marL="685800" indent="-457200">
+              <a:buAutoNum type="arabicParenR"/>
+            </a:pPr>
+            <a:r>
+              <a:rPr lang="en-US" sz="2200" b="0" i="0" u="none" strike="noStrike" cap="none" dirty="0">
+                <a:solidFill>
+                  <a:srgbClr val="000000"/>
+                </a:solidFill>
+                <a:effectLst/>
+                <a:latin typeface="Merriweather Sans"/>
+                <a:ea typeface="Merriweather Sans"/>
+                <a:cs typeface="Merriweather Sans"/>
+                <a:sym typeface="Merriweather Sans"/>
+              </a:rPr>
+              <a:t>Give SMEs 10 minutes to look at the first resume and then have them write down if they think it's a pass or fail against the required proficiencies and why. </a:t>
+            </a:r>
+          </a:p>
+          <a:p>
+            <a:pPr marL="685800" indent="-457200">
+              <a:buAutoNum type="arabicParenR"/>
+            </a:pPr>
+            <a:r>
+              <a:rPr lang="en-US" sz="2200" b="0" i="0" u="none" strike="noStrike" cap="none" dirty="0">
+                <a:solidFill>
+                  <a:srgbClr val="000000"/>
+                </a:solidFill>
+                <a:effectLst/>
+                <a:latin typeface="Merriweather Sans"/>
+                <a:ea typeface="Merriweather Sans"/>
+                <a:cs typeface="Merriweather Sans"/>
+                <a:sym typeface="Merriweather Sans"/>
+              </a:rPr>
+              <a:t>Give them 5 minutes to discuss the differences, </a:t>
+            </a:r>
+          </a:p>
+          <a:p>
+            <a:pPr marL="685800" indent="-457200">
+              <a:buAutoNum type="arabicParenR"/>
+            </a:pPr>
+            <a:r>
+              <a:rPr lang="en-US" sz="2200" b="0" i="0" u="none" strike="noStrike" cap="none" dirty="0">
+                <a:solidFill>
+                  <a:srgbClr val="000000"/>
+                </a:solidFill>
+                <a:effectLst/>
+                <a:latin typeface="Merriweather Sans"/>
+                <a:ea typeface="Merriweather Sans"/>
+                <a:cs typeface="Merriweather Sans"/>
+                <a:sym typeface="Merriweather Sans"/>
+              </a:rPr>
+              <a:t>Ask them if they want to change the proficiency level or tweak the wording of the levels based on this practice. </a:t>
+            </a:r>
+          </a:p>
+          <a:p>
+            <a:pPr marL="685800" indent="-457200">
+              <a:buAutoNum type="arabicParenR"/>
+            </a:pPr>
+            <a:r>
+              <a:rPr lang="en-US" sz="2200" b="0" i="0" u="none" strike="noStrike" cap="none" dirty="0">
+                <a:solidFill>
+                  <a:srgbClr val="000000"/>
+                </a:solidFill>
+                <a:effectLst/>
+                <a:latin typeface="Merriweather Sans"/>
+                <a:ea typeface="Merriweather Sans"/>
+                <a:cs typeface="Merriweather Sans"/>
+                <a:sym typeface="Merriweather Sans"/>
+              </a:rPr>
+              <a:t>Repeat for all required proficiencies</a:t>
+            </a:r>
+          </a:p>
+          <a:p>
+            <a:endParaRPr lang="en-US" sz="2200" b="0" i="0" u="none" strike="noStrike" cap="none" dirty="0">
+              <a:solidFill>
+                <a:srgbClr val="000000"/>
+              </a:solidFill>
+              <a:effectLst/>
+              <a:latin typeface="Merriweather Sans"/>
+              <a:ea typeface="Merriweather Sans"/>
+              <a:cs typeface="Merriweather Sans"/>
+              <a:sym typeface="Merriweather Sans"/>
+            </a:endParaRPr>
+          </a:p>
+          <a:p>
+            <a:r>
+              <a:rPr lang="en-US" sz="2200" b="0" i="0" u="none" strike="noStrike" cap="none" dirty="0">
+                <a:solidFill>
+                  <a:srgbClr val="000000"/>
+                </a:solidFill>
+                <a:effectLst/>
+                <a:latin typeface="Merriweather Sans"/>
+                <a:ea typeface="Merriweather Sans"/>
+                <a:cs typeface="Merriweather Sans"/>
+                <a:sym typeface="Merriweather Sans"/>
+              </a:rPr>
+              <a:t>This goal is not to calibrate SMEs (though this will help with calibration) but to refine the competencies and proficiency levels.</a:t>
+            </a:r>
             <a:endParaRPr lang="en-US" dirty="0"/>
           </a:p>
         </p:txBody>
@@ -2128,7 +2775,7 @@
     </p:spTree>
     <p:extLst>
       <p:ext uri="{BB962C8B-B14F-4D97-AF65-F5344CB8AC3E}">
-        <p14:creationId xmlns:p14="http://schemas.microsoft.com/office/powerpoint/2010/main" val="18592764"/>
+        <p14:creationId xmlns:p14="http://schemas.microsoft.com/office/powerpoint/2010/main" val="3624751010"/>
       </p:ext>
     </p:extLst>
   </p:cSld>
@@ -2138,7 +2785,7 @@
 </p:notes>
 </file>
 
-<file path=ppt/notesSlides/notesSlide2.xml><?xml version="1.0" encoding="utf-8"?>
+<file path=ppt/notesSlides/notesSlide23.xml><?xml version="1.0" encoding="utf-8"?>
 <p:notes xmlns:a="http://schemas.openxmlformats.org/drawingml/2006/main" xmlns:r="http://schemas.openxmlformats.org/officeDocument/2006/relationships" xmlns:p="http://schemas.openxmlformats.org/presentationml/2006/main">
   <p:cSld>
     <p:spTree>
@@ -2182,17 +2829,85 @@
           <a:bodyPr/>
           <a:lstStyle/>
           <a:p>
-            <a:r>
-              <a:rPr lang="en-US" dirty="0"/>
-              <a:t>Don’t share the competencies until the team has already come up with their competencies</a:t>
-            </a:r>
+            <a:pPr marL="457200" marR="0" lvl="0" indent="-228600" algn="l" defTabSz="914400" rtl="0" eaLnBrk="1" fontAlgn="auto" latinLnBrk="0" hangingPunct="1">
+              <a:lnSpc>
+                <a:spcPct val="100000"/>
+              </a:lnSpc>
+              <a:spcBef>
+                <a:spcPts val="0"/>
+              </a:spcBef>
+              <a:spcAft>
+                <a:spcPts val="0"/>
+              </a:spcAft>
+              <a:buClr>
+                <a:srgbClr val="000000"/>
+              </a:buClr>
+              <a:buSzPts val="1400"/>
+              <a:buFont typeface="Arial"/>
+              <a:buNone/>
+              <a:tabLst/>
+              <a:defRPr/>
+            </a:pPr>
+            <a:r>
+              <a:rPr lang="en-US" dirty="0"/>
+              <a:t>Recency requirements are only allowed for job series where standards change frequently (such as IT).</a:t>
+            </a:r>
+          </a:p>
+          <a:p>
+            <a:endParaRPr lang="en-US" dirty="0"/>
+          </a:p>
+          <a:p>
+            <a:pPr marL="457200" marR="0" lvl="0" indent="-228600" algn="l" defTabSz="914400" rtl="0" eaLnBrk="1" fontAlgn="auto" latinLnBrk="0" hangingPunct="1">
+              <a:lnSpc>
+                <a:spcPct val="100000"/>
+              </a:lnSpc>
+              <a:spcBef>
+                <a:spcPts val="0"/>
+              </a:spcBef>
+              <a:spcAft>
+                <a:spcPts val="0"/>
+              </a:spcAft>
+              <a:buClr>
+                <a:srgbClr val="000000"/>
+              </a:buClr>
+              <a:buSzPts val="1400"/>
+              <a:buFont typeface="Arial"/>
+              <a:buNone/>
+              <a:tabLst/>
+              <a:defRPr/>
+            </a:pPr>
+            <a:r>
+              <a:rPr lang="en-US" dirty="0"/>
+              <a:t>Figure out how many pages of job experience is sufficient to make a determination</a:t>
+            </a:r>
+          </a:p>
+          <a:p>
+            <a:endParaRPr lang="en-US" dirty="0"/>
+          </a:p>
+          <a:p>
+            <a:r>
+              <a:rPr lang="en-US" dirty="0"/>
+              <a:t>It’s OK to decide not all competencies are required to appear in a resume, but this must be decided ahead of time in the assessment strategy</a:t>
+            </a:r>
+          </a:p>
+          <a:p>
+            <a:endParaRPr lang="en-US" dirty="0"/>
+          </a:p>
+          <a:p>
+            <a:r>
+              <a:rPr lang="en-US" dirty="0"/>
+              <a:t>Requiring a work sample or portfolio helps to ensure that applicants are responsive to the job announcement. You may only request a work sample or portfolio at the time of application if applicants can be reasonably expected to already have one relevant to this role.</a:t>
+            </a:r>
+          </a:p>
+          <a:p>
+            <a:endParaRPr lang="en-US" dirty="0"/>
           </a:p>
         </p:txBody>
       </p:sp>
     </p:spTree>
     <p:extLst>
       <p:ext uri="{BB962C8B-B14F-4D97-AF65-F5344CB8AC3E}">
-        <p14:creationId xmlns:p14="http://schemas.microsoft.com/office/powerpoint/2010/main" val="501840269"/>
+        <p14:creationId xmlns:p14="http://schemas.microsoft.com/office/powerpoint/2010/main" val="18592764"/>
       </p:ext>
     </p:extLst>
   </p:cSld>
@@ -2202,7 +2917,7 @@
 </p:notes>
 </file>
 
-<file path=ppt/notesSlides/notesSlide20.xml><?xml version="1.0" encoding="utf-8"?>
+<file path=ppt/notesSlides/notesSlide24.xml><?xml version="1.0" encoding="utf-8"?>
 <p:notes xmlns:a="http://schemas.openxmlformats.org/drawingml/2006/main" xmlns:r="http://schemas.openxmlformats.org/officeDocument/2006/relationships" xmlns:p="http://schemas.openxmlformats.org/presentationml/2006/main">
   <p:cSld>
     <p:spTree>
@@ -2367,6 +3082,31 @@
           <a:p>
             <a:endParaRPr lang="en-US" dirty="0"/>
           </a:p>
+          <a:p>
+            <a:pPr marL="457200" marR="0" lvl="0" indent="-228600" algn="l" defTabSz="914400" rtl="0" eaLnBrk="1" fontAlgn="auto" latinLnBrk="0" hangingPunct="1">
+              <a:lnSpc>
+                <a:spcPct val="100000"/>
+              </a:lnSpc>
+              <a:spcBef>
+                <a:spcPts val="0"/>
+              </a:spcBef>
+              <a:spcAft>
+                <a:spcPts val="0"/>
+              </a:spcAft>
+              <a:buClr>
+                <a:srgbClr val="000000"/>
+              </a:buClr>
+              <a:buSzPts val="1400"/>
+              <a:buFont typeface="Arial"/>
+              <a:buNone/>
+              <a:tabLst/>
+              <a:defRPr/>
+            </a:pPr>
+            <a:r>
+              <a:rPr lang="en-US" dirty="0"/>
+              <a:t>If you want to ask applicants to complete an assessment before resume review, you must ask applicants in the occupational questionnaire if they think they have the specialized experience.</a:t>
+            </a:r>
+          </a:p>
         </p:txBody>
       </p:sp>
     </p:spTree>
@@ -2382,7 +3122,255 @@
 </p:notes>
 </file>
 
-<file path=ppt/notesSlides/notesSlide21.xml><?xml version="1.0" encoding="utf-8"?>
+<file path=ppt/notesSlides/notesSlide25.xml><?xml version="1.0" encoding="utf-8"?>
+<p:notes xmlns:a="http://schemas.openxmlformats.org/drawingml/2006/main" xmlns:r="http://schemas.openxmlformats.org/officeDocument/2006/relationships" xmlns:p="http://schemas.openxmlformats.org/presentationml/2006/main">
+  <p:cSld>
+    <p:spTree>
+      <p:nvGrpSpPr>
+        <p:cNvPr id="1" name=""/>
+        <p:cNvGrpSpPr/>
+        <p:nvPr/>
+      </p:nvGrpSpPr>
+      <p:grpSpPr>
+        <a:xfrm>
+          <a:off x="0" y="0"/>
+          <a:ext cx="0" cy="0"/>
+          <a:chOff x="0" y="0"/>
+          <a:chExt cx="0" cy="0"/>
+        </a:xfrm>
+      </p:grpSpPr>
+      <p:sp>
+        <p:nvSpPr>
+          <p:cNvPr id="2" name="Slide Image Placeholder 1"/>
+          <p:cNvSpPr>
+            <a:spLocks noGrp="1" noRot="1" noChangeAspect="1"/>
+          </p:cNvSpPr>
+          <p:nvPr>
+            <p:ph type="sldImg"/>
+          </p:nvPr>
+        </p:nvSpPr>
+        <p:spPr/>
+      </p:sp>
+      <p:sp>
+        <p:nvSpPr>
+          <p:cNvPr id="3" name="Notes Placeholder 2"/>
+          <p:cNvSpPr>
+            <a:spLocks noGrp="1"/>
+          </p:cNvSpPr>
+          <p:nvPr>
+            <p:ph type="body" idx="1"/>
+          </p:nvPr>
+        </p:nvSpPr>
+        <p:spPr/>
+        <p:txBody>
+          <a:bodyPr/>
+          <a:lstStyle/>
+          <a:p>
+            <a:pPr lvl="0"/>
+            <a:r>
+              <a:rPr lang="en-US" sz="2200" b="0" i="0" u="none" strike="noStrike" cap="none" dirty="0">
+                <a:solidFill>
+                  <a:srgbClr val="000000"/>
+                </a:solidFill>
+                <a:effectLst/>
+                <a:latin typeface="Merriweather Sans"/>
+                <a:ea typeface="Merriweather Sans"/>
+                <a:cs typeface="Merriweather Sans"/>
+                <a:sym typeface="Merriweather Sans"/>
+              </a:rPr>
+              <a:t>Trying to discover applicant’s ability to apply their experience in a new situation</a:t>
+            </a:r>
+          </a:p>
+          <a:p>
+            <a:pPr lvl="0"/>
+            <a:r>
+              <a:rPr lang="en-US" sz="2200" b="0" i="0" u="none" strike="noStrike" cap="none" dirty="0">
+                <a:solidFill>
+                  <a:srgbClr val="000000"/>
+                </a:solidFill>
+                <a:effectLst/>
+                <a:latin typeface="Merriweather Sans"/>
+                <a:ea typeface="Merriweather Sans"/>
+                <a:cs typeface="Merriweather Sans"/>
+                <a:sym typeface="Merriweather Sans"/>
+              </a:rPr>
+              <a:t>“and can you give an example of when you did this in the past”</a:t>
+            </a:r>
+          </a:p>
+          <a:p>
+            <a:pPr lvl="0"/>
+            <a:endParaRPr lang="en-US" sz="2200" b="0" i="0" u="none" strike="noStrike" cap="none" dirty="0">
+              <a:solidFill>
+                <a:srgbClr val="000000"/>
+              </a:solidFill>
+              <a:effectLst/>
+              <a:latin typeface="Merriweather Sans"/>
+              <a:ea typeface="Merriweather Sans"/>
+              <a:cs typeface="Merriweather Sans"/>
+              <a:sym typeface="Merriweather Sans"/>
+            </a:endParaRPr>
+          </a:p>
+          <a:p>
+            <a:pPr lvl="0"/>
+            <a:r>
+              <a:rPr lang="en-US" sz="2200" b="0" i="0" u="none" strike="noStrike" cap="none" dirty="0">
+                <a:solidFill>
+                  <a:srgbClr val="000000"/>
+                </a:solidFill>
+                <a:effectLst/>
+                <a:latin typeface="Merriweather Sans"/>
+                <a:ea typeface="Merriweather Sans"/>
+                <a:cs typeface="Merriweather Sans"/>
+                <a:sym typeface="Merriweather Sans"/>
+              </a:rPr>
+              <a:t>Be intentional about the kinds of questions there can be</a:t>
+            </a:r>
+          </a:p>
+          <a:p>
+            <a:pPr lvl="0"/>
+            <a:endParaRPr lang="en-US" sz="2200" b="0" i="0" u="none" strike="noStrike" cap="none" dirty="0">
+              <a:solidFill>
+                <a:srgbClr val="000000"/>
+              </a:solidFill>
+              <a:effectLst/>
+              <a:latin typeface="Merriweather Sans"/>
+              <a:ea typeface="Merriweather Sans"/>
+              <a:cs typeface="Merriweather Sans"/>
+              <a:sym typeface="Merriweather Sans"/>
+            </a:endParaRPr>
+          </a:p>
+          <a:p>
+            <a:pPr lvl="0"/>
+            <a:r>
+              <a:rPr lang="en-US" sz="2200" b="0" i="0" u="none" strike="noStrike" cap="none" dirty="0">
+                <a:solidFill>
+                  <a:srgbClr val="000000"/>
+                </a:solidFill>
+                <a:effectLst/>
+                <a:latin typeface="Merriweather Sans"/>
+                <a:ea typeface="Merriweather Sans"/>
+                <a:cs typeface="Merriweather Sans"/>
+                <a:sym typeface="Merriweather Sans"/>
+              </a:rPr>
+              <a:t>Wording of the hypothetical questions is very tricky – it can be confusing to the applicants, difficult to “set the scene” so it makes sense for them</a:t>
+            </a:r>
+          </a:p>
+          <a:p>
+            <a:pPr lvl="0"/>
+            <a:endParaRPr lang="en-US" sz="2200" b="0" i="0" u="none" strike="noStrike" cap="none" dirty="0">
+              <a:solidFill>
+                <a:srgbClr val="000000"/>
+              </a:solidFill>
+              <a:effectLst/>
+              <a:latin typeface="Merriweather Sans"/>
+              <a:ea typeface="Merriweather Sans"/>
+              <a:cs typeface="Merriweather Sans"/>
+              <a:sym typeface="Merriweather Sans"/>
+            </a:endParaRPr>
+          </a:p>
+          <a:p>
+            <a:pPr lvl="0"/>
+            <a:r>
+              <a:rPr lang="en-US" sz="2200" b="0" i="0" u="none" strike="noStrike" cap="none" dirty="0">
+                <a:solidFill>
+                  <a:srgbClr val="000000"/>
+                </a:solidFill>
+                <a:effectLst/>
+                <a:latin typeface="Merriweather Sans"/>
+                <a:ea typeface="Merriweather Sans"/>
+                <a:cs typeface="Merriweather Sans"/>
+                <a:sym typeface="Merriweather Sans"/>
+              </a:rPr>
+              <a:t>Strike the balance between the two question types</a:t>
+            </a:r>
+          </a:p>
+          <a:p>
+            <a:endParaRPr lang="en-US" dirty="0"/>
+          </a:p>
+        </p:txBody>
+      </p:sp>
+    </p:spTree>
+    <p:extLst>
+      <p:ext uri="{BB962C8B-B14F-4D97-AF65-F5344CB8AC3E}">
+        <p14:creationId xmlns:p14="http://schemas.microsoft.com/office/powerpoint/2010/main" val="4234696993"/>
+      </p:ext>
+    </p:extLst>
+  </p:cSld>
+  <p:clrMapOvr>
+    <a:masterClrMapping/>
+  </p:clrMapOvr>
+</p:notes>
+</file>
+
+<file path=ppt/notesSlides/notesSlide26.xml><?xml version="1.0" encoding="utf-8"?>
+<p:notes xmlns:a="http://schemas.openxmlformats.org/drawingml/2006/main" xmlns:r="http://schemas.openxmlformats.org/officeDocument/2006/relationships" xmlns:p="http://schemas.openxmlformats.org/presentationml/2006/main">
+  <p:cSld>
+    <p:spTree>
+      <p:nvGrpSpPr>
+        <p:cNvPr id="1" name=""/>
+        <p:cNvGrpSpPr/>
+        <p:nvPr/>
+      </p:nvGrpSpPr>
+      <p:grpSpPr>
+        <a:xfrm>
+          <a:off x="0" y="0"/>
+          <a:ext cx="0" cy="0"/>
+          <a:chOff x="0" y="0"/>
+          <a:chExt cx="0" cy="0"/>
+        </a:xfrm>
+      </p:grpSpPr>
+      <p:sp>
+        <p:nvSpPr>
+          <p:cNvPr id="2" name="Slide Image Placeholder 1"/>
+          <p:cNvSpPr>
+            <a:spLocks noGrp="1" noRot="1" noChangeAspect="1"/>
+          </p:cNvSpPr>
+          <p:nvPr>
+            <p:ph type="sldImg"/>
+          </p:nvPr>
+        </p:nvSpPr>
+        <p:spPr/>
+      </p:sp>
+      <p:sp>
+        <p:nvSpPr>
+          <p:cNvPr id="3" name="Notes Placeholder 2"/>
+          <p:cNvSpPr>
+            <a:spLocks noGrp="1"/>
+          </p:cNvSpPr>
+          <p:nvPr>
+            <p:ph type="body" idx="1"/>
+          </p:nvPr>
+        </p:nvSpPr>
+        <p:spPr/>
+        <p:txBody>
+          <a:bodyPr/>
+          <a:lstStyle/>
+          <a:p>
+            <a:r>
+              <a:rPr lang="en-US" dirty="0"/>
+              <a:t>Use this slide to explain how two structured interviews can be different (allowing applicants to be failed between </a:t>
+            </a:r>
+            <a:r>
+              <a:rPr lang="en-US"/>
+              <a:t>the interviews).</a:t>
+            </a:r>
+          </a:p>
+        </p:txBody>
+      </p:sp>
+    </p:spTree>
+    <p:extLst>
+      <p:ext uri="{BB962C8B-B14F-4D97-AF65-F5344CB8AC3E}">
+        <p14:creationId xmlns:p14="http://schemas.microsoft.com/office/powerpoint/2010/main" val="2589789180"/>
+      </p:ext>
+    </p:extLst>
+  </p:cSld>
+  <p:clrMapOvr>
+    <a:masterClrMapping/>
+  </p:clrMapOvr>
+</p:notes>
+</file>
+
+<file path=ppt/notesSlides/notesSlide27.xml><?xml version="1.0" encoding="utf-8"?>
 <p:notes xmlns:a="http://schemas.openxmlformats.org/drawingml/2006/main" xmlns:r="http://schemas.openxmlformats.org/officeDocument/2006/relationships" xmlns:p="http://schemas.openxmlformats.org/presentationml/2006/main" showMasterSp="0" showMasterPhAnim="0">
   <p:cSld>
     <p:spTree>
@@ -2494,6 +3482,70 @@
     <p:extLst>
       <p:ext uri="{BB962C8B-B14F-4D97-AF65-F5344CB8AC3E}">
         <p14:creationId xmlns:p14="http://schemas.microsoft.com/office/powerpoint/2010/main" val="1352616743"/>
+      </p:ext>
+    </p:extLst>
+  </p:cSld>
+  <p:clrMapOvr>
+    <a:masterClrMapping/>
+  </p:clrMapOvr>
+</p:notes>
+</file>
+
+<file path=ppt/notesSlides/notesSlide28.xml><?xml version="1.0" encoding="utf-8"?>
+<p:notes xmlns:a="http://schemas.openxmlformats.org/drawingml/2006/main" xmlns:r="http://schemas.openxmlformats.org/officeDocument/2006/relationships" xmlns:p="http://schemas.openxmlformats.org/presentationml/2006/main">
+  <p:cSld>
+    <p:spTree>
+      <p:nvGrpSpPr>
+        <p:cNvPr id="1" name=""/>
+        <p:cNvGrpSpPr/>
+        <p:nvPr/>
+      </p:nvGrpSpPr>
+      <p:grpSpPr>
+        <a:xfrm>
+          <a:off x="0" y="0"/>
+          <a:ext cx="0" cy="0"/>
+          <a:chOff x="0" y="0"/>
+          <a:chExt cx="0" cy="0"/>
+        </a:xfrm>
+      </p:grpSpPr>
+      <p:sp>
+        <p:nvSpPr>
+          <p:cNvPr id="2" name="Slide Image Placeholder 1"/>
+          <p:cNvSpPr>
+            <a:spLocks noGrp="1" noRot="1" noChangeAspect="1"/>
+          </p:cNvSpPr>
+          <p:nvPr>
+            <p:ph type="sldImg"/>
+          </p:nvPr>
+        </p:nvSpPr>
+        <p:spPr/>
+      </p:sp>
+      <p:sp>
+        <p:nvSpPr>
+          <p:cNvPr id="3" name="Notes Placeholder 2"/>
+          <p:cNvSpPr>
+            <a:spLocks noGrp="1"/>
+          </p:cNvSpPr>
+          <p:nvPr>
+            <p:ph type="body" idx="1"/>
+          </p:nvPr>
+        </p:nvSpPr>
+        <p:spPr/>
+        <p:txBody>
+          <a:bodyPr/>
+          <a:lstStyle/>
+          <a:p>
+            <a:r>
+              <a:rPr lang="en-US" dirty="0"/>
+              <a:t>Only for technical job analysis</a:t>
+            </a:r>
+          </a:p>
+        </p:txBody>
+      </p:sp>
+    </p:spTree>
+    <p:extLst>
+      <p:ext uri="{BB962C8B-B14F-4D97-AF65-F5344CB8AC3E}">
+        <p14:creationId xmlns:p14="http://schemas.microsoft.com/office/powerpoint/2010/main" val="709305878"/>
       </p:ext>
     </p:extLst>
   </p:cSld>
@@ -3869,86 +4921,6 @@
 </file>
 
 <file path=ppt/notesSlides/notesSlide7.xml><?xml version="1.0" encoding="utf-8"?>
-<p:notes xmlns:a="http://schemas.openxmlformats.org/drawingml/2006/main" xmlns:r="http://schemas.openxmlformats.org/officeDocument/2006/relationships" xmlns:p="http://schemas.openxmlformats.org/presentationml/2006/main">
-  <p:cSld>
-    <p:spTree>
-      <p:nvGrpSpPr>
-        <p:cNvPr id="1" name=""/>
-        <p:cNvGrpSpPr/>
-        <p:nvPr/>
-      </p:nvGrpSpPr>
-      <p:grpSpPr>
-        <a:xfrm>
-          <a:off x="0" y="0"/>
-          <a:ext cx="0" cy="0"/>
-          <a:chOff x="0" y="0"/>
-          <a:chExt cx="0" cy="0"/>
-        </a:xfrm>
-      </p:grpSpPr>
-      <p:sp>
-        <p:nvSpPr>
-          <p:cNvPr id="2" name="Slide Image Placeholder 1"/>
-          <p:cNvSpPr>
-            <a:spLocks noGrp="1" noRot="1" noChangeAspect="1"/>
-          </p:cNvSpPr>
-          <p:nvPr>
-            <p:ph type="sldImg"/>
-          </p:nvPr>
-        </p:nvSpPr>
-        <p:spPr/>
-      </p:sp>
-      <p:sp>
-        <p:nvSpPr>
-          <p:cNvPr id="3" name="Notes Placeholder 2"/>
-          <p:cNvSpPr>
-            <a:spLocks noGrp="1"/>
-          </p:cNvSpPr>
-          <p:nvPr>
-            <p:ph type="body" idx="1"/>
-          </p:nvPr>
-        </p:nvSpPr>
-        <p:spPr/>
-        <p:txBody>
-          <a:bodyPr/>
-          <a:lstStyle/>
-          <a:p>
-            <a:pPr marL="0" marR="0" lvl="0" indent="0" algn="l" defTabSz="914400" rtl="0" eaLnBrk="1" fontAlgn="auto" latinLnBrk="0" hangingPunct="1">
-              <a:lnSpc>
-                <a:spcPct val="100000"/>
-              </a:lnSpc>
-              <a:spcBef>
-                <a:spcPts val="0"/>
-              </a:spcBef>
-              <a:spcAft>
-                <a:spcPts val="0"/>
-              </a:spcAft>
-              <a:buClr>
-                <a:srgbClr val="000000"/>
-              </a:buClr>
-              <a:buSzPts val="1400"/>
-              <a:buFont typeface="Arial"/>
-              <a:buNone/>
-              <a:tabLst/>
-              <a:defRPr/>
-            </a:pPr>
-            <a:endParaRPr lang="en-US" dirty="0"/>
-          </a:p>
-        </p:txBody>
-      </p:sp>
-    </p:spTree>
-    <p:extLst>
-      <p:ext uri="{BB962C8B-B14F-4D97-AF65-F5344CB8AC3E}">
-        <p14:creationId xmlns:p14="http://schemas.microsoft.com/office/powerpoint/2010/main" val="2967028958"/>
-      </p:ext>
-    </p:extLst>
-  </p:cSld>
-  <p:clrMapOvr>
-    <a:masterClrMapping/>
-  </p:clrMapOvr>
-</p:notes>
-</file>
-
-<file path=ppt/notesSlides/notesSlide8.xml><?xml version="1.0" encoding="utf-8"?>
 <p:notes xmlns:a="http://schemas.openxmlformats.org/drawingml/2006/main" xmlns:r="http://schemas.openxmlformats.org/officeDocument/2006/relationships" xmlns:p="http://schemas.openxmlformats.org/presentationml/2006/main" showMasterSp="0" showMasterPhAnim="0">
   <p:cSld>
     <p:spTree>
@@ -4060,13 +5032,67 @@
             </a:r>
             <a:r>
               <a:rPr lang="en-US" sz="1600" dirty="0"/>
-              <a:t>After</a:t>
-            </a:r>
-            <a:r>
-              <a:rPr lang="en-US" sz="1600" baseline="0" dirty="0"/>
-              <a:t> 10 minutes, if some folks are done, invite them to start coming up to put their tasks down while reading them aloud. If any are multiple tasks in one note, the leader should ask them to break it up into two different notes. If something is not really a task beginning with a verb, it should also be sent back.</a:t>
-            </a:r>
-          </a:p>
+              <a:t>Participants should take about 15 minutes to write down daily job tasks for the role.</a:t>
+            </a:r>
+          </a:p>
+        </p:txBody>
+      </p:sp>
+    </p:spTree>
+    <p:extLst>
+      <p:ext uri="{BB962C8B-B14F-4D97-AF65-F5344CB8AC3E}">
+        <p14:creationId xmlns:p14="http://schemas.microsoft.com/office/powerpoint/2010/main" val="2535405142"/>
+      </p:ext>
+    </p:extLst>
+  </p:cSld>
+  <p:clrMapOvr>
+    <a:masterClrMapping/>
+  </p:clrMapOvr>
+</p:notes>
+</file>
+
+<file path=ppt/notesSlides/notesSlide8.xml><?xml version="1.0" encoding="utf-8"?>
+<p:notes xmlns:a="http://schemas.openxmlformats.org/drawingml/2006/main" xmlns:r="http://schemas.openxmlformats.org/officeDocument/2006/relationships" xmlns:p="http://schemas.openxmlformats.org/presentationml/2006/main">
+  <p:cSld>
+    <p:spTree>
+      <p:nvGrpSpPr>
+        <p:cNvPr id="1" name=""/>
+        <p:cNvGrpSpPr/>
+        <p:nvPr/>
+      </p:nvGrpSpPr>
+      <p:grpSpPr>
+        <a:xfrm>
+          <a:off x="0" y="0"/>
+          <a:ext cx="0" cy="0"/>
+          <a:chOff x="0" y="0"/>
+          <a:chExt cx="0" cy="0"/>
+        </a:xfrm>
+      </p:grpSpPr>
+      <p:sp>
+        <p:nvSpPr>
+          <p:cNvPr id="2" name="Slide Image Placeholder 1"/>
+          <p:cNvSpPr>
+            <a:spLocks noGrp="1" noRot="1" noChangeAspect="1"/>
+          </p:cNvSpPr>
+          <p:nvPr>
+            <p:ph type="sldImg"/>
+          </p:nvPr>
+        </p:nvSpPr>
+        <p:spPr/>
+      </p:sp>
+      <p:sp>
+        <p:nvSpPr>
+          <p:cNvPr id="3" name="Notes Placeholder 2"/>
+          <p:cNvSpPr>
+            <a:spLocks noGrp="1"/>
+          </p:cNvSpPr>
+          <p:nvPr>
+            <p:ph type="body" idx="1"/>
+          </p:nvPr>
+        </p:nvSpPr>
+        <p:spPr/>
+        <p:txBody>
+          <a:bodyPr/>
+          <a:lstStyle/>
           <a:p>
             <a:pPr marL="0" marR="0" lvl="0" indent="0" algn="l" defTabSz="914400" rtl="0" eaLnBrk="1" fontAlgn="auto" latinLnBrk="0" hangingPunct="1">
               <a:lnSpc>
@@ -4087,112 +5113,14 @@
               <a:tabLst/>
               <a:defRPr/>
             </a:pPr>
-            <a:r>
-              <a:rPr lang="en-US" sz="1600" baseline="0" dirty="0"/>
-              <a:t>As people come up to read and add their notes, if they’re similar to another note, they should put them close together.</a:t>
-            </a:r>
-          </a:p>
-          <a:p>
-            <a:pPr marL="0" marR="0" lvl="0" indent="0" algn="l" defTabSz="914400" rtl="0" eaLnBrk="1" fontAlgn="auto" latinLnBrk="0" hangingPunct="1">
-              <a:lnSpc>
-                <a:spcPct val="100000"/>
-              </a:lnSpc>
-              <a:spcBef>
-                <a:spcPts val="0"/>
-              </a:spcBef>
-              <a:spcAft>
-                <a:spcPts val="0"/>
-              </a:spcAft>
-              <a:buClr>
-                <a:srgbClr val="000000"/>
-              </a:buClr>
-              <a:buSzPts val="1400"/>
-              <a:buFont typeface="Arial"/>
-              <a:buNone/>
-              <a:tabLst/>
-              <a:defRPr/>
-            </a:pPr>
-            <a:r>
-              <a:rPr lang="en-US" sz="1600" baseline="0" dirty="0"/>
-              <a:t>Then the whole group should come up and make sure all common tasks are bunched up together. </a:t>
-            </a:r>
-          </a:p>
-          <a:p>
-            <a:pPr marL="0" marR="0" lvl="0" indent="0" algn="l" defTabSz="914400" rtl="0" eaLnBrk="1" fontAlgn="auto" latinLnBrk="0" hangingPunct="1">
-              <a:lnSpc>
-                <a:spcPct val="100000"/>
-              </a:lnSpc>
-              <a:spcBef>
-                <a:spcPts val="0"/>
-              </a:spcBef>
-              <a:spcAft>
-                <a:spcPts val="0"/>
-              </a:spcAft>
-              <a:buClr>
-                <a:srgbClr val="000000"/>
-              </a:buClr>
-              <a:buSzPts val="1400"/>
-              <a:buFont typeface="Arial"/>
-              <a:buNone/>
-              <a:tabLst/>
-              <a:defRPr/>
-            </a:pPr>
-            <a:r>
-              <a:rPr lang="en-US" sz="1600" dirty="0"/>
-              <a:t> Then the group can create a competency name that they think is covered</a:t>
-            </a:r>
-            <a:r>
-              <a:rPr lang="en-US" sz="1600" baseline="0" dirty="0"/>
-              <a:t> by each common group of tasks. </a:t>
-            </a:r>
-            <a:endParaRPr lang="en-US" sz="1600" dirty="0"/>
-          </a:p>
-          <a:p>
-            <a:pPr marL="0" lvl="0" indent="0" algn="l" rtl="0">
-              <a:spcBef>
-                <a:spcPts val="0"/>
-              </a:spcBef>
-              <a:spcAft>
-                <a:spcPts val="0"/>
-              </a:spcAft>
-              <a:buNone/>
-            </a:pPr>
-            <a:endParaRPr lang="en-US" sz="1600" dirty="0"/>
-          </a:p>
-          <a:p>
-            <a:pPr marL="0" lvl="0" indent="0" algn="l" rtl="0">
-              <a:spcBef>
-                <a:spcPts val="0"/>
-              </a:spcBef>
-              <a:spcAft>
-                <a:spcPts val="0"/>
-              </a:spcAft>
-              <a:buNone/>
-            </a:pPr>
-            <a:r>
-              <a:rPr lang="en-US" sz="1600" dirty="0"/>
-              <a:t>Ask</a:t>
-            </a:r>
-            <a:r>
-              <a:rPr lang="en-US" sz="1600" baseline="0" dirty="0"/>
-              <a:t> the SMEs if there are any EQ related competencies they think are required that are not represented by the groupings. Also ask them if there is enough technical competencies represented versus only soft competencies (leadership, collaboration, analysis, </a:t>
-            </a:r>
-            <a:r>
-              <a:rPr lang="en-US" sz="1600" baseline="0" dirty="0" err="1"/>
-              <a:t>etc</a:t>
-            </a:r>
-            <a:r>
-              <a:rPr lang="en-US" sz="1600" baseline="0" dirty="0"/>
-              <a:t>).  </a:t>
-            </a:r>
-            <a:endParaRPr lang="en-US" sz="1600" dirty="0"/>
+            <a:endParaRPr lang="en-US" dirty="0"/>
           </a:p>
         </p:txBody>
       </p:sp>
     </p:spTree>
     <p:extLst>
       <p:ext uri="{BB962C8B-B14F-4D97-AF65-F5344CB8AC3E}">
-        <p14:creationId xmlns:p14="http://schemas.microsoft.com/office/powerpoint/2010/main" val="340954401"/>
+        <p14:creationId xmlns:p14="http://schemas.microsoft.com/office/powerpoint/2010/main" val="2967028958"/>
       </p:ext>
     </p:extLst>
   </p:cSld>
@@ -4304,6 +5232,141 @@
               <a:tabLst/>
               <a:defRPr/>
             </a:pPr>
+            <a:r>
+              <a:rPr lang="en-US" sz="1600" dirty="0"/>
+              <a:t>Notes for instructor:</a:t>
+            </a:r>
+            <a:r>
+              <a:rPr lang="en-US" sz="1600" baseline="0" dirty="0"/>
+              <a:t> </a:t>
+            </a:r>
+            <a:r>
+              <a:rPr lang="en-US" sz="1600" dirty="0"/>
+              <a:t>After</a:t>
+            </a:r>
+            <a:r>
+              <a:rPr lang="en-US" sz="1600" baseline="0" dirty="0"/>
+              <a:t> 10 minutes, if some folks are done, invite them to start coming up to put their tasks down while reading them aloud. If any are multiple tasks in one note, the leader should ask them to break it up into two different notes. If something is not really a task beginning with a verb, it should also be sent back.</a:t>
+            </a:r>
+          </a:p>
+          <a:p>
+            <a:pPr marL="0" marR="0" lvl="0" indent="0" algn="l" defTabSz="914400" rtl="0" eaLnBrk="1" fontAlgn="auto" latinLnBrk="0" hangingPunct="1">
+              <a:lnSpc>
+                <a:spcPct val="100000"/>
+              </a:lnSpc>
+              <a:spcBef>
+                <a:spcPts val="0"/>
+              </a:spcBef>
+              <a:spcAft>
+                <a:spcPts val="0"/>
+              </a:spcAft>
+              <a:buClr>
+                <a:srgbClr val="000000"/>
+              </a:buClr>
+              <a:buSzPts val="1400"/>
+              <a:buFont typeface="Arial"/>
+              <a:buNone/>
+              <a:tabLst/>
+              <a:defRPr/>
+            </a:pPr>
+            <a:r>
+              <a:rPr lang="en-US" sz="1600" baseline="0" dirty="0"/>
+              <a:t>As people come up to read and add their notes, if they’re similar to another note, they should put them close together.</a:t>
+            </a:r>
+          </a:p>
+          <a:p>
+            <a:pPr marL="0" marR="0" lvl="0" indent="0" algn="l" defTabSz="914400" rtl="0" eaLnBrk="1" fontAlgn="auto" latinLnBrk="0" hangingPunct="1">
+              <a:lnSpc>
+                <a:spcPct val="100000"/>
+              </a:lnSpc>
+              <a:spcBef>
+                <a:spcPts val="0"/>
+              </a:spcBef>
+              <a:spcAft>
+                <a:spcPts val="0"/>
+              </a:spcAft>
+              <a:buClr>
+                <a:srgbClr val="000000"/>
+              </a:buClr>
+              <a:buSzPts val="1400"/>
+              <a:buFont typeface="Arial"/>
+              <a:buNone/>
+              <a:tabLst/>
+              <a:defRPr/>
+            </a:pPr>
+            <a:r>
+              <a:rPr lang="en-US" sz="1600" baseline="0" dirty="0"/>
+              <a:t>Then the whole group should come up and make sure all common tasks are bunched up together. </a:t>
+            </a:r>
+          </a:p>
+          <a:p>
+            <a:pPr marL="0" marR="0" lvl="0" indent="0" algn="l" defTabSz="914400" rtl="0" eaLnBrk="1" fontAlgn="auto" latinLnBrk="0" hangingPunct="1">
+              <a:lnSpc>
+                <a:spcPct val="100000"/>
+              </a:lnSpc>
+              <a:spcBef>
+                <a:spcPts val="0"/>
+              </a:spcBef>
+              <a:spcAft>
+                <a:spcPts val="0"/>
+              </a:spcAft>
+              <a:buClr>
+                <a:srgbClr val="000000"/>
+              </a:buClr>
+              <a:buSzPts val="1400"/>
+              <a:buFont typeface="Arial"/>
+              <a:buNone/>
+              <a:tabLst/>
+              <a:defRPr/>
+            </a:pPr>
+            <a:r>
+              <a:rPr lang="en-US" sz="1600" dirty="0"/>
+              <a:t> Then the group can create a competency name that they think is covered</a:t>
+            </a:r>
+            <a:r>
+              <a:rPr lang="en-US" sz="1600" baseline="0" dirty="0"/>
+              <a:t> by each common group of tasks. </a:t>
+            </a:r>
+            <a:endParaRPr lang="en-US" sz="1600" dirty="0"/>
+          </a:p>
+          <a:p>
+            <a:pPr marL="0" lvl="0" indent="0" algn="l" rtl="0">
+              <a:spcBef>
+                <a:spcPts val="0"/>
+              </a:spcBef>
+              <a:spcAft>
+                <a:spcPts val="0"/>
+              </a:spcAft>
+              <a:buNone/>
+            </a:pPr>
+            <a:endParaRPr lang="en-US" sz="1600" dirty="0"/>
+          </a:p>
+          <a:p>
+            <a:pPr marL="0" lvl="0" indent="0" algn="l" rtl="0">
+              <a:spcBef>
+                <a:spcPts val="0"/>
+              </a:spcBef>
+              <a:spcAft>
+                <a:spcPts val="0"/>
+              </a:spcAft>
+              <a:buNone/>
+            </a:pPr>
+            <a:r>
+              <a:rPr lang="en-US" sz="1600" dirty="0"/>
+              <a:t>Ask</a:t>
+            </a:r>
+            <a:r>
+              <a:rPr lang="en-US" sz="1600" baseline="0" dirty="0"/>
+              <a:t> the SMEs if there are any EQ related competencies they think are required that are not represented by the groupings. Also ask them if there is enough technical competencies represented versus only soft competencies (leadership, collaboration, analysis, </a:t>
+            </a:r>
+            <a:r>
+              <a:rPr lang="en-US" sz="1600" baseline="0" dirty="0" err="1"/>
+              <a:t>etc</a:t>
+            </a:r>
+            <a:r>
+              <a:rPr lang="en-US" sz="1600" baseline="0" dirty="0"/>
+              <a:t>).  </a:t>
+            </a:r>
             <a:endParaRPr lang="en-US" sz="1600" dirty="0"/>
           </a:p>
         </p:txBody>
@@ -4311,7 +5374,7 @@
     </p:spTree>
     <p:extLst>
       <p:ext uri="{BB962C8B-B14F-4D97-AF65-F5344CB8AC3E}">
-        <p14:creationId xmlns:p14="http://schemas.microsoft.com/office/powerpoint/2010/main" val="3311435134"/>
+        <p14:creationId xmlns:p14="http://schemas.microsoft.com/office/powerpoint/2010/main" val="340954401"/>
       </p:ext>
     </p:extLst>
   </p:cSld>
@@ -7707,7 +8770,7 @@
               <a:rPr lang="en-US" dirty="0">
                 <a:sym typeface="Cambria"/>
               </a:rPr>
-              <a:t>Job Analysis Day 1</a:t>
+              <a:t>Job Analysis</a:t>
             </a:r>
             <a:endParaRPr lang="en-US" dirty="0"/>
           </a:p>
@@ -7747,6 +8810,112 @@
 </file>
 
 <file path=ppt/slides/slide10.xml><?xml version="1.0" encoding="utf-8"?>
+<p:sld xmlns:a="http://schemas.openxmlformats.org/drawingml/2006/main" xmlns:r="http://schemas.openxmlformats.org/officeDocument/2006/relationships" xmlns:p="http://schemas.openxmlformats.org/presentationml/2006/main">
+  <p:cSld>
+    <p:spTree>
+      <p:nvGrpSpPr>
+        <p:cNvPr id="1" name="Shape 164"/>
+        <p:cNvGrpSpPr/>
+        <p:nvPr/>
+      </p:nvGrpSpPr>
+      <p:grpSpPr>
+        <a:xfrm>
+          <a:off x="0" y="0"/>
+          <a:ext cx="0" cy="0"/>
+          <a:chOff x="0" y="0"/>
+          <a:chExt cx="0" cy="0"/>
+        </a:xfrm>
+      </p:grpSpPr>
+      <p:sp>
+        <p:nvSpPr>
+          <p:cNvPr id="165" name="Google Shape;165;p33"/>
+          <p:cNvSpPr txBox="1">
+            <a:spLocks noGrp="1"/>
+          </p:cNvSpPr>
+          <p:nvPr>
+            <p:ph type="title"/>
+          </p:nvPr>
+        </p:nvSpPr>
+        <p:spPr/>
+        <p:txBody>
+          <a:bodyPr/>
+          <a:lstStyle/>
+          <a:p>
+            <a:pPr lvl="0"/>
+            <a:r>
+              <a:rPr lang="en-US" dirty="0"/>
+              <a:t>Collection and Grouping Exercise</a:t>
+            </a:r>
+          </a:p>
+        </p:txBody>
+      </p:sp>
+      <p:sp>
+        <p:nvSpPr>
+          <p:cNvPr id="166" name="Google Shape;166;p33"/>
+          <p:cNvSpPr txBox="1">
+            <a:spLocks noGrp="1"/>
+          </p:cNvSpPr>
+          <p:nvPr>
+            <p:ph type="body" idx="1"/>
+          </p:nvPr>
+        </p:nvSpPr>
+        <p:spPr/>
+        <p:txBody>
+          <a:bodyPr>
+            <a:normAutofit/>
+          </a:bodyPr>
+          <a:lstStyle/>
+          <a:p>
+            <a:r>
+              <a:rPr lang="en-US" dirty="0"/>
+              <a:t>We’ll go through the tasks we created and group similar tasks together.</a:t>
+            </a:r>
+          </a:p>
+          <a:p>
+            <a:r>
+              <a:rPr lang="en-US" dirty="0"/>
+              <a:t>As we group similar tasks, we’ll give each grouping a title.</a:t>
+            </a:r>
+          </a:p>
+          <a:p>
+            <a:r>
+              <a:rPr lang="en-US" dirty="0"/>
+              <a:t>These titles are the competencies for this job.</a:t>
+            </a:r>
+          </a:p>
+          <a:p>
+            <a:r>
+              <a:rPr lang="en-US" dirty="0"/>
+              <a:t>Define the competencies to be as specialized as is needed, based on the job tasks.</a:t>
+            </a:r>
+          </a:p>
+          <a:p>
+            <a:pPr lvl="1">
+              <a:spcBef>
+                <a:spcPts val="0"/>
+              </a:spcBef>
+            </a:pPr>
+            <a:r>
+              <a:rPr lang="en-US" dirty="0"/>
+              <a:t>For example, instead of “written communication,” you could say “writing economic analysis.”</a:t>
+            </a:r>
+          </a:p>
+        </p:txBody>
+      </p:sp>
+    </p:spTree>
+    <p:extLst>
+      <p:ext uri="{BB962C8B-B14F-4D97-AF65-F5344CB8AC3E}">
+        <p14:creationId xmlns:p14="http://schemas.microsoft.com/office/powerpoint/2010/main" val="1407673860"/>
+      </p:ext>
+    </p:extLst>
+  </p:cSld>
+  <p:clrMapOvr>
+    <a:masterClrMapping/>
+  </p:clrMapOvr>
+</p:sld>
+</file>
+
+<file path=ppt/slides/slide11.xml><?xml version="1.0" encoding="utf-8"?>
 <p:sld xmlns:a="http://schemas.openxmlformats.org/drawingml/2006/main" xmlns:r="http://schemas.openxmlformats.org/officeDocument/2006/relationships" xmlns:p="http://schemas.openxmlformats.org/presentationml/2006/main">
   <p:cSld>
     <p:spTree>
@@ -7901,7 +9070,7 @@
 </p:sld>
 </file>
 
-<file path=ppt/slides/slide11.xml><?xml version="1.0" encoding="utf-8"?>
+<file path=ppt/slides/slide12.xml><?xml version="1.0" encoding="utf-8"?>
 <p:sld xmlns:a="http://schemas.openxmlformats.org/drawingml/2006/main" xmlns:r="http://schemas.openxmlformats.org/officeDocument/2006/relationships" xmlns:p="http://schemas.openxmlformats.org/presentationml/2006/main">
   <p:cSld>
     <p:spTree>
@@ -8008,7 +9177,7 @@
 </p:sld>
 </file>
 
-<file path=ppt/slides/slide12.xml><?xml version="1.0" encoding="utf-8"?>
+<file path=ppt/slides/slide13.xml><?xml version="1.0" encoding="utf-8"?>
 <p:sld xmlns:a="http://schemas.openxmlformats.org/drawingml/2006/main" xmlns:r="http://schemas.openxmlformats.org/officeDocument/2006/relationships" xmlns:p="http://schemas.openxmlformats.org/presentationml/2006/main">
   <p:cSld>
     <p:spTree>
@@ -8072,14 +9241,14 @@
         <p:spPr/>
         <p:txBody>
           <a:bodyPr>
-            <a:normAutofit lnSpcReduction="10000"/>
+            <a:normAutofit/>
           </a:bodyPr>
           <a:lstStyle/>
           <a:p>
             <a:pPr lvl="0"/>
             <a:r>
               <a:rPr lang="en-US" dirty="0"/>
-              <a:t>Definition should be 1-3 sentences, not a list of job tasks.</a:t>
+              <a:t>Definition should be 1-3 sentences, not a bulleted list of job tasks.</a:t>
             </a:r>
           </a:p>
           <a:p>
@@ -8096,7 +9265,7 @@
             </a:r>
             <a:r>
               <a:rPr lang="en-US" dirty="0"/>
-              <a:t>- Cultivates relationships with key internal and external stakeholders. Has superior negotiation skills that enable successful communication and cooperation across all levels of an organization, including executive leadership.</a:t>
+              <a:t>- Cultivates relationships with key internal and external stakeholders. Uses negotiation skills to effectively communicate and cooperate.</a:t>
             </a:r>
           </a:p>
           <a:p>
@@ -8107,14 +9276,8 @@
             </a:r>
             <a:r>
               <a:rPr lang="en-US" dirty="0"/>
-              <a:t>Approaches problems quantitatively and displays critical thinking and problem-solving abilities. Breaks down complex problems into component parts. Defines and tracks key metrics to make data-driven decisions.</a:t>
-            </a:r>
-          </a:p>
-          <a:p>
-            <a:endParaRPr lang="en-US" dirty="0"/>
-          </a:p>
-          <a:p>
-            <a:endParaRPr lang="en-US" dirty="0"/>
+              <a:t>Approaches problems quantitatively and displays critical thinking and problem-solving abilities. Breaks down problems into component parts. Uses key metrics to inform decisions.</a:t>
+            </a:r>
           </a:p>
         </p:txBody>
       </p:sp>
@@ -8131,7 +9294,7 @@
 </p:sld>
 </file>
 
-<file path=ppt/slides/slide13.xml><?xml version="1.0" encoding="utf-8"?>
+<file path=ppt/slides/slide14.xml><?xml version="1.0" encoding="utf-8"?>
 <p:sld xmlns:a="http://schemas.openxmlformats.org/drawingml/2006/main" xmlns:r="http://schemas.openxmlformats.org/officeDocument/2006/relationships" xmlns:p="http://schemas.openxmlformats.org/presentationml/2006/main">
   <p:cSld>
     <p:spTree>
@@ -8172,7 +9335,7 @@
             <a:pPr algn="ctr"/>
             <a:r>
               <a:rPr lang="en-US" dirty="0"/>
-              <a:t>Notice: assessment materials discussed after this point are confidential. </a:t>
+              <a:t>Notice: Assessment materials discussed after this point are confidential. </a:t>
             </a:r>
             <a:br>
               <a:rPr lang="en-US" dirty="0"/>
@@ -8198,161 +9361,6 @@
     <p:extLst>
       <p:ext uri="{BB962C8B-B14F-4D97-AF65-F5344CB8AC3E}">
         <p14:creationId xmlns:p14="http://schemas.microsoft.com/office/powerpoint/2010/main" val="2447843156"/>
-      </p:ext>
-    </p:extLst>
-  </p:cSld>
-  <p:clrMapOvr>
-    <a:masterClrMapping/>
-  </p:clrMapOvr>
-</p:sld>
-</file>
-
-<file path=ppt/slides/slide14.xml><?xml version="1.0" encoding="utf-8"?>
-<p:sld xmlns:a="http://schemas.openxmlformats.org/drawingml/2006/main" xmlns:r="http://schemas.openxmlformats.org/officeDocument/2006/relationships" xmlns:p="http://schemas.openxmlformats.org/presentationml/2006/main">
-  <p:cSld>
-    <p:spTree>
-      <p:nvGrpSpPr>
-        <p:cNvPr id="1" name=""/>
-        <p:cNvGrpSpPr/>
-        <p:nvPr/>
-      </p:nvGrpSpPr>
-      <p:grpSpPr>
-        <a:xfrm>
-          <a:off x="0" y="0"/>
-          <a:ext cx="0" cy="0"/>
-          <a:chOff x="0" y="0"/>
-          <a:chExt cx="0" cy="0"/>
-        </a:xfrm>
-      </p:grpSpPr>
-      <p:sp>
-        <p:nvSpPr>
-          <p:cNvPr id="2" name="Title 1">
-            <a:extLst>
-              <a:ext uri="{FF2B5EF4-FFF2-40B4-BE49-F238E27FC236}">
-                <a16:creationId xmlns:a16="http://schemas.microsoft.com/office/drawing/2014/main" id="{DDE9DDD5-5CC9-FC40-9EED-5D61EE4977C9}"/>
-              </a:ext>
-            </a:extLst>
-          </p:cNvPr>
-          <p:cNvSpPr>
-            <a:spLocks noGrp="1"/>
-          </p:cNvSpPr>
-          <p:nvPr>
-            <p:ph type="title"/>
-          </p:nvPr>
-        </p:nvSpPr>
-        <p:spPr/>
-        <p:txBody>
-          <a:bodyPr/>
-          <a:lstStyle/>
-          <a:p>
-            <a:r>
-              <a:rPr lang="en-US" dirty="0"/>
-              <a:t>Create proficiency levels for EACH competency</a:t>
-            </a:r>
-          </a:p>
-        </p:txBody>
-      </p:sp>
-      <p:sp>
-        <p:nvSpPr>
-          <p:cNvPr id="3" name="Text Placeholder 2">
-            <a:extLst>
-              <a:ext uri="{FF2B5EF4-FFF2-40B4-BE49-F238E27FC236}">
-                <a16:creationId xmlns:a16="http://schemas.microsoft.com/office/drawing/2014/main" id="{8CD0B099-CC26-0341-8B45-9D95DB490FA8}"/>
-              </a:ext>
-            </a:extLst>
-          </p:cNvPr>
-          <p:cNvSpPr>
-            <a:spLocks noGrp="1"/>
-          </p:cNvSpPr>
-          <p:nvPr>
-            <p:ph type="body" idx="1"/>
-          </p:nvPr>
-        </p:nvSpPr>
-        <p:spPr>
-          <a:xfrm>
-            <a:off x="476250" y="1219200"/>
-            <a:ext cx="16344899" cy="8229600"/>
-          </a:xfrm>
-        </p:spPr>
-        <p:txBody>
-          <a:bodyPr>
-            <a:normAutofit/>
-          </a:bodyPr>
-          <a:lstStyle/>
-          <a:p>
-            <a:pPr marL="171467" indent="0">
-              <a:buNone/>
-            </a:pPr>
-            <a:r>
-              <a:rPr lang="en-US" sz="2400" b="1" dirty="0"/>
-              <a:t>Example Competency: Engineering Considerations</a:t>
-            </a:r>
-            <a:br>
-              <a:rPr lang="en-US" sz="2400" b="1" dirty="0"/>
-            </a:br>
-            <a:r>
-              <a:rPr lang="en-US" sz="2400" dirty="0"/>
-              <a:t>Works effectively with engineers as a true partner. Understands the technical stack of a product and how it can impact product design and project schedules. Considers the complexities involved in building technology at massive scale.</a:t>
-            </a:r>
-          </a:p>
-          <a:p>
-            <a:pPr marL="171467" indent="0">
-              <a:buNone/>
-            </a:pPr>
-            <a:r>
-              <a:rPr lang="en-US" sz="2400" b="1" i="1" dirty="0"/>
-              <a:t>Unfamiliar</a:t>
-            </a:r>
-            <a:r>
-              <a:rPr lang="en-US" sz="2400" dirty="0"/>
-              <a:t>: Has never worked with engineers, or has but not effectively/views them as a different group of people. Views technical matters as someone else's problem, and is unwilling to learn more about a project's technical foundations. Unable to describe a project's technical stack.</a:t>
-            </a:r>
-          </a:p>
-          <a:p>
-            <a:pPr marL="171467" indent="0">
-              <a:buNone/>
-            </a:pPr>
-            <a:r>
-              <a:rPr lang="en-US" sz="2400" b="1" i="1" dirty="0"/>
-              <a:t>Familiar</a:t>
-            </a:r>
-            <a:r>
-              <a:rPr lang="en-US" sz="2400" dirty="0"/>
-              <a:t>: Has some experience working effectively with engineers. Displays a basic understanding that technical choices impact product design and project schedules. Shows an active interest in learning more about a project's technical foundations.</a:t>
-            </a:r>
-          </a:p>
-          <a:p>
-            <a:pPr marL="171467" indent="0">
-              <a:buNone/>
-            </a:pPr>
-            <a:r>
-              <a:rPr lang="en-US" sz="2400" b="1" i="1" dirty="0"/>
-              <a:t>Experienced</a:t>
-            </a:r>
-            <a:r>
-              <a:rPr lang="en-US" sz="2400" dirty="0"/>
-              <a:t>: Repeated track record of working as a true partner with engineers. Describes situations where they have engaged in technical decisions or shifted product or project plans due to technical issues. Understanding some of the complexities of building technology at massive scale.</a:t>
-            </a:r>
-          </a:p>
-          <a:p>
-            <a:pPr marL="171467" indent="0">
-              <a:buNone/>
-            </a:pPr>
-            <a:r>
-              <a:rPr lang="en-US" sz="2400" b="1" i="1" dirty="0"/>
-              <a:t>Master</a:t>
-            </a:r>
-            <a:r>
-              <a:rPr lang="en-US" sz="2400" dirty="0"/>
-              <a:t>: Functions as a true partner with engineers in all technical products and projects in which they are involved. Able to identify potential technical concerns with proposals before consulting engineers. Repeatedly engages in technical decisions and supports engineering needs. </a:t>
-            </a:r>
-          </a:p>
-        </p:txBody>
-      </p:sp>
-    </p:spTree>
-    <p:extLst>
-      <p:ext uri="{BB962C8B-B14F-4D97-AF65-F5344CB8AC3E}">
-        <p14:creationId xmlns:p14="http://schemas.microsoft.com/office/powerpoint/2010/main" val="152691610"/>
       </p:ext>
     </p:extLst>
   </p:cSld>
@@ -8431,7 +9439,7 @@
         </p:spPr>
         <p:txBody>
           <a:bodyPr>
-            <a:normAutofit/>
+            <a:normAutofit lnSpcReduction="10000"/>
           </a:bodyPr>
           <a:lstStyle/>
           <a:p>
@@ -8440,7 +9448,7 @@
             </a:pPr>
             <a:r>
               <a:rPr lang="en-US" dirty="0"/>
-              <a:t>The proficiency levels can involve these types of differences:</a:t>
+              <a:t>Proficiencies are levels of expertise within a competency. Proficiency levels often involve these types of differences:</a:t>
             </a:r>
           </a:p>
           <a:p>
@@ -8453,8 +9461,11 @@
             </a:r>
             <a:r>
               <a:rPr lang="en-US" dirty="0"/>
-              <a:t> The applicant did something at a small organization </a:t>
-            </a:r>
+              <a:t> The applicant did something at a small organization </a:t>
+            </a:r>
+            <a:br>
+              <a:rPr lang="en-US" dirty="0"/>
+            </a:br>
             <a:r>
               <a:rPr lang="en-US" i="1" dirty="0"/>
               <a:t>-vs-</a:t>
@@ -8558,7 +9569,7 @@
           <p:cNvPr id="2" name="Title 1">
             <a:extLst>
               <a:ext uri="{FF2B5EF4-FFF2-40B4-BE49-F238E27FC236}">
-                <a16:creationId xmlns:a16="http://schemas.microsoft.com/office/drawing/2014/main" id="{94468300-5EA3-6648-A2DB-4A99120105EB}"/>
+                <a16:creationId xmlns:a16="http://schemas.microsoft.com/office/drawing/2014/main" id="{DDE9DDD5-5CC9-FC40-9EED-5D61EE4977C9}"/>
               </a:ext>
             </a:extLst>
           </p:cNvPr>
@@ -8576,7 +9587,7 @@
           <a:p>
             <a:r>
               <a:rPr lang="en-US" dirty="0"/>
-              <a:t>Final step – decide proficiency level for this position for each Competency</a:t>
+              <a:t>Create proficiency levels for EACH competency</a:t>
             </a:r>
           </a:p>
         </p:txBody>
@@ -8586,7 +9597,7 @@
           <p:cNvPr id="3" name="Text Placeholder 2">
             <a:extLst>
               <a:ext uri="{FF2B5EF4-FFF2-40B4-BE49-F238E27FC236}">
-                <a16:creationId xmlns:a16="http://schemas.microsoft.com/office/drawing/2014/main" id="{3D924E37-623C-BC4C-927E-75F7D4410DBA}"/>
+                <a16:creationId xmlns:a16="http://schemas.microsoft.com/office/drawing/2014/main" id="{8CD0B099-CC26-0341-8B45-9D95DB490FA8}"/>
               </a:ext>
             </a:extLst>
           </p:cNvPr>
@@ -8597,20 +9608,83 @@
             <p:ph type="body" idx="1"/>
           </p:nvPr>
         </p:nvSpPr>
-        <p:spPr/>
+        <p:spPr>
+          <a:xfrm>
+            <a:off x="476250" y="1219200"/>
+            <a:ext cx="16344899" cy="8229600"/>
+          </a:xfrm>
+        </p:spPr>
         <p:txBody>
-          <a:bodyPr/>
+          <a:bodyPr>
+            <a:normAutofit fontScale="92500" lnSpcReduction="10000"/>
+          </a:bodyPr>
           <a:lstStyle/>
           <a:p>
-            <a:r>
-              <a:rPr lang="en-US" dirty="0"/>
-              <a:t>Once you've defined the competencies and their proficiency levels, you establish at which level a year’s worth of experience is required from day one in order to qualify for a certain grade level. </a:t>
-            </a:r>
-          </a:p>
-          <a:p>
-            <a:r>
-              <a:rPr lang="en-US" dirty="0"/>
-              <a:t>The same set of competencies can be used for different grade levels because roles that require more seniority can require more expert proficiency levels.  </a:t>
+            <a:pPr marL="171467" indent="0">
+              <a:buNone/>
+            </a:pPr>
+            <a:r>
+              <a:rPr lang="en-US" sz="3200" b="1" dirty="0"/>
+              <a:t>Example Competency: Analytical Ability</a:t>
+            </a:r>
+            <a:br>
+              <a:rPr lang="en-US" sz="3200" b="1" dirty="0"/>
+            </a:br>
+            <a:r>
+              <a:rPr lang="en-US" sz="3200" dirty="0"/>
+              <a:t>Approaches problems quantitatively and displays critical thinking and problem-solving abilities. Breaks down problems into component parts. Uses key metrics to inform decisions. </a:t>
+            </a:r>
+          </a:p>
+          <a:p>
+            <a:pPr marL="171467" indent="0">
+              <a:buNone/>
+            </a:pPr>
+            <a:r>
+              <a:rPr lang="en-US" sz="3200" b="1" i="1" dirty="0"/>
+              <a:t>Unfamiliar</a:t>
+            </a:r>
+            <a:r>
+              <a:rPr lang="en-US" sz="3200" dirty="0"/>
+              <a:t>: Talks through problems at a high level. May break down problems into smaller components but does not track them against key metrics to measure outcomes.</a:t>
+            </a:r>
+          </a:p>
+          <a:p>
+            <a:pPr marL="171467" indent="0">
+              <a:buNone/>
+            </a:pPr>
+            <a:r>
+              <a:rPr lang="en-US" sz="3200" b="1" i="1" dirty="0"/>
+              <a:t>Familiar</a:t>
+            </a:r>
+            <a:r>
+              <a:rPr lang="en-US" sz="3200" dirty="0"/>
+              <a:t>: Thinks critically through problems, breaking them down into smaller components and metrics. Limited experience connecting metrics to business or user results.</a:t>
+            </a:r>
+          </a:p>
+          <a:p>
+            <a:pPr marL="171467" indent="0">
+              <a:buNone/>
+            </a:pPr>
+            <a:r>
+              <a:rPr lang="en-US" sz="3200" b="1" i="1" dirty="0"/>
+              <a:t>Experienced</a:t>
+            </a:r>
+            <a:r>
+              <a:rPr lang="en-US" sz="3200" dirty="0"/>
+              <a:t>: Experienced in qualitative and quantitative analysis. Defines product or project metrics tied to business or user results and connects these metrics to decisions to influence major outcomes.</a:t>
+            </a:r>
+          </a:p>
+          <a:p>
+            <a:pPr marL="171467" indent="0">
+              <a:buNone/>
+            </a:pPr>
+            <a:r>
+              <a:rPr lang="en-US" sz="3200" b="1" i="1" dirty="0"/>
+              <a:t>Master</a:t>
+            </a:r>
+            <a:r>
+              <a:rPr lang="en-US" sz="3200" dirty="0"/>
+              <a:t>: Brings analytical thinking to everything they do, with a range and depth of experience. Anticipates the need for metrics and analysis early in the product and project discovery and design process, and iterates on metrics throughout the project.</a:t>
             </a:r>
           </a:p>
         </p:txBody>
@@ -8618,7 +9692,7 @@
     </p:spTree>
     <p:extLst>
       <p:ext uri="{BB962C8B-B14F-4D97-AF65-F5344CB8AC3E}">
-        <p14:creationId xmlns:p14="http://schemas.microsoft.com/office/powerpoint/2010/main" val="3689359389"/>
+        <p14:creationId xmlns:p14="http://schemas.microsoft.com/office/powerpoint/2010/main" val="152691610"/>
       </p:ext>
     </p:extLst>
   </p:cSld>
@@ -8629,80 +9703,8 @@
 </file>
 
 <file path=ppt/slides/slide17.xml><?xml version="1.0" encoding="utf-8"?>
-<p:sld xmlns:a="http://schemas.openxmlformats.org/drawingml/2006/main" xmlns:r="http://schemas.openxmlformats.org/officeDocument/2006/relationships" xmlns:p="http://schemas.openxmlformats.org/presentationml/2006/main">
+<p:sld xmlns:a="http://schemas.openxmlformats.org/drawingml/2006/main" xmlns:r="http://schemas.openxmlformats.org/officeDocument/2006/relationships" xmlns:p="http://schemas.openxmlformats.org/presentationml/2006/main" show="0">
   <p:cSld>
-    <p:spTree>
-      <p:nvGrpSpPr>
-        <p:cNvPr id="1" name="Shape 307"/>
-        <p:cNvGrpSpPr/>
-        <p:nvPr/>
-      </p:nvGrpSpPr>
-      <p:grpSpPr>
-        <a:xfrm>
-          <a:off x="0" y="0"/>
-          <a:ext cx="0" cy="0"/>
-          <a:chOff x="0" y="0"/>
-          <a:chExt cx="0" cy="0"/>
-        </a:xfrm>
-      </p:grpSpPr>
-      <p:sp>
-        <p:nvSpPr>
-          <p:cNvPr id="4" name="Google Shape;68;p20">
-            <a:extLst>
-              <a:ext uri="{FF2B5EF4-FFF2-40B4-BE49-F238E27FC236}">
-                <a16:creationId xmlns:a16="http://schemas.microsoft.com/office/drawing/2014/main" id="{FF013F16-4A52-9A45-B7A8-5DE84E4CEFE2}"/>
-              </a:ext>
-            </a:extLst>
-          </p:cNvPr>
-          <p:cNvSpPr txBox="1">
-            <a:spLocks noGrp="1"/>
-          </p:cNvSpPr>
-          <p:nvPr>
-            <p:ph type="body" idx="1"/>
-          </p:nvPr>
-        </p:nvSpPr>
-        <p:spPr>
-          <a:xfrm>
-            <a:off x="2308393" y="4027713"/>
-            <a:ext cx="12723989" cy="2893800"/>
-          </a:xfrm>
-        </p:spPr>
-        <p:txBody>
-          <a:bodyPr>
-            <a:normAutofit/>
-          </a:bodyPr>
-          <a:lstStyle/>
-          <a:p>
-            <a:pPr lvl="0"/>
-            <a:r>
-              <a:rPr lang="en-US" dirty="0">
-                <a:sym typeface="Cambria"/>
-              </a:rPr>
-              <a:t>End of Day 1 Presentation</a:t>
-            </a:r>
-            <a:endParaRPr lang="en-US" dirty="0"/>
-          </a:p>
-        </p:txBody>
-      </p:sp>
-    </p:spTree>
-  </p:cSld>
-  <p:clrMapOvr>
-    <a:masterClrMapping/>
-  </p:clrMapOvr>
-</p:sld>
-</file>
-
-<file path=ppt/slides/slide18.xml><?xml version="1.0" encoding="utf-8"?>
-<p:sld xmlns:a="http://schemas.openxmlformats.org/drawingml/2006/main" xmlns:r="http://schemas.openxmlformats.org/officeDocument/2006/relationships" xmlns:p="http://schemas.openxmlformats.org/presentationml/2006/main">
-  <p:cSld>
-    <p:bg>
-      <p:bgPr>
-        <a:solidFill>
-          <a:srgbClr val="FFFF00"/>
-        </a:solidFill>
-        <a:effectLst/>
-      </p:bgPr>
-    </p:bg>
     <p:spTree>
       <p:nvGrpSpPr>
         <p:cNvPr id="1" name=""/>
@@ -8722,7 +9724,7 @@
           <p:cNvPr id="2" name="Title 1">
             <a:extLst>
               <a:ext uri="{FF2B5EF4-FFF2-40B4-BE49-F238E27FC236}">
-                <a16:creationId xmlns:a16="http://schemas.microsoft.com/office/drawing/2014/main" id="{A4932B72-DF93-D54D-850F-12928960533A}"/>
+                <a16:creationId xmlns:a16="http://schemas.microsoft.com/office/drawing/2014/main" id="{DDE9DDD5-5CC9-FC40-9EED-5D61EE4977C9}"/>
               </a:ext>
             </a:extLst>
           </p:cNvPr>
@@ -8740,7 +9742,7 @@
           <a:p>
             <a:r>
               <a:rPr lang="en-US" dirty="0"/>
-              <a:t>&lt;Delete THIS SLIDE BEFORE PRESENTING&gt;</a:t>
+              <a:t>Create proficiency levels for EACH competency</a:t>
             </a:r>
           </a:p>
         </p:txBody>
@@ -8750,7 +9752,7 @@
           <p:cNvPr id="3" name="Text Placeholder 2">
             <a:extLst>
               <a:ext uri="{FF2B5EF4-FFF2-40B4-BE49-F238E27FC236}">
-                <a16:creationId xmlns:a16="http://schemas.microsoft.com/office/drawing/2014/main" id="{DD0C6529-1517-6D4F-B2C1-4578D2693A9A}"/>
+                <a16:creationId xmlns:a16="http://schemas.microsoft.com/office/drawing/2014/main" id="{8CD0B099-CC26-0341-8B45-9D95DB490FA8}"/>
               </a:ext>
             </a:extLst>
           </p:cNvPr>
@@ -8758,89 +9760,214 @@
             <a:spLocks noGrp="1"/>
           </p:cNvSpPr>
           <p:nvPr>
-            <p:ph type="body" idx="13"/>
+            <p:ph type="body" idx="1"/>
           </p:nvPr>
         </p:nvSpPr>
-        <p:spPr/>
+        <p:spPr>
+          <a:xfrm>
+            <a:off x="476250" y="1219200"/>
+            <a:ext cx="16344899" cy="8229600"/>
+          </a:xfrm>
+        </p:spPr>
         <p:txBody>
           <a:bodyPr>
             <a:normAutofit/>
           </a:bodyPr>
           <a:lstStyle/>
           <a:p>
-            <a:r>
-              <a:rPr lang="en-US" b="1" dirty="0"/>
-              <a:t>PREPARE THE FOLLOWING BEFORE DAY 2</a:t>
-            </a:r>
-          </a:p>
-          <a:p>
-            <a:pPr marL="742967" indent="-571500">
-              <a:buClr>
-                <a:schemeClr val="tx2"/>
-              </a:buClr>
-              <a:buFont typeface="Arial" panose="020B0604020202020204" pitchFamily="34" charset="0"/>
-              <a:buChar char="•"/>
+            <a:pPr marL="171467" indent="0">
+              <a:buNone/>
             </a:pPr>
             <a:r>
-              <a:rPr lang="en-US" dirty="0"/>
-              <a:t>HR drafts JOA with competency names and definitions, the most critical job tasks from the job task exercise, and a few sentences from the PD that describes the position in the context of the agency – will be reviewed as a team on Day 2</a:t>
-            </a:r>
-          </a:p>
-          <a:p>
-            <a:pPr marL="742967" indent="-571500">
-              <a:buClr>
-                <a:schemeClr val="tx2"/>
-              </a:buClr>
-              <a:buFont typeface="Arial" panose="020B0604020202020204" pitchFamily="34" charset="0"/>
-              <a:buChar char="•"/>
+              <a:rPr lang="en-US" sz="2400" b="1" dirty="0"/>
+              <a:t>Example Competency: Stakeholder Engagement</a:t>
+            </a:r>
+            <a:br>
+              <a:rPr lang="en-US" sz="2400" b="1" dirty="0"/>
+            </a:br>
+            <a:r>
+              <a:rPr lang="en-US" sz="2400" dirty="0"/>
+              <a:t>Cultivates relationships with key internal and external stakeholders. Uses negotiation skills to effectively communicate and cooperate.</a:t>
+            </a:r>
+          </a:p>
+          <a:p>
+            <a:pPr marL="171467" indent="0">
+              <a:buNone/>
             </a:pPr>
             <a:r>
-              <a:rPr lang="en-US" dirty="0"/>
-              <a:t>Competencies and proficiencies in a single doc for use on Day 2</a:t>
-            </a:r>
-          </a:p>
-          <a:p>
-            <a:pPr marL="742967" indent="-571500">
-              <a:buClr>
-                <a:schemeClr val="tx2"/>
-              </a:buClr>
-              <a:buFont typeface="Arial" panose="020B0604020202020204" pitchFamily="34" charset="0"/>
-              <a:buChar char="•"/>
+              <a:rPr lang="en-US" sz="2400" b="1" i="1" dirty="0"/>
+              <a:t>Unfamiliar</a:t>
+            </a:r>
+            <a:r>
+              <a:rPr lang="en-US" sz="2400" dirty="0"/>
+              <a:t>: Understands that strategic stakeholder alliances and communication is important, but has not developed these skills beyond communicated with extensive support from their manager.</a:t>
+            </a:r>
+          </a:p>
+          <a:p>
+            <a:pPr marL="171467" indent="0">
+              <a:buNone/>
             </a:pPr>
             <a:r>
-              <a:rPr lang="en-US" dirty="0"/>
-              <a:t>Reminder: Resumes (4-5) related to this job for practice resume review (Agency Talent Portal, LinkedIn, etc.)</a:t>
-            </a:r>
-          </a:p>
-          <a:p>
-            <a:pPr marL="742967" indent="-571500">
-              <a:buClr>
-                <a:schemeClr val="tx2"/>
-              </a:buClr>
-              <a:buFont typeface="Arial" panose="020B0604020202020204" pitchFamily="34" charset="0"/>
-              <a:buChar char="•"/>
+              <a:rPr lang="en-US" sz="2400" b="1" i="1" dirty="0"/>
+              <a:t>Familiar</a:t>
+            </a:r>
+            <a:r>
+              <a:rPr lang="en-US" sz="2400" dirty="0"/>
+              <a:t>: Can identify a key stakeholder and a strategies for effective engagement, but has limited experience working with stakeholders without managerial support.</a:t>
+            </a:r>
+          </a:p>
+          <a:p>
+            <a:pPr marL="171467" indent="0">
+              <a:buNone/>
             </a:pPr>
-            <a:endParaRPr lang="en-US" dirty="0"/>
-          </a:p>
-          <a:p>
-            <a:pPr marL="742967" indent="-571500">
-              <a:buClr>
-                <a:schemeClr val="tx2"/>
-              </a:buClr>
-              <a:buFont typeface="Arial" panose="020B0604020202020204" pitchFamily="34" charset="0"/>
-              <a:buChar char="•"/>
+            <a:r>
+              <a:rPr lang="en-US" sz="2400" b="1" i="1" dirty="0"/>
+              <a:t>Experienced</a:t>
+            </a:r>
+            <a:r>
+              <a:rPr lang="en-US" sz="2400" dirty="0"/>
+              <a:t>: </a:t>
+            </a:r>
+          </a:p>
+          <a:p>
+            <a:pPr marL="171467" indent="0">
+              <a:buNone/>
             </a:pPr>
-            <a:endParaRPr lang="en-US" dirty="0"/>
-          </a:p>
-          <a:p>
-            <a:endParaRPr lang="en-US" dirty="0"/>
+            <a:r>
+              <a:rPr lang="en-US" sz="2400" b="1" i="1" dirty="0"/>
+              <a:t>Master</a:t>
+            </a:r>
+            <a:r>
+              <a:rPr lang="en-US" sz="2400" dirty="0"/>
+              <a:t>: Provides examples and demonstrates the ability to manage multiple key stakeholders, including executives, with varying levels of influence during a project or across multiple projects.</a:t>
+            </a:r>
           </a:p>
         </p:txBody>
       </p:sp>
     </p:spTree>
     <p:extLst>
       <p:ext uri="{BB962C8B-B14F-4D97-AF65-F5344CB8AC3E}">
-        <p14:creationId xmlns:p14="http://schemas.microsoft.com/office/powerpoint/2010/main" val="2239205312"/>
+        <p14:creationId xmlns:p14="http://schemas.microsoft.com/office/powerpoint/2010/main" val="699470064"/>
+      </p:ext>
+    </p:extLst>
+  </p:cSld>
+  <p:clrMapOvr>
+    <a:masterClrMapping/>
+  </p:clrMapOvr>
+</p:sld>
+</file>
+
+<file path=ppt/slides/slide18.xml><?xml version="1.0" encoding="utf-8"?>
+<p:sld xmlns:a="http://schemas.openxmlformats.org/drawingml/2006/main" xmlns:r="http://schemas.openxmlformats.org/officeDocument/2006/relationships" xmlns:p="http://schemas.openxmlformats.org/presentationml/2006/main">
+  <p:cSld>
+    <p:spTree>
+      <p:nvGrpSpPr>
+        <p:cNvPr id="1" name=""/>
+        <p:cNvGrpSpPr/>
+        <p:nvPr/>
+      </p:nvGrpSpPr>
+      <p:grpSpPr>
+        <a:xfrm>
+          <a:off x="0" y="0"/>
+          <a:ext cx="0" cy="0"/>
+          <a:chOff x="0" y="0"/>
+          <a:chExt cx="0" cy="0"/>
+        </a:xfrm>
+      </p:grpSpPr>
+      <p:sp>
+        <p:nvSpPr>
+          <p:cNvPr id="2" name="Title 1">
+            <a:extLst>
+              <a:ext uri="{FF2B5EF4-FFF2-40B4-BE49-F238E27FC236}">
+                <a16:creationId xmlns:a16="http://schemas.microsoft.com/office/drawing/2014/main" id="{94468300-5EA3-6648-A2DB-4A99120105EB}"/>
+              </a:ext>
+            </a:extLst>
+          </p:cNvPr>
+          <p:cNvSpPr>
+            <a:spLocks noGrp="1"/>
+          </p:cNvSpPr>
+          <p:nvPr>
+            <p:ph type="title"/>
+          </p:nvPr>
+        </p:nvSpPr>
+        <p:spPr/>
+        <p:txBody>
+          <a:bodyPr/>
+          <a:lstStyle/>
+          <a:p>
+            <a:r>
+              <a:rPr lang="en-US" dirty="0"/>
+              <a:t>Final step – decide the proficiency level for this position for each Competency</a:t>
+            </a:r>
+          </a:p>
+        </p:txBody>
+      </p:sp>
+      <p:sp>
+        <p:nvSpPr>
+          <p:cNvPr id="3" name="Text Placeholder 2">
+            <a:extLst>
+              <a:ext uri="{FF2B5EF4-FFF2-40B4-BE49-F238E27FC236}">
+                <a16:creationId xmlns:a16="http://schemas.microsoft.com/office/drawing/2014/main" id="{3D924E37-623C-BC4C-927E-75F7D4410DBA}"/>
+              </a:ext>
+            </a:extLst>
+          </p:cNvPr>
+          <p:cNvSpPr>
+            <a:spLocks noGrp="1"/>
+          </p:cNvSpPr>
+          <p:nvPr>
+            <p:ph type="body" idx="1"/>
+          </p:nvPr>
+        </p:nvSpPr>
+        <p:spPr>
+          <a:xfrm>
+            <a:off x="1192143" y="1841499"/>
+            <a:ext cx="14956057" cy="7524173"/>
+          </a:xfrm>
+        </p:spPr>
+        <p:txBody>
+          <a:bodyPr>
+            <a:normAutofit/>
+          </a:bodyPr>
+          <a:lstStyle/>
+          <a:p>
+            <a:pPr>
+              <a:spcAft>
+                <a:spcPts val="1200"/>
+              </a:spcAft>
+            </a:pPr>
+            <a:r>
+              <a:rPr lang="en-US" dirty="0"/>
+              <a:t>After defining competencies and proficiency levels, select the required proficiency level to qualify for the grade. Applicants will need a year’s worth of experience at the chosen proficiency level to qualify.</a:t>
+            </a:r>
+          </a:p>
+          <a:p>
+            <a:pPr>
+              <a:spcAft>
+                <a:spcPts val="1200"/>
+              </a:spcAft>
+            </a:pPr>
+            <a:r>
+              <a:rPr lang="en-US" dirty="0"/>
+              <a:t>The same set of competencies can be used for multiple grades. Select proficiency levels for each grade you are hiring. </a:t>
+            </a:r>
+          </a:p>
+          <a:p>
+            <a:pPr>
+              <a:spcAft>
+                <a:spcPts val="1200"/>
+              </a:spcAft>
+            </a:pPr>
+            <a:r>
+              <a:rPr lang="en-US" dirty="0"/>
+              <a:t>Job analysis should typically focus on no more than two grade levels. Jobs at other levels (e.g. entry level positions) may require slightly different competencies.</a:t>
+            </a:r>
+          </a:p>
+        </p:txBody>
+      </p:sp>
+    </p:spTree>
+    <p:extLst>
+      <p:ext uri="{BB962C8B-B14F-4D97-AF65-F5344CB8AC3E}">
+        <p14:creationId xmlns:p14="http://schemas.microsoft.com/office/powerpoint/2010/main" val="3689359389"/>
       </p:ext>
     </p:extLst>
   </p:cSld>
@@ -8900,18 +10027,13 @@
               <a:rPr lang="en-US" dirty="0">
                 <a:sym typeface="Cambria"/>
               </a:rPr>
-              <a:t>Start of Day 2 Presentation</a:t>
+              <a:t>End of Day 1 Presentation</a:t>
             </a:r>
             <a:endParaRPr lang="en-US" dirty="0"/>
           </a:p>
         </p:txBody>
       </p:sp>
     </p:spTree>
-    <p:extLst>
-      <p:ext uri="{BB962C8B-B14F-4D97-AF65-F5344CB8AC3E}">
-        <p14:creationId xmlns:p14="http://schemas.microsoft.com/office/powerpoint/2010/main" val="717651396"/>
-      </p:ext>
-    </p:extLst>
   </p:cSld>
   <p:clrMapOvr>
     <a:masterClrMapping/>
@@ -9036,7 +10158,7 @@
             </a:pPr>
             <a:r>
               <a:rPr lang="en-US" dirty="0"/>
-              <a:t>Bring workshop supplies: name tags, post-it notes, Sharpies, large easel-size post-it paper, dots for voting</a:t>
+              <a:t>Bring workshop supplies: name tags, post-it notes, sharpies, large easel-size post-it paper, dots for voting</a:t>
             </a:r>
           </a:p>
           <a:p>
@@ -9058,6 +10180,213 @@
 </file>
 
 <file path=ppt/slides/slide20.xml><?xml version="1.0" encoding="utf-8"?>
+<p:sld xmlns:a="http://schemas.openxmlformats.org/drawingml/2006/main" xmlns:r="http://schemas.openxmlformats.org/officeDocument/2006/relationships" xmlns:p="http://schemas.openxmlformats.org/presentationml/2006/main">
+  <p:cSld>
+    <p:bg>
+      <p:bgPr>
+        <a:solidFill>
+          <a:srgbClr val="FFFF00"/>
+        </a:solidFill>
+        <a:effectLst/>
+      </p:bgPr>
+    </p:bg>
+    <p:spTree>
+      <p:nvGrpSpPr>
+        <p:cNvPr id="1" name=""/>
+        <p:cNvGrpSpPr/>
+        <p:nvPr/>
+      </p:nvGrpSpPr>
+      <p:grpSpPr>
+        <a:xfrm>
+          <a:off x="0" y="0"/>
+          <a:ext cx="0" cy="0"/>
+          <a:chOff x="0" y="0"/>
+          <a:chExt cx="0" cy="0"/>
+        </a:xfrm>
+      </p:grpSpPr>
+      <p:sp>
+        <p:nvSpPr>
+          <p:cNvPr id="2" name="Title 1">
+            <a:extLst>
+              <a:ext uri="{FF2B5EF4-FFF2-40B4-BE49-F238E27FC236}">
+                <a16:creationId xmlns:a16="http://schemas.microsoft.com/office/drawing/2014/main" id="{A4932B72-DF93-D54D-850F-12928960533A}"/>
+              </a:ext>
+            </a:extLst>
+          </p:cNvPr>
+          <p:cNvSpPr>
+            <a:spLocks noGrp="1"/>
+          </p:cNvSpPr>
+          <p:nvPr>
+            <p:ph type="title"/>
+          </p:nvPr>
+        </p:nvSpPr>
+        <p:spPr/>
+        <p:txBody>
+          <a:bodyPr/>
+          <a:lstStyle/>
+          <a:p>
+            <a:r>
+              <a:rPr lang="en-US" dirty="0"/>
+              <a:t>&lt;Delete THIS SLIDE BEFORE PRESENTING&gt;</a:t>
+            </a:r>
+          </a:p>
+        </p:txBody>
+      </p:sp>
+      <p:sp>
+        <p:nvSpPr>
+          <p:cNvPr id="3" name="Text Placeholder 2">
+            <a:extLst>
+              <a:ext uri="{FF2B5EF4-FFF2-40B4-BE49-F238E27FC236}">
+                <a16:creationId xmlns:a16="http://schemas.microsoft.com/office/drawing/2014/main" id="{DD0C6529-1517-6D4F-B2C1-4578D2693A9A}"/>
+              </a:ext>
+            </a:extLst>
+          </p:cNvPr>
+          <p:cNvSpPr>
+            <a:spLocks noGrp="1"/>
+          </p:cNvSpPr>
+          <p:nvPr>
+            <p:ph type="body" idx="13"/>
+          </p:nvPr>
+        </p:nvSpPr>
+        <p:spPr/>
+        <p:txBody>
+          <a:bodyPr>
+            <a:normAutofit/>
+          </a:bodyPr>
+          <a:lstStyle/>
+          <a:p>
+            <a:r>
+              <a:rPr lang="en-US" b="1" dirty="0"/>
+              <a:t>PREPARE THE FOLLOWING BEFORE DAY 2</a:t>
+            </a:r>
+          </a:p>
+          <a:p>
+            <a:pPr marL="742967" indent="-571500">
+              <a:buClr>
+                <a:schemeClr val="tx2"/>
+              </a:buClr>
+              <a:buFont typeface="Arial" panose="020B0604020202020204" pitchFamily="34" charset="0"/>
+              <a:buChar char="•"/>
+            </a:pPr>
+            <a:r>
+              <a:rPr lang="en-US" dirty="0"/>
+              <a:t>Draft a JOA with competency names and definitions, the most critical job tasks from the job task exercise, and a few sentences from the PD that describes the position in the context of the agency. The team will review during day 2.</a:t>
+            </a:r>
+          </a:p>
+          <a:p>
+            <a:pPr marL="742967" indent="-571500">
+              <a:buClr>
+                <a:schemeClr val="tx2"/>
+              </a:buClr>
+              <a:buFont typeface="Arial" panose="020B0604020202020204" pitchFamily="34" charset="0"/>
+              <a:buChar char="•"/>
+            </a:pPr>
+            <a:r>
+              <a:rPr lang="en-US" dirty="0"/>
+              <a:t>Combine competencies and proficiencies into a single document.</a:t>
+            </a:r>
+          </a:p>
+          <a:p>
+            <a:pPr marL="742967" indent="-571500">
+              <a:buClr>
+                <a:schemeClr val="tx2"/>
+              </a:buClr>
+              <a:buFont typeface="Arial" panose="020B0604020202020204" pitchFamily="34" charset="0"/>
+              <a:buChar char="•"/>
+            </a:pPr>
+            <a:r>
+              <a:rPr lang="en-US" dirty="0"/>
+              <a:t>Reminder: Pull at least 2-3 resumes related to this job for practice resume review (Agency Talent Portal, LinkedIn, etc.) Aim to have 5 resumes so you have backup options.</a:t>
+            </a:r>
+          </a:p>
+          <a:p>
+            <a:endParaRPr lang="en-US" dirty="0"/>
+          </a:p>
+        </p:txBody>
+      </p:sp>
+    </p:spTree>
+    <p:extLst>
+      <p:ext uri="{BB962C8B-B14F-4D97-AF65-F5344CB8AC3E}">
+        <p14:creationId xmlns:p14="http://schemas.microsoft.com/office/powerpoint/2010/main" val="2239205312"/>
+      </p:ext>
+    </p:extLst>
+  </p:cSld>
+  <p:clrMapOvr>
+    <a:masterClrMapping/>
+  </p:clrMapOvr>
+</p:sld>
+</file>
+
+<file path=ppt/slides/slide21.xml><?xml version="1.0" encoding="utf-8"?>
+<p:sld xmlns:a="http://schemas.openxmlformats.org/drawingml/2006/main" xmlns:r="http://schemas.openxmlformats.org/officeDocument/2006/relationships" xmlns:p="http://schemas.openxmlformats.org/presentationml/2006/main">
+  <p:cSld>
+    <p:spTree>
+      <p:nvGrpSpPr>
+        <p:cNvPr id="1" name="Shape 307"/>
+        <p:cNvGrpSpPr/>
+        <p:nvPr/>
+      </p:nvGrpSpPr>
+      <p:grpSpPr>
+        <a:xfrm>
+          <a:off x="0" y="0"/>
+          <a:ext cx="0" cy="0"/>
+          <a:chOff x="0" y="0"/>
+          <a:chExt cx="0" cy="0"/>
+        </a:xfrm>
+      </p:grpSpPr>
+      <p:sp>
+        <p:nvSpPr>
+          <p:cNvPr id="4" name="Google Shape;68;p20">
+            <a:extLst>
+              <a:ext uri="{FF2B5EF4-FFF2-40B4-BE49-F238E27FC236}">
+                <a16:creationId xmlns:a16="http://schemas.microsoft.com/office/drawing/2014/main" id="{FF013F16-4A52-9A45-B7A8-5DE84E4CEFE2}"/>
+              </a:ext>
+            </a:extLst>
+          </p:cNvPr>
+          <p:cNvSpPr txBox="1">
+            <a:spLocks noGrp="1"/>
+          </p:cNvSpPr>
+          <p:nvPr>
+            <p:ph type="body" idx="1"/>
+          </p:nvPr>
+        </p:nvSpPr>
+        <p:spPr>
+          <a:xfrm>
+            <a:off x="2308393" y="4027713"/>
+            <a:ext cx="12723989" cy="2893800"/>
+          </a:xfrm>
+        </p:spPr>
+        <p:txBody>
+          <a:bodyPr>
+            <a:normAutofit/>
+          </a:bodyPr>
+          <a:lstStyle/>
+          <a:p>
+            <a:pPr lvl="0"/>
+            <a:r>
+              <a:rPr lang="en-US" dirty="0">
+                <a:sym typeface="Cambria"/>
+              </a:rPr>
+              <a:t>Start of Day 2 Presentation</a:t>
+            </a:r>
+            <a:endParaRPr lang="en-US" dirty="0"/>
+          </a:p>
+        </p:txBody>
+      </p:sp>
+    </p:spTree>
+    <p:extLst>
+      <p:ext uri="{BB962C8B-B14F-4D97-AF65-F5344CB8AC3E}">
+        <p14:creationId xmlns:p14="http://schemas.microsoft.com/office/powerpoint/2010/main" val="717651396"/>
+      </p:ext>
+    </p:extLst>
+  </p:cSld>
+  <p:clrMapOvr>
+    <a:masterClrMapping/>
+  </p:clrMapOvr>
+</p:sld>
+</file>
+
+<file path=ppt/slides/slide22.xml><?xml version="1.0" encoding="utf-8"?>
 <p:sld xmlns:a="http://schemas.openxmlformats.org/drawingml/2006/main" xmlns:r="http://schemas.openxmlformats.org/officeDocument/2006/relationships" xmlns:p="http://schemas.openxmlformats.org/presentationml/2006/main">
   <p:cSld>
     <p:spTree>
@@ -9090,7 +10419,12 @@
             <p:ph type="title"/>
           </p:nvPr>
         </p:nvSpPr>
-        <p:spPr/>
+        <p:spPr>
+          <a:xfrm>
+            <a:off x="3352801" y="4173021"/>
+            <a:ext cx="10058400" cy="1008580"/>
+          </a:xfrm>
+        </p:spPr>
         <p:txBody>
           <a:bodyPr/>
           <a:lstStyle/>
@@ -9116,7 +10450,100 @@
 </p:sld>
 </file>
 
-<file path=ppt/slides/slide21.xml><?xml version="1.0" encoding="utf-8"?>
+<file path=ppt/slides/slide23.xml><?xml version="1.0" encoding="utf-8"?>
+<p:sld xmlns:a="http://schemas.openxmlformats.org/drawingml/2006/main" xmlns:r="http://schemas.openxmlformats.org/officeDocument/2006/relationships" xmlns:p="http://schemas.openxmlformats.org/presentationml/2006/main">
+  <p:cSld>
+    <p:spTree>
+      <p:nvGrpSpPr>
+        <p:cNvPr id="1" name="Shape 99"/>
+        <p:cNvGrpSpPr/>
+        <p:nvPr/>
+      </p:nvGrpSpPr>
+      <p:grpSpPr>
+        <a:xfrm>
+          <a:off x="0" y="0"/>
+          <a:ext cx="0" cy="0"/>
+          <a:chOff x="0" y="0"/>
+          <a:chExt cx="0" cy="0"/>
+        </a:xfrm>
+      </p:grpSpPr>
+      <p:sp>
+        <p:nvSpPr>
+          <p:cNvPr id="100" name="Google Shape;100;p25"/>
+          <p:cNvSpPr txBox="1">
+            <a:spLocks noGrp="1"/>
+          </p:cNvSpPr>
+          <p:nvPr>
+            <p:ph type="title"/>
+          </p:nvPr>
+        </p:nvSpPr>
+        <p:spPr>
+          <a:prstGeom prst="rect">
+            <a:avLst/>
+          </a:prstGeom>
+          <a:noFill/>
+          <a:ln>
+            <a:noFill/>
+          </a:ln>
+        </p:spPr>
+        <p:txBody>
+          <a:bodyPr spcFirstLastPara="1" wrap="square" lIns="91425" tIns="45700" rIns="91425" bIns="45700" anchor="t" anchorCtr="0">
+            <a:noAutofit/>
+          </a:bodyPr>
+          <a:lstStyle/>
+          <a:p>
+            <a:r>
+              <a:rPr lang="en-US" dirty="0"/>
+              <a:t>Overview of the process</a:t>
+            </a:r>
+            <a:endParaRPr dirty="0"/>
+          </a:p>
+        </p:txBody>
+      </p:sp>
+      <p:pic>
+        <p:nvPicPr>
+          <p:cNvPr id="4" name="Picture 3">
+            <a:extLst>
+              <a:ext uri="{FF2B5EF4-FFF2-40B4-BE49-F238E27FC236}">
+                <a16:creationId xmlns:a16="http://schemas.microsoft.com/office/drawing/2014/main" id="{5D1A5505-D36F-304B-B310-377F3EB84D0D}"/>
+              </a:ext>
+            </a:extLst>
+          </p:cNvPr>
+          <p:cNvPicPr>
+            <a:picLocks noChangeAspect="1"/>
+          </p:cNvPicPr>
+          <p:nvPr/>
+        </p:nvPicPr>
+        <p:blipFill>
+          <a:blip r:embed="rId3"/>
+          <a:stretch>
+            <a:fillRect/>
+          </a:stretch>
+        </p:blipFill>
+        <p:spPr>
+          <a:xfrm>
+            <a:off x="0" y="1619810"/>
+            <a:ext cx="17340263" cy="6513979"/>
+          </a:xfrm>
+          <a:prstGeom prst="rect">
+            <a:avLst/>
+          </a:prstGeom>
+        </p:spPr>
+      </p:pic>
+    </p:spTree>
+    <p:extLst>
+      <p:ext uri="{BB962C8B-B14F-4D97-AF65-F5344CB8AC3E}">
+        <p14:creationId xmlns:p14="http://schemas.microsoft.com/office/powerpoint/2010/main" val="1740454326"/>
+      </p:ext>
+    </p:extLst>
+  </p:cSld>
+  <p:clrMapOvr>
+    <a:masterClrMapping/>
+  </p:clrMapOvr>
+</p:sld>
+</file>
+
+<file path=ppt/slides/slide24.xml><?xml version="1.0" encoding="utf-8"?>
 <p:sld xmlns:a="http://schemas.openxmlformats.org/drawingml/2006/main" xmlns:r="http://schemas.openxmlformats.org/officeDocument/2006/relationships" xmlns:p="http://schemas.openxmlformats.org/presentationml/2006/main">
   <p:cSld>
     <p:spTree>
@@ -9259,7 +10686,73 @@
 </p:sld>
 </file>
 
-<file path=ppt/slides/slide22.xml><?xml version="1.0" encoding="utf-8"?>
+<file path=ppt/slides/slide25.xml><?xml version="1.0" encoding="utf-8"?>
+<p:sld xmlns:a="http://schemas.openxmlformats.org/drawingml/2006/main" xmlns:r="http://schemas.openxmlformats.org/officeDocument/2006/relationships" xmlns:p="http://schemas.openxmlformats.org/presentationml/2006/main">
+  <p:cSld>
+    <p:spTree>
+      <p:nvGrpSpPr>
+        <p:cNvPr id="1" name=""/>
+        <p:cNvGrpSpPr/>
+        <p:nvPr/>
+      </p:nvGrpSpPr>
+      <p:grpSpPr>
+        <a:xfrm>
+          <a:off x="0" y="0"/>
+          <a:ext cx="0" cy="0"/>
+          <a:chOff x="0" y="0"/>
+          <a:chExt cx="0" cy="0"/>
+        </a:xfrm>
+      </p:grpSpPr>
+      <p:sp>
+        <p:nvSpPr>
+          <p:cNvPr id="2" name="Title 1">
+            <a:extLst>
+              <a:ext uri="{FF2B5EF4-FFF2-40B4-BE49-F238E27FC236}">
+                <a16:creationId xmlns:a16="http://schemas.microsoft.com/office/drawing/2014/main" id="{F4D084D1-B6B9-1641-9A1D-07927E0CBB74}"/>
+              </a:ext>
+            </a:extLst>
+          </p:cNvPr>
+          <p:cNvSpPr>
+            <a:spLocks noGrp="1"/>
+          </p:cNvSpPr>
+          <p:nvPr>
+            <p:ph type="title"/>
+          </p:nvPr>
+        </p:nvSpPr>
+        <p:spPr>
+          <a:xfrm>
+            <a:off x="1884218" y="4200730"/>
+            <a:ext cx="13328072" cy="1008580"/>
+          </a:xfrm>
+        </p:spPr>
+        <p:txBody>
+          <a:bodyPr>
+            <a:normAutofit/>
+          </a:bodyPr>
+          <a:lstStyle/>
+          <a:p>
+            <a:pPr algn="ctr"/>
+            <a:r>
+              <a:rPr lang="en-US" dirty="0"/>
+              <a:t>Review draft job announcement</a:t>
+            </a:r>
+          </a:p>
+        </p:txBody>
+      </p:sp>
+    </p:spTree>
+    <p:extLst>
+      <p:ext uri="{BB962C8B-B14F-4D97-AF65-F5344CB8AC3E}">
+        <p14:creationId xmlns:p14="http://schemas.microsoft.com/office/powerpoint/2010/main" val="2580020421"/>
+      </p:ext>
+    </p:extLst>
+  </p:cSld>
+  <p:clrMapOvr>
+    <a:masterClrMapping/>
+  </p:clrMapOvr>
+</p:sld>
+</file>
+
+<file path=ppt/slides/slide26.xml><?xml version="1.0" encoding="utf-8"?>
 <p:sld xmlns:a="http://schemas.openxmlformats.org/drawingml/2006/main" xmlns:r="http://schemas.openxmlformats.org/officeDocument/2006/relationships" xmlns:p="http://schemas.openxmlformats.org/presentationml/2006/main">
   <p:cSld>
     <p:spTree>
@@ -9336,7 +10829,7 @@
 </p:sld>
 </file>
 
-<file path=ppt/slides/slide23.xml><?xml version="1.0" encoding="utf-8"?>
+<file path=ppt/slides/slide27.xml><?xml version="1.0" encoding="utf-8"?>
 <p:sld xmlns:a="http://schemas.openxmlformats.org/drawingml/2006/main" xmlns:r="http://schemas.openxmlformats.org/officeDocument/2006/relationships" xmlns:p="http://schemas.openxmlformats.org/presentationml/2006/main">
   <p:cSld>
     <p:spTree>
@@ -9419,7 +10912,7 @@
             <a:pPr lvl="1"/>
             <a:r>
               <a:rPr lang="en-US" dirty="0"/>
-              <a:t>Decide page limit (2-3 of job experience) for resume review.</a:t>
+              <a:t>Decide page limit (2-3 pages of job experience) for resume review.</a:t>
             </a:r>
           </a:p>
           <a:p>
@@ -9427,6 +10920,13 @@
             <a:r>
               <a:rPr lang="en-US" dirty="0"/>
               <a:t>Confirm if all competencies are required or if some are optional for resume review</a:t>
+            </a:r>
+          </a:p>
+          <a:p>
+            <a:pPr lvl="1"/>
+            <a:r>
+              <a:rPr lang="en-US" dirty="0"/>
+              <a:t>Determine if you want a prior work sample or portfolio reviewed with applicant resumes</a:t>
             </a:r>
           </a:p>
           <a:p>
@@ -9448,7 +10948,7 @@
 </p:sld>
 </file>
 
-<file path=ppt/slides/slide24.xml><?xml version="1.0" encoding="utf-8"?>
+<file path=ppt/slides/slide28.xml><?xml version="1.0" encoding="utf-8"?>
 <p:sld xmlns:a="http://schemas.openxmlformats.org/drawingml/2006/main" xmlns:r="http://schemas.openxmlformats.org/officeDocument/2006/relationships" xmlns:p="http://schemas.openxmlformats.org/presentationml/2006/main">
   <p:cSld>
     <p:spTree>
@@ -9488,7 +10988,7 @@
           <a:p>
             <a:r>
               <a:rPr lang="en-US" dirty="0"/>
-              <a:t>Assessments:</a:t>
+              <a:t>Decide Assessment Types</a:t>
             </a:r>
           </a:p>
         </p:txBody>
@@ -9512,54 +11012,60 @@
         <p:spPr/>
         <p:txBody>
           <a:bodyPr>
-            <a:normAutofit/>
+            <a:normAutofit fontScale="92500" lnSpcReduction="20000"/>
           </a:bodyPr>
           <a:lstStyle/>
           <a:p>
             <a:r>
               <a:rPr lang="en-US" dirty="0"/>
-              <a:t>Based on competencies, determine initial plan for assessments:</a:t>
+              <a:t>Based on your competencies, determine initial plan for assessments using one or more of the following. Options include:</a:t>
             </a:r>
           </a:p>
           <a:p>
             <a:pPr lvl="1"/>
             <a:r>
               <a:rPr lang="en-US" dirty="0"/>
-              <a:t>Options include two structured interviews, one written assessment and one structured interview, </a:t>
-            </a:r>
-          </a:p>
-          <a:p>
-            <a:r>
-              <a:rPr lang="en-US" dirty="0"/>
-              <a:t>Next, we’ll create questions. Some example question types.</a:t>
+              <a:t>Structured phone interviews</a:t>
             </a:r>
           </a:p>
           <a:p>
             <a:pPr lvl="1"/>
             <a:r>
               <a:rPr lang="en-US" dirty="0"/>
-              <a:t>Past experience: “Tell me about a time…”</a:t>
+              <a:t>Written assessments</a:t>
             </a:r>
           </a:p>
           <a:p>
             <a:pPr lvl="1"/>
             <a:r>
               <a:rPr lang="en-US" dirty="0"/>
-              <a:t>Hypothetical situation: “Imagine we have a problem with…”</a:t>
+              <a:t>Asynchronous recorded interviews</a:t>
             </a:r>
           </a:p>
           <a:p>
             <a:pPr lvl="1"/>
             <a:r>
-              <a:rPr lang="en-US" dirty="0"/>
-              <a:t>Applicant’s viewpoint: “What do you think about…”</a:t>
-            </a:r>
-          </a:p>
-          <a:p>
-            <a:endParaRPr lang="en-US" dirty="0"/>
-          </a:p>
-          <a:p>
-            <a:endParaRPr lang="en-US" dirty="0"/>
+              <a:rPr lang="en-US" dirty="0" err="1"/>
+              <a:t>USAHire</a:t>
+            </a:r>
+            <a:r>
+              <a:rPr lang="en-US" dirty="0"/>
+              <a:t> assessments</a:t>
+            </a:r>
+          </a:p>
+          <a:p>
+            <a:r>
+              <a:rPr lang="en-US" dirty="0"/>
+              <a:t>Assessment must test applicants in </a:t>
+            </a:r>
+            <a:r>
+              <a:rPr lang="en-US" u="sng" dirty="0"/>
+              <a:t>different</a:t>
+            </a:r>
+            <a:r>
+              <a:rPr lang="en-US" dirty="0"/>
+              <a:t> ways so you can legally eliminate unqualified applicants after each assessment round. Each assessment does not have to evaluate every competency.</a:t>
+            </a:r>
           </a:p>
         </p:txBody>
       </p:sp>
@@ -9567,2614 +11073,6 @@
     <p:extLst>
       <p:ext uri="{BB962C8B-B14F-4D97-AF65-F5344CB8AC3E}">
         <p14:creationId xmlns:p14="http://schemas.microsoft.com/office/powerpoint/2010/main" val="234458494"/>
-      </p:ext>
-    </p:extLst>
-  </p:cSld>
-  <p:clrMapOvr>
-    <a:masterClrMapping/>
-  </p:clrMapOvr>
-</p:sld>
-</file>
-
-<file path=ppt/slides/slide25.xml><?xml version="1.0" encoding="utf-8"?>
-<p:sld xmlns:a="http://schemas.openxmlformats.org/drawingml/2006/main" xmlns:r="http://schemas.openxmlformats.org/officeDocument/2006/relationships" xmlns:p="http://schemas.openxmlformats.org/presentationml/2006/main">
-  <p:cSld>
-    <p:spTree>
-      <p:nvGrpSpPr>
-        <p:cNvPr id="1" name=""/>
-        <p:cNvGrpSpPr/>
-        <p:nvPr/>
-      </p:nvGrpSpPr>
-      <p:grpSpPr>
-        <a:xfrm>
-          <a:off x="0" y="0"/>
-          <a:ext cx="0" cy="0"/>
-          <a:chOff x="0" y="0"/>
-          <a:chExt cx="0" cy="0"/>
-        </a:xfrm>
-      </p:grpSpPr>
-      <p:sp>
-        <p:nvSpPr>
-          <p:cNvPr id="4" name="Title 3">
-            <a:extLst>
-              <a:ext uri="{FF2B5EF4-FFF2-40B4-BE49-F238E27FC236}">
-                <a16:creationId xmlns:a16="http://schemas.microsoft.com/office/drawing/2014/main" id="{AE90C0D7-6A34-964F-8E33-5E36603A25C5}"/>
-              </a:ext>
-            </a:extLst>
-          </p:cNvPr>
-          <p:cNvSpPr>
-            <a:spLocks noGrp="1"/>
-          </p:cNvSpPr>
-          <p:nvPr>
-            <p:ph type="title"/>
-          </p:nvPr>
-        </p:nvSpPr>
-        <p:spPr>
-          <a:xfrm>
-            <a:off x="1268344" y="519298"/>
-            <a:ext cx="7039768" cy="1290459"/>
-          </a:xfrm>
-        </p:spPr>
-        <p:txBody>
-          <a:bodyPr/>
-          <a:lstStyle/>
-          <a:p>
-            <a:r>
-              <a:rPr lang="en-US" dirty="0"/>
-              <a:t>Breadth questions</a:t>
-            </a:r>
-          </a:p>
-        </p:txBody>
-      </p:sp>
-      <p:sp>
-        <p:nvSpPr>
-          <p:cNvPr id="6" name="Text Placeholder 2">
-            <a:extLst>
-              <a:ext uri="{FF2B5EF4-FFF2-40B4-BE49-F238E27FC236}">
-                <a16:creationId xmlns:a16="http://schemas.microsoft.com/office/drawing/2014/main" id="{CC2E7D81-A3D8-E140-B023-A4C267EF860A}"/>
-              </a:ext>
-            </a:extLst>
-          </p:cNvPr>
-          <p:cNvSpPr txBox="1">
-            <a:spLocks/>
-          </p:cNvSpPr>
-          <p:nvPr/>
-        </p:nvSpPr>
-        <p:spPr>
-          <a:xfrm>
-            <a:off x="1268344" y="1993900"/>
-            <a:ext cx="6887369" cy="7131050"/>
-          </a:xfrm>
-          <a:prstGeom prst="rect">
-            <a:avLst/>
-          </a:prstGeom>
-          <a:noFill/>
-          <a:ln>
-            <a:noFill/>
-          </a:ln>
-        </p:spPr>
-        <p:txBody>
-          <a:bodyPr spcFirstLastPara="1" wrap="square" lIns="0" tIns="0" rIns="0" bIns="0" anchor="t" anchorCtr="0">
-            <a:normAutofit fontScale="77500" lnSpcReduction="20000"/>
-          </a:bodyPr>
-          <a:lstStyle>
-            <a:defPPr marR="0" lvl="0" algn="l" rtl="0">
-              <a:lnSpc>
-                <a:spcPct val="100000"/>
-              </a:lnSpc>
-              <a:spcBef>
-                <a:spcPts val="0"/>
-              </a:spcBef>
-              <a:spcAft>
-                <a:spcPts val="0"/>
-              </a:spcAft>
-            </a:defPPr>
-            <a:lvl1pPr marL="457246" marR="0" lvl="0" indent="-285779" algn="l" rtl="0">
-              <a:lnSpc>
-                <a:spcPct val="100000"/>
-              </a:lnSpc>
-              <a:spcBef>
-                <a:spcPts val="4200"/>
-              </a:spcBef>
-              <a:spcAft>
-                <a:spcPts val="0"/>
-              </a:spcAft>
-              <a:buClr>
-                <a:srgbClr val="0D71BC"/>
-              </a:buClr>
-              <a:buSzPct val="112000"/>
-              <a:buFont typeface="Arial" panose="020B0604020202020204" pitchFamily="34" charset="0"/>
-              <a:buChar char="•"/>
-              <a:defRPr sz="3600" b="0" i="0" u="none" strike="noStrike" cap="none">
-                <a:solidFill>
-                  <a:srgbClr val="0D71BC"/>
-                </a:solidFill>
-                <a:latin typeface="Source Sans Pro" panose="020B0503030403020204" pitchFamily="34" charset="0"/>
-                <a:ea typeface="Source Sans Pro" panose="020B0503030403020204" pitchFamily="34" charset="0"/>
-                <a:cs typeface="Avenir"/>
-                <a:sym typeface="Avenir"/>
-              </a:defRPr>
-            </a:lvl1pPr>
-            <a:lvl2pPr marL="914492" marR="0" lvl="1" indent="-285779" algn="l" rtl="0">
-              <a:lnSpc>
-                <a:spcPct val="100000"/>
-              </a:lnSpc>
-              <a:spcBef>
-                <a:spcPts val="4200"/>
-              </a:spcBef>
-              <a:spcAft>
-                <a:spcPts val="0"/>
-              </a:spcAft>
-              <a:buClr>
-                <a:srgbClr val="0D71BC"/>
-              </a:buClr>
-              <a:buSzPct val="112000"/>
-              <a:buFont typeface="Arial" panose="020B0604020202020204" pitchFamily="34" charset="0"/>
-              <a:buChar char="•"/>
-              <a:defRPr sz="3600" b="0" i="0" u="none" strike="noStrike" cap="none">
-                <a:solidFill>
-                  <a:srgbClr val="0D71BC"/>
-                </a:solidFill>
-                <a:latin typeface="Source Sans Pro" panose="020B0503030403020204" pitchFamily="34" charset="0"/>
-                <a:ea typeface="Source Sans Pro" panose="020B0503030403020204" pitchFamily="34" charset="0"/>
-                <a:cs typeface="Avenir"/>
-                <a:sym typeface="Avenir"/>
-              </a:defRPr>
-            </a:lvl2pPr>
-            <a:lvl3pPr marL="1371737" marR="0" lvl="2" indent="-314357" algn="l" rtl="0">
-              <a:lnSpc>
-                <a:spcPct val="100000"/>
-              </a:lnSpc>
-              <a:spcBef>
-                <a:spcPts val="4200"/>
-              </a:spcBef>
-              <a:spcAft>
-                <a:spcPts val="0"/>
-              </a:spcAft>
-              <a:buClr>
-                <a:srgbClr val="0D71BC"/>
-              </a:buClr>
-              <a:buSzPct val="112000"/>
-              <a:buFont typeface="Arial" panose="020B0604020202020204" pitchFamily="34" charset="0"/>
-              <a:buChar char="•"/>
-              <a:defRPr sz="3600" b="0" i="0" u="none" strike="noStrike" cap="none">
-                <a:solidFill>
-                  <a:srgbClr val="0D71BC"/>
-                </a:solidFill>
-                <a:latin typeface="Source Sans Pro" panose="020B0503030403020204" pitchFamily="34" charset="0"/>
-                <a:ea typeface="Source Sans Pro" panose="020B0503030403020204" pitchFamily="34" charset="0"/>
-                <a:cs typeface="Avenir"/>
-                <a:sym typeface="Avenir"/>
-              </a:defRPr>
-            </a:lvl3pPr>
-            <a:lvl4pPr marL="1828984" marR="0" lvl="3" indent="-314357" algn="l" rtl="0">
-              <a:lnSpc>
-                <a:spcPct val="100000"/>
-              </a:lnSpc>
-              <a:spcBef>
-                <a:spcPts val="4200"/>
-              </a:spcBef>
-              <a:spcAft>
-                <a:spcPts val="0"/>
-              </a:spcAft>
-              <a:buClr>
-                <a:srgbClr val="0D71BC"/>
-              </a:buClr>
-              <a:buSzPct val="112000"/>
-              <a:buFont typeface="Arial" panose="020B0604020202020204" pitchFamily="34" charset="0"/>
-              <a:buChar char="•"/>
-              <a:defRPr sz="3600" b="0" i="0" u="none" strike="noStrike" cap="none">
-                <a:solidFill>
-                  <a:srgbClr val="0D71BC"/>
-                </a:solidFill>
-                <a:latin typeface="Source Sans Pro" panose="020B0503030403020204" pitchFamily="34" charset="0"/>
-                <a:ea typeface="Source Sans Pro" panose="020B0503030403020204" pitchFamily="34" charset="0"/>
-                <a:cs typeface="Avenir"/>
-                <a:sym typeface="Avenir"/>
-              </a:defRPr>
-            </a:lvl4pPr>
-            <a:lvl5pPr marL="2286228" marR="0" lvl="4" indent="-314357" algn="l" rtl="0">
-              <a:lnSpc>
-                <a:spcPct val="100000"/>
-              </a:lnSpc>
-              <a:spcBef>
-                <a:spcPts val="4200"/>
-              </a:spcBef>
-              <a:spcAft>
-                <a:spcPts val="0"/>
-              </a:spcAft>
-              <a:buClr>
-                <a:srgbClr val="0D71BC"/>
-              </a:buClr>
-              <a:buSzPct val="112000"/>
-              <a:buFont typeface="Arial" panose="020B0604020202020204" pitchFamily="34" charset="0"/>
-              <a:buChar char="•"/>
-              <a:defRPr sz="3600" b="0" i="0" u="none" strike="noStrike" cap="none">
-                <a:solidFill>
-                  <a:srgbClr val="0D71BC"/>
-                </a:solidFill>
-                <a:latin typeface="Source Sans Pro" panose="020B0503030403020204" pitchFamily="34" charset="0"/>
-                <a:ea typeface="Source Sans Pro" panose="020B0503030403020204" pitchFamily="34" charset="0"/>
-                <a:cs typeface="Avenir"/>
-                <a:sym typeface="Avenir"/>
-              </a:defRPr>
-            </a:lvl5pPr>
-            <a:lvl6pPr marL="2743475" marR="0" lvl="5" indent="-314357" algn="l" rtl="0">
-              <a:lnSpc>
-                <a:spcPct val="100000"/>
-              </a:lnSpc>
-              <a:spcBef>
-                <a:spcPts val="4200"/>
-              </a:spcBef>
-              <a:spcAft>
-                <a:spcPts val="0"/>
-              </a:spcAft>
-              <a:buClr>
-                <a:srgbClr val="000000"/>
-              </a:buClr>
-              <a:buSzPts val="1350"/>
-              <a:buFont typeface="Rockwell"/>
-              <a:buChar char="•"/>
-              <a:defRPr sz="3600" b="0" i="0" u="none" strike="noStrike" cap="none">
-                <a:solidFill>
-                  <a:srgbClr val="000000"/>
-                </a:solidFill>
-                <a:latin typeface="Rockwell"/>
-                <a:ea typeface="Rockwell"/>
-                <a:cs typeface="Rockwell"/>
-                <a:sym typeface="Rockwell"/>
-              </a:defRPr>
-            </a:lvl6pPr>
-            <a:lvl7pPr marL="3200720" marR="0" lvl="6" indent="-314357" algn="l" rtl="0">
-              <a:lnSpc>
-                <a:spcPct val="100000"/>
-              </a:lnSpc>
-              <a:spcBef>
-                <a:spcPts val="4200"/>
-              </a:spcBef>
-              <a:spcAft>
-                <a:spcPts val="0"/>
-              </a:spcAft>
-              <a:buClr>
-                <a:srgbClr val="000000"/>
-              </a:buClr>
-              <a:buSzPts val="1350"/>
-              <a:buFont typeface="Rockwell"/>
-              <a:buChar char="•"/>
-              <a:defRPr sz="3600" b="0" i="0" u="none" strike="noStrike" cap="none">
-                <a:solidFill>
-                  <a:srgbClr val="000000"/>
-                </a:solidFill>
-                <a:latin typeface="Rockwell"/>
-                <a:ea typeface="Rockwell"/>
-                <a:cs typeface="Rockwell"/>
-                <a:sym typeface="Rockwell"/>
-              </a:defRPr>
-            </a:lvl7pPr>
-            <a:lvl8pPr marL="3657966" marR="0" lvl="7" indent="-314357" algn="l" rtl="0">
-              <a:lnSpc>
-                <a:spcPct val="100000"/>
-              </a:lnSpc>
-              <a:spcBef>
-                <a:spcPts val="4200"/>
-              </a:spcBef>
-              <a:spcAft>
-                <a:spcPts val="0"/>
-              </a:spcAft>
-              <a:buClr>
-                <a:srgbClr val="000000"/>
-              </a:buClr>
-              <a:buSzPts val="1350"/>
-              <a:buFont typeface="Rockwell"/>
-              <a:buChar char="•"/>
-              <a:defRPr sz="3600" b="0" i="0" u="none" strike="noStrike" cap="none">
-                <a:solidFill>
-                  <a:srgbClr val="000000"/>
-                </a:solidFill>
-                <a:latin typeface="Rockwell"/>
-                <a:ea typeface="Rockwell"/>
-                <a:cs typeface="Rockwell"/>
-                <a:sym typeface="Rockwell"/>
-              </a:defRPr>
-            </a:lvl8pPr>
-            <a:lvl9pPr marL="4115212" marR="0" lvl="8" indent="-314357" algn="l" rtl="0">
-              <a:lnSpc>
-                <a:spcPct val="100000"/>
-              </a:lnSpc>
-              <a:spcBef>
-                <a:spcPts val="4200"/>
-              </a:spcBef>
-              <a:spcAft>
-                <a:spcPts val="0"/>
-              </a:spcAft>
-              <a:buClr>
-                <a:srgbClr val="000000"/>
-              </a:buClr>
-              <a:buSzPts val="1350"/>
-              <a:buFont typeface="Rockwell"/>
-              <a:buChar char="•"/>
-              <a:defRPr sz="3600" b="0" i="0" u="none" strike="noStrike" cap="none">
-                <a:solidFill>
-                  <a:srgbClr val="000000"/>
-                </a:solidFill>
-                <a:latin typeface="Rockwell"/>
-                <a:ea typeface="Rockwell"/>
-                <a:cs typeface="Rockwell"/>
-                <a:sym typeface="Rockwell"/>
-              </a:defRPr>
-            </a:lvl9pPr>
-          </a:lstStyle>
-          <a:p>
-            <a:pPr>
-              <a:buClr>
-                <a:schemeClr val="tx2"/>
-              </a:buClr>
-            </a:pPr>
-            <a:r>
-              <a:rPr lang="en-US" dirty="0">
-                <a:solidFill>
-                  <a:schemeClr val="tx2"/>
-                </a:solidFill>
-                <a:latin typeface="Arial" panose="020B0604020202020204" pitchFamily="34" charset="0"/>
-                <a:cs typeface="Arial" panose="020B0604020202020204" pitchFamily="34" charset="0"/>
-              </a:rPr>
-              <a:t>The first interview tests the applicant’s </a:t>
-            </a:r>
-            <a:r>
-              <a:rPr lang="en-US" b="1" i="1" dirty="0">
-                <a:solidFill>
-                  <a:schemeClr val="tx2"/>
-                </a:solidFill>
-                <a:latin typeface="Arial" panose="020B0604020202020204" pitchFamily="34" charset="0"/>
-                <a:cs typeface="Arial" panose="020B0604020202020204" pitchFamily="34" charset="0"/>
-              </a:rPr>
-              <a:t>breadth of experience</a:t>
-            </a:r>
-            <a:r>
-              <a:rPr lang="en-US" b="1" dirty="0">
-                <a:solidFill>
-                  <a:schemeClr val="tx2"/>
-                </a:solidFill>
-                <a:latin typeface="Arial" panose="020B0604020202020204" pitchFamily="34" charset="0"/>
-                <a:cs typeface="Arial" panose="020B0604020202020204" pitchFamily="34" charset="0"/>
-              </a:rPr>
-              <a:t> </a:t>
-            </a:r>
-            <a:r>
-              <a:rPr lang="en-US" dirty="0">
-                <a:solidFill>
-                  <a:schemeClr val="tx2"/>
-                </a:solidFill>
-                <a:latin typeface="Arial" panose="020B0604020202020204" pitchFamily="34" charset="0"/>
-                <a:cs typeface="Arial" panose="020B0604020202020204" pitchFamily="34" charset="0"/>
-              </a:rPr>
-              <a:t>across the competencies.</a:t>
-            </a:r>
-          </a:p>
-          <a:p>
-            <a:pPr>
-              <a:buClr>
-                <a:schemeClr val="tx2"/>
-              </a:buClr>
-            </a:pPr>
-            <a:r>
-              <a:rPr lang="en-US" dirty="0">
-                <a:solidFill>
-                  <a:schemeClr val="tx2"/>
-                </a:solidFill>
-                <a:latin typeface="Arial" panose="020B0604020202020204" pitchFamily="34" charset="0"/>
-                <a:cs typeface="Arial" panose="020B0604020202020204" pitchFamily="34" charset="0"/>
-              </a:rPr>
-              <a:t>Breadth questions tend to take 5-10 minutes for an applicant to answer.</a:t>
-            </a:r>
-          </a:p>
-          <a:p>
-            <a:pPr>
-              <a:buClr>
-                <a:schemeClr val="tx2"/>
-              </a:buClr>
-            </a:pPr>
-            <a:r>
-              <a:rPr lang="en-US" dirty="0">
-                <a:solidFill>
-                  <a:schemeClr val="tx2"/>
-                </a:solidFill>
-                <a:latin typeface="Arial" panose="020B0604020202020204" pitchFamily="34" charset="0"/>
-                <a:cs typeface="Arial" panose="020B0604020202020204" pitchFamily="34" charset="0"/>
-              </a:rPr>
-              <a:t>Breadth questions test if an applicant has experience, knowledge, or exposure to a general topic.</a:t>
-            </a:r>
-          </a:p>
-          <a:p>
-            <a:pPr>
-              <a:buClr>
-                <a:schemeClr val="tx2"/>
-              </a:buClr>
-            </a:pPr>
-            <a:r>
-              <a:rPr lang="en-US" dirty="0">
-                <a:solidFill>
-                  <a:schemeClr val="tx2"/>
-                </a:solidFill>
-                <a:latin typeface="Arial" panose="020B0604020202020204" pitchFamily="34" charset="0"/>
-                <a:cs typeface="Arial" panose="020B0604020202020204" pitchFamily="34" charset="0"/>
-              </a:rPr>
-              <a:t>Breadth: Limit follow up questions to basic probe questions (i.e., “What was your role?” or  “Can you tell me more?”)</a:t>
-            </a:r>
-          </a:p>
-        </p:txBody>
-      </p:sp>
-      <p:sp>
-        <p:nvSpPr>
-          <p:cNvPr id="7" name="Text Placeholder 2">
-            <a:extLst>
-              <a:ext uri="{FF2B5EF4-FFF2-40B4-BE49-F238E27FC236}">
-                <a16:creationId xmlns:a16="http://schemas.microsoft.com/office/drawing/2014/main" id="{0C03725A-973B-874F-AC9C-1B79D87F47DD}"/>
-              </a:ext>
-            </a:extLst>
-          </p:cNvPr>
-          <p:cNvSpPr txBox="1">
-            <a:spLocks/>
-          </p:cNvSpPr>
-          <p:nvPr/>
-        </p:nvSpPr>
-        <p:spPr>
-          <a:xfrm>
-            <a:off x="8670131" y="1993900"/>
-            <a:ext cx="6887369" cy="7131050"/>
-          </a:xfrm>
-          <a:prstGeom prst="rect">
-            <a:avLst/>
-          </a:prstGeom>
-          <a:noFill/>
-          <a:ln>
-            <a:noFill/>
-          </a:ln>
-        </p:spPr>
-        <p:txBody>
-          <a:bodyPr spcFirstLastPara="1" wrap="square" lIns="0" tIns="0" rIns="0" bIns="0" anchor="t" anchorCtr="0">
-            <a:normAutofit fontScale="77500" lnSpcReduction="20000"/>
-          </a:bodyPr>
-          <a:lstStyle>
-            <a:defPPr marR="0" lvl="0" algn="l" rtl="0">
-              <a:lnSpc>
-                <a:spcPct val="100000"/>
-              </a:lnSpc>
-              <a:spcBef>
-                <a:spcPts val="0"/>
-              </a:spcBef>
-              <a:spcAft>
-                <a:spcPts val="0"/>
-              </a:spcAft>
-            </a:defPPr>
-            <a:lvl1pPr marL="457246" marR="0" lvl="0" indent="-285779" algn="l" rtl="0">
-              <a:lnSpc>
-                <a:spcPct val="100000"/>
-              </a:lnSpc>
-              <a:spcBef>
-                <a:spcPts val="4200"/>
-              </a:spcBef>
-              <a:spcAft>
-                <a:spcPts val="0"/>
-              </a:spcAft>
-              <a:buClr>
-                <a:srgbClr val="0D71BC"/>
-              </a:buClr>
-              <a:buSzPct val="112000"/>
-              <a:buFont typeface="Arial" panose="020B0604020202020204" pitchFamily="34" charset="0"/>
-              <a:buChar char="•"/>
-              <a:defRPr sz="3600" b="0" i="0" u="none" strike="noStrike" cap="none">
-                <a:solidFill>
-                  <a:srgbClr val="0D71BC"/>
-                </a:solidFill>
-                <a:latin typeface="Source Sans Pro" panose="020B0503030403020204" pitchFamily="34" charset="0"/>
-                <a:ea typeface="Source Sans Pro" panose="020B0503030403020204" pitchFamily="34" charset="0"/>
-                <a:cs typeface="Avenir"/>
-                <a:sym typeface="Avenir"/>
-              </a:defRPr>
-            </a:lvl1pPr>
-            <a:lvl2pPr marL="914492" marR="0" lvl="1" indent="-285779" algn="l" rtl="0">
-              <a:lnSpc>
-                <a:spcPct val="100000"/>
-              </a:lnSpc>
-              <a:spcBef>
-                <a:spcPts val="4200"/>
-              </a:spcBef>
-              <a:spcAft>
-                <a:spcPts val="0"/>
-              </a:spcAft>
-              <a:buClr>
-                <a:srgbClr val="0D71BC"/>
-              </a:buClr>
-              <a:buSzPct val="112000"/>
-              <a:buFont typeface="Arial" panose="020B0604020202020204" pitchFamily="34" charset="0"/>
-              <a:buChar char="•"/>
-              <a:defRPr sz="3600" b="0" i="0" u="none" strike="noStrike" cap="none">
-                <a:solidFill>
-                  <a:srgbClr val="0D71BC"/>
-                </a:solidFill>
-                <a:latin typeface="Source Sans Pro" panose="020B0503030403020204" pitchFamily="34" charset="0"/>
-                <a:ea typeface="Source Sans Pro" panose="020B0503030403020204" pitchFamily="34" charset="0"/>
-                <a:cs typeface="Avenir"/>
-                <a:sym typeface="Avenir"/>
-              </a:defRPr>
-            </a:lvl2pPr>
-            <a:lvl3pPr marL="1371737" marR="0" lvl="2" indent="-314357" algn="l" rtl="0">
-              <a:lnSpc>
-                <a:spcPct val="100000"/>
-              </a:lnSpc>
-              <a:spcBef>
-                <a:spcPts val="4200"/>
-              </a:spcBef>
-              <a:spcAft>
-                <a:spcPts val="0"/>
-              </a:spcAft>
-              <a:buClr>
-                <a:srgbClr val="0D71BC"/>
-              </a:buClr>
-              <a:buSzPct val="112000"/>
-              <a:buFont typeface="Arial" panose="020B0604020202020204" pitchFamily="34" charset="0"/>
-              <a:buChar char="•"/>
-              <a:defRPr sz="3600" b="0" i="0" u="none" strike="noStrike" cap="none">
-                <a:solidFill>
-                  <a:srgbClr val="0D71BC"/>
-                </a:solidFill>
-                <a:latin typeface="Source Sans Pro" panose="020B0503030403020204" pitchFamily="34" charset="0"/>
-                <a:ea typeface="Source Sans Pro" panose="020B0503030403020204" pitchFamily="34" charset="0"/>
-                <a:cs typeface="Avenir"/>
-                <a:sym typeface="Avenir"/>
-              </a:defRPr>
-            </a:lvl3pPr>
-            <a:lvl4pPr marL="1828984" marR="0" lvl="3" indent="-314357" algn="l" rtl="0">
-              <a:lnSpc>
-                <a:spcPct val="100000"/>
-              </a:lnSpc>
-              <a:spcBef>
-                <a:spcPts val="4200"/>
-              </a:spcBef>
-              <a:spcAft>
-                <a:spcPts val="0"/>
-              </a:spcAft>
-              <a:buClr>
-                <a:srgbClr val="0D71BC"/>
-              </a:buClr>
-              <a:buSzPct val="112000"/>
-              <a:buFont typeface="Arial" panose="020B0604020202020204" pitchFamily="34" charset="0"/>
-              <a:buChar char="•"/>
-              <a:defRPr sz="3600" b="0" i="0" u="none" strike="noStrike" cap="none">
-                <a:solidFill>
-                  <a:srgbClr val="0D71BC"/>
-                </a:solidFill>
-                <a:latin typeface="Source Sans Pro" panose="020B0503030403020204" pitchFamily="34" charset="0"/>
-                <a:ea typeface="Source Sans Pro" panose="020B0503030403020204" pitchFamily="34" charset="0"/>
-                <a:cs typeface="Avenir"/>
-                <a:sym typeface="Avenir"/>
-              </a:defRPr>
-            </a:lvl4pPr>
-            <a:lvl5pPr marL="2286228" marR="0" lvl="4" indent="-314357" algn="l" rtl="0">
-              <a:lnSpc>
-                <a:spcPct val="100000"/>
-              </a:lnSpc>
-              <a:spcBef>
-                <a:spcPts val="4200"/>
-              </a:spcBef>
-              <a:spcAft>
-                <a:spcPts val="0"/>
-              </a:spcAft>
-              <a:buClr>
-                <a:srgbClr val="0D71BC"/>
-              </a:buClr>
-              <a:buSzPct val="112000"/>
-              <a:buFont typeface="Arial" panose="020B0604020202020204" pitchFamily="34" charset="0"/>
-              <a:buChar char="•"/>
-              <a:defRPr sz="3600" b="0" i="0" u="none" strike="noStrike" cap="none">
-                <a:solidFill>
-                  <a:srgbClr val="0D71BC"/>
-                </a:solidFill>
-                <a:latin typeface="Source Sans Pro" panose="020B0503030403020204" pitchFamily="34" charset="0"/>
-                <a:ea typeface="Source Sans Pro" panose="020B0503030403020204" pitchFamily="34" charset="0"/>
-                <a:cs typeface="Avenir"/>
-                <a:sym typeface="Avenir"/>
-              </a:defRPr>
-            </a:lvl5pPr>
-            <a:lvl6pPr marL="2743475" marR="0" lvl="5" indent="-314357" algn="l" rtl="0">
-              <a:lnSpc>
-                <a:spcPct val="100000"/>
-              </a:lnSpc>
-              <a:spcBef>
-                <a:spcPts val="4200"/>
-              </a:spcBef>
-              <a:spcAft>
-                <a:spcPts val="0"/>
-              </a:spcAft>
-              <a:buClr>
-                <a:srgbClr val="000000"/>
-              </a:buClr>
-              <a:buSzPts val="1350"/>
-              <a:buFont typeface="Rockwell"/>
-              <a:buChar char="•"/>
-              <a:defRPr sz="3600" b="0" i="0" u="none" strike="noStrike" cap="none">
-                <a:solidFill>
-                  <a:srgbClr val="000000"/>
-                </a:solidFill>
-                <a:latin typeface="Rockwell"/>
-                <a:ea typeface="Rockwell"/>
-                <a:cs typeface="Rockwell"/>
-                <a:sym typeface="Rockwell"/>
-              </a:defRPr>
-            </a:lvl6pPr>
-            <a:lvl7pPr marL="3200720" marR="0" lvl="6" indent="-314357" algn="l" rtl="0">
-              <a:lnSpc>
-                <a:spcPct val="100000"/>
-              </a:lnSpc>
-              <a:spcBef>
-                <a:spcPts val="4200"/>
-              </a:spcBef>
-              <a:spcAft>
-                <a:spcPts val="0"/>
-              </a:spcAft>
-              <a:buClr>
-                <a:srgbClr val="000000"/>
-              </a:buClr>
-              <a:buSzPts val="1350"/>
-              <a:buFont typeface="Rockwell"/>
-              <a:buChar char="•"/>
-              <a:defRPr sz="3600" b="0" i="0" u="none" strike="noStrike" cap="none">
-                <a:solidFill>
-                  <a:srgbClr val="000000"/>
-                </a:solidFill>
-                <a:latin typeface="Rockwell"/>
-                <a:ea typeface="Rockwell"/>
-                <a:cs typeface="Rockwell"/>
-                <a:sym typeface="Rockwell"/>
-              </a:defRPr>
-            </a:lvl7pPr>
-            <a:lvl8pPr marL="3657966" marR="0" lvl="7" indent="-314357" algn="l" rtl="0">
-              <a:lnSpc>
-                <a:spcPct val="100000"/>
-              </a:lnSpc>
-              <a:spcBef>
-                <a:spcPts val="4200"/>
-              </a:spcBef>
-              <a:spcAft>
-                <a:spcPts val="0"/>
-              </a:spcAft>
-              <a:buClr>
-                <a:srgbClr val="000000"/>
-              </a:buClr>
-              <a:buSzPts val="1350"/>
-              <a:buFont typeface="Rockwell"/>
-              <a:buChar char="•"/>
-              <a:defRPr sz="3600" b="0" i="0" u="none" strike="noStrike" cap="none">
-                <a:solidFill>
-                  <a:srgbClr val="000000"/>
-                </a:solidFill>
-                <a:latin typeface="Rockwell"/>
-                <a:ea typeface="Rockwell"/>
-                <a:cs typeface="Rockwell"/>
-                <a:sym typeface="Rockwell"/>
-              </a:defRPr>
-            </a:lvl8pPr>
-            <a:lvl9pPr marL="4115212" marR="0" lvl="8" indent="-314357" algn="l" rtl="0">
-              <a:lnSpc>
-                <a:spcPct val="100000"/>
-              </a:lnSpc>
-              <a:spcBef>
-                <a:spcPts val="4200"/>
-              </a:spcBef>
-              <a:spcAft>
-                <a:spcPts val="0"/>
-              </a:spcAft>
-              <a:buClr>
-                <a:srgbClr val="000000"/>
-              </a:buClr>
-              <a:buSzPts val="1350"/>
-              <a:buFont typeface="Rockwell"/>
-              <a:buChar char="•"/>
-              <a:defRPr sz="3600" b="0" i="0" u="none" strike="noStrike" cap="none">
-                <a:solidFill>
-                  <a:srgbClr val="000000"/>
-                </a:solidFill>
-                <a:latin typeface="Rockwell"/>
-                <a:ea typeface="Rockwell"/>
-                <a:cs typeface="Rockwell"/>
-                <a:sym typeface="Rockwell"/>
-              </a:defRPr>
-            </a:lvl9pPr>
-          </a:lstStyle>
-          <a:p>
-            <a:pPr>
-              <a:buClr>
-                <a:schemeClr val="tx2"/>
-              </a:buClr>
-            </a:pPr>
-            <a:r>
-              <a:rPr lang="en-US" dirty="0">
-                <a:solidFill>
-                  <a:schemeClr val="tx2"/>
-                </a:solidFill>
-                <a:latin typeface="Arial" panose="020B0604020202020204" pitchFamily="34" charset="0"/>
-                <a:cs typeface="Arial" panose="020B0604020202020204" pitchFamily="34" charset="0"/>
-              </a:rPr>
-              <a:t>The second interview tests the applicant’s </a:t>
-            </a:r>
-            <a:r>
-              <a:rPr lang="en-US" b="1" i="1" dirty="0">
-                <a:solidFill>
-                  <a:schemeClr val="tx2"/>
-                </a:solidFill>
-                <a:latin typeface="Arial" panose="020B0604020202020204" pitchFamily="34" charset="0"/>
-                <a:cs typeface="Arial" panose="020B0604020202020204" pitchFamily="34" charset="0"/>
-              </a:rPr>
-              <a:t>depth of knowledge</a:t>
-            </a:r>
-            <a:r>
-              <a:rPr lang="en-US" b="1" dirty="0">
-                <a:solidFill>
-                  <a:schemeClr val="tx2"/>
-                </a:solidFill>
-                <a:latin typeface="Arial" panose="020B0604020202020204" pitchFamily="34" charset="0"/>
-                <a:cs typeface="Arial" panose="020B0604020202020204" pitchFamily="34" charset="0"/>
-              </a:rPr>
-              <a:t> </a:t>
-            </a:r>
-            <a:r>
-              <a:rPr lang="en-US" dirty="0">
-                <a:solidFill>
-                  <a:schemeClr val="tx2"/>
-                </a:solidFill>
-                <a:latin typeface="Arial" panose="020B0604020202020204" pitchFamily="34" charset="0"/>
-                <a:cs typeface="Arial" panose="020B0604020202020204" pitchFamily="34" charset="0"/>
-              </a:rPr>
-              <a:t>across the competencies.</a:t>
-            </a:r>
-          </a:p>
-          <a:p>
-            <a:pPr>
-              <a:buClr>
-                <a:schemeClr val="tx2"/>
-              </a:buClr>
-            </a:pPr>
-            <a:r>
-              <a:rPr lang="en-US" dirty="0">
-                <a:solidFill>
-                  <a:schemeClr val="tx2"/>
-                </a:solidFill>
-                <a:latin typeface="Arial" panose="020B0604020202020204" pitchFamily="34" charset="0"/>
-                <a:cs typeface="Arial" panose="020B0604020202020204" pitchFamily="34" charset="0"/>
-              </a:rPr>
-              <a:t>Depth questions can take up to 10-15 minutes for an applicant to answer. </a:t>
-            </a:r>
-          </a:p>
-          <a:p>
-            <a:pPr>
-              <a:buClr>
-                <a:schemeClr val="tx2"/>
-              </a:buClr>
-            </a:pPr>
-            <a:r>
-              <a:rPr lang="en-US" dirty="0">
-                <a:solidFill>
-                  <a:schemeClr val="tx2"/>
-                </a:solidFill>
-                <a:latin typeface="Arial" panose="020B0604020202020204" pitchFamily="34" charset="0"/>
-                <a:cs typeface="Arial" panose="020B0604020202020204" pitchFamily="34" charset="0"/>
-              </a:rPr>
-              <a:t>Depth questions test how an applicant reacts and responds to changes in the presented situation.</a:t>
-            </a:r>
-          </a:p>
-          <a:p>
-            <a:pPr>
-              <a:buClr>
-                <a:schemeClr val="tx2"/>
-              </a:buClr>
-            </a:pPr>
-            <a:r>
-              <a:rPr lang="en-US" dirty="0">
-                <a:solidFill>
-                  <a:schemeClr val="tx2"/>
-                </a:solidFill>
-                <a:latin typeface="Arial" panose="020B0604020202020204" pitchFamily="34" charset="0"/>
-                <a:cs typeface="Arial" panose="020B0604020202020204" pitchFamily="34" charset="0"/>
-              </a:rPr>
-              <a:t>Depth: Mandated follow up questions that probe deeper (i.e., “Now imagine...” or “Tell me about a time you've experienced that hypothetical in real life.”).</a:t>
-            </a:r>
-          </a:p>
-          <a:p>
-            <a:pPr>
-              <a:buClr>
-                <a:schemeClr val="tx2"/>
-              </a:buClr>
-            </a:pPr>
-            <a:endParaRPr lang="en-US" dirty="0">
-              <a:solidFill>
-                <a:schemeClr val="tx2"/>
-              </a:solidFill>
-              <a:latin typeface="Arial" panose="020B0604020202020204" pitchFamily="34" charset="0"/>
-              <a:cs typeface="Arial" panose="020B0604020202020204" pitchFamily="34" charset="0"/>
-            </a:endParaRPr>
-          </a:p>
-        </p:txBody>
-      </p:sp>
-      <p:sp>
-        <p:nvSpPr>
-          <p:cNvPr id="8" name="Title 3">
-            <a:extLst>
-              <a:ext uri="{FF2B5EF4-FFF2-40B4-BE49-F238E27FC236}">
-                <a16:creationId xmlns:a16="http://schemas.microsoft.com/office/drawing/2014/main" id="{03688122-A7F5-3048-AD5C-54D50A88EE13}"/>
-              </a:ext>
-            </a:extLst>
-          </p:cNvPr>
-          <p:cNvSpPr txBox="1">
-            <a:spLocks/>
-          </p:cNvSpPr>
-          <p:nvPr/>
-        </p:nvSpPr>
-        <p:spPr>
-          <a:xfrm>
-            <a:off x="8670131" y="505196"/>
-            <a:ext cx="7039768" cy="1290459"/>
-          </a:xfrm>
-          <a:prstGeom prst="rect">
-            <a:avLst/>
-          </a:prstGeom>
-          <a:noFill/>
-          <a:ln>
-            <a:noFill/>
-          </a:ln>
-        </p:spPr>
-        <p:txBody>
-          <a:bodyPr spcFirstLastPara="1" wrap="square" lIns="91425" tIns="45700" rIns="91425" bIns="45700" anchor="t" anchorCtr="0"/>
-          <a:lstStyle>
-            <a:defPPr marR="0" lvl="0" algn="l" rtl="0">
-              <a:lnSpc>
-                <a:spcPct val="100000"/>
-              </a:lnSpc>
-              <a:spcBef>
-                <a:spcPts val="0"/>
-              </a:spcBef>
-              <a:spcAft>
-                <a:spcPts val="0"/>
-              </a:spcAft>
-            </a:defPPr>
-            <a:lvl1pPr marR="0" lvl="0" algn="l" rtl="0">
-              <a:lnSpc>
-                <a:spcPct val="100000"/>
-              </a:lnSpc>
-              <a:spcBef>
-                <a:spcPts val="0"/>
-              </a:spcBef>
-              <a:spcAft>
-                <a:spcPts val="0"/>
-              </a:spcAft>
-              <a:buClr>
-                <a:srgbClr val="000000"/>
-              </a:buClr>
-              <a:buSzPts val="1400"/>
-              <a:buFont typeface="Arial"/>
-              <a:buNone/>
-              <a:defRPr sz="3600" b="1" i="0" u="none" strike="noStrike" cap="all" baseline="0">
-                <a:solidFill>
-                  <a:srgbClr val="0D71BC"/>
-                </a:solidFill>
-                <a:latin typeface="Source Sans Pro SemiBold" panose="020B0503030403020204" pitchFamily="34" charset="0"/>
-                <a:ea typeface="Source Sans Pro SemiBold" panose="020B0503030403020204" pitchFamily="34" charset="0"/>
-                <a:cs typeface="Source Sans Pro SemiBold" panose="020B0503030403020204" pitchFamily="34" charset="0"/>
-                <a:sym typeface="Avenir"/>
-              </a:defRPr>
-            </a:lvl1pPr>
-            <a:lvl2pPr marR="0" lvl="1" algn="ctr" rtl="0">
-              <a:lnSpc>
-                <a:spcPct val="100000"/>
-              </a:lnSpc>
-              <a:spcBef>
-                <a:spcPts val="0"/>
-              </a:spcBef>
-              <a:spcAft>
-                <a:spcPts val="0"/>
-              </a:spcAft>
-              <a:buClr>
-                <a:srgbClr val="000000"/>
-              </a:buClr>
-              <a:buSzPts val="1400"/>
-              <a:buFont typeface="Arial"/>
-              <a:buNone/>
-              <a:defRPr sz="8000" b="0" i="0" u="none" strike="noStrike" cap="none">
-                <a:solidFill>
-                  <a:srgbClr val="000000"/>
-                </a:solidFill>
-                <a:latin typeface="Rockwell"/>
-                <a:ea typeface="Rockwell"/>
-                <a:cs typeface="Rockwell"/>
-                <a:sym typeface="Rockwell"/>
-              </a:defRPr>
-            </a:lvl2pPr>
-            <a:lvl3pPr marR="0" lvl="2" algn="ctr" rtl="0">
-              <a:lnSpc>
-                <a:spcPct val="100000"/>
-              </a:lnSpc>
-              <a:spcBef>
-                <a:spcPts val="0"/>
-              </a:spcBef>
-              <a:spcAft>
-                <a:spcPts val="0"/>
-              </a:spcAft>
-              <a:buClr>
-                <a:srgbClr val="000000"/>
-              </a:buClr>
-              <a:buSzPts val="1400"/>
-              <a:buFont typeface="Arial"/>
-              <a:buNone/>
-              <a:defRPr sz="8000" b="0" i="0" u="none" strike="noStrike" cap="none">
-                <a:solidFill>
-                  <a:srgbClr val="000000"/>
-                </a:solidFill>
-                <a:latin typeface="Rockwell"/>
-                <a:ea typeface="Rockwell"/>
-                <a:cs typeface="Rockwell"/>
-                <a:sym typeface="Rockwell"/>
-              </a:defRPr>
-            </a:lvl3pPr>
-            <a:lvl4pPr marR="0" lvl="3" algn="ctr" rtl="0">
-              <a:lnSpc>
-                <a:spcPct val="100000"/>
-              </a:lnSpc>
-              <a:spcBef>
-                <a:spcPts val="0"/>
-              </a:spcBef>
-              <a:spcAft>
-                <a:spcPts val="0"/>
-              </a:spcAft>
-              <a:buClr>
-                <a:srgbClr val="000000"/>
-              </a:buClr>
-              <a:buSzPts val="1400"/>
-              <a:buFont typeface="Arial"/>
-              <a:buNone/>
-              <a:defRPr sz="8000" b="0" i="0" u="none" strike="noStrike" cap="none">
-                <a:solidFill>
-                  <a:srgbClr val="000000"/>
-                </a:solidFill>
-                <a:latin typeface="Rockwell"/>
-                <a:ea typeface="Rockwell"/>
-                <a:cs typeface="Rockwell"/>
-                <a:sym typeface="Rockwell"/>
-              </a:defRPr>
-            </a:lvl4pPr>
-            <a:lvl5pPr marR="0" lvl="4" algn="ctr" rtl="0">
-              <a:lnSpc>
-                <a:spcPct val="100000"/>
-              </a:lnSpc>
-              <a:spcBef>
-                <a:spcPts val="0"/>
-              </a:spcBef>
-              <a:spcAft>
-                <a:spcPts val="0"/>
-              </a:spcAft>
-              <a:buClr>
-                <a:srgbClr val="000000"/>
-              </a:buClr>
-              <a:buSzPts val="1400"/>
-              <a:buFont typeface="Arial"/>
-              <a:buNone/>
-              <a:defRPr sz="8000" b="0" i="0" u="none" strike="noStrike" cap="none">
-                <a:solidFill>
-                  <a:srgbClr val="000000"/>
-                </a:solidFill>
-                <a:latin typeface="Rockwell"/>
-                <a:ea typeface="Rockwell"/>
-                <a:cs typeface="Rockwell"/>
-                <a:sym typeface="Rockwell"/>
-              </a:defRPr>
-            </a:lvl5pPr>
-            <a:lvl6pPr marR="0" lvl="5" algn="ctr" rtl="0">
-              <a:lnSpc>
-                <a:spcPct val="100000"/>
-              </a:lnSpc>
-              <a:spcBef>
-                <a:spcPts val="0"/>
-              </a:spcBef>
-              <a:spcAft>
-                <a:spcPts val="0"/>
-              </a:spcAft>
-              <a:buClr>
-                <a:srgbClr val="000000"/>
-              </a:buClr>
-              <a:buSzPts val="1400"/>
-              <a:buFont typeface="Arial"/>
-              <a:buNone/>
-              <a:defRPr sz="8000" b="0" i="0" u="none" strike="noStrike" cap="none">
-                <a:solidFill>
-                  <a:srgbClr val="000000"/>
-                </a:solidFill>
-                <a:latin typeface="Rockwell"/>
-                <a:ea typeface="Rockwell"/>
-                <a:cs typeface="Rockwell"/>
-                <a:sym typeface="Rockwell"/>
-              </a:defRPr>
-            </a:lvl6pPr>
-            <a:lvl7pPr marR="0" lvl="6" algn="ctr" rtl="0">
-              <a:lnSpc>
-                <a:spcPct val="100000"/>
-              </a:lnSpc>
-              <a:spcBef>
-                <a:spcPts val="0"/>
-              </a:spcBef>
-              <a:spcAft>
-                <a:spcPts val="0"/>
-              </a:spcAft>
-              <a:buClr>
-                <a:srgbClr val="000000"/>
-              </a:buClr>
-              <a:buSzPts val="1400"/>
-              <a:buFont typeface="Arial"/>
-              <a:buNone/>
-              <a:defRPr sz="8000" b="0" i="0" u="none" strike="noStrike" cap="none">
-                <a:solidFill>
-                  <a:srgbClr val="000000"/>
-                </a:solidFill>
-                <a:latin typeface="Rockwell"/>
-                <a:ea typeface="Rockwell"/>
-                <a:cs typeface="Rockwell"/>
-                <a:sym typeface="Rockwell"/>
-              </a:defRPr>
-            </a:lvl7pPr>
-            <a:lvl8pPr marR="0" lvl="7" algn="ctr" rtl="0">
-              <a:lnSpc>
-                <a:spcPct val="100000"/>
-              </a:lnSpc>
-              <a:spcBef>
-                <a:spcPts val="0"/>
-              </a:spcBef>
-              <a:spcAft>
-                <a:spcPts val="0"/>
-              </a:spcAft>
-              <a:buClr>
-                <a:srgbClr val="000000"/>
-              </a:buClr>
-              <a:buSzPts val="1400"/>
-              <a:buFont typeface="Arial"/>
-              <a:buNone/>
-              <a:defRPr sz="8000" b="0" i="0" u="none" strike="noStrike" cap="none">
-                <a:solidFill>
-                  <a:srgbClr val="000000"/>
-                </a:solidFill>
-                <a:latin typeface="Rockwell"/>
-                <a:ea typeface="Rockwell"/>
-                <a:cs typeface="Rockwell"/>
-                <a:sym typeface="Rockwell"/>
-              </a:defRPr>
-            </a:lvl8pPr>
-            <a:lvl9pPr marR="0" lvl="8" algn="ctr" rtl="0">
-              <a:lnSpc>
-                <a:spcPct val="100000"/>
-              </a:lnSpc>
-              <a:spcBef>
-                <a:spcPts val="0"/>
-              </a:spcBef>
-              <a:spcAft>
-                <a:spcPts val="0"/>
-              </a:spcAft>
-              <a:buClr>
-                <a:srgbClr val="000000"/>
-              </a:buClr>
-              <a:buSzPts val="1400"/>
-              <a:buFont typeface="Arial"/>
-              <a:buNone/>
-              <a:defRPr sz="8000" b="0" i="0" u="none" strike="noStrike" cap="none">
-                <a:solidFill>
-                  <a:srgbClr val="000000"/>
-                </a:solidFill>
-                <a:latin typeface="Rockwell"/>
-                <a:ea typeface="Rockwell"/>
-                <a:cs typeface="Rockwell"/>
-                <a:sym typeface="Rockwell"/>
-              </a:defRPr>
-            </a:lvl9pPr>
-          </a:lstStyle>
-          <a:p>
-            <a:r>
-              <a:rPr lang="en-US" dirty="0">
-                <a:solidFill>
-                  <a:schemeClr val="tx2"/>
-                </a:solidFill>
-                <a:latin typeface="+mn-lt"/>
-              </a:rPr>
-              <a:t>Depth questions</a:t>
-            </a:r>
-          </a:p>
-        </p:txBody>
-      </p:sp>
-      <p:sp>
-        <p:nvSpPr>
-          <p:cNvPr id="9" name="Rectangle 8">
-            <a:extLst>
-              <a:ext uri="{FF2B5EF4-FFF2-40B4-BE49-F238E27FC236}">
-                <a16:creationId xmlns:a16="http://schemas.microsoft.com/office/drawing/2014/main" id="{1503535E-A95D-194A-BCC3-2DC71399598E}"/>
-              </a:ext>
-            </a:extLst>
-          </p:cNvPr>
-          <p:cNvSpPr/>
-          <p:nvPr/>
-        </p:nvSpPr>
-        <p:spPr>
-          <a:xfrm>
-            <a:off x="1734112" y="3746809"/>
-            <a:ext cx="13872117" cy="2141034"/>
-          </a:xfrm>
-          <a:prstGeom prst="rect">
-            <a:avLst/>
-          </a:prstGeom>
-          <a:solidFill>
-            <a:srgbClr val="FFFF00"/>
-          </a:solidFill>
-        </p:spPr>
-        <p:style>
-          <a:lnRef idx="2">
-            <a:schemeClr val="accent1">
-              <a:shade val="50000"/>
-            </a:schemeClr>
-          </a:lnRef>
-          <a:fillRef idx="1">
-            <a:schemeClr val="accent1"/>
-          </a:fillRef>
-          <a:effectRef idx="0">
-            <a:schemeClr val="accent1"/>
-          </a:effectRef>
-          <a:fontRef idx="minor">
-            <a:schemeClr val="lt1"/>
-          </a:fontRef>
-        </p:style>
-        <p:txBody>
-          <a:bodyPr rtlCol="0" anchor="ctr"/>
-          <a:lstStyle/>
-          <a:p>
-            <a:pPr algn="ctr"/>
-            <a:r>
-              <a:rPr lang="en-US" sz="3600" b="1" dirty="0">
-                <a:solidFill>
-                  <a:schemeClr val="tx2"/>
-                </a:solidFill>
-                <a:latin typeface="+mj-lt"/>
-              </a:rPr>
-              <a:t>Use this slide if doing two structured interview assessments</a:t>
-            </a:r>
-          </a:p>
-          <a:p>
-            <a:pPr algn="ctr"/>
-            <a:endParaRPr lang="en-US" dirty="0"/>
-          </a:p>
-        </p:txBody>
-      </p:sp>
-    </p:spTree>
-    <p:extLst>
-      <p:ext uri="{BB962C8B-B14F-4D97-AF65-F5344CB8AC3E}">
-        <p14:creationId xmlns:p14="http://schemas.microsoft.com/office/powerpoint/2010/main" val="1075016947"/>
-      </p:ext>
-    </p:extLst>
-  </p:cSld>
-  <p:clrMapOvr>
-    <a:masterClrMapping/>
-  </p:clrMapOvr>
-</p:sld>
-</file>
-
-<file path=ppt/slides/slide26.xml><?xml version="1.0" encoding="utf-8"?>
-<p:sld xmlns:a="http://schemas.openxmlformats.org/drawingml/2006/main" xmlns:r="http://schemas.openxmlformats.org/officeDocument/2006/relationships" xmlns:p="http://schemas.openxmlformats.org/presentationml/2006/main">
-  <p:cSld>
-    <p:spTree>
-      <p:nvGrpSpPr>
-        <p:cNvPr id="1" name=""/>
-        <p:cNvGrpSpPr/>
-        <p:nvPr/>
-      </p:nvGrpSpPr>
-      <p:grpSpPr>
-        <a:xfrm>
-          <a:off x="0" y="0"/>
-          <a:ext cx="0" cy="0"/>
-          <a:chOff x="0" y="0"/>
-          <a:chExt cx="0" cy="0"/>
-        </a:xfrm>
-      </p:grpSpPr>
-      <p:sp>
-        <p:nvSpPr>
-          <p:cNvPr id="4" name="Title 3">
-            <a:extLst>
-              <a:ext uri="{FF2B5EF4-FFF2-40B4-BE49-F238E27FC236}">
-                <a16:creationId xmlns:a16="http://schemas.microsoft.com/office/drawing/2014/main" id="{AE90C0D7-6A34-964F-8E33-5E36603A25C5}"/>
-              </a:ext>
-            </a:extLst>
-          </p:cNvPr>
-          <p:cNvSpPr>
-            <a:spLocks noGrp="1"/>
-          </p:cNvSpPr>
-          <p:nvPr>
-            <p:ph type="title"/>
-          </p:nvPr>
-        </p:nvSpPr>
-        <p:spPr>
-          <a:xfrm>
-            <a:off x="1268344" y="519298"/>
-            <a:ext cx="7039768" cy="1290459"/>
-          </a:xfrm>
-        </p:spPr>
-        <p:txBody>
-          <a:bodyPr/>
-          <a:lstStyle/>
-          <a:p>
-            <a:r>
-              <a:rPr lang="en-US" dirty="0"/>
-              <a:t>Breadth questions</a:t>
-            </a:r>
-          </a:p>
-        </p:txBody>
-      </p:sp>
-      <p:sp>
-        <p:nvSpPr>
-          <p:cNvPr id="6" name="Text Placeholder 2">
-            <a:extLst>
-              <a:ext uri="{FF2B5EF4-FFF2-40B4-BE49-F238E27FC236}">
-                <a16:creationId xmlns:a16="http://schemas.microsoft.com/office/drawing/2014/main" id="{CC2E7D81-A3D8-E140-B023-A4C267EF860A}"/>
-              </a:ext>
-            </a:extLst>
-          </p:cNvPr>
-          <p:cNvSpPr txBox="1">
-            <a:spLocks/>
-          </p:cNvSpPr>
-          <p:nvPr/>
-        </p:nvSpPr>
-        <p:spPr>
-          <a:xfrm>
-            <a:off x="1268344" y="1993900"/>
-            <a:ext cx="6887369" cy="7131050"/>
-          </a:xfrm>
-          <a:prstGeom prst="rect">
-            <a:avLst/>
-          </a:prstGeom>
-          <a:noFill/>
-          <a:ln>
-            <a:noFill/>
-          </a:ln>
-        </p:spPr>
-        <p:txBody>
-          <a:bodyPr spcFirstLastPara="1" wrap="square" lIns="0" tIns="0" rIns="0" bIns="0" anchor="t" anchorCtr="0">
-            <a:normAutofit fontScale="92500" lnSpcReduction="10000"/>
-          </a:bodyPr>
-          <a:lstStyle>
-            <a:defPPr marR="0" lvl="0" algn="l" rtl="0">
-              <a:lnSpc>
-                <a:spcPct val="100000"/>
-              </a:lnSpc>
-              <a:spcBef>
-                <a:spcPts val="0"/>
-              </a:spcBef>
-              <a:spcAft>
-                <a:spcPts val="0"/>
-              </a:spcAft>
-            </a:defPPr>
-            <a:lvl1pPr marL="457246" marR="0" lvl="0" indent="-285779" algn="l" rtl="0">
-              <a:lnSpc>
-                <a:spcPct val="100000"/>
-              </a:lnSpc>
-              <a:spcBef>
-                <a:spcPts val="4200"/>
-              </a:spcBef>
-              <a:spcAft>
-                <a:spcPts val="0"/>
-              </a:spcAft>
-              <a:buClr>
-                <a:srgbClr val="0D71BC"/>
-              </a:buClr>
-              <a:buSzPct val="112000"/>
-              <a:buFont typeface="Arial" panose="020B0604020202020204" pitchFamily="34" charset="0"/>
-              <a:buChar char="•"/>
-              <a:defRPr sz="3600" b="0" i="0" u="none" strike="noStrike" cap="none">
-                <a:solidFill>
-                  <a:srgbClr val="0D71BC"/>
-                </a:solidFill>
-                <a:latin typeface="Source Sans Pro" panose="020B0503030403020204" pitchFamily="34" charset="0"/>
-                <a:ea typeface="Source Sans Pro" panose="020B0503030403020204" pitchFamily="34" charset="0"/>
-                <a:cs typeface="Avenir"/>
-                <a:sym typeface="Avenir"/>
-              </a:defRPr>
-            </a:lvl1pPr>
-            <a:lvl2pPr marL="914492" marR="0" lvl="1" indent="-285779" algn="l" rtl="0">
-              <a:lnSpc>
-                <a:spcPct val="100000"/>
-              </a:lnSpc>
-              <a:spcBef>
-                <a:spcPts val="4200"/>
-              </a:spcBef>
-              <a:spcAft>
-                <a:spcPts val="0"/>
-              </a:spcAft>
-              <a:buClr>
-                <a:srgbClr val="0D71BC"/>
-              </a:buClr>
-              <a:buSzPct val="112000"/>
-              <a:buFont typeface="Arial" panose="020B0604020202020204" pitchFamily="34" charset="0"/>
-              <a:buChar char="•"/>
-              <a:defRPr sz="3600" b="0" i="0" u="none" strike="noStrike" cap="none">
-                <a:solidFill>
-                  <a:srgbClr val="0D71BC"/>
-                </a:solidFill>
-                <a:latin typeface="Source Sans Pro" panose="020B0503030403020204" pitchFamily="34" charset="0"/>
-                <a:ea typeface="Source Sans Pro" panose="020B0503030403020204" pitchFamily="34" charset="0"/>
-                <a:cs typeface="Avenir"/>
-                <a:sym typeface="Avenir"/>
-              </a:defRPr>
-            </a:lvl2pPr>
-            <a:lvl3pPr marL="1371737" marR="0" lvl="2" indent="-314357" algn="l" rtl="0">
-              <a:lnSpc>
-                <a:spcPct val="100000"/>
-              </a:lnSpc>
-              <a:spcBef>
-                <a:spcPts val="4200"/>
-              </a:spcBef>
-              <a:spcAft>
-                <a:spcPts val="0"/>
-              </a:spcAft>
-              <a:buClr>
-                <a:srgbClr val="0D71BC"/>
-              </a:buClr>
-              <a:buSzPct val="112000"/>
-              <a:buFont typeface="Arial" panose="020B0604020202020204" pitchFamily="34" charset="0"/>
-              <a:buChar char="•"/>
-              <a:defRPr sz="3600" b="0" i="0" u="none" strike="noStrike" cap="none">
-                <a:solidFill>
-                  <a:srgbClr val="0D71BC"/>
-                </a:solidFill>
-                <a:latin typeface="Source Sans Pro" panose="020B0503030403020204" pitchFamily="34" charset="0"/>
-                <a:ea typeface="Source Sans Pro" panose="020B0503030403020204" pitchFamily="34" charset="0"/>
-                <a:cs typeface="Avenir"/>
-                <a:sym typeface="Avenir"/>
-              </a:defRPr>
-            </a:lvl3pPr>
-            <a:lvl4pPr marL="1828984" marR="0" lvl="3" indent="-314357" algn="l" rtl="0">
-              <a:lnSpc>
-                <a:spcPct val="100000"/>
-              </a:lnSpc>
-              <a:spcBef>
-                <a:spcPts val="4200"/>
-              </a:spcBef>
-              <a:spcAft>
-                <a:spcPts val="0"/>
-              </a:spcAft>
-              <a:buClr>
-                <a:srgbClr val="0D71BC"/>
-              </a:buClr>
-              <a:buSzPct val="112000"/>
-              <a:buFont typeface="Arial" panose="020B0604020202020204" pitchFamily="34" charset="0"/>
-              <a:buChar char="•"/>
-              <a:defRPr sz="3600" b="0" i="0" u="none" strike="noStrike" cap="none">
-                <a:solidFill>
-                  <a:srgbClr val="0D71BC"/>
-                </a:solidFill>
-                <a:latin typeface="Source Sans Pro" panose="020B0503030403020204" pitchFamily="34" charset="0"/>
-                <a:ea typeface="Source Sans Pro" panose="020B0503030403020204" pitchFamily="34" charset="0"/>
-                <a:cs typeface="Avenir"/>
-                <a:sym typeface="Avenir"/>
-              </a:defRPr>
-            </a:lvl4pPr>
-            <a:lvl5pPr marL="2286228" marR="0" lvl="4" indent="-314357" algn="l" rtl="0">
-              <a:lnSpc>
-                <a:spcPct val="100000"/>
-              </a:lnSpc>
-              <a:spcBef>
-                <a:spcPts val="4200"/>
-              </a:spcBef>
-              <a:spcAft>
-                <a:spcPts val="0"/>
-              </a:spcAft>
-              <a:buClr>
-                <a:srgbClr val="0D71BC"/>
-              </a:buClr>
-              <a:buSzPct val="112000"/>
-              <a:buFont typeface="Arial" panose="020B0604020202020204" pitchFamily="34" charset="0"/>
-              <a:buChar char="•"/>
-              <a:defRPr sz="3600" b="0" i="0" u="none" strike="noStrike" cap="none">
-                <a:solidFill>
-                  <a:srgbClr val="0D71BC"/>
-                </a:solidFill>
-                <a:latin typeface="Source Sans Pro" panose="020B0503030403020204" pitchFamily="34" charset="0"/>
-                <a:ea typeface="Source Sans Pro" panose="020B0503030403020204" pitchFamily="34" charset="0"/>
-                <a:cs typeface="Avenir"/>
-                <a:sym typeface="Avenir"/>
-              </a:defRPr>
-            </a:lvl5pPr>
-            <a:lvl6pPr marL="2743475" marR="0" lvl="5" indent="-314357" algn="l" rtl="0">
-              <a:lnSpc>
-                <a:spcPct val="100000"/>
-              </a:lnSpc>
-              <a:spcBef>
-                <a:spcPts val="4200"/>
-              </a:spcBef>
-              <a:spcAft>
-                <a:spcPts val="0"/>
-              </a:spcAft>
-              <a:buClr>
-                <a:srgbClr val="000000"/>
-              </a:buClr>
-              <a:buSzPts val="1350"/>
-              <a:buFont typeface="Rockwell"/>
-              <a:buChar char="•"/>
-              <a:defRPr sz="3600" b="0" i="0" u="none" strike="noStrike" cap="none">
-                <a:solidFill>
-                  <a:srgbClr val="000000"/>
-                </a:solidFill>
-                <a:latin typeface="Rockwell"/>
-                <a:ea typeface="Rockwell"/>
-                <a:cs typeface="Rockwell"/>
-                <a:sym typeface="Rockwell"/>
-              </a:defRPr>
-            </a:lvl6pPr>
-            <a:lvl7pPr marL="3200720" marR="0" lvl="6" indent="-314357" algn="l" rtl="0">
-              <a:lnSpc>
-                <a:spcPct val="100000"/>
-              </a:lnSpc>
-              <a:spcBef>
-                <a:spcPts val="4200"/>
-              </a:spcBef>
-              <a:spcAft>
-                <a:spcPts val="0"/>
-              </a:spcAft>
-              <a:buClr>
-                <a:srgbClr val="000000"/>
-              </a:buClr>
-              <a:buSzPts val="1350"/>
-              <a:buFont typeface="Rockwell"/>
-              <a:buChar char="•"/>
-              <a:defRPr sz="3600" b="0" i="0" u="none" strike="noStrike" cap="none">
-                <a:solidFill>
-                  <a:srgbClr val="000000"/>
-                </a:solidFill>
-                <a:latin typeface="Rockwell"/>
-                <a:ea typeface="Rockwell"/>
-                <a:cs typeface="Rockwell"/>
-                <a:sym typeface="Rockwell"/>
-              </a:defRPr>
-            </a:lvl7pPr>
-            <a:lvl8pPr marL="3657966" marR="0" lvl="7" indent="-314357" algn="l" rtl="0">
-              <a:lnSpc>
-                <a:spcPct val="100000"/>
-              </a:lnSpc>
-              <a:spcBef>
-                <a:spcPts val="4200"/>
-              </a:spcBef>
-              <a:spcAft>
-                <a:spcPts val="0"/>
-              </a:spcAft>
-              <a:buClr>
-                <a:srgbClr val="000000"/>
-              </a:buClr>
-              <a:buSzPts val="1350"/>
-              <a:buFont typeface="Rockwell"/>
-              <a:buChar char="•"/>
-              <a:defRPr sz="3600" b="0" i="0" u="none" strike="noStrike" cap="none">
-                <a:solidFill>
-                  <a:srgbClr val="000000"/>
-                </a:solidFill>
-                <a:latin typeface="Rockwell"/>
-                <a:ea typeface="Rockwell"/>
-                <a:cs typeface="Rockwell"/>
-                <a:sym typeface="Rockwell"/>
-              </a:defRPr>
-            </a:lvl8pPr>
-            <a:lvl9pPr marL="4115212" marR="0" lvl="8" indent="-314357" algn="l" rtl="0">
-              <a:lnSpc>
-                <a:spcPct val="100000"/>
-              </a:lnSpc>
-              <a:spcBef>
-                <a:spcPts val="4200"/>
-              </a:spcBef>
-              <a:spcAft>
-                <a:spcPts val="0"/>
-              </a:spcAft>
-              <a:buClr>
-                <a:srgbClr val="000000"/>
-              </a:buClr>
-              <a:buSzPts val="1350"/>
-              <a:buFont typeface="Rockwell"/>
-              <a:buChar char="•"/>
-              <a:defRPr sz="3600" b="0" i="0" u="none" strike="noStrike" cap="none">
-                <a:solidFill>
-                  <a:srgbClr val="000000"/>
-                </a:solidFill>
-                <a:latin typeface="Rockwell"/>
-                <a:ea typeface="Rockwell"/>
-                <a:cs typeface="Rockwell"/>
-                <a:sym typeface="Rockwell"/>
-              </a:defRPr>
-            </a:lvl9pPr>
-          </a:lstStyle>
-          <a:p>
-            <a:pPr>
-              <a:buClr>
-                <a:schemeClr val="tx2"/>
-              </a:buClr>
-            </a:pPr>
-            <a:r>
-              <a:rPr lang="en-US" dirty="0">
-                <a:solidFill>
-                  <a:schemeClr val="tx2"/>
-                </a:solidFill>
-                <a:latin typeface="Arial" panose="020B0604020202020204" pitchFamily="34" charset="0"/>
-                <a:cs typeface="Arial" panose="020B0604020202020204" pitchFamily="34" charset="0"/>
-              </a:rPr>
-              <a:t>The first assessment might test the applicant’s </a:t>
-            </a:r>
-            <a:r>
-              <a:rPr lang="en-US" b="1" i="1" dirty="0">
-                <a:solidFill>
-                  <a:schemeClr val="tx2"/>
-                </a:solidFill>
-                <a:latin typeface="Arial" panose="020B0604020202020204" pitchFamily="34" charset="0"/>
-                <a:cs typeface="Arial" panose="020B0604020202020204" pitchFamily="34" charset="0"/>
-              </a:rPr>
-              <a:t>breadth of experience</a:t>
-            </a:r>
-            <a:r>
-              <a:rPr lang="en-US" b="1" dirty="0">
-                <a:solidFill>
-                  <a:schemeClr val="tx2"/>
-                </a:solidFill>
-                <a:latin typeface="Arial" panose="020B0604020202020204" pitchFamily="34" charset="0"/>
-                <a:cs typeface="Arial" panose="020B0604020202020204" pitchFamily="34" charset="0"/>
-              </a:rPr>
-              <a:t> </a:t>
-            </a:r>
-            <a:r>
-              <a:rPr lang="en-US" dirty="0">
-                <a:solidFill>
-                  <a:schemeClr val="tx2"/>
-                </a:solidFill>
-                <a:latin typeface="Arial" panose="020B0604020202020204" pitchFamily="34" charset="0"/>
-                <a:cs typeface="Arial" panose="020B0604020202020204" pitchFamily="34" charset="0"/>
-              </a:rPr>
-              <a:t>across the competencies.</a:t>
-            </a:r>
-          </a:p>
-          <a:p>
-            <a:pPr>
-              <a:buClr>
-                <a:schemeClr val="tx2"/>
-              </a:buClr>
-            </a:pPr>
-            <a:r>
-              <a:rPr lang="en-US" dirty="0">
-                <a:solidFill>
-                  <a:schemeClr val="tx2"/>
-                </a:solidFill>
-                <a:latin typeface="Arial" panose="020B0604020202020204" pitchFamily="34" charset="0"/>
-                <a:cs typeface="Arial" panose="020B0604020202020204" pitchFamily="34" charset="0"/>
-              </a:rPr>
-              <a:t>Breadth questions tend to take 5-10 minutes for an applicant to answer.</a:t>
-            </a:r>
-          </a:p>
-          <a:p>
-            <a:pPr>
-              <a:buClr>
-                <a:schemeClr val="tx2"/>
-              </a:buClr>
-            </a:pPr>
-            <a:r>
-              <a:rPr lang="en-US" dirty="0">
-                <a:solidFill>
-                  <a:schemeClr val="tx2"/>
-                </a:solidFill>
-                <a:latin typeface="Arial" panose="020B0604020202020204" pitchFamily="34" charset="0"/>
-                <a:cs typeface="Arial" panose="020B0604020202020204" pitchFamily="34" charset="0"/>
-              </a:rPr>
-              <a:t>Breadth questions test if an applicant has experience, knowledge, or exposure to a general topic.</a:t>
-            </a:r>
-          </a:p>
-        </p:txBody>
-      </p:sp>
-      <p:sp>
-        <p:nvSpPr>
-          <p:cNvPr id="7" name="Text Placeholder 2">
-            <a:extLst>
-              <a:ext uri="{FF2B5EF4-FFF2-40B4-BE49-F238E27FC236}">
-                <a16:creationId xmlns:a16="http://schemas.microsoft.com/office/drawing/2014/main" id="{0C03725A-973B-874F-AC9C-1B79D87F47DD}"/>
-              </a:ext>
-            </a:extLst>
-          </p:cNvPr>
-          <p:cNvSpPr txBox="1">
-            <a:spLocks/>
-          </p:cNvSpPr>
-          <p:nvPr/>
-        </p:nvSpPr>
-        <p:spPr>
-          <a:xfrm>
-            <a:off x="8670131" y="1993900"/>
-            <a:ext cx="6887369" cy="7131050"/>
-          </a:xfrm>
-          <a:prstGeom prst="rect">
-            <a:avLst/>
-          </a:prstGeom>
-          <a:noFill/>
-          <a:ln>
-            <a:noFill/>
-          </a:ln>
-        </p:spPr>
-        <p:txBody>
-          <a:bodyPr spcFirstLastPara="1" wrap="square" lIns="0" tIns="0" rIns="0" bIns="0" anchor="t" anchorCtr="0">
-            <a:normAutofit fontScale="77500" lnSpcReduction="20000"/>
-          </a:bodyPr>
-          <a:lstStyle>
-            <a:defPPr marR="0" lvl="0" algn="l" rtl="0">
-              <a:lnSpc>
-                <a:spcPct val="100000"/>
-              </a:lnSpc>
-              <a:spcBef>
-                <a:spcPts val="0"/>
-              </a:spcBef>
-              <a:spcAft>
-                <a:spcPts val="0"/>
-              </a:spcAft>
-            </a:defPPr>
-            <a:lvl1pPr marL="457246" marR="0" lvl="0" indent="-285779" algn="l" rtl="0">
-              <a:lnSpc>
-                <a:spcPct val="100000"/>
-              </a:lnSpc>
-              <a:spcBef>
-                <a:spcPts val="4200"/>
-              </a:spcBef>
-              <a:spcAft>
-                <a:spcPts val="0"/>
-              </a:spcAft>
-              <a:buClr>
-                <a:srgbClr val="0D71BC"/>
-              </a:buClr>
-              <a:buSzPct val="112000"/>
-              <a:buFont typeface="Arial" panose="020B0604020202020204" pitchFamily="34" charset="0"/>
-              <a:buChar char="•"/>
-              <a:defRPr sz="3600" b="0" i="0" u="none" strike="noStrike" cap="none">
-                <a:solidFill>
-                  <a:srgbClr val="0D71BC"/>
-                </a:solidFill>
-                <a:latin typeface="Source Sans Pro" panose="020B0503030403020204" pitchFamily="34" charset="0"/>
-                <a:ea typeface="Source Sans Pro" panose="020B0503030403020204" pitchFamily="34" charset="0"/>
-                <a:cs typeface="Avenir"/>
-                <a:sym typeface="Avenir"/>
-              </a:defRPr>
-            </a:lvl1pPr>
-            <a:lvl2pPr marL="914492" marR="0" lvl="1" indent="-285779" algn="l" rtl="0">
-              <a:lnSpc>
-                <a:spcPct val="100000"/>
-              </a:lnSpc>
-              <a:spcBef>
-                <a:spcPts val="4200"/>
-              </a:spcBef>
-              <a:spcAft>
-                <a:spcPts val="0"/>
-              </a:spcAft>
-              <a:buClr>
-                <a:srgbClr val="0D71BC"/>
-              </a:buClr>
-              <a:buSzPct val="112000"/>
-              <a:buFont typeface="Arial" panose="020B0604020202020204" pitchFamily="34" charset="0"/>
-              <a:buChar char="•"/>
-              <a:defRPr sz="3600" b="0" i="0" u="none" strike="noStrike" cap="none">
-                <a:solidFill>
-                  <a:srgbClr val="0D71BC"/>
-                </a:solidFill>
-                <a:latin typeface="Source Sans Pro" panose="020B0503030403020204" pitchFamily="34" charset="0"/>
-                <a:ea typeface="Source Sans Pro" panose="020B0503030403020204" pitchFamily="34" charset="0"/>
-                <a:cs typeface="Avenir"/>
-                <a:sym typeface="Avenir"/>
-              </a:defRPr>
-            </a:lvl2pPr>
-            <a:lvl3pPr marL="1371737" marR="0" lvl="2" indent="-314357" algn="l" rtl="0">
-              <a:lnSpc>
-                <a:spcPct val="100000"/>
-              </a:lnSpc>
-              <a:spcBef>
-                <a:spcPts val="4200"/>
-              </a:spcBef>
-              <a:spcAft>
-                <a:spcPts val="0"/>
-              </a:spcAft>
-              <a:buClr>
-                <a:srgbClr val="0D71BC"/>
-              </a:buClr>
-              <a:buSzPct val="112000"/>
-              <a:buFont typeface="Arial" panose="020B0604020202020204" pitchFamily="34" charset="0"/>
-              <a:buChar char="•"/>
-              <a:defRPr sz="3600" b="0" i="0" u="none" strike="noStrike" cap="none">
-                <a:solidFill>
-                  <a:srgbClr val="0D71BC"/>
-                </a:solidFill>
-                <a:latin typeface="Source Sans Pro" panose="020B0503030403020204" pitchFamily="34" charset="0"/>
-                <a:ea typeface="Source Sans Pro" panose="020B0503030403020204" pitchFamily="34" charset="0"/>
-                <a:cs typeface="Avenir"/>
-                <a:sym typeface="Avenir"/>
-              </a:defRPr>
-            </a:lvl3pPr>
-            <a:lvl4pPr marL="1828984" marR="0" lvl="3" indent="-314357" algn="l" rtl="0">
-              <a:lnSpc>
-                <a:spcPct val="100000"/>
-              </a:lnSpc>
-              <a:spcBef>
-                <a:spcPts val="4200"/>
-              </a:spcBef>
-              <a:spcAft>
-                <a:spcPts val="0"/>
-              </a:spcAft>
-              <a:buClr>
-                <a:srgbClr val="0D71BC"/>
-              </a:buClr>
-              <a:buSzPct val="112000"/>
-              <a:buFont typeface="Arial" panose="020B0604020202020204" pitchFamily="34" charset="0"/>
-              <a:buChar char="•"/>
-              <a:defRPr sz="3600" b="0" i="0" u="none" strike="noStrike" cap="none">
-                <a:solidFill>
-                  <a:srgbClr val="0D71BC"/>
-                </a:solidFill>
-                <a:latin typeface="Source Sans Pro" panose="020B0503030403020204" pitchFamily="34" charset="0"/>
-                <a:ea typeface="Source Sans Pro" panose="020B0503030403020204" pitchFamily="34" charset="0"/>
-                <a:cs typeface="Avenir"/>
-                <a:sym typeface="Avenir"/>
-              </a:defRPr>
-            </a:lvl4pPr>
-            <a:lvl5pPr marL="2286228" marR="0" lvl="4" indent="-314357" algn="l" rtl="0">
-              <a:lnSpc>
-                <a:spcPct val="100000"/>
-              </a:lnSpc>
-              <a:spcBef>
-                <a:spcPts val="4200"/>
-              </a:spcBef>
-              <a:spcAft>
-                <a:spcPts val="0"/>
-              </a:spcAft>
-              <a:buClr>
-                <a:srgbClr val="0D71BC"/>
-              </a:buClr>
-              <a:buSzPct val="112000"/>
-              <a:buFont typeface="Arial" panose="020B0604020202020204" pitchFamily="34" charset="0"/>
-              <a:buChar char="•"/>
-              <a:defRPr sz="3600" b="0" i="0" u="none" strike="noStrike" cap="none">
-                <a:solidFill>
-                  <a:srgbClr val="0D71BC"/>
-                </a:solidFill>
-                <a:latin typeface="Source Sans Pro" panose="020B0503030403020204" pitchFamily="34" charset="0"/>
-                <a:ea typeface="Source Sans Pro" panose="020B0503030403020204" pitchFamily="34" charset="0"/>
-                <a:cs typeface="Avenir"/>
-                <a:sym typeface="Avenir"/>
-              </a:defRPr>
-            </a:lvl5pPr>
-            <a:lvl6pPr marL="2743475" marR="0" lvl="5" indent="-314357" algn="l" rtl="0">
-              <a:lnSpc>
-                <a:spcPct val="100000"/>
-              </a:lnSpc>
-              <a:spcBef>
-                <a:spcPts val="4200"/>
-              </a:spcBef>
-              <a:spcAft>
-                <a:spcPts val="0"/>
-              </a:spcAft>
-              <a:buClr>
-                <a:srgbClr val="000000"/>
-              </a:buClr>
-              <a:buSzPts val="1350"/>
-              <a:buFont typeface="Rockwell"/>
-              <a:buChar char="•"/>
-              <a:defRPr sz="3600" b="0" i="0" u="none" strike="noStrike" cap="none">
-                <a:solidFill>
-                  <a:srgbClr val="000000"/>
-                </a:solidFill>
-                <a:latin typeface="Rockwell"/>
-                <a:ea typeface="Rockwell"/>
-                <a:cs typeface="Rockwell"/>
-                <a:sym typeface="Rockwell"/>
-              </a:defRPr>
-            </a:lvl6pPr>
-            <a:lvl7pPr marL="3200720" marR="0" lvl="6" indent="-314357" algn="l" rtl="0">
-              <a:lnSpc>
-                <a:spcPct val="100000"/>
-              </a:lnSpc>
-              <a:spcBef>
-                <a:spcPts val="4200"/>
-              </a:spcBef>
-              <a:spcAft>
-                <a:spcPts val="0"/>
-              </a:spcAft>
-              <a:buClr>
-                <a:srgbClr val="000000"/>
-              </a:buClr>
-              <a:buSzPts val="1350"/>
-              <a:buFont typeface="Rockwell"/>
-              <a:buChar char="•"/>
-              <a:defRPr sz="3600" b="0" i="0" u="none" strike="noStrike" cap="none">
-                <a:solidFill>
-                  <a:srgbClr val="000000"/>
-                </a:solidFill>
-                <a:latin typeface="Rockwell"/>
-                <a:ea typeface="Rockwell"/>
-                <a:cs typeface="Rockwell"/>
-                <a:sym typeface="Rockwell"/>
-              </a:defRPr>
-            </a:lvl7pPr>
-            <a:lvl8pPr marL="3657966" marR="0" lvl="7" indent="-314357" algn="l" rtl="0">
-              <a:lnSpc>
-                <a:spcPct val="100000"/>
-              </a:lnSpc>
-              <a:spcBef>
-                <a:spcPts val="4200"/>
-              </a:spcBef>
-              <a:spcAft>
-                <a:spcPts val="0"/>
-              </a:spcAft>
-              <a:buClr>
-                <a:srgbClr val="000000"/>
-              </a:buClr>
-              <a:buSzPts val="1350"/>
-              <a:buFont typeface="Rockwell"/>
-              <a:buChar char="•"/>
-              <a:defRPr sz="3600" b="0" i="0" u="none" strike="noStrike" cap="none">
-                <a:solidFill>
-                  <a:srgbClr val="000000"/>
-                </a:solidFill>
-                <a:latin typeface="Rockwell"/>
-                <a:ea typeface="Rockwell"/>
-                <a:cs typeface="Rockwell"/>
-                <a:sym typeface="Rockwell"/>
-              </a:defRPr>
-            </a:lvl8pPr>
-            <a:lvl9pPr marL="4115212" marR="0" lvl="8" indent="-314357" algn="l" rtl="0">
-              <a:lnSpc>
-                <a:spcPct val="100000"/>
-              </a:lnSpc>
-              <a:spcBef>
-                <a:spcPts val="4200"/>
-              </a:spcBef>
-              <a:spcAft>
-                <a:spcPts val="0"/>
-              </a:spcAft>
-              <a:buClr>
-                <a:srgbClr val="000000"/>
-              </a:buClr>
-              <a:buSzPts val="1350"/>
-              <a:buFont typeface="Rockwell"/>
-              <a:buChar char="•"/>
-              <a:defRPr sz="3600" b="0" i="0" u="none" strike="noStrike" cap="none">
-                <a:solidFill>
-                  <a:srgbClr val="000000"/>
-                </a:solidFill>
-                <a:latin typeface="Rockwell"/>
-                <a:ea typeface="Rockwell"/>
-                <a:cs typeface="Rockwell"/>
-                <a:sym typeface="Rockwell"/>
-              </a:defRPr>
-            </a:lvl9pPr>
-          </a:lstStyle>
-          <a:p>
-            <a:pPr>
-              <a:buClr>
-                <a:schemeClr val="tx2"/>
-              </a:buClr>
-            </a:pPr>
-            <a:r>
-              <a:rPr lang="en-US" dirty="0">
-                <a:solidFill>
-                  <a:schemeClr val="tx2"/>
-                </a:solidFill>
-                <a:latin typeface="Arial" panose="020B0604020202020204" pitchFamily="34" charset="0"/>
-                <a:cs typeface="Arial" panose="020B0604020202020204" pitchFamily="34" charset="0"/>
-              </a:rPr>
-              <a:t>The structured interview tests the applicant’s </a:t>
-            </a:r>
-            <a:r>
-              <a:rPr lang="en-US" b="1" i="1" dirty="0">
-                <a:solidFill>
-                  <a:schemeClr val="tx2"/>
-                </a:solidFill>
-                <a:latin typeface="Arial" panose="020B0604020202020204" pitchFamily="34" charset="0"/>
-                <a:cs typeface="Arial" panose="020B0604020202020204" pitchFamily="34" charset="0"/>
-              </a:rPr>
-              <a:t>depth of knowledge</a:t>
-            </a:r>
-            <a:r>
-              <a:rPr lang="en-US" b="1" dirty="0">
-                <a:solidFill>
-                  <a:schemeClr val="tx2"/>
-                </a:solidFill>
-                <a:latin typeface="Arial" panose="020B0604020202020204" pitchFamily="34" charset="0"/>
-                <a:cs typeface="Arial" panose="020B0604020202020204" pitchFamily="34" charset="0"/>
-              </a:rPr>
-              <a:t> </a:t>
-            </a:r>
-            <a:r>
-              <a:rPr lang="en-US" dirty="0">
-                <a:solidFill>
-                  <a:schemeClr val="tx2"/>
-                </a:solidFill>
-                <a:latin typeface="Arial" panose="020B0604020202020204" pitchFamily="34" charset="0"/>
-                <a:cs typeface="Arial" panose="020B0604020202020204" pitchFamily="34" charset="0"/>
-              </a:rPr>
-              <a:t>across the competencies.</a:t>
-            </a:r>
-          </a:p>
-          <a:p>
-            <a:pPr>
-              <a:buClr>
-                <a:schemeClr val="tx2"/>
-              </a:buClr>
-            </a:pPr>
-            <a:r>
-              <a:rPr lang="en-US" dirty="0">
-                <a:solidFill>
-                  <a:schemeClr val="tx2"/>
-                </a:solidFill>
-                <a:latin typeface="Arial" panose="020B0604020202020204" pitchFamily="34" charset="0"/>
-                <a:cs typeface="Arial" panose="020B0604020202020204" pitchFamily="34" charset="0"/>
-              </a:rPr>
-              <a:t>Depth questions can take up to 10-15 minutes for an applicant to answer. </a:t>
-            </a:r>
-          </a:p>
-          <a:p>
-            <a:pPr>
-              <a:buClr>
-                <a:schemeClr val="tx2"/>
-              </a:buClr>
-            </a:pPr>
-            <a:r>
-              <a:rPr lang="en-US" dirty="0">
-                <a:solidFill>
-                  <a:schemeClr val="tx2"/>
-                </a:solidFill>
-                <a:latin typeface="Arial" panose="020B0604020202020204" pitchFamily="34" charset="0"/>
-                <a:cs typeface="Arial" panose="020B0604020202020204" pitchFamily="34" charset="0"/>
-              </a:rPr>
-              <a:t>Depth questions test how an applicant reacts and responds to changes in the presented situation.</a:t>
-            </a:r>
-          </a:p>
-          <a:p>
-            <a:pPr>
-              <a:buClr>
-                <a:schemeClr val="tx2"/>
-              </a:buClr>
-            </a:pPr>
-            <a:r>
-              <a:rPr lang="en-US" dirty="0">
-                <a:solidFill>
-                  <a:schemeClr val="tx2"/>
-                </a:solidFill>
-                <a:latin typeface="Arial" panose="020B0604020202020204" pitchFamily="34" charset="0"/>
-                <a:cs typeface="Arial" panose="020B0604020202020204" pitchFamily="34" charset="0"/>
-              </a:rPr>
-              <a:t>Depth: Mandated follow up questions that probe deeper (i.e., “Now imagine...” or “Tell me about a time you've experienced that hypothetical in real life.”).</a:t>
-            </a:r>
-          </a:p>
-          <a:p>
-            <a:pPr>
-              <a:buClr>
-                <a:schemeClr val="tx2"/>
-              </a:buClr>
-            </a:pPr>
-            <a:endParaRPr lang="en-US" dirty="0">
-              <a:solidFill>
-                <a:schemeClr val="tx2"/>
-              </a:solidFill>
-              <a:latin typeface="Arial" panose="020B0604020202020204" pitchFamily="34" charset="0"/>
-              <a:cs typeface="Arial" panose="020B0604020202020204" pitchFamily="34" charset="0"/>
-            </a:endParaRPr>
-          </a:p>
-        </p:txBody>
-      </p:sp>
-      <p:sp>
-        <p:nvSpPr>
-          <p:cNvPr id="8" name="Title 3">
-            <a:extLst>
-              <a:ext uri="{FF2B5EF4-FFF2-40B4-BE49-F238E27FC236}">
-                <a16:creationId xmlns:a16="http://schemas.microsoft.com/office/drawing/2014/main" id="{03688122-A7F5-3048-AD5C-54D50A88EE13}"/>
-              </a:ext>
-            </a:extLst>
-          </p:cNvPr>
-          <p:cNvSpPr txBox="1">
-            <a:spLocks/>
-          </p:cNvSpPr>
-          <p:nvPr/>
-        </p:nvSpPr>
-        <p:spPr>
-          <a:xfrm>
-            <a:off x="8670131" y="505196"/>
-            <a:ext cx="7039768" cy="1290459"/>
-          </a:xfrm>
-          <a:prstGeom prst="rect">
-            <a:avLst/>
-          </a:prstGeom>
-          <a:noFill/>
-          <a:ln>
-            <a:noFill/>
-          </a:ln>
-        </p:spPr>
-        <p:txBody>
-          <a:bodyPr spcFirstLastPara="1" wrap="square" lIns="91425" tIns="45700" rIns="91425" bIns="45700" anchor="t" anchorCtr="0"/>
-          <a:lstStyle>
-            <a:defPPr marR="0" lvl="0" algn="l" rtl="0">
-              <a:lnSpc>
-                <a:spcPct val="100000"/>
-              </a:lnSpc>
-              <a:spcBef>
-                <a:spcPts val="0"/>
-              </a:spcBef>
-              <a:spcAft>
-                <a:spcPts val="0"/>
-              </a:spcAft>
-            </a:defPPr>
-            <a:lvl1pPr marR="0" lvl="0" algn="l" rtl="0">
-              <a:lnSpc>
-                <a:spcPct val="100000"/>
-              </a:lnSpc>
-              <a:spcBef>
-                <a:spcPts val="0"/>
-              </a:spcBef>
-              <a:spcAft>
-                <a:spcPts val="0"/>
-              </a:spcAft>
-              <a:buClr>
-                <a:srgbClr val="000000"/>
-              </a:buClr>
-              <a:buSzPts val="1400"/>
-              <a:buFont typeface="Arial"/>
-              <a:buNone/>
-              <a:defRPr sz="3600" b="1" i="0" u="none" strike="noStrike" cap="all" baseline="0">
-                <a:solidFill>
-                  <a:srgbClr val="0D71BC"/>
-                </a:solidFill>
-                <a:latin typeface="Source Sans Pro SemiBold" panose="020B0503030403020204" pitchFamily="34" charset="0"/>
-                <a:ea typeface="Source Sans Pro SemiBold" panose="020B0503030403020204" pitchFamily="34" charset="0"/>
-                <a:cs typeface="Source Sans Pro SemiBold" panose="020B0503030403020204" pitchFamily="34" charset="0"/>
-                <a:sym typeface="Avenir"/>
-              </a:defRPr>
-            </a:lvl1pPr>
-            <a:lvl2pPr marR="0" lvl="1" algn="ctr" rtl="0">
-              <a:lnSpc>
-                <a:spcPct val="100000"/>
-              </a:lnSpc>
-              <a:spcBef>
-                <a:spcPts val="0"/>
-              </a:spcBef>
-              <a:spcAft>
-                <a:spcPts val="0"/>
-              </a:spcAft>
-              <a:buClr>
-                <a:srgbClr val="000000"/>
-              </a:buClr>
-              <a:buSzPts val="1400"/>
-              <a:buFont typeface="Arial"/>
-              <a:buNone/>
-              <a:defRPr sz="8000" b="0" i="0" u="none" strike="noStrike" cap="none">
-                <a:solidFill>
-                  <a:srgbClr val="000000"/>
-                </a:solidFill>
-                <a:latin typeface="Rockwell"/>
-                <a:ea typeface="Rockwell"/>
-                <a:cs typeface="Rockwell"/>
-                <a:sym typeface="Rockwell"/>
-              </a:defRPr>
-            </a:lvl2pPr>
-            <a:lvl3pPr marR="0" lvl="2" algn="ctr" rtl="0">
-              <a:lnSpc>
-                <a:spcPct val="100000"/>
-              </a:lnSpc>
-              <a:spcBef>
-                <a:spcPts val="0"/>
-              </a:spcBef>
-              <a:spcAft>
-                <a:spcPts val="0"/>
-              </a:spcAft>
-              <a:buClr>
-                <a:srgbClr val="000000"/>
-              </a:buClr>
-              <a:buSzPts val="1400"/>
-              <a:buFont typeface="Arial"/>
-              <a:buNone/>
-              <a:defRPr sz="8000" b="0" i="0" u="none" strike="noStrike" cap="none">
-                <a:solidFill>
-                  <a:srgbClr val="000000"/>
-                </a:solidFill>
-                <a:latin typeface="Rockwell"/>
-                <a:ea typeface="Rockwell"/>
-                <a:cs typeface="Rockwell"/>
-                <a:sym typeface="Rockwell"/>
-              </a:defRPr>
-            </a:lvl3pPr>
-            <a:lvl4pPr marR="0" lvl="3" algn="ctr" rtl="0">
-              <a:lnSpc>
-                <a:spcPct val="100000"/>
-              </a:lnSpc>
-              <a:spcBef>
-                <a:spcPts val="0"/>
-              </a:spcBef>
-              <a:spcAft>
-                <a:spcPts val="0"/>
-              </a:spcAft>
-              <a:buClr>
-                <a:srgbClr val="000000"/>
-              </a:buClr>
-              <a:buSzPts val="1400"/>
-              <a:buFont typeface="Arial"/>
-              <a:buNone/>
-              <a:defRPr sz="8000" b="0" i="0" u="none" strike="noStrike" cap="none">
-                <a:solidFill>
-                  <a:srgbClr val="000000"/>
-                </a:solidFill>
-                <a:latin typeface="Rockwell"/>
-                <a:ea typeface="Rockwell"/>
-                <a:cs typeface="Rockwell"/>
-                <a:sym typeface="Rockwell"/>
-              </a:defRPr>
-            </a:lvl4pPr>
-            <a:lvl5pPr marR="0" lvl="4" algn="ctr" rtl="0">
-              <a:lnSpc>
-                <a:spcPct val="100000"/>
-              </a:lnSpc>
-              <a:spcBef>
-                <a:spcPts val="0"/>
-              </a:spcBef>
-              <a:spcAft>
-                <a:spcPts val="0"/>
-              </a:spcAft>
-              <a:buClr>
-                <a:srgbClr val="000000"/>
-              </a:buClr>
-              <a:buSzPts val="1400"/>
-              <a:buFont typeface="Arial"/>
-              <a:buNone/>
-              <a:defRPr sz="8000" b="0" i="0" u="none" strike="noStrike" cap="none">
-                <a:solidFill>
-                  <a:srgbClr val="000000"/>
-                </a:solidFill>
-                <a:latin typeface="Rockwell"/>
-                <a:ea typeface="Rockwell"/>
-                <a:cs typeface="Rockwell"/>
-                <a:sym typeface="Rockwell"/>
-              </a:defRPr>
-            </a:lvl5pPr>
-            <a:lvl6pPr marR="0" lvl="5" algn="ctr" rtl="0">
-              <a:lnSpc>
-                <a:spcPct val="100000"/>
-              </a:lnSpc>
-              <a:spcBef>
-                <a:spcPts val="0"/>
-              </a:spcBef>
-              <a:spcAft>
-                <a:spcPts val="0"/>
-              </a:spcAft>
-              <a:buClr>
-                <a:srgbClr val="000000"/>
-              </a:buClr>
-              <a:buSzPts val="1400"/>
-              <a:buFont typeface="Arial"/>
-              <a:buNone/>
-              <a:defRPr sz="8000" b="0" i="0" u="none" strike="noStrike" cap="none">
-                <a:solidFill>
-                  <a:srgbClr val="000000"/>
-                </a:solidFill>
-                <a:latin typeface="Rockwell"/>
-                <a:ea typeface="Rockwell"/>
-                <a:cs typeface="Rockwell"/>
-                <a:sym typeface="Rockwell"/>
-              </a:defRPr>
-            </a:lvl6pPr>
-            <a:lvl7pPr marR="0" lvl="6" algn="ctr" rtl="0">
-              <a:lnSpc>
-                <a:spcPct val="100000"/>
-              </a:lnSpc>
-              <a:spcBef>
-                <a:spcPts val="0"/>
-              </a:spcBef>
-              <a:spcAft>
-                <a:spcPts val="0"/>
-              </a:spcAft>
-              <a:buClr>
-                <a:srgbClr val="000000"/>
-              </a:buClr>
-              <a:buSzPts val="1400"/>
-              <a:buFont typeface="Arial"/>
-              <a:buNone/>
-              <a:defRPr sz="8000" b="0" i="0" u="none" strike="noStrike" cap="none">
-                <a:solidFill>
-                  <a:srgbClr val="000000"/>
-                </a:solidFill>
-                <a:latin typeface="Rockwell"/>
-                <a:ea typeface="Rockwell"/>
-                <a:cs typeface="Rockwell"/>
-                <a:sym typeface="Rockwell"/>
-              </a:defRPr>
-            </a:lvl7pPr>
-            <a:lvl8pPr marR="0" lvl="7" algn="ctr" rtl="0">
-              <a:lnSpc>
-                <a:spcPct val="100000"/>
-              </a:lnSpc>
-              <a:spcBef>
-                <a:spcPts val="0"/>
-              </a:spcBef>
-              <a:spcAft>
-                <a:spcPts val="0"/>
-              </a:spcAft>
-              <a:buClr>
-                <a:srgbClr val="000000"/>
-              </a:buClr>
-              <a:buSzPts val="1400"/>
-              <a:buFont typeface="Arial"/>
-              <a:buNone/>
-              <a:defRPr sz="8000" b="0" i="0" u="none" strike="noStrike" cap="none">
-                <a:solidFill>
-                  <a:srgbClr val="000000"/>
-                </a:solidFill>
-                <a:latin typeface="Rockwell"/>
-                <a:ea typeface="Rockwell"/>
-                <a:cs typeface="Rockwell"/>
-                <a:sym typeface="Rockwell"/>
-              </a:defRPr>
-            </a:lvl8pPr>
-            <a:lvl9pPr marR="0" lvl="8" algn="ctr" rtl="0">
-              <a:lnSpc>
-                <a:spcPct val="100000"/>
-              </a:lnSpc>
-              <a:spcBef>
-                <a:spcPts val="0"/>
-              </a:spcBef>
-              <a:spcAft>
-                <a:spcPts val="0"/>
-              </a:spcAft>
-              <a:buClr>
-                <a:srgbClr val="000000"/>
-              </a:buClr>
-              <a:buSzPts val="1400"/>
-              <a:buFont typeface="Arial"/>
-              <a:buNone/>
-              <a:defRPr sz="8000" b="0" i="0" u="none" strike="noStrike" cap="none">
-                <a:solidFill>
-                  <a:srgbClr val="000000"/>
-                </a:solidFill>
-                <a:latin typeface="Rockwell"/>
-                <a:ea typeface="Rockwell"/>
-                <a:cs typeface="Rockwell"/>
-                <a:sym typeface="Rockwell"/>
-              </a:defRPr>
-            </a:lvl9pPr>
-          </a:lstStyle>
-          <a:p>
-            <a:r>
-              <a:rPr lang="en-US" dirty="0">
-                <a:solidFill>
-                  <a:schemeClr val="tx2"/>
-                </a:solidFill>
-                <a:latin typeface="+mn-lt"/>
-              </a:rPr>
-              <a:t>Depth questions</a:t>
-            </a:r>
-          </a:p>
-        </p:txBody>
-      </p:sp>
-      <p:sp>
-        <p:nvSpPr>
-          <p:cNvPr id="10" name="Rectangle 9">
-            <a:extLst>
-              <a:ext uri="{FF2B5EF4-FFF2-40B4-BE49-F238E27FC236}">
-                <a16:creationId xmlns:a16="http://schemas.microsoft.com/office/drawing/2014/main" id="{9EAB4561-523A-1148-B352-920659D66C80}"/>
-              </a:ext>
-            </a:extLst>
-          </p:cNvPr>
-          <p:cNvSpPr/>
-          <p:nvPr/>
-        </p:nvSpPr>
-        <p:spPr>
-          <a:xfrm>
-            <a:off x="1734112" y="3746809"/>
-            <a:ext cx="13872117" cy="2141034"/>
-          </a:xfrm>
-          <a:prstGeom prst="rect">
-            <a:avLst/>
-          </a:prstGeom>
-          <a:solidFill>
-            <a:srgbClr val="FFFF00"/>
-          </a:solidFill>
-        </p:spPr>
-        <p:style>
-          <a:lnRef idx="2">
-            <a:schemeClr val="accent1">
-              <a:shade val="50000"/>
-            </a:schemeClr>
-          </a:lnRef>
-          <a:fillRef idx="1">
-            <a:schemeClr val="accent1"/>
-          </a:fillRef>
-          <a:effectRef idx="0">
-            <a:schemeClr val="accent1"/>
-          </a:effectRef>
-          <a:fontRef idx="minor">
-            <a:schemeClr val="lt1"/>
-          </a:fontRef>
-        </p:style>
-        <p:txBody>
-          <a:bodyPr rtlCol="0" anchor="ctr"/>
-          <a:lstStyle/>
-          <a:p>
-            <a:pPr algn="ctr"/>
-            <a:r>
-              <a:rPr lang="en-US" sz="3600" b="1" dirty="0">
-                <a:solidFill>
-                  <a:schemeClr val="tx2"/>
-                </a:solidFill>
-              </a:rPr>
-              <a:t>Use this slide if doing one structured interview</a:t>
-            </a:r>
-          </a:p>
-          <a:p>
-            <a:pPr algn="ctr"/>
-            <a:endParaRPr lang="en-US" dirty="0"/>
-          </a:p>
-        </p:txBody>
-      </p:sp>
-    </p:spTree>
-    <p:extLst>
-      <p:ext uri="{BB962C8B-B14F-4D97-AF65-F5344CB8AC3E}">
-        <p14:creationId xmlns:p14="http://schemas.microsoft.com/office/powerpoint/2010/main" val="342815016"/>
-      </p:ext>
-    </p:extLst>
-  </p:cSld>
-  <p:clrMapOvr>
-    <a:masterClrMapping/>
-  </p:clrMapOvr>
-</p:sld>
-</file>
-
-<file path=ppt/slides/slide27.xml><?xml version="1.0" encoding="utf-8"?>
-<p:sld xmlns:a="http://schemas.openxmlformats.org/drawingml/2006/main" xmlns:r="http://schemas.openxmlformats.org/officeDocument/2006/relationships" xmlns:p="http://schemas.openxmlformats.org/presentationml/2006/main">
-  <p:cSld>
-    <p:spTree>
-      <p:nvGrpSpPr>
-        <p:cNvPr id="1" name=""/>
-        <p:cNvGrpSpPr/>
-        <p:nvPr/>
-      </p:nvGrpSpPr>
-      <p:grpSpPr>
-        <a:xfrm>
-          <a:off x="0" y="0"/>
-          <a:ext cx="0" cy="0"/>
-          <a:chOff x="0" y="0"/>
-          <a:chExt cx="0" cy="0"/>
-        </a:xfrm>
-      </p:grpSpPr>
-      <p:sp>
-        <p:nvSpPr>
-          <p:cNvPr id="2" name="Title 1">
-            <a:extLst>
-              <a:ext uri="{FF2B5EF4-FFF2-40B4-BE49-F238E27FC236}">
-                <a16:creationId xmlns:a16="http://schemas.microsoft.com/office/drawing/2014/main" id="{D709A54F-690D-4846-9955-5559806301A0}"/>
-              </a:ext>
-            </a:extLst>
-          </p:cNvPr>
-          <p:cNvSpPr>
-            <a:spLocks noGrp="1"/>
-          </p:cNvSpPr>
-          <p:nvPr>
-            <p:ph type="title"/>
-          </p:nvPr>
-        </p:nvSpPr>
-        <p:spPr/>
-        <p:txBody>
-          <a:bodyPr/>
-          <a:lstStyle/>
-          <a:p>
-            <a:r>
-              <a:rPr lang="en-US" dirty="0"/>
-              <a:t>Example Breadth Question – Modern Architecture Competency</a:t>
-            </a:r>
-          </a:p>
-        </p:txBody>
-      </p:sp>
-      <p:sp>
-        <p:nvSpPr>
-          <p:cNvPr id="3" name="Text Placeholder 2">
-            <a:extLst>
-              <a:ext uri="{FF2B5EF4-FFF2-40B4-BE49-F238E27FC236}">
-                <a16:creationId xmlns:a16="http://schemas.microsoft.com/office/drawing/2014/main" id="{ACB6A2A8-2344-8545-A030-2ECC605B5A0E}"/>
-              </a:ext>
-            </a:extLst>
-          </p:cNvPr>
-          <p:cNvSpPr>
-            <a:spLocks noGrp="1"/>
-          </p:cNvSpPr>
-          <p:nvPr>
-            <p:ph type="body" idx="1"/>
-          </p:nvPr>
-        </p:nvSpPr>
-        <p:spPr>
-          <a:noFill/>
-          <a:ln>
-            <a:noFill/>
-          </a:ln>
-        </p:spPr>
-        <p:txBody>
-          <a:bodyPr spcFirstLastPara="1" wrap="square" lIns="0" tIns="0" rIns="0" bIns="0" anchor="t" anchorCtr="0">
-            <a:normAutofit/>
-          </a:bodyPr>
-          <a:lstStyle/>
-          <a:p>
-            <a:pPr marL="171467" indent="0">
-              <a:buNone/>
-            </a:pPr>
-            <a:r>
-              <a:rPr lang="en-US" b="1" dirty="0"/>
-              <a:t>Question: </a:t>
-            </a:r>
-            <a:r>
-              <a:rPr lang="en-US" dirty="0"/>
-              <a:t>You’re brought in to an existing project with a three-tier web site: A web server front-end, an application server, and a database. Each is on its own single separate machine. We want to upgrade the database without taking the site down for “scheduled maintenance.” How can we do this?</a:t>
-            </a:r>
-          </a:p>
-          <a:p>
-            <a:pPr marL="171467" indent="0">
-              <a:buNone/>
-            </a:pPr>
-            <a:r>
-              <a:rPr lang="en-US" b="1" dirty="0"/>
-              <a:t>Acceptable probe follow-up questions:</a:t>
-            </a:r>
-          </a:p>
-          <a:p>
-            <a:pPr marL="171467" indent="0">
-              <a:buNone/>
-            </a:pPr>
-            <a:r>
-              <a:rPr lang="en-US" dirty="0"/>
-              <a:t>How does this affect the application server?</a:t>
-            </a:r>
-          </a:p>
-          <a:p>
-            <a:pPr marL="171467" indent="0">
-              <a:buNone/>
-            </a:pPr>
-            <a:r>
-              <a:rPr lang="en-US" dirty="0"/>
-              <a:t>What happens next?</a:t>
-            </a:r>
-          </a:p>
-          <a:p>
-            <a:pPr marL="171467" indent="0">
-              <a:buNone/>
-            </a:pPr>
-            <a:endParaRPr lang="en-US" dirty="0"/>
-          </a:p>
-        </p:txBody>
-      </p:sp>
-    </p:spTree>
-    <p:extLst>
-      <p:ext uri="{BB962C8B-B14F-4D97-AF65-F5344CB8AC3E}">
-        <p14:creationId xmlns:p14="http://schemas.microsoft.com/office/powerpoint/2010/main" val="425015348"/>
-      </p:ext>
-    </p:extLst>
-  </p:cSld>
-  <p:clrMapOvr>
-    <a:masterClrMapping/>
-  </p:clrMapOvr>
-</p:sld>
-</file>
-
-<file path=ppt/slides/slide28.xml><?xml version="1.0" encoding="utf-8"?>
-<p:sld xmlns:a="http://schemas.openxmlformats.org/drawingml/2006/main" xmlns:r="http://schemas.openxmlformats.org/officeDocument/2006/relationships" xmlns:p="http://schemas.openxmlformats.org/presentationml/2006/main">
-  <p:cSld>
-    <p:spTree>
-      <p:nvGrpSpPr>
-        <p:cNvPr id="1" name=""/>
-        <p:cNvGrpSpPr/>
-        <p:nvPr/>
-      </p:nvGrpSpPr>
-      <p:grpSpPr>
-        <a:xfrm>
-          <a:off x="0" y="0"/>
-          <a:ext cx="0" cy="0"/>
-          <a:chOff x="0" y="0"/>
-          <a:chExt cx="0" cy="0"/>
-        </a:xfrm>
-      </p:grpSpPr>
-      <p:sp>
-        <p:nvSpPr>
-          <p:cNvPr id="2" name="Title 1">
-            <a:extLst>
-              <a:ext uri="{FF2B5EF4-FFF2-40B4-BE49-F238E27FC236}">
-                <a16:creationId xmlns:a16="http://schemas.microsoft.com/office/drawing/2014/main" id="{D709A54F-690D-4846-9955-5559806301A0}"/>
-              </a:ext>
-            </a:extLst>
-          </p:cNvPr>
-          <p:cNvSpPr>
-            <a:spLocks noGrp="1"/>
-          </p:cNvSpPr>
-          <p:nvPr>
-            <p:ph type="title"/>
-          </p:nvPr>
-        </p:nvSpPr>
-        <p:spPr/>
-        <p:txBody>
-          <a:bodyPr/>
-          <a:lstStyle/>
-          <a:p>
-            <a:r>
-              <a:rPr lang="en-US" dirty="0"/>
-              <a:t>Example Depth Question – Modern Architecture Competency</a:t>
-            </a:r>
-          </a:p>
-        </p:txBody>
-      </p:sp>
-      <p:sp>
-        <p:nvSpPr>
-          <p:cNvPr id="3" name="Text Placeholder 2">
-            <a:extLst>
-              <a:ext uri="{FF2B5EF4-FFF2-40B4-BE49-F238E27FC236}">
-                <a16:creationId xmlns:a16="http://schemas.microsoft.com/office/drawing/2014/main" id="{ACB6A2A8-2344-8545-A030-2ECC605B5A0E}"/>
-              </a:ext>
-            </a:extLst>
-          </p:cNvPr>
-          <p:cNvSpPr>
-            <a:spLocks noGrp="1"/>
-          </p:cNvSpPr>
-          <p:nvPr>
-            <p:ph type="body" idx="1"/>
-          </p:nvPr>
-        </p:nvSpPr>
-        <p:spPr>
-          <a:noFill/>
-          <a:ln>
-            <a:noFill/>
-          </a:ln>
-        </p:spPr>
-        <p:txBody>
-          <a:bodyPr spcFirstLastPara="1" wrap="square" lIns="0" tIns="0" rIns="0" bIns="0" anchor="t" anchorCtr="0">
-            <a:normAutofit fontScale="92500" lnSpcReduction="10000"/>
-          </a:bodyPr>
-          <a:lstStyle/>
-          <a:p>
-            <a:pPr marL="171467" indent="0">
-              <a:buNone/>
-            </a:pPr>
-            <a:r>
-              <a:rPr lang="en-US" b="1" dirty="0"/>
-              <a:t>Same question</a:t>
-            </a:r>
-            <a:r>
-              <a:rPr lang="en-US" dirty="0"/>
-              <a:t>: You’re brought in to an existing project with a three-tier web site: A web server front-end, an application server, and a database. Each is on its own single separate machine. We want to upgrade the database without taking the site down for “scheduled maintenance.” How can we do this?</a:t>
-            </a:r>
-          </a:p>
-          <a:p>
-            <a:pPr marL="171467" indent="0">
-              <a:buNone/>
-            </a:pPr>
-            <a:r>
-              <a:rPr lang="en-US" b="1" dirty="0"/>
-              <a:t>Added depth follow-up questions:</a:t>
-            </a:r>
-          </a:p>
-          <a:p>
-            <a:pPr marL="171467" indent="0">
-              <a:buNone/>
-            </a:pPr>
-            <a:r>
-              <a:rPr lang="en-US" dirty="0"/>
-              <a:t>Before we made changes, the first request from a user took 1 second and subsequent requests took 100 milliseconds. We added a bunch of new application server instances behind a round-robin load balancer, and now many requests take 1 second. What’s going on?</a:t>
-            </a:r>
-          </a:p>
-          <a:p>
-            <a:pPr marL="171467" indent="0">
-              <a:buNone/>
-            </a:pPr>
-            <a:r>
-              <a:rPr lang="en-US" dirty="0"/>
-              <a:t>All of our load balancers do round-robin. What should the health checks in front of the front-end HTTP server test for?</a:t>
-            </a:r>
-          </a:p>
-        </p:txBody>
-      </p:sp>
-    </p:spTree>
-    <p:extLst>
-      <p:ext uri="{BB962C8B-B14F-4D97-AF65-F5344CB8AC3E}">
-        <p14:creationId xmlns:p14="http://schemas.microsoft.com/office/powerpoint/2010/main" val="1851575256"/>
       </p:ext>
     </p:extLst>
   </p:cSld>
@@ -12206,7 +11104,7 @@
           <p:cNvPr id="2" name="Title 1">
             <a:extLst>
               <a:ext uri="{FF2B5EF4-FFF2-40B4-BE49-F238E27FC236}">
-                <a16:creationId xmlns:a16="http://schemas.microsoft.com/office/drawing/2014/main" id="{D4E4C047-701E-6045-A204-2E9F55292620}"/>
+                <a16:creationId xmlns:a16="http://schemas.microsoft.com/office/drawing/2014/main" id="{71EDF02E-0DE9-BF4E-A668-580998E2EC27}"/>
               </a:ext>
             </a:extLst>
           </p:cNvPr>
@@ -12224,7 +11122,7 @@
           <a:p>
             <a:r>
               <a:rPr lang="en-US" dirty="0"/>
-              <a:t>Example Breadth Question – Stakeholder Engagement Competency</a:t>
+              <a:t>Brainstorm assessment questions</a:t>
             </a:r>
           </a:p>
         </p:txBody>
@@ -12234,7 +11132,7 @@
           <p:cNvPr id="3" name="Text Placeholder 2">
             <a:extLst>
               <a:ext uri="{FF2B5EF4-FFF2-40B4-BE49-F238E27FC236}">
-                <a16:creationId xmlns:a16="http://schemas.microsoft.com/office/drawing/2014/main" id="{D6A4DA58-3293-B044-90E9-FC07DFF20EF1}"/>
+                <a16:creationId xmlns:a16="http://schemas.microsoft.com/office/drawing/2014/main" id="{B80BD65C-0B2C-FD43-BEFF-F5280438C64F}"/>
               </a:ext>
             </a:extLst>
           </p:cNvPr>
@@ -12245,32 +11143,37 @@
             <p:ph type="body" idx="1"/>
           </p:nvPr>
         </p:nvSpPr>
-        <p:spPr>
-          <a:xfrm>
-            <a:off x="1192143" y="1841500"/>
-            <a:ext cx="14956057" cy="7392802"/>
-          </a:xfrm>
-          <a:noFill/>
-          <a:ln>
-            <a:noFill/>
-          </a:ln>
-        </p:spPr>
+        <p:spPr/>
         <p:txBody>
-          <a:bodyPr spcFirstLastPara="1" wrap="square" lIns="0" tIns="0" rIns="0" bIns="0" anchor="t" anchorCtr="0">
+          <a:bodyPr>
             <a:normAutofit/>
           </a:bodyPr>
           <a:lstStyle/>
           <a:p>
-            <a:pPr marL="171467" indent="0">
-              <a:buNone/>
-            </a:pPr>
-            <a:r>
-              <a:rPr lang="en-US" b="1" dirty="0"/>
-              <a:t>Question</a:t>
-            </a:r>
-            <a:r>
-              <a:rPr lang="en-US" dirty="0"/>
-              <a:t>: Imagine you will be attending a chief executive briefing along with a number of senior leaders from your organization. These senior leaders have more experience and tenure in the organization than you have. In addition, they hold a view that is in conflict with yours. You need the chief executive to adopt your view. How would you prepare for this meeting?</a:t>
+            <a:r>
+              <a:rPr lang="en-US" dirty="0"/>
+              <a:t>Next, we’ll create questions. Some example question types.</a:t>
+            </a:r>
+          </a:p>
+          <a:p>
+            <a:pPr lvl="1"/>
+            <a:r>
+              <a:rPr lang="en-US" dirty="0"/>
+              <a:t>Past experience: “Tell me about a time…”</a:t>
+            </a:r>
+          </a:p>
+          <a:p>
+            <a:pPr lvl="1"/>
+            <a:r>
+              <a:rPr lang="en-US" dirty="0"/>
+              <a:t>Hypothetical situation: “Imagine we have a problem with…”</a:t>
+            </a:r>
+          </a:p>
+          <a:p>
+            <a:pPr lvl="1"/>
+            <a:r>
+              <a:rPr lang="en-US" dirty="0"/>
+              <a:t>Applicant’s viewpoint: “What do you think about…”</a:t>
             </a:r>
           </a:p>
         </p:txBody>
@@ -12278,7 +11181,7 @@
     </p:spTree>
     <p:extLst>
       <p:ext uri="{BB962C8B-B14F-4D97-AF65-F5344CB8AC3E}">
-        <p14:creationId xmlns:p14="http://schemas.microsoft.com/office/powerpoint/2010/main" val="1533237504"/>
+        <p14:creationId xmlns:p14="http://schemas.microsoft.com/office/powerpoint/2010/main" val="3085537343"/>
       </p:ext>
     </p:extLst>
   </p:cSld>
@@ -12379,6 +11282,1293 @@
       </p:grpSpPr>
       <p:sp>
         <p:nvSpPr>
+          <p:cNvPr id="4" name="Title 3">
+            <a:extLst>
+              <a:ext uri="{FF2B5EF4-FFF2-40B4-BE49-F238E27FC236}">
+                <a16:creationId xmlns:a16="http://schemas.microsoft.com/office/drawing/2014/main" id="{AE90C0D7-6A34-964F-8E33-5E36603A25C5}"/>
+              </a:ext>
+            </a:extLst>
+          </p:cNvPr>
+          <p:cNvSpPr>
+            <a:spLocks noGrp="1"/>
+          </p:cNvSpPr>
+          <p:nvPr>
+            <p:ph type="title"/>
+          </p:nvPr>
+        </p:nvSpPr>
+        <p:spPr>
+          <a:xfrm>
+            <a:off x="1268344" y="519298"/>
+            <a:ext cx="7039768" cy="1290459"/>
+          </a:xfrm>
+        </p:spPr>
+        <p:txBody>
+          <a:bodyPr/>
+          <a:lstStyle/>
+          <a:p>
+            <a:r>
+              <a:rPr lang="en-US" dirty="0"/>
+              <a:t>Breadth questions</a:t>
+            </a:r>
+          </a:p>
+        </p:txBody>
+      </p:sp>
+      <p:sp>
+        <p:nvSpPr>
+          <p:cNvPr id="6" name="Text Placeholder 2">
+            <a:extLst>
+              <a:ext uri="{FF2B5EF4-FFF2-40B4-BE49-F238E27FC236}">
+                <a16:creationId xmlns:a16="http://schemas.microsoft.com/office/drawing/2014/main" id="{CC2E7D81-A3D8-E140-B023-A4C267EF860A}"/>
+              </a:ext>
+            </a:extLst>
+          </p:cNvPr>
+          <p:cNvSpPr txBox="1">
+            <a:spLocks/>
+          </p:cNvSpPr>
+          <p:nvPr/>
+        </p:nvSpPr>
+        <p:spPr>
+          <a:xfrm>
+            <a:off x="1268344" y="1993900"/>
+            <a:ext cx="6887369" cy="7131050"/>
+          </a:xfrm>
+          <a:prstGeom prst="rect">
+            <a:avLst/>
+          </a:prstGeom>
+          <a:noFill/>
+          <a:ln>
+            <a:noFill/>
+          </a:ln>
+        </p:spPr>
+        <p:txBody>
+          <a:bodyPr spcFirstLastPara="1" wrap="square" lIns="0" tIns="0" rIns="0" bIns="0" anchor="t" anchorCtr="0">
+            <a:normAutofit fontScale="77500" lnSpcReduction="20000"/>
+          </a:bodyPr>
+          <a:lstStyle>
+            <a:defPPr marR="0" lvl="0" algn="l" rtl="0">
+              <a:lnSpc>
+                <a:spcPct val="100000"/>
+              </a:lnSpc>
+              <a:spcBef>
+                <a:spcPts val="0"/>
+              </a:spcBef>
+              <a:spcAft>
+                <a:spcPts val="0"/>
+              </a:spcAft>
+            </a:defPPr>
+            <a:lvl1pPr marL="457246" marR="0" lvl="0" indent="-285779" algn="l" rtl="0">
+              <a:lnSpc>
+                <a:spcPct val="100000"/>
+              </a:lnSpc>
+              <a:spcBef>
+                <a:spcPts val="4200"/>
+              </a:spcBef>
+              <a:spcAft>
+                <a:spcPts val="0"/>
+              </a:spcAft>
+              <a:buClr>
+                <a:srgbClr val="0D71BC"/>
+              </a:buClr>
+              <a:buSzPct val="112000"/>
+              <a:buFont typeface="Arial" panose="020B0604020202020204" pitchFamily="34" charset="0"/>
+              <a:buChar char="•"/>
+              <a:defRPr sz="3600" b="0" i="0" u="none" strike="noStrike" cap="none">
+                <a:solidFill>
+                  <a:srgbClr val="0D71BC"/>
+                </a:solidFill>
+                <a:latin typeface="Source Sans Pro" panose="020B0503030403020204" pitchFamily="34" charset="0"/>
+                <a:ea typeface="Source Sans Pro" panose="020B0503030403020204" pitchFamily="34" charset="0"/>
+                <a:cs typeface="Avenir"/>
+                <a:sym typeface="Avenir"/>
+              </a:defRPr>
+            </a:lvl1pPr>
+            <a:lvl2pPr marL="914492" marR="0" lvl="1" indent="-285779" algn="l" rtl="0">
+              <a:lnSpc>
+                <a:spcPct val="100000"/>
+              </a:lnSpc>
+              <a:spcBef>
+                <a:spcPts val="4200"/>
+              </a:spcBef>
+              <a:spcAft>
+                <a:spcPts val="0"/>
+              </a:spcAft>
+              <a:buClr>
+                <a:srgbClr val="0D71BC"/>
+              </a:buClr>
+              <a:buSzPct val="112000"/>
+              <a:buFont typeface="Arial" panose="020B0604020202020204" pitchFamily="34" charset="0"/>
+              <a:buChar char="•"/>
+              <a:defRPr sz="3600" b="0" i="0" u="none" strike="noStrike" cap="none">
+                <a:solidFill>
+                  <a:srgbClr val="0D71BC"/>
+                </a:solidFill>
+                <a:latin typeface="Source Sans Pro" panose="020B0503030403020204" pitchFamily="34" charset="0"/>
+                <a:ea typeface="Source Sans Pro" panose="020B0503030403020204" pitchFamily="34" charset="0"/>
+                <a:cs typeface="Avenir"/>
+                <a:sym typeface="Avenir"/>
+              </a:defRPr>
+            </a:lvl2pPr>
+            <a:lvl3pPr marL="1371737" marR="0" lvl="2" indent="-314357" algn="l" rtl="0">
+              <a:lnSpc>
+                <a:spcPct val="100000"/>
+              </a:lnSpc>
+              <a:spcBef>
+                <a:spcPts val="4200"/>
+              </a:spcBef>
+              <a:spcAft>
+                <a:spcPts val="0"/>
+              </a:spcAft>
+              <a:buClr>
+                <a:srgbClr val="0D71BC"/>
+              </a:buClr>
+              <a:buSzPct val="112000"/>
+              <a:buFont typeface="Arial" panose="020B0604020202020204" pitchFamily="34" charset="0"/>
+              <a:buChar char="•"/>
+              <a:defRPr sz="3600" b="0" i="0" u="none" strike="noStrike" cap="none">
+                <a:solidFill>
+                  <a:srgbClr val="0D71BC"/>
+                </a:solidFill>
+                <a:latin typeface="Source Sans Pro" panose="020B0503030403020204" pitchFamily="34" charset="0"/>
+                <a:ea typeface="Source Sans Pro" panose="020B0503030403020204" pitchFamily="34" charset="0"/>
+                <a:cs typeface="Avenir"/>
+                <a:sym typeface="Avenir"/>
+              </a:defRPr>
+            </a:lvl3pPr>
+            <a:lvl4pPr marL="1828984" marR="0" lvl="3" indent="-314357" algn="l" rtl="0">
+              <a:lnSpc>
+                <a:spcPct val="100000"/>
+              </a:lnSpc>
+              <a:spcBef>
+                <a:spcPts val="4200"/>
+              </a:spcBef>
+              <a:spcAft>
+                <a:spcPts val="0"/>
+              </a:spcAft>
+              <a:buClr>
+                <a:srgbClr val="0D71BC"/>
+              </a:buClr>
+              <a:buSzPct val="112000"/>
+              <a:buFont typeface="Arial" panose="020B0604020202020204" pitchFamily="34" charset="0"/>
+              <a:buChar char="•"/>
+              <a:defRPr sz="3600" b="0" i="0" u="none" strike="noStrike" cap="none">
+                <a:solidFill>
+                  <a:srgbClr val="0D71BC"/>
+                </a:solidFill>
+                <a:latin typeface="Source Sans Pro" panose="020B0503030403020204" pitchFamily="34" charset="0"/>
+                <a:ea typeface="Source Sans Pro" panose="020B0503030403020204" pitchFamily="34" charset="0"/>
+                <a:cs typeface="Avenir"/>
+                <a:sym typeface="Avenir"/>
+              </a:defRPr>
+            </a:lvl4pPr>
+            <a:lvl5pPr marL="2286228" marR="0" lvl="4" indent="-314357" algn="l" rtl="0">
+              <a:lnSpc>
+                <a:spcPct val="100000"/>
+              </a:lnSpc>
+              <a:spcBef>
+                <a:spcPts val="4200"/>
+              </a:spcBef>
+              <a:spcAft>
+                <a:spcPts val="0"/>
+              </a:spcAft>
+              <a:buClr>
+                <a:srgbClr val="0D71BC"/>
+              </a:buClr>
+              <a:buSzPct val="112000"/>
+              <a:buFont typeface="Arial" panose="020B0604020202020204" pitchFamily="34" charset="0"/>
+              <a:buChar char="•"/>
+              <a:defRPr sz="3600" b="0" i="0" u="none" strike="noStrike" cap="none">
+                <a:solidFill>
+                  <a:srgbClr val="0D71BC"/>
+                </a:solidFill>
+                <a:latin typeface="Source Sans Pro" panose="020B0503030403020204" pitchFamily="34" charset="0"/>
+                <a:ea typeface="Source Sans Pro" panose="020B0503030403020204" pitchFamily="34" charset="0"/>
+                <a:cs typeface="Avenir"/>
+                <a:sym typeface="Avenir"/>
+              </a:defRPr>
+            </a:lvl5pPr>
+            <a:lvl6pPr marL="2743475" marR="0" lvl="5" indent="-314357" algn="l" rtl="0">
+              <a:lnSpc>
+                <a:spcPct val="100000"/>
+              </a:lnSpc>
+              <a:spcBef>
+                <a:spcPts val="4200"/>
+              </a:spcBef>
+              <a:spcAft>
+                <a:spcPts val="0"/>
+              </a:spcAft>
+              <a:buClr>
+                <a:srgbClr val="000000"/>
+              </a:buClr>
+              <a:buSzPts val="1350"/>
+              <a:buFont typeface="Rockwell"/>
+              <a:buChar char="•"/>
+              <a:defRPr sz="3600" b="0" i="0" u="none" strike="noStrike" cap="none">
+                <a:solidFill>
+                  <a:srgbClr val="000000"/>
+                </a:solidFill>
+                <a:latin typeface="Rockwell"/>
+                <a:ea typeface="Rockwell"/>
+                <a:cs typeface="Rockwell"/>
+                <a:sym typeface="Rockwell"/>
+              </a:defRPr>
+            </a:lvl6pPr>
+            <a:lvl7pPr marL="3200720" marR="0" lvl="6" indent="-314357" algn="l" rtl="0">
+              <a:lnSpc>
+                <a:spcPct val="100000"/>
+              </a:lnSpc>
+              <a:spcBef>
+                <a:spcPts val="4200"/>
+              </a:spcBef>
+              <a:spcAft>
+                <a:spcPts val="0"/>
+              </a:spcAft>
+              <a:buClr>
+                <a:srgbClr val="000000"/>
+              </a:buClr>
+              <a:buSzPts val="1350"/>
+              <a:buFont typeface="Rockwell"/>
+              <a:buChar char="•"/>
+              <a:defRPr sz="3600" b="0" i="0" u="none" strike="noStrike" cap="none">
+                <a:solidFill>
+                  <a:srgbClr val="000000"/>
+                </a:solidFill>
+                <a:latin typeface="Rockwell"/>
+                <a:ea typeface="Rockwell"/>
+                <a:cs typeface="Rockwell"/>
+                <a:sym typeface="Rockwell"/>
+              </a:defRPr>
+            </a:lvl7pPr>
+            <a:lvl8pPr marL="3657966" marR="0" lvl="7" indent="-314357" algn="l" rtl="0">
+              <a:lnSpc>
+                <a:spcPct val="100000"/>
+              </a:lnSpc>
+              <a:spcBef>
+                <a:spcPts val="4200"/>
+              </a:spcBef>
+              <a:spcAft>
+                <a:spcPts val="0"/>
+              </a:spcAft>
+              <a:buClr>
+                <a:srgbClr val="000000"/>
+              </a:buClr>
+              <a:buSzPts val="1350"/>
+              <a:buFont typeface="Rockwell"/>
+              <a:buChar char="•"/>
+              <a:defRPr sz="3600" b="0" i="0" u="none" strike="noStrike" cap="none">
+                <a:solidFill>
+                  <a:srgbClr val="000000"/>
+                </a:solidFill>
+                <a:latin typeface="Rockwell"/>
+                <a:ea typeface="Rockwell"/>
+                <a:cs typeface="Rockwell"/>
+                <a:sym typeface="Rockwell"/>
+              </a:defRPr>
+            </a:lvl8pPr>
+            <a:lvl9pPr marL="4115212" marR="0" lvl="8" indent="-314357" algn="l" rtl="0">
+              <a:lnSpc>
+                <a:spcPct val="100000"/>
+              </a:lnSpc>
+              <a:spcBef>
+                <a:spcPts val="4200"/>
+              </a:spcBef>
+              <a:spcAft>
+                <a:spcPts val="0"/>
+              </a:spcAft>
+              <a:buClr>
+                <a:srgbClr val="000000"/>
+              </a:buClr>
+              <a:buSzPts val="1350"/>
+              <a:buFont typeface="Rockwell"/>
+              <a:buChar char="•"/>
+              <a:defRPr sz="3600" b="0" i="0" u="none" strike="noStrike" cap="none">
+                <a:solidFill>
+                  <a:srgbClr val="000000"/>
+                </a:solidFill>
+                <a:latin typeface="Rockwell"/>
+                <a:ea typeface="Rockwell"/>
+                <a:cs typeface="Rockwell"/>
+                <a:sym typeface="Rockwell"/>
+              </a:defRPr>
+            </a:lvl9pPr>
+          </a:lstStyle>
+          <a:p>
+            <a:pPr>
+              <a:buClr>
+                <a:schemeClr val="tx2"/>
+              </a:buClr>
+            </a:pPr>
+            <a:r>
+              <a:rPr lang="en-US" dirty="0">
+                <a:solidFill>
+                  <a:schemeClr val="tx2"/>
+                </a:solidFill>
+                <a:latin typeface="Arial" panose="020B0604020202020204" pitchFamily="34" charset="0"/>
+                <a:cs typeface="Arial" panose="020B0604020202020204" pitchFamily="34" charset="0"/>
+              </a:rPr>
+              <a:t>The first interview tests the applicant’s </a:t>
+            </a:r>
+            <a:r>
+              <a:rPr lang="en-US" b="1" i="1" dirty="0">
+                <a:solidFill>
+                  <a:schemeClr val="tx2"/>
+                </a:solidFill>
+                <a:latin typeface="Arial" panose="020B0604020202020204" pitchFamily="34" charset="0"/>
+                <a:cs typeface="Arial" panose="020B0604020202020204" pitchFamily="34" charset="0"/>
+              </a:rPr>
+              <a:t>breadth of experience</a:t>
+            </a:r>
+            <a:r>
+              <a:rPr lang="en-US" b="1" dirty="0">
+                <a:solidFill>
+                  <a:schemeClr val="tx2"/>
+                </a:solidFill>
+                <a:latin typeface="Arial" panose="020B0604020202020204" pitchFamily="34" charset="0"/>
+                <a:cs typeface="Arial" panose="020B0604020202020204" pitchFamily="34" charset="0"/>
+              </a:rPr>
+              <a:t> </a:t>
+            </a:r>
+            <a:r>
+              <a:rPr lang="en-US" dirty="0">
+                <a:solidFill>
+                  <a:schemeClr val="tx2"/>
+                </a:solidFill>
+                <a:latin typeface="Arial" panose="020B0604020202020204" pitchFamily="34" charset="0"/>
+                <a:cs typeface="Arial" panose="020B0604020202020204" pitchFamily="34" charset="0"/>
+              </a:rPr>
+              <a:t>across the competencies.</a:t>
+            </a:r>
+          </a:p>
+          <a:p>
+            <a:pPr>
+              <a:buClr>
+                <a:schemeClr val="tx2"/>
+              </a:buClr>
+            </a:pPr>
+            <a:r>
+              <a:rPr lang="en-US" dirty="0">
+                <a:solidFill>
+                  <a:schemeClr val="tx2"/>
+                </a:solidFill>
+                <a:latin typeface="Arial" panose="020B0604020202020204" pitchFamily="34" charset="0"/>
+                <a:cs typeface="Arial" panose="020B0604020202020204" pitchFamily="34" charset="0"/>
+              </a:rPr>
+              <a:t>Breadth questions tend to take 5-10 minutes for an applicant to answer.</a:t>
+            </a:r>
+          </a:p>
+          <a:p>
+            <a:pPr>
+              <a:buClr>
+                <a:schemeClr val="tx2"/>
+              </a:buClr>
+            </a:pPr>
+            <a:r>
+              <a:rPr lang="en-US" dirty="0">
+                <a:solidFill>
+                  <a:schemeClr val="tx2"/>
+                </a:solidFill>
+                <a:latin typeface="Arial" panose="020B0604020202020204" pitchFamily="34" charset="0"/>
+                <a:cs typeface="Arial" panose="020B0604020202020204" pitchFamily="34" charset="0"/>
+              </a:rPr>
+              <a:t>Breadth questions test if an applicant has experience, knowledge, or exposure to a general topic.</a:t>
+            </a:r>
+          </a:p>
+          <a:p>
+            <a:pPr>
+              <a:buClr>
+                <a:schemeClr val="tx2"/>
+              </a:buClr>
+            </a:pPr>
+            <a:r>
+              <a:rPr lang="en-US" dirty="0">
+                <a:solidFill>
+                  <a:schemeClr val="tx2"/>
+                </a:solidFill>
+                <a:latin typeface="Arial" panose="020B0604020202020204" pitchFamily="34" charset="0"/>
+                <a:cs typeface="Arial" panose="020B0604020202020204" pitchFamily="34" charset="0"/>
+              </a:rPr>
+              <a:t>Breadth: Limit follow up questions to basic probe questions (i.e., “What was your role?” or  “Can you tell me more?”)</a:t>
+            </a:r>
+          </a:p>
+        </p:txBody>
+      </p:sp>
+      <p:sp>
+        <p:nvSpPr>
+          <p:cNvPr id="7" name="Text Placeholder 2">
+            <a:extLst>
+              <a:ext uri="{FF2B5EF4-FFF2-40B4-BE49-F238E27FC236}">
+                <a16:creationId xmlns:a16="http://schemas.microsoft.com/office/drawing/2014/main" id="{0C03725A-973B-874F-AC9C-1B79D87F47DD}"/>
+              </a:ext>
+            </a:extLst>
+          </p:cNvPr>
+          <p:cNvSpPr txBox="1">
+            <a:spLocks/>
+          </p:cNvSpPr>
+          <p:nvPr/>
+        </p:nvSpPr>
+        <p:spPr>
+          <a:xfrm>
+            <a:off x="8670131" y="1993900"/>
+            <a:ext cx="6887369" cy="7131050"/>
+          </a:xfrm>
+          <a:prstGeom prst="rect">
+            <a:avLst/>
+          </a:prstGeom>
+          <a:noFill/>
+          <a:ln>
+            <a:noFill/>
+          </a:ln>
+        </p:spPr>
+        <p:txBody>
+          <a:bodyPr spcFirstLastPara="1" wrap="square" lIns="0" tIns="0" rIns="0" bIns="0" anchor="t" anchorCtr="0">
+            <a:normAutofit fontScale="77500" lnSpcReduction="20000"/>
+          </a:bodyPr>
+          <a:lstStyle>
+            <a:defPPr marR="0" lvl="0" algn="l" rtl="0">
+              <a:lnSpc>
+                <a:spcPct val="100000"/>
+              </a:lnSpc>
+              <a:spcBef>
+                <a:spcPts val="0"/>
+              </a:spcBef>
+              <a:spcAft>
+                <a:spcPts val="0"/>
+              </a:spcAft>
+            </a:defPPr>
+            <a:lvl1pPr marL="457246" marR="0" lvl="0" indent="-285779" algn="l" rtl="0">
+              <a:lnSpc>
+                <a:spcPct val="100000"/>
+              </a:lnSpc>
+              <a:spcBef>
+                <a:spcPts val="4200"/>
+              </a:spcBef>
+              <a:spcAft>
+                <a:spcPts val="0"/>
+              </a:spcAft>
+              <a:buClr>
+                <a:srgbClr val="0D71BC"/>
+              </a:buClr>
+              <a:buSzPct val="112000"/>
+              <a:buFont typeface="Arial" panose="020B0604020202020204" pitchFamily="34" charset="0"/>
+              <a:buChar char="•"/>
+              <a:defRPr sz="3600" b="0" i="0" u="none" strike="noStrike" cap="none">
+                <a:solidFill>
+                  <a:srgbClr val="0D71BC"/>
+                </a:solidFill>
+                <a:latin typeface="Source Sans Pro" panose="020B0503030403020204" pitchFamily="34" charset="0"/>
+                <a:ea typeface="Source Sans Pro" panose="020B0503030403020204" pitchFamily="34" charset="0"/>
+                <a:cs typeface="Avenir"/>
+                <a:sym typeface="Avenir"/>
+              </a:defRPr>
+            </a:lvl1pPr>
+            <a:lvl2pPr marL="914492" marR="0" lvl="1" indent="-285779" algn="l" rtl="0">
+              <a:lnSpc>
+                <a:spcPct val="100000"/>
+              </a:lnSpc>
+              <a:spcBef>
+                <a:spcPts val="4200"/>
+              </a:spcBef>
+              <a:spcAft>
+                <a:spcPts val="0"/>
+              </a:spcAft>
+              <a:buClr>
+                <a:srgbClr val="0D71BC"/>
+              </a:buClr>
+              <a:buSzPct val="112000"/>
+              <a:buFont typeface="Arial" panose="020B0604020202020204" pitchFamily="34" charset="0"/>
+              <a:buChar char="•"/>
+              <a:defRPr sz="3600" b="0" i="0" u="none" strike="noStrike" cap="none">
+                <a:solidFill>
+                  <a:srgbClr val="0D71BC"/>
+                </a:solidFill>
+                <a:latin typeface="Source Sans Pro" panose="020B0503030403020204" pitchFamily="34" charset="0"/>
+                <a:ea typeface="Source Sans Pro" panose="020B0503030403020204" pitchFamily="34" charset="0"/>
+                <a:cs typeface="Avenir"/>
+                <a:sym typeface="Avenir"/>
+              </a:defRPr>
+            </a:lvl2pPr>
+            <a:lvl3pPr marL="1371737" marR="0" lvl="2" indent="-314357" algn="l" rtl="0">
+              <a:lnSpc>
+                <a:spcPct val="100000"/>
+              </a:lnSpc>
+              <a:spcBef>
+                <a:spcPts val="4200"/>
+              </a:spcBef>
+              <a:spcAft>
+                <a:spcPts val="0"/>
+              </a:spcAft>
+              <a:buClr>
+                <a:srgbClr val="0D71BC"/>
+              </a:buClr>
+              <a:buSzPct val="112000"/>
+              <a:buFont typeface="Arial" panose="020B0604020202020204" pitchFamily="34" charset="0"/>
+              <a:buChar char="•"/>
+              <a:defRPr sz="3600" b="0" i="0" u="none" strike="noStrike" cap="none">
+                <a:solidFill>
+                  <a:srgbClr val="0D71BC"/>
+                </a:solidFill>
+                <a:latin typeface="Source Sans Pro" panose="020B0503030403020204" pitchFamily="34" charset="0"/>
+                <a:ea typeface="Source Sans Pro" panose="020B0503030403020204" pitchFamily="34" charset="0"/>
+                <a:cs typeface="Avenir"/>
+                <a:sym typeface="Avenir"/>
+              </a:defRPr>
+            </a:lvl3pPr>
+            <a:lvl4pPr marL="1828984" marR="0" lvl="3" indent="-314357" algn="l" rtl="0">
+              <a:lnSpc>
+                <a:spcPct val="100000"/>
+              </a:lnSpc>
+              <a:spcBef>
+                <a:spcPts val="4200"/>
+              </a:spcBef>
+              <a:spcAft>
+                <a:spcPts val="0"/>
+              </a:spcAft>
+              <a:buClr>
+                <a:srgbClr val="0D71BC"/>
+              </a:buClr>
+              <a:buSzPct val="112000"/>
+              <a:buFont typeface="Arial" panose="020B0604020202020204" pitchFamily="34" charset="0"/>
+              <a:buChar char="•"/>
+              <a:defRPr sz="3600" b="0" i="0" u="none" strike="noStrike" cap="none">
+                <a:solidFill>
+                  <a:srgbClr val="0D71BC"/>
+                </a:solidFill>
+                <a:latin typeface="Source Sans Pro" panose="020B0503030403020204" pitchFamily="34" charset="0"/>
+                <a:ea typeface="Source Sans Pro" panose="020B0503030403020204" pitchFamily="34" charset="0"/>
+                <a:cs typeface="Avenir"/>
+                <a:sym typeface="Avenir"/>
+              </a:defRPr>
+            </a:lvl4pPr>
+            <a:lvl5pPr marL="2286228" marR="0" lvl="4" indent="-314357" algn="l" rtl="0">
+              <a:lnSpc>
+                <a:spcPct val="100000"/>
+              </a:lnSpc>
+              <a:spcBef>
+                <a:spcPts val="4200"/>
+              </a:spcBef>
+              <a:spcAft>
+                <a:spcPts val="0"/>
+              </a:spcAft>
+              <a:buClr>
+                <a:srgbClr val="0D71BC"/>
+              </a:buClr>
+              <a:buSzPct val="112000"/>
+              <a:buFont typeface="Arial" panose="020B0604020202020204" pitchFamily="34" charset="0"/>
+              <a:buChar char="•"/>
+              <a:defRPr sz="3600" b="0" i="0" u="none" strike="noStrike" cap="none">
+                <a:solidFill>
+                  <a:srgbClr val="0D71BC"/>
+                </a:solidFill>
+                <a:latin typeface="Source Sans Pro" panose="020B0503030403020204" pitchFamily="34" charset="0"/>
+                <a:ea typeface="Source Sans Pro" panose="020B0503030403020204" pitchFamily="34" charset="0"/>
+                <a:cs typeface="Avenir"/>
+                <a:sym typeface="Avenir"/>
+              </a:defRPr>
+            </a:lvl5pPr>
+            <a:lvl6pPr marL="2743475" marR="0" lvl="5" indent="-314357" algn="l" rtl="0">
+              <a:lnSpc>
+                <a:spcPct val="100000"/>
+              </a:lnSpc>
+              <a:spcBef>
+                <a:spcPts val="4200"/>
+              </a:spcBef>
+              <a:spcAft>
+                <a:spcPts val="0"/>
+              </a:spcAft>
+              <a:buClr>
+                <a:srgbClr val="000000"/>
+              </a:buClr>
+              <a:buSzPts val="1350"/>
+              <a:buFont typeface="Rockwell"/>
+              <a:buChar char="•"/>
+              <a:defRPr sz="3600" b="0" i="0" u="none" strike="noStrike" cap="none">
+                <a:solidFill>
+                  <a:srgbClr val="000000"/>
+                </a:solidFill>
+                <a:latin typeface="Rockwell"/>
+                <a:ea typeface="Rockwell"/>
+                <a:cs typeface="Rockwell"/>
+                <a:sym typeface="Rockwell"/>
+              </a:defRPr>
+            </a:lvl6pPr>
+            <a:lvl7pPr marL="3200720" marR="0" lvl="6" indent="-314357" algn="l" rtl="0">
+              <a:lnSpc>
+                <a:spcPct val="100000"/>
+              </a:lnSpc>
+              <a:spcBef>
+                <a:spcPts val="4200"/>
+              </a:spcBef>
+              <a:spcAft>
+                <a:spcPts val="0"/>
+              </a:spcAft>
+              <a:buClr>
+                <a:srgbClr val="000000"/>
+              </a:buClr>
+              <a:buSzPts val="1350"/>
+              <a:buFont typeface="Rockwell"/>
+              <a:buChar char="•"/>
+              <a:defRPr sz="3600" b="0" i="0" u="none" strike="noStrike" cap="none">
+                <a:solidFill>
+                  <a:srgbClr val="000000"/>
+                </a:solidFill>
+                <a:latin typeface="Rockwell"/>
+                <a:ea typeface="Rockwell"/>
+                <a:cs typeface="Rockwell"/>
+                <a:sym typeface="Rockwell"/>
+              </a:defRPr>
+            </a:lvl7pPr>
+            <a:lvl8pPr marL="3657966" marR="0" lvl="7" indent="-314357" algn="l" rtl="0">
+              <a:lnSpc>
+                <a:spcPct val="100000"/>
+              </a:lnSpc>
+              <a:spcBef>
+                <a:spcPts val="4200"/>
+              </a:spcBef>
+              <a:spcAft>
+                <a:spcPts val="0"/>
+              </a:spcAft>
+              <a:buClr>
+                <a:srgbClr val="000000"/>
+              </a:buClr>
+              <a:buSzPts val="1350"/>
+              <a:buFont typeface="Rockwell"/>
+              <a:buChar char="•"/>
+              <a:defRPr sz="3600" b="0" i="0" u="none" strike="noStrike" cap="none">
+                <a:solidFill>
+                  <a:srgbClr val="000000"/>
+                </a:solidFill>
+                <a:latin typeface="Rockwell"/>
+                <a:ea typeface="Rockwell"/>
+                <a:cs typeface="Rockwell"/>
+                <a:sym typeface="Rockwell"/>
+              </a:defRPr>
+            </a:lvl8pPr>
+            <a:lvl9pPr marL="4115212" marR="0" lvl="8" indent="-314357" algn="l" rtl="0">
+              <a:lnSpc>
+                <a:spcPct val="100000"/>
+              </a:lnSpc>
+              <a:spcBef>
+                <a:spcPts val="4200"/>
+              </a:spcBef>
+              <a:spcAft>
+                <a:spcPts val="0"/>
+              </a:spcAft>
+              <a:buClr>
+                <a:srgbClr val="000000"/>
+              </a:buClr>
+              <a:buSzPts val="1350"/>
+              <a:buFont typeface="Rockwell"/>
+              <a:buChar char="•"/>
+              <a:defRPr sz="3600" b="0" i="0" u="none" strike="noStrike" cap="none">
+                <a:solidFill>
+                  <a:srgbClr val="000000"/>
+                </a:solidFill>
+                <a:latin typeface="Rockwell"/>
+                <a:ea typeface="Rockwell"/>
+                <a:cs typeface="Rockwell"/>
+                <a:sym typeface="Rockwell"/>
+              </a:defRPr>
+            </a:lvl9pPr>
+          </a:lstStyle>
+          <a:p>
+            <a:pPr>
+              <a:buClr>
+                <a:schemeClr val="tx2"/>
+              </a:buClr>
+            </a:pPr>
+            <a:r>
+              <a:rPr lang="en-US" dirty="0">
+                <a:solidFill>
+                  <a:schemeClr val="tx2"/>
+                </a:solidFill>
+                <a:latin typeface="Arial" panose="020B0604020202020204" pitchFamily="34" charset="0"/>
+                <a:cs typeface="Arial" panose="020B0604020202020204" pitchFamily="34" charset="0"/>
+              </a:rPr>
+              <a:t>The second interview tests the applicant’s </a:t>
+            </a:r>
+            <a:r>
+              <a:rPr lang="en-US" b="1" i="1" dirty="0">
+                <a:solidFill>
+                  <a:schemeClr val="tx2"/>
+                </a:solidFill>
+                <a:latin typeface="Arial" panose="020B0604020202020204" pitchFamily="34" charset="0"/>
+                <a:cs typeface="Arial" panose="020B0604020202020204" pitchFamily="34" charset="0"/>
+              </a:rPr>
+              <a:t>depth of knowledge</a:t>
+            </a:r>
+            <a:r>
+              <a:rPr lang="en-US" b="1" dirty="0">
+                <a:solidFill>
+                  <a:schemeClr val="tx2"/>
+                </a:solidFill>
+                <a:latin typeface="Arial" panose="020B0604020202020204" pitchFamily="34" charset="0"/>
+                <a:cs typeface="Arial" panose="020B0604020202020204" pitchFamily="34" charset="0"/>
+              </a:rPr>
+              <a:t> </a:t>
+            </a:r>
+            <a:r>
+              <a:rPr lang="en-US" dirty="0">
+                <a:solidFill>
+                  <a:schemeClr val="tx2"/>
+                </a:solidFill>
+                <a:latin typeface="Arial" panose="020B0604020202020204" pitchFamily="34" charset="0"/>
+                <a:cs typeface="Arial" panose="020B0604020202020204" pitchFamily="34" charset="0"/>
+              </a:rPr>
+              <a:t>across the competencies.</a:t>
+            </a:r>
+          </a:p>
+          <a:p>
+            <a:pPr>
+              <a:buClr>
+                <a:schemeClr val="tx2"/>
+              </a:buClr>
+            </a:pPr>
+            <a:r>
+              <a:rPr lang="en-US" dirty="0">
+                <a:solidFill>
+                  <a:schemeClr val="tx2"/>
+                </a:solidFill>
+                <a:latin typeface="Arial" panose="020B0604020202020204" pitchFamily="34" charset="0"/>
+                <a:cs typeface="Arial" panose="020B0604020202020204" pitchFamily="34" charset="0"/>
+              </a:rPr>
+              <a:t>Depth questions can take up to 10-15 minutes for an applicant to answer. </a:t>
+            </a:r>
+          </a:p>
+          <a:p>
+            <a:pPr>
+              <a:buClr>
+                <a:schemeClr val="tx2"/>
+              </a:buClr>
+            </a:pPr>
+            <a:r>
+              <a:rPr lang="en-US" dirty="0">
+                <a:solidFill>
+                  <a:schemeClr val="tx2"/>
+                </a:solidFill>
+                <a:latin typeface="Arial" panose="020B0604020202020204" pitchFamily="34" charset="0"/>
+                <a:cs typeface="Arial" panose="020B0604020202020204" pitchFamily="34" charset="0"/>
+              </a:rPr>
+              <a:t>Depth questions test how an applicant reacts and responds to changes in the presented situation.</a:t>
+            </a:r>
+          </a:p>
+          <a:p>
+            <a:pPr>
+              <a:buClr>
+                <a:schemeClr val="tx2"/>
+              </a:buClr>
+            </a:pPr>
+            <a:r>
+              <a:rPr lang="en-US" dirty="0">
+                <a:solidFill>
+                  <a:schemeClr val="tx2"/>
+                </a:solidFill>
+                <a:latin typeface="Arial" panose="020B0604020202020204" pitchFamily="34" charset="0"/>
+                <a:cs typeface="Arial" panose="020B0604020202020204" pitchFamily="34" charset="0"/>
+              </a:rPr>
+              <a:t>Depth: Mandated follow up questions that probe deeper (i.e., “Now imagine...” or “Tell me about a time you've experienced that hypothetical in real life.”).</a:t>
+            </a:r>
+          </a:p>
+          <a:p>
+            <a:pPr>
+              <a:buClr>
+                <a:schemeClr val="tx2"/>
+              </a:buClr>
+            </a:pPr>
+            <a:endParaRPr lang="en-US" dirty="0">
+              <a:solidFill>
+                <a:schemeClr val="tx2"/>
+              </a:solidFill>
+              <a:latin typeface="Arial" panose="020B0604020202020204" pitchFamily="34" charset="0"/>
+              <a:cs typeface="Arial" panose="020B0604020202020204" pitchFamily="34" charset="0"/>
+            </a:endParaRPr>
+          </a:p>
+        </p:txBody>
+      </p:sp>
+      <p:sp>
+        <p:nvSpPr>
+          <p:cNvPr id="8" name="Title 3">
+            <a:extLst>
+              <a:ext uri="{FF2B5EF4-FFF2-40B4-BE49-F238E27FC236}">
+                <a16:creationId xmlns:a16="http://schemas.microsoft.com/office/drawing/2014/main" id="{03688122-A7F5-3048-AD5C-54D50A88EE13}"/>
+              </a:ext>
+            </a:extLst>
+          </p:cNvPr>
+          <p:cNvSpPr txBox="1">
+            <a:spLocks/>
+          </p:cNvSpPr>
+          <p:nvPr/>
+        </p:nvSpPr>
+        <p:spPr>
+          <a:xfrm>
+            <a:off x="8670131" y="505196"/>
+            <a:ext cx="7039768" cy="1290459"/>
+          </a:xfrm>
+          <a:prstGeom prst="rect">
+            <a:avLst/>
+          </a:prstGeom>
+          <a:noFill/>
+          <a:ln>
+            <a:noFill/>
+          </a:ln>
+        </p:spPr>
+        <p:txBody>
+          <a:bodyPr spcFirstLastPara="1" wrap="square" lIns="91425" tIns="45700" rIns="91425" bIns="45700" anchor="t" anchorCtr="0"/>
+          <a:lstStyle>
+            <a:defPPr marR="0" lvl="0" algn="l" rtl="0">
+              <a:lnSpc>
+                <a:spcPct val="100000"/>
+              </a:lnSpc>
+              <a:spcBef>
+                <a:spcPts val="0"/>
+              </a:spcBef>
+              <a:spcAft>
+                <a:spcPts val="0"/>
+              </a:spcAft>
+            </a:defPPr>
+            <a:lvl1pPr marR="0" lvl="0" algn="l" rtl="0">
+              <a:lnSpc>
+                <a:spcPct val="100000"/>
+              </a:lnSpc>
+              <a:spcBef>
+                <a:spcPts val="0"/>
+              </a:spcBef>
+              <a:spcAft>
+                <a:spcPts val="0"/>
+              </a:spcAft>
+              <a:buClr>
+                <a:srgbClr val="000000"/>
+              </a:buClr>
+              <a:buSzPts val="1400"/>
+              <a:buFont typeface="Arial"/>
+              <a:buNone/>
+              <a:defRPr sz="3600" b="1" i="0" u="none" strike="noStrike" cap="all" baseline="0">
+                <a:solidFill>
+                  <a:srgbClr val="0D71BC"/>
+                </a:solidFill>
+                <a:latin typeface="Source Sans Pro SemiBold" panose="020B0503030403020204" pitchFamily="34" charset="0"/>
+                <a:ea typeface="Source Sans Pro SemiBold" panose="020B0503030403020204" pitchFamily="34" charset="0"/>
+                <a:cs typeface="Source Sans Pro SemiBold" panose="020B0503030403020204" pitchFamily="34" charset="0"/>
+                <a:sym typeface="Avenir"/>
+              </a:defRPr>
+            </a:lvl1pPr>
+            <a:lvl2pPr marR="0" lvl="1" algn="ctr" rtl="0">
+              <a:lnSpc>
+                <a:spcPct val="100000"/>
+              </a:lnSpc>
+              <a:spcBef>
+                <a:spcPts val="0"/>
+              </a:spcBef>
+              <a:spcAft>
+                <a:spcPts val="0"/>
+              </a:spcAft>
+              <a:buClr>
+                <a:srgbClr val="000000"/>
+              </a:buClr>
+              <a:buSzPts val="1400"/>
+              <a:buFont typeface="Arial"/>
+              <a:buNone/>
+              <a:defRPr sz="8000" b="0" i="0" u="none" strike="noStrike" cap="none">
+                <a:solidFill>
+                  <a:srgbClr val="000000"/>
+                </a:solidFill>
+                <a:latin typeface="Rockwell"/>
+                <a:ea typeface="Rockwell"/>
+                <a:cs typeface="Rockwell"/>
+                <a:sym typeface="Rockwell"/>
+              </a:defRPr>
+            </a:lvl2pPr>
+            <a:lvl3pPr marR="0" lvl="2" algn="ctr" rtl="0">
+              <a:lnSpc>
+                <a:spcPct val="100000"/>
+              </a:lnSpc>
+              <a:spcBef>
+                <a:spcPts val="0"/>
+              </a:spcBef>
+              <a:spcAft>
+                <a:spcPts val="0"/>
+              </a:spcAft>
+              <a:buClr>
+                <a:srgbClr val="000000"/>
+              </a:buClr>
+              <a:buSzPts val="1400"/>
+              <a:buFont typeface="Arial"/>
+              <a:buNone/>
+              <a:defRPr sz="8000" b="0" i="0" u="none" strike="noStrike" cap="none">
+                <a:solidFill>
+                  <a:srgbClr val="000000"/>
+                </a:solidFill>
+                <a:latin typeface="Rockwell"/>
+                <a:ea typeface="Rockwell"/>
+                <a:cs typeface="Rockwell"/>
+                <a:sym typeface="Rockwell"/>
+              </a:defRPr>
+            </a:lvl3pPr>
+            <a:lvl4pPr marR="0" lvl="3" algn="ctr" rtl="0">
+              <a:lnSpc>
+                <a:spcPct val="100000"/>
+              </a:lnSpc>
+              <a:spcBef>
+                <a:spcPts val="0"/>
+              </a:spcBef>
+              <a:spcAft>
+                <a:spcPts val="0"/>
+              </a:spcAft>
+              <a:buClr>
+                <a:srgbClr val="000000"/>
+              </a:buClr>
+              <a:buSzPts val="1400"/>
+              <a:buFont typeface="Arial"/>
+              <a:buNone/>
+              <a:defRPr sz="8000" b="0" i="0" u="none" strike="noStrike" cap="none">
+                <a:solidFill>
+                  <a:srgbClr val="000000"/>
+                </a:solidFill>
+                <a:latin typeface="Rockwell"/>
+                <a:ea typeface="Rockwell"/>
+                <a:cs typeface="Rockwell"/>
+                <a:sym typeface="Rockwell"/>
+              </a:defRPr>
+            </a:lvl4pPr>
+            <a:lvl5pPr marR="0" lvl="4" algn="ctr" rtl="0">
+              <a:lnSpc>
+                <a:spcPct val="100000"/>
+              </a:lnSpc>
+              <a:spcBef>
+                <a:spcPts val="0"/>
+              </a:spcBef>
+              <a:spcAft>
+                <a:spcPts val="0"/>
+              </a:spcAft>
+              <a:buClr>
+                <a:srgbClr val="000000"/>
+              </a:buClr>
+              <a:buSzPts val="1400"/>
+              <a:buFont typeface="Arial"/>
+              <a:buNone/>
+              <a:defRPr sz="8000" b="0" i="0" u="none" strike="noStrike" cap="none">
+                <a:solidFill>
+                  <a:srgbClr val="000000"/>
+                </a:solidFill>
+                <a:latin typeface="Rockwell"/>
+                <a:ea typeface="Rockwell"/>
+                <a:cs typeface="Rockwell"/>
+                <a:sym typeface="Rockwell"/>
+              </a:defRPr>
+            </a:lvl5pPr>
+            <a:lvl6pPr marR="0" lvl="5" algn="ctr" rtl="0">
+              <a:lnSpc>
+                <a:spcPct val="100000"/>
+              </a:lnSpc>
+              <a:spcBef>
+                <a:spcPts val="0"/>
+              </a:spcBef>
+              <a:spcAft>
+                <a:spcPts val="0"/>
+              </a:spcAft>
+              <a:buClr>
+                <a:srgbClr val="000000"/>
+              </a:buClr>
+              <a:buSzPts val="1400"/>
+              <a:buFont typeface="Arial"/>
+              <a:buNone/>
+              <a:defRPr sz="8000" b="0" i="0" u="none" strike="noStrike" cap="none">
+                <a:solidFill>
+                  <a:srgbClr val="000000"/>
+                </a:solidFill>
+                <a:latin typeface="Rockwell"/>
+                <a:ea typeface="Rockwell"/>
+                <a:cs typeface="Rockwell"/>
+                <a:sym typeface="Rockwell"/>
+              </a:defRPr>
+            </a:lvl6pPr>
+            <a:lvl7pPr marR="0" lvl="6" algn="ctr" rtl="0">
+              <a:lnSpc>
+                <a:spcPct val="100000"/>
+              </a:lnSpc>
+              <a:spcBef>
+                <a:spcPts val="0"/>
+              </a:spcBef>
+              <a:spcAft>
+                <a:spcPts val="0"/>
+              </a:spcAft>
+              <a:buClr>
+                <a:srgbClr val="000000"/>
+              </a:buClr>
+              <a:buSzPts val="1400"/>
+              <a:buFont typeface="Arial"/>
+              <a:buNone/>
+              <a:defRPr sz="8000" b="0" i="0" u="none" strike="noStrike" cap="none">
+                <a:solidFill>
+                  <a:srgbClr val="000000"/>
+                </a:solidFill>
+                <a:latin typeface="Rockwell"/>
+                <a:ea typeface="Rockwell"/>
+                <a:cs typeface="Rockwell"/>
+                <a:sym typeface="Rockwell"/>
+              </a:defRPr>
+            </a:lvl7pPr>
+            <a:lvl8pPr marR="0" lvl="7" algn="ctr" rtl="0">
+              <a:lnSpc>
+                <a:spcPct val="100000"/>
+              </a:lnSpc>
+              <a:spcBef>
+                <a:spcPts val="0"/>
+              </a:spcBef>
+              <a:spcAft>
+                <a:spcPts val="0"/>
+              </a:spcAft>
+              <a:buClr>
+                <a:srgbClr val="000000"/>
+              </a:buClr>
+              <a:buSzPts val="1400"/>
+              <a:buFont typeface="Arial"/>
+              <a:buNone/>
+              <a:defRPr sz="8000" b="0" i="0" u="none" strike="noStrike" cap="none">
+                <a:solidFill>
+                  <a:srgbClr val="000000"/>
+                </a:solidFill>
+                <a:latin typeface="Rockwell"/>
+                <a:ea typeface="Rockwell"/>
+                <a:cs typeface="Rockwell"/>
+                <a:sym typeface="Rockwell"/>
+              </a:defRPr>
+            </a:lvl8pPr>
+            <a:lvl9pPr marR="0" lvl="8" algn="ctr" rtl="0">
+              <a:lnSpc>
+                <a:spcPct val="100000"/>
+              </a:lnSpc>
+              <a:spcBef>
+                <a:spcPts val="0"/>
+              </a:spcBef>
+              <a:spcAft>
+                <a:spcPts val="0"/>
+              </a:spcAft>
+              <a:buClr>
+                <a:srgbClr val="000000"/>
+              </a:buClr>
+              <a:buSzPts val="1400"/>
+              <a:buFont typeface="Arial"/>
+              <a:buNone/>
+              <a:defRPr sz="8000" b="0" i="0" u="none" strike="noStrike" cap="none">
+                <a:solidFill>
+                  <a:srgbClr val="000000"/>
+                </a:solidFill>
+                <a:latin typeface="Rockwell"/>
+                <a:ea typeface="Rockwell"/>
+                <a:cs typeface="Rockwell"/>
+                <a:sym typeface="Rockwell"/>
+              </a:defRPr>
+            </a:lvl9pPr>
+          </a:lstStyle>
+          <a:p>
+            <a:r>
+              <a:rPr lang="en-US" dirty="0">
+                <a:solidFill>
+                  <a:schemeClr val="tx2"/>
+                </a:solidFill>
+                <a:latin typeface="+mn-lt"/>
+              </a:rPr>
+              <a:t>Depth questions</a:t>
+            </a:r>
+          </a:p>
+        </p:txBody>
+      </p:sp>
+      <p:sp>
+        <p:nvSpPr>
+          <p:cNvPr id="9" name="Rectangle 8">
+            <a:extLst>
+              <a:ext uri="{FF2B5EF4-FFF2-40B4-BE49-F238E27FC236}">
+                <a16:creationId xmlns:a16="http://schemas.microsoft.com/office/drawing/2014/main" id="{1503535E-A95D-194A-BCC3-2DC71399598E}"/>
+              </a:ext>
+            </a:extLst>
+          </p:cNvPr>
+          <p:cNvSpPr/>
+          <p:nvPr/>
+        </p:nvSpPr>
+        <p:spPr>
+          <a:xfrm>
+            <a:off x="1734112" y="3746809"/>
+            <a:ext cx="13872117" cy="2141034"/>
+          </a:xfrm>
+          <a:prstGeom prst="rect">
+            <a:avLst/>
+          </a:prstGeom>
+          <a:solidFill>
+            <a:srgbClr val="FFFF00"/>
+          </a:solidFill>
+        </p:spPr>
+        <p:style>
+          <a:lnRef idx="2">
+            <a:schemeClr val="accent1">
+              <a:shade val="50000"/>
+            </a:schemeClr>
+          </a:lnRef>
+          <a:fillRef idx="1">
+            <a:schemeClr val="accent1"/>
+          </a:fillRef>
+          <a:effectRef idx="0">
+            <a:schemeClr val="accent1"/>
+          </a:effectRef>
+          <a:fontRef idx="minor">
+            <a:schemeClr val="lt1"/>
+          </a:fontRef>
+        </p:style>
+        <p:txBody>
+          <a:bodyPr rtlCol="0" anchor="ctr"/>
+          <a:lstStyle/>
+          <a:p>
+            <a:pPr algn="ctr"/>
+            <a:r>
+              <a:rPr lang="en-US" sz="3600" b="1" dirty="0">
+                <a:solidFill>
+                  <a:schemeClr val="tx2"/>
+                </a:solidFill>
+                <a:latin typeface="+mj-lt"/>
+              </a:rPr>
+              <a:t>Use this slide if doing two structured interview assessments</a:t>
+            </a:r>
+          </a:p>
+          <a:p>
+            <a:pPr algn="ctr"/>
+            <a:endParaRPr lang="en-US" dirty="0"/>
+          </a:p>
+        </p:txBody>
+      </p:sp>
+    </p:spTree>
+    <p:extLst>
+      <p:ext uri="{BB962C8B-B14F-4D97-AF65-F5344CB8AC3E}">
+        <p14:creationId xmlns:p14="http://schemas.microsoft.com/office/powerpoint/2010/main" val="1075016947"/>
+      </p:ext>
+    </p:extLst>
+  </p:cSld>
+  <p:clrMapOvr>
+    <a:masterClrMapping/>
+  </p:clrMapOvr>
+</p:sld>
+</file>
+
+<file path=ppt/slides/slide31.xml><?xml version="1.0" encoding="utf-8"?>
+<p:sld xmlns:a="http://schemas.openxmlformats.org/drawingml/2006/main" xmlns:r="http://schemas.openxmlformats.org/officeDocument/2006/relationships" xmlns:p="http://schemas.openxmlformats.org/presentationml/2006/main">
+  <p:cSld>
+    <p:spTree>
+      <p:nvGrpSpPr>
+        <p:cNvPr id="1" name=""/>
+        <p:cNvGrpSpPr/>
+        <p:nvPr/>
+      </p:nvGrpSpPr>
+      <p:grpSpPr>
+        <a:xfrm>
+          <a:off x="0" y="0"/>
+          <a:ext cx="0" cy="0"/>
+          <a:chOff x="0" y="0"/>
+          <a:chExt cx="0" cy="0"/>
+        </a:xfrm>
+      </p:grpSpPr>
+      <p:sp>
+        <p:nvSpPr>
+          <p:cNvPr id="2" name="Title 1">
+            <a:extLst>
+              <a:ext uri="{FF2B5EF4-FFF2-40B4-BE49-F238E27FC236}">
+                <a16:creationId xmlns:a16="http://schemas.microsoft.com/office/drawing/2014/main" id="{D4E4C047-701E-6045-A204-2E9F55292620}"/>
+              </a:ext>
+            </a:extLst>
+          </p:cNvPr>
+          <p:cNvSpPr>
+            <a:spLocks noGrp="1"/>
+          </p:cNvSpPr>
+          <p:nvPr>
+            <p:ph type="title"/>
+          </p:nvPr>
+        </p:nvSpPr>
+        <p:spPr/>
+        <p:txBody>
+          <a:bodyPr/>
+          <a:lstStyle/>
+          <a:p>
+            <a:r>
+              <a:rPr lang="en-US" dirty="0"/>
+              <a:t>Example Breadth Question – Stakeholder Engagement Competency</a:t>
+            </a:r>
+          </a:p>
+        </p:txBody>
+      </p:sp>
+      <p:sp>
+        <p:nvSpPr>
+          <p:cNvPr id="3" name="Text Placeholder 2">
+            <a:extLst>
+              <a:ext uri="{FF2B5EF4-FFF2-40B4-BE49-F238E27FC236}">
+                <a16:creationId xmlns:a16="http://schemas.microsoft.com/office/drawing/2014/main" id="{D6A4DA58-3293-B044-90E9-FC07DFF20EF1}"/>
+              </a:ext>
+            </a:extLst>
+          </p:cNvPr>
+          <p:cNvSpPr>
+            <a:spLocks noGrp="1"/>
+          </p:cNvSpPr>
+          <p:nvPr>
+            <p:ph type="body" idx="1"/>
+          </p:nvPr>
+        </p:nvSpPr>
+        <p:spPr>
+          <a:xfrm>
+            <a:off x="1192143" y="1841500"/>
+            <a:ext cx="14956057" cy="7392802"/>
+          </a:xfrm>
+          <a:noFill/>
+          <a:ln>
+            <a:noFill/>
+          </a:ln>
+        </p:spPr>
+        <p:txBody>
+          <a:bodyPr spcFirstLastPara="1" wrap="square" lIns="0" tIns="0" rIns="0" bIns="0" anchor="t" anchorCtr="0">
+            <a:normAutofit/>
+          </a:bodyPr>
+          <a:lstStyle/>
+          <a:p>
+            <a:pPr marL="171467" indent="0">
+              <a:buNone/>
+            </a:pPr>
+            <a:r>
+              <a:rPr lang="en-US" b="1" dirty="0"/>
+              <a:t>Question</a:t>
+            </a:r>
+            <a:r>
+              <a:rPr lang="en-US" dirty="0"/>
+              <a:t>: Imagine you will be attending a chief executive briefing along with a number of senior leaders from your organization. These senior leaders have more experience and tenure in the organization than you have. In addition, they hold a view that is in conflict with yours. You need the chief executive to adopt your view. How would you prepare for this meeting?</a:t>
+            </a:r>
+          </a:p>
+        </p:txBody>
+      </p:sp>
+    </p:spTree>
+    <p:extLst>
+      <p:ext uri="{BB962C8B-B14F-4D97-AF65-F5344CB8AC3E}">
+        <p14:creationId xmlns:p14="http://schemas.microsoft.com/office/powerpoint/2010/main" val="1533237504"/>
+      </p:ext>
+    </p:extLst>
+  </p:cSld>
+  <p:clrMapOvr>
+    <a:masterClrMapping/>
+  </p:clrMapOvr>
+</p:sld>
+</file>
+
+<file path=ppt/slides/slide32.xml><?xml version="1.0" encoding="utf-8"?>
+<p:sld xmlns:a="http://schemas.openxmlformats.org/drawingml/2006/main" xmlns:r="http://schemas.openxmlformats.org/officeDocument/2006/relationships" xmlns:p="http://schemas.openxmlformats.org/presentationml/2006/main">
+  <p:cSld>
+    <p:spTree>
+      <p:nvGrpSpPr>
+        <p:cNvPr id="1" name=""/>
+        <p:cNvGrpSpPr/>
+        <p:nvPr/>
+      </p:nvGrpSpPr>
+      <p:grpSpPr>
+        <a:xfrm>
+          <a:off x="0" y="0"/>
+          <a:ext cx="0" cy="0"/>
+          <a:chOff x="0" y="0"/>
+          <a:chExt cx="0" cy="0"/>
+        </a:xfrm>
+      </p:grpSpPr>
+      <p:sp>
+        <p:nvSpPr>
           <p:cNvPr id="2" name="Title 1">
             <a:extLst>
               <a:ext uri="{FF2B5EF4-FFF2-40B4-BE49-F238E27FC236}">
@@ -12500,7 +12690,7 @@
 </p:sld>
 </file>
 
-<file path=ppt/slides/slide31.xml><?xml version="1.0" encoding="utf-8"?>
+<file path=ppt/slides/slide33.xml><?xml version="1.0" encoding="utf-8"?>
 <p:sld xmlns:a="http://schemas.openxmlformats.org/drawingml/2006/main" xmlns:r="http://schemas.openxmlformats.org/officeDocument/2006/relationships" xmlns:p="http://schemas.openxmlformats.org/presentationml/2006/main">
   <p:cSld>
     <p:spTree>
@@ -12622,7 +12812,7 @@
 </p:sld>
 </file>
 
-<file path=ppt/slides/slide32.xml><?xml version="1.0" encoding="utf-8"?>
+<file path=ppt/slides/slide34.xml><?xml version="1.0" encoding="utf-8"?>
 <p:sld xmlns:a="http://schemas.openxmlformats.org/drawingml/2006/main" xmlns:r="http://schemas.openxmlformats.org/officeDocument/2006/relationships" xmlns:p="http://schemas.openxmlformats.org/presentationml/2006/main">
   <p:cSld>
     <p:spTree>
@@ -12671,6 +12861,266 @@
     <p:extLst>
       <p:ext uri="{BB962C8B-B14F-4D97-AF65-F5344CB8AC3E}">
         <p14:creationId xmlns:p14="http://schemas.microsoft.com/office/powerpoint/2010/main" val="1713396560"/>
+      </p:ext>
+    </p:extLst>
+  </p:cSld>
+  <p:clrMapOvr>
+    <a:masterClrMapping/>
+  </p:clrMapOvr>
+</p:sld>
+</file>
+
+<file path=ppt/slides/slide35.xml><?xml version="1.0" encoding="utf-8"?>
+<p:sld xmlns:a="http://schemas.openxmlformats.org/drawingml/2006/main" xmlns:r="http://schemas.openxmlformats.org/officeDocument/2006/relationships" xmlns:p="http://schemas.openxmlformats.org/presentationml/2006/main" show="0">
+  <p:cSld>
+    <p:spTree>
+      <p:nvGrpSpPr>
+        <p:cNvPr id="1" name=""/>
+        <p:cNvGrpSpPr/>
+        <p:nvPr/>
+      </p:nvGrpSpPr>
+      <p:grpSpPr>
+        <a:xfrm>
+          <a:off x="0" y="0"/>
+          <a:ext cx="0" cy="0"/>
+          <a:chOff x="0" y="0"/>
+          <a:chExt cx="0" cy="0"/>
+        </a:xfrm>
+      </p:grpSpPr>
+      <p:sp>
+        <p:nvSpPr>
+          <p:cNvPr id="2" name="Title 1">
+            <a:extLst>
+              <a:ext uri="{FF2B5EF4-FFF2-40B4-BE49-F238E27FC236}">
+                <a16:creationId xmlns:a16="http://schemas.microsoft.com/office/drawing/2014/main" id="{D709A54F-690D-4846-9955-5559806301A0}"/>
+              </a:ext>
+            </a:extLst>
+          </p:cNvPr>
+          <p:cNvSpPr>
+            <a:spLocks noGrp="1"/>
+          </p:cNvSpPr>
+          <p:nvPr>
+            <p:ph type="title"/>
+          </p:nvPr>
+        </p:nvSpPr>
+        <p:spPr/>
+        <p:txBody>
+          <a:bodyPr/>
+          <a:lstStyle/>
+          <a:p>
+            <a:r>
+              <a:rPr lang="en-US" dirty="0"/>
+              <a:t>Example Breadth Question – Modern Architecture Competency</a:t>
+            </a:r>
+          </a:p>
+        </p:txBody>
+      </p:sp>
+      <p:sp>
+        <p:nvSpPr>
+          <p:cNvPr id="3" name="Text Placeholder 2">
+            <a:extLst>
+              <a:ext uri="{FF2B5EF4-FFF2-40B4-BE49-F238E27FC236}">
+                <a16:creationId xmlns:a16="http://schemas.microsoft.com/office/drawing/2014/main" id="{ACB6A2A8-2344-8545-A030-2ECC605B5A0E}"/>
+              </a:ext>
+            </a:extLst>
+          </p:cNvPr>
+          <p:cNvSpPr>
+            <a:spLocks noGrp="1"/>
+          </p:cNvSpPr>
+          <p:nvPr>
+            <p:ph type="body" idx="1"/>
+          </p:nvPr>
+        </p:nvSpPr>
+        <p:spPr>
+          <a:noFill/>
+          <a:ln>
+            <a:noFill/>
+          </a:ln>
+        </p:spPr>
+        <p:txBody>
+          <a:bodyPr spcFirstLastPara="1" wrap="square" lIns="0" tIns="0" rIns="0" bIns="0" anchor="t" anchorCtr="0">
+            <a:normAutofit/>
+          </a:bodyPr>
+          <a:lstStyle/>
+          <a:p>
+            <a:pPr marL="171467" indent="0">
+              <a:buNone/>
+            </a:pPr>
+            <a:r>
+              <a:rPr lang="en-US" b="1" dirty="0"/>
+              <a:t>Question: </a:t>
+            </a:r>
+            <a:r>
+              <a:rPr lang="en-US" dirty="0"/>
+              <a:t>You’re brought in to an existing project with a three-tier web site: A web server front-end, an application server, and a database. Each is on its own single separate machine. We want to upgrade the database without taking the site down for “scheduled maintenance.” How can we do this?</a:t>
+            </a:r>
+          </a:p>
+          <a:p>
+            <a:pPr marL="171467" indent="0">
+              <a:buNone/>
+            </a:pPr>
+            <a:r>
+              <a:rPr lang="en-US" b="1" dirty="0"/>
+              <a:t>Acceptable probe follow-up questions:</a:t>
+            </a:r>
+          </a:p>
+          <a:p>
+            <a:pPr marL="171467" indent="0">
+              <a:buNone/>
+            </a:pPr>
+            <a:r>
+              <a:rPr lang="en-US" dirty="0"/>
+              <a:t>How does this affect the application server?</a:t>
+            </a:r>
+          </a:p>
+          <a:p>
+            <a:pPr marL="171467" indent="0">
+              <a:buNone/>
+            </a:pPr>
+            <a:r>
+              <a:rPr lang="en-US" dirty="0"/>
+              <a:t>What happens next?</a:t>
+            </a:r>
+          </a:p>
+          <a:p>
+            <a:pPr marL="171467" indent="0">
+              <a:buNone/>
+            </a:pPr>
+            <a:endParaRPr lang="en-US" dirty="0"/>
+          </a:p>
+        </p:txBody>
+      </p:sp>
+    </p:spTree>
+    <p:extLst>
+      <p:ext uri="{BB962C8B-B14F-4D97-AF65-F5344CB8AC3E}">
+        <p14:creationId xmlns:p14="http://schemas.microsoft.com/office/powerpoint/2010/main" val="425015348"/>
+      </p:ext>
+    </p:extLst>
+  </p:cSld>
+  <p:clrMapOvr>
+    <a:masterClrMapping/>
+  </p:clrMapOvr>
+</p:sld>
+</file>
+
+<file path=ppt/slides/slide36.xml><?xml version="1.0" encoding="utf-8"?>
+<p:sld xmlns:a="http://schemas.openxmlformats.org/drawingml/2006/main" xmlns:r="http://schemas.openxmlformats.org/officeDocument/2006/relationships" xmlns:p="http://schemas.openxmlformats.org/presentationml/2006/main" show="0">
+  <p:cSld>
+    <p:spTree>
+      <p:nvGrpSpPr>
+        <p:cNvPr id="1" name=""/>
+        <p:cNvGrpSpPr/>
+        <p:nvPr/>
+      </p:nvGrpSpPr>
+      <p:grpSpPr>
+        <a:xfrm>
+          <a:off x="0" y="0"/>
+          <a:ext cx="0" cy="0"/>
+          <a:chOff x="0" y="0"/>
+          <a:chExt cx="0" cy="0"/>
+        </a:xfrm>
+      </p:grpSpPr>
+      <p:sp>
+        <p:nvSpPr>
+          <p:cNvPr id="2" name="Title 1">
+            <a:extLst>
+              <a:ext uri="{FF2B5EF4-FFF2-40B4-BE49-F238E27FC236}">
+                <a16:creationId xmlns:a16="http://schemas.microsoft.com/office/drawing/2014/main" id="{D709A54F-690D-4846-9955-5559806301A0}"/>
+              </a:ext>
+            </a:extLst>
+          </p:cNvPr>
+          <p:cNvSpPr>
+            <a:spLocks noGrp="1"/>
+          </p:cNvSpPr>
+          <p:nvPr>
+            <p:ph type="title"/>
+          </p:nvPr>
+        </p:nvSpPr>
+        <p:spPr/>
+        <p:txBody>
+          <a:bodyPr/>
+          <a:lstStyle/>
+          <a:p>
+            <a:r>
+              <a:rPr lang="en-US" dirty="0"/>
+              <a:t>Example Depth Question – Modern Architecture Competency</a:t>
+            </a:r>
+          </a:p>
+        </p:txBody>
+      </p:sp>
+      <p:sp>
+        <p:nvSpPr>
+          <p:cNvPr id="3" name="Text Placeholder 2">
+            <a:extLst>
+              <a:ext uri="{FF2B5EF4-FFF2-40B4-BE49-F238E27FC236}">
+                <a16:creationId xmlns:a16="http://schemas.microsoft.com/office/drawing/2014/main" id="{ACB6A2A8-2344-8545-A030-2ECC605B5A0E}"/>
+              </a:ext>
+            </a:extLst>
+          </p:cNvPr>
+          <p:cNvSpPr>
+            <a:spLocks noGrp="1"/>
+          </p:cNvSpPr>
+          <p:nvPr>
+            <p:ph type="body" idx="1"/>
+          </p:nvPr>
+        </p:nvSpPr>
+        <p:spPr>
+          <a:noFill/>
+          <a:ln>
+            <a:noFill/>
+          </a:ln>
+        </p:spPr>
+        <p:txBody>
+          <a:bodyPr spcFirstLastPara="1" wrap="square" lIns="0" tIns="0" rIns="0" bIns="0" anchor="t" anchorCtr="0">
+            <a:normAutofit fontScale="92500" lnSpcReduction="10000"/>
+          </a:bodyPr>
+          <a:lstStyle/>
+          <a:p>
+            <a:pPr marL="171467" indent="0">
+              <a:buNone/>
+            </a:pPr>
+            <a:r>
+              <a:rPr lang="en-US" b="1" dirty="0"/>
+              <a:t>Same question</a:t>
+            </a:r>
+            <a:r>
+              <a:rPr lang="en-US" dirty="0"/>
+              <a:t>: You’re brought in to an existing project with a three-tier web site: A web server front-end, an application server, and a database. Each is on its own single separate machine. We want to upgrade the database without taking the site down for “scheduled maintenance.” How can we do this?</a:t>
+            </a:r>
+          </a:p>
+          <a:p>
+            <a:pPr marL="171467" indent="0">
+              <a:buNone/>
+            </a:pPr>
+            <a:r>
+              <a:rPr lang="en-US" b="1" dirty="0"/>
+              <a:t>Added depth follow-up questions:</a:t>
+            </a:r>
+          </a:p>
+          <a:p>
+            <a:pPr marL="171467" indent="0">
+              <a:buNone/>
+            </a:pPr>
+            <a:r>
+              <a:rPr lang="en-US" dirty="0"/>
+              <a:t>Before we made changes, the first request from a user took 1 second and subsequent requests took 100 milliseconds. We added a bunch of new application server instances behind a round-robin load balancer, and now many requests take 1 second. What’s going on?</a:t>
+            </a:r>
+          </a:p>
+          <a:p>
+            <a:pPr marL="171467" indent="0">
+              <a:buNone/>
+            </a:pPr>
+            <a:r>
+              <a:rPr lang="en-US" dirty="0"/>
+              <a:t>All of our load balancers do round-robin. What should the health checks in front of the front-end HTTP server test for?</a:t>
+            </a:r>
+          </a:p>
+        </p:txBody>
+      </p:sp>
+    </p:spTree>
+    <p:extLst>
+      <p:ext uri="{BB962C8B-B14F-4D97-AF65-F5344CB8AC3E}">
+        <p14:creationId xmlns:p14="http://schemas.microsoft.com/office/powerpoint/2010/main" val="1851575256"/>
       </p:ext>
     </p:extLst>
   </p:cSld>
@@ -13383,31 +13833,21 @@
           <a:p>
             <a:r>
               <a:rPr lang="en-US" dirty="0"/>
-              <a:t>As a group, write down job tasks done by this position.</a:t>
-            </a:r>
-          </a:p>
-          <a:p>
-            <a:r>
-              <a:rPr lang="en-US" dirty="0"/>
-              <a:t>The tasks should begin with a verb, indicating that they’re an action a person in that position would actively and regularly take.</a:t>
-            </a:r>
-          </a:p>
-          <a:p>
-            <a:r>
-              <a:rPr lang="en-US" dirty="0"/>
-              <a:t>Be specific—actual tasks performed in the past month.</a:t>
-            </a:r>
-          </a:p>
-          <a:p>
-            <a:r>
-              <a:rPr lang="en-US" dirty="0"/>
-              <a:t>Write one task per sticky note. Aim to write at least 10-15 tasks.</a:t>
-            </a:r>
-          </a:p>
-          <a:p>
-            <a:r>
-              <a:rPr lang="en-US" dirty="0"/>
-              <a:t>We will analyze the tasks as a group – please work individually</a:t>
+              <a:t>Before we start, let’s make sure we’re on the same page.</a:t>
+            </a:r>
+          </a:p>
+          <a:p>
+            <a:pPr lvl="1"/>
+            <a:r>
+              <a:rPr lang="en-US" dirty="0"/>
+              <a:t>What’s the name of the position we’re analyzing?</a:t>
+            </a:r>
+          </a:p>
+          <a:p>
+            <a:pPr lvl="1"/>
+            <a:r>
+              <a:rPr lang="en-US" dirty="0"/>
+              <a:t>What is the GS level being hired in this action? (Job analysis should usually focus on one or two grade levels.)</a:t>
             </a:r>
           </a:p>
         </p:txBody>
@@ -13426,6 +13866,107 @@
 </file>
 
 <file path=ppt/slides/slide8.xml><?xml version="1.0" encoding="utf-8"?>
+<p:sld xmlns:a="http://schemas.openxmlformats.org/drawingml/2006/main" xmlns:r="http://schemas.openxmlformats.org/officeDocument/2006/relationships" xmlns:p="http://schemas.openxmlformats.org/presentationml/2006/main">
+  <p:cSld>
+    <p:spTree>
+      <p:nvGrpSpPr>
+        <p:cNvPr id="1" name="Shape 164"/>
+        <p:cNvGrpSpPr/>
+        <p:nvPr/>
+      </p:nvGrpSpPr>
+      <p:grpSpPr>
+        <a:xfrm>
+          <a:off x="0" y="0"/>
+          <a:ext cx="0" cy="0"/>
+          <a:chOff x="0" y="0"/>
+          <a:chExt cx="0" cy="0"/>
+        </a:xfrm>
+      </p:grpSpPr>
+      <p:sp>
+        <p:nvSpPr>
+          <p:cNvPr id="165" name="Google Shape;165;p33"/>
+          <p:cNvSpPr txBox="1">
+            <a:spLocks noGrp="1"/>
+          </p:cNvSpPr>
+          <p:nvPr>
+            <p:ph type="title"/>
+          </p:nvPr>
+        </p:nvSpPr>
+        <p:spPr/>
+        <p:txBody>
+          <a:bodyPr/>
+          <a:lstStyle/>
+          <a:p>
+            <a:pPr lvl="0"/>
+            <a:r>
+              <a:rPr lang="en-US" dirty="0"/>
+              <a:t>Job Task Exercise</a:t>
+            </a:r>
+          </a:p>
+        </p:txBody>
+      </p:sp>
+      <p:sp>
+        <p:nvSpPr>
+          <p:cNvPr id="166" name="Google Shape;166;p33"/>
+          <p:cNvSpPr txBox="1">
+            <a:spLocks noGrp="1"/>
+          </p:cNvSpPr>
+          <p:nvPr>
+            <p:ph type="body" idx="1"/>
+          </p:nvPr>
+        </p:nvSpPr>
+        <p:spPr/>
+        <p:txBody>
+          <a:bodyPr>
+            <a:normAutofit/>
+          </a:bodyPr>
+          <a:lstStyle/>
+          <a:p>
+            <a:r>
+              <a:rPr lang="en-US" dirty="0"/>
+              <a:t>As a group, we’ll write down job tasks done by this position.</a:t>
+            </a:r>
+          </a:p>
+          <a:p>
+            <a:r>
+              <a:rPr lang="en-US" dirty="0"/>
+              <a:t>The tasks should begin with a verb, indicating that they’re an action a person in that position would actively and regularly take.</a:t>
+            </a:r>
+          </a:p>
+          <a:p>
+            <a:r>
+              <a:rPr lang="en-US" dirty="0"/>
+              <a:t>Be specific—actual tasks performed in the past month.</a:t>
+            </a:r>
+          </a:p>
+          <a:p>
+            <a:r>
+              <a:rPr lang="en-US" dirty="0"/>
+              <a:t>Write one task per sticky note. Aim to write at least 10-15 tasks.</a:t>
+            </a:r>
+          </a:p>
+          <a:p>
+            <a:r>
+              <a:rPr lang="en-US" dirty="0"/>
+              <a:t>We will analyze the tasks as a group – please work individually</a:t>
+            </a:r>
+          </a:p>
+        </p:txBody>
+      </p:sp>
+    </p:spTree>
+    <p:extLst>
+      <p:ext uri="{BB962C8B-B14F-4D97-AF65-F5344CB8AC3E}">
+        <p14:creationId xmlns:p14="http://schemas.microsoft.com/office/powerpoint/2010/main" val="1884821334"/>
+      </p:ext>
+    </p:extLst>
+  </p:cSld>
+  <p:clrMapOvr>
+    <a:masterClrMapping/>
+  </p:clrMapOvr>
+</p:sld>
+</file>
+
+<file path=ppt/slides/slide9.xml><?xml version="1.0" encoding="utf-8"?>
 <p:sld xmlns:a="http://schemas.openxmlformats.org/drawingml/2006/main" xmlns:r="http://schemas.openxmlformats.org/officeDocument/2006/relationships" xmlns:p="http://schemas.openxmlformats.org/presentationml/2006/main">
   <p:cSld>
     <p:spTree>
@@ -13534,115 +14075,6 @@
     <p:extLst>
       <p:ext uri="{BB962C8B-B14F-4D97-AF65-F5344CB8AC3E}">
         <p14:creationId xmlns:p14="http://schemas.microsoft.com/office/powerpoint/2010/main" val="1009437199"/>
-      </p:ext>
-    </p:extLst>
-  </p:cSld>
-  <p:clrMapOvr>
-    <a:masterClrMapping/>
-  </p:clrMapOvr>
-</p:sld>
-</file>
-
-<file path=ppt/slides/slide9.xml><?xml version="1.0" encoding="utf-8"?>
-<p:sld xmlns:a="http://schemas.openxmlformats.org/drawingml/2006/main" xmlns:r="http://schemas.openxmlformats.org/officeDocument/2006/relationships" xmlns:p="http://schemas.openxmlformats.org/presentationml/2006/main">
-  <p:cSld>
-    <p:spTree>
-      <p:nvGrpSpPr>
-        <p:cNvPr id="1" name="Shape 164"/>
-        <p:cNvGrpSpPr/>
-        <p:nvPr/>
-      </p:nvGrpSpPr>
-      <p:grpSpPr>
-        <a:xfrm>
-          <a:off x="0" y="0"/>
-          <a:ext cx="0" cy="0"/>
-          <a:chOff x="0" y="0"/>
-          <a:chExt cx="0" cy="0"/>
-        </a:xfrm>
-      </p:grpSpPr>
-      <p:sp>
-        <p:nvSpPr>
-          <p:cNvPr id="165" name="Google Shape;165;p33"/>
-          <p:cNvSpPr txBox="1">
-            <a:spLocks noGrp="1"/>
-          </p:cNvSpPr>
-          <p:nvPr>
-            <p:ph type="title"/>
-          </p:nvPr>
-        </p:nvSpPr>
-        <p:spPr/>
-        <p:txBody>
-          <a:bodyPr/>
-          <a:lstStyle/>
-          <a:p>
-            <a:pPr lvl="0"/>
-            <a:r>
-              <a:rPr lang="en-US" dirty="0"/>
-              <a:t>Collection and Grouping Exercise</a:t>
-            </a:r>
-          </a:p>
-        </p:txBody>
-      </p:sp>
-      <p:sp>
-        <p:nvSpPr>
-          <p:cNvPr id="166" name="Google Shape;166;p33"/>
-          <p:cNvSpPr txBox="1">
-            <a:spLocks noGrp="1"/>
-          </p:cNvSpPr>
-          <p:nvPr>
-            <p:ph type="body" idx="1"/>
-          </p:nvPr>
-        </p:nvSpPr>
-        <p:spPr/>
-        <p:txBody>
-          <a:bodyPr>
-            <a:normAutofit/>
-          </a:bodyPr>
-          <a:lstStyle/>
-          <a:p>
-            <a:r>
-              <a:rPr lang="en-US" dirty="0"/>
-              <a:t>We’ll go through the tasks we created and group similar tasks together.</a:t>
-            </a:r>
-          </a:p>
-          <a:p>
-            <a:r>
-              <a:rPr lang="en-US" dirty="0"/>
-              <a:t>As we group similar tasks, we’ll give each grouping a title.</a:t>
-            </a:r>
-          </a:p>
-          <a:p>
-            <a:r>
-              <a:rPr lang="en-US" dirty="0"/>
-              <a:t>These titles are the competencies for this job.</a:t>
-            </a:r>
-          </a:p>
-          <a:p>
-            <a:r>
-              <a:rPr lang="en-US" dirty="0"/>
-              <a:t>Some groupings may involve multiple competencies</a:t>
-            </a:r>
-          </a:p>
-          <a:p>
-            <a:pPr lvl="1">
-              <a:spcBef>
-                <a:spcPts val="0"/>
-              </a:spcBef>
-            </a:pPr>
-            <a:r>
-              <a:rPr lang="en-US" dirty="0"/>
-              <a:t>For example, a grouping called “writing expert economic analysis” could require both “written communication” and specialized knowledge/experience in economics.</a:t>
-            </a:r>
-          </a:p>
-          <a:p>
-            <a:endParaRPr lang="en-US" dirty="0"/>
-          </a:p>
-        </p:txBody>
-      </p:sp>
-    </p:spTree>
-    <p:extLst>
-      <p:ext uri="{BB962C8B-B14F-4D97-AF65-F5344CB8AC3E}">
-        <p14:creationId xmlns:p14="http://schemas.microsoft.com/office/powerpoint/2010/main" val="1407673860"/>
       </p:ext>
     </p:extLst>
   </p:cSld>

--- a/toolkit/job-analysis/job-analysis-presentation.pptx
+++ b/toolkit/job-analysis/job-analysis-presentation.pptx
@@ -5,10 +5,10 @@
     <p:sldMasterId id="2147483666" r:id="rId1"/>
   </p:sldMasterIdLst>
   <p:notesMasterIdLst>
-    <p:notesMasterId r:id="rId38"/>
+    <p:notesMasterId r:id="rId37"/>
   </p:notesMasterIdLst>
   <p:handoutMasterIdLst>
-    <p:handoutMasterId r:id="rId39"/>
+    <p:handoutMasterId r:id="rId38"/>
   </p:handoutMasterIdLst>
   <p:sldIdLst>
     <p:sldId id="256" r:id="rId2"/>
@@ -27,74 +27,73 @@
     <p:sldId id="369" r:id="rId15"/>
     <p:sldId id="329" r:id="rId16"/>
     <p:sldId id="348" r:id="rId17"/>
-    <p:sldId id="371" r:id="rId18"/>
-    <p:sldId id="331" r:id="rId19"/>
-    <p:sldId id="291" r:id="rId20"/>
-    <p:sldId id="349" r:id="rId21"/>
-    <p:sldId id="350" r:id="rId22"/>
-    <p:sldId id="353" r:id="rId23"/>
-    <p:sldId id="372" r:id="rId24"/>
-    <p:sldId id="354" r:id="rId25"/>
-    <p:sldId id="374" r:id="rId26"/>
-    <p:sldId id="356" r:id="rId27"/>
-    <p:sldId id="357" r:id="rId28"/>
-    <p:sldId id="358" r:id="rId29"/>
-    <p:sldId id="375" r:id="rId30"/>
-    <p:sldId id="359" r:id="rId31"/>
-    <p:sldId id="345" r:id="rId32"/>
-    <p:sldId id="355" r:id="rId33"/>
-    <p:sldId id="341" r:id="rId34"/>
-    <p:sldId id="362" r:id="rId35"/>
-    <p:sldId id="360" r:id="rId36"/>
-    <p:sldId id="361" r:id="rId37"/>
+    <p:sldId id="331" r:id="rId18"/>
+    <p:sldId id="291" r:id="rId19"/>
+    <p:sldId id="349" r:id="rId20"/>
+    <p:sldId id="350" r:id="rId21"/>
+    <p:sldId id="353" r:id="rId22"/>
+    <p:sldId id="372" r:id="rId23"/>
+    <p:sldId id="354" r:id="rId24"/>
+    <p:sldId id="374" r:id="rId25"/>
+    <p:sldId id="356" r:id="rId26"/>
+    <p:sldId id="357" r:id="rId27"/>
+    <p:sldId id="358" r:id="rId28"/>
+    <p:sldId id="375" r:id="rId29"/>
+    <p:sldId id="359" r:id="rId30"/>
+    <p:sldId id="345" r:id="rId31"/>
+    <p:sldId id="355" r:id="rId32"/>
+    <p:sldId id="341" r:id="rId33"/>
+    <p:sldId id="362" r:id="rId34"/>
+    <p:sldId id="360" r:id="rId35"/>
+    <p:sldId id="361" r:id="rId36"/>
   </p:sldIdLst>
   <p:sldSz cx="17340263" cy="9753600"/>
   <p:notesSz cx="6881813" cy="9296400"/>
   <p:embeddedFontLst>
     <p:embeddedFont>
       <p:font typeface="Avenir" panose="02000503020000020003" pitchFamily="2" charset="0"/>
-      <p:regular r:id="rId40"/>
-      <p:italic r:id="rId41"/>
+      <p:regular r:id="rId39"/>
+      <p:italic r:id="rId40"/>
     </p:embeddedFont>
     <p:embeddedFont>
       <p:font typeface="Cambria" panose="02040503050406030204" pitchFamily="18" charset="0"/>
-      <p:regular r:id="rId42"/>
-      <p:bold r:id="rId43"/>
-      <p:italic r:id="rId44"/>
-      <p:boldItalic r:id="rId45"/>
+      <p:regular r:id="rId41"/>
+      <p:bold r:id="rId42"/>
+      <p:italic r:id="rId43"/>
+      <p:boldItalic r:id="rId44"/>
     </p:embeddedFont>
     <p:embeddedFont>
       <p:font typeface="Merriweather" pitchFamily="2" charset="77"/>
-      <p:regular r:id="rId46"/>
-      <p:bold r:id="rId47"/>
-      <p:italic r:id="rId48"/>
-      <p:boldItalic r:id="rId49"/>
+      <p:regular r:id="rId45"/>
+      <p:bold r:id="rId46"/>
+      <p:italic r:id="rId47"/>
+      <p:boldItalic r:id="rId48"/>
     </p:embeddedFont>
     <p:embeddedFont>
       <p:font typeface="Merriweather Sans" pitchFamily="2" charset="77"/>
-      <p:regular r:id="rId50"/>
-      <p:bold r:id="rId51"/>
-      <p:italic r:id="rId52"/>
-      <p:boldItalic r:id="rId53"/>
+      <p:regular r:id="rId49"/>
+      <p:bold r:id="rId50"/>
+      <p:italic r:id="rId51"/>
+      <p:boldItalic r:id="rId52"/>
     </p:embeddedFont>
     <p:embeddedFont>
       <p:font typeface="Rockwell" panose="02060603020205020403" pitchFamily="18" charset="77"/>
-      <p:regular r:id="rId54"/>
-      <p:bold r:id="rId55"/>
-      <p:italic r:id="rId56"/>
-      <p:boldItalic r:id="rId57"/>
+      <p:regular r:id="rId53"/>
+      <p:bold r:id="rId54"/>
+      <p:italic r:id="rId55"/>
+      <p:boldItalic r:id="rId56"/>
     </p:embeddedFont>
     <p:embeddedFont>
       <p:font typeface="Source Sans Pro" panose="020B0503030403020204" pitchFamily="34" charset="0"/>
-      <p:regular r:id="rId58"/>
-      <p:bold r:id="rId59"/>
-      <p:italic r:id="rId60"/>
-      <p:boldItalic r:id="rId61"/>
+      <p:regular r:id="rId57"/>
+      <p:bold r:id="rId58"/>
+      <p:italic r:id="rId59"/>
+      <p:boldItalic r:id="rId60"/>
     </p:embeddedFont>
     <p:embeddedFont>
       <p:font typeface="Source Sans Pro SemiBold" panose="020B0603030403020204" pitchFamily="34" charset="0"/>
-      <p:bold r:id="rId62"/>
-      <p:boldItalic r:id="rId63"/>
+      <p:bold r:id="rId61"/>
+      <p:boldItalic r:id="rId62"/>
     </p:embeddedFont>
   </p:embeddedFontLst>
   <p:defaultTextStyle>
@@ -454,7 +453,7 @@
           <a:p>
             <a:fld id="{5F1244B9-655E-9143-8F11-143B7EBD7CDE}" type="datetimeFigureOut">
               <a:rPr lang="en-US" smtClean="0"/>
-              <a:t>8/12/20</a:t>
+              <a:t>5/28/21</a:t>
             </a:fld>
             <a:endParaRPr lang="en-US"/>
           </a:p>
@@ -1694,104 +1693,6 @@
 </file>
 
 <file path=ppt/notesSlides/notesSlide15.xml><?xml version="1.0" encoding="utf-8"?>
-<p:notes xmlns:a="http://schemas.openxmlformats.org/drawingml/2006/main" xmlns:r="http://schemas.openxmlformats.org/officeDocument/2006/relationships" xmlns:p="http://schemas.openxmlformats.org/presentationml/2006/main">
-  <p:cSld>
-    <p:spTree>
-      <p:nvGrpSpPr>
-        <p:cNvPr id="1" name=""/>
-        <p:cNvGrpSpPr/>
-        <p:nvPr/>
-      </p:nvGrpSpPr>
-      <p:grpSpPr>
-        <a:xfrm>
-          <a:off x="0" y="0"/>
-          <a:ext cx="0" cy="0"/>
-          <a:chOff x="0" y="0"/>
-          <a:chExt cx="0" cy="0"/>
-        </a:xfrm>
-      </p:grpSpPr>
-      <p:sp>
-        <p:nvSpPr>
-          <p:cNvPr id="2" name="Slide Image Placeholder 1"/>
-          <p:cNvSpPr>
-            <a:spLocks noGrp="1" noRot="1" noChangeAspect="1"/>
-          </p:cNvSpPr>
-          <p:nvPr>
-            <p:ph type="sldImg"/>
-          </p:nvPr>
-        </p:nvSpPr>
-        <p:spPr/>
-      </p:sp>
-      <p:sp>
-        <p:nvSpPr>
-          <p:cNvPr id="3" name="Notes Placeholder 2"/>
-          <p:cNvSpPr>
-            <a:spLocks noGrp="1"/>
-          </p:cNvSpPr>
-          <p:nvPr>
-            <p:ph type="body" idx="1"/>
-          </p:nvPr>
-        </p:nvSpPr>
-        <p:spPr/>
-        <p:txBody>
-          <a:bodyPr/>
-          <a:lstStyle/>
-          <a:p>
-            <a:r>
-              <a:rPr lang="en-US" dirty="0"/>
-              <a:t>Note to facilitator:</a:t>
-            </a:r>
-            <a:r>
-              <a:rPr lang="en-US" baseline="0" dirty="0"/>
-              <a:t> To save time, divide the room in half and have half the participants do half the competencies per group. The levels should built upon each other. They should be as succinct as possible.</a:t>
-            </a:r>
-          </a:p>
-          <a:p>
-            <a:endParaRPr lang="en-US" baseline="0" dirty="0"/>
-          </a:p>
-          <a:p>
-            <a:endParaRPr lang="en-US" baseline="0" dirty="0"/>
-          </a:p>
-          <a:p>
-            <a:r>
-              <a:rPr lang="en-US" dirty="0"/>
-              <a:t>- Unfamiliar: Has no experience, or cannot articulate how, building alliances or managing communications with stakeholders is integral to project success. </a:t>
-            </a:r>
-          </a:p>
-          <a:p>
-            <a:r>
-              <a:rPr lang="en-US" dirty="0"/>
-              <a:t>• Familiar: Understands that strategic stakeholder alliances and communication is important, but cannot provide an example of these actions from their career. </a:t>
-            </a:r>
-          </a:p>
-          <a:p>
-            <a:r>
-              <a:rPr lang="en-US" dirty="0"/>
-              <a:t>• Experienced: Provides examples and demonstrates the ability to identify a key stakeholder and a strategy for effective engagement. </a:t>
-            </a:r>
-          </a:p>
-          <a:p>
-            <a:r>
-              <a:rPr lang="en-US" dirty="0"/>
-              <a:t>• Master: Provides examples and demonstrates the ability to manage multiple key stakeholders, including executives, with varying levels of influence during a project or across multiple projects.</a:t>
-            </a:r>
-          </a:p>
-        </p:txBody>
-      </p:sp>
-    </p:spTree>
-    <p:extLst>
-      <p:ext uri="{BB962C8B-B14F-4D97-AF65-F5344CB8AC3E}">
-        <p14:creationId xmlns:p14="http://schemas.microsoft.com/office/powerpoint/2010/main" val="3409298584"/>
-      </p:ext>
-    </p:extLst>
-  </p:cSld>
-  <p:clrMapOvr>
-    <a:masterClrMapping/>
-  </p:clrMapOvr>
-</p:notes>
-</file>
-
-<file path=ppt/notesSlides/notesSlide16.xml><?xml version="1.0" encoding="utf-8"?>
 <p:notes xmlns:a="http://schemas.openxmlformats.org/drawingml/2006/main" xmlns:r="http://schemas.openxmlformats.org/officeDocument/2006/relationships" xmlns:p="http://schemas.openxmlformats.org/presentationml/2006/main" showMasterSp="0" showMasterPhAnim="0">
   <p:cSld>
     <p:spTree>
@@ -1907,7 +1808,7 @@
 </p:notes>
 </file>
 
-<file path=ppt/notesSlides/notesSlide17.xml><?xml version="1.0" encoding="utf-8"?>
+<file path=ppt/notesSlides/notesSlide16.xml><?xml version="1.0" encoding="utf-8"?>
 <p:notes xmlns:a="http://schemas.openxmlformats.org/drawingml/2006/main" xmlns:r="http://schemas.openxmlformats.org/officeDocument/2006/relationships" xmlns:p="http://schemas.openxmlformats.org/presentationml/2006/main">
   <p:cSld>
     <p:spTree>
@@ -1968,7 +1869,7 @@
 </p:notes>
 </file>
 
-<file path=ppt/notesSlides/notesSlide18.xml><?xml version="1.0" encoding="utf-8"?>
+<file path=ppt/notesSlides/notesSlide17.xml><?xml version="1.0" encoding="utf-8"?>
 <p:notes xmlns:a="http://schemas.openxmlformats.org/drawingml/2006/main" xmlns:r="http://schemas.openxmlformats.org/officeDocument/2006/relationships" xmlns:p="http://schemas.openxmlformats.org/presentationml/2006/main" showMasterSp="0" showMasterPhAnim="0">
   <p:cSld>
     <p:spTree>
@@ -2089,7 +1990,7 @@
 </p:notes>
 </file>
 
-<file path=ppt/notesSlides/notesSlide19.xml><?xml version="1.0" encoding="utf-8"?>
+<file path=ppt/notesSlides/notesSlide18.xml><?xml version="1.0" encoding="utf-8"?>
 <p:notes xmlns:a="http://schemas.openxmlformats.org/drawingml/2006/main" xmlns:r="http://schemas.openxmlformats.org/officeDocument/2006/relationships" xmlns:p="http://schemas.openxmlformats.org/presentationml/2006/main" showMasterSp="0" showMasterPhAnim="0">
   <p:cSld>
     <p:spTree>
@@ -2264,77 +2165,7 @@
 </p:notes>
 </file>
 
-<file path=ppt/notesSlides/notesSlide2.xml><?xml version="1.0" encoding="utf-8"?>
-<p:notes xmlns:a="http://schemas.openxmlformats.org/drawingml/2006/main" xmlns:r="http://schemas.openxmlformats.org/officeDocument/2006/relationships" xmlns:p="http://schemas.openxmlformats.org/presentationml/2006/main">
-  <p:cSld>
-    <p:spTree>
-      <p:nvGrpSpPr>
-        <p:cNvPr id="1" name=""/>
-        <p:cNvGrpSpPr/>
-        <p:nvPr/>
-      </p:nvGrpSpPr>
-      <p:grpSpPr>
-        <a:xfrm>
-          <a:off x="0" y="0"/>
-          <a:ext cx="0" cy="0"/>
-          <a:chOff x="0" y="0"/>
-          <a:chExt cx="0" cy="0"/>
-        </a:xfrm>
-      </p:grpSpPr>
-      <p:sp>
-        <p:nvSpPr>
-          <p:cNvPr id="2" name="Slide Image Placeholder 1"/>
-          <p:cNvSpPr>
-            <a:spLocks noGrp="1" noRot="1" noChangeAspect="1"/>
-          </p:cNvSpPr>
-          <p:nvPr>
-            <p:ph type="sldImg"/>
-          </p:nvPr>
-        </p:nvSpPr>
-        <p:spPr/>
-      </p:sp>
-      <p:sp>
-        <p:nvSpPr>
-          <p:cNvPr id="3" name="Notes Placeholder 2"/>
-          <p:cNvSpPr>
-            <a:spLocks noGrp="1"/>
-          </p:cNvSpPr>
-          <p:nvPr>
-            <p:ph type="body" idx="1"/>
-          </p:nvPr>
-        </p:nvSpPr>
-        <p:spPr/>
-        <p:txBody>
-          <a:bodyPr/>
-          <a:lstStyle/>
-          <a:p>
-            <a:r>
-              <a:rPr lang="en-US" dirty="0"/>
-              <a:t>Don’t share the competencies until the team has already come up with their competencies</a:t>
-            </a:r>
-          </a:p>
-          <a:p>
-            <a:r>
-              <a:rPr lang="en-US" dirty="0"/>
-              <a:t>If the workshop is remote, you will need different tools</a:t>
-            </a:r>
-          </a:p>
-        </p:txBody>
-      </p:sp>
-    </p:spTree>
-    <p:extLst>
-      <p:ext uri="{BB962C8B-B14F-4D97-AF65-F5344CB8AC3E}">
-        <p14:creationId xmlns:p14="http://schemas.microsoft.com/office/powerpoint/2010/main" val="501840269"/>
-      </p:ext>
-    </p:extLst>
-  </p:cSld>
-  <p:clrMapOvr>
-    <a:masterClrMapping/>
-  </p:clrMapOvr>
-</p:notes>
-</file>
-
-<file path=ppt/notesSlides/notesSlide20.xml><?xml version="1.0" encoding="utf-8"?>
+<file path=ppt/notesSlides/notesSlide19.xml><?xml version="1.0" encoding="utf-8"?>
 <p:notes xmlns:a="http://schemas.openxmlformats.org/drawingml/2006/main" xmlns:r="http://schemas.openxmlformats.org/officeDocument/2006/relationships" xmlns:p="http://schemas.openxmlformats.org/presentationml/2006/main" showMasterSp="0" showMasterPhAnim="0">
   <p:cSld>
     <p:spTree>
@@ -2455,6 +2286,149 @@
 </p:notes>
 </file>
 
+<file path=ppt/notesSlides/notesSlide2.xml><?xml version="1.0" encoding="utf-8"?>
+<p:notes xmlns:a="http://schemas.openxmlformats.org/drawingml/2006/main" xmlns:r="http://schemas.openxmlformats.org/officeDocument/2006/relationships" xmlns:p="http://schemas.openxmlformats.org/presentationml/2006/main">
+  <p:cSld>
+    <p:spTree>
+      <p:nvGrpSpPr>
+        <p:cNvPr id="1" name=""/>
+        <p:cNvGrpSpPr/>
+        <p:nvPr/>
+      </p:nvGrpSpPr>
+      <p:grpSpPr>
+        <a:xfrm>
+          <a:off x="0" y="0"/>
+          <a:ext cx="0" cy="0"/>
+          <a:chOff x="0" y="0"/>
+          <a:chExt cx="0" cy="0"/>
+        </a:xfrm>
+      </p:grpSpPr>
+      <p:sp>
+        <p:nvSpPr>
+          <p:cNvPr id="2" name="Slide Image Placeholder 1"/>
+          <p:cNvSpPr>
+            <a:spLocks noGrp="1" noRot="1" noChangeAspect="1"/>
+          </p:cNvSpPr>
+          <p:nvPr>
+            <p:ph type="sldImg"/>
+          </p:nvPr>
+        </p:nvSpPr>
+        <p:spPr/>
+      </p:sp>
+      <p:sp>
+        <p:nvSpPr>
+          <p:cNvPr id="3" name="Notes Placeholder 2"/>
+          <p:cNvSpPr>
+            <a:spLocks noGrp="1"/>
+          </p:cNvSpPr>
+          <p:nvPr>
+            <p:ph type="body" idx="1"/>
+          </p:nvPr>
+        </p:nvSpPr>
+        <p:spPr/>
+        <p:txBody>
+          <a:bodyPr/>
+          <a:lstStyle/>
+          <a:p>
+            <a:r>
+              <a:rPr lang="en-US" dirty="0"/>
+              <a:t>Don’t share the competencies until the team has already come up with their competencies</a:t>
+            </a:r>
+          </a:p>
+          <a:p>
+            <a:r>
+              <a:rPr lang="en-US" dirty="0"/>
+              <a:t>If the workshop is remote, you will need different tools</a:t>
+            </a:r>
+          </a:p>
+        </p:txBody>
+      </p:sp>
+    </p:spTree>
+    <p:extLst>
+      <p:ext uri="{BB962C8B-B14F-4D97-AF65-F5344CB8AC3E}">
+        <p14:creationId xmlns:p14="http://schemas.microsoft.com/office/powerpoint/2010/main" val="501840269"/>
+      </p:ext>
+    </p:extLst>
+  </p:cSld>
+  <p:clrMapOvr>
+    <a:masterClrMapping/>
+  </p:clrMapOvr>
+</p:notes>
+</file>
+
+<file path=ppt/notesSlides/notesSlide20.xml><?xml version="1.0" encoding="utf-8"?>
+<p:notes xmlns:a="http://schemas.openxmlformats.org/drawingml/2006/main" xmlns:r="http://schemas.openxmlformats.org/officeDocument/2006/relationships" xmlns:p="http://schemas.openxmlformats.org/presentationml/2006/main">
+  <p:cSld>
+    <p:spTree>
+      <p:nvGrpSpPr>
+        <p:cNvPr id="1" name=""/>
+        <p:cNvGrpSpPr/>
+        <p:nvPr/>
+      </p:nvGrpSpPr>
+      <p:grpSpPr>
+        <a:xfrm>
+          <a:off x="0" y="0"/>
+          <a:ext cx="0" cy="0"/>
+          <a:chOff x="0" y="0"/>
+          <a:chExt cx="0" cy="0"/>
+        </a:xfrm>
+      </p:grpSpPr>
+      <p:sp>
+        <p:nvSpPr>
+          <p:cNvPr id="2" name="Slide Image Placeholder 1"/>
+          <p:cNvSpPr>
+            <a:spLocks noGrp="1" noRot="1" noChangeAspect="1"/>
+          </p:cNvSpPr>
+          <p:nvPr>
+            <p:ph type="sldImg"/>
+          </p:nvPr>
+        </p:nvSpPr>
+        <p:spPr/>
+      </p:sp>
+      <p:sp>
+        <p:nvSpPr>
+          <p:cNvPr id="3" name="Notes Placeholder 2"/>
+          <p:cNvSpPr>
+            <a:spLocks noGrp="1"/>
+          </p:cNvSpPr>
+          <p:nvPr>
+            <p:ph type="body" idx="1"/>
+          </p:nvPr>
+        </p:nvSpPr>
+        <p:spPr/>
+        <p:txBody>
+          <a:bodyPr/>
+          <a:lstStyle/>
+          <a:p>
+            <a:r>
+              <a:rPr lang="en-US" dirty="0"/>
+              <a:t>Skip if this isn’t prepared! </a:t>
+            </a:r>
+          </a:p>
+          <a:p>
+            <a:endParaRPr lang="en-US" dirty="0"/>
+          </a:p>
+          <a:p>
+            <a:r>
+              <a:rPr lang="en-US" dirty="0"/>
+              <a:t>SMEs should verify job tasks and summary section.</a:t>
+            </a:r>
+          </a:p>
+        </p:txBody>
+      </p:sp>
+    </p:spTree>
+    <p:extLst>
+      <p:ext uri="{BB962C8B-B14F-4D97-AF65-F5344CB8AC3E}">
+        <p14:creationId xmlns:p14="http://schemas.microsoft.com/office/powerpoint/2010/main" val="160981160"/>
+      </p:ext>
+    </p:extLst>
+  </p:cSld>
+  <p:clrMapOvr>
+    <a:masterClrMapping/>
+  </p:clrMapOvr>
+</p:notes>
+</file>
+
 <file path=ppt/notesSlides/notesSlide21.xml><?xml version="1.0" encoding="utf-8"?>
 <p:notes xmlns:a="http://schemas.openxmlformats.org/drawingml/2006/main" xmlns:r="http://schemas.openxmlformats.org/officeDocument/2006/relationships" xmlns:p="http://schemas.openxmlformats.org/presentationml/2006/main">
   <p:cSld>
@@ -2499,26 +2473,210 @@
           <a:bodyPr/>
           <a:lstStyle/>
           <a:p>
-            <a:r>
-              <a:rPr lang="en-US" dirty="0"/>
-              <a:t>Skip if this isn’t prepared! </a:t>
-            </a:r>
-          </a:p>
-          <a:p>
+            <a:pPr marL="457200" marR="0" lvl="0" indent="-228600" algn="l" defTabSz="914400" rtl="0" eaLnBrk="1" fontAlgn="auto" latinLnBrk="0" hangingPunct="1">
+              <a:lnSpc>
+                <a:spcPct val="100000"/>
+              </a:lnSpc>
+              <a:spcBef>
+                <a:spcPts val="0"/>
+              </a:spcBef>
+              <a:spcAft>
+                <a:spcPts val="0"/>
+              </a:spcAft>
+              <a:buClr>
+                <a:srgbClr val="000000"/>
+              </a:buClr>
+              <a:buSzPts val="1400"/>
+              <a:buFont typeface="Arial"/>
+              <a:buNone/>
+              <a:tabLst/>
+              <a:defRPr/>
+            </a:pPr>
+            <a:r>
+              <a:rPr lang="en-US" b="0" i="0" dirty="0">
+                <a:solidFill>
+                  <a:srgbClr val="1B1B1B"/>
+                </a:solidFill>
+                <a:effectLst/>
+                <a:latin typeface="Source Sans Pro Web"/>
+              </a:rPr>
+              <a:t>The group will check its work to date</a:t>
+            </a:r>
+          </a:p>
+          <a:p>
+            <a:pPr marL="457200" marR="0" lvl="0" indent="-228600" algn="l" defTabSz="914400" rtl="0" eaLnBrk="1" fontAlgn="auto" latinLnBrk="0" hangingPunct="1">
+              <a:lnSpc>
+                <a:spcPct val="100000"/>
+              </a:lnSpc>
+              <a:spcBef>
+                <a:spcPts val="0"/>
+              </a:spcBef>
+              <a:spcAft>
+                <a:spcPts val="0"/>
+              </a:spcAft>
+              <a:buClr>
+                <a:srgbClr val="000000"/>
+              </a:buClr>
+              <a:buSzPts val="1400"/>
+              <a:buFont typeface="Arial"/>
+              <a:buNone/>
+              <a:tabLst/>
+              <a:defRPr/>
+            </a:pPr>
+            <a:r>
+              <a:rPr lang="en-US" dirty="0"/>
+              <a:t>Use 4-5 sample resumes you prepared ahead of time, but timebox to 1 hour and expect to only get through 2-3 resumes.</a:t>
+            </a:r>
+          </a:p>
+          <a:p>
+            <a:pPr marL="457200" marR="0" lvl="0" indent="-228600" algn="l" defTabSz="914400" rtl="0" eaLnBrk="1" fontAlgn="auto" latinLnBrk="0" hangingPunct="1">
+              <a:lnSpc>
+                <a:spcPct val="100000"/>
+              </a:lnSpc>
+              <a:spcBef>
+                <a:spcPts val="0"/>
+              </a:spcBef>
+              <a:spcAft>
+                <a:spcPts val="0"/>
+              </a:spcAft>
+              <a:buClr>
+                <a:srgbClr val="000000"/>
+              </a:buClr>
+              <a:buSzPts val="1400"/>
+              <a:buFont typeface="Arial"/>
+              <a:buNone/>
+              <a:tabLst/>
+              <a:defRPr/>
+            </a:pPr>
+            <a:endParaRPr lang="en-US" b="0" i="0" dirty="0">
+              <a:solidFill>
+                <a:srgbClr val="1B1B1B"/>
+              </a:solidFill>
+              <a:effectLst/>
+              <a:latin typeface="Source Sans Pro Web"/>
+            </a:endParaRPr>
+          </a:p>
+          <a:p>
+            <a:r>
+              <a:rPr lang="en-US" sz="2200" b="0" i="0" u="none" strike="noStrike" cap="none" dirty="0">
+                <a:solidFill>
+                  <a:srgbClr val="000000"/>
+                </a:solidFill>
+                <a:effectLst/>
+                <a:latin typeface="Merriweather Sans"/>
+                <a:ea typeface="Merriweather Sans"/>
+                <a:cs typeface="Merriweather Sans"/>
+                <a:sym typeface="Merriweather Sans"/>
+              </a:rPr>
+              <a:t>Goals: </a:t>
+            </a:r>
+          </a:p>
+          <a:p>
+            <a:pPr marL="685800" indent="-457200">
+              <a:buAutoNum type="arabicParenR"/>
+            </a:pPr>
+            <a:r>
+              <a:rPr lang="en-US" sz="2200" b="0" i="0" u="none" strike="noStrike" cap="none" dirty="0">
+                <a:solidFill>
+                  <a:srgbClr val="000000"/>
+                </a:solidFill>
+                <a:effectLst/>
+                <a:latin typeface="Merriweather Sans"/>
+                <a:ea typeface="Merriweather Sans"/>
+                <a:cs typeface="Merriweather Sans"/>
+                <a:sym typeface="Merriweather Sans"/>
+              </a:rPr>
+              <a:t>Give SMEs 10 minutes to look at the first resume and then have them write down if they think it's a pass or fail against the required proficiencies and why. </a:t>
+            </a:r>
+          </a:p>
+          <a:p>
+            <a:pPr marL="685800" indent="-457200">
+              <a:buAutoNum type="arabicParenR"/>
+            </a:pPr>
+            <a:r>
+              <a:rPr lang="en-US" sz="2200" b="0" i="0" u="none" strike="noStrike" cap="none" dirty="0">
+                <a:solidFill>
+                  <a:srgbClr val="000000"/>
+                </a:solidFill>
+                <a:effectLst/>
+                <a:latin typeface="Merriweather Sans"/>
+                <a:ea typeface="Merriweather Sans"/>
+                <a:cs typeface="Merriweather Sans"/>
+                <a:sym typeface="Merriweather Sans"/>
+              </a:rPr>
+              <a:t>Give them 5 minutes to discuss the differences, </a:t>
+            </a:r>
+          </a:p>
+          <a:p>
+            <a:pPr marL="685800" indent="-457200">
+              <a:buAutoNum type="arabicParenR"/>
+            </a:pPr>
+            <a:r>
+              <a:rPr lang="en-US" sz="2200" b="0" i="0" u="none" strike="noStrike" cap="none" dirty="0">
+                <a:solidFill>
+                  <a:srgbClr val="000000"/>
+                </a:solidFill>
+                <a:effectLst/>
+                <a:latin typeface="Merriweather Sans"/>
+                <a:ea typeface="Merriweather Sans"/>
+                <a:cs typeface="Merriweather Sans"/>
+                <a:sym typeface="Merriweather Sans"/>
+              </a:rPr>
+              <a:t>Ask them if they want to change the proficiency level or tweak the wording of the levels based on this practice. </a:t>
+            </a:r>
+          </a:p>
+          <a:p>
+            <a:pPr marL="685800" indent="-457200">
+              <a:buAutoNum type="arabicParenR"/>
+            </a:pPr>
+            <a:r>
+              <a:rPr lang="en-US" sz="2200" b="0" i="0" u="none" strike="noStrike" cap="none" dirty="0">
+                <a:solidFill>
+                  <a:srgbClr val="000000"/>
+                </a:solidFill>
+                <a:effectLst/>
+                <a:latin typeface="Merriweather Sans"/>
+                <a:ea typeface="Merriweather Sans"/>
+                <a:cs typeface="Merriweather Sans"/>
+                <a:sym typeface="Merriweather Sans"/>
+              </a:rPr>
+              <a:t>Repeat for all required proficiencies</a:t>
+            </a:r>
+          </a:p>
+          <a:p>
+            <a:endParaRPr lang="en-US" sz="2200" b="0" i="0" u="none" strike="noStrike" cap="none" dirty="0">
+              <a:solidFill>
+                <a:srgbClr val="000000"/>
+              </a:solidFill>
+              <a:effectLst/>
+              <a:latin typeface="Merriweather Sans"/>
+              <a:ea typeface="Merriweather Sans"/>
+              <a:cs typeface="Merriweather Sans"/>
+              <a:sym typeface="Merriweather Sans"/>
+            </a:endParaRPr>
+          </a:p>
+          <a:p>
+            <a:r>
+              <a:rPr lang="en-US" sz="2200" b="0" i="0" u="none" strike="noStrike" cap="none" dirty="0">
+                <a:solidFill>
+                  <a:srgbClr val="000000"/>
+                </a:solidFill>
+                <a:effectLst/>
+                <a:latin typeface="Merriweather Sans"/>
+                <a:ea typeface="Merriweather Sans"/>
+                <a:cs typeface="Merriweather Sans"/>
+                <a:sym typeface="Merriweather Sans"/>
+              </a:rPr>
+              <a:t>This goal is not to calibrate SMEs (though this will help with calibration) but to refine the competencies and proficiency levels.</a:t>
+            </a:r>
             <a:endParaRPr lang="en-US" dirty="0"/>
-          </a:p>
-          <a:p>
-            <a:r>
-              <a:rPr lang="en-US" dirty="0"/>
-              <a:t>SMEs should verify job tasks and summary section.</a:t>
-            </a:r>
           </a:p>
         </p:txBody>
       </p:sp>
     </p:spTree>
     <p:extLst>
       <p:ext uri="{BB962C8B-B14F-4D97-AF65-F5344CB8AC3E}">
-        <p14:creationId xmlns:p14="http://schemas.microsoft.com/office/powerpoint/2010/main" val="160981160"/>
+        <p14:creationId xmlns:p14="http://schemas.microsoft.com/office/powerpoint/2010/main" val="3624751010"/>
       </p:ext>
     </p:extLst>
   </p:cSld>
@@ -2592,15 +2750,12 @@
               <a:defRPr/>
             </a:pPr>
             <a:r>
-              <a:rPr lang="en-US" b="0" i="0" dirty="0">
-                <a:solidFill>
-                  <a:srgbClr val="1B1B1B"/>
-                </a:solidFill>
-                <a:effectLst/>
-                <a:latin typeface="Source Sans Pro Web"/>
-              </a:rPr>
-              <a:t>The group will check its work to date</a:t>
-            </a:r>
+              <a:rPr lang="en-US" dirty="0"/>
+              <a:t>Recency requirements are only allowed for job series where standards change frequently (such as IT).</a:t>
+            </a:r>
+          </a:p>
+          <a:p>
+            <a:endParaRPr lang="en-US" dirty="0"/>
           </a:p>
           <a:p>
             <a:pPr marL="457200" marR="0" lvl="0" indent="-228600" algn="l" defTabSz="914400" rtl="0" eaLnBrk="1" fontAlgn="auto" latinLnBrk="0" hangingPunct="1">
@@ -2624,150 +2779,28 @@
             </a:pPr>
             <a:r>
               <a:rPr lang="en-US" dirty="0"/>
-              <a:t>Use 4-5 sample resumes you prepared ahead of time, but timebox to 1 hour and expect to only get through 2-3 resumes.</a:t>
-            </a:r>
-          </a:p>
-          <a:p>
-            <a:pPr marL="457200" marR="0" lvl="0" indent="-228600" algn="l" defTabSz="914400" rtl="0" eaLnBrk="1" fontAlgn="auto" latinLnBrk="0" hangingPunct="1">
-              <a:lnSpc>
-                <a:spcPct val="100000"/>
-              </a:lnSpc>
-              <a:spcBef>
-                <a:spcPts val="0"/>
-              </a:spcBef>
-              <a:spcAft>
-                <a:spcPts val="0"/>
-              </a:spcAft>
-              <a:buClr>
-                <a:srgbClr val="000000"/>
-              </a:buClr>
-              <a:buSzPts val="1400"/>
-              <a:buFont typeface="Arial"/>
-              <a:buNone/>
-              <a:tabLst/>
-              <a:defRPr/>
-            </a:pPr>
-            <a:endParaRPr lang="en-US" b="0" i="0" dirty="0">
-              <a:solidFill>
-                <a:srgbClr val="1B1B1B"/>
-              </a:solidFill>
-              <a:effectLst/>
-              <a:latin typeface="Source Sans Pro Web"/>
-            </a:endParaRPr>
-          </a:p>
-          <a:p>
-            <a:r>
-              <a:rPr lang="en-US" sz="2200" b="0" i="0" u="none" strike="noStrike" cap="none" dirty="0">
-                <a:solidFill>
-                  <a:srgbClr val="000000"/>
-                </a:solidFill>
-                <a:effectLst/>
-                <a:latin typeface="Merriweather Sans"/>
-                <a:ea typeface="Merriweather Sans"/>
-                <a:cs typeface="Merriweather Sans"/>
-                <a:sym typeface="Merriweather Sans"/>
-              </a:rPr>
-              <a:t>Goals: </a:t>
-            </a:r>
-          </a:p>
-          <a:p>
-            <a:pPr marL="685800" indent="-457200">
-              <a:buAutoNum type="arabicParenR"/>
-            </a:pPr>
-            <a:r>
-              <a:rPr lang="en-US" sz="2200" b="0" i="0" u="none" strike="noStrike" cap="none" dirty="0">
-                <a:solidFill>
-                  <a:srgbClr val="000000"/>
-                </a:solidFill>
-                <a:effectLst/>
-                <a:latin typeface="Merriweather Sans"/>
-                <a:ea typeface="Merriweather Sans"/>
-                <a:cs typeface="Merriweather Sans"/>
-                <a:sym typeface="Merriweather Sans"/>
-              </a:rPr>
-              <a:t>Give SMEs 10 minutes to look at the first resume and then have them write down if they think it's a pass or fail against the required proficiencies and why. </a:t>
-            </a:r>
-          </a:p>
-          <a:p>
-            <a:pPr marL="685800" indent="-457200">
-              <a:buAutoNum type="arabicParenR"/>
-            </a:pPr>
-            <a:r>
-              <a:rPr lang="en-US" sz="2200" b="0" i="0" u="none" strike="noStrike" cap="none" dirty="0">
-                <a:solidFill>
-                  <a:srgbClr val="000000"/>
-                </a:solidFill>
-                <a:effectLst/>
-                <a:latin typeface="Merriweather Sans"/>
-                <a:ea typeface="Merriweather Sans"/>
-                <a:cs typeface="Merriweather Sans"/>
-                <a:sym typeface="Merriweather Sans"/>
-              </a:rPr>
-              <a:t>Give them 5 minutes to discuss the differences, </a:t>
-            </a:r>
-          </a:p>
-          <a:p>
-            <a:pPr marL="685800" indent="-457200">
-              <a:buAutoNum type="arabicParenR"/>
-            </a:pPr>
-            <a:r>
-              <a:rPr lang="en-US" sz="2200" b="0" i="0" u="none" strike="noStrike" cap="none" dirty="0">
-                <a:solidFill>
-                  <a:srgbClr val="000000"/>
-                </a:solidFill>
-                <a:effectLst/>
-                <a:latin typeface="Merriweather Sans"/>
-                <a:ea typeface="Merriweather Sans"/>
-                <a:cs typeface="Merriweather Sans"/>
-                <a:sym typeface="Merriweather Sans"/>
-              </a:rPr>
-              <a:t>Ask them if they want to change the proficiency level or tweak the wording of the levels based on this practice. </a:t>
-            </a:r>
-          </a:p>
-          <a:p>
-            <a:pPr marL="685800" indent="-457200">
-              <a:buAutoNum type="arabicParenR"/>
-            </a:pPr>
-            <a:r>
-              <a:rPr lang="en-US" sz="2200" b="0" i="0" u="none" strike="noStrike" cap="none" dirty="0">
-                <a:solidFill>
-                  <a:srgbClr val="000000"/>
-                </a:solidFill>
-                <a:effectLst/>
-                <a:latin typeface="Merriweather Sans"/>
-                <a:ea typeface="Merriweather Sans"/>
-                <a:cs typeface="Merriweather Sans"/>
-                <a:sym typeface="Merriweather Sans"/>
-              </a:rPr>
-              <a:t>Repeat for all required proficiencies</a:t>
-            </a:r>
-          </a:p>
-          <a:p>
-            <a:endParaRPr lang="en-US" sz="2200" b="0" i="0" u="none" strike="noStrike" cap="none" dirty="0">
-              <a:solidFill>
-                <a:srgbClr val="000000"/>
-              </a:solidFill>
-              <a:effectLst/>
-              <a:latin typeface="Merriweather Sans"/>
-              <a:ea typeface="Merriweather Sans"/>
-              <a:cs typeface="Merriweather Sans"/>
-              <a:sym typeface="Merriweather Sans"/>
-            </a:endParaRPr>
-          </a:p>
-          <a:p>
-            <a:r>
-              <a:rPr lang="en-US" sz="2200" b="0" i="0" u="none" strike="noStrike" cap="none" dirty="0">
-                <a:solidFill>
-                  <a:srgbClr val="000000"/>
-                </a:solidFill>
-                <a:effectLst/>
-                <a:latin typeface="Merriweather Sans"/>
-                <a:ea typeface="Merriweather Sans"/>
-                <a:cs typeface="Merriweather Sans"/>
-                <a:sym typeface="Merriweather Sans"/>
-              </a:rPr>
-              <a:t>This goal is not to calibrate SMEs (though this will help with calibration) but to refine the competencies and proficiency levels.</a:t>
-            </a:r>
+              <a:t>Figure out how many pages of job experience is sufficient to make a determination</a:t>
+            </a:r>
+          </a:p>
+          <a:p>
+            <a:endParaRPr lang="en-US" dirty="0"/>
+          </a:p>
+          <a:p>
+            <a:r>
+              <a:rPr lang="en-US" dirty="0"/>
+              <a:t>It’s OK to decide not all competencies are required to appear in a resume, but this must be decided ahead of time in the assessment strategy</a:t>
+            </a:r>
+          </a:p>
+          <a:p>
+            <a:endParaRPr lang="en-US" dirty="0"/>
+          </a:p>
+          <a:p>
+            <a:r>
+              <a:rPr lang="en-US" dirty="0"/>
+              <a:t>Requiring a work sample or portfolio helps to ensure that applicants are responsive to the job announcement. You may only request a work sample or portfolio at the time of application if applicants can be reasonably expected to already have one relevant to this role.</a:t>
+            </a:r>
+          </a:p>
+          <a:p>
             <a:endParaRPr lang="en-US" dirty="0"/>
           </a:p>
         </p:txBody>
@@ -2775,7 +2808,7 @@
     </p:spTree>
     <p:extLst>
       <p:ext uri="{BB962C8B-B14F-4D97-AF65-F5344CB8AC3E}">
-        <p14:creationId xmlns:p14="http://schemas.microsoft.com/office/powerpoint/2010/main" val="3624751010"/>
+        <p14:creationId xmlns:p14="http://schemas.microsoft.com/office/powerpoint/2010/main" val="18592764"/>
       </p:ext>
     </p:extLst>
   </p:cSld>
@@ -2829,6 +2862,128 @@
           <a:bodyPr/>
           <a:lstStyle/>
           <a:p>
+            <a:pPr lvl="0"/>
+            <a:r>
+              <a:rPr lang="en-US" sz="2200" b="0" i="0" u="none" strike="noStrike" cap="none" dirty="0">
+                <a:solidFill>
+                  <a:srgbClr val="000000"/>
+                </a:solidFill>
+                <a:effectLst/>
+                <a:latin typeface="Merriweather Sans"/>
+                <a:ea typeface="Merriweather Sans"/>
+                <a:cs typeface="Merriweather Sans"/>
+                <a:sym typeface="Merriweather Sans"/>
+              </a:rPr>
+              <a:t>Trying to discover applicant’s ability to apply their experience in a new situation</a:t>
+            </a:r>
+          </a:p>
+          <a:p>
+            <a:pPr lvl="0"/>
+            <a:r>
+              <a:rPr lang="en-US" sz="2200" b="0" i="0" u="none" strike="noStrike" cap="none" dirty="0">
+                <a:solidFill>
+                  <a:srgbClr val="000000"/>
+                </a:solidFill>
+                <a:effectLst/>
+                <a:latin typeface="Merriweather Sans"/>
+                <a:ea typeface="Merriweather Sans"/>
+                <a:cs typeface="Merriweather Sans"/>
+                <a:sym typeface="Merriweather Sans"/>
+              </a:rPr>
+              <a:t>“and can you give an example of when you did this in the past”</a:t>
+            </a:r>
+          </a:p>
+          <a:p>
+            <a:pPr lvl="0"/>
+            <a:endParaRPr lang="en-US" sz="2200" b="0" i="0" u="none" strike="noStrike" cap="none" dirty="0">
+              <a:solidFill>
+                <a:srgbClr val="000000"/>
+              </a:solidFill>
+              <a:effectLst/>
+              <a:latin typeface="Merriweather Sans"/>
+              <a:ea typeface="Merriweather Sans"/>
+              <a:cs typeface="Merriweather Sans"/>
+              <a:sym typeface="Merriweather Sans"/>
+            </a:endParaRPr>
+          </a:p>
+          <a:p>
+            <a:pPr lvl="0"/>
+            <a:r>
+              <a:rPr lang="en-US" sz="2200" b="0" i="0" u="none" strike="noStrike" cap="none" dirty="0">
+                <a:solidFill>
+                  <a:srgbClr val="000000"/>
+                </a:solidFill>
+                <a:effectLst/>
+                <a:latin typeface="Merriweather Sans"/>
+                <a:ea typeface="Merriweather Sans"/>
+                <a:cs typeface="Merriweather Sans"/>
+                <a:sym typeface="Merriweather Sans"/>
+              </a:rPr>
+              <a:t>Be intentional about the kinds of questions there can be</a:t>
+            </a:r>
+          </a:p>
+          <a:p>
+            <a:pPr lvl="0"/>
+            <a:endParaRPr lang="en-US" sz="2200" b="0" i="0" u="none" strike="noStrike" cap="none" dirty="0">
+              <a:solidFill>
+                <a:srgbClr val="000000"/>
+              </a:solidFill>
+              <a:effectLst/>
+              <a:latin typeface="Merriweather Sans"/>
+              <a:ea typeface="Merriweather Sans"/>
+              <a:cs typeface="Merriweather Sans"/>
+              <a:sym typeface="Merriweather Sans"/>
+            </a:endParaRPr>
+          </a:p>
+          <a:p>
+            <a:pPr lvl="0"/>
+            <a:r>
+              <a:rPr lang="en-US" sz="2200" b="0" i="0" u="none" strike="noStrike" cap="none" dirty="0">
+                <a:solidFill>
+                  <a:srgbClr val="000000"/>
+                </a:solidFill>
+                <a:effectLst/>
+                <a:latin typeface="Merriweather Sans"/>
+                <a:ea typeface="Merriweather Sans"/>
+                <a:cs typeface="Merriweather Sans"/>
+                <a:sym typeface="Merriweather Sans"/>
+              </a:rPr>
+              <a:t>Wording of the hypothetical questions is very tricky – it can be confusing to the applicants, difficult to “set the scene” so it makes sense for them</a:t>
+            </a:r>
+          </a:p>
+          <a:p>
+            <a:pPr lvl="0"/>
+            <a:endParaRPr lang="en-US" sz="2200" b="0" i="0" u="none" strike="noStrike" cap="none" dirty="0">
+              <a:solidFill>
+                <a:srgbClr val="000000"/>
+              </a:solidFill>
+              <a:effectLst/>
+              <a:latin typeface="Merriweather Sans"/>
+              <a:ea typeface="Merriweather Sans"/>
+              <a:cs typeface="Merriweather Sans"/>
+              <a:sym typeface="Merriweather Sans"/>
+            </a:endParaRPr>
+          </a:p>
+          <a:p>
+            <a:pPr lvl="0"/>
+            <a:r>
+              <a:rPr lang="en-US" sz="2200" b="0" i="0" u="none" strike="noStrike" cap="none" dirty="0">
+                <a:solidFill>
+                  <a:srgbClr val="000000"/>
+                </a:solidFill>
+                <a:effectLst/>
+                <a:latin typeface="Merriweather Sans"/>
+                <a:ea typeface="Merriweather Sans"/>
+                <a:cs typeface="Merriweather Sans"/>
+                <a:sym typeface="Merriweather Sans"/>
+              </a:rPr>
+              <a:t>Strike the balance between the two question types</a:t>
+            </a:r>
+          </a:p>
+          <a:p>
+            <a:endParaRPr lang="en-US" dirty="0"/>
+          </a:p>
+          <a:p>
             <a:pPr marL="457200" marR="0" lvl="0" indent="-228600" algn="l" defTabSz="914400" rtl="0" eaLnBrk="1" fontAlgn="auto" latinLnBrk="0" hangingPunct="1">
               <a:lnSpc>
                 <a:spcPct val="100000"/>
@@ -2850,64 +3005,15 @@
             </a:pPr>
             <a:r>
               <a:rPr lang="en-US" dirty="0"/>
-              <a:t>Recency requirements are only allowed for job series where standards change frequently (such as IT).</a:t>
-            </a:r>
-          </a:p>
-          <a:p>
-            <a:endParaRPr lang="en-US" dirty="0"/>
-          </a:p>
-          <a:p>
-            <a:pPr marL="457200" marR="0" lvl="0" indent="-228600" algn="l" defTabSz="914400" rtl="0" eaLnBrk="1" fontAlgn="auto" latinLnBrk="0" hangingPunct="1">
-              <a:lnSpc>
-                <a:spcPct val="100000"/>
-              </a:lnSpc>
-              <a:spcBef>
-                <a:spcPts val="0"/>
-              </a:spcBef>
-              <a:spcAft>
-                <a:spcPts val="0"/>
-              </a:spcAft>
-              <a:buClr>
-                <a:srgbClr val="000000"/>
-              </a:buClr>
-              <a:buSzPts val="1400"/>
-              <a:buFont typeface="Arial"/>
-              <a:buNone/>
-              <a:tabLst/>
-              <a:defRPr/>
-            </a:pPr>
-            <a:r>
-              <a:rPr lang="en-US" dirty="0"/>
-              <a:t>Figure out how many pages of job experience is sufficient to make a determination</a:t>
-            </a:r>
-          </a:p>
-          <a:p>
-            <a:endParaRPr lang="en-US" dirty="0"/>
-          </a:p>
-          <a:p>
-            <a:r>
-              <a:rPr lang="en-US" dirty="0"/>
-              <a:t>It’s OK to decide not all competencies are required to appear in a resume, but this must be decided ahead of time in the assessment strategy</a:t>
-            </a:r>
-          </a:p>
-          <a:p>
-            <a:endParaRPr lang="en-US" dirty="0"/>
-          </a:p>
-          <a:p>
-            <a:r>
-              <a:rPr lang="en-US" dirty="0"/>
-              <a:t>Requiring a work sample or portfolio helps to ensure that applicants are responsive to the job announcement. You may only request a work sample or portfolio at the time of application if applicants can be reasonably expected to already have one relevant to this role.</a:t>
-            </a:r>
-          </a:p>
-          <a:p>
-            <a:endParaRPr lang="en-US" dirty="0"/>
+              <a:t>If you want to ask applicants to complete an assessment before resume review, you must ask applicants in the occupational questionnaire if they think they have the specialized experience.</a:t>
+            </a:r>
           </a:p>
         </p:txBody>
       </p:sp>
     </p:spTree>
     <p:extLst>
       <p:ext uri="{BB962C8B-B14F-4D97-AF65-F5344CB8AC3E}">
-        <p14:creationId xmlns:p14="http://schemas.microsoft.com/office/powerpoint/2010/main" val="18592764"/>
+        <p14:creationId xmlns:p14="http://schemas.microsoft.com/office/powerpoint/2010/main" val="63585316"/>
       </p:ext>
     </p:extLst>
   </p:cSld>
@@ -3082,37 +3188,12 @@
           <a:p>
             <a:endParaRPr lang="en-US" dirty="0"/>
           </a:p>
-          <a:p>
-            <a:pPr marL="457200" marR="0" lvl="0" indent="-228600" algn="l" defTabSz="914400" rtl="0" eaLnBrk="1" fontAlgn="auto" latinLnBrk="0" hangingPunct="1">
-              <a:lnSpc>
-                <a:spcPct val="100000"/>
-              </a:lnSpc>
-              <a:spcBef>
-                <a:spcPts val="0"/>
-              </a:spcBef>
-              <a:spcAft>
-                <a:spcPts val="0"/>
-              </a:spcAft>
-              <a:buClr>
-                <a:srgbClr val="000000"/>
-              </a:buClr>
-              <a:buSzPts val="1400"/>
-              <a:buFont typeface="Arial"/>
-              <a:buNone/>
-              <a:tabLst/>
-              <a:defRPr/>
-            </a:pPr>
-            <a:r>
-              <a:rPr lang="en-US" dirty="0"/>
-              <a:t>If you want to ask applicants to complete an assessment before resume review, you must ask applicants in the occupational questionnaire if they think they have the specialized experience.</a:t>
-            </a:r>
-          </a:p>
         </p:txBody>
       </p:sp>
     </p:spTree>
     <p:extLst>
       <p:ext uri="{BB962C8B-B14F-4D97-AF65-F5344CB8AC3E}">
-        <p14:creationId xmlns:p14="http://schemas.microsoft.com/office/powerpoint/2010/main" val="63585316"/>
+        <p14:creationId xmlns:p14="http://schemas.microsoft.com/office/powerpoint/2010/main" val="4234696993"/>
       </p:ext>
     </p:extLst>
   </p:cSld>
@@ -3166,186 +3247,6 @@
           <a:bodyPr/>
           <a:lstStyle/>
           <a:p>
-            <a:pPr lvl="0"/>
-            <a:r>
-              <a:rPr lang="en-US" sz="2200" b="0" i="0" u="none" strike="noStrike" cap="none" dirty="0">
-                <a:solidFill>
-                  <a:srgbClr val="000000"/>
-                </a:solidFill>
-                <a:effectLst/>
-                <a:latin typeface="Merriweather Sans"/>
-                <a:ea typeface="Merriweather Sans"/>
-                <a:cs typeface="Merriweather Sans"/>
-                <a:sym typeface="Merriweather Sans"/>
-              </a:rPr>
-              <a:t>Trying to discover applicant’s ability to apply their experience in a new situation</a:t>
-            </a:r>
-          </a:p>
-          <a:p>
-            <a:pPr lvl="0"/>
-            <a:r>
-              <a:rPr lang="en-US" sz="2200" b="0" i="0" u="none" strike="noStrike" cap="none" dirty="0">
-                <a:solidFill>
-                  <a:srgbClr val="000000"/>
-                </a:solidFill>
-                <a:effectLst/>
-                <a:latin typeface="Merriweather Sans"/>
-                <a:ea typeface="Merriweather Sans"/>
-                <a:cs typeface="Merriweather Sans"/>
-                <a:sym typeface="Merriweather Sans"/>
-              </a:rPr>
-              <a:t>“and can you give an example of when you did this in the past”</a:t>
-            </a:r>
-          </a:p>
-          <a:p>
-            <a:pPr lvl="0"/>
-            <a:endParaRPr lang="en-US" sz="2200" b="0" i="0" u="none" strike="noStrike" cap="none" dirty="0">
-              <a:solidFill>
-                <a:srgbClr val="000000"/>
-              </a:solidFill>
-              <a:effectLst/>
-              <a:latin typeface="Merriweather Sans"/>
-              <a:ea typeface="Merriweather Sans"/>
-              <a:cs typeface="Merriweather Sans"/>
-              <a:sym typeface="Merriweather Sans"/>
-            </a:endParaRPr>
-          </a:p>
-          <a:p>
-            <a:pPr lvl="0"/>
-            <a:r>
-              <a:rPr lang="en-US" sz="2200" b="0" i="0" u="none" strike="noStrike" cap="none" dirty="0">
-                <a:solidFill>
-                  <a:srgbClr val="000000"/>
-                </a:solidFill>
-                <a:effectLst/>
-                <a:latin typeface="Merriweather Sans"/>
-                <a:ea typeface="Merriweather Sans"/>
-                <a:cs typeface="Merriweather Sans"/>
-                <a:sym typeface="Merriweather Sans"/>
-              </a:rPr>
-              <a:t>Be intentional about the kinds of questions there can be</a:t>
-            </a:r>
-          </a:p>
-          <a:p>
-            <a:pPr lvl="0"/>
-            <a:endParaRPr lang="en-US" sz="2200" b="0" i="0" u="none" strike="noStrike" cap="none" dirty="0">
-              <a:solidFill>
-                <a:srgbClr val="000000"/>
-              </a:solidFill>
-              <a:effectLst/>
-              <a:latin typeface="Merriweather Sans"/>
-              <a:ea typeface="Merriweather Sans"/>
-              <a:cs typeface="Merriweather Sans"/>
-              <a:sym typeface="Merriweather Sans"/>
-            </a:endParaRPr>
-          </a:p>
-          <a:p>
-            <a:pPr lvl="0"/>
-            <a:r>
-              <a:rPr lang="en-US" sz="2200" b="0" i="0" u="none" strike="noStrike" cap="none" dirty="0">
-                <a:solidFill>
-                  <a:srgbClr val="000000"/>
-                </a:solidFill>
-                <a:effectLst/>
-                <a:latin typeface="Merriweather Sans"/>
-                <a:ea typeface="Merriweather Sans"/>
-                <a:cs typeface="Merriweather Sans"/>
-                <a:sym typeface="Merriweather Sans"/>
-              </a:rPr>
-              <a:t>Wording of the hypothetical questions is very tricky – it can be confusing to the applicants, difficult to “set the scene” so it makes sense for them</a:t>
-            </a:r>
-          </a:p>
-          <a:p>
-            <a:pPr lvl="0"/>
-            <a:endParaRPr lang="en-US" sz="2200" b="0" i="0" u="none" strike="noStrike" cap="none" dirty="0">
-              <a:solidFill>
-                <a:srgbClr val="000000"/>
-              </a:solidFill>
-              <a:effectLst/>
-              <a:latin typeface="Merriweather Sans"/>
-              <a:ea typeface="Merriweather Sans"/>
-              <a:cs typeface="Merriweather Sans"/>
-              <a:sym typeface="Merriweather Sans"/>
-            </a:endParaRPr>
-          </a:p>
-          <a:p>
-            <a:pPr lvl="0"/>
-            <a:r>
-              <a:rPr lang="en-US" sz="2200" b="0" i="0" u="none" strike="noStrike" cap="none" dirty="0">
-                <a:solidFill>
-                  <a:srgbClr val="000000"/>
-                </a:solidFill>
-                <a:effectLst/>
-                <a:latin typeface="Merriweather Sans"/>
-                <a:ea typeface="Merriweather Sans"/>
-                <a:cs typeface="Merriweather Sans"/>
-                <a:sym typeface="Merriweather Sans"/>
-              </a:rPr>
-              <a:t>Strike the balance between the two question types</a:t>
-            </a:r>
-          </a:p>
-          <a:p>
-            <a:endParaRPr lang="en-US" dirty="0"/>
-          </a:p>
-        </p:txBody>
-      </p:sp>
-    </p:spTree>
-    <p:extLst>
-      <p:ext uri="{BB962C8B-B14F-4D97-AF65-F5344CB8AC3E}">
-        <p14:creationId xmlns:p14="http://schemas.microsoft.com/office/powerpoint/2010/main" val="4234696993"/>
-      </p:ext>
-    </p:extLst>
-  </p:cSld>
-  <p:clrMapOvr>
-    <a:masterClrMapping/>
-  </p:clrMapOvr>
-</p:notes>
-</file>
-
-<file path=ppt/notesSlides/notesSlide26.xml><?xml version="1.0" encoding="utf-8"?>
-<p:notes xmlns:a="http://schemas.openxmlformats.org/drawingml/2006/main" xmlns:r="http://schemas.openxmlformats.org/officeDocument/2006/relationships" xmlns:p="http://schemas.openxmlformats.org/presentationml/2006/main">
-  <p:cSld>
-    <p:spTree>
-      <p:nvGrpSpPr>
-        <p:cNvPr id="1" name=""/>
-        <p:cNvGrpSpPr/>
-        <p:nvPr/>
-      </p:nvGrpSpPr>
-      <p:grpSpPr>
-        <a:xfrm>
-          <a:off x="0" y="0"/>
-          <a:ext cx="0" cy="0"/>
-          <a:chOff x="0" y="0"/>
-          <a:chExt cx="0" cy="0"/>
-        </a:xfrm>
-      </p:grpSpPr>
-      <p:sp>
-        <p:nvSpPr>
-          <p:cNvPr id="2" name="Slide Image Placeholder 1"/>
-          <p:cNvSpPr>
-            <a:spLocks noGrp="1" noRot="1" noChangeAspect="1"/>
-          </p:cNvSpPr>
-          <p:nvPr>
-            <p:ph type="sldImg"/>
-          </p:nvPr>
-        </p:nvSpPr>
-        <p:spPr/>
-      </p:sp>
-      <p:sp>
-        <p:nvSpPr>
-          <p:cNvPr id="3" name="Notes Placeholder 2"/>
-          <p:cNvSpPr>
-            <a:spLocks noGrp="1"/>
-          </p:cNvSpPr>
-          <p:nvPr>
-            <p:ph type="body" idx="1"/>
-          </p:nvPr>
-        </p:nvSpPr>
-        <p:spPr/>
-        <p:txBody>
-          <a:bodyPr/>
-          <a:lstStyle/>
-          <a:p>
             <a:r>
               <a:rPr lang="en-US" dirty="0"/>
               <a:t>Use this slide to explain how two structured interviews can be different (allowing applicants to be failed between </a:t>
@@ -3370,7 +3271,7 @@
 </p:notes>
 </file>
 
-<file path=ppt/notesSlides/notesSlide27.xml><?xml version="1.0" encoding="utf-8"?>
+<file path=ppt/notesSlides/notesSlide26.xml><?xml version="1.0" encoding="utf-8"?>
 <p:notes xmlns:a="http://schemas.openxmlformats.org/drawingml/2006/main" xmlns:r="http://schemas.openxmlformats.org/officeDocument/2006/relationships" xmlns:p="http://schemas.openxmlformats.org/presentationml/2006/main" showMasterSp="0" showMasterPhAnim="0">
   <p:cSld>
     <p:spTree>
@@ -3491,7 +3392,7 @@
 </p:notes>
 </file>
 
-<file path=ppt/notesSlides/notesSlide28.xml><?xml version="1.0" encoding="utf-8"?>
+<file path=ppt/notesSlides/notesSlide27.xml><?xml version="1.0" encoding="utf-8"?>
 <p:notes xmlns:a="http://schemas.openxmlformats.org/drawingml/2006/main" xmlns:r="http://schemas.openxmlformats.org/officeDocument/2006/relationships" xmlns:p="http://schemas.openxmlformats.org/presentationml/2006/main">
   <p:cSld>
     <p:spTree>
@@ -9439,7 +9340,7 @@
         </p:spPr>
         <p:txBody>
           <a:bodyPr>
-            <a:normAutofit lnSpcReduction="10000"/>
+            <a:normAutofit fontScale="85000" lnSpcReduction="20000"/>
           </a:bodyPr>
           <a:lstStyle/>
           <a:p>
@@ -9452,20 +9353,50 @@
             </a:r>
           </a:p>
           <a:p>
-            <a:pPr marL="171467" indent="0">
-              <a:buNone/>
-            </a:pPr>
+            <a:r>
+              <a:rPr lang="en-US" b="1" dirty="0"/>
+              <a:t>Complexity:</a:t>
+            </a:r>
+            <a:r>
+              <a:rPr lang="en-US" dirty="0"/>
+              <a:t> The applicant can manage straightforward workflows </a:t>
+            </a:r>
+            <a:r>
+              <a:rPr lang="en-US" i="1" dirty="0"/>
+              <a:t>-vs-</a:t>
+            </a:r>
+            <a:r>
+              <a:rPr lang="en-US" dirty="0"/>
+              <a:t> can manage highly complex workflows.</a:t>
+            </a:r>
+          </a:p>
+          <a:p>
+            <a:r>
+              <a:rPr lang="en-US" b="1" dirty="0"/>
+              <a:t>Level of detail:</a:t>
+            </a:r>
+            <a:r>
+              <a:rPr lang="en-US" dirty="0"/>
+              <a:t> The applicant can explain a general concept </a:t>
+            </a:r>
+            <a:r>
+              <a:rPr lang="en-US" i="1" dirty="0"/>
+              <a:t>-vs-</a:t>
+            </a:r>
+            <a:r>
+              <a:rPr lang="en-US" dirty="0"/>
+              <a:t> can discuss the concept in detail.</a:t>
+            </a:r>
+          </a:p>
+          <a:p>
             <a:r>
               <a:rPr lang="en-US" b="1" dirty="0"/>
               <a:t>Scale of activity:</a:t>
             </a:r>
             <a:r>
               <a:rPr lang="en-US" dirty="0"/>
-              <a:t> The applicant did something at a small organization </a:t>
-            </a:r>
-            <a:br>
-              <a:rPr lang="en-US" dirty="0"/>
-            </a:br>
+              <a:t> The applicant did something at a small organization </a:t>
+            </a:r>
             <a:r>
               <a:rPr lang="en-US" i="1" dirty="0"/>
               <a:t>-vs-</a:t>
@@ -9476,12 +9407,9 @@
             </a:r>
           </a:p>
           <a:p>
-            <a:pPr marL="171467" indent="0">
-              <a:buNone/>
-            </a:pPr>
             <a:r>
               <a:rPr lang="en-US" b="1" dirty="0"/>
-              <a:t>Seniority:</a:t>
+              <a:t>Seniority/independence:</a:t>
             </a:r>
             <a:r>
               <a:rPr lang="en-US" dirty="0"/>
@@ -9493,28 +9421,7 @@
             </a:r>
             <a:r>
               <a:rPr lang="en-US" dirty="0"/>
-              <a:t> lead the group that did something.</a:t>
-            </a:r>
-          </a:p>
-          <a:p>
-            <a:pPr marL="171467" indent="0">
-              <a:buNone/>
-            </a:pPr>
-            <a:r>
-              <a:rPr lang="en-US" b="1" dirty="0"/>
-              <a:t>Level of detail:</a:t>
-            </a:r>
-            <a:r>
-              <a:rPr lang="en-US" dirty="0"/>
-              <a:t> The applicant can explain a general concept </a:t>
-            </a:r>
-            <a:r>
-              <a:rPr lang="en-US" i="1" dirty="0"/>
-              <a:t>-vs-</a:t>
-            </a:r>
-            <a:r>
-              <a:rPr lang="en-US" dirty="0"/>
-              <a:t> can discuss the concept in detail.</a:t>
+              <a:t> led the group that did something.</a:t>
             </a:r>
           </a:p>
           <a:p>
@@ -9616,7 +9523,7 @@
         </p:spPr>
         <p:txBody>
           <a:bodyPr>
-            <a:normAutofit fontScale="92500" lnSpcReduction="10000"/>
+            <a:normAutofit fontScale="85000" lnSpcReduction="20000"/>
           </a:bodyPr>
           <a:lstStyle/>
           <a:p>
@@ -9636,55 +9543,43 @@
             </a:r>
           </a:p>
           <a:p>
-            <a:pPr marL="171467" indent="0">
-              <a:buNone/>
-            </a:pPr>
-            <a:r>
-              <a:rPr lang="en-US" sz="3200" b="1" i="1" dirty="0"/>
-              <a:t>Unfamiliar</a:t>
-            </a:r>
-            <a:r>
-              <a:rPr lang="en-US" sz="3200" dirty="0"/>
-              <a:t>: Talks through problems at a high level. May break down problems into smaller components but does not track them against key metrics to measure outcomes.</a:t>
-            </a:r>
-          </a:p>
-          <a:p>
-            <a:pPr marL="171467" indent="0">
-              <a:buNone/>
-            </a:pPr>
-            <a:r>
-              <a:rPr lang="en-US" sz="3200" b="1" i="1" dirty="0"/>
-              <a:t>Familiar</a:t>
-            </a:r>
-            <a:r>
-              <a:rPr lang="en-US" sz="3200" dirty="0"/>
-              <a:t>: Thinks critically through problems, breaking them down into smaller components and metrics. Limited experience connecting metrics to business or user results.</a:t>
-            </a:r>
-          </a:p>
-          <a:p>
-            <a:pPr marL="171467" indent="0">
-              <a:buNone/>
-            </a:pPr>
-            <a:r>
-              <a:rPr lang="en-US" sz="3200" b="1" i="1" dirty="0"/>
-              <a:t>Experienced</a:t>
-            </a:r>
-            <a:r>
-              <a:rPr lang="en-US" sz="3200" dirty="0"/>
-              <a:t>: Experienced in qualitative and quantitative analysis. Defines product or project metrics tied to business or user results and connects these metrics to decisions to influence major outcomes.</a:t>
-            </a:r>
-          </a:p>
-          <a:p>
-            <a:pPr marL="171467" indent="0">
-              <a:buNone/>
-            </a:pPr>
-            <a:r>
-              <a:rPr lang="en-US" sz="3200" b="1" i="1" dirty="0"/>
-              <a:t>Master</a:t>
-            </a:r>
-            <a:r>
-              <a:rPr lang="en-US" sz="3200" dirty="0"/>
-              <a:t>: Brings analytical thinking to everything they do, with a range and depth of experience. Anticipates the need for metrics and analysis early in the product and project discovery and design process, and iterates on metrics throughout the project.</a:t>
+            <a:r>
+              <a:rPr lang="en-US" b="1" dirty="0"/>
+              <a:t>Novice:</a:t>
+            </a:r>
+            <a:r>
+              <a:rPr lang="en-US" dirty="0"/>
+              <a:t> Unable to break down problems or only talks through problems at a high level. Does not make data-driven decisions. May have classroom education in analysis.</a:t>
+            </a:r>
+          </a:p>
+          <a:p>
+            <a:r>
+              <a:rPr lang="en-US" b="1" dirty="0"/>
+              <a:t>Competent:</a:t>
+            </a:r>
+            <a:r>
+              <a:rPr lang="en-US" dirty="0"/>
+              <a:t> Displays some critical thinking and problem-solving abilities. May start to break a problem down in component parts, but cannot do so completely without help in some situations. Able to identify basic product or project metrics but does not fully connect these to business or user value.</a:t>
+            </a:r>
+          </a:p>
+          <a:p>
+            <a:r>
+              <a:rPr lang="en-US" b="1" dirty="0"/>
+              <a:t>Advanced (minimum required for GS-13):</a:t>
+            </a:r>
+            <a:r>
+              <a:rPr lang="en-US" dirty="0"/>
+              <a:t> Breaks problems down into component parts. Displays repeated experience in qualitative and quantitative analysis. Defines product or project metrics beyond the basics and ties these metrics to decisions.</a:t>
+            </a:r>
+          </a:p>
+          <a:p>
+            <a:r>
+              <a:rPr lang="en-US" b="1" dirty="0"/>
+              <a:t>Expert:</a:t>
+            </a:r>
+            <a:r>
+              <a:rPr lang="en-US" dirty="0"/>
+              <a:t> Brings analytical thinking to everything they do, and has a range and depth of experience doing so. Anticipates the need for metrics and analysis early in the product and project discovery and design process, and carries metrics through iterations.</a:t>
             </a:r>
           </a:p>
         </p:txBody>
@@ -9703,161 +9598,6 @@
 </file>
 
 <file path=ppt/slides/slide17.xml><?xml version="1.0" encoding="utf-8"?>
-<p:sld xmlns:a="http://schemas.openxmlformats.org/drawingml/2006/main" xmlns:r="http://schemas.openxmlformats.org/officeDocument/2006/relationships" xmlns:p="http://schemas.openxmlformats.org/presentationml/2006/main" show="0">
-  <p:cSld>
-    <p:spTree>
-      <p:nvGrpSpPr>
-        <p:cNvPr id="1" name=""/>
-        <p:cNvGrpSpPr/>
-        <p:nvPr/>
-      </p:nvGrpSpPr>
-      <p:grpSpPr>
-        <a:xfrm>
-          <a:off x="0" y="0"/>
-          <a:ext cx="0" cy="0"/>
-          <a:chOff x="0" y="0"/>
-          <a:chExt cx="0" cy="0"/>
-        </a:xfrm>
-      </p:grpSpPr>
-      <p:sp>
-        <p:nvSpPr>
-          <p:cNvPr id="2" name="Title 1">
-            <a:extLst>
-              <a:ext uri="{FF2B5EF4-FFF2-40B4-BE49-F238E27FC236}">
-                <a16:creationId xmlns:a16="http://schemas.microsoft.com/office/drawing/2014/main" id="{DDE9DDD5-5CC9-FC40-9EED-5D61EE4977C9}"/>
-              </a:ext>
-            </a:extLst>
-          </p:cNvPr>
-          <p:cNvSpPr>
-            <a:spLocks noGrp="1"/>
-          </p:cNvSpPr>
-          <p:nvPr>
-            <p:ph type="title"/>
-          </p:nvPr>
-        </p:nvSpPr>
-        <p:spPr/>
-        <p:txBody>
-          <a:bodyPr/>
-          <a:lstStyle/>
-          <a:p>
-            <a:r>
-              <a:rPr lang="en-US" dirty="0"/>
-              <a:t>Create proficiency levels for EACH competency</a:t>
-            </a:r>
-          </a:p>
-        </p:txBody>
-      </p:sp>
-      <p:sp>
-        <p:nvSpPr>
-          <p:cNvPr id="3" name="Text Placeholder 2">
-            <a:extLst>
-              <a:ext uri="{FF2B5EF4-FFF2-40B4-BE49-F238E27FC236}">
-                <a16:creationId xmlns:a16="http://schemas.microsoft.com/office/drawing/2014/main" id="{8CD0B099-CC26-0341-8B45-9D95DB490FA8}"/>
-              </a:ext>
-            </a:extLst>
-          </p:cNvPr>
-          <p:cNvSpPr>
-            <a:spLocks noGrp="1"/>
-          </p:cNvSpPr>
-          <p:nvPr>
-            <p:ph type="body" idx="1"/>
-          </p:nvPr>
-        </p:nvSpPr>
-        <p:spPr>
-          <a:xfrm>
-            <a:off x="476250" y="1219200"/>
-            <a:ext cx="16344899" cy="8229600"/>
-          </a:xfrm>
-        </p:spPr>
-        <p:txBody>
-          <a:bodyPr>
-            <a:normAutofit/>
-          </a:bodyPr>
-          <a:lstStyle/>
-          <a:p>
-            <a:pPr marL="171467" indent="0">
-              <a:buNone/>
-            </a:pPr>
-            <a:r>
-              <a:rPr lang="en-US" sz="2400" b="1" dirty="0"/>
-              <a:t>Example Competency: Stakeholder Engagement</a:t>
-            </a:r>
-            <a:br>
-              <a:rPr lang="en-US" sz="2400" b="1" dirty="0"/>
-            </a:br>
-            <a:r>
-              <a:rPr lang="en-US" sz="2400" dirty="0"/>
-              <a:t>Cultivates relationships with key internal and external stakeholders. Uses negotiation skills to effectively communicate and cooperate.</a:t>
-            </a:r>
-          </a:p>
-          <a:p>
-            <a:pPr marL="171467" indent="0">
-              <a:buNone/>
-            </a:pPr>
-            <a:r>
-              <a:rPr lang="en-US" sz="2400" b="1" i="1" dirty="0"/>
-              <a:t>Unfamiliar</a:t>
-            </a:r>
-            <a:r>
-              <a:rPr lang="en-US" sz="2400" dirty="0"/>
-              <a:t>: Understands that strategic stakeholder alliances and communication is important, but has not developed these skills beyond communicated with extensive support from their manager.</a:t>
-            </a:r>
-          </a:p>
-          <a:p>
-            <a:pPr marL="171467" indent="0">
-              <a:buNone/>
-            </a:pPr>
-            <a:r>
-              <a:rPr lang="en-US" sz="2400" b="1" i="1" dirty="0"/>
-              <a:t>Familiar</a:t>
-            </a:r>
-            <a:r>
-              <a:rPr lang="en-US" sz="2400" dirty="0"/>
-              <a:t>: Can identify a key stakeholder and a strategies for effective engagement, but has limited experience working with stakeholders without managerial support.</a:t>
-            </a:r>
-          </a:p>
-          <a:p>
-            <a:pPr marL="171467" indent="0">
-              <a:buNone/>
-            </a:pPr>
-            <a:r>
-              <a:rPr lang="en-US" sz="2400" b="1" i="1" dirty="0"/>
-              <a:t>Experienced</a:t>
-            </a:r>
-            <a:r>
-              <a:rPr lang="en-US" sz="2400" dirty="0"/>
-              <a:t>: </a:t>
-            </a:r>
-          </a:p>
-          <a:p>
-            <a:pPr marL="171467" indent="0">
-              <a:buNone/>
-            </a:pPr>
-            <a:r>
-              <a:rPr lang="en-US" sz="2400" b="1" i="1" dirty="0"/>
-              <a:t>Master</a:t>
-            </a:r>
-            <a:r>
-              <a:rPr lang="en-US" sz="2400" dirty="0"/>
-              <a:t>: Provides examples and demonstrates the ability to manage multiple key stakeholders, including executives, with varying levels of influence during a project or across multiple projects.</a:t>
-            </a:r>
-          </a:p>
-        </p:txBody>
-      </p:sp>
-    </p:spTree>
-    <p:extLst>
-      <p:ext uri="{BB962C8B-B14F-4D97-AF65-F5344CB8AC3E}">
-        <p14:creationId xmlns:p14="http://schemas.microsoft.com/office/powerpoint/2010/main" val="699470064"/>
-      </p:ext>
-    </p:extLst>
-  </p:cSld>
-  <p:clrMapOvr>
-    <a:masterClrMapping/>
-  </p:clrMapOvr>
-</p:sld>
-</file>
-
-<file path=ppt/slides/slide18.xml><?xml version="1.0" encoding="utf-8"?>
 <p:sld xmlns:a="http://schemas.openxmlformats.org/drawingml/2006/main" xmlns:r="http://schemas.openxmlformats.org/officeDocument/2006/relationships" xmlns:p="http://schemas.openxmlformats.org/presentationml/2006/main">
   <p:cSld>
     <p:spTree>
@@ -9977,7 +9717,7 @@
 </p:sld>
 </file>
 
-<file path=ppt/slides/slide19.xml><?xml version="1.0" encoding="utf-8"?>
+<file path=ppt/slides/slide18.xml><?xml version="1.0" encoding="utf-8"?>
 <p:sld xmlns:a="http://schemas.openxmlformats.org/drawingml/2006/main" xmlns:r="http://schemas.openxmlformats.org/officeDocument/2006/relationships" xmlns:p="http://schemas.openxmlformats.org/presentationml/2006/main">
   <p:cSld>
     <p:spTree>
@@ -10034,6 +9774,144 @@
         </p:txBody>
       </p:sp>
     </p:spTree>
+  </p:cSld>
+  <p:clrMapOvr>
+    <a:masterClrMapping/>
+  </p:clrMapOvr>
+</p:sld>
+</file>
+
+<file path=ppt/slides/slide19.xml><?xml version="1.0" encoding="utf-8"?>
+<p:sld xmlns:a="http://schemas.openxmlformats.org/drawingml/2006/main" xmlns:r="http://schemas.openxmlformats.org/officeDocument/2006/relationships" xmlns:p="http://schemas.openxmlformats.org/presentationml/2006/main">
+  <p:cSld>
+    <p:bg>
+      <p:bgPr>
+        <a:solidFill>
+          <a:srgbClr val="FFFF00"/>
+        </a:solidFill>
+        <a:effectLst/>
+      </p:bgPr>
+    </p:bg>
+    <p:spTree>
+      <p:nvGrpSpPr>
+        <p:cNvPr id="1" name=""/>
+        <p:cNvGrpSpPr/>
+        <p:nvPr/>
+      </p:nvGrpSpPr>
+      <p:grpSpPr>
+        <a:xfrm>
+          <a:off x="0" y="0"/>
+          <a:ext cx="0" cy="0"/>
+          <a:chOff x="0" y="0"/>
+          <a:chExt cx="0" cy="0"/>
+        </a:xfrm>
+      </p:grpSpPr>
+      <p:sp>
+        <p:nvSpPr>
+          <p:cNvPr id="2" name="Title 1">
+            <a:extLst>
+              <a:ext uri="{FF2B5EF4-FFF2-40B4-BE49-F238E27FC236}">
+                <a16:creationId xmlns:a16="http://schemas.microsoft.com/office/drawing/2014/main" id="{A4932B72-DF93-D54D-850F-12928960533A}"/>
+              </a:ext>
+            </a:extLst>
+          </p:cNvPr>
+          <p:cNvSpPr>
+            <a:spLocks noGrp="1"/>
+          </p:cNvSpPr>
+          <p:nvPr>
+            <p:ph type="title"/>
+          </p:nvPr>
+        </p:nvSpPr>
+        <p:spPr/>
+        <p:txBody>
+          <a:bodyPr/>
+          <a:lstStyle/>
+          <a:p>
+            <a:r>
+              <a:rPr lang="en-US" dirty="0"/>
+              <a:t>&lt;Delete THIS SLIDE BEFORE PRESENTING&gt;</a:t>
+            </a:r>
+          </a:p>
+        </p:txBody>
+      </p:sp>
+      <p:sp>
+        <p:nvSpPr>
+          <p:cNvPr id="3" name="Text Placeholder 2">
+            <a:extLst>
+              <a:ext uri="{FF2B5EF4-FFF2-40B4-BE49-F238E27FC236}">
+                <a16:creationId xmlns:a16="http://schemas.microsoft.com/office/drawing/2014/main" id="{DD0C6529-1517-6D4F-B2C1-4578D2693A9A}"/>
+              </a:ext>
+            </a:extLst>
+          </p:cNvPr>
+          <p:cNvSpPr>
+            <a:spLocks noGrp="1"/>
+          </p:cNvSpPr>
+          <p:nvPr>
+            <p:ph type="body" idx="13"/>
+          </p:nvPr>
+        </p:nvSpPr>
+        <p:spPr/>
+        <p:txBody>
+          <a:bodyPr>
+            <a:normAutofit/>
+          </a:bodyPr>
+          <a:lstStyle/>
+          <a:p>
+            <a:r>
+              <a:rPr lang="en-US" b="1" dirty="0"/>
+              <a:t>PREPARE THE FOLLOWING BEFORE DAY 2</a:t>
+            </a:r>
+          </a:p>
+          <a:p>
+            <a:pPr marL="742967" indent="-571500">
+              <a:buClr>
+                <a:schemeClr val="tx2"/>
+              </a:buClr>
+              <a:buFont typeface="Arial" panose="020B0604020202020204" pitchFamily="34" charset="0"/>
+              <a:buChar char="•"/>
+            </a:pPr>
+            <a:r>
+              <a:rPr lang="en-US" dirty="0"/>
+              <a:t>Draft a JOA with competency names and definitions, the most critical job tasks from the job task exercise, and a few sentences from the PD that describes the position in the context of the agency. The team will review during day 2.</a:t>
+            </a:r>
+          </a:p>
+          <a:p>
+            <a:pPr marL="742967" indent="-571500">
+              <a:buClr>
+                <a:schemeClr val="tx2"/>
+              </a:buClr>
+              <a:buFont typeface="Arial" panose="020B0604020202020204" pitchFamily="34" charset="0"/>
+              <a:buChar char="•"/>
+            </a:pPr>
+            <a:r>
+              <a:rPr lang="en-US" dirty="0"/>
+              <a:t>Combine competencies and proficiencies into a single document.</a:t>
+            </a:r>
+          </a:p>
+          <a:p>
+            <a:pPr marL="742967" indent="-571500">
+              <a:buClr>
+                <a:schemeClr val="tx2"/>
+              </a:buClr>
+              <a:buFont typeface="Arial" panose="020B0604020202020204" pitchFamily="34" charset="0"/>
+              <a:buChar char="•"/>
+            </a:pPr>
+            <a:r>
+              <a:rPr lang="en-US" dirty="0"/>
+              <a:t>Reminder: Pull at least 2-3 resumes related to this job for practice resume review (Agency Talent Portal, LinkedIn, etc.) Aim to have 5 resumes so you have backup options.</a:t>
+            </a:r>
+          </a:p>
+          <a:p>
+            <a:endParaRPr lang="en-US" dirty="0"/>
+          </a:p>
+        </p:txBody>
+      </p:sp>
+    </p:spTree>
+    <p:extLst>
+      <p:ext uri="{BB962C8B-B14F-4D97-AF65-F5344CB8AC3E}">
+        <p14:creationId xmlns:p14="http://schemas.microsoft.com/office/powerpoint/2010/main" val="2239205312"/>
+      </p:ext>
+    </p:extLst>
   </p:cSld>
   <p:clrMapOvr>
     <a:masterClrMapping/>
@@ -10182,144 +10060,6 @@
 <file path=ppt/slides/slide20.xml><?xml version="1.0" encoding="utf-8"?>
 <p:sld xmlns:a="http://schemas.openxmlformats.org/drawingml/2006/main" xmlns:r="http://schemas.openxmlformats.org/officeDocument/2006/relationships" xmlns:p="http://schemas.openxmlformats.org/presentationml/2006/main">
   <p:cSld>
-    <p:bg>
-      <p:bgPr>
-        <a:solidFill>
-          <a:srgbClr val="FFFF00"/>
-        </a:solidFill>
-        <a:effectLst/>
-      </p:bgPr>
-    </p:bg>
-    <p:spTree>
-      <p:nvGrpSpPr>
-        <p:cNvPr id="1" name=""/>
-        <p:cNvGrpSpPr/>
-        <p:nvPr/>
-      </p:nvGrpSpPr>
-      <p:grpSpPr>
-        <a:xfrm>
-          <a:off x="0" y="0"/>
-          <a:ext cx="0" cy="0"/>
-          <a:chOff x="0" y="0"/>
-          <a:chExt cx="0" cy="0"/>
-        </a:xfrm>
-      </p:grpSpPr>
-      <p:sp>
-        <p:nvSpPr>
-          <p:cNvPr id="2" name="Title 1">
-            <a:extLst>
-              <a:ext uri="{FF2B5EF4-FFF2-40B4-BE49-F238E27FC236}">
-                <a16:creationId xmlns:a16="http://schemas.microsoft.com/office/drawing/2014/main" id="{A4932B72-DF93-D54D-850F-12928960533A}"/>
-              </a:ext>
-            </a:extLst>
-          </p:cNvPr>
-          <p:cNvSpPr>
-            <a:spLocks noGrp="1"/>
-          </p:cNvSpPr>
-          <p:nvPr>
-            <p:ph type="title"/>
-          </p:nvPr>
-        </p:nvSpPr>
-        <p:spPr/>
-        <p:txBody>
-          <a:bodyPr/>
-          <a:lstStyle/>
-          <a:p>
-            <a:r>
-              <a:rPr lang="en-US" dirty="0"/>
-              <a:t>&lt;Delete THIS SLIDE BEFORE PRESENTING&gt;</a:t>
-            </a:r>
-          </a:p>
-        </p:txBody>
-      </p:sp>
-      <p:sp>
-        <p:nvSpPr>
-          <p:cNvPr id="3" name="Text Placeholder 2">
-            <a:extLst>
-              <a:ext uri="{FF2B5EF4-FFF2-40B4-BE49-F238E27FC236}">
-                <a16:creationId xmlns:a16="http://schemas.microsoft.com/office/drawing/2014/main" id="{DD0C6529-1517-6D4F-B2C1-4578D2693A9A}"/>
-              </a:ext>
-            </a:extLst>
-          </p:cNvPr>
-          <p:cNvSpPr>
-            <a:spLocks noGrp="1"/>
-          </p:cNvSpPr>
-          <p:nvPr>
-            <p:ph type="body" idx="13"/>
-          </p:nvPr>
-        </p:nvSpPr>
-        <p:spPr/>
-        <p:txBody>
-          <a:bodyPr>
-            <a:normAutofit/>
-          </a:bodyPr>
-          <a:lstStyle/>
-          <a:p>
-            <a:r>
-              <a:rPr lang="en-US" b="1" dirty="0"/>
-              <a:t>PREPARE THE FOLLOWING BEFORE DAY 2</a:t>
-            </a:r>
-          </a:p>
-          <a:p>
-            <a:pPr marL="742967" indent="-571500">
-              <a:buClr>
-                <a:schemeClr val="tx2"/>
-              </a:buClr>
-              <a:buFont typeface="Arial" panose="020B0604020202020204" pitchFamily="34" charset="0"/>
-              <a:buChar char="•"/>
-            </a:pPr>
-            <a:r>
-              <a:rPr lang="en-US" dirty="0"/>
-              <a:t>Draft a JOA with competency names and definitions, the most critical job tasks from the job task exercise, and a few sentences from the PD that describes the position in the context of the agency. The team will review during day 2.</a:t>
-            </a:r>
-          </a:p>
-          <a:p>
-            <a:pPr marL="742967" indent="-571500">
-              <a:buClr>
-                <a:schemeClr val="tx2"/>
-              </a:buClr>
-              <a:buFont typeface="Arial" panose="020B0604020202020204" pitchFamily="34" charset="0"/>
-              <a:buChar char="•"/>
-            </a:pPr>
-            <a:r>
-              <a:rPr lang="en-US" dirty="0"/>
-              <a:t>Combine competencies and proficiencies into a single document.</a:t>
-            </a:r>
-          </a:p>
-          <a:p>
-            <a:pPr marL="742967" indent="-571500">
-              <a:buClr>
-                <a:schemeClr val="tx2"/>
-              </a:buClr>
-              <a:buFont typeface="Arial" panose="020B0604020202020204" pitchFamily="34" charset="0"/>
-              <a:buChar char="•"/>
-            </a:pPr>
-            <a:r>
-              <a:rPr lang="en-US" dirty="0"/>
-              <a:t>Reminder: Pull at least 2-3 resumes related to this job for practice resume review (Agency Talent Portal, LinkedIn, etc.) Aim to have 5 resumes so you have backup options.</a:t>
-            </a:r>
-          </a:p>
-          <a:p>
-            <a:endParaRPr lang="en-US" dirty="0"/>
-          </a:p>
-        </p:txBody>
-      </p:sp>
-    </p:spTree>
-    <p:extLst>
-      <p:ext uri="{BB962C8B-B14F-4D97-AF65-F5344CB8AC3E}">
-        <p14:creationId xmlns:p14="http://schemas.microsoft.com/office/powerpoint/2010/main" val="2239205312"/>
-      </p:ext>
-    </p:extLst>
-  </p:cSld>
-  <p:clrMapOvr>
-    <a:masterClrMapping/>
-  </p:clrMapOvr>
-</p:sld>
-</file>
-
-<file path=ppt/slides/slide21.xml><?xml version="1.0" encoding="utf-8"?>
-<p:sld xmlns:a="http://schemas.openxmlformats.org/drawingml/2006/main" xmlns:r="http://schemas.openxmlformats.org/officeDocument/2006/relationships" xmlns:p="http://schemas.openxmlformats.org/presentationml/2006/main">
-  <p:cSld>
     <p:spTree>
       <p:nvGrpSpPr>
         <p:cNvPr id="1" name="Shape 307"/>
@@ -10386,7 +10126,7 @@
 </p:sld>
 </file>
 
-<file path=ppt/slides/slide22.xml><?xml version="1.0" encoding="utf-8"?>
+<file path=ppt/slides/slide21.xml><?xml version="1.0" encoding="utf-8"?>
 <p:sld xmlns:a="http://schemas.openxmlformats.org/drawingml/2006/main" xmlns:r="http://schemas.openxmlformats.org/officeDocument/2006/relationships" xmlns:p="http://schemas.openxmlformats.org/presentationml/2006/main">
   <p:cSld>
     <p:spTree>
@@ -10450,7 +10190,7 @@
 </p:sld>
 </file>
 
-<file path=ppt/slides/slide23.xml><?xml version="1.0" encoding="utf-8"?>
+<file path=ppt/slides/slide22.xml><?xml version="1.0" encoding="utf-8"?>
 <p:sld xmlns:a="http://schemas.openxmlformats.org/drawingml/2006/main" xmlns:r="http://schemas.openxmlformats.org/officeDocument/2006/relationships" xmlns:p="http://schemas.openxmlformats.org/presentationml/2006/main">
   <p:cSld>
     <p:spTree>
@@ -10543,7 +10283,7 @@
 </p:sld>
 </file>
 
-<file path=ppt/slides/slide24.xml><?xml version="1.0" encoding="utf-8"?>
+<file path=ppt/slides/slide23.xml><?xml version="1.0" encoding="utf-8"?>
 <p:sld xmlns:a="http://schemas.openxmlformats.org/drawingml/2006/main" xmlns:r="http://schemas.openxmlformats.org/officeDocument/2006/relationships" xmlns:p="http://schemas.openxmlformats.org/presentationml/2006/main">
   <p:cSld>
     <p:spTree>
@@ -10686,7 +10426,7 @@
 </p:sld>
 </file>
 
-<file path=ppt/slides/slide25.xml><?xml version="1.0" encoding="utf-8"?>
+<file path=ppt/slides/slide24.xml><?xml version="1.0" encoding="utf-8"?>
 <p:sld xmlns:a="http://schemas.openxmlformats.org/drawingml/2006/main" xmlns:r="http://schemas.openxmlformats.org/officeDocument/2006/relationships" xmlns:p="http://schemas.openxmlformats.org/presentationml/2006/main">
   <p:cSld>
     <p:spTree>
@@ -10752,7 +10492,7 @@
 </p:sld>
 </file>
 
-<file path=ppt/slides/slide26.xml><?xml version="1.0" encoding="utf-8"?>
+<file path=ppt/slides/slide25.xml><?xml version="1.0" encoding="utf-8"?>
 <p:sld xmlns:a="http://schemas.openxmlformats.org/drawingml/2006/main" xmlns:r="http://schemas.openxmlformats.org/officeDocument/2006/relationships" xmlns:p="http://schemas.openxmlformats.org/presentationml/2006/main">
   <p:cSld>
     <p:spTree>
@@ -10829,7 +10569,7 @@
 </p:sld>
 </file>
 
-<file path=ppt/slides/slide27.xml><?xml version="1.0" encoding="utf-8"?>
+<file path=ppt/slides/slide26.xml><?xml version="1.0" encoding="utf-8"?>
 <p:sld xmlns:a="http://schemas.openxmlformats.org/drawingml/2006/main" xmlns:r="http://schemas.openxmlformats.org/officeDocument/2006/relationships" xmlns:p="http://schemas.openxmlformats.org/presentationml/2006/main">
   <p:cSld>
     <p:spTree>
@@ -10939,6 +10679,140 @@
     <p:extLst>
       <p:ext uri="{BB962C8B-B14F-4D97-AF65-F5344CB8AC3E}">
         <p14:creationId xmlns:p14="http://schemas.microsoft.com/office/powerpoint/2010/main" val="715038746"/>
+      </p:ext>
+    </p:extLst>
+  </p:cSld>
+  <p:clrMapOvr>
+    <a:masterClrMapping/>
+  </p:clrMapOvr>
+</p:sld>
+</file>
+
+<file path=ppt/slides/slide27.xml><?xml version="1.0" encoding="utf-8"?>
+<p:sld xmlns:a="http://schemas.openxmlformats.org/drawingml/2006/main" xmlns:r="http://schemas.openxmlformats.org/officeDocument/2006/relationships" xmlns:p="http://schemas.openxmlformats.org/presentationml/2006/main">
+  <p:cSld>
+    <p:spTree>
+      <p:nvGrpSpPr>
+        <p:cNvPr id="1" name=""/>
+        <p:cNvGrpSpPr/>
+        <p:nvPr/>
+      </p:nvGrpSpPr>
+      <p:grpSpPr>
+        <a:xfrm>
+          <a:off x="0" y="0"/>
+          <a:ext cx="0" cy="0"/>
+          <a:chOff x="0" y="0"/>
+          <a:chExt cx="0" cy="0"/>
+        </a:xfrm>
+      </p:grpSpPr>
+      <p:sp>
+        <p:nvSpPr>
+          <p:cNvPr id="2" name="Title 1">
+            <a:extLst>
+              <a:ext uri="{FF2B5EF4-FFF2-40B4-BE49-F238E27FC236}">
+                <a16:creationId xmlns:a16="http://schemas.microsoft.com/office/drawing/2014/main" id="{71EDF02E-0DE9-BF4E-A668-580998E2EC27}"/>
+              </a:ext>
+            </a:extLst>
+          </p:cNvPr>
+          <p:cNvSpPr>
+            <a:spLocks noGrp="1"/>
+          </p:cNvSpPr>
+          <p:nvPr>
+            <p:ph type="title"/>
+          </p:nvPr>
+        </p:nvSpPr>
+        <p:spPr/>
+        <p:txBody>
+          <a:bodyPr/>
+          <a:lstStyle/>
+          <a:p>
+            <a:r>
+              <a:rPr lang="en-US" dirty="0"/>
+              <a:t>Decide Assessment Types</a:t>
+            </a:r>
+          </a:p>
+        </p:txBody>
+      </p:sp>
+      <p:sp>
+        <p:nvSpPr>
+          <p:cNvPr id="3" name="Text Placeholder 2">
+            <a:extLst>
+              <a:ext uri="{FF2B5EF4-FFF2-40B4-BE49-F238E27FC236}">
+                <a16:creationId xmlns:a16="http://schemas.microsoft.com/office/drawing/2014/main" id="{B80BD65C-0B2C-FD43-BEFF-F5280438C64F}"/>
+              </a:ext>
+            </a:extLst>
+          </p:cNvPr>
+          <p:cNvSpPr>
+            <a:spLocks noGrp="1"/>
+          </p:cNvSpPr>
+          <p:nvPr>
+            <p:ph type="body" idx="1"/>
+          </p:nvPr>
+        </p:nvSpPr>
+        <p:spPr/>
+        <p:txBody>
+          <a:bodyPr>
+            <a:normAutofit fontScale="92500" lnSpcReduction="20000"/>
+          </a:bodyPr>
+          <a:lstStyle/>
+          <a:p>
+            <a:r>
+              <a:rPr lang="en-US" dirty="0"/>
+              <a:t>Based on your competencies, determine initial plan for assessments using one or more of the following. Options include:</a:t>
+            </a:r>
+          </a:p>
+          <a:p>
+            <a:pPr lvl="1"/>
+            <a:r>
+              <a:rPr lang="en-US" dirty="0"/>
+              <a:t>Structured phone interviews</a:t>
+            </a:r>
+          </a:p>
+          <a:p>
+            <a:pPr lvl="1"/>
+            <a:r>
+              <a:rPr lang="en-US" dirty="0"/>
+              <a:t>Written assessments</a:t>
+            </a:r>
+          </a:p>
+          <a:p>
+            <a:pPr lvl="1"/>
+            <a:r>
+              <a:rPr lang="en-US" dirty="0"/>
+              <a:t>Asynchronous recorded interviews</a:t>
+            </a:r>
+          </a:p>
+          <a:p>
+            <a:pPr lvl="1"/>
+            <a:r>
+              <a:rPr lang="en-US" dirty="0" err="1"/>
+              <a:t>USAHire</a:t>
+            </a:r>
+            <a:r>
+              <a:rPr lang="en-US" dirty="0"/>
+              <a:t> assessments</a:t>
+            </a:r>
+          </a:p>
+          <a:p>
+            <a:r>
+              <a:rPr lang="en-US" dirty="0"/>
+              <a:t>Assessment must test applicants in </a:t>
+            </a:r>
+            <a:r>
+              <a:rPr lang="en-US" u="sng" dirty="0"/>
+              <a:t>different</a:t>
+            </a:r>
+            <a:r>
+              <a:rPr lang="en-US" dirty="0"/>
+              <a:t> ways so you can legally eliminate unqualified applicants after each assessment round. Each assessment does not have to evaluate every competency.</a:t>
+            </a:r>
+          </a:p>
+        </p:txBody>
+      </p:sp>
+    </p:spTree>
+    <p:extLst>
+      <p:ext uri="{BB962C8B-B14F-4D97-AF65-F5344CB8AC3E}">
+        <p14:creationId xmlns:p14="http://schemas.microsoft.com/office/powerpoint/2010/main" val="234458494"/>
       </p:ext>
     </p:extLst>
   </p:cSld>
@@ -10988,7 +10862,7 @@
           <a:p>
             <a:r>
               <a:rPr lang="en-US" dirty="0"/>
-              <a:t>Decide Assessment Types</a:t>
+              <a:t>Brainstorm assessment questions</a:t>
             </a:r>
           </a:p>
         </p:txBody>
@@ -11012,59 +10886,34 @@
         <p:spPr/>
         <p:txBody>
           <a:bodyPr>
-            <a:normAutofit fontScale="92500" lnSpcReduction="20000"/>
+            <a:normAutofit/>
           </a:bodyPr>
           <a:lstStyle/>
           <a:p>
             <a:r>
               <a:rPr lang="en-US" dirty="0"/>
-              <a:t>Based on your competencies, determine initial plan for assessments using one or more of the following. Options include:</a:t>
+              <a:t>Next, we’ll create questions. Some example question types.</a:t>
             </a:r>
           </a:p>
           <a:p>
             <a:pPr lvl="1"/>
             <a:r>
               <a:rPr lang="en-US" dirty="0"/>
-              <a:t>Structured phone interviews</a:t>
+              <a:t>Past experience: “Tell me about a time…”</a:t>
             </a:r>
           </a:p>
           <a:p>
             <a:pPr lvl="1"/>
             <a:r>
               <a:rPr lang="en-US" dirty="0"/>
-              <a:t>Written assessments</a:t>
+              <a:t>Hypothetical situation: “Imagine we have a problem with…”</a:t>
             </a:r>
           </a:p>
           <a:p>
             <a:pPr lvl="1"/>
             <a:r>
               <a:rPr lang="en-US" dirty="0"/>
-              <a:t>Asynchronous recorded interviews</a:t>
-            </a:r>
-          </a:p>
-          <a:p>
-            <a:pPr lvl="1"/>
-            <a:r>
-              <a:rPr lang="en-US" dirty="0" err="1"/>
-              <a:t>USAHire</a:t>
-            </a:r>
-            <a:r>
-              <a:rPr lang="en-US" dirty="0"/>
-              <a:t> assessments</a:t>
-            </a:r>
-          </a:p>
-          <a:p>
-            <a:r>
-              <a:rPr lang="en-US" dirty="0"/>
-              <a:t>Assessment must test applicants in </a:t>
-            </a:r>
-            <a:r>
-              <a:rPr lang="en-US" u="sng" dirty="0"/>
-              <a:t>different</a:t>
-            </a:r>
-            <a:r>
-              <a:rPr lang="en-US" dirty="0"/>
-              <a:t> ways so you can legally eliminate unqualified applicants after each assessment round. Each assessment does not have to evaluate every competency.</a:t>
+              <a:t>Applicant’s viewpoint: “What do you think about…”</a:t>
             </a:r>
           </a:p>
         </p:txBody>
@@ -11072,7 +10921,7 @@
     </p:spTree>
     <p:extLst>
       <p:ext uri="{BB962C8B-B14F-4D97-AF65-F5344CB8AC3E}">
-        <p14:creationId xmlns:p14="http://schemas.microsoft.com/office/powerpoint/2010/main" val="234458494"/>
+        <p14:creationId xmlns:p14="http://schemas.microsoft.com/office/powerpoint/2010/main" val="3085537343"/>
       </p:ext>
     </p:extLst>
   </p:cSld>
@@ -11101,10 +10950,10 @@
       </p:grpSpPr>
       <p:sp>
         <p:nvSpPr>
-          <p:cNvPr id="2" name="Title 1">
+          <p:cNvPr id="4" name="Title 3">
             <a:extLst>
               <a:ext uri="{FF2B5EF4-FFF2-40B4-BE49-F238E27FC236}">
-                <a16:creationId xmlns:a16="http://schemas.microsoft.com/office/drawing/2014/main" id="{71EDF02E-0DE9-BF4E-A668-580998E2EC27}"/>
+                <a16:creationId xmlns:a16="http://schemas.microsoft.com/office/drawing/2014/main" id="{AE90C0D7-6A34-964F-8E33-5E36603A25C5}"/>
               </a:ext>
             </a:extLst>
           </p:cNvPr>
@@ -11115,73 +10964,1147 @@
             <p:ph type="title"/>
           </p:nvPr>
         </p:nvSpPr>
-        <p:spPr/>
+        <p:spPr>
+          <a:xfrm>
+            <a:off x="1268344" y="519298"/>
+            <a:ext cx="7039768" cy="1290459"/>
+          </a:xfrm>
+        </p:spPr>
         <p:txBody>
           <a:bodyPr/>
           <a:lstStyle/>
           <a:p>
             <a:r>
               <a:rPr lang="en-US" dirty="0"/>
-              <a:t>Brainstorm assessment questions</a:t>
+              <a:t>Breadth questions</a:t>
             </a:r>
           </a:p>
         </p:txBody>
       </p:sp>
       <p:sp>
         <p:nvSpPr>
-          <p:cNvPr id="3" name="Text Placeholder 2">
+          <p:cNvPr id="6" name="Text Placeholder 2">
             <a:extLst>
               <a:ext uri="{FF2B5EF4-FFF2-40B4-BE49-F238E27FC236}">
-                <a16:creationId xmlns:a16="http://schemas.microsoft.com/office/drawing/2014/main" id="{B80BD65C-0B2C-FD43-BEFF-F5280438C64F}"/>
+                <a16:creationId xmlns:a16="http://schemas.microsoft.com/office/drawing/2014/main" id="{CC2E7D81-A3D8-E140-B023-A4C267EF860A}"/>
               </a:ext>
             </a:extLst>
           </p:cNvPr>
-          <p:cNvSpPr>
-            <a:spLocks noGrp="1"/>
+          <p:cNvSpPr txBox="1">
+            <a:spLocks/>
           </p:cNvSpPr>
-          <p:nvPr>
-            <p:ph type="body" idx="1"/>
-          </p:nvPr>
+          <p:nvPr/>
         </p:nvSpPr>
-        <p:spPr/>
+        <p:spPr>
+          <a:xfrm>
+            <a:off x="1268344" y="1993900"/>
+            <a:ext cx="6887369" cy="7131050"/>
+          </a:xfrm>
+          <a:prstGeom prst="rect">
+            <a:avLst/>
+          </a:prstGeom>
+          <a:noFill/>
+          <a:ln>
+            <a:noFill/>
+          </a:ln>
+        </p:spPr>
         <p:txBody>
-          <a:bodyPr>
-            <a:normAutofit/>
+          <a:bodyPr spcFirstLastPara="1" wrap="square" lIns="0" tIns="0" rIns="0" bIns="0" anchor="t" anchorCtr="0">
+            <a:normAutofit fontScale="77500" lnSpcReduction="20000"/>
           </a:bodyPr>
+          <a:lstStyle>
+            <a:defPPr marR="0" lvl="0" algn="l" rtl="0">
+              <a:lnSpc>
+                <a:spcPct val="100000"/>
+              </a:lnSpc>
+              <a:spcBef>
+                <a:spcPts val="0"/>
+              </a:spcBef>
+              <a:spcAft>
+                <a:spcPts val="0"/>
+              </a:spcAft>
+            </a:defPPr>
+            <a:lvl1pPr marL="457246" marR="0" lvl="0" indent="-285779" algn="l" rtl="0">
+              <a:lnSpc>
+                <a:spcPct val="100000"/>
+              </a:lnSpc>
+              <a:spcBef>
+                <a:spcPts val="4200"/>
+              </a:spcBef>
+              <a:spcAft>
+                <a:spcPts val="0"/>
+              </a:spcAft>
+              <a:buClr>
+                <a:srgbClr val="0D71BC"/>
+              </a:buClr>
+              <a:buSzPct val="112000"/>
+              <a:buFont typeface="Arial" panose="020B0604020202020204" pitchFamily="34" charset="0"/>
+              <a:buChar char="•"/>
+              <a:defRPr sz="3600" b="0" i="0" u="none" strike="noStrike" cap="none">
+                <a:solidFill>
+                  <a:srgbClr val="0D71BC"/>
+                </a:solidFill>
+                <a:latin typeface="Source Sans Pro" panose="020B0503030403020204" pitchFamily="34" charset="0"/>
+                <a:ea typeface="Source Sans Pro" panose="020B0503030403020204" pitchFamily="34" charset="0"/>
+                <a:cs typeface="Avenir"/>
+                <a:sym typeface="Avenir"/>
+              </a:defRPr>
+            </a:lvl1pPr>
+            <a:lvl2pPr marL="914492" marR="0" lvl="1" indent="-285779" algn="l" rtl="0">
+              <a:lnSpc>
+                <a:spcPct val="100000"/>
+              </a:lnSpc>
+              <a:spcBef>
+                <a:spcPts val="4200"/>
+              </a:spcBef>
+              <a:spcAft>
+                <a:spcPts val="0"/>
+              </a:spcAft>
+              <a:buClr>
+                <a:srgbClr val="0D71BC"/>
+              </a:buClr>
+              <a:buSzPct val="112000"/>
+              <a:buFont typeface="Arial" panose="020B0604020202020204" pitchFamily="34" charset="0"/>
+              <a:buChar char="•"/>
+              <a:defRPr sz="3600" b="0" i="0" u="none" strike="noStrike" cap="none">
+                <a:solidFill>
+                  <a:srgbClr val="0D71BC"/>
+                </a:solidFill>
+                <a:latin typeface="Source Sans Pro" panose="020B0503030403020204" pitchFamily="34" charset="0"/>
+                <a:ea typeface="Source Sans Pro" panose="020B0503030403020204" pitchFamily="34" charset="0"/>
+                <a:cs typeface="Avenir"/>
+                <a:sym typeface="Avenir"/>
+              </a:defRPr>
+            </a:lvl2pPr>
+            <a:lvl3pPr marL="1371737" marR="0" lvl="2" indent="-314357" algn="l" rtl="0">
+              <a:lnSpc>
+                <a:spcPct val="100000"/>
+              </a:lnSpc>
+              <a:spcBef>
+                <a:spcPts val="4200"/>
+              </a:spcBef>
+              <a:spcAft>
+                <a:spcPts val="0"/>
+              </a:spcAft>
+              <a:buClr>
+                <a:srgbClr val="0D71BC"/>
+              </a:buClr>
+              <a:buSzPct val="112000"/>
+              <a:buFont typeface="Arial" panose="020B0604020202020204" pitchFamily="34" charset="0"/>
+              <a:buChar char="•"/>
+              <a:defRPr sz="3600" b="0" i="0" u="none" strike="noStrike" cap="none">
+                <a:solidFill>
+                  <a:srgbClr val="0D71BC"/>
+                </a:solidFill>
+                <a:latin typeface="Source Sans Pro" panose="020B0503030403020204" pitchFamily="34" charset="0"/>
+                <a:ea typeface="Source Sans Pro" panose="020B0503030403020204" pitchFamily="34" charset="0"/>
+                <a:cs typeface="Avenir"/>
+                <a:sym typeface="Avenir"/>
+              </a:defRPr>
+            </a:lvl3pPr>
+            <a:lvl4pPr marL="1828984" marR="0" lvl="3" indent="-314357" algn="l" rtl="0">
+              <a:lnSpc>
+                <a:spcPct val="100000"/>
+              </a:lnSpc>
+              <a:spcBef>
+                <a:spcPts val="4200"/>
+              </a:spcBef>
+              <a:spcAft>
+                <a:spcPts val="0"/>
+              </a:spcAft>
+              <a:buClr>
+                <a:srgbClr val="0D71BC"/>
+              </a:buClr>
+              <a:buSzPct val="112000"/>
+              <a:buFont typeface="Arial" panose="020B0604020202020204" pitchFamily="34" charset="0"/>
+              <a:buChar char="•"/>
+              <a:defRPr sz="3600" b="0" i="0" u="none" strike="noStrike" cap="none">
+                <a:solidFill>
+                  <a:srgbClr val="0D71BC"/>
+                </a:solidFill>
+                <a:latin typeface="Source Sans Pro" panose="020B0503030403020204" pitchFamily="34" charset="0"/>
+                <a:ea typeface="Source Sans Pro" panose="020B0503030403020204" pitchFamily="34" charset="0"/>
+                <a:cs typeface="Avenir"/>
+                <a:sym typeface="Avenir"/>
+              </a:defRPr>
+            </a:lvl4pPr>
+            <a:lvl5pPr marL="2286228" marR="0" lvl="4" indent="-314357" algn="l" rtl="0">
+              <a:lnSpc>
+                <a:spcPct val="100000"/>
+              </a:lnSpc>
+              <a:spcBef>
+                <a:spcPts val="4200"/>
+              </a:spcBef>
+              <a:spcAft>
+                <a:spcPts val="0"/>
+              </a:spcAft>
+              <a:buClr>
+                <a:srgbClr val="0D71BC"/>
+              </a:buClr>
+              <a:buSzPct val="112000"/>
+              <a:buFont typeface="Arial" panose="020B0604020202020204" pitchFamily="34" charset="0"/>
+              <a:buChar char="•"/>
+              <a:defRPr sz="3600" b="0" i="0" u="none" strike="noStrike" cap="none">
+                <a:solidFill>
+                  <a:srgbClr val="0D71BC"/>
+                </a:solidFill>
+                <a:latin typeface="Source Sans Pro" panose="020B0503030403020204" pitchFamily="34" charset="0"/>
+                <a:ea typeface="Source Sans Pro" panose="020B0503030403020204" pitchFamily="34" charset="0"/>
+                <a:cs typeface="Avenir"/>
+                <a:sym typeface="Avenir"/>
+              </a:defRPr>
+            </a:lvl5pPr>
+            <a:lvl6pPr marL="2743475" marR="0" lvl="5" indent="-314357" algn="l" rtl="0">
+              <a:lnSpc>
+                <a:spcPct val="100000"/>
+              </a:lnSpc>
+              <a:spcBef>
+                <a:spcPts val="4200"/>
+              </a:spcBef>
+              <a:spcAft>
+                <a:spcPts val="0"/>
+              </a:spcAft>
+              <a:buClr>
+                <a:srgbClr val="000000"/>
+              </a:buClr>
+              <a:buSzPts val="1350"/>
+              <a:buFont typeface="Rockwell"/>
+              <a:buChar char="•"/>
+              <a:defRPr sz="3600" b="0" i="0" u="none" strike="noStrike" cap="none">
+                <a:solidFill>
+                  <a:srgbClr val="000000"/>
+                </a:solidFill>
+                <a:latin typeface="Rockwell"/>
+                <a:ea typeface="Rockwell"/>
+                <a:cs typeface="Rockwell"/>
+                <a:sym typeface="Rockwell"/>
+              </a:defRPr>
+            </a:lvl6pPr>
+            <a:lvl7pPr marL="3200720" marR="0" lvl="6" indent="-314357" algn="l" rtl="0">
+              <a:lnSpc>
+                <a:spcPct val="100000"/>
+              </a:lnSpc>
+              <a:spcBef>
+                <a:spcPts val="4200"/>
+              </a:spcBef>
+              <a:spcAft>
+                <a:spcPts val="0"/>
+              </a:spcAft>
+              <a:buClr>
+                <a:srgbClr val="000000"/>
+              </a:buClr>
+              <a:buSzPts val="1350"/>
+              <a:buFont typeface="Rockwell"/>
+              <a:buChar char="•"/>
+              <a:defRPr sz="3600" b="0" i="0" u="none" strike="noStrike" cap="none">
+                <a:solidFill>
+                  <a:srgbClr val="000000"/>
+                </a:solidFill>
+                <a:latin typeface="Rockwell"/>
+                <a:ea typeface="Rockwell"/>
+                <a:cs typeface="Rockwell"/>
+                <a:sym typeface="Rockwell"/>
+              </a:defRPr>
+            </a:lvl7pPr>
+            <a:lvl8pPr marL="3657966" marR="0" lvl="7" indent="-314357" algn="l" rtl="0">
+              <a:lnSpc>
+                <a:spcPct val="100000"/>
+              </a:lnSpc>
+              <a:spcBef>
+                <a:spcPts val="4200"/>
+              </a:spcBef>
+              <a:spcAft>
+                <a:spcPts val="0"/>
+              </a:spcAft>
+              <a:buClr>
+                <a:srgbClr val="000000"/>
+              </a:buClr>
+              <a:buSzPts val="1350"/>
+              <a:buFont typeface="Rockwell"/>
+              <a:buChar char="•"/>
+              <a:defRPr sz="3600" b="0" i="0" u="none" strike="noStrike" cap="none">
+                <a:solidFill>
+                  <a:srgbClr val="000000"/>
+                </a:solidFill>
+                <a:latin typeface="Rockwell"/>
+                <a:ea typeface="Rockwell"/>
+                <a:cs typeface="Rockwell"/>
+                <a:sym typeface="Rockwell"/>
+              </a:defRPr>
+            </a:lvl8pPr>
+            <a:lvl9pPr marL="4115212" marR="0" lvl="8" indent="-314357" algn="l" rtl="0">
+              <a:lnSpc>
+                <a:spcPct val="100000"/>
+              </a:lnSpc>
+              <a:spcBef>
+                <a:spcPts val="4200"/>
+              </a:spcBef>
+              <a:spcAft>
+                <a:spcPts val="0"/>
+              </a:spcAft>
+              <a:buClr>
+                <a:srgbClr val="000000"/>
+              </a:buClr>
+              <a:buSzPts val="1350"/>
+              <a:buFont typeface="Rockwell"/>
+              <a:buChar char="•"/>
+              <a:defRPr sz="3600" b="0" i="0" u="none" strike="noStrike" cap="none">
+                <a:solidFill>
+                  <a:srgbClr val="000000"/>
+                </a:solidFill>
+                <a:latin typeface="Rockwell"/>
+                <a:ea typeface="Rockwell"/>
+                <a:cs typeface="Rockwell"/>
+                <a:sym typeface="Rockwell"/>
+              </a:defRPr>
+            </a:lvl9pPr>
+          </a:lstStyle>
+          <a:p>
+            <a:pPr>
+              <a:buClr>
+                <a:schemeClr val="tx2"/>
+              </a:buClr>
+            </a:pPr>
+            <a:r>
+              <a:rPr lang="en-US" dirty="0">
+                <a:solidFill>
+                  <a:schemeClr val="tx2"/>
+                </a:solidFill>
+                <a:latin typeface="Arial" panose="020B0604020202020204" pitchFamily="34" charset="0"/>
+                <a:cs typeface="Arial" panose="020B0604020202020204" pitchFamily="34" charset="0"/>
+              </a:rPr>
+              <a:t>The first interview tests the applicant’s </a:t>
+            </a:r>
+            <a:r>
+              <a:rPr lang="en-US" b="1" i="1" dirty="0">
+                <a:solidFill>
+                  <a:schemeClr val="tx2"/>
+                </a:solidFill>
+                <a:latin typeface="Arial" panose="020B0604020202020204" pitchFamily="34" charset="0"/>
+                <a:cs typeface="Arial" panose="020B0604020202020204" pitchFamily="34" charset="0"/>
+              </a:rPr>
+              <a:t>breadth of experience</a:t>
+            </a:r>
+            <a:r>
+              <a:rPr lang="en-US" b="1" dirty="0">
+                <a:solidFill>
+                  <a:schemeClr val="tx2"/>
+                </a:solidFill>
+                <a:latin typeface="Arial" panose="020B0604020202020204" pitchFamily="34" charset="0"/>
+                <a:cs typeface="Arial" panose="020B0604020202020204" pitchFamily="34" charset="0"/>
+              </a:rPr>
+              <a:t> </a:t>
+            </a:r>
+            <a:r>
+              <a:rPr lang="en-US" dirty="0">
+                <a:solidFill>
+                  <a:schemeClr val="tx2"/>
+                </a:solidFill>
+                <a:latin typeface="Arial" panose="020B0604020202020204" pitchFamily="34" charset="0"/>
+                <a:cs typeface="Arial" panose="020B0604020202020204" pitchFamily="34" charset="0"/>
+              </a:rPr>
+              <a:t>across the competencies.</a:t>
+            </a:r>
+          </a:p>
+          <a:p>
+            <a:pPr>
+              <a:buClr>
+                <a:schemeClr val="tx2"/>
+              </a:buClr>
+            </a:pPr>
+            <a:r>
+              <a:rPr lang="en-US" dirty="0">
+                <a:solidFill>
+                  <a:schemeClr val="tx2"/>
+                </a:solidFill>
+                <a:latin typeface="Arial" panose="020B0604020202020204" pitchFamily="34" charset="0"/>
+                <a:cs typeface="Arial" panose="020B0604020202020204" pitchFamily="34" charset="0"/>
+              </a:rPr>
+              <a:t>Breadth questions tend to take 5-10 minutes for an applicant to answer.</a:t>
+            </a:r>
+          </a:p>
+          <a:p>
+            <a:pPr>
+              <a:buClr>
+                <a:schemeClr val="tx2"/>
+              </a:buClr>
+            </a:pPr>
+            <a:r>
+              <a:rPr lang="en-US" dirty="0">
+                <a:solidFill>
+                  <a:schemeClr val="tx2"/>
+                </a:solidFill>
+                <a:latin typeface="Arial" panose="020B0604020202020204" pitchFamily="34" charset="0"/>
+                <a:cs typeface="Arial" panose="020B0604020202020204" pitchFamily="34" charset="0"/>
+              </a:rPr>
+              <a:t>Breadth questions test if an applicant has experience, knowledge, or exposure to a general topic.</a:t>
+            </a:r>
+          </a:p>
+          <a:p>
+            <a:pPr>
+              <a:buClr>
+                <a:schemeClr val="tx2"/>
+              </a:buClr>
+            </a:pPr>
+            <a:r>
+              <a:rPr lang="en-US" dirty="0">
+                <a:solidFill>
+                  <a:schemeClr val="tx2"/>
+                </a:solidFill>
+                <a:latin typeface="Arial" panose="020B0604020202020204" pitchFamily="34" charset="0"/>
+                <a:cs typeface="Arial" panose="020B0604020202020204" pitchFamily="34" charset="0"/>
+              </a:rPr>
+              <a:t>Breadth: Limit follow up questions to basic probe questions (i.e., “What was your role?” or  “Can you tell me more?”)</a:t>
+            </a:r>
+          </a:p>
+        </p:txBody>
+      </p:sp>
+      <p:sp>
+        <p:nvSpPr>
+          <p:cNvPr id="7" name="Text Placeholder 2">
+            <a:extLst>
+              <a:ext uri="{FF2B5EF4-FFF2-40B4-BE49-F238E27FC236}">
+                <a16:creationId xmlns:a16="http://schemas.microsoft.com/office/drawing/2014/main" id="{0C03725A-973B-874F-AC9C-1B79D87F47DD}"/>
+              </a:ext>
+            </a:extLst>
+          </p:cNvPr>
+          <p:cNvSpPr txBox="1">
+            <a:spLocks/>
+          </p:cNvSpPr>
+          <p:nvPr/>
+        </p:nvSpPr>
+        <p:spPr>
+          <a:xfrm>
+            <a:off x="8670131" y="1993900"/>
+            <a:ext cx="6887369" cy="7131050"/>
+          </a:xfrm>
+          <a:prstGeom prst="rect">
+            <a:avLst/>
+          </a:prstGeom>
+          <a:noFill/>
+          <a:ln>
+            <a:noFill/>
+          </a:ln>
+        </p:spPr>
+        <p:txBody>
+          <a:bodyPr spcFirstLastPara="1" wrap="square" lIns="0" tIns="0" rIns="0" bIns="0" anchor="t" anchorCtr="0">
+            <a:normAutofit fontScale="77500" lnSpcReduction="20000"/>
+          </a:bodyPr>
+          <a:lstStyle>
+            <a:defPPr marR="0" lvl="0" algn="l" rtl="0">
+              <a:lnSpc>
+                <a:spcPct val="100000"/>
+              </a:lnSpc>
+              <a:spcBef>
+                <a:spcPts val="0"/>
+              </a:spcBef>
+              <a:spcAft>
+                <a:spcPts val="0"/>
+              </a:spcAft>
+            </a:defPPr>
+            <a:lvl1pPr marL="457246" marR="0" lvl="0" indent="-285779" algn="l" rtl="0">
+              <a:lnSpc>
+                <a:spcPct val="100000"/>
+              </a:lnSpc>
+              <a:spcBef>
+                <a:spcPts val="4200"/>
+              </a:spcBef>
+              <a:spcAft>
+                <a:spcPts val="0"/>
+              </a:spcAft>
+              <a:buClr>
+                <a:srgbClr val="0D71BC"/>
+              </a:buClr>
+              <a:buSzPct val="112000"/>
+              <a:buFont typeface="Arial" panose="020B0604020202020204" pitchFamily="34" charset="0"/>
+              <a:buChar char="•"/>
+              <a:defRPr sz="3600" b="0" i="0" u="none" strike="noStrike" cap="none">
+                <a:solidFill>
+                  <a:srgbClr val="0D71BC"/>
+                </a:solidFill>
+                <a:latin typeface="Source Sans Pro" panose="020B0503030403020204" pitchFamily="34" charset="0"/>
+                <a:ea typeface="Source Sans Pro" panose="020B0503030403020204" pitchFamily="34" charset="0"/>
+                <a:cs typeface="Avenir"/>
+                <a:sym typeface="Avenir"/>
+              </a:defRPr>
+            </a:lvl1pPr>
+            <a:lvl2pPr marL="914492" marR="0" lvl="1" indent="-285779" algn="l" rtl="0">
+              <a:lnSpc>
+                <a:spcPct val="100000"/>
+              </a:lnSpc>
+              <a:spcBef>
+                <a:spcPts val="4200"/>
+              </a:spcBef>
+              <a:spcAft>
+                <a:spcPts val="0"/>
+              </a:spcAft>
+              <a:buClr>
+                <a:srgbClr val="0D71BC"/>
+              </a:buClr>
+              <a:buSzPct val="112000"/>
+              <a:buFont typeface="Arial" panose="020B0604020202020204" pitchFamily="34" charset="0"/>
+              <a:buChar char="•"/>
+              <a:defRPr sz="3600" b="0" i="0" u="none" strike="noStrike" cap="none">
+                <a:solidFill>
+                  <a:srgbClr val="0D71BC"/>
+                </a:solidFill>
+                <a:latin typeface="Source Sans Pro" panose="020B0503030403020204" pitchFamily="34" charset="0"/>
+                <a:ea typeface="Source Sans Pro" panose="020B0503030403020204" pitchFamily="34" charset="0"/>
+                <a:cs typeface="Avenir"/>
+                <a:sym typeface="Avenir"/>
+              </a:defRPr>
+            </a:lvl2pPr>
+            <a:lvl3pPr marL="1371737" marR="0" lvl="2" indent="-314357" algn="l" rtl="0">
+              <a:lnSpc>
+                <a:spcPct val="100000"/>
+              </a:lnSpc>
+              <a:spcBef>
+                <a:spcPts val="4200"/>
+              </a:spcBef>
+              <a:spcAft>
+                <a:spcPts val="0"/>
+              </a:spcAft>
+              <a:buClr>
+                <a:srgbClr val="0D71BC"/>
+              </a:buClr>
+              <a:buSzPct val="112000"/>
+              <a:buFont typeface="Arial" panose="020B0604020202020204" pitchFamily="34" charset="0"/>
+              <a:buChar char="•"/>
+              <a:defRPr sz="3600" b="0" i="0" u="none" strike="noStrike" cap="none">
+                <a:solidFill>
+                  <a:srgbClr val="0D71BC"/>
+                </a:solidFill>
+                <a:latin typeface="Source Sans Pro" panose="020B0503030403020204" pitchFamily="34" charset="0"/>
+                <a:ea typeface="Source Sans Pro" panose="020B0503030403020204" pitchFamily="34" charset="0"/>
+                <a:cs typeface="Avenir"/>
+                <a:sym typeface="Avenir"/>
+              </a:defRPr>
+            </a:lvl3pPr>
+            <a:lvl4pPr marL="1828984" marR="0" lvl="3" indent="-314357" algn="l" rtl="0">
+              <a:lnSpc>
+                <a:spcPct val="100000"/>
+              </a:lnSpc>
+              <a:spcBef>
+                <a:spcPts val="4200"/>
+              </a:spcBef>
+              <a:spcAft>
+                <a:spcPts val="0"/>
+              </a:spcAft>
+              <a:buClr>
+                <a:srgbClr val="0D71BC"/>
+              </a:buClr>
+              <a:buSzPct val="112000"/>
+              <a:buFont typeface="Arial" panose="020B0604020202020204" pitchFamily="34" charset="0"/>
+              <a:buChar char="•"/>
+              <a:defRPr sz="3600" b="0" i="0" u="none" strike="noStrike" cap="none">
+                <a:solidFill>
+                  <a:srgbClr val="0D71BC"/>
+                </a:solidFill>
+                <a:latin typeface="Source Sans Pro" panose="020B0503030403020204" pitchFamily="34" charset="0"/>
+                <a:ea typeface="Source Sans Pro" panose="020B0503030403020204" pitchFamily="34" charset="0"/>
+                <a:cs typeface="Avenir"/>
+                <a:sym typeface="Avenir"/>
+              </a:defRPr>
+            </a:lvl4pPr>
+            <a:lvl5pPr marL="2286228" marR="0" lvl="4" indent="-314357" algn="l" rtl="0">
+              <a:lnSpc>
+                <a:spcPct val="100000"/>
+              </a:lnSpc>
+              <a:spcBef>
+                <a:spcPts val="4200"/>
+              </a:spcBef>
+              <a:spcAft>
+                <a:spcPts val="0"/>
+              </a:spcAft>
+              <a:buClr>
+                <a:srgbClr val="0D71BC"/>
+              </a:buClr>
+              <a:buSzPct val="112000"/>
+              <a:buFont typeface="Arial" panose="020B0604020202020204" pitchFamily="34" charset="0"/>
+              <a:buChar char="•"/>
+              <a:defRPr sz="3600" b="0" i="0" u="none" strike="noStrike" cap="none">
+                <a:solidFill>
+                  <a:srgbClr val="0D71BC"/>
+                </a:solidFill>
+                <a:latin typeface="Source Sans Pro" panose="020B0503030403020204" pitchFamily="34" charset="0"/>
+                <a:ea typeface="Source Sans Pro" panose="020B0503030403020204" pitchFamily="34" charset="0"/>
+                <a:cs typeface="Avenir"/>
+                <a:sym typeface="Avenir"/>
+              </a:defRPr>
+            </a:lvl5pPr>
+            <a:lvl6pPr marL="2743475" marR="0" lvl="5" indent="-314357" algn="l" rtl="0">
+              <a:lnSpc>
+                <a:spcPct val="100000"/>
+              </a:lnSpc>
+              <a:spcBef>
+                <a:spcPts val="4200"/>
+              </a:spcBef>
+              <a:spcAft>
+                <a:spcPts val="0"/>
+              </a:spcAft>
+              <a:buClr>
+                <a:srgbClr val="000000"/>
+              </a:buClr>
+              <a:buSzPts val="1350"/>
+              <a:buFont typeface="Rockwell"/>
+              <a:buChar char="•"/>
+              <a:defRPr sz="3600" b="0" i="0" u="none" strike="noStrike" cap="none">
+                <a:solidFill>
+                  <a:srgbClr val="000000"/>
+                </a:solidFill>
+                <a:latin typeface="Rockwell"/>
+                <a:ea typeface="Rockwell"/>
+                <a:cs typeface="Rockwell"/>
+                <a:sym typeface="Rockwell"/>
+              </a:defRPr>
+            </a:lvl6pPr>
+            <a:lvl7pPr marL="3200720" marR="0" lvl="6" indent="-314357" algn="l" rtl="0">
+              <a:lnSpc>
+                <a:spcPct val="100000"/>
+              </a:lnSpc>
+              <a:spcBef>
+                <a:spcPts val="4200"/>
+              </a:spcBef>
+              <a:spcAft>
+                <a:spcPts val="0"/>
+              </a:spcAft>
+              <a:buClr>
+                <a:srgbClr val="000000"/>
+              </a:buClr>
+              <a:buSzPts val="1350"/>
+              <a:buFont typeface="Rockwell"/>
+              <a:buChar char="•"/>
+              <a:defRPr sz="3600" b="0" i="0" u="none" strike="noStrike" cap="none">
+                <a:solidFill>
+                  <a:srgbClr val="000000"/>
+                </a:solidFill>
+                <a:latin typeface="Rockwell"/>
+                <a:ea typeface="Rockwell"/>
+                <a:cs typeface="Rockwell"/>
+                <a:sym typeface="Rockwell"/>
+              </a:defRPr>
+            </a:lvl7pPr>
+            <a:lvl8pPr marL="3657966" marR="0" lvl="7" indent="-314357" algn="l" rtl="0">
+              <a:lnSpc>
+                <a:spcPct val="100000"/>
+              </a:lnSpc>
+              <a:spcBef>
+                <a:spcPts val="4200"/>
+              </a:spcBef>
+              <a:spcAft>
+                <a:spcPts val="0"/>
+              </a:spcAft>
+              <a:buClr>
+                <a:srgbClr val="000000"/>
+              </a:buClr>
+              <a:buSzPts val="1350"/>
+              <a:buFont typeface="Rockwell"/>
+              <a:buChar char="•"/>
+              <a:defRPr sz="3600" b="0" i="0" u="none" strike="noStrike" cap="none">
+                <a:solidFill>
+                  <a:srgbClr val="000000"/>
+                </a:solidFill>
+                <a:latin typeface="Rockwell"/>
+                <a:ea typeface="Rockwell"/>
+                <a:cs typeface="Rockwell"/>
+                <a:sym typeface="Rockwell"/>
+              </a:defRPr>
+            </a:lvl8pPr>
+            <a:lvl9pPr marL="4115212" marR="0" lvl="8" indent="-314357" algn="l" rtl="0">
+              <a:lnSpc>
+                <a:spcPct val="100000"/>
+              </a:lnSpc>
+              <a:spcBef>
+                <a:spcPts val="4200"/>
+              </a:spcBef>
+              <a:spcAft>
+                <a:spcPts val="0"/>
+              </a:spcAft>
+              <a:buClr>
+                <a:srgbClr val="000000"/>
+              </a:buClr>
+              <a:buSzPts val="1350"/>
+              <a:buFont typeface="Rockwell"/>
+              <a:buChar char="•"/>
+              <a:defRPr sz="3600" b="0" i="0" u="none" strike="noStrike" cap="none">
+                <a:solidFill>
+                  <a:srgbClr val="000000"/>
+                </a:solidFill>
+                <a:latin typeface="Rockwell"/>
+                <a:ea typeface="Rockwell"/>
+                <a:cs typeface="Rockwell"/>
+                <a:sym typeface="Rockwell"/>
+              </a:defRPr>
+            </a:lvl9pPr>
+          </a:lstStyle>
+          <a:p>
+            <a:pPr>
+              <a:buClr>
+                <a:schemeClr val="tx2"/>
+              </a:buClr>
+            </a:pPr>
+            <a:r>
+              <a:rPr lang="en-US" dirty="0">
+                <a:solidFill>
+                  <a:schemeClr val="tx2"/>
+                </a:solidFill>
+                <a:latin typeface="Arial" panose="020B0604020202020204" pitchFamily="34" charset="0"/>
+                <a:cs typeface="Arial" panose="020B0604020202020204" pitchFamily="34" charset="0"/>
+              </a:rPr>
+              <a:t>The second interview tests the applicant’s </a:t>
+            </a:r>
+            <a:r>
+              <a:rPr lang="en-US" b="1" i="1" dirty="0">
+                <a:solidFill>
+                  <a:schemeClr val="tx2"/>
+                </a:solidFill>
+                <a:latin typeface="Arial" panose="020B0604020202020204" pitchFamily="34" charset="0"/>
+                <a:cs typeface="Arial" panose="020B0604020202020204" pitchFamily="34" charset="0"/>
+              </a:rPr>
+              <a:t>depth of knowledge</a:t>
+            </a:r>
+            <a:r>
+              <a:rPr lang="en-US" b="1" dirty="0">
+                <a:solidFill>
+                  <a:schemeClr val="tx2"/>
+                </a:solidFill>
+                <a:latin typeface="Arial" panose="020B0604020202020204" pitchFamily="34" charset="0"/>
+                <a:cs typeface="Arial" panose="020B0604020202020204" pitchFamily="34" charset="0"/>
+              </a:rPr>
+              <a:t> </a:t>
+            </a:r>
+            <a:r>
+              <a:rPr lang="en-US" dirty="0">
+                <a:solidFill>
+                  <a:schemeClr val="tx2"/>
+                </a:solidFill>
+                <a:latin typeface="Arial" panose="020B0604020202020204" pitchFamily="34" charset="0"/>
+                <a:cs typeface="Arial" panose="020B0604020202020204" pitchFamily="34" charset="0"/>
+              </a:rPr>
+              <a:t>across the competencies.</a:t>
+            </a:r>
+          </a:p>
+          <a:p>
+            <a:pPr>
+              <a:buClr>
+                <a:schemeClr val="tx2"/>
+              </a:buClr>
+            </a:pPr>
+            <a:r>
+              <a:rPr lang="en-US" dirty="0">
+                <a:solidFill>
+                  <a:schemeClr val="tx2"/>
+                </a:solidFill>
+                <a:latin typeface="Arial" panose="020B0604020202020204" pitchFamily="34" charset="0"/>
+                <a:cs typeface="Arial" panose="020B0604020202020204" pitchFamily="34" charset="0"/>
+              </a:rPr>
+              <a:t>Depth questions can take up to 10-15 minutes for an applicant to answer. </a:t>
+            </a:r>
+          </a:p>
+          <a:p>
+            <a:pPr>
+              <a:buClr>
+                <a:schemeClr val="tx2"/>
+              </a:buClr>
+            </a:pPr>
+            <a:r>
+              <a:rPr lang="en-US" dirty="0">
+                <a:solidFill>
+                  <a:schemeClr val="tx2"/>
+                </a:solidFill>
+                <a:latin typeface="Arial" panose="020B0604020202020204" pitchFamily="34" charset="0"/>
+                <a:cs typeface="Arial" panose="020B0604020202020204" pitchFamily="34" charset="0"/>
+              </a:rPr>
+              <a:t>Depth questions test how an applicant reacts and responds to changes in the presented situation.</a:t>
+            </a:r>
+          </a:p>
+          <a:p>
+            <a:pPr>
+              <a:buClr>
+                <a:schemeClr val="tx2"/>
+              </a:buClr>
+            </a:pPr>
+            <a:r>
+              <a:rPr lang="en-US" dirty="0">
+                <a:solidFill>
+                  <a:schemeClr val="tx2"/>
+                </a:solidFill>
+                <a:latin typeface="Arial" panose="020B0604020202020204" pitchFamily="34" charset="0"/>
+                <a:cs typeface="Arial" panose="020B0604020202020204" pitchFamily="34" charset="0"/>
+              </a:rPr>
+              <a:t>Depth: Mandated follow up questions that probe deeper (i.e., “Now imagine...” or “Tell me about a time you've experienced that hypothetical in real life.”).</a:t>
+            </a:r>
+          </a:p>
+          <a:p>
+            <a:pPr>
+              <a:buClr>
+                <a:schemeClr val="tx2"/>
+              </a:buClr>
+            </a:pPr>
+            <a:endParaRPr lang="en-US" dirty="0">
+              <a:solidFill>
+                <a:schemeClr val="tx2"/>
+              </a:solidFill>
+              <a:latin typeface="Arial" panose="020B0604020202020204" pitchFamily="34" charset="0"/>
+              <a:cs typeface="Arial" panose="020B0604020202020204" pitchFamily="34" charset="0"/>
+            </a:endParaRPr>
+          </a:p>
+        </p:txBody>
+      </p:sp>
+      <p:sp>
+        <p:nvSpPr>
+          <p:cNvPr id="8" name="Title 3">
+            <a:extLst>
+              <a:ext uri="{FF2B5EF4-FFF2-40B4-BE49-F238E27FC236}">
+                <a16:creationId xmlns:a16="http://schemas.microsoft.com/office/drawing/2014/main" id="{03688122-A7F5-3048-AD5C-54D50A88EE13}"/>
+              </a:ext>
+            </a:extLst>
+          </p:cNvPr>
+          <p:cNvSpPr txBox="1">
+            <a:spLocks/>
+          </p:cNvSpPr>
+          <p:nvPr/>
+        </p:nvSpPr>
+        <p:spPr>
+          <a:xfrm>
+            <a:off x="8670131" y="505196"/>
+            <a:ext cx="7039768" cy="1290459"/>
+          </a:xfrm>
+          <a:prstGeom prst="rect">
+            <a:avLst/>
+          </a:prstGeom>
+          <a:noFill/>
+          <a:ln>
+            <a:noFill/>
+          </a:ln>
+        </p:spPr>
+        <p:txBody>
+          <a:bodyPr spcFirstLastPara="1" wrap="square" lIns="91425" tIns="45700" rIns="91425" bIns="45700" anchor="t" anchorCtr="0"/>
+          <a:lstStyle>
+            <a:defPPr marR="0" lvl="0" algn="l" rtl="0">
+              <a:lnSpc>
+                <a:spcPct val="100000"/>
+              </a:lnSpc>
+              <a:spcBef>
+                <a:spcPts val="0"/>
+              </a:spcBef>
+              <a:spcAft>
+                <a:spcPts val="0"/>
+              </a:spcAft>
+            </a:defPPr>
+            <a:lvl1pPr marR="0" lvl="0" algn="l" rtl="0">
+              <a:lnSpc>
+                <a:spcPct val="100000"/>
+              </a:lnSpc>
+              <a:spcBef>
+                <a:spcPts val="0"/>
+              </a:spcBef>
+              <a:spcAft>
+                <a:spcPts val="0"/>
+              </a:spcAft>
+              <a:buClr>
+                <a:srgbClr val="000000"/>
+              </a:buClr>
+              <a:buSzPts val="1400"/>
+              <a:buFont typeface="Arial"/>
+              <a:buNone/>
+              <a:defRPr sz="3600" b="1" i="0" u="none" strike="noStrike" cap="all" baseline="0">
+                <a:solidFill>
+                  <a:srgbClr val="0D71BC"/>
+                </a:solidFill>
+                <a:latin typeface="Source Sans Pro SemiBold" panose="020B0503030403020204" pitchFamily="34" charset="0"/>
+                <a:ea typeface="Source Sans Pro SemiBold" panose="020B0503030403020204" pitchFamily="34" charset="0"/>
+                <a:cs typeface="Source Sans Pro SemiBold" panose="020B0503030403020204" pitchFamily="34" charset="0"/>
+                <a:sym typeface="Avenir"/>
+              </a:defRPr>
+            </a:lvl1pPr>
+            <a:lvl2pPr marR="0" lvl="1" algn="ctr" rtl="0">
+              <a:lnSpc>
+                <a:spcPct val="100000"/>
+              </a:lnSpc>
+              <a:spcBef>
+                <a:spcPts val="0"/>
+              </a:spcBef>
+              <a:spcAft>
+                <a:spcPts val="0"/>
+              </a:spcAft>
+              <a:buClr>
+                <a:srgbClr val="000000"/>
+              </a:buClr>
+              <a:buSzPts val="1400"/>
+              <a:buFont typeface="Arial"/>
+              <a:buNone/>
+              <a:defRPr sz="8000" b="0" i="0" u="none" strike="noStrike" cap="none">
+                <a:solidFill>
+                  <a:srgbClr val="000000"/>
+                </a:solidFill>
+                <a:latin typeface="Rockwell"/>
+                <a:ea typeface="Rockwell"/>
+                <a:cs typeface="Rockwell"/>
+                <a:sym typeface="Rockwell"/>
+              </a:defRPr>
+            </a:lvl2pPr>
+            <a:lvl3pPr marR="0" lvl="2" algn="ctr" rtl="0">
+              <a:lnSpc>
+                <a:spcPct val="100000"/>
+              </a:lnSpc>
+              <a:spcBef>
+                <a:spcPts val="0"/>
+              </a:spcBef>
+              <a:spcAft>
+                <a:spcPts val="0"/>
+              </a:spcAft>
+              <a:buClr>
+                <a:srgbClr val="000000"/>
+              </a:buClr>
+              <a:buSzPts val="1400"/>
+              <a:buFont typeface="Arial"/>
+              <a:buNone/>
+              <a:defRPr sz="8000" b="0" i="0" u="none" strike="noStrike" cap="none">
+                <a:solidFill>
+                  <a:srgbClr val="000000"/>
+                </a:solidFill>
+                <a:latin typeface="Rockwell"/>
+                <a:ea typeface="Rockwell"/>
+                <a:cs typeface="Rockwell"/>
+                <a:sym typeface="Rockwell"/>
+              </a:defRPr>
+            </a:lvl3pPr>
+            <a:lvl4pPr marR="0" lvl="3" algn="ctr" rtl="0">
+              <a:lnSpc>
+                <a:spcPct val="100000"/>
+              </a:lnSpc>
+              <a:spcBef>
+                <a:spcPts val="0"/>
+              </a:spcBef>
+              <a:spcAft>
+                <a:spcPts val="0"/>
+              </a:spcAft>
+              <a:buClr>
+                <a:srgbClr val="000000"/>
+              </a:buClr>
+              <a:buSzPts val="1400"/>
+              <a:buFont typeface="Arial"/>
+              <a:buNone/>
+              <a:defRPr sz="8000" b="0" i="0" u="none" strike="noStrike" cap="none">
+                <a:solidFill>
+                  <a:srgbClr val="000000"/>
+                </a:solidFill>
+                <a:latin typeface="Rockwell"/>
+                <a:ea typeface="Rockwell"/>
+                <a:cs typeface="Rockwell"/>
+                <a:sym typeface="Rockwell"/>
+              </a:defRPr>
+            </a:lvl4pPr>
+            <a:lvl5pPr marR="0" lvl="4" algn="ctr" rtl="0">
+              <a:lnSpc>
+                <a:spcPct val="100000"/>
+              </a:lnSpc>
+              <a:spcBef>
+                <a:spcPts val="0"/>
+              </a:spcBef>
+              <a:spcAft>
+                <a:spcPts val="0"/>
+              </a:spcAft>
+              <a:buClr>
+                <a:srgbClr val="000000"/>
+              </a:buClr>
+              <a:buSzPts val="1400"/>
+              <a:buFont typeface="Arial"/>
+              <a:buNone/>
+              <a:defRPr sz="8000" b="0" i="0" u="none" strike="noStrike" cap="none">
+                <a:solidFill>
+                  <a:srgbClr val="000000"/>
+                </a:solidFill>
+                <a:latin typeface="Rockwell"/>
+                <a:ea typeface="Rockwell"/>
+                <a:cs typeface="Rockwell"/>
+                <a:sym typeface="Rockwell"/>
+              </a:defRPr>
+            </a:lvl5pPr>
+            <a:lvl6pPr marR="0" lvl="5" algn="ctr" rtl="0">
+              <a:lnSpc>
+                <a:spcPct val="100000"/>
+              </a:lnSpc>
+              <a:spcBef>
+                <a:spcPts val="0"/>
+              </a:spcBef>
+              <a:spcAft>
+                <a:spcPts val="0"/>
+              </a:spcAft>
+              <a:buClr>
+                <a:srgbClr val="000000"/>
+              </a:buClr>
+              <a:buSzPts val="1400"/>
+              <a:buFont typeface="Arial"/>
+              <a:buNone/>
+              <a:defRPr sz="8000" b="0" i="0" u="none" strike="noStrike" cap="none">
+                <a:solidFill>
+                  <a:srgbClr val="000000"/>
+                </a:solidFill>
+                <a:latin typeface="Rockwell"/>
+                <a:ea typeface="Rockwell"/>
+                <a:cs typeface="Rockwell"/>
+                <a:sym typeface="Rockwell"/>
+              </a:defRPr>
+            </a:lvl6pPr>
+            <a:lvl7pPr marR="0" lvl="6" algn="ctr" rtl="0">
+              <a:lnSpc>
+                <a:spcPct val="100000"/>
+              </a:lnSpc>
+              <a:spcBef>
+                <a:spcPts val="0"/>
+              </a:spcBef>
+              <a:spcAft>
+                <a:spcPts val="0"/>
+              </a:spcAft>
+              <a:buClr>
+                <a:srgbClr val="000000"/>
+              </a:buClr>
+              <a:buSzPts val="1400"/>
+              <a:buFont typeface="Arial"/>
+              <a:buNone/>
+              <a:defRPr sz="8000" b="0" i="0" u="none" strike="noStrike" cap="none">
+                <a:solidFill>
+                  <a:srgbClr val="000000"/>
+                </a:solidFill>
+                <a:latin typeface="Rockwell"/>
+                <a:ea typeface="Rockwell"/>
+                <a:cs typeface="Rockwell"/>
+                <a:sym typeface="Rockwell"/>
+              </a:defRPr>
+            </a:lvl7pPr>
+            <a:lvl8pPr marR="0" lvl="7" algn="ctr" rtl="0">
+              <a:lnSpc>
+                <a:spcPct val="100000"/>
+              </a:lnSpc>
+              <a:spcBef>
+                <a:spcPts val="0"/>
+              </a:spcBef>
+              <a:spcAft>
+                <a:spcPts val="0"/>
+              </a:spcAft>
+              <a:buClr>
+                <a:srgbClr val="000000"/>
+              </a:buClr>
+              <a:buSzPts val="1400"/>
+              <a:buFont typeface="Arial"/>
+              <a:buNone/>
+              <a:defRPr sz="8000" b="0" i="0" u="none" strike="noStrike" cap="none">
+                <a:solidFill>
+                  <a:srgbClr val="000000"/>
+                </a:solidFill>
+                <a:latin typeface="Rockwell"/>
+                <a:ea typeface="Rockwell"/>
+                <a:cs typeface="Rockwell"/>
+                <a:sym typeface="Rockwell"/>
+              </a:defRPr>
+            </a:lvl8pPr>
+            <a:lvl9pPr marR="0" lvl="8" algn="ctr" rtl="0">
+              <a:lnSpc>
+                <a:spcPct val="100000"/>
+              </a:lnSpc>
+              <a:spcBef>
+                <a:spcPts val="0"/>
+              </a:spcBef>
+              <a:spcAft>
+                <a:spcPts val="0"/>
+              </a:spcAft>
+              <a:buClr>
+                <a:srgbClr val="000000"/>
+              </a:buClr>
+              <a:buSzPts val="1400"/>
+              <a:buFont typeface="Arial"/>
+              <a:buNone/>
+              <a:defRPr sz="8000" b="0" i="0" u="none" strike="noStrike" cap="none">
+                <a:solidFill>
+                  <a:srgbClr val="000000"/>
+                </a:solidFill>
+                <a:latin typeface="Rockwell"/>
+                <a:ea typeface="Rockwell"/>
+                <a:cs typeface="Rockwell"/>
+                <a:sym typeface="Rockwell"/>
+              </a:defRPr>
+            </a:lvl9pPr>
+          </a:lstStyle>
+          <a:p>
+            <a:r>
+              <a:rPr lang="en-US" dirty="0">
+                <a:solidFill>
+                  <a:schemeClr val="tx2"/>
+                </a:solidFill>
+                <a:latin typeface="+mn-lt"/>
+              </a:rPr>
+              <a:t>Depth questions</a:t>
+            </a:r>
+          </a:p>
+        </p:txBody>
+      </p:sp>
+      <p:sp>
+        <p:nvSpPr>
+          <p:cNvPr id="9" name="Rectangle 8">
+            <a:extLst>
+              <a:ext uri="{FF2B5EF4-FFF2-40B4-BE49-F238E27FC236}">
+                <a16:creationId xmlns:a16="http://schemas.microsoft.com/office/drawing/2014/main" id="{1503535E-A95D-194A-BCC3-2DC71399598E}"/>
+              </a:ext>
+            </a:extLst>
+          </p:cNvPr>
+          <p:cNvSpPr/>
+          <p:nvPr/>
+        </p:nvSpPr>
+        <p:spPr>
+          <a:xfrm>
+            <a:off x="1734112" y="3746809"/>
+            <a:ext cx="13872117" cy="2141034"/>
+          </a:xfrm>
+          <a:prstGeom prst="rect">
+            <a:avLst/>
+          </a:prstGeom>
+          <a:solidFill>
+            <a:srgbClr val="FFFF00"/>
+          </a:solidFill>
+        </p:spPr>
+        <p:style>
+          <a:lnRef idx="2">
+            <a:schemeClr val="accent1">
+              <a:shade val="50000"/>
+            </a:schemeClr>
+          </a:lnRef>
+          <a:fillRef idx="1">
+            <a:schemeClr val="accent1"/>
+          </a:fillRef>
+          <a:effectRef idx="0">
+            <a:schemeClr val="accent1"/>
+          </a:effectRef>
+          <a:fontRef idx="minor">
+            <a:schemeClr val="lt1"/>
+          </a:fontRef>
+        </p:style>
+        <p:txBody>
+          <a:bodyPr rtlCol="0" anchor="ctr"/>
           <a:lstStyle/>
           <a:p>
-            <a:r>
-              <a:rPr lang="en-US" dirty="0"/>
-              <a:t>Next, we’ll create questions. Some example question types.</a:t>
-            </a:r>
-          </a:p>
-          <a:p>
-            <a:pPr lvl="1"/>
-            <a:r>
-              <a:rPr lang="en-US" dirty="0"/>
-              <a:t>Past experience: “Tell me about a time…”</a:t>
-            </a:r>
-          </a:p>
-          <a:p>
-            <a:pPr lvl="1"/>
-            <a:r>
-              <a:rPr lang="en-US" dirty="0"/>
-              <a:t>Hypothetical situation: “Imagine we have a problem with…”</a:t>
-            </a:r>
-          </a:p>
-          <a:p>
-            <a:pPr lvl="1"/>
-            <a:r>
-              <a:rPr lang="en-US" dirty="0"/>
-              <a:t>Applicant’s viewpoint: “What do you think about…”</a:t>
-            </a:r>
+            <a:pPr algn="ctr"/>
+            <a:r>
+              <a:rPr lang="en-US" sz="3600" b="1" dirty="0">
+                <a:solidFill>
+                  <a:schemeClr val="tx2"/>
+                </a:solidFill>
+                <a:latin typeface="+mj-lt"/>
+              </a:rPr>
+              <a:t>Use this slide if doing two structured interview assessments</a:t>
+            </a:r>
+          </a:p>
+          <a:p>
+            <a:pPr algn="ctr"/>
+            <a:endParaRPr lang="en-US" dirty="0"/>
           </a:p>
         </p:txBody>
       </p:sp>
     </p:spTree>
     <p:extLst>
       <p:ext uri="{BB962C8B-B14F-4D97-AF65-F5344CB8AC3E}">
-        <p14:creationId xmlns:p14="http://schemas.microsoft.com/office/powerpoint/2010/main" val="3085537343"/>
+        <p14:creationId xmlns:p14="http://schemas.microsoft.com/office/powerpoint/2010/main" val="1075016947"/>
       </p:ext>
     </p:extLst>
   </p:cSld>
@@ -11282,10 +12205,10 @@
       </p:grpSpPr>
       <p:sp>
         <p:nvSpPr>
-          <p:cNvPr id="4" name="Title 3">
+          <p:cNvPr id="2" name="Title 1">
             <a:extLst>
               <a:ext uri="{FF2B5EF4-FFF2-40B4-BE49-F238E27FC236}">
-                <a16:creationId xmlns:a16="http://schemas.microsoft.com/office/drawing/2014/main" id="{AE90C0D7-6A34-964F-8E33-5E36603A25C5}"/>
+                <a16:creationId xmlns:a16="http://schemas.microsoft.com/office/drawing/2014/main" id="{D4E4C047-701E-6045-A204-2E9F55292620}"/>
               </a:ext>
             </a:extLst>
           </p:cNvPr>
@@ -11296,45 +12219,39 @@
             <p:ph type="title"/>
           </p:nvPr>
         </p:nvSpPr>
-        <p:spPr>
-          <a:xfrm>
-            <a:off x="1268344" y="519298"/>
-            <a:ext cx="7039768" cy="1290459"/>
-          </a:xfrm>
-        </p:spPr>
+        <p:spPr/>
         <p:txBody>
           <a:bodyPr/>
           <a:lstStyle/>
           <a:p>
             <a:r>
               <a:rPr lang="en-US" dirty="0"/>
-              <a:t>Breadth questions</a:t>
+              <a:t>Example Breadth Question – Stakeholder Engagement Competency</a:t>
             </a:r>
           </a:p>
         </p:txBody>
       </p:sp>
       <p:sp>
         <p:nvSpPr>
-          <p:cNvPr id="6" name="Text Placeholder 2">
+          <p:cNvPr id="3" name="Text Placeholder 2">
             <a:extLst>
               <a:ext uri="{FF2B5EF4-FFF2-40B4-BE49-F238E27FC236}">
-                <a16:creationId xmlns:a16="http://schemas.microsoft.com/office/drawing/2014/main" id="{CC2E7D81-A3D8-E140-B023-A4C267EF860A}"/>
+                <a16:creationId xmlns:a16="http://schemas.microsoft.com/office/drawing/2014/main" id="{D6A4DA58-3293-B044-90E9-FC07DFF20EF1}"/>
               </a:ext>
             </a:extLst>
           </p:cNvPr>
-          <p:cNvSpPr txBox="1">
-            <a:spLocks/>
+          <p:cNvSpPr>
+            <a:spLocks noGrp="1"/>
           </p:cNvSpPr>
-          <p:nvPr/>
+          <p:nvPr>
+            <p:ph type="body" idx="1"/>
+          </p:nvPr>
         </p:nvSpPr>
         <p:spPr>
           <a:xfrm>
-            <a:off x="1268344" y="1993900"/>
-            <a:ext cx="6887369" cy="7131050"/>
+            <a:off x="1192143" y="1841500"/>
+            <a:ext cx="14956057" cy="7392802"/>
           </a:xfrm>
-          <a:prstGeom prst="rect">
-            <a:avLst/>
-          </a:prstGeom>
           <a:noFill/>
           <a:ln>
             <a:noFill/>
@@ -11342,1101 +12259,28 @@
         </p:spPr>
         <p:txBody>
           <a:bodyPr spcFirstLastPara="1" wrap="square" lIns="0" tIns="0" rIns="0" bIns="0" anchor="t" anchorCtr="0">
-            <a:normAutofit fontScale="77500" lnSpcReduction="20000"/>
+            <a:normAutofit/>
           </a:bodyPr>
-          <a:lstStyle>
-            <a:defPPr marR="0" lvl="0" algn="l" rtl="0">
-              <a:lnSpc>
-                <a:spcPct val="100000"/>
-              </a:lnSpc>
-              <a:spcBef>
-                <a:spcPts val="0"/>
-              </a:spcBef>
-              <a:spcAft>
-                <a:spcPts val="0"/>
-              </a:spcAft>
-            </a:defPPr>
-            <a:lvl1pPr marL="457246" marR="0" lvl="0" indent="-285779" algn="l" rtl="0">
-              <a:lnSpc>
-                <a:spcPct val="100000"/>
-              </a:lnSpc>
-              <a:spcBef>
-                <a:spcPts val="4200"/>
-              </a:spcBef>
-              <a:spcAft>
-                <a:spcPts val="0"/>
-              </a:spcAft>
-              <a:buClr>
-                <a:srgbClr val="0D71BC"/>
-              </a:buClr>
-              <a:buSzPct val="112000"/>
-              <a:buFont typeface="Arial" panose="020B0604020202020204" pitchFamily="34" charset="0"/>
-              <a:buChar char="•"/>
-              <a:defRPr sz="3600" b="0" i="0" u="none" strike="noStrike" cap="none">
-                <a:solidFill>
-                  <a:srgbClr val="0D71BC"/>
-                </a:solidFill>
-                <a:latin typeface="Source Sans Pro" panose="020B0503030403020204" pitchFamily="34" charset="0"/>
-                <a:ea typeface="Source Sans Pro" panose="020B0503030403020204" pitchFamily="34" charset="0"/>
-                <a:cs typeface="Avenir"/>
-                <a:sym typeface="Avenir"/>
-              </a:defRPr>
-            </a:lvl1pPr>
-            <a:lvl2pPr marL="914492" marR="0" lvl="1" indent="-285779" algn="l" rtl="0">
-              <a:lnSpc>
-                <a:spcPct val="100000"/>
-              </a:lnSpc>
-              <a:spcBef>
-                <a:spcPts val="4200"/>
-              </a:spcBef>
-              <a:spcAft>
-                <a:spcPts val="0"/>
-              </a:spcAft>
-              <a:buClr>
-                <a:srgbClr val="0D71BC"/>
-              </a:buClr>
-              <a:buSzPct val="112000"/>
-              <a:buFont typeface="Arial" panose="020B0604020202020204" pitchFamily="34" charset="0"/>
-              <a:buChar char="•"/>
-              <a:defRPr sz="3600" b="0" i="0" u="none" strike="noStrike" cap="none">
-                <a:solidFill>
-                  <a:srgbClr val="0D71BC"/>
-                </a:solidFill>
-                <a:latin typeface="Source Sans Pro" panose="020B0503030403020204" pitchFamily="34" charset="0"/>
-                <a:ea typeface="Source Sans Pro" panose="020B0503030403020204" pitchFamily="34" charset="0"/>
-                <a:cs typeface="Avenir"/>
-                <a:sym typeface="Avenir"/>
-              </a:defRPr>
-            </a:lvl2pPr>
-            <a:lvl3pPr marL="1371737" marR="0" lvl="2" indent="-314357" algn="l" rtl="0">
-              <a:lnSpc>
-                <a:spcPct val="100000"/>
-              </a:lnSpc>
-              <a:spcBef>
-                <a:spcPts val="4200"/>
-              </a:spcBef>
-              <a:spcAft>
-                <a:spcPts val="0"/>
-              </a:spcAft>
-              <a:buClr>
-                <a:srgbClr val="0D71BC"/>
-              </a:buClr>
-              <a:buSzPct val="112000"/>
-              <a:buFont typeface="Arial" panose="020B0604020202020204" pitchFamily="34" charset="0"/>
-              <a:buChar char="•"/>
-              <a:defRPr sz="3600" b="0" i="0" u="none" strike="noStrike" cap="none">
-                <a:solidFill>
-                  <a:srgbClr val="0D71BC"/>
-                </a:solidFill>
-                <a:latin typeface="Source Sans Pro" panose="020B0503030403020204" pitchFamily="34" charset="0"/>
-                <a:ea typeface="Source Sans Pro" panose="020B0503030403020204" pitchFamily="34" charset="0"/>
-                <a:cs typeface="Avenir"/>
-                <a:sym typeface="Avenir"/>
-              </a:defRPr>
-            </a:lvl3pPr>
-            <a:lvl4pPr marL="1828984" marR="0" lvl="3" indent="-314357" algn="l" rtl="0">
-              <a:lnSpc>
-                <a:spcPct val="100000"/>
-              </a:lnSpc>
-              <a:spcBef>
-                <a:spcPts val="4200"/>
-              </a:spcBef>
-              <a:spcAft>
-                <a:spcPts val="0"/>
-              </a:spcAft>
-              <a:buClr>
-                <a:srgbClr val="0D71BC"/>
-              </a:buClr>
-              <a:buSzPct val="112000"/>
-              <a:buFont typeface="Arial" panose="020B0604020202020204" pitchFamily="34" charset="0"/>
-              <a:buChar char="•"/>
-              <a:defRPr sz="3600" b="0" i="0" u="none" strike="noStrike" cap="none">
-                <a:solidFill>
-                  <a:srgbClr val="0D71BC"/>
-                </a:solidFill>
-                <a:latin typeface="Source Sans Pro" panose="020B0503030403020204" pitchFamily="34" charset="0"/>
-                <a:ea typeface="Source Sans Pro" panose="020B0503030403020204" pitchFamily="34" charset="0"/>
-                <a:cs typeface="Avenir"/>
-                <a:sym typeface="Avenir"/>
-              </a:defRPr>
-            </a:lvl4pPr>
-            <a:lvl5pPr marL="2286228" marR="0" lvl="4" indent="-314357" algn="l" rtl="0">
-              <a:lnSpc>
-                <a:spcPct val="100000"/>
-              </a:lnSpc>
-              <a:spcBef>
-                <a:spcPts val="4200"/>
-              </a:spcBef>
-              <a:spcAft>
-                <a:spcPts val="0"/>
-              </a:spcAft>
-              <a:buClr>
-                <a:srgbClr val="0D71BC"/>
-              </a:buClr>
-              <a:buSzPct val="112000"/>
-              <a:buFont typeface="Arial" panose="020B0604020202020204" pitchFamily="34" charset="0"/>
-              <a:buChar char="•"/>
-              <a:defRPr sz="3600" b="0" i="0" u="none" strike="noStrike" cap="none">
-                <a:solidFill>
-                  <a:srgbClr val="0D71BC"/>
-                </a:solidFill>
-                <a:latin typeface="Source Sans Pro" panose="020B0503030403020204" pitchFamily="34" charset="0"/>
-                <a:ea typeface="Source Sans Pro" panose="020B0503030403020204" pitchFamily="34" charset="0"/>
-                <a:cs typeface="Avenir"/>
-                <a:sym typeface="Avenir"/>
-              </a:defRPr>
-            </a:lvl5pPr>
-            <a:lvl6pPr marL="2743475" marR="0" lvl="5" indent="-314357" algn="l" rtl="0">
-              <a:lnSpc>
-                <a:spcPct val="100000"/>
-              </a:lnSpc>
-              <a:spcBef>
-                <a:spcPts val="4200"/>
-              </a:spcBef>
-              <a:spcAft>
-                <a:spcPts val="0"/>
-              </a:spcAft>
-              <a:buClr>
-                <a:srgbClr val="000000"/>
-              </a:buClr>
-              <a:buSzPts val="1350"/>
-              <a:buFont typeface="Rockwell"/>
-              <a:buChar char="•"/>
-              <a:defRPr sz="3600" b="0" i="0" u="none" strike="noStrike" cap="none">
-                <a:solidFill>
-                  <a:srgbClr val="000000"/>
-                </a:solidFill>
-                <a:latin typeface="Rockwell"/>
-                <a:ea typeface="Rockwell"/>
-                <a:cs typeface="Rockwell"/>
-                <a:sym typeface="Rockwell"/>
-              </a:defRPr>
-            </a:lvl6pPr>
-            <a:lvl7pPr marL="3200720" marR="0" lvl="6" indent="-314357" algn="l" rtl="0">
-              <a:lnSpc>
-                <a:spcPct val="100000"/>
-              </a:lnSpc>
-              <a:spcBef>
-                <a:spcPts val="4200"/>
-              </a:spcBef>
-              <a:spcAft>
-                <a:spcPts val="0"/>
-              </a:spcAft>
-              <a:buClr>
-                <a:srgbClr val="000000"/>
-              </a:buClr>
-              <a:buSzPts val="1350"/>
-              <a:buFont typeface="Rockwell"/>
-              <a:buChar char="•"/>
-              <a:defRPr sz="3600" b="0" i="0" u="none" strike="noStrike" cap="none">
-                <a:solidFill>
-                  <a:srgbClr val="000000"/>
-                </a:solidFill>
-                <a:latin typeface="Rockwell"/>
-                <a:ea typeface="Rockwell"/>
-                <a:cs typeface="Rockwell"/>
-                <a:sym typeface="Rockwell"/>
-              </a:defRPr>
-            </a:lvl7pPr>
-            <a:lvl8pPr marL="3657966" marR="0" lvl="7" indent="-314357" algn="l" rtl="0">
-              <a:lnSpc>
-                <a:spcPct val="100000"/>
-              </a:lnSpc>
-              <a:spcBef>
-                <a:spcPts val="4200"/>
-              </a:spcBef>
-              <a:spcAft>
-                <a:spcPts val="0"/>
-              </a:spcAft>
-              <a:buClr>
-                <a:srgbClr val="000000"/>
-              </a:buClr>
-              <a:buSzPts val="1350"/>
-              <a:buFont typeface="Rockwell"/>
-              <a:buChar char="•"/>
-              <a:defRPr sz="3600" b="0" i="0" u="none" strike="noStrike" cap="none">
-                <a:solidFill>
-                  <a:srgbClr val="000000"/>
-                </a:solidFill>
-                <a:latin typeface="Rockwell"/>
-                <a:ea typeface="Rockwell"/>
-                <a:cs typeface="Rockwell"/>
-                <a:sym typeface="Rockwell"/>
-              </a:defRPr>
-            </a:lvl8pPr>
-            <a:lvl9pPr marL="4115212" marR="0" lvl="8" indent="-314357" algn="l" rtl="0">
-              <a:lnSpc>
-                <a:spcPct val="100000"/>
-              </a:lnSpc>
-              <a:spcBef>
-                <a:spcPts val="4200"/>
-              </a:spcBef>
-              <a:spcAft>
-                <a:spcPts val="0"/>
-              </a:spcAft>
-              <a:buClr>
-                <a:srgbClr val="000000"/>
-              </a:buClr>
-              <a:buSzPts val="1350"/>
-              <a:buFont typeface="Rockwell"/>
-              <a:buChar char="•"/>
-              <a:defRPr sz="3600" b="0" i="0" u="none" strike="noStrike" cap="none">
-                <a:solidFill>
-                  <a:srgbClr val="000000"/>
-                </a:solidFill>
-                <a:latin typeface="Rockwell"/>
-                <a:ea typeface="Rockwell"/>
-                <a:cs typeface="Rockwell"/>
-                <a:sym typeface="Rockwell"/>
-              </a:defRPr>
-            </a:lvl9pPr>
-          </a:lstStyle>
-          <a:p>
-            <a:pPr>
-              <a:buClr>
-                <a:schemeClr val="tx2"/>
-              </a:buClr>
+          <a:lstStyle/>
+          <a:p>
+            <a:pPr marL="171467" indent="0">
+              <a:buNone/>
             </a:pPr>
             <a:r>
-              <a:rPr lang="en-US" dirty="0">
-                <a:solidFill>
-                  <a:schemeClr val="tx2"/>
-                </a:solidFill>
-                <a:latin typeface="Arial" panose="020B0604020202020204" pitchFamily="34" charset="0"/>
-                <a:cs typeface="Arial" panose="020B0604020202020204" pitchFamily="34" charset="0"/>
-              </a:rPr>
-              <a:t>The first interview tests the applicant’s </a:t>
-            </a:r>
-            <a:r>
-              <a:rPr lang="en-US" b="1" i="1" dirty="0">
-                <a:solidFill>
-                  <a:schemeClr val="tx2"/>
-                </a:solidFill>
-                <a:latin typeface="Arial" panose="020B0604020202020204" pitchFamily="34" charset="0"/>
-                <a:cs typeface="Arial" panose="020B0604020202020204" pitchFamily="34" charset="0"/>
-              </a:rPr>
-              <a:t>breadth of experience</a:t>
-            </a:r>
-            <a:r>
-              <a:rPr lang="en-US" b="1" dirty="0">
-                <a:solidFill>
-                  <a:schemeClr val="tx2"/>
-                </a:solidFill>
-                <a:latin typeface="Arial" panose="020B0604020202020204" pitchFamily="34" charset="0"/>
-                <a:cs typeface="Arial" panose="020B0604020202020204" pitchFamily="34" charset="0"/>
-              </a:rPr>
-              <a:t> </a:t>
-            </a:r>
-            <a:r>
-              <a:rPr lang="en-US" dirty="0">
-                <a:solidFill>
-                  <a:schemeClr val="tx2"/>
-                </a:solidFill>
-                <a:latin typeface="Arial" panose="020B0604020202020204" pitchFamily="34" charset="0"/>
-                <a:cs typeface="Arial" panose="020B0604020202020204" pitchFamily="34" charset="0"/>
-              </a:rPr>
-              <a:t>across the competencies.</a:t>
-            </a:r>
-          </a:p>
-          <a:p>
-            <a:pPr>
-              <a:buClr>
-                <a:schemeClr val="tx2"/>
-              </a:buClr>
-            </a:pPr>
-            <a:r>
-              <a:rPr lang="en-US" dirty="0">
-                <a:solidFill>
-                  <a:schemeClr val="tx2"/>
-                </a:solidFill>
-                <a:latin typeface="Arial" panose="020B0604020202020204" pitchFamily="34" charset="0"/>
-                <a:cs typeface="Arial" panose="020B0604020202020204" pitchFamily="34" charset="0"/>
-              </a:rPr>
-              <a:t>Breadth questions tend to take 5-10 minutes for an applicant to answer.</a:t>
-            </a:r>
-          </a:p>
-          <a:p>
-            <a:pPr>
-              <a:buClr>
-                <a:schemeClr val="tx2"/>
-              </a:buClr>
-            </a:pPr>
-            <a:r>
-              <a:rPr lang="en-US" dirty="0">
-                <a:solidFill>
-                  <a:schemeClr val="tx2"/>
-                </a:solidFill>
-                <a:latin typeface="Arial" panose="020B0604020202020204" pitchFamily="34" charset="0"/>
-                <a:cs typeface="Arial" panose="020B0604020202020204" pitchFamily="34" charset="0"/>
-              </a:rPr>
-              <a:t>Breadth questions test if an applicant has experience, knowledge, or exposure to a general topic.</a:t>
-            </a:r>
-          </a:p>
-          <a:p>
-            <a:pPr>
-              <a:buClr>
-                <a:schemeClr val="tx2"/>
-              </a:buClr>
-            </a:pPr>
-            <a:r>
-              <a:rPr lang="en-US" dirty="0">
-                <a:solidFill>
-                  <a:schemeClr val="tx2"/>
-                </a:solidFill>
-                <a:latin typeface="Arial" panose="020B0604020202020204" pitchFamily="34" charset="0"/>
-                <a:cs typeface="Arial" panose="020B0604020202020204" pitchFamily="34" charset="0"/>
-              </a:rPr>
-              <a:t>Breadth: Limit follow up questions to basic probe questions (i.e., “What was your role?” or  “Can you tell me more?”)</a:t>
-            </a:r>
-          </a:p>
-        </p:txBody>
-      </p:sp>
-      <p:sp>
-        <p:nvSpPr>
-          <p:cNvPr id="7" name="Text Placeholder 2">
-            <a:extLst>
-              <a:ext uri="{FF2B5EF4-FFF2-40B4-BE49-F238E27FC236}">
-                <a16:creationId xmlns:a16="http://schemas.microsoft.com/office/drawing/2014/main" id="{0C03725A-973B-874F-AC9C-1B79D87F47DD}"/>
-              </a:ext>
-            </a:extLst>
-          </p:cNvPr>
-          <p:cNvSpPr txBox="1">
-            <a:spLocks/>
-          </p:cNvSpPr>
-          <p:nvPr/>
-        </p:nvSpPr>
-        <p:spPr>
-          <a:xfrm>
-            <a:off x="8670131" y="1993900"/>
-            <a:ext cx="6887369" cy="7131050"/>
-          </a:xfrm>
-          <a:prstGeom prst="rect">
-            <a:avLst/>
-          </a:prstGeom>
-          <a:noFill/>
-          <a:ln>
-            <a:noFill/>
-          </a:ln>
-        </p:spPr>
-        <p:txBody>
-          <a:bodyPr spcFirstLastPara="1" wrap="square" lIns="0" tIns="0" rIns="0" bIns="0" anchor="t" anchorCtr="0">
-            <a:normAutofit fontScale="77500" lnSpcReduction="20000"/>
-          </a:bodyPr>
-          <a:lstStyle>
-            <a:defPPr marR="0" lvl="0" algn="l" rtl="0">
-              <a:lnSpc>
-                <a:spcPct val="100000"/>
-              </a:lnSpc>
-              <a:spcBef>
-                <a:spcPts val="0"/>
-              </a:spcBef>
-              <a:spcAft>
-                <a:spcPts val="0"/>
-              </a:spcAft>
-            </a:defPPr>
-            <a:lvl1pPr marL="457246" marR="0" lvl="0" indent="-285779" algn="l" rtl="0">
-              <a:lnSpc>
-                <a:spcPct val="100000"/>
-              </a:lnSpc>
-              <a:spcBef>
-                <a:spcPts val="4200"/>
-              </a:spcBef>
-              <a:spcAft>
-                <a:spcPts val="0"/>
-              </a:spcAft>
-              <a:buClr>
-                <a:srgbClr val="0D71BC"/>
-              </a:buClr>
-              <a:buSzPct val="112000"/>
-              <a:buFont typeface="Arial" panose="020B0604020202020204" pitchFamily="34" charset="0"/>
-              <a:buChar char="•"/>
-              <a:defRPr sz="3600" b="0" i="0" u="none" strike="noStrike" cap="none">
-                <a:solidFill>
-                  <a:srgbClr val="0D71BC"/>
-                </a:solidFill>
-                <a:latin typeface="Source Sans Pro" panose="020B0503030403020204" pitchFamily="34" charset="0"/>
-                <a:ea typeface="Source Sans Pro" panose="020B0503030403020204" pitchFamily="34" charset="0"/>
-                <a:cs typeface="Avenir"/>
-                <a:sym typeface="Avenir"/>
-              </a:defRPr>
-            </a:lvl1pPr>
-            <a:lvl2pPr marL="914492" marR="0" lvl="1" indent="-285779" algn="l" rtl="0">
-              <a:lnSpc>
-                <a:spcPct val="100000"/>
-              </a:lnSpc>
-              <a:spcBef>
-                <a:spcPts val="4200"/>
-              </a:spcBef>
-              <a:spcAft>
-                <a:spcPts val="0"/>
-              </a:spcAft>
-              <a:buClr>
-                <a:srgbClr val="0D71BC"/>
-              </a:buClr>
-              <a:buSzPct val="112000"/>
-              <a:buFont typeface="Arial" panose="020B0604020202020204" pitchFamily="34" charset="0"/>
-              <a:buChar char="•"/>
-              <a:defRPr sz="3600" b="0" i="0" u="none" strike="noStrike" cap="none">
-                <a:solidFill>
-                  <a:srgbClr val="0D71BC"/>
-                </a:solidFill>
-                <a:latin typeface="Source Sans Pro" panose="020B0503030403020204" pitchFamily="34" charset="0"/>
-                <a:ea typeface="Source Sans Pro" panose="020B0503030403020204" pitchFamily="34" charset="0"/>
-                <a:cs typeface="Avenir"/>
-                <a:sym typeface="Avenir"/>
-              </a:defRPr>
-            </a:lvl2pPr>
-            <a:lvl3pPr marL="1371737" marR="0" lvl="2" indent="-314357" algn="l" rtl="0">
-              <a:lnSpc>
-                <a:spcPct val="100000"/>
-              </a:lnSpc>
-              <a:spcBef>
-                <a:spcPts val="4200"/>
-              </a:spcBef>
-              <a:spcAft>
-                <a:spcPts val="0"/>
-              </a:spcAft>
-              <a:buClr>
-                <a:srgbClr val="0D71BC"/>
-              </a:buClr>
-              <a:buSzPct val="112000"/>
-              <a:buFont typeface="Arial" panose="020B0604020202020204" pitchFamily="34" charset="0"/>
-              <a:buChar char="•"/>
-              <a:defRPr sz="3600" b="0" i="0" u="none" strike="noStrike" cap="none">
-                <a:solidFill>
-                  <a:srgbClr val="0D71BC"/>
-                </a:solidFill>
-                <a:latin typeface="Source Sans Pro" panose="020B0503030403020204" pitchFamily="34" charset="0"/>
-                <a:ea typeface="Source Sans Pro" panose="020B0503030403020204" pitchFamily="34" charset="0"/>
-                <a:cs typeface="Avenir"/>
-                <a:sym typeface="Avenir"/>
-              </a:defRPr>
-            </a:lvl3pPr>
-            <a:lvl4pPr marL="1828984" marR="0" lvl="3" indent="-314357" algn="l" rtl="0">
-              <a:lnSpc>
-                <a:spcPct val="100000"/>
-              </a:lnSpc>
-              <a:spcBef>
-                <a:spcPts val="4200"/>
-              </a:spcBef>
-              <a:spcAft>
-                <a:spcPts val="0"/>
-              </a:spcAft>
-              <a:buClr>
-                <a:srgbClr val="0D71BC"/>
-              </a:buClr>
-              <a:buSzPct val="112000"/>
-              <a:buFont typeface="Arial" panose="020B0604020202020204" pitchFamily="34" charset="0"/>
-              <a:buChar char="•"/>
-              <a:defRPr sz="3600" b="0" i="0" u="none" strike="noStrike" cap="none">
-                <a:solidFill>
-                  <a:srgbClr val="0D71BC"/>
-                </a:solidFill>
-                <a:latin typeface="Source Sans Pro" panose="020B0503030403020204" pitchFamily="34" charset="0"/>
-                <a:ea typeface="Source Sans Pro" panose="020B0503030403020204" pitchFamily="34" charset="0"/>
-                <a:cs typeface="Avenir"/>
-                <a:sym typeface="Avenir"/>
-              </a:defRPr>
-            </a:lvl4pPr>
-            <a:lvl5pPr marL="2286228" marR="0" lvl="4" indent="-314357" algn="l" rtl="0">
-              <a:lnSpc>
-                <a:spcPct val="100000"/>
-              </a:lnSpc>
-              <a:spcBef>
-                <a:spcPts val="4200"/>
-              </a:spcBef>
-              <a:spcAft>
-                <a:spcPts val="0"/>
-              </a:spcAft>
-              <a:buClr>
-                <a:srgbClr val="0D71BC"/>
-              </a:buClr>
-              <a:buSzPct val="112000"/>
-              <a:buFont typeface="Arial" panose="020B0604020202020204" pitchFamily="34" charset="0"/>
-              <a:buChar char="•"/>
-              <a:defRPr sz="3600" b="0" i="0" u="none" strike="noStrike" cap="none">
-                <a:solidFill>
-                  <a:srgbClr val="0D71BC"/>
-                </a:solidFill>
-                <a:latin typeface="Source Sans Pro" panose="020B0503030403020204" pitchFamily="34" charset="0"/>
-                <a:ea typeface="Source Sans Pro" panose="020B0503030403020204" pitchFamily="34" charset="0"/>
-                <a:cs typeface="Avenir"/>
-                <a:sym typeface="Avenir"/>
-              </a:defRPr>
-            </a:lvl5pPr>
-            <a:lvl6pPr marL="2743475" marR="0" lvl="5" indent="-314357" algn="l" rtl="0">
-              <a:lnSpc>
-                <a:spcPct val="100000"/>
-              </a:lnSpc>
-              <a:spcBef>
-                <a:spcPts val="4200"/>
-              </a:spcBef>
-              <a:spcAft>
-                <a:spcPts val="0"/>
-              </a:spcAft>
-              <a:buClr>
-                <a:srgbClr val="000000"/>
-              </a:buClr>
-              <a:buSzPts val="1350"/>
-              <a:buFont typeface="Rockwell"/>
-              <a:buChar char="•"/>
-              <a:defRPr sz="3600" b="0" i="0" u="none" strike="noStrike" cap="none">
-                <a:solidFill>
-                  <a:srgbClr val="000000"/>
-                </a:solidFill>
-                <a:latin typeface="Rockwell"/>
-                <a:ea typeface="Rockwell"/>
-                <a:cs typeface="Rockwell"/>
-                <a:sym typeface="Rockwell"/>
-              </a:defRPr>
-            </a:lvl6pPr>
-            <a:lvl7pPr marL="3200720" marR="0" lvl="6" indent="-314357" algn="l" rtl="0">
-              <a:lnSpc>
-                <a:spcPct val="100000"/>
-              </a:lnSpc>
-              <a:spcBef>
-                <a:spcPts val="4200"/>
-              </a:spcBef>
-              <a:spcAft>
-                <a:spcPts val="0"/>
-              </a:spcAft>
-              <a:buClr>
-                <a:srgbClr val="000000"/>
-              </a:buClr>
-              <a:buSzPts val="1350"/>
-              <a:buFont typeface="Rockwell"/>
-              <a:buChar char="•"/>
-              <a:defRPr sz="3600" b="0" i="0" u="none" strike="noStrike" cap="none">
-                <a:solidFill>
-                  <a:srgbClr val="000000"/>
-                </a:solidFill>
-                <a:latin typeface="Rockwell"/>
-                <a:ea typeface="Rockwell"/>
-                <a:cs typeface="Rockwell"/>
-                <a:sym typeface="Rockwell"/>
-              </a:defRPr>
-            </a:lvl7pPr>
-            <a:lvl8pPr marL="3657966" marR="0" lvl="7" indent="-314357" algn="l" rtl="0">
-              <a:lnSpc>
-                <a:spcPct val="100000"/>
-              </a:lnSpc>
-              <a:spcBef>
-                <a:spcPts val="4200"/>
-              </a:spcBef>
-              <a:spcAft>
-                <a:spcPts val="0"/>
-              </a:spcAft>
-              <a:buClr>
-                <a:srgbClr val="000000"/>
-              </a:buClr>
-              <a:buSzPts val="1350"/>
-              <a:buFont typeface="Rockwell"/>
-              <a:buChar char="•"/>
-              <a:defRPr sz="3600" b="0" i="0" u="none" strike="noStrike" cap="none">
-                <a:solidFill>
-                  <a:srgbClr val="000000"/>
-                </a:solidFill>
-                <a:latin typeface="Rockwell"/>
-                <a:ea typeface="Rockwell"/>
-                <a:cs typeface="Rockwell"/>
-                <a:sym typeface="Rockwell"/>
-              </a:defRPr>
-            </a:lvl8pPr>
-            <a:lvl9pPr marL="4115212" marR="0" lvl="8" indent="-314357" algn="l" rtl="0">
-              <a:lnSpc>
-                <a:spcPct val="100000"/>
-              </a:lnSpc>
-              <a:spcBef>
-                <a:spcPts val="4200"/>
-              </a:spcBef>
-              <a:spcAft>
-                <a:spcPts val="0"/>
-              </a:spcAft>
-              <a:buClr>
-                <a:srgbClr val="000000"/>
-              </a:buClr>
-              <a:buSzPts val="1350"/>
-              <a:buFont typeface="Rockwell"/>
-              <a:buChar char="•"/>
-              <a:defRPr sz="3600" b="0" i="0" u="none" strike="noStrike" cap="none">
-                <a:solidFill>
-                  <a:srgbClr val="000000"/>
-                </a:solidFill>
-                <a:latin typeface="Rockwell"/>
-                <a:ea typeface="Rockwell"/>
-                <a:cs typeface="Rockwell"/>
-                <a:sym typeface="Rockwell"/>
-              </a:defRPr>
-            </a:lvl9pPr>
-          </a:lstStyle>
-          <a:p>
-            <a:pPr>
-              <a:buClr>
-                <a:schemeClr val="tx2"/>
-              </a:buClr>
-            </a:pPr>
-            <a:r>
-              <a:rPr lang="en-US" dirty="0">
-                <a:solidFill>
-                  <a:schemeClr val="tx2"/>
-                </a:solidFill>
-                <a:latin typeface="Arial" panose="020B0604020202020204" pitchFamily="34" charset="0"/>
-                <a:cs typeface="Arial" panose="020B0604020202020204" pitchFamily="34" charset="0"/>
-              </a:rPr>
-              <a:t>The second interview tests the applicant’s </a:t>
-            </a:r>
-            <a:r>
-              <a:rPr lang="en-US" b="1" i="1" dirty="0">
-                <a:solidFill>
-                  <a:schemeClr val="tx2"/>
-                </a:solidFill>
-                <a:latin typeface="Arial" panose="020B0604020202020204" pitchFamily="34" charset="0"/>
-                <a:cs typeface="Arial" panose="020B0604020202020204" pitchFamily="34" charset="0"/>
-              </a:rPr>
-              <a:t>depth of knowledge</a:t>
-            </a:r>
-            <a:r>
-              <a:rPr lang="en-US" b="1" dirty="0">
-                <a:solidFill>
-                  <a:schemeClr val="tx2"/>
-                </a:solidFill>
-                <a:latin typeface="Arial" panose="020B0604020202020204" pitchFamily="34" charset="0"/>
-                <a:cs typeface="Arial" panose="020B0604020202020204" pitchFamily="34" charset="0"/>
-              </a:rPr>
-              <a:t> </a:t>
-            </a:r>
-            <a:r>
-              <a:rPr lang="en-US" dirty="0">
-                <a:solidFill>
-                  <a:schemeClr val="tx2"/>
-                </a:solidFill>
-                <a:latin typeface="Arial" panose="020B0604020202020204" pitchFamily="34" charset="0"/>
-                <a:cs typeface="Arial" panose="020B0604020202020204" pitchFamily="34" charset="0"/>
-              </a:rPr>
-              <a:t>across the competencies.</a:t>
-            </a:r>
-          </a:p>
-          <a:p>
-            <a:pPr>
-              <a:buClr>
-                <a:schemeClr val="tx2"/>
-              </a:buClr>
-            </a:pPr>
-            <a:r>
-              <a:rPr lang="en-US" dirty="0">
-                <a:solidFill>
-                  <a:schemeClr val="tx2"/>
-                </a:solidFill>
-                <a:latin typeface="Arial" panose="020B0604020202020204" pitchFamily="34" charset="0"/>
-                <a:cs typeface="Arial" panose="020B0604020202020204" pitchFamily="34" charset="0"/>
-              </a:rPr>
-              <a:t>Depth questions can take up to 10-15 minutes for an applicant to answer. </a:t>
-            </a:r>
-          </a:p>
-          <a:p>
-            <a:pPr>
-              <a:buClr>
-                <a:schemeClr val="tx2"/>
-              </a:buClr>
-            </a:pPr>
-            <a:r>
-              <a:rPr lang="en-US" dirty="0">
-                <a:solidFill>
-                  <a:schemeClr val="tx2"/>
-                </a:solidFill>
-                <a:latin typeface="Arial" panose="020B0604020202020204" pitchFamily="34" charset="0"/>
-                <a:cs typeface="Arial" panose="020B0604020202020204" pitchFamily="34" charset="0"/>
-              </a:rPr>
-              <a:t>Depth questions test how an applicant reacts and responds to changes in the presented situation.</a:t>
-            </a:r>
-          </a:p>
-          <a:p>
-            <a:pPr>
-              <a:buClr>
-                <a:schemeClr val="tx2"/>
-              </a:buClr>
-            </a:pPr>
-            <a:r>
-              <a:rPr lang="en-US" dirty="0">
-                <a:solidFill>
-                  <a:schemeClr val="tx2"/>
-                </a:solidFill>
-                <a:latin typeface="Arial" panose="020B0604020202020204" pitchFamily="34" charset="0"/>
-                <a:cs typeface="Arial" panose="020B0604020202020204" pitchFamily="34" charset="0"/>
-              </a:rPr>
-              <a:t>Depth: Mandated follow up questions that probe deeper (i.e., “Now imagine...” or “Tell me about a time you've experienced that hypothetical in real life.”).</a:t>
-            </a:r>
-          </a:p>
-          <a:p>
-            <a:pPr>
-              <a:buClr>
-                <a:schemeClr val="tx2"/>
-              </a:buClr>
-            </a:pPr>
-            <a:endParaRPr lang="en-US" dirty="0">
-              <a:solidFill>
-                <a:schemeClr val="tx2"/>
-              </a:solidFill>
-              <a:latin typeface="Arial" panose="020B0604020202020204" pitchFamily="34" charset="0"/>
-              <a:cs typeface="Arial" panose="020B0604020202020204" pitchFamily="34" charset="0"/>
-            </a:endParaRPr>
-          </a:p>
-        </p:txBody>
-      </p:sp>
-      <p:sp>
-        <p:nvSpPr>
-          <p:cNvPr id="8" name="Title 3">
-            <a:extLst>
-              <a:ext uri="{FF2B5EF4-FFF2-40B4-BE49-F238E27FC236}">
-                <a16:creationId xmlns:a16="http://schemas.microsoft.com/office/drawing/2014/main" id="{03688122-A7F5-3048-AD5C-54D50A88EE13}"/>
-              </a:ext>
-            </a:extLst>
-          </p:cNvPr>
-          <p:cNvSpPr txBox="1">
-            <a:spLocks/>
-          </p:cNvSpPr>
-          <p:nvPr/>
-        </p:nvSpPr>
-        <p:spPr>
-          <a:xfrm>
-            <a:off x="8670131" y="505196"/>
-            <a:ext cx="7039768" cy="1290459"/>
-          </a:xfrm>
-          <a:prstGeom prst="rect">
-            <a:avLst/>
-          </a:prstGeom>
-          <a:noFill/>
-          <a:ln>
-            <a:noFill/>
-          </a:ln>
-        </p:spPr>
-        <p:txBody>
-          <a:bodyPr spcFirstLastPara="1" wrap="square" lIns="91425" tIns="45700" rIns="91425" bIns="45700" anchor="t" anchorCtr="0"/>
-          <a:lstStyle>
-            <a:defPPr marR="0" lvl="0" algn="l" rtl="0">
-              <a:lnSpc>
-                <a:spcPct val="100000"/>
-              </a:lnSpc>
-              <a:spcBef>
-                <a:spcPts val="0"/>
-              </a:spcBef>
-              <a:spcAft>
-                <a:spcPts val="0"/>
-              </a:spcAft>
-            </a:defPPr>
-            <a:lvl1pPr marR="0" lvl="0" algn="l" rtl="0">
-              <a:lnSpc>
-                <a:spcPct val="100000"/>
-              </a:lnSpc>
-              <a:spcBef>
-                <a:spcPts val="0"/>
-              </a:spcBef>
-              <a:spcAft>
-                <a:spcPts val="0"/>
-              </a:spcAft>
-              <a:buClr>
-                <a:srgbClr val="000000"/>
-              </a:buClr>
-              <a:buSzPts val="1400"/>
-              <a:buFont typeface="Arial"/>
-              <a:buNone/>
-              <a:defRPr sz="3600" b="1" i="0" u="none" strike="noStrike" cap="all" baseline="0">
-                <a:solidFill>
-                  <a:srgbClr val="0D71BC"/>
-                </a:solidFill>
-                <a:latin typeface="Source Sans Pro SemiBold" panose="020B0503030403020204" pitchFamily="34" charset="0"/>
-                <a:ea typeface="Source Sans Pro SemiBold" panose="020B0503030403020204" pitchFamily="34" charset="0"/>
-                <a:cs typeface="Source Sans Pro SemiBold" panose="020B0503030403020204" pitchFamily="34" charset="0"/>
-                <a:sym typeface="Avenir"/>
-              </a:defRPr>
-            </a:lvl1pPr>
-            <a:lvl2pPr marR="0" lvl="1" algn="ctr" rtl="0">
-              <a:lnSpc>
-                <a:spcPct val="100000"/>
-              </a:lnSpc>
-              <a:spcBef>
-                <a:spcPts val="0"/>
-              </a:spcBef>
-              <a:spcAft>
-                <a:spcPts val="0"/>
-              </a:spcAft>
-              <a:buClr>
-                <a:srgbClr val="000000"/>
-              </a:buClr>
-              <a:buSzPts val="1400"/>
-              <a:buFont typeface="Arial"/>
-              <a:buNone/>
-              <a:defRPr sz="8000" b="0" i="0" u="none" strike="noStrike" cap="none">
-                <a:solidFill>
-                  <a:srgbClr val="000000"/>
-                </a:solidFill>
-                <a:latin typeface="Rockwell"/>
-                <a:ea typeface="Rockwell"/>
-                <a:cs typeface="Rockwell"/>
-                <a:sym typeface="Rockwell"/>
-              </a:defRPr>
-            </a:lvl2pPr>
-            <a:lvl3pPr marR="0" lvl="2" algn="ctr" rtl="0">
-              <a:lnSpc>
-                <a:spcPct val="100000"/>
-              </a:lnSpc>
-              <a:spcBef>
-                <a:spcPts val="0"/>
-              </a:spcBef>
-              <a:spcAft>
-                <a:spcPts val="0"/>
-              </a:spcAft>
-              <a:buClr>
-                <a:srgbClr val="000000"/>
-              </a:buClr>
-              <a:buSzPts val="1400"/>
-              <a:buFont typeface="Arial"/>
-              <a:buNone/>
-              <a:defRPr sz="8000" b="0" i="0" u="none" strike="noStrike" cap="none">
-                <a:solidFill>
-                  <a:srgbClr val="000000"/>
-                </a:solidFill>
-                <a:latin typeface="Rockwell"/>
-                <a:ea typeface="Rockwell"/>
-                <a:cs typeface="Rockwell"/>
-                <a:sym typeface="Rockwell"/>
-              </a:defRPr>
-            </a:lvl3pPr>
-            <a:lvl4pPr marR="0" lvl="3" algn="ctr" rtl="0">
-              <a:lnSpc>
-                <a:spcPct val="100000"/>
-              </a:lnSpc>
-              <a:spcBef>
-                <a:spcPts val="0"/>
-              </a:spcBef>
-              <a:spcAft>
-                <a:spcPts val="0"/>
-              </a:spcAft>
-              <a:buClr>
-                <a:srgbClr val="000000"/>
-              </a:buClr>
-              <a:buSzPts val="1400"/>
-              <a:buFont typeface="Arial"/>
-              <a:buNone/>
-              <a:defRPr sz="8000" b="0" i="0" u="none" strike="noStrike" cap="none">
-                <a:solidFill>
-                  <a:srgbClr val="000000"/>
-                </a:solidFill>
-                <a:latin typeface="Rockwell"/>
-                <a:ea typeface="Rockwell"/>
-                <a:cs typeface="Rockwell"/>
-                <a:sym typeface="Rockwell"/>
-              </a:defRPr>
-            </a:lvl4pPr>
-            <a:lvl5pPr marR="0" lvl="4" algn="ctr" rtl="0">
-              <a:lnSpc>
-                <a:spcPct val="100000"/>
-              </a:lnSpc>
-              <a:spcBef>
-                <a:spcPts val="0"/>
-              </a:spcBef>
-              <a:spcAft>
-                <a:spcPts val="0"/>
-              </a:spcAft>
-              <a:buClr>
-                <a:srgbClr val="000000"/>
-              </a:buClr>
-              <a:buSzPts val="1400"/>
-              <a:buFont typeface="Arial"/>
-              <a:buNone/>
-              <a:defRPr sz="8000" b="0" i="0" u="none" strike="noStrike" cap="none">
-                <a:solidFill>
-                  <a:srgbClr val="000000"/>
-                </a:solidFill>
-                <a:latin typeface="Rockwell"/>
-                <a:ea typeface="Rockwell"/>
-                <a:cs typeface="Rockwell"/>
-                <a:sym typeface="Rockwell"/>
-              </a:defRPr>
-            </a:lvl5pPr>
-            <a:lvl6pPr marR="0" lvl="5" algn="ctr" rtl="0">
-              <a:lnSpc>
-                <a:spcPct val="100000"/>
-              </a:lnSpc>
-              <a:spcBef>
-                <a:spcPts val="0"/>
-              </a:spcBef>
-              <a:spcAft>
-                <a:spcPts val="0"/>
-              </a:spcAft>
-              <a:buClr>
-                <a:srgbClr val="000000"/>
-              </a:buClr>
-              <a:buSzPts val="1400"/>
-              <a:buFont typeface="Arial"/>
-              <a:buNone/>
-              <a:defRPr sz="8000" b="0" i="0" u="none" strike="noStrike" cap="none">
-                <a:solidFill>
-                  <a:srgbClr val="000000"/>
-                </a:solidFill>
-                <a:latin typeface="Rockwell"/>
-                <a:ea typeface="Rockwell"/>
-                <a:cs typeface="Rockwell"/>
-                <a:sym typeface="Rockwell"/>
-              </a:defRPr>
-            </a:lvl6pPr>
-            <a:lvl7pPr marR="0" lvl="6" algn="ctr" rtl="0">
-              <a:lnSpc>
-                <a:spcPct val="100000"/>
-              </a:lnSpc>
-              <a:spcBef>
-                <a:spcPts val="0"/>
-              </a:spcBef>
-              <a:spcAft>
-                <a:spcPts val="0"/>
-              </a:spcAft>
-              <a:buClr>
-                <a:srgbClr val="000000"/>
-              </a:buClr>
-              <a:buSzPts val="1400"/>
-              <a:buFont typeface="Arial"/>
-              <a:buNone/>
-              <a:defRPr sz="8000" b="0" i="0" u="none" strike="noStrike" cap="none">
-                <a:solidFill>
-                  <a:srgbClr val="000000"/>
-                </a:solidFill>
-                <a:latin typeface="Rockwell"/>
-                <a:ea typeface="Rockwell"/>
-                <a:cs typeface="Rockwell"/>
-                <a:sym typeface="Rockwell"/>
-              </a:defRPr>
-            </a:lvl7pPr>
-            <a:lvl8pPr marR="0" lvl="7" algn="ctr" rtl="0">
-              <a:lnSpc>
-                <a:spcPct val="100000"/>
-              </a:lnSpc>
-              <a:spcBef>
-                <a:spcPts val="0"/>
-              </a:spcBef>
-              <a:spcAft>
-                <a:spcPts val="0"/>
-              </a:spcAft>
-              <a:buClr>
-                <a:srgbClr val="000000"/>
-              </a:buClr>
-              <a:buSzPts val="1400"/>
-              <a:buFont typeface="Arial"/>
-              <a:buNone/>
-              <a:defRPr sz="8000" b="0" i="0" u="none" strike="noStrike" cap="none">
-                <a:solidFill>
-                  <a:srgbClr val="000000"/>
-                </a:solidFill>
-                <a:latin typeface="Rockwell"/>
-                <a:ea typeface="Rockwell"/>
-                <a:cs typeface="Rockwell"/>
-                <a:sym typeface="Rockwell"/>
-              </a:defRPr>
-            </a:lvl8pPr>
-            <a:lvl9pPr marR="0" lvl="8" algn="ctr" rtl="0">
-              <a:lnSpc>
-                <a:spcPct val="100000"/>
-              </a:lnSpc>
-              <a:spcBef>
-                <a:spcPts val="0"/>
-              </a:spcBef>
-              <a:spcAft>
-                <a:spcPts val="0"/>
-              </a:spcAft>
-              <a:buClr>
-                <a:srgbClr val="000000"/>
-              </a:buClr>
-              <a:buSzPts val="1400"/>
-              <a:buFont typeface="Arial"/>
-              <a:buNone/>
-              <a:defRPr sz="8000" b="0" i="0" u="none" strike="noStrike" cap="none">
-                <a:solidFill>
-                  <a:srgbClr val="000000"/>
-                </a:solidFill>
-                <a:latin typeface="Rockwell"/>
-                <a:ea typeface="Rockwell"/>
-                <a:cs typeface="Rockwell"/>
-                <a:sym typeface="Rockwell"/>
-              </a:defRPr>
-            </a:lvl9pPr>
-          </a:lstStyle>
-          <a:p>
-            <a:r>
-              <a:rPr lang="en-US" dirty="0">
-                <a:solidFill>
-                  <a:schemeClr val="tx2"/>
-                </a:solidFill>
-                <a:latin typeface="+mn-lt"/>
-              </a:rPr>
-              <a:t>Depth questions</a:t>
-            </a:r>
-          </a:p>
-        </p:txBody>
-      </p:sp>
-      <p:sp>
-        <p:nvSpPr>
-          <p:cNvPr id="9" name="Rectangle 8">
-            <a:extLst>
-              <a:ext uri="{FF2B5EF4-FFF2-40B4-BE49-F238E27FC236}">
-                <a16:creationId xmlns:a16="http://schemas.microsoft.com/office/drawing/2014/main" id="{1503535E-A95D-194A-BCC3-2DC71399598E}"/>
-              </a:ext>
-            </a:extLst>
-          </p:cNvPr>
-          <p:cNvSpPr/>
-          <p:nvPr/>
-        </p:nvSpPr>
-        <p:spPr>
-          <a:xfrm>
-            <a:off x="1734112" y="3746809"/>
-            <a:ext cx="13872117" cy="2141034"/>
-          </a:xfrm>
-          <a:prstGeom prst="rect">
-            <a:avLst/>
-          </a:prstGeom>
-          <a:solidFill>
-            <a:srgbClr val="FFFF00"/>
-          </a:solidFill>
-        </p:spPr>
-        <p:style>
-          <a:lnRef idx="2">
-            <a:schemeClr val="accent1">
-              <a:shade val="50000"/>
-            </a:schemeClr>
-          </a:lnRef>
-          <a:fillRef idx="1">
-            <a:schemeClr val="accent1"/>
-          </a:fillRef>
-          <a:effectRef idx="0">
-            <a:schemeClr val="accent1"/>
-          </a:effectRef>
-          <a:fontRef idx="minor">
-            <a:schemeClr val="lt1"/>
-          </a:fontRef>
-        </p:style>
-        <p:txBody>
-          <a:bodyPr rtlCol="0" anchor="ctr"/>
-          <a:lstStyle/>
-          <a:p>
-            <a:pPr algn="ctr"/>
-            <a:r>
-              <a:rPr lang="en-US" sz="3600" b="1" dirty="0">
-                <a:solidFill>
-                  <a:schemeClr val="tx2"/>
-                </a:solidFill>
-                <a:latin typeface="+mj-lt"/>
-              </a:rPr>
-              <a:t>Use this slide if doing two structured interview assessments</a:t>
-            </a:r>
-          </a:p>
-          <a:p>
-            <a:pPr algn="ctr"/>
-            <a:endParaRPr lang="en-US" dirty="0"/>
+              <a:rPr lang="en-US" b="1" dirty="0"/>
+              <a:t>Question</a:t>
+            </a:r>
+            <a:r>
+              <a:rPr lang="en-US" dirty="0"/>
+              <a:t>: Imagine you will be attending a chief executive briefing along with a number of senior leaders from your organization. These senior leaders have more experience and tenure in the organization than you have. In addition, they hold a view that is in conflict with yours. You need the chief executive to adopt your view. How would you prepare for this meeting?</a:t>
+            </a:r>
           </a:p>
         </p:txBody>
       </p:sp>
     </p:spTree>
     <p:extLst>
       <p:ext uri="{BB962C8B-B14F-4D97-AF65-F5344CB8AC3E}">
-        <p14:creationId xmlns:p14="http://schemas.microsoft.com/office/powerpoint/2010/main" val="1075016947"/>
+        <p14:creationId xmlns:p14="http://schemas.microsoft.com/office/powerpoint/2010/main" val="1533237504"/>
       </p:ext>
     </p:extLst>
   </p:cSld>
@@ -12486,110 +12330,6 @@
           <a:p>
             <a:r>
               <a:rPr lang="en-US" dirty="0"/>
-              <a:t>Example Breadth Question – Stakeholder Engagement Competency</a:t>
-            </a:r>
-          </a:p>
-        </p:txBody>
-      </p:sp>
-      <p:sp>
-        <p:nvSpPr>
-          <p:cNvPr id="3" name="Text Placeholder 2">
-            <a:extLst>
-              <a:ext uri="{FF2B5EF4-FFF2-40B4-BE49-F238E27FC236}">
-                <a16:creationId xmlns:a16="http://schemas.microsoft.com/office/drawing/2014/main" id="{D6A4DA58-3293-B044-90E9-FC07DFF20EF1}"/>
-              </a:ext>
-            </a:extLst>
-          </p:cNvPr>
-          <p:cNvSpPr>
-            <a:spLocks noGrp="1"/>
-          </p:cNvSpPr>
-          <p:nvPr>
-            <p:ph type="body" idx="1"/>
-          </p:nvPr>
-        </p:nvSpPr>
-        <p:spPr>
-          <a:xfrm>
-            <a:off x="1192143" y="1841500"/>
-            <a:ext cx="14956057" cy="7392802"/>
-          </a:xfrm>
-          <a:noFill/>
-          <a:ln>
-            <a:noFill/>
-          </a:ln>
-        </p:spPr>
-        <p:txBody>
-          <a:bodyPr spcFirstLastPara="1" wrap="square" lIns="0" tIns="0" rIns="0" bIns="0" anchor="t" anchorCtr="0">
-            <a:normAutofit/>
-          </a:bodyPr>
-          <a:lstStyle/>
-          <a:p>
-            <a:pPr marL="171467" indent="0">
-              <a:buNone/>
-            </a:pPr>
-            <a:r>
-              <a:rPr lang="en-US" b="1" dirty="0"/>
-              <a:t>Question</a:t>
-            </a:r>
-            <a:r>
-              <a:rPr lang="en-US" dirty="0"/>
-              <a:t>: Imagine you will be attending a chief executive briefing along with a number of senior leaders from your organization. These senior leaders have more experience and tenure in the organization than you have. In addition, they hold a view that is in conflict with yours. You need the chief executive to adopt your view. How would you prepare for this meeting?</a:t>
-            </a:r>
-          </a:p>
-        </p:txBody>
-      </p:sp>
-    </p:spTree>
-    <p:extLst>
-      <p:ext uri="{BB962C8B-B14F-4D97-AF65-F5344CB8AC3E}">
-        <p14:creationId xmlns:p14="http://schemas.microsoft.com/office/powerpoint/2010/main" val="1533237504"/>
-      </p:ext>
-    </p:extLst>
-  </p:cSld>
-  <p:clrMapOvr>
-    <a:masterClrMapping/>
-  </p:clrMapOvr>
-</p:sld>
-</file>
-
-<file path=ppt/slides/slide32.xml><?xml version="1.0" encoding="utf-8"?>
-<p:sld xmlns:a="http://schemas.openxmlformats.org/drawingml/2006/main" xmlns:r="http://schemas.openxmlformats.org/officeDocument/2006/relationships" xmlns:p="http://schemas.openxmlformats.org/presentationml/2006/main">
-  <p:cSld>
-    <p:spTree>
-      <p:nvGrpSpPr>
-        <p:cNvPr id="1" name=""/>
-        <p:cNvGrpSpPr/>
-        <p:nvPr/>
-      </p:nvGrpSpPr>
-      <p:grpSpPr>
-        <a:xfrm>
-          <a:off x="0" y="0"/>
-          <a:ext cx="0" cy="0"/>
-          <a:chOff x="0" y="0"/>
-          <a:chExt cx="0" cy="0"/>
-        </a:xfrm>
-      </p:grpSpPr>
-      <p:sp>
-        <p:nvSpPr>
-          <p:cNvPr id="2" name="Title 1">
-            <a:extLst>
-              <a:ext uri="{FF2B5EF4-FFF2-40B4-BE49-F238E27FC236}">
-                <a16:creationId xmlns:a16="http://schemas.microsoft.com/office/drawing/2014/main" id="{D4E4C047-701E-6045-A204-2E9F55292620}"/>
-              </a:ext>
-            </a:extLst>
-          </p:cNvPr>
-          <p:cNvSpPr>
-            <a:spLocks noGrp="1"/>
-          </p:cNvSpPr>
-          <p:nvPr>
-            <p:ph type="title"/>
-          </p:nvPr>
-        </p:nvSpPr>
-        <p:spPr/>
-        <p:txBody>
-          <a:bodyPr/>
-          <a:lstStyle/>
-          <a:p>
-            <a:r>
-              <a:rPr lang="en-US" dirty="0"/>
               <a:t>Example Depth Question – Stakeholder Engagement Competency</a:t>
             </a:r>
           </a:p>
@@ -12690,7 +12430,7 @@
 </p:sld>
 </file>
 
-<file path=ppt/slides/slide33.xml><?xml version="1.0" encoding="utf-8"?>
+<file path=ppt/slides/slide32.xml><?xml version="1.0" encoding="utf-8"?>
 <p:sld xmlns:a="http://schemas.openxmlformats.org/drawingml/2006/main" xmlns:r="http://schemas.openxmlformats.org/officeDocument/2006/relationships" xmlns:p="http://schemas.openxmlformats.org/presentationml/2006/main">
   <p:cSld>
     <p:spTree>
@@ -12812,7 +12552,7 @@
 </p:sld>
 </file>
 
-<file path=ppt/slides/slide34.xml><?xml version="1.0" encoding="utf-8"?>
+<file path=ppt/slides/slide33.xml><?xml version="1.0" encoding="utf-8"?>
 <p:sld xmlns:a="http://schemas.openxmlformats.org/drawingml/2006/main" xmlns:r="http://schemas.openxmlformats.org/officeDocument/2006/relationships" xmlns:p="http://schemas.openxmlformats.org/presentationml/2006/main">
   <p:cSld>
     <p:spTree>
@@ -12870,7 +12610,7 @@
 </p:sld>
 </file>
 
-<file path=ppt/slides/slide35.xml><?xml version="1.0" encoding="utf-8"?>
+<file path=ppt/slides/slide34.xml><?xml version="1.0" encoding="utf-8"?>
 <p:sld xmlns:a="http://schemas.openxmlformats.org/drawingml/2006/main" xmlns:r="http://schemas.openxmlformats.org/officeDocument/2006/relationships" xmlns:p="http://schemas.openxmlformats.org/presentationml/2006/main" show="0">
   <p:cSld>
     <p:spTree>
@@ -13003,7 +12743,7 @@
 </p:sld>
 </file>
 
-<file path=ppt/slides/slide36.xml><?xml version="1.0" encoding="utf-8"?>
+<file path=ppt/slides/slide35.xml><?xml version="1.0" encoding="utf-8"?>
 <p:sld xmlns:a="http://schemas.openxmlformats.org/drawingml/2006/main" xmlns:r="http://schemas.openxmlformats.org/officeDocument/2006/relationships" xmlns:p="http://schemas.openxmlformats.org/presentationml/2006/main" show="0">
   <p:cSld>
     <p:spTree>

--- a/toolkit/job-analysis/job-analysis-presentation.pptx
+++ b/toolkit/job-analysis/job-analysis-presentation.pptx
@@ -453,7 +453,7 @@
           <a:p>
             <a:fld id="{5F1244B9-655E-9143-8F11-143B7EBD7CDE}" type="datetimeFigureOut">
               <a:rPr lang="en-US" smtClean="0"/>
-              <a:t>5/28/21</a:t>
+              <a:t>6/4/21</a:t>
             </a:fld>
             <a:endParaRPr lang="en-US"/>
           </a:p>
@@ -4551,7 +4551,25 @@
                 <a:cs typeface="Arial"/>
                 <a:sym typeface="Arial"/>
               </a:rPr>
-              <a:t>After the assessments are complete, HR adjudicates veterans’ preference to all of the applicants who passed the assessment phase</a:t>
+              <a:t>After the assessments are complete, HR </a:t>
+            </a:r>
+            <a:r>
+              <a:rPr lang="en-US" sz="1100">
+                <a:latin typeface="Arial"/>
+                <a:ea typeface="Arial"/>
+                <a:cs typeface="Arial"/>
+                <a:sym typeface="Arial"/>
+              </a:rPr>
+              <a:t>adjudicates veterans</a:t>
+            </a:r>
+            <a:r>
+              <a:rPr lang="en-US" sz="1100" dirty="0">
+                <a:latin typeface="Arial"/>
+                <a:ea typeface="Arial"/>
+                <a:cs typeface="Arial"/>
+                <a:sym typeface="Arial"/>
+              </a:rPr>
+              <a:t>’ preference to all of the applicants who passed the assessment phase</a:t>
             </a:r>
             <a:endParaRPr sz="1100" dirty="0">
               <a:latin typeface="Arial"/>

--- a/toolkit/job-analysis/job-analysis-presentation.pptx
+++ b/toolkit/job-analysis/job-analysis-presentation.pptx
@@ -5,10 +5,10 @@
     <p:sldMasterId id="2147483666" r:id="rId1"/>
   </p:sldMasterIdLst>
   <p:notesMasterIdLst>
-    <p:notesMasterId r:id="rId37"/>
+    <p:notesMasterId r:id="rId40"/>
   </p:notesMasterIdLst>
   <p:handoutMasterIdLst>
-    <p:handoutMasterId r:id="rId38"/>
+    <p:handoutMasterId r:id="rId41"/>
   </p:handoutMasterIdLst>
   <p:sldIdLst>
     <p:sldId id="256" r:id="rId2"/>
@@ -26,74 +26,77 @@
     <p:sldId id="327" r:id="rId14"/>
     <p:sldId id="369" r:id="rId15"/>
     <p:sldId id="329" r:id="rId16"/>
-    <p:sldId id="348" r:id="rId17"/>
-    <p:sldId id="331" r:id="rId18"/>
-    <p:sldId id="291" r:id="rId19"/>
-    <p:sldId id="349" r:id="rId20"/>
-    <p:sldId id="350" r:id="rId21"/>
-    <p:sldId id="353" r:id="rId22"/>
-    <p:sldId id="372" r:id="rId23"/>
-    <p:sldId id="354" r:id="rId24"/>
-    <p:sldId id="374" r:id="rId25"/>
-    <p:sldId id="356" r:id="rId26"/>
-    <p:sldId id="357" r:id="rId27"/>
-    <p:sldId id="358" r:id="rId28"/>
-    <p:sldId id="375" r:id="rId29"/>
-    <p:sldId id="359" r:id="rId30"/>
-    <p:sldId id="345" r:id="rId31"/>
-    <p:sldId id="355" r:id="rId32"/>
-    <p:sldId id="341" r:id="rId33"/>
-    <p:sldId id="362" r:id="rId34"/>
-    <p:sldId id="360" r:id="rId35"/>
-    <p:sldId id="361" r:id="rId36"/>
+    <p:sldId id="377" r:id="rId17"/>
+    <p:sldId id="348" r:id="rId18"/>
+    <p:sldId id="376" r:id="rId19"/>
+    <p:sldId id="331" r:id="rId20"/>
+    <p:sldId id="291" r:id="rId21"/>
+    <p:sldId id="349" r:id="rId22"/>
+    <p:sldId id="350" r:id="rId23"/>
+    <p:sldId id="353" r:id="rId24"/>
+    <p:sldId id="372" r:id="rId25"/>
+    <p:sldId id="354" r:id="rId26"/>
+    <p:sldId id="374" r:id="rId27"/>
+    <p:sldId id="356" r:id="rId28"/>
+    <p:sldId id="357" r:id="rId29"/>
+    <p:sldId id="358" r:id="rId30"/>
+    <p:sldId id="375" r:id="rId31"/>
+    <p:sldId id="359" r:id="rId32"/>
+    <p:sldId id="345" r:id="rId33"/>
+    <p:sldId id="355" r:id="rId34"/>
+    <p:sldId id="341" r:id="rId35"/>
+    <p:sldId id="378" r:id="rId36"/>
+    <p:sldId id="362" r:id="rId37"/>
+    <p:sldId id="360" r:id="rId38"/>
+    <p:sldId id="361" r:id="rId39"/>
   </p:sldIdLst>
   <p:sldSz cx="17340263" cy="9753600"/>
   <p:notesSz cx="6881813" cy="9296400"/>
   <p:embeddedFontLst>
     <p:embeddedFont>
       <p:font typeface="Avenir" panose="02000503020000020003" pitchFamily="2" charset="0"/>
-      <p:regular r:id="rId39"/>
-      <p:italic r:id="rId40"/>
+      <p:regular r:id="rId42"/>
+      <p:italic r:id="rId43"/>
     </p:embeddedFont>
     <p:embeddedFont>
       <p:font typeface="Cambria" panose="02040503050406030204" pitchFamily="18" charset="0"/>
-      <p:regular r:id="rId41"/>
-      <p:bold r:id="rId42"/>
-      <p:italic r:id="rId43"/>
-      <p:boldItalic r:id="rId44"/>
+      <p:regular r:id="rId44"/>
+      <p:bold r:id="rId45"/>
+      <p:italic r:id="rId46"/>
+      <p:boldItalic r:id="rId47"/>
     </p:embeddedFont>
     <p:embeddedFont>
       <p:font typeface="Merriweather" pitchFamily="2" charset="77"/>
-      <p:regular r:id="rId45"/>
-      <p:bold r:id="rId46"/>
-      <p:italic r:id="rId47"/>
-      <p:boldItalic r:id="rId48"/>
+      <p:regular r:id="rId48"/>
+      <p:bold r:id="rId49"/>
+      <p:italic r:id="rId50"/>
+      <p:boldItalic r:id="rId51"/>
     </p:embeddedFont>
     <p:embeddedFont>
       <p:font typeface="Merriweather Sans" pitchFamily="2" charset="77"/>
-      <p:regular r:id="rId49"/>
-      <p:bold r:id="rId50"/>
-      <p:italic r:id="rId51"/>
-      <p:boldItalic r:id="rId52"/>
+      <p:regular r:id="rId52"/>
+      <p:bold r:id="rId53"/>
+      <p:italic r:id="rId54"/>
+      <p:boldItalic r:id="rId55"/>
     </p:embeddedFont>
     <p:embeddedFont>
       <p:font typeface="Rockwell" panose="02060603020205020403" pitchFamily="18" charset="77"/>
-      <p:regular r:id="rId53"/>
-      <p:bold r:id="rId54"/>
-      <p:italic r:id="rId55"/>
-      <p:boldItalic r:id="rId56"/>
+      <p:regular r:id="rId56"/>
+      <p:bold r:id="rId57"/>
+      <p:italic r:id="rId58"/>
+      <p:boldItalic r:id="rId59"/>
     </p:embeddedFont>
     <p:embeddedFont>
       <p:font typeface="Source Sans Pro" panose="020B0503030403020204" pitchFamily="34" charset="0"/>
-      <p:regular r:id="rId57"/>
-      <p:bold r:id="rId58"/>
-      <p:italic r:id="rId59"/>
-      <p:boldItalic r:id="rId60"/>
+      <p:regular r:id="rId60"/>
+      <p:bold r:id="rId61"/>
+      <p:italic r:id="rId62"/>
+      <p:boldItalic r:id="rId63"/>
     </p:embeddedFont>
     <p:embeddedFont>
       <p:font typeface="Source Sans Pro SemiBold" panose="020B0603030403020204" pitchFamily="34" charset="0"/>
-      <p:bold r:id="rId61"/>
-      <p:boldItalic r:id="rId62"/>
+      <p:bold r:id="rId64"/>
+      <p:boldItalic r:id="rId65"/>
     </p:embeddedFont>
   </p:embeddedFontLst>
   <p:defaultTextStyle>
@@ -1589,7 +1592,7 @@
             </a:r>
             <a:r>
               <a:rPr lang="en-US" baseline="0" dirty="0"/>
-              <a:t> To save time, divide the room in half and have half the participants do half the competencies per group. The levels should built upon each other. They should be as succinct as possible.</a:t>
+              <a:t> To save time, split up the participants to do work in subgroups. Levels should built upon each other and be as succinct as possible.</a:t>
             </a:r>
             <a:endParaRPr lang="en-US" dirty="0"/>
           </a:p>
@@ -1655,27 +1658,122 @@
           <a:bodyPr/>
           <a:lstStyle/>
           <a:p>
+            <a:pPr marL="457200" marR="0" lvl="0" indent="-228600" algn="l" defTabSz="914400" rtl="0" eaLnBrk="1" fontAlgn="auto" latinLnBrk="0" hangingPunct="1">
+              <a:lnSpc>
+                <a:spcPct val="100000"/>
+              </a:lnSpc>
+              <a:spcBef>
+                <a:spcPts val="0"/>
+              </a:spcBef>
+              <a:spcAft>
+                <a:spcPts val="0"/>
+              </a:spcAft>
+              <a:buClr>
+                <a:srgbClr val="000000"/>
+              </a:buClr>
+              <a:buSzPts val="1400"/>
+              <a:buFont typeface="Arial"/>
+              <a:buNone/>
+              <a:tabLst/>
+              <a:defRPr/>
+            </a:pPr>
             <a:r>
               <a:rPr lang="en-US" dirty="0"/>
               <a:t>Note to facilitator:</a:t>
             </a:r>
             <a:r>
               <a:rPr lang="en-US" baseline="0" dirty="0"/>
-              <a:t> To save time, divide the room in half and have half the participants do half the competencies per group. The levels should built upon each other. They should be as succinct as possible. </a:t>
-            </a:r>
-            <a:r>
-              <a:rPr lang="en-US" sz="2200" b="0" i="0" u="none" strike="noStrike" cap="none" dirty="0">
-                <a:solidFill>
-                  <a:srgbClr val="000000"/>
-                </a:solidFill>
-                <a:effectLst/>
-                <a:latin typeface="Merriweather Sans"/>
-                <a:ea typeface="Merriweather Sans"/>
-                <a:cs typeface="Merriweather Sans"/>
-                <a:sym typeface="Merriweather Sans"/>
-              </a:rPr>
-              <a:t>through iterations.</a:t>
-            </a:r>
+              <a:t> To save time, split up the participants to do work in subgroups. Levels should built upon each other and be as succinct as possible.</a:t>
+            </a:r>
+            <a:endParaRPr lang="en-US" dirty="0"/>
+          </a:p>
+        </p:txBody>
+      </p:sp>
+    </p:spTree>
+    <p:extLst>
+      <p:ext uri="{BB962C8B-B14F-4D97-AF65-F5344CB8AC3E}">
+        <p14:creationId xmlns:p14="http://schemas.microsoft.com/office/powerpoint/2010/main" val="3625531635"/>
+      </p:ext>
+    </p:extLst>
+  </p:cSld>
+  <p:clrMapOvr>
+    <a:masterClrMapping/>
+  </p:clrMapOvr>
+</p:notes>
+</file>
+
+<file path=ppt/notesSlides/notesSlide15.xml><?xml version="1.0" encoding="utf-8"?>
+<p:notes xmlns:a="http://schemas.openxmlformats.org/drawingml/2006/main" xmlns:r="http://schemas.openxmlformats.org/officeDocument/2006/relationships" xmlns:p="http://schemas.openxmlformats.org/presentationml/2006/main">
+  <p:cSld>
+    <p:spTree>
+      <p:nvGrpSpPr>
+        <p:cNvPr id="1" name=""/>
+        <p:cNvGrpSpPr/>
+        <p:nvPr/>
+      </p:nvGrpSpPr>
+      <p:grpSpPr>
+        <a:xfrm>
+          <a:off x="0" y="0"/>
+          <a:ext cx="0" cy="0"/>
+          <a:chOff x="0" y="0"/>
+          <a:chExt cx="0" cy="0"/>
+        </a:xfrm>
+      </p:grpSpPr>
+      <p:sp>
+        <p:nvSpPr>
+          <p:cNvPr id="2" name="Slide Image Placeholder 1"/>
+          <p:cNvSpPr>
+            <a:spLocks noGrp="1" noRot="1" noChangeAspect="1"/>
+          </p:cNvSpPr>
+          <p:nvPr>
+            <p:ph type="sldImg"/>
+          </p:nvPr>
+        </p:nvSpPr>
+        <p:spPr/>
+      </p:sp>
+      <p:sp>
+        <p:nvSpPr>
+          <p:cNvPr id="3" name="Notes Placeholder 2"/>
+          <p:cNvSpPr>
+            <a:spLocks noGrp="1"/>
+          </p:cNvSpPr>
+          <p:nvPr>
+            <p:ph type="body" idx="1"/>
+          </p:nvPr>
+        </p:nvSpPr>
+        <p:spPr/>
+        <p:txBody>
+          <a:bodyPr/>
+          <a:lstStyle/>
+          <a:p>
+            <a:pPr marL="457200" marR="0" lvl="0" indent="-228600" algn="l" defTabSz="914400" rtl="0" eaLnBrk="1" fontAlgn="auto" latinLnBrk="0" hangingPunct="1">
+              <a:lnSpc>
+                <a:spcPct val="100000"/>
+              </a:lnSpc>
+              <a:spcBef>
+                <a:spcPts val="0"/>
+              </a:spcBef>
+              <a:spcAft>
+                <a:spcPts val="0"/>
+              </a:spcAft>
+              <a:buClr>
+                <a:srgbClr val="000000"/>
+              </a:buClr>
+              <a:buSzPts val="1400"/>
+              <a:buFont typeface="Arial"/>
+              <a:buNone/>
+              <a:tabLst/>
+              <a:defRPr/>
+            </a:pPr>
+            <a:r>
+              <a:rPr lang="en-US" dirty="0"/>
+              <a:t>Note to facilitator:</a:t>
+            </a:r>
+            <a:r>
+              <a:rPr lang="en-US" baseline="0" dirty="0"/>
+              <a:t> To save time, split up the participants to do work in subgroups. Levels should built upon each other and be as succinct as possible.</a:t>
+            </a:r>
+            <a:endParaRPr lang="en-US" dirty="0"/>
           </a:p>
         </p:txBody>
       </p:sp>
@@ -1692,7 +1790,183 @@
 </p:notes>
 </file>
 
-<file path=ppt/notesSlides/notesSlide15.xml><?xml version="1.0" encoding="utf-8"?>
+<file path=ppt/notesSlides/notesSlide16.xml><?xml version="1.0" encoding="utf-8"?>
+<p:notes xmlns:a="http://schemas.openxmlformats.org/drawingml/2006/main" xmlns:r="http://schemas.openxmlformats.org/officeDocument/2006/relationships" xmlns:p="http://schemas.openxmlformats.org/presentationml/2006/main">
+  <p:cSld>
+    <p:spTree>
+      <p:nvGrpSpPr>
+        <p:cNvPr id="1" name=""/>
+        <p:cNvGrpSpPr/>
+        <p:nvPr/>
+      </p:nvGrpSpPr>
+      <p:grpSpPr>
+        <a:xfrm>
+          <a:off x="0" y="0"/>
+          <a:ext cx="0" cy="0"/>
+          <a:chOff x="0" y="0"/>
+          <a:chExt cx="0" cy="0"/>
+        </a:xfrm>
+      </p:grpSpPr>
+      <p:sp>
+        <p:nvSpPr>
+          <p:cNvPr id="2" name="Slide Image Placeholder 1"/>
+          <p:cNvSpPr>
+            <a:spLocks noGrp="1" noRot="1" noChangeAspect="1"/>
+          </p:cNvSpPr>
+          <p:nvPr>
+            <p:ph type="sldImg"/>
+          </p:nvPr>
+        </p:nvSpPr>
+        <p:spPr/>
+      </p:sp>
+      <p:sp>
+        <p:nvSpPr>
+          <p:cNvPr id="3" name="Notes Placeholder 2"/>
+          <p:cNvSpPr>
+            <a:spLocks noGrp="1"/>
+          </p:cNvSpPr>
+          <p:nvPr>
+            <p:ph type="body" idx="1"/>
+          </p:nvPr>
+        </p:nvSpPr>
+        <p:spPr/>
+        <p:txBody>
+          <a:bodyPr/>
+          <a:lstStyle/>
+          <a:p>
+            <a:pPr marL="457200" marR="0" lvl="0" indent="-228600" algn="l" defTabSz="914400" rtl="0" eaLnBrk="1" fontAlgn="auto" latinLnBrk="0" hangingPunct="1">
+              <a:lnSpc>
+                <a:spcPct val="100000"/>
+              </a:lnSpc>
+              <a:spcBef>
+                <a:spcPts val="0"/>
+              </a:spcBef>
+              <a:spcAft>
+                <a:spcPts val="0"/>
+              </a:spcAft>
+              <a:buClr>
+                <a:srgbClr val="000000"/>
+              </a:buClr>
+              <a:buSzPts val="1400"/>
+              <a:buFont typeface="Arial"/>
+              <a:buNone/>
+              <a:tabLst/>
+              <a:defRPr/>
+            </a:pPr>
+            <a:r>
+              <a:rPr lang="en-US" dirty="0"/>
+              <a:t>Note to facilitator:</a:t>
+            </a:r>
+            <a:r>
+              <a:rPr lang="en-US" baseline="0" dirty="0"/>
+              <a:t> To save time, split up the participants to do work in subgroups. Levels should built upon each other and be as succinct as possible.</a:t>
+            </a:r>
+            <a:endParaRPr lang="en-US" dirty="0"/>
+          </a:p>
+        </p:txBody>
+      </p:sp>
+    </p:spTree>
+    <p:extLst>
+      <p:ext uri="{BB962C8B-B14F-4D97-AF65-F5344CB8AC3E}">
+        <p14:creationId xmlns:p14="http://schemas.microsoft.com/office/powerpoint/2010/main" val="1845255023"/>
+      </p:ext>
+    </p:extLst>
+  </p:cSld>
+  <p:clrMapOvr>
+    <a:masterClrMapping/>
+  </p:clrMapOvr>
+</p:notes>
+</file>
+
+<file path=ppt/notesSlides/notesSlide17.xml><?xml version="1.0" encoding="utf-8"?>
+<p:notes xmlns:a="http://schemas.openxmlformats.org/drawingml/2006/main" xmlns:r="http://schemas.openxmlformats.org/officeDocument/2006/relationships" xmlns:p="http://schemas.openxmlformats.org/presentationml/2006/main">
+  <p:cSld>
+    <p:spTree>
+      <p:nvGrpSpPr>
+        <p:cNvPr id="1" name=""/>
+        <p:cNvGrpSpPr/>
+        <p:nvPr/>
+      </p:nvGrpSpPr>
+      <p:grpSpPr>
+        <a:xfrm>
+          <a:off x="0" y="0"/>
+          <a:ext cx="0" cy="0"/>
+          <a:chOff x="0" y="0"/>
+          <a:chExt cx="0" cy="0"/>
+        </a:xfrm>
+      </p:grpSpPr>
+      <p:sp>
+        <p:nvSpPr>
+          <p:cNvPr id="2" name="Slide Image Placeholder 1"/>
+          <p:cNvSpPr>
+            <a:spLocks noGrp="1" noRot="1" noChangeAspect="1"/>
+          </p:cNvSpPr>
+          <p:nvPr>
+            <p:ph type="sldImg"/>
+          </p:nvPr>
+        </p:nvSpPr>
+        <p:spPr/>
+      </p:sp>
+      <p:sp>
+        <p:nvSpPr>
+          <p:cNvPr id="3" name="Notes Placeholder 2"/>
+          <p:cNvSpPr>
+            <a:spLocks noGrp="1"/>
+          </p:cNvSpPr>
+          <p:nvPr>
+            <p:ph type="body" idx="1"/>
+          </p:nvPr>
+        </p:nvSpPr>
+        <p:spPr/>
+        <p:txBody>
+          <a:bodyPr/>
+          <a:lstStyle/>
+          <a:p>
+            <a:pPr marL="457200" marR="0" lvl="0" indent="-228600" algn="l" defTabSz="914400" rtl="0" eaLnBrk="1" fontAlgn="auto" latinLnBrk="0" hangingPunct="1">
+              <a:lnSpc>
+                <a:spcPct val="100000"/>
+              </a:lnSpc>
+              <a:spcBef>
+                <a:spcPts val="0"/>
+              </a:spcBef>
+              <a:spcAft>
+                <a:spcPts val="0"/>
+              </a:spcAft>
+              <a:buClr>
+                <a:srgbClr val="000000"/>
+              </a:buClr>
+              <a:buSzPts val="1400"/>
+              <a:buFont typeface="Arial"/>
+              <a:buNone/>
+              <a:tabLst/>
+              <a:defRPr/>
+            </a:pPr>
+            <a:r>
+              <a:rPr lang="en-US" dirty="0"/>
+              <a:t>Note to facilitator:</a:t>
+            </a:r>
+            <a:r>
+              <a:rPr lang="en-US" baseline="0" dirty="0"/>
+              <a:t> To save time, split up the participants to do work in subgroups. Levels should built upon each other and be as succinct as possible.</a:t>
+            </a:r>
+            <a:endParaRPr lang="en-US" dirty="0"/>
+          </a:p>
+        </p:txBody>
+      </p:sp>
+    </p:spTree>
+    <p:extLst>
+      <p:ext uri="{BB962C8B-B14F-4D97-AF65-F5344CB8AC3E}">
+        <p14:creationId xmlns:p14="http://schemas.microsoft.com/office/powerpoint/2010/main" val="3232571863"/>
+      </p:ext>
+    </p:extLst>
+  </p:cSld>
+  <p:clrMapOvr>
+    <a:masterClrMapping/>
+  </p:clrMapOvr>
+</p:notes>
+</file>
+
+<file path=ppt/notesSlides/notesSlide18.xml><?xml version="1.0" encoding="utf-8"?>
 <p:notes xmlns:a="http://schemas.openxmlformats.org/drawingml/2006/main" xmlns:r="http://schemas.openxmlformats.org/officeDocument/2006/relationships" xmlns:p="http://schemas.openxmlformats.org/presentationml/2006/main" showMasterSp="0" showMasterPhAnim="0">
   <p:cSld>
     <p:spTree>
@@ -1808,7 +2082,7 @@
 </p:notes>
 </file>
 
-<file path=ppt/notesSlides/notesSlide16.xml><?xml version="1.0" encoding="utf-8"?>
+<file path=ppt/notesSlides/notesSlide19.xml><?xml version="1.0" encoding="utf-8"?>
 <p:notes xmlns:a="http://schemas.openxmlformats.org/drawingml/2006/main" xmlns:r="http://schemas.openxmlformats.org/officeDocument/2006/relationships" xmlns:p="http://schemas.openxmlformats.org/presentationml/2006/main">
   <p:cSld>
     <p:spTree>
@@ -1869,7 +2143,77 @@
 </p:notes>
 </file>
 
-<file path=ppt/notesSlides/notesSlide17.xml><?xml version="1.0" encoding="utf-8"?>
+<file path=ppt/notesSlides/notesSlide2.xml><?xml version="1.0" encoding="utf-8"?>
+<p:notes xmlns:a="http://schemas.openxmlformats.org/drawingml/2006/main" xmlns:r="http://schemas.openxmlformats.org/officeDocument/2006/relationships" xmlns:p="http://schemas.openxmlformats.org/presentationml/2006/main">
+  <p:cSld>
+    <p:spTree>
+      <p:nvGrpSpPr>
+        <p:cNvPr id="1" name=""/>
+        <p:cNvGrpSpPr/>
+        <p:nvPr/>
+      </p:nvGrpSpPr>
+      <p:grpSpPr>
+        <a:xfrm>
+          <a:off x="0" y="0"/>
+          <a:ext cx="0" cy="0"/>
+          <a:chOff x="0" y="0"/>
+          <a:chExt cx="0" cy="0"/>
+        </a:xfrm>
+      </p:grpSpPr>
+      <p:sp>
+        <p:nvSpPr>
+          <p:cNvPr id="2" name="Slide Image Placeholder 1"/>
+          <p:cNvSpPr>
+            <a:spLocks noGrp="1" noRot="1" noChangeAspect="1"/>
+          </p:cNvSpPr>
+          <p:nvPr>
+            <p:ph type="sldImg"/>
+          </p:nvPr>
+        </p:nvSpPr>
+        <p:spPr/>
+      </p:sp>
+      <p:sp>
+        <p:nvSpPr>
+          <p:cNvPr id="3" name="Notes Placeholder 2"/>
+          <p:cNvSpPr>
+            <a:spLocks noGrp="1"/>
+          </p:cNvSpPr>
+          <p:nvPr>
+            <p:ph type="body" idx="1"/>
+          </p:nvPr>
+        </p:nvSpPr>
+        <p:spPr/>
+        <p:txBody>
+          <a:bodyPr/>
+          <a:lstStyle/>
+          <a:p>
+            <a:r>
+              <a:rPr lang="en-US" dirty="0"/>
+              <a:t>Don’t share the competencies until the team has already come up with their competencies</a:t>
+            </a:r>
+          </a:p>
+          <a:p>
+            <a:r>
+              <a:rPr lang="en-US" dirty="0"/>
+              <a:t>If the workshop is remote, you will need different tools</a:t>
+            </a:r>
+          </a:p>
+        </p:txBody>
+      </p:sp>
+    </p:spTree>
+    <p:extLst>
+      <p:ext uri="{BB962C8B-B14F-4D97-AF65-F5344CB8AC3E}">
+        <p14:creationId xmlns:p14="http://schemas.microsoft.com/office/powerpoint/2010/main" val="501840269"/>
+      </p:ext>
+    </p:extLst>
+  </p:cSld>
+  <p:clrMapOvr>
+    <a:masterClrMapping/>
+  </p:clrMapOvr>
+</p:notes>
+</file>
+
+<file path=ppt/notesSlides/notesSlide20.xml><?xml version="1.0" encoding="utf-8"?>
 <p:notes xmlns:a="http://schemas.openxmlformats.org/drawingml/2006/main" xmlns:r="http://schemas.openxmlformats.org/officeDocument/2006/relationships" xmlns:p="http://schemas.openxmlformats.org/presentationml/2006/main" showMasterSp="0" showMasterPhAnim="0">
   <p:cSld>
     <p:spTree>
@@ -1990,7 +2334,7 @@
 </p:notes>
 </file>
 
-<file path=ppt/notesSlides/notesSlide18.xml><?xml version="1.0" encoding="utf-8"?>
+<file path=ppt/notesSlides/notesSlide21.xml><?xml version="1.0" encoding="utf-8"?>
 <p:notes xmlns:a="http://schemas.openxmlformats.org/drawingml/2006/main" xmlns:r="http://schemas.openxmlformats.org/officeDocument/2006/relationships" xmlns:p="http://schemas.openxmlformats.org/presentationml/2006/main" showMasterSp="0" showMasterPhAnim="0">
   <p:cSld>
     <p:spTree>
@@ -2165,7 +2509,7 @@
 </p:notes>
 </file>
 
-<file path=ppt/notesSlides/notesSlide19.xml><?xml version="1.0" encoding="utf-8"?>
+<file path=ppt/notesSlides/notesSlide22.xml><?xml version="1.0" encoding="utf-8"?>
 <p:notes xmlns:a="http://schemas.openxmlformats.org/drawingml/2006/main" xmlns:r="http://schemas.openxmlformats.org/officeDocument/2006/relationships" xmlns:p="http://schemas.openxmlformats.org/presentationml/2006/main" showMasterSp="0" showMasterPhAnim="0">
   <p:cSld>
     <p:spTree>
@@ -2286,538 +2630,6 @@
 </p:notes>
 </file>
 
-<file path=ppt/notesSlides/notesSlide2.xml><?xml version="1.0" encoding="utf-8"?>
-<p:notes xmlns:a="http://schemas.openxmlformats.org/drawingml/2006/main" xmlns:r="http://schemas.openxmlformats.org/officeDocument/2006/relationships" xmlns:p="http://schemas.openxmlformats.org/presentationml/2006/main">
-  <p:cSld>
-    <p:spTree>
-      <p:nvGrpSpPr>
-        <p:cNvPr id="1" name=""/>
-        <p:cNvGrpSpPr/>
-        <p:nvPr/>
-      </p:nvGrpSpPr>
-      <p:grpSpPr>
-        <a:xfrm>
-          <a:off x="0" y="0"/>
-          <a:ext cx="0" cy="0"/>
-          <a:chOff x="0" y="0"/>
-          <a:chExt cx="0" cy="0"/>
-        </a:xfrm>
-      </p:grpSpPr>
-      <p:sp>
-        <p:nvSpPr>
-          <p:cNvPr id="2" name="Slide Image Placeholder 1"/>
-          <p:cNvSpPr>
-            <a:spLocks noGrp="1" noRot="1" noChangeAspect="1"/>
-          </p:cNvSpPr>
-          <p:nvPr>
-            <p:ph type="sldImg"/>
-          </p:nvPr>
-        </p:nvSpPr>
-        <p:spPr/>
-      </p:sp>
-      <p:sp>
-        <p:nvSpPr>
-          <p:cNvPr id="3" name="Notes Placeholder 2"/>
-          <p:cNvSpPr>
-            <a:spLocks noGrp="1"/>
-          </p:cNvSpPr>
-          <p:nvPr>
-            <p:ph type="body" idx="1"/>
-          </p:nvPr>
-        </p:nvSpPr>
-        <p:spPr/>
-        <p:txBody>
-          <a:bodyPr/>
-          <a:lstStyle/>
-          <a:p>
-            <a:r>
-              <a:rPr lang="en-US" dirty="0"/>
-              <a:t>Don’t share the competencies until the team has already come up with their competencies</a:t>
-            </a:r>
-          </a:p>
-          <a:p>
-            <a:r>
-              <a:rPr lang="en-US" dirty="0"/>
-              <a:t>If the workshop is remote, you will need different tools</a:t>
-            </a:r>
-          </a:p>
-        </p:txBody>
-      </p:sp>
-    </p:spTree>
-    <p:extLst>
-      <p:ext uri="{BB962C8B-B14F-4D97-AF65-F5344CB8AC3E}">
-        <p14:creationId xmlns:p14="http://schemas.microsoft.com/office/powerpoint/2010/main" val="501840269"/>
-      </p:ext>
-    </p:extLst>
-  </p:cSld>
-  <p:clrMapOvr>
-    <a:masterClrMapping/>
-  </p:clrMapOvr>
-</p:notes>
-</file>
-
-<file path=ppt/notesSlides/notesSlide20.xml><?xml version="1.0" encoding="utf-8"?>
-<p:notes xmlns:a="http://schemas.openxmlformats.org/drawingml/2006/main" xmlns:r="http://schemas.openxmlformats.org/officeDocument/2006/relationships" xmlns:p="http://schemas.openxmlformats.org/presentationml/2006/main">
-  <p:cSld>
-    <p:spTree>
-      <p:nvGrpSpPr>
-        <p:cNvPr id="1" name=""/>
-        <p:cNvGrpSpPr/>
-        <p:nvPr/>
-      </p:nvGrpSpPr>
-      <p:grpSpPr>
-        <a:xfrm>
-          <a:off x="0" y="0"/>
-          <a:ext cx="0" cy="0"/>
-          <a:chOff x="0" y="0"/>
-          <a:chExt cx="0" cy="0"/>
-        </a:xfrm>
-      </p:grpSpPr>
-      <p:sp>
-        <p:nvSpPr>
-          <p:cNvPr id="2" name="Slide Image Placeholder 1"/>
-          <p:cNvSpPr>
-            <a:spLocks noGrp="1" noRot="1" noChangeAspect="1"/>
-          </p:cNvSpPr>
-          <p:nvPr>
-            <p:ph type="sldImg"/>
-          </p:nvPr>
-        </p:nvSpPr>
-        <p:spPr/>
-      </p:sp>
-      <p:sp>
-        <p:nvSpPr>
-          <p:cNvPr id="3" name="Notes Placeholder 2"/>
-          <p:cNvSpPr>
-            <a:spLocks noGrp="1"/>
-          </p:cNvSpPr>
-          <p:nvPr>
-            <p:ph type="body" idx="1"/>
-          </p:nvPr>
-        </p:nvSpPr>
-        <p:spPr/>
-        <p:txBody>
-          <a:bodyPr/>
-          <a:lstStyle/>
-          <a:p>
-            <a:r>
-              <a:rPr lang="en-US" dirty="0"/>
-              <a:t>Skip if this isn’t prepared! </a:t>
-            </a:r>
-          </a:p>
-          <a:p>
-            <a:endParaRPr lang="en-US" dirty="0"/>
-          </a:p>
-          <a:p>
-            <a:r>
-              <a:rPr lang="en-US" dirty="0"/>
-              <a:t>SMEs should verify job tasks and summary section.</a:t>
-            </a:r>
-          </a:p>
-        </p:txBody>
-      </p:sp>
-    </p:spTree>
-    <p:extLst>
-      <p:ext uri="{BB962C8B-B14F-4D97-AF65-F5344CB8AC3E}">
-        <p14:creationId xmlns:p14="http://schemas.microsoft.com/office/powerpoint/2010/main" val="160981160"/>
-      </p:ext>
-    </p:extLst>
-  </p:cSld>
-  <p:clrMapOvr>
-    <a:masterClrMapping/>
-  </p:clrMapOvr>
-</p:notes>
-</file>
-
-<file path=ppt/notesSlides/notesSlide21.xml><?xml version="1.0" encoding="utf-8"?>
-<p:notes xmlns:a="http://schemas.openxmlformats.org/drawingml/2006/main" xmlns:r="http://schemas.openxmlformats.org/officeDocument/2006/relationships" xmlns:p="http://schemas.openxmlformats.org/presentationml/2006/main">
-  <p:cSld>
-    <p:spTree>
-      <p:nvGrpSpPr>
-        <p:cNvPr id="1" name=""/>
-        <p:cNvGrpSpPr/>
-        <p:nvPr/>
-      </p:nvGrpSpPr>
-      <p:grpSpPr>
-        <a:xfrm>
-          <a:off x="0" y="0"/>
-          <a:ext cx="0" cy="0"/>
-          <a:chOff x="0" y="0"/>
-          <a:chExt cx="0" cy="0"/>
-        </a:xfrm>
-      </p:grpSpPr>
-      <p:sp>
-        <p:nvSpPr>
-          <p:cNvPr id="2" name="Slide Image Placeholder 1"/>
-          <p:cNvSpPr>
-            <a:spLocks noGrp="1" noRot="1" noChangeAspect="1"/>
-          </p:cNvSpPr>
-          <p:nvPr>
-            <p:ph type="sldImg"/>
-          </p:nvPr>
-        </p:nvSpPr>
-        <p:spPr/>
-      </p:sp>
-      <p:sp>
-        <p:nvSpPr>
-          <p:cNvPr id="3" name="Notes Placeholder 2"/>
-          <p:cNvSpPr>
-            <a:spLocks noGrp="1"/>
-          </p:cNvSpPr>
-          <p:nvPr>
-            <p:ph type="body" idx="1"/>
-          </p:nvPr>
-        </p:nvSpPr>
-        <p:spPr/>
-        <p:txBody>
-          <a:bodyPr/>
-          <a:lstStyle/>
-          <a:p>
-            <a:pPr marL="457200" marR="0" lvl="0" indent="-228600" algn="l" defTabSz="914400" rtl="0" eaLnBrk="1" fontAlgn="auto" latinLnBrk="0" hangingPunct="1">
-              <a:lnSpc>
-                <a:spcPct val="100000"/>
-              </a:lnSpc>
-              <a:spcBef>
-                <a:spcPts val="0"/>
-              </a:spcBef>
-              <a:spcAft>
-                <a:spcPts val="0"/>
-              </a:spcAft>
-              <a:buClr>
-                <a:srgbClr val="000000"/>
-              </a:buClr>
-              <a:buSzPts val="1400"/>
-              <a:buFont typeface="Arial"/>
-              <a:buNone/>
-              <a:tabLst/>
-              <a:defRPr/>
-            </a:pPr>
-            <a:r>
-              <a:rPr lang="en-US" b="0" i="0" dirty="0">
-                <a:solidFill>
-                  <a:srgbClr val="1B1B1B"/>
-                </a:solidFill>
-                <a:effectLst/>
-                <a:latin typeface="Source Sans Pro Web"/>
-              </a:rPr>
-              <a:t>The group will check its work to date</a:t>
-            </a:r>
-          </a:p>
-          <a:p>
-            <a:pPr marL="457200" marR="0" lvl="0" indent="-228600" algn="l" defTabSz="914400" rtl="0" eaLnBrk="1" fontAlgn="auto" latinLnBrk="0" hangingPunct="1">
-              <a:lnSpc>
-                <a:spcPct val="100000"/>
-              </a:lnSpc>
-              <a:spcBef>
-                <a:spcPts val="0"/>
-              </a:spcBef>
-              <a:spcAft>
-                <a:spcPts val="0"/>
-              </a:spcAft>
-              <a:buClr>
-                <a:srgbClr val="000000"/>
-              </a:buClr>
-              <a:buSzPts val="1400"/>
-              <a:buFont typeface="Arial"/>
-              <a:buNone/>
-              <a:tabLst/>
-              <a:defRPr/>
-            </a:pPr>
-            <a:r>
-              <a:rPr lang="en-US" dirty="0"/>
-              <a:t>Use 4-5 sample resumes you prepared ahead of time, but timebox to 1 hour and expect to only get through 2-3 resumes.</a:t>
-            </a:r>
-          </a:p>
-          <a:p>
-            <a:pPr marL="457200" marR="0" lvl="0" indent="-228600" algn="l" defTabSz="914400" rtl="0" eaLnBrk="1" fontAlgn="auto" latinLnBrk="0" hangingPunct="1">
-              <a:lnSpc>
-                <a:spcPct val="100000"/>
-              </a:lnSpc>
-              <a:spcBef>
-                <a:spcPts val="0"/>
-              </a:spcBef>
-              <a:spcAft>
-                <a:spcPts val="0"/>
-              </a:spcAft>
-              <a:buClr>
-                <a:srgbClr val="000000"/>
-              </a:buClr>
-              <a:buSzPts val="1400"/>
-              <a:buFont typeface="Arial"/>
-              <a:buNone/>
-              <a:tabLst/>
-              <a:defRPr/>
-            </a:pPr>
-            <a:endParaRPr lang="en-US" b="0" i="0" dirty="0">
-              <a:solidFill>
-                <a:srgbClr val="1B1B1B"/>
-              </a:solidFill>
-              <a:effectLst/>
-              <a:latin typeface="Source Sans Pro Web"/>
-            </a:endParaRPr>
-          </a:p>
-          <a:p>
-            <a:r>
-              <a:rPr lang="en-US" sz="2200" b="0" i="0" u="none" strike="noStrike" cap="none" dirty="0">
-                <a:solidFill>
-                  <a:srgbClr val="000000"/>
-                </a:solidFill>
-                <a:effectLst/>
-                <a:latin typeface="Merriweather Sans"/>
-                <a:ea typeface="Merriweather Sans"/>
-                <a:cs typeface="Merriweather Sans"/>
-                <a:sym typeface="Merriweather Sans"/>
-              </a:rPr>
-              <a:t>Goals: </a:t>
-            </a:r>
-          </a:p>
-          <a:p>
-            <a:pPr marL="685800" indent="-457200">
-              <a:buAutoNum type="arabicParenR"/>
-            </a:pPr>
-            <a:r>
-              <a:rPr lang="en-US" sz="2200" b="0" i="0" u="none" strike="noStrike" cap="none" dirty="0">
-                <a:solidFill>
-                  <a:srgbClr val="000000"/>
-                </a:solidFill>
-                <a:effectLst/>
-                <a:latin typeface="Merriweather Sans"/>
-                <a:ea typeface="Merriweather Sans"/>
-                <a:cs typeface="Merriweather Sans"/>
-                <a:sym typeface="Merriweather Sans"/>
-              </a:rPr>
-              <a:t>Give SMEs 10 minutes to look at the first resume and then have them write down if they think it's a pass or fail against the required proficiencies and why. </a:t>
-            </a:r>
-          </a:p>
-          <a:p>
-            <a:pPr marL="685800" indent="-457200">
-              <a:buAutoNum type="arabicParenR"/>
-            </a:pPr>
-            <a:r>
-              <a:rPr lang="en-US" sz="2200" b="0" i="0" u="none" strike="noStrike" cap="none" dirty="0">
-                <a:solidFill>
-                  <a:srgbClr val="000000"/>
-                </a:solidFill>
-                <a:effectLst/>
-                <a:latin typeface="Merriweather Sans"/>
-                <a:ea typeface="Merriweather Sans"/>
-                <a:cs typeface="Merriweather Sans"/>
-                <a:sym typeface="Merriweather Sans"/>
-              </a:rPr>
-              <a:t>Give them 5 minutes to discuss the differences, </a:t>
-            </a:r>
-          </a:p>
-          <a:p>
-            <a:pPr marL="685800" indent="-457200">
-              <a:buAutoNum type="arabicParenR"/>
-            </a:pPr>
-            <a:r>
-              <a:rPr lang="en-US" sz="2200" b="0" i="0" u="none" strike="noStrike" cap="none" dirty="0">
-                <a:solidFill>
-                  <a:srgbClr val="000000"/>
-                </a:solidFill>
-                <a:effectLst/>
-                <a:latin typeface="Merriweather Sans"/>
-                <a:ea typeface="Merriweather Sans"/>
-                <a:cs typeface="Merriweather Sans"/>
-                <a:sym typeface="Merriweather Sans"/>
-              </a:rPr>
-              <a:t>Ask them if they want to change the proficiency level or tweak the wording of the levels based on this practice. </a:t>
-            </a:r>
-          </a:p>
-          <a:p>
-            <a:pPr marL="685800" indent="-457200">
-              <a:buAutoNum type="arabicParenR"/>
-            </a:pPr>
-            <a:r>
-              <a:rPr lang="en-US" sz="2200" b="0" i="0" u="none" strike="noStrike" cap="none" dirty="0">
-                <a:solidFill>
-                  <a:srgbClr val="000000"/>
-                </a:solidFill>
-                <a:effectLst/>
-                <a:latin typeface="Merriweather Sans"/>
-                <a:ea typeface="Merriweather Sans"/>
-                <a:cs typeface="Merriweather Sans"/>
-                <a:sym typeface="Merriweather Sans"/>
-              </a:rPr>
-              <a:t>Repeat for all required proficiencies</a:t>
-            </a:r>
-          </a:p>
-          <a:p>
-            <a:endParaRPr lang="en-US" sz="2200" b="0" i="0" u="none" strike="noStrike" cap="none" dirty="0">
-              <a:solidFill>
-                <a:srgbClr val="000000"/>
-              </a:solidFill>
-              <a:effectLst/>
-              <a:latin typeface="Merriweather Sans"/>
-              <a:ea typeface="Merriweather Sans"/>
-              <a:cs typeface="Merriweather Sans"/>
-              <a:sym typeface="Merriweather Sans"/>
-            </a:endParaRPr>
-          </a:p>
-          <a:p>
-            <a:r>
-              <a:rPr lang="en-US" sz="2200" b="0" i="0" u="none" strike="noStrike" cap="none" dirty="0">
-                <a:solidFill>
-                  <a:srgbClr val="000000"/>
-                </a:solidFill>
-                <a:effectLst/>
-                <a:latin typeface="Merriweather Sans"/>
-                <a:ea typeface="Merriweather Sans"/>
-                <a:cs typeface="Merriweather Sans"/>
-                <a:sym typeface="Merriweather Sans"/>
-              </a:rPr>
-              <a:t>This goal is not to calibrate SMEs (though this will help with calibration) but to refine the competencies and proficiency levels.</a:t>
-            </a:r>
-            <a:endParaRPr lang="en-US" dirty="0"/>
-          </a:p>
-        </p:txBody>
-      </p:sp>
-    </p:spTree>
-    <p:extLst>
-      <p:ext uri="{BB962C8B-B14F-4D97-AF65-F5344CB8AC3E}">
-        <p14:creationId xmlns:p14="http://schemas.microsoft.com/office/powerpoint/2010/main" val="3624751010"/>
-      </p:ext>
-    </p:extLst>
-  </p:cSld>
-  <p:clrMapOvr>
-    <a:masterClrMapping/>
-  </p:clrMapOvr>
-</p:notes>
-</file>
-
-<file path=ppt/notesSlides/notesSlide22.xml><?xml version="1.0" encoding="utf-8"?>
-<p:notes xmlns:a="http://schemas.openxmlformats.org/drawingml/2006/main" xmlns:r="http://schemas.openxmlformats.org/officeDocument/2006/relationships" xmlns:p="http://schemas.openxmlformats.org/presentationml/2006/main">
-  <p:cSld>
-    <p:spTree>
-      <p:nvGrpSpPr>
-        <p:cNvPr id="1" name=""/>
-        <p:cNvGrpSpPr/>
-        <p:nvPr/>
-      </p:nvGrpSpPr>
-      <p:grpSpPr>
-        <a:xfrm>
-          <a:off x="0" y="0"/>
-          <a:ext cx="0" cy="0"/>
-          <a:chOff x="0" y="0"/>
-          <a:chExt cx="0" cy="0"/>
-        </a:xfrm>
-      </p:grpSpPr>
-      <p:sp>
-        <p:nvSpPr>
-          <p:cNvPr id="2" name="Slide Image Placeholder 1"/>
-          <p:cNvSpPr>
-            <a:spLocks noGrp="1" noRot="1" noChangeAspect="1"/>
-          </p:cNvSpPr>
-          <p:nvPr>
-            <p:ph type="sldImg"/>
-          </p:nvPr>
-        </p:nvSpPr>
-        <p:spPr/>
-      </p:sp>
-      <p:sp>
-        <p:nvSpPr>
-          <p:cNvPr id="3" name="Notes Placeholder 2"/>
-          <p:cNvSpPr>
-            <a:spLocks noGrp="1"/>
-          </p:cNvSpPr>
-          <p:nvPr>
-            <p:ph type="body" idx="1"/>
-          </p:nvPr>
-        </p:nvSpPr>
-        <p:spPr/>
-        <p:txBody>
-          <a:bodyPr/>
-          <a:lstStyle/>
-          <a:p>
-            <a:pPr marL="457200" marR="0" lvl="0" indent="-228600" algn="l" defTabSz="914400" rtl="0" eaLnBrk="1" fontAlgn="auto" latinLnBrk="0" hangingPunct="1">
-              <a:lnSpc>
-                <a:spcPct val="100000"/>
-              </a:lnSpc>
-              <a:spcBef>
-                <a:spcPts val="0"/>
-              </a:spcBef>
-              <a:spcAft>
-                <a:spcPts val="0"/>
-              </a:spcAft>
-              <a:buClr>
-                <a:srgbClr val="000000"/>
-              </a:buClr>
-              <a:buSzPts val="1400"/>
-              <a:buFont typeface="Arial"/>
-              <a:buNone/>
-              <a:tabLst/>
-              <a:defRPr/>
-            </a:pPr>
-            <a:r>
-              <a:rPr lang="en-US" dirty="0"/>
-              <a:t>Recency requirements are only allowed for job series where standards change frequently (such as IT).</a:t>
-            </a:r>
-          </a:p>
-          <a:p>
-            <a:endParaRPr lang="en-US" dirty="0"/>
-          </a:p>
-          <a:p>
-            <a:pPr marL="457200" marR="0" lvl="0" indent="-228600" algn="l" defTabSz="914400" rtl="0" eaLnBrk="1" fontAlgn="auto" latinLnBrk="0" hangingPunct="1">
-              <a:lnSpc>
-                <a:spcPct val="100000"/>
-              </a:lnSpc>
-              <a:spcBef>
-                <a:spcPts val="0"/>
-              </a:spcBef>
-              <a:spcAft>
-                <a:spcPts val="0"/>
-              </a:spcAft>
-              <a:buClr>
-                <a:srgbClr val="000000"/>
-              </a:buClr>
-              <a:buSzPts val="1400"/>
-              <a:buFont typeface="Arial"/>
-              <a:buNone/>
-              <a:tabLst/>
-              <a:defRPr/>
-            </a:pPr>
-            <a:r>
-              <a:rPr lang="en-US" dirty="0"/>
-              <a:t>Figure out how many pages of job experience is sufficient to make a determination</a:t>
-            </a:r>
-          </a:p>
-          <a:p>
-            <a:endParaRPr lang="en-US" dirty="0"/>
-          </a:p>
-          <a:p>
-            <a:r>
-              <a:rPr lang="en-US" dirty="0"/>
-              <a:t>It’s OK to decide not all competencies are required to appear in a resume, but this must be decided ahead of time in the assessment strategy</a:t>
-            </a:r>
-          </a:p>
-          <a:p>
-            <a:endParaRPr lang="en-US" dirty="0"/>
-          </a:p>
-          <a:p>
-            <a:r>
-              <a:rPr lang="en-US" dirty="0"/>
-              <a:t>Requiring a work sample or portfolio helps to ensure that applicants are responsive to the job announcement. You may only request a work sample or portfolio at the time of application if applicants can be reasonably expected to already have one relevant to this role.</a:t>
-            </a:r>
-          </a:p>
-          <a:p>
-            <a:endParaRPr lang="en-US" dirty="0"/>
-          </a:p>
-        </p:txBody>
-      </p:sp>
-    </p:spTree>
-    <p:extLst>
-      <p:ext uri="{BB962C8B-B14F-4D97-AF65-F5344CB8AC3E}">
-        <p14:creationId xmlns:p14="http://schemas.microsoft.com/office/powerpoint/2010/main" val="18592764"/>
-      </p:ext>
-    </p:extLst>
-  </p:cSld>
-  <p:clrMapOvr>
-    <a:masterClrMapping/>
-  </p:clrMapOvr>
-</p:notes>
-</file>
-
 <file path=ppt/notesSlides/notesSlide23.xml><?xml version="1.0" encoding="utf-8"?>
 <p:notes xmlns:a="http://schemas.openxmlformats.org/drawingml/2006/main" xmlns:r="http://schemas.openxmlformats.org/officeDocument/2006/relationships" xmlns:p="http://schemas.openxmlformats.org/presentationml/2006/main">
   <p:cSld>
@@ -2862,150 +2674,18 @@
           <a:bodyPr/>
           <a:lstStyle/>
           <a:p>
-            <a:pPr lvl="0"/>
-            <a:r>
-              <a:rPr lang="en-US" sz="2200" b="0" i="0" u="none" strike="noStrike" cap="none" dirty="0">
-                <a:solidFill>
-                  <a:srgbClr val="000000"/>
-                </a:solidFill>
-                <a:effectLst/>
-                <a:latin typeface="Merriweather Sans"/>
-                <a:ea typeface="Merriweather Sans"/>
-                <a:cs typeface="Merriweather Sans"/>
-                <a:sym typeface="Merriweather Sans"/>
-              </a:rPr>
-              <a:t>Trying to discover applicant’s ability to apply their experience in a new situation</a:t>
-            </a:r>
-          </a:p>
-          <a:p>
-            <a:pPr lvl="0"/>
-            <a:r>
-              <a:rPr lang="en-US" sz="2200" b="0" i="0" u="none" strike="noStrike" cap="none" dirty="0">
-                <a:solidFill>
-                  <a:srgbClr val="000000"/>
-                </a:solidFill>
-                <a:effectLst/>
-                <a:latin typeface="Merriweather Sans"/>
-                <a:ea typeface="Merriweather Sans"/>
-                <a:cs typeface="Merriweather Sans"/>
-                <a:sym typeface="Merriweather Sans"/>
-              </a:rPr>
-              <a:t>“and can you give an example of when you did this in the past”</a:t>
-            </a:r>
-          </a:p>
-          <a:p>
-            <a:pPr lvl="0"/>
-            <a:endParaRPr lang="en-US" sz="2200" b="0" i="0" u="none" strike="noStrike" cap="none" dirty="0">
-              <a:solidFill>
-                <a:srgbClr val="000000"/>
-              </a:solidFill>
-              <a:effectLst/>
-              <a:latin typeface="Merriweather Sans"/>
-              <a:ea typeface="Merriweather Sans"/>
-              <a:cs typeface="Merriweather Sans"/>
-              <a:sym typeface="Merriweather Sans"/>
-            </a:endParaRPr>
-          </a:p>
-          <a:p>
-            <a:pPr lvl="0"/>
-            <a:r>
-              <a:rPr lang="en-US" sz="2200" b="0" i="0" u="none" strike="noStrike" cap="none" dirty="0">
-                <a:solidFill>
-                  <a:srgbClr val="000000"/>
-                </a:solidFill>
-                <a:effectLst/>
-                <a:latin typeface="Merriweather Sans"/>
-                <a:ea typeface="Merriweather Sans"/>
-                <a:cs typeface="Merriweather Sans"/>
-                <a:sym typeface="Merriweather Sans"/>
-              </a:rPr>
-              <a:t>Be intentional about the kinds of questions there can be</a:t>
-            </a:r>
-          </a:p>
-          <a:p>
-            <a:pPr lvl="0"/>
-            <a:endParaRPr lang="en-US" sz="2200" b="0" i="0" u="none" strike="noStrike" cap="none" dirty="0">
-              <a:solidFill>
-                <a:srgbClr val="000000"/>
-              </a:solidFill>
-              <a:effectLst/>
-              <a:latin typeface="Merriweather Sans"/>
-              <a:ea typeface="Merriweather Sans"/>
-              <a:cs typeface="Merriweather Sans"/>
-              <a:sym typeface="Merriweather Sans"/>
-            </a:endParaRPr>
-          </a:p>
-          <a:p>
-            <a:pPr lvl="0"/>
-            <a:r>
-              <a:rPr lang="en-US" sz="2200" b="0" i="0" u="none" strike="noStrike" cap="none" dirty="0">
-                <a:solidFill>
-                  <a:srgbClr val="000000"/>
-                </a:solidFill>
-                <a:effectLst/>
-                <a:latin typeface="Merriweather Sans"/>
-                <a:ea typeface="Merriweather Sans"/>
-                <a:cs typeface="Merriweather Sans"/>
-                <a:sym typeface="Merriweather Sans"/>
-              </a:rPr>
-              <a:t>Wording of the hypothetical questions is very tricky – it can be confusing to the applicants, difficult to “set the scene” so it makes sense for them</a:t>
-            </a:r>
-          </a:p>
-          <a:p>
-            <a:pPr lvl="0"/>
-            <a:endParaRPr lang="en-US" sz="2200" b="0" i="0" u="none" strike="noStrike" cap="none" dirty="0">
-              <a:solidFill>
-                <a:srgbClr val="000000"/>
-              </a:solidFill>
-              <a:effectLst/>
-              <a:latin typeface="Merriweather Sans"/>
-              <a:ea typeface="Merriweather Sans"/>
-              <a:cs typeface="Merriweather Sans"/>
-              <a:sym typeface="Merriweather Sans"/>
-            </a:endParaRPr>
-          </a:p>
-          <a:p>
-            <a:pPr lvl="0"/>
-            <a:r>
-              <a:rPr lang="en-US" sz="2200" b="0" i="0" u="none" strike="noStrike" cap="none" dirty="0">
-                <a:solidFill>
-                  <a:srgbClr val="000000"/>
-                </a:solidFill>
-                <a:effectLst/>
-                <a:latin typeface="Merriweather Sans"/>
-                <a:ea typeface="Merriweather Sans"/>
-                <a:cs typeface="Merriweather Sans"/>
-                <a:sym typeface="Merriweather Sans"/>
-              </a:rPr>
-              <a:t>Strike the balance between the two question types</a:t>
+            <a:r>
+              <a:rPr lang="en-US" dirty="0"/>
+              <a:t>Skip if this isn’t prepared! </a:t>
             </a:r>
           </a:p>
           <a:p>
             <a:endParaRPr lang="en-US" dirty="0"/>
           </a:p>
           <a:p>
-            <a:pPr marL="457200" marR="0" lvl="0" indent="-228600" algn="l" defTabSz="914400" rtl="0" eaLnBrk="1" fontAlgn="auto" latinLnBrk="0" hangingPunct="1">
-              <a:lnSpc>
-                <a:spcPct val="100000"/>
-              </a:lnSpc>
-              <a:spcBef>
-                <a:spcPts val="0"/>
-              </a:spcBef>
-              <a:spcAft>
-                <a:spcPts val="0"/>
-              </a:spcAft>
-              <a:buClr>
-                <a:srgbClr val="000000"/>
-              </a:buClr>
-              <a:buSzPts val="1400"/>
-              <a:buFont typeface="Arial"/>
-              <a:buNone/>
-              <a:tabLst/>
-              <a:defRPr/>
-            </a:pPr>
-            <a:r>
-              <a:rPr lang="en-US" dirty="0"/>
-              <a:t>If you want to ask applicants to complete an assessment before resume review, you must ask applicants in the occupational questionnaire if they think they have the specialized experience.</a:t>
+            <a:r>
+              <a:rPr lang="en-US" dirty="0"/>
+              <a:t>SMEs should verify job tasks and summary section.</a:t>
             </a:r>
           </a:p>
         </p:txBody>
@@ -3013,7 +2693,7 @@
     </p:spTree>
     <p:extLst>
       <p:ext uri="{BB962C8B-B14F-4D97-AF65-F5344CB8AC3E}">
-        <p14:creationId xmlns:p14="http://schemas.microsoft.com/office/powerpoint/2010/main" val="63585316"/>
+        <p14:creationId xmlns:p14="http://schemas.microsoft.com/office/powerpoint/2010/main" val="160981160"/>
       </p:ext>
     </p:extLst>
   </p:cSld>
@@ -3067,7 +2747,90 @@
           <a:bodyPr/>
           <a:lstStyle/>
           <a:p>
-            <a:pPr lvl="0"/>
+            <a:pPr marL="457200" marR="0" lvl="0" indent="-228600" algn="l" defTabSz="914400" rtl="0" eaLnBrk="1" fontAlgn="auto" latinLnBrk="0" hangingPunct="1">
+              <a:lnSpc>
+                <a:spcPct val="100000"/>
+              </a:lnSpc>
+              <a:spcBef>
+                <a:spcPts val="0"/>
+              </a:spcBef>
+              <a:spcAft>
+                <a:spcPts val="0"/>
+              </a:spcAft>
+              <a:buClr>
+                <a:srgbClr val="000000"/>
+              </a:buClr>
+              <a:buSzPts val="1400"/>
+              <a:buFont typeface="Arial"/>
+              <a:buNone/>
+              <a:tabLst/>
+              <a:defRPr/>
+            </a:pPr>
+            <a:r>
+              <a:rPr lang="en-US" b="0" i="0" dirty="0">
+                <a:solidFill>
+                  <a:srgbClr val="1B1B1B"/>
+                </a:solidFill>
+                <a:effectLst/>
+                <a:latin typeface="Source Sans Pro Web"/>
+              </a:rPr>
+              <a:t>The group will check its work to date</a:t>
+            </a:r>
+          </a:p>
+          <a:p>
+            <a:pPr marL="457200" marR="0" lvl="0" indent="-228600" algn="l" defTabSz="914400" rtl="0" eaLnBrk="1" fontAlgn="auto" latinLnBrk="0" hangingPunct="1">
+              <a:lnSpc>
+                <a:spcPct val="100000"/>
+              </a:lnSpc>
+              <a:spcBef>
+                <a:spcPts val="0"/>
+              </a:spcBef>
+              <a:spcAft>
+                <a:spcPts val="0"/>
+              </a:spcAft>
+              <a:buClr>
+                <a:srgbClr val="000000"/>
+              </a:buClr>
+              <a:buSzPts val="1400"/>
+              <a:buFont typeface="Arial"/>
+              <a:buNone/>
+              <a:tabLst/>
+              <a:defRPr/>
+            </a:pPr>
+            <a:r>
+              <a:rPr lang="en-US" dirty="0"/>
+              <a:t>Use 4-5 sample resumes you prepared ahead of time, but timebox to 1 hour and expect to only get through 2-3 resumes.</a:t>
+            </a:r>
+          </a:p>
+          <a:p>
+            <a:pPr marL="457200" marR="0" lvl="0" indent="-228600" algn="l" defTabSz="914400" rtl="0" eaLnBrk="1" fontAlgn="auto" latinLnBrk="0" hangingPunct="1">
+              <a:lnSpc>
+                <a:spcPct val="100000"/>
+              </a:lnSpc>
+              <a:spcBef>
+                <a:spcPts val="0"/>
+              </a:spcBef>
+              <a:spcAft>
+                <a:spcPts val="0"/>
+              </a:spcAft>
+              <a:buClr>
+                <a:srgbClr val="000000"/>
+              </a:buClr>
+              <a:buSzPts val="1400"/>
+              <a:buFont typeface="Arial"/>
+              <a:buNone/>
+              <a:tabLst/>
+              <a:defRPr/>
+            </a:pPr>
+            <a:endParaRPr lang="en-US" b="0" i="0" dirty="0">
+              <a:solidFill>
+                <a:srgbClr val="1B1B1B"/>
+              </a:solidFill>
+              <a:effectLst/>
+              <a:latin typeface="Source Sans Pro Web"/>
+            </a:endParaRPr>
+          </a:p>
+          <a:p>
             <a:r>
               <a:rPr lang="en-US" sz="2200" b="0" i="0" u="none" strike="noStrike" cap="none" dirty="0">
                 <a:solidFill>
@@ -3079,11 +2842,13 @@
                 <a:cs typeface="Merriweather Sans"/>
                 <a:sym typeface="Merriweather Sans"/>
               </a:rPr>
-              <a:t>Trying to discover applicant’s ability to apply their experience in a new situation</a:t>
-            </a:r>
-          </a:p>
-          <a:p>
-            <a:pPr lvl="0"/>
+              <a:t>Goals: </a:t>
+            </a:r>
+          </a:p>
+          <a:p>
+            <a:pPr marL="685800" indent="-457200">
+              <a:buAutoNum type="arabicParenR"/>
+            </a:pPr>
             <a:r>
               <a:rPr lang="en-US" sz="2200" b="0" i="0" u="none" strike="noStrike" cap="none" dirty="0">
                 <a:solidFill>
@@ -3095,11 +2860,64 @@
                 <a:cs typeface="Merriweather Sans"/>
                 <a:sym typeface="Merriweather Sans"/>
               </a:rPr>
-              <a:t>“and can you give an example of when you did this in the past”</a:t>
-            </a:r>
-          </a:p>
-          <a:p>
-            <a:pPr lvl="0"/>
+              <a:t>Give SMEs 10 minutes to look at the first resume and then have them write down if they think it's a pass or fail against the required proficiencies and why. </a:t>
+            </a:r>
+          </a:p>
+          <a:p>
+            <a:pPr marL="685800" indent="-457200">
+              <a:buAutoNum type="arabicParenR"/>
+            </a:pPr>
+            <a:r>
+              <a:rPr lang="en-US" sz="2200" b="0" i="0" u="none" strike="noStrike" cap="none" dirty="0">
+                <a:solidFill>
+                  <a:srgbClr val="000000"/>
+                </a:solidFill>
+                <a:effectLst/>
+                <a:latin typeface="Merriweather Sans"/>
+                <a:ea typeface="Merriweather Sans"/>
+                <a:cs typeface="Merriweather Sans"/>
+                <a:sym typeface="Merriweather Sans"/>
+              </a:rPr>
+              <a:t>Give them 5 minutes to discuss the differences, </a:t>
+            </a:r>
+          </a:p>
+          <a:p>
+            <a:pPr marL="685800" indent="-457200">
+              <a:buAutoNum type="arabicParenR"/>
+            </a:pPr>
+            <a:r>
+              <a:rPr lang="en-US" sz="2200" b="0" i="0" u="none" strike="noStrike" cap="none" dirty="0">
+                <a:solidFill>
+                  <a:srgbClr val="000000"/>
+                </a:solidFill>
+                <a:effectLst/>
+                <a:latin typeface="Merriweather Sans"/>
+                <a:ea typeface="Merriweather Sans"/>
+                <a:cs typeface="Merriweather Sans"/>
+                <a:sym typeface="Merriweather Sans"/>
+              </a:rPr>
+              <a:t>Ask them if they want to change the proficiency level or tweak the wording of the levels based on this practice. </a:t>
+            </a:r>
+          </a:p>
+          <a:p>
+            <a:pPr marL="685800" indent="-457200">
+              <a:buAutoNum type="arabicParenR"/>
+            </a:pPr>
+            <a:r>
+              <a:rPr lang="en-US" sz="2200" b="0" i="0" u="none" strike="noStrike" cap="none" dirty="0">
+                <a:solidFill>
+                  <a:srgbClr val="000000"/>
+                </a:solidFill>
+                <a:effectLst/>
+                <a:latin typeface="Merriweather Sans"/>
+                <a:ea typeface="Merriweather Sans"/>
+                <a:cs typeface="Merriweather Sans"/>
+                <a:sym typeface="Merriweather Sans"/>
+              </a:rPr>
+              <a:t>Repeat for all required proficiencies</a:t>
+            </a:r>
+          </a:p>
+          <a:p>
             <a:endParaRPr lang="en-US" sz="2200" b="0" i="0" u="none" strike="noStrike" cap="none" dirty="0">
               <a:solidFill>
                 <a:srgbClr val="000000"/>
@@ -3112,7 +2930,6 @@
             </a:endParaRPr>
           </a:p>
           <a:p>
-            <a:pPr lvl="0"/>
             <a:r>
               <a:rPr lang="en-US" sz="2200" b="0" i="0" u="none" strike="noStrike" cap="none" dirty="0">
                 <a:solidFill>
@@ -3124,68 +2941,8 @@
                 <a:cs typeface="Merriweather Sans"/>
                 <a:sym typeface="Merriweather Sans"/>
               </a:rPr>
-              <a:t>Be intentional about the kinds of questions there can be</a:t>
-            </a:r>
-          </a:p>
-          <a:p>
-            <a:pPr lvl="0"/>
-            <a:endParaRPr lang="en-US" sz="2200" b="0" i="0" u="none" strike="noStrike" cap="none" dirty="0">
-              <a:solidFill>
-                <a:srgbClr val="000000"/>
-              </a:solidFill>
-              <a:effectLst/>
-              <a:latin typeface="Merriweather Sans"/>
-              <a:ea typeface="Merriweather Sans"/>
-              <a:cs typeface="Merriweather Sans"/>
-              <a:sym typeface="Merriweather Sans"/>
-            </a:endParaRPr>
-          </a:p>
-          <a:p>
-            <a:pPr lvl="0"/>
-            <a:r>
-              <a:rPr lang="en-US" sz="2200" b="0" i="0" u="none" strike="noStrike" cap="none" dirty="0">
-                <a:solidFill>
-                  <a:srgbClr val="000000"/>
-                </a:solidFill>
-                <a:effectLst/>
-                <a:latin typeface="Merriweather Sans"/>
-                <a:ea typeface="Merriweather Sans"/>
-                <a:cs typeface="Merriweather Sans"/>
-                <a:sym typeface="Merriweather Sans"/>
-              </a:rPr>
-              <a:t>Wording of the hypothetical questions is very tricky – it can be confusing to the applicants, difficult to “set the scene” so it makes sense for them</a:t>
-            </a:r>
-          </a:p>
-          <a:p>
-            <a:pPr lvl="0"/>
-            <a:endParaRPr lang="en-US" sz="2200" b="0" i="0" u="none" strike="noStrike" cap="none" dirty="0">
-              <a:solidFill>
-                <a:srgbClr val="000000"/>
-              </a:solidFill>
-              <a:effectLst/>
-              <a:latin typeface="Merriweather Sans"/>
-              <a:ea typeface="Merriweather Sans"/>
-              <a:cs typeface="Merriweather Sans"/>
-              <a:sym typeface="Merriweather Sans"/>
-            </a:endParaRPr>
-          </a:p>
-          <a:p>
-            <a:pPr lvl="0"/>
-            <a:r>
-              <a:rPr lang="en-US" sz="2200" b="0" i="0" u="none" strike="noStrike" cap="none" dirty="0">
-                <a:solidFill>
-                  <a:srgbClr val="000000"/>
-                </a:solidFill>
-                <a:effectLst/>
-                <a:latin typeface="Merriweather Sans"/>
-                <a:ea typeface="Merriweather Sans"/>
-                <a:cs typeface="Merriweather Sans"/>
-                <a:sym typeface="Merriweather Sans"/>
-              </a:rPr>
-              <a:t>Strike the balance between the two question types</a:t>
-            </a:r>
-          </a:p>
-          <a:p>
+              <a:t>This goal is not to calibrate SMEs (though this will help with calibration) but to refine the competencies and proficiency levels.</a:t>
+            </a:r>
             <a:endParaRPr lang="en-US" dirty="0"/>
           </a:p>
         </p:txBody>
@@ -3193,7 +2950,7 @@
     </p:spTree>
     <p:extLst>
       <p:ext uri="{BB962C8B-B14F-4D97-AF65-F5344CB8AC3E}">
-        <p14:creationId xmlns:p14="http://schemas.microsoft.com/office/powerpoint/2010/main" val="4234696993"/>
+        <p14:creationId xmlns:p14="http://schemas.microsoft.com/office/powerpoint/2010/main" val="3624751010"/>
       </p:ext>
     </p:extLst>
   </p:cSld>
@@ -3247,13 +3004,459 @@
           <a:bodyPr/>
           <a:lstStyle/>
           <a:p>
-            <a:r>
-              <a:rPr lang="en-US" dirty="0"/>
-              <a:t>Use this slide to explain how two structured interviews can be different (allowing applicants to be failed between </a:t>
-            </a:r>
-            <a:r>
-              <a:rPr lang="en-US"/>
-              <a:t>the interviews).</a:t>
+            <a:pPr marL="457200" marR="0" lvl="0" indent="-228600" algn="l" defTabSz="914400" rtl="0" eaLnBrk="1" fontAlgn="auto" latinLnBrk="0" hangingPunct="1">
+              <a:lnSpc>
+                <a:spcPct val="100000"/>
+              </a:lnSpc>
+              <a:spcBef>
+                <a:spcPts val="0"/>
+              </a:spcBef>
+              <a:spcAft>
+                <a:spcPts val="0"/>
+              </a:spcAft>
+              <a:buClr>
+                <a:srgbClr val="000000"/>
+              </a:buClr>
+              <a:buSzPts val="1400"/>
+              <a:buFont typeface="Arial"/>
+              <a:buNone/>
+              <a:tabLst/>
+              <a:defRPr/>
+            </a:pPr>
+            <a:r>
+              <a:rPr lang="en-US" dirty="0"/>
+              <a:t>Recency requirements are only allowed for job series where standards change frequently (such as IT).</a:t>
+            </a:r>
+          </a:p>
+          <a:p>
+            <a:endParaRPr lang="en-US" dirty="0"/>
+          </a:p>
+          <a:p>
+            <a:pPr marL="457200" marR="0" lvl="0" indent="-228600" algn="l" defTabSz="914400" rtl="0" eaLnBrk="1" fontAlgn="auto" latinLnBrk="0" hangingPunct="1">
+              <a:lnSpc>
+                <a:spcPct val="100000"/>
+              </a:lnSpc>
+              <a:spcBef>
+                <a:spcPts val="0"/>
+              </a:spcBef>
+              <a:spcAft>
+                <a:spcPts val="0"/>
+              </a:spcAft>
+              <a:buClr>
+                <a:srgbClr val="000000"/>
+              </a:buClr>
+              <a:buSzPts val="1400"/>
+              <a:buFont typeface="Arial"/>
+              <a:buNone/>
+              <a:tabLst/>
+              <a:defRPr/>
+            </a:pPr>
+            <a:r>
+              <a:rPr lang="en-US" dirty="0"/>
+              <a:t>Figure out how many pages of job experience is sufficient to make a determination</a:t>
+            </a:r>
+          </a:p>
+          <a:p>
+            <a:endParaRPr lang="en-US" dirty="0"/>
+          </a:p>
+          <a:p>
+            <a:r>
+              <a:rPr lang="en-US" dirty="0"/>
+              <a:t>It’s OK to decide not all competencies are required to appear in a resume, but this must be decided ahead of time in the assessment strategy</a:t>
+            </a:r>
+          </a:p>
+          <a:p>
+            <a:endParaRPr lang="en-US" dirty="0"/>
+          </a:p>
+          <a:p>
+            <a:r>
+              <a:rPr lang="en-US" dirty="0"/>
+              <a:t>Requiring a work sample or portfolio helps to ensure that applicants are responsive to the job announcement. You may only request a work sample or portfolio at the time of application if applicants can be reasonably expected to already have one relevant to this role.</a:t>
+            </a:r>
+          </a:p>
+          <a:p>
+            <a:endParaRPr lang="en-US" dirty="0"/>
+          </a:p>
+        </p:txBody>
+      </p:sp>
+    </p:spTree>
+    <p:extLst>
+      <p:ext uri="{BB962C8B-B14F-4D97-AF65-F5344CB8AC3E}">
+        <p14:creationId xmlns:p14="http://schemas.microsoft.com/office/powerpoint/2010/main" val="18592764"/>
+      </p:ext>
+    </p:extLst>
+  </p:cSld>
+  <p:clrMapOvr>
+    <a:masterClrMapping/>
+  </p:clrMapOvr>
+</p:notes>
+</file>
+
+<file path=ppt/notesSlides/notesSlide26.xml><?xml version="1.0" encoding="utf-8"?>
+<p:notes xmlns:a="http://schemas.openxmlformats.org/drawingml/2006/main" xmlns:r="http://schemas.openxmlformats.org/officeDocument/2006/relationships" xmlns:p="http://schemas.openxmlformats.org/presentationml/2006/main">
+  <p:cSld>
+    <p:spTree>
+      <p:nvGrpSpPr>
+        <p:cNvPr id="1" name=""/>
+        <p:cNvGrpSpPr/>
+        <p:nvPr/>
+      </p:nvGrpSpPr>
+      <p:grpSpPr>
+        <a:xfrm>
+          <a:off x="0" y="0"/>
+          <a:ext cx="0" cy="0"/>
+          <a:chOff x="0" y="0"/>
+          <a:chExt cx="0" cy="0"/>
+        </a:xfrm>
+      </p:grpSpPr>
+      <p:sp>
+        <p:nvSpPr>
+          <p:cNvPr id="2" name="Slide Image Placeholder 1"/>
+          <p:cNvSpPr>
+            <a:spLocks noGrp="1" noRot="1" noChangeAspect="1"/>
+          </p:cNvSpPr>
+          <p:nvPr>
+            <p:ph type="sldImg"/>
+          </p:nvPr>
+        </p:nvSpPr>
+        <p:spPr/>
+      </p:sp>
+      <p:sp>
+        <p:nvSpPr>
+          <p:cNvPr id="3" name="Notes Placeholder 2"/>
+          <p:cNvSpPr>
+            <a:spLocks noGrp="1"/>
+          </p:cNvSpPr>
+          <p:nvPr>
+            <p:ph type="body" idx="1"/>
+          </p:nvPr>
+        </p:nvSpPr>
+        <p:spPr/>
+        <p:txBody>
+          <a:bodyPr/>
+          <a:lstStyle/>
+          <a:p>
+            <a:pPr marL="457200" marR="0" lvl="0" indent="-228600" algn="l" defTabSz="914400" rtl="0" eaLnBrk="1" fontAlgn="auto" latinLnBrk="0" hangingPunct="1">
+              <a:lnSpc>
+                <a:spcPct val="100000"/>
+              </a:lnSpc>
+              <a:spcBef>
+                <a:spcPts val="0"/>
+              </a:spcBef>
+              <a:spcAft>
+                <a:spcPts val="0"/>
+              </a:spcAft>
+              <a:buClr>
+                <a:srgbClr val="000000"/>
+              </a:buClr>
+              <a:buSzPts val="1400"/>
+              <a:buFont typeface="Arial"/>
+              <a:buNone/>
+              <a:tabLst/>
+              <a:defRPr/>
+            </a:pPr>
+            <a:r>
+              <a:rPr lang="en-US" dirty="0"/>
+              <a:t>If you want to ask applicants to complete an assessment before resume review, you must ask applicants in the occupational questionnaire if they they have the specialized experience.</a:t>
+            </a:r>
+          </a:p>
+          <a:p>
+            <a:pPr marL="457200" marR="0" lvl="0" indent="-228600" algn="l" defTabSz="914400" rtl="0" eaLnBrk="1" fontAlgn="auto" latinLnBrk="0" hangingPunct="1">
+              <a:lnSpc>
+                <a:spcPct val="100000"/>
+              </a:lnSpc>
+              <a:spcBef>
+                <a:spcPts val="0"/>
+              </a:spcBef>
+              <a:spcAft>
+                <a:spcPts val="0"/>
+              </a:spcAft>
+              <a:buClr>
+                <a:srgbClr val="000000"/>
+              </a:buClr>
+              <a:buSzPts val="1400"/>
+              <a:buFont typeface="Arial"/>
+              <a:buNone/>
+              <a:tabLst/>
+              <a:defRPr/>
+            </a:pPr>
+            <a:endParaRPr lang="en-US" dirty="0"/>
+          </a:p>
+          <a:p>
+            <a:pPr marL="457200" marR="0" lvl="0" indent="-228600" algn="l" defTabSz="914400" rtl="0" eaLnBrk="1" fontAlgn="auto" latinLnBrk="0" hangingPunct="1">
+              <a:lnSpc>
+                <a:spcPct val="100000"/>
+              </a:lnSpc>
+              <a:spcBef>
+                <a:spcPts val="0"/>
+              </a:spcBef>
+              <a:spcAft>
+                <a:spcPts val="0"/>
+              </a:spcAft>
+              <a:buClr>
+                <a:srgbClr val="000000"/>
+              </a:buClr>
+              <a:buSzPts val="1400"/>
+              <a:buFont typeface="Arial"/>
+              <a:buNone/>
+              <a:tabLst/>
+              <a:defRPr/>
+            </a:pPr>
+            <a:r>
+              <a:rPr lang="en-US" dirty="0"/>
+              <a:t>You may want to use content at https://</a:t>
+            </a:r>
+            <a:r>
+              <a:rPr lang="en-US" dirty="0" err="1"/>
+              <a:t>smeqa.usds.gov</a:t>
+            </a:r>
+            <a:r>
+              <a:rPr lang="en-US" dirty="0"/>
+              <a:t>/hiring-phases/job-analysis/creating-assessments-from-competencies/ in your workshop to determine the best assessments for this action.</a:t>
+            </a:r>
+          </a:p>
+        </p:txBody>
+      </p:sp>
+    </p:spTree>
+    <p:extLst>
+      <p:ext uri="{BB962C8B-B14F-4D97-AF65-F5344CB8AC3E}">
+        <p14:creationId xmlns:p14="http://schemas.microsoft.com/office/powerpoint/2010/main" val="63585316"/>
+      </p:ext>
+    </p:extLst>
+  </p:cSld>
+  <p:clrMapOvr>
+    <a:masterClrMapping/>
+  </p:clrMapOvr>
+</p:notes>
+</file>
+
+<file path=ppt/notesSlides/notesSlide27.xml><?xml version="1.0" encoding="utf-8"?>
+<p:notes xmlns:a="http://schemas.openxmlformats.org/drawingml/2006/main" xmlns:r="http://schemas.openxmlformats.org/officeDocument/2006/relationships" xmlns:p="http://schemas.openxmlformats.org/presentationml/2006/main">
+  <p:cSld>
+    <p:spTree>
+      <p:nvGrpSpPr>
+        <p:cNvPr id="1" name=""/>
+        <p:cNvGrpSpPr/>
+        <p:nvPr/>
+      </p:nvGrpSpPr>
+      <p:grpSpPr>
+        <a:xfrm>
+          <a:off x="0" y="0"/>
+          <a:ext cx="0" cy="0"/>
+          <a:chOff x="0" y="0"/>
+          <a:chExt cx="0" cy="0"/>
+        </a:xfrm>
+      </p:grpSpPr>
+      <p:sp>
+        <p:nvSpPr>
+          <p:cNvPr id="2" name="Slide Image Placeholder 1"/>
+          <p:cNvSpPr>
+            <a:spLocks noGrp="1" noRot="1" noChangeAspect="1"/>
+          </p:cNvSpPr>
+          <p:nvPr>
+            <p:ph type="sldImg"/>
+          </p:nvPr>
+        </p:nvSpPr>
+        <p:spPr/>
+      </p:sp>
+      <p:sp>
+        <p:nvSpPr>
+          <p:cNvPr id="3" name="Notes Placeholder 2"/>
+          <p:cNvSpPr>
+            <a:spLocks noGrp="1"/>
+          </p:cNvSpPr>
+          <p:nvPr>
+            <p:ph type="body" idx="1"/>
+          </p:nvPr>
+        </p:nvSpPr>
+        <p:spPr/>
+        <p:txBody>
+          <a:bodyPr/>
+          <a:lstStyle/>
+          <a:p>
+            <a:pPr lvl="0"/>
+            <a:r>
+              <a:rPr lang="en-US" sz="2200" b="0" i="0" u="none" strike="noStrike" cap="none" dirty="0">
+                <a:solidFill>
+                  <a:srgbClr val="000000"/>
+                </a:solidFill>
+                <a:effectLst/>
+                <a:latin typeface="Merriweather Sans"/>
+                <a:ea typeface="Merriweather Sans"/>
+                <a:cs typeface="Merriweather Sans"/>
+                <a:sym typeface="Merriweather Sans"/>
+              </a:rPr>
+              <a:t>Trying to discover applicant’s ability to apply their experience in a new situation</a:t>
+            </a:r>
+          </a:p>
+          <a:p>
+            <a:pPr lvl="0"/>
+            <a:r>
+              <a:rPr lang="en-US" sz="2200" b="0" i="0" u="none" strike="noStrike" cap="none" dirty="0">
+                <a:solidFill>
+                  <a:srgbClr val="000000"/>
+                </a:solidFill>
+                <a:effectLst/>
+                <a:latin typeface="Merriweather Sans"/>
+                <a:ea typeface="Merriweather Sans"/>
+                <a:cs typeface="Merriweather Sans"/>
+                <a:sym typeface="Merriweather Sans"/>
+              </a:rPr>
+              <a:t>“and can you give an example of when you did this in the past”</a:t>
+            </a:r>
+          </a:p>
+          <a:p>
+            <a:pPr lvl="0"/>
+            <a:endParaRPr lang="en-US" sz="2200" b="0" i="0" u="none" strike="noStrike" cap="none" dirty="0">
+              <a:solidFill>
+                <a:srgbClr val="000000"/>
+              </a:solidFill>
+              <a:effectLst/>
+              <a:latin typeface="Merriweather Sans"/>
+              <a:ea typeface="Merriweather Sans"/>
+              <a:cs typeface="Merriweather Sans"/>
+              <a:sym typeface="Merriweather Sans"/>
+            </a:endParaRPr>
+          </a:p>
+          <a:p>
+            <a:pPr lvl="0"/>
+            <a:r>
+              <a:rPr lang="en-US" sz="2200" b="0" i="0" u="none" strike="noStrike" cap="none" dirty="0">
+                <a:solidFill>
+                  <a:srgbClr val="000000"/>
+                </a:solidFill>
+                <a:effectLst/>
+                <a:latin typeface="Merriweather Sans"/>
+                <a:ea typeface="Merriweather Sans"/>
+                <a:cs typeface="Merriweather Sans"/>
+                <a:sym typeface="Merriweather Sans"/>
+              </a:rPr>
+              <a:t>Be intentional about the kinds of questions there can be</a:t>
+            </a:r>
+          </a:p>
+          <a:p>
+            <a:pPr lvl="0"/>
+            <a:endParaRPr lang="en-US" sz="2200" b="0" i="0" u="none" strike="noStrike" cap="none" dirty="0">
+              <a:solidFill>
+                <a:srgbClr val="000000"/>
+              </a:solidFill>
+              <a:effectLst/>
+              <a:latin typeface="Merriweather Sans"/>
+              <a:ea typeface="Merriweather Sans"/>
+              <a:cs typeface="Merriweather Sans"/>
+              <a:sym typeface="Merriweather Sans"/>
+            </a:endParaRPr>
+          </a:p>
+          <a:p>
+            <a:pPr lvl="0"/>
+            <a:r>
+              <a:rPr lang="en-US" sz="2200" b="0" i="0" u="none" strike="noStrike" cap="none" dirty="0">
+                <a:solidFill>
+                  <a:srgbClr val="000000"/>
+                </a:solidFill>
+                <a:effectLst/>
+                <a:latin typeface="Merriweather Sans"/>
+                <a:ea typeface="Merriweather Sans"/>
+                <a:cs typeface="Merriweather Sans"/>
+                <a:sym typeface="Merriweather Sans"/>
+              </a:rPr>
+              <a:t>Wording of the hypothetical questions is very tricky – it can be confusing to the applicants, difficult to “set the scene” so it makes sense for them</a:t>
+            </a:r>
+          </a:p>
+          <a:p>
+            <a:pPr lvl="0"/>
+            <a:endParaRPr lang="en-US" sz="2200" b="0" i="0" u="none" strike="noStrike" cap="none" dirty="0">
+              <a:solidFill>
+                <a:srgbClr val="000000"/>
+              </a:solidFill>
+              <a:effectLst/>
+              <a:latin typeface="Merriweather Sans"/>
+              <a:ea typeface="Merriweather Sans"/>
+              <a:cs typeface="Merriweather Sans"/>
+              <a:sym typeface="Merriweather Sans"/>
+            </a:endParaRPr>
+          </a:p>
+          <a:p>
+            <a:pPr lvl="0"/>
+            <a:r>
+              <a:rPr lang="en-US" sz="2200" b="0" i="0" u="none" strike="noStrike" cap="none" dirty="0">
+                <a:solidFill>
+                  <a:srgbClr val="000000"/>
+                </a:solidFill>
+                <a:effectLst/>
+                <a:latin typeface="Merriweather Sans"/>
+                <a:ea typeface="Merriweather Sans"/>
+                <a:cs typeface="Merriweather Sans"/>
+                <a:sym typeface="Merriweather Sans"/>
+              </a:rPr>
+              <a:t>Strike the balance between the two question types</a:t>
+            </a:r>
+          </a:p>
+          <a:p>
+            <a:endParaRPr lang="en-US" dirty="0"/>
+          </a:p>
+        </p:txBody>
+      </p:sp>
+    </p:spTree>
+    <p:extLst>
+      <p:ext uri="{BB962C8B-B14F-4D97-AF65-F5344CB8AC3E}">
+        <p14:creationId xmlns:p14="http://schemas.microsoft.com/office/powerpoint/2010/main" val="4234696993"/>
+      </p:ext>
+    </p:extLst>
+  </p:cSld>
+  <p:clrMapOvr>
+    <a:masterClrMapping/>
+  </p:clrMapOvr>
+</p:notes>
+</file>
+
+<file path=ppt/notesSlides/notesSlide28.xml><?xml version="1.0" encoding="utf-8"?>
+<p:notes xmlns:a="http://schemas.openxmlformats.org/drawingml/2006/main" xmlns:r="http://schemas.openxmlformats.org/officeDocument/2006/relationships" xmlns:p="http://schemas.openxmlformats.org/presentationml/2006/main">
+  <p:cSld>
+    <p:spTree>
+      <p:nvGrpSpPr>
+        <p:cNvPr id="1" name=""/>
+        <p:cNvGrpSpPr/>
+        <p:nvPr/>
+      </p:nvGrpSpPr>
+      <p:grpSpPr>
+        <a:xfrm>
+          <a:off x="0" y="0"/>
+          <a:ext cx="0" cy="0"/>
+          <a:chOff x="0" y="0"/>
+          <a:chExt cx="0" cy="0"/>
+        </a:xfrm>
+      </p:grpSpPr>
+      <p:sp>
+        <p:nvSpPr>
+          <p:cNvPr id="2" name="Slide Image Placeholder 1"/>
+          <p:cNvSpPr>
+            <a:spLocks noGrp="1" noRot="1" noChangeAspect="1"/>
+          </p:cNvSpPr>
+          <p:nvPr>
+            <p:ph type="sldImg"/>
+          </p:nvPr>
+        </p:nvSpPr>
+        <p:spPr/>
+      </p:sp>
+      <p:sp>
+        <p:nvSpPr>
+          <p:cNvPr id="3" name="Notes Placeholder 2"/>
+          <p:cNvSpPr>
+            <a:spLocks noGrp="1"/>
+          </p:cNvSpPr>
+          <p:nvPr>
+            <p:ph type="body" idx="1"/>
+          </p:nvPr>
+        </p:nvSpPr>
+        <p:spPr/>
+        <p:txBody>
+          <a:bodyPr/>
+          <a:lstStyle/>
+          <a:p>
+            <a:r>
+              <a:rPr lang="en-US" dirty="0"/>
+              <a:t>Use this slide to explain how two structured interviews can be different (allowing applicants to be failed between the interviews). Only needed if doing two interviews. The questions types are relevant even if doing just one interview.</a:t>
             </a:r>
           </a:p>
         </p:txBody>
@@ -3271,12 +3474,12 @@
 </p:notes>
 </file>
 
-<file path=ppt/notesSlides/notesSlide26.xml><?xml version="1.0" encoding="utf-8"?>
-<p:notes xmlns:a="http://schemas.openxmlformats.org/drawingml/2006/main" xmlns:r="http://schemas.openxmlformats.org/officeDocument/2006/relationships" xmlns:p="http://schemas.openxmlformats.org/presentationml/2006/main" showMasterSp="0" showMasterPhAnim="0">
+<file path=ppt/notesSlides/notesSlide29.xml><?xml version="1.0" encoding="utf-8"?>
+<p:notes xmlns:a="http://schemas.openxmlformats.org/drawingml/2006/main" xmlns:r="http://schemas.openxmlformats.org/officeDocument/2006/relationships" xmlns:p="http://schemas.openxmlformats.org/presentationml/2006/main">
   <p:cSld>
     <p:spTree>
       <p:nvGrpSpPr>
-        <p:cNvPr id="1" name="Shape 304"/>
+        <p:cNvPr id="1" name=""/>
         <p:cNvGrpSpPr/>
         <p:nvPr/>
       </p:nvGrpSpPr>
@@ -3290,53 +3493,71 @@
       </p:grpSpPr>
       <p:sp>
         <p:nvSpPr>
-          <p:cNvPr id="305" name="Google Shape;305;p34:notes"/>
-          <p:cNvSpPr txBox="1">
+          <p:cNvPr id="2" name="Slide Image Placeholder 1"/>
+          <p:cNvSpPr>
+            <a:spLocks noGrp="1" noRot="1" noChangeAspect="1"/>
+          </p:cNvSpPr>
+          <p:nvPr>
+            <p:ph type="sldImg"/>
+          </p:nvPr>
+        </p:nvSpPr>
+        <p:spPr/>
+      </p:sp>
+      <p:sp>
+        <p:nvSpPr>
+          <p:cNvPr id="3" name="Notes Placeholder 2"/>
+          <p:cNvSpPr>
             <a:spLocks noGrp="1"/>
           </p:cNvSpPr>
           <p:nvPr>
             <p:ph type="body" idx="1"/>
           </p:nvPr>
         </p:nvSpPr>
-        <p:spPr>
-          <a:xfrm>
-            <a:off x="917575" y="4415790"/>
-            <a:ext cx="5046663" cy="4183380"/>
-          </a:xfrm>
-          <a:prstGeom prst="rect">
-            <a:avLst/>
-          </a:prstGeom>
-          <a:noFill/>
-          <a:ln>
-            <a:noFill/>
-          </a:ln>
-        </p:spPr>
+        <p:spPr/>
         <p:txBody>
-          <a:bodyPr spcFirstLastPara="1" wrap="square" lIns="92425" tIns="46200" rIns="92425" bIns="46200" anchor="t" anchorCtr="0">
-            <a:noAutofit/>
-          </a:bodyPr>
+          <a:bodyPr/>
           <a:lstStyle/>
           <a:p>
-            <a:pPr marL="0" lvl="0" indent="0" algn="l" rtl="0">
-              <a:lnSpc>
-                <a:spcPct val="100000"/>
-              </a:lnSpc>
-              <a:spcBef>
-                <a:spcPts val="0"/>
-              </a:spcBef>
-              <a:spcAft>
-                <a:spcPts val="0"/>
-              </a:spcAft>
-              <a:buSzPts val="1400"/>
-              <a:buNone/>
-            </a:pPr>
-            <a:endParaRPr/>
+            <a:r>
+              <a:rPr lang="en-US" dirty="0"/>
+              <a:t>This is a “breadth” question (useful if doing two structured interviews)</a:t>
+            </a:r>
           </a:p>
         </p:txBody>
       </p:sp>
-      <p:sp>
-        <p:nvSpPr>
-          <p:cNvPr id="306" name="Google Shape;306;p34:notes"/>
+    </p:spTree>
+    <p:extLst>
+      <p:ext uri="{BB962C8B-B14F-4D97-AF65-F5344CB8AC3E}">
+        <p14:creationId xmlns:p14="http://schemas.microsoft.com/office/powerpoint/2010/main" val="2179640708"/>
+      </p:ext>
+    </p:extLst>
+  </p:cSld>
+  <p:clrMapOvr>
+    <a:masterClrMapping/>
+  </p:clrMapOvr>
+</p:notes>
+</file>
+
+<file path=ppt/notesSlides/notesSlide3.xml><?xml version="1.0" encoding="utf-8"?>
+<p:notes xmlns:a="http://schemas.openxmlformats.org/drawingml/2006/main" xmlns:r="http://schemas.openxmlformats.org/officeDocument/2006/relationships" xmlns:p="http://schemas.openxmlformats.org/presentationml/2006/main" showMasterSp="0" showMasterPhAnim="0">
+  <p:cSld>
+    <p:spTree>
+      <p:nvGrpSpPr>
+        <p:cNvPr id="1" name="Shape 96"/>
+        <p:cNvGrpSpPr/>
+        <p:nvPr/>
+      </p:nvGrpSpPr>
+      <p:grpSpPr>
+        <a:xfrm>
+          <a:off x="0" y="0"/>
+          <a:ext cx="0" cy="0"/>
+          <a:chOff x="0" y="0"/>
+          <a:chExt cx="0" cy="0"/>
+        </a:xfrm>
+      </p:grpSpPr>
+      <p:sp>
+        <p:nvSpPr>
+          <p:cNvPr id="97" name="Google Shape;97;p7:notes"/>
           <p:cNvSpPr>
             <a:spLocks noGrp="1" noRot="1" noChangeAspect="1"/>
           </p:cNvSpPr>
@@ -3379,12 +3600,779 @@
           </a:ln>
         </p:spPr>
       </p:sp>
+      <p:sp>
+        <p:nvSpPr>
+          <p:cNvPr id="98" name="Google Shape;98;p7:notes"/>
+          <p:cNvSpPr txBox="1">
+            <a:spLocks noGrp="1"/>
+          </p:cNvSpPr>
+          <p:nvPr>
+            <p:ph type="body" idx="1"/>
+          </p:nvPr>
+        </p:nvSpPr>
+        <p:spPr>
+          <a:xfrm>
+            <a:off x="917575" y="4415790"/>
+            <a:ext cx="5046663" cy="4183380"/>
+          </a:xfrm>
+          <a:prstGeom prst="rect">
+            <a:avLst/>
+          </a:prstGeom>
+          <a:noFill/>
+          <a:ln>
+            <a:noFill/>
+          </a:ln>
+        </p:spPr>
+        <p:txBody>
+          <a:bodyPr spcFirstLastPara="1" wrap="square" lIns="92425" tIns="46200" rIns="92425" bIns="46200" anchor="t" anchorCtr="0">
+            <a:noAutofit/>
+          </a:bodyPr>
+          <a:lstStyle/>
+          <a:p>
+            <a:r>
+              <a:rPr lang="en-US" sz="2400" b="1" i="0" u="none" strike="noStrike" cap="none" dirty="0">
+                <a:solidFill>
+                  <a:srgbClr val="000000"/>
+                </a:solidFill>
+                <a:effectLst/>
+                <a:latin typeface="Merriweather Sans"/>
+                <a:ea typeface="Merriweather Sans"/>
+                <a:cs typeface="Merriweather Sans"/>
+                <a:sym typeface="Merriweather Sans"/>
+              </a:rPr>
+              <a:t>Shorter presentations (10-15 min)</a:t>
+            </a:r>
+          </a:p>
+          <a:p>
+            <a:r>
+              <a:rPr lang="en-US" sz="2400" b="0" i="0" u="none" strike="noStrike" cap="none" dirty="0">
+                <a:solidFill>
+                  <a:srgbClr val="000000"/>
+                </a:solidFill>
+                <a:effectLst/>
+                <a:latin typeface="Merriweather Sans"/>
+                <a:ea typeface="Merriweather Sans"/>
+                <a:cs typeface="Merriweather Sans"/>
+                <a:sym typeface="Merriweather Sans"/>
+              </a:rPr>
+              <a:t> </a:t>
+            </a:r>
+          </a:p>
+          <a:p>
+            <a:r>
+              <a:rPr lang="en-US" sz="2400" b="0" i="0" u="none" strike="noStrike" cap="none" dirty="0">
+                <a:solidFill>
+                  <a:srgbClr val="000000"/>
+                </a:solidFill>
+                <a:effectLst/>
+                <a:latin typeface="Merriweather Sans"/>
+                <a:ea typeface="Merriweather Sans"/>
+                <a:cs typeface="Merriweather Sans"/>
+                <a:sym typeface="Merriweather Sans"/>
+              </a:rPr>
+              <a:t>During the job analysis workshop, SMEs work with HR to establish the specialized experience required for the position, which are presented as technical competencies. In practice, these technical competencies become the minimum qualification bar for the position. HR trains SMEs to assess all applicants against that bar during resume review and phone interviews. HR is responsible for the certificate, but according to the assessment strategy, they lean on SMEs’ deep technical expertise to assess applicants before they’re considered qualified. The hiring manager can be confident that any applicant, including the minimally qualified, will succeed in the role from day one.</a:t>
+            </a:r>
+          </a:p>
+          <a:p>
+            <a:r>
+              <a:rPr lang="en-US" sz="2400" b="0" i="0" u="none" strike="noStrike" cap="none" dirty="0">
+                <a:solidFill>
+                  <a:srgbClr val="000000"/>
+                </a:solidFill>
+                <a:effectLst/>
+                <a:latin typeface="Merriweather Sans"/>
+                <a:ea typeface="Merriweather Sans"/>
+                <a:cs typeface="Merriweather Sans"/>
+                <a:sym typeface="Merriweather Sans"/>
+              </a:rPr>
+              <a:t>Because SME-QA is time-intensive for SMEs, we reduced their participation burden by limiting the number of resume pages they review, including only one SME per structured phone interview, and minimizing the length of justification for every cut.  In addition, applicants who do not receive a passing score in the first interview do not proceed to the second interview.</a:t>
+            </a:r>
+          </a:p>
+          <a:p>
+            <a:r>
+              <a:rPr lang="en-US" sz="2400" b="0" i="0" u="none" strike="noStrike" cap="none" dirty="0">
+                <a:solidFill>
+                  <a:srgbClr val="000000"/>
+                </a:solidFill>
+                <a:effectLst/>
+                <a:latin typeface="Merriweather Sans"/>
+                <a:ea typeface="Merriweather Sans"/>
+                <a:cs typeface="Merriweather Sans"/>
+                <a:sym typeface="Merriweather Sans"/>
+              </a:rPr>
+              <a:t>SME-QA applies to delegated examining (though it can be applied in excepted service or direct hire situations), and veterans’ preference and category ratings still apply. However, applicants aren’t considered qualified until after they pass both interview assessments with SMEs. After the assessments are complete, HR adjudicates preference for the first time to all applicants who passed the assessment phase.</a:t>
+            </a:r>
+          </a:p>
+          <a:p>
+            <a:endParaRPr lang="en-US" sz="2400" b="0" i="0" u="none" strike="noStrike" cap="none" dirty="0">
+              <a:solidFill>
+                <a:srgbClr val="000000"/>
+              </a:solidFill>
+              <a:effectLst/>
+              <a:latin typeface="Merriweather Sans"/>
+              <a:ea typeface="Merriweather Sans"/>
+              <a:cs typeface="Merriweather Sans"/>
+              <a:sym typeface="Merriweather Sans"/>
+            </a:endParaRPr>
+          </a:p>
+          <a:p>
+            <a:r>
+              <a:rPr lang="en-US" sz="2400" b="1" i="0" u="none" strike="noStrike" cap="none" dirty="0">
+                <a:solidFill>
+                  <a:srgbClr val="000000"/>
+                </a:solidFill>
+                <a:effectLst/>
+                <a:latin typeface="Merriweather Sans"/>
+                <a:ea typeface="Merriweather Sans"/>
+                <a:cs typeface="Merriweather Sans"/>
+                <a:sym typeface="Merriweather Sans"/>
+              </a:rPr>
+              <a:t>Longer presentations (1 hour)</a:t>
+            </a:r>
+          </a:p>
+          <a:p>
+            <a:r>
+              <a:rPr lang="en-US" sz="2400" b="0" i="0" u="none" strike="noStrike" cap="none" dirty="0">
+                <a:solidFill>
+                  <a:srgbClr val="000000"/>
+                </a:solidFill>
+                <a:effectLst/>
+                <a:latin typeface="Merriweather Sans"/>
+                <a:ea typeface="Merriweather Sans"/>
+                <a:cs typeface="Merriweather Sans"/>
+                <a:sym typeface="Merriweather Sans"/>
+              </a:rPr>
+              <a:t> </a:t>
+            </a:r>
+          </a:p>
+          <a:p>
+            <a:r>
+              <a:rPr lang="en-US" sz="2400" b="0" i="0" u="none" strike="noStrike" cap="none" dirty="0">
+                <a:solidFill>
+                  <a:srgbClr val="000000"/>
+                </a:solidFill>
+                <a:effectLst/>
+                <a:latin typeface="Merriweather Sans"/>
+                <a:ea typeface="Merriweather Sans"/>
+                <a:cs typeface="Merriweather Sans"/>
+                <a:sym typeface="Merriweather Sans"/>
+              </a:rPr>
+              <a:t>During the job analysis workshop, SMEs work with HR to establish the specialized experience required for the position, which are presented as technical competencies. In practice, these technical competencies become the minimum qualification bar for the position. HR trains SMEs to assess all applicants against that bar during resume review and phone interviews. HR is responsible for the certificate, but according to the assessment strategy, they lean on SMEs’ deep technical expertise to assess applicants before they’re considered qualified. The hiring manager can be confident that any applicant, including the minimally qualified, will succeed in the role from day one.</a:t>
+            </a:r>
+          </a:p>
+          <a:p>
+            <a:r>
+              <a:rPr lang="en-US" sz="2400" b="1" i="0" u="none" strike="noStrike" cap="none" dirty="0">
+                <a:solidFill>
+                  <a:srgbClr val="000000"/>
+                </a:solidFill>
+                <a:effectLst/>
+                <a:latin typeface="Merriweather Sans"/>
+                <a:ea typeface="Merriweather Sans"/>
+                <a:cs typeface="Merriweather Sans"/>
+                <a:sym typeface="Merriweather Sans"/>
+              </a:rPr>
+              <a:t>Job Analysis:</a:t>
+            </a:r>
+            <a:r>
+              <a:rPr lang="en-US" sz="2400" b="0" i="0" u="none" strike="noStrike" cap="none" dirty="0">
+                <a:solidFill>
+                  <a:srgbClr val="000000"/>
+                </a:solidFill>
+                <a:effectLst/>
+                <a:latin typeface="Merriweather Sans"/>
+                <a:ea typeface="Merriweather Sans"/>
+                <a:cs typeface="Merriweather Sans"/>
+                <a:sym typeface="Merriweather Sans"/>
+              </a:rPr>
+              <a:t> SMEs and hiring managers work with HR to:</a:t>
+            </a:r>
+          </a:p>
+          <a:p>
+            <a:pPr lvl="0"/>
+            <a:r>
+              <a:rPr lang="en-US" sz="2400" b="0" i="0" u="none" strike="noStrike" cap="none" dirty="0">
+                <a:solidFill>
+                  <a:srgbClr val="000000"/>
+                </a:solidFill>
+                <a:effectLst/>
+                <a:latin typeface="Merriweather Sans"/>
+                <a:ea typeface="Merriweather Sans"/>
+                <a:cs typeface="Merriweather Sans"/>
+                <a:sym typeface="Merriweather Sans"/>
+              </a:rPr>
+              <a:t>Set specialized experience in the form of technical qualification criteria that will in practice become part of the minimum qualifications</a:t>
+            </a:r>
+          </a:p>
+          <a:p>
+            <a:pPr lvl="0"/>
+            <a:r>
+              <a:rPr lang="en-US" sz="2400" b="0" i="0" u="none" strike="noStrike" cap="none" dirty="0">
+                <a:solidFill>
+                  <a:srgbClr val="000000"/>
+                </a:solidFill>
+                <a:effectLst/>
+                <a:latin typeface="Merriweather Sans"/>
+                <a:ea typeface="Merriweather Sans"/>
+                <a:cs typeface="Merriweather Sans"/>
+                <a:sym typeface="Merriweather Sans"/>
+              </a:rPr>
+              <a:t>Write structured interview questions to assess applicants against the defined competencies and proficiency levels</a:t>
+            </a:r>
+          </a:p>
+          <a:p>
+            <a:pPr lvl="0"/>
+            <a:r>
+              <a:rPr lang="en-US" sz="2400" b="0" i="0" u="none" strike="noStrike" cap="none" dirty="0">
+                <a:solidFill>
+                  <a:srgbClr val="000000"/>
+                </a:solidFill>
+                <a:effectLst/>
+                <a:latin typeface="Merriweather Sans"/>
+                <a:ea typeface="Merriweather Sans"/>
+                <a:cs typeface="Merriweather Sans"/>
+                <a:sym typeface="Merriweather Sans"/>
+              </a:rPr>
+              <a:t>Finalize the assessment strategy</a:t>
+            </a:r>
+          </a:p>
+          <a:p>
+            <a:r>
+              <a:rPr lang="en-US" sz="2400" b="1" i="0" u="none" strike="noStrike" cap="none" dirty="0">
+                <a:solidFill>
+                  <a:srgbClr val="000000"/>
+                </a:solidFill>
+                <a:effectLst/>
+                <a:latin typeface="Merriweather Sans"/>
+                <a:ea typeface="Merriweather Sans"/>
+                <a:cs typeface="Merriweather Sans"/>
+                <a:sym typeface="Merriweather Sans"/>
+              </a:rPr>
+              <a:t>Job Announcement:</a:t>
+            </a:r>
+            <a:r>
+              <a:rPr lang="en-US" sz="2400" b="0" i="0" u="none" strike="noStrike" cap="none" dirty="0">
+                <a:solidFill>
+                  <a:srgbClr val="000000"/>
+                </a:solidFill>
+                <a:effectLst/>
+                <a:latin typeface="Merriweather Sans"/>
+                <a:ea typeface="Merriweather Sans"/>
+                <a:cs typeface="Merriweather Sans"/>
+                <a:sym typeface="Merriweather Sans"/>
+              </a:rPr>
+              <a:t> Bridges a standard PD with an accurate announcement.</a:t>
+            </a:r>
+          </a:p>
+          <a:p>
+            <a:pPr lvl="0"/>
+            <a:r>
+              <a:rPr lang="en-US" sz="2400" b="0" i="0" u="none" strike="noStrike" cap="none" dirty="0">
+                <a:solidFill>
+                  <a:srgbClr val="000000"/>
+                </a:solidFill>
+                <a:effectLst/>
+                <a:latin typeface="Merriweather Sans"/>
+                <a:ea typeface="Merriweather Sans"/>
+                <a:cs typeface="Merriweather Sans"/>
+                <a:sym typeface="Merriweather Sans"/>
+              </a:rPr>
+              <a:t>Represents the actual job being hired for</a:t>
+            </a:r>
+          </a:p>
+          <a:p>
+            <a:pPr lvl="0"/>
+            <a:r>
+              <a:rPr lang="en-US" sz="2400" b="0" i="0" u="none" strike="noStrike" cap="none" dirty="0">
+                <a:solidFill>
+                  <a:srgbClr val="000000"/>
+                </a:solidFill>
+                <a:effectLst/>
+                <a:latin typeface="Merriweather Sans"/>
+                <a:ea typeface="Merriweather Sans"/>
+                <a:cs typeface="Merriweather Sans"/>
+                <a:sym typeface="Merriweather Sans"/>
+              </a:rPr>
+              <a:t>Is not cut and pasted from the position description</a:t>
+            </a:r>
+          </a:p>
+          <a:p>
+            <a:pPr lvl="0"/>
+            <a:r>
+              <a:rPr lang="en-US" sz="2400" b="0" i="0" u="none" strike="noStrike" cap="none" dirty="0">
+                <a:solidFill>
+                  <a:srgbClr val="000000"/>
+                </a:solidFill>
+                <a:effectLst/>
+                <a:latin typeface="Merriweather Sans"/>
+                <a:ea typeface="Merriweather Sans"/>
+                <a:cs typeface="Merriweather Sans"/>
+                <a:sym typeface="Merriweather Sans"/>
+              </a:rPr>
+              <a:t>Contains only critical information with links to other items</a:t>
+            </a:r>
+          </a:p>
+          <a:p>
+            <a:pPr lvl="0"/>
+            <a:r>
+              <a:rPr lang="en-US" sz="2400" b="0" i="0" u="none" strike="noStrike" cap="none" dirty="0">
+                <a:solidFill>
+                  <a:srgbClr val="000000"/>
+                </a:solidFill>
+                <a:effectLst/>
+                <a:latin typeface="Merriweather Sans"/>
+                <a:ea typeface="Merriweather Sans"/>
+                <a:cs typeface="Merriweather Sans"/>
+                <a:sym typeface="Merriweather Sans"/>
+              </a:rPr>
+              <a:t>Closes at midnight the day it hits 100 applicants so SMEs aren’t overwhelmed by too many applicants.</a:t>
+            </a:r>
+          </a:p>
+          <a:p>
+            <a:pPr lvl="0"/>
+            <a:r>
+              <a:rPr lang="en-US" sz="2400" b="0" i="0" u="none" strike="noStrike" cap="none" dirty="0">
+                <a:solidFill>
+                  <a:srgbClr val="000000"/>
+                </a:solidFill>
+                <a:effectLst/>
+                <a:latin typeface="Merriweather Sans"/>
+                <a:ea typeface="Merriweather Sans"/>
+                <a:cs typeface="Merriweather Sans"/>
+                <a:sym typeface="Merriweather Sans"/>
+              </a:rPr>
+              <a:t>No occupational questionnaire to assess applicants qualifications. We don’t care how an applicant rates themselves; technical SMEs assess applicants.</a:t>
+            </a:r>
+          </a:p>
+          <a:p>
+            <a:r>
+              <a:rPr lang="en-US" sz="2400" b="0" i="0" u="none" strike="noStrike" cap="none" dirty="0">
+                <a:solidFill>
+                  <a:srgbClr val="000000"/>
+                </a:solidFill>
+                <a:effectLst/>
+                <a:latin typeface="Merriweather Sans"/>
+                <a:ea typeface="Merriweather Sans"/>
+                <a:cs typeface="Merriweather Sans"/>
+                <a:sym typeface="Merriweather Sans"/>
+              </a:rPr>
+              <a:t> </a:t>
+            </a:r>
+          </a:p>
+          <a:p>
+            <a:r>
+              <a:rPr lang="en-US" sz="2400" b="1" i="0" u="none" strike="noStrike" cap="none" dirty="0">
+                <a:solidFill>
+                  <a:srgbClr val="000000"/>
+                </a:solidFill>
+                <a:effectLst/>
+                <a:latin typeface="Merriweather Sans"/>
+                <a:ea typeface="Merriweather Sans"/>
+                <a:cs typeface="Merriweather Sans"/>
+                <a:sym typeface="Merriweather Sans"/>
+              </a:rPr>
+              <a:t>Resume Review:</a:t>
+            </a:r>
+            <a:r>
+              <a:rPr lang="en-US" sz="2400" b="0" i="0" u="none" strike="noStrike" cap="none" dirty="0">
+                <a:solidFill>
+                  <a:srgbClr val="000000"/>
+                </a:solidFill>
+                <a:effectLst/>
+                <a:latin typeface="Merriweather Sans"/>
+                <a:ea typeface="Merriweather Sans"/>
+                <a:cs typeface="Merriweather Sans"/>
+                <a:sym typeface="Merriweather Sans"/>
+              </a:rPr>
+              <a:t> HR only checks for eligibility requirements, SMEs check for the technical competency requirements. There are no quotas for how many applicants can move forward.</a:t>
+            </a:r>
+          </a:p>
+          <a:p>
+            <a:pPr lvl="0"/>
+            <a:r>
+              <a:rPr lang="en-US" sz="2400" b="0" i="0" u="none" strike="noStrike" cap="none" dirty="0">
+                <a:solidFill>
+                  <a:srgbClr val="000000"/>
+                </a:solidFill>
+                <a:effectLst/>
+                <a:latin typeface="Merriweather Sans"/>
+                <a:ea typeface="Merriweather Sans"/>
+                <a:cs typeface="Merriweather Sans"/>
+                <a:sym typeface="Merriweather Sans"/>
+              </a:rPr>
+              <a:t>SMEs determined how many pages of each resume they would review during job analysis and documented in JOA (reduces time burden on SMEs, levels the playing field for private sector applicants).</a:t>
+            </a:r>
+          </a:p>
+          <a:p>
+            <a:pPr lvl="0"/>
+            <a:r>
+              <a:rPr lang="en-US" sz="2400" b="0" i="0" u="none" strike="noStrike" cap="none" dirty="0">
+                <a:solidFill>
+                  <a:srgbClr val="000000"/>
+                </a:solidFill>
+                <a:effectLst/>
+                <a:latin typeface="Merriweather Sans"/>
+                <a:ea typeface="Merriweather Sans"/>
+                <a:cs typeface="Merriweather Sans"/>
+                <a:sym typeface="Merriweather Sans"/>
+              </a:rPr>
+              <a:t>SMEs compare resumes against the required competencies and write 1-4 sentences about why they are moving an applicant forward or cutting them.</a:t>
+            </a:r>
+          </a:p>
+          <a:p>
+            <a:pPr lvl="0"/>
+            <a:r>
+              <a:rPr lang="en-US" sz="2400" b="0" i="0" u="none" strike="noStrike" cap="none" dirty="0">
+                <a:solidFill>
+                  <a:srgbClr val="000000"/>
+                </a:solidFill>
+                <a:effectLst/>
+                <a:latin typeface="Merriweather Sans"/>
+                <a:ea typeface="Merriweather Sans"/>
+                <a:cs typeface="Merriweather Sans"/>
+                <a:sym typeface="Merriweather Sans"/>
+              </a:rPr>
+              <a:t>HR reviews the justifications to make sure cuts were based on retraceable technical reasons (not to second guess SME’s technical judgement).</a:t>
+            </a:r>
+          </a:p>
+          <a:p>
+            <a:pPr lvl="0"/>
+            <a:r>
+              <a:rPr lang="en-US" sz="2400" b="0" i="0" u="none" strike="noStrike" cap="none" dirty="0">
+                <a:solidFill>
+                  <a:srgbClr val="000000"/>
+                </a:solidFill>
+                <a:effectLst/>
+                <a:latin typeface="Merriweather Sans"/>
+                <a:ea typeface="Merriweather Sans"/>
+                <a:cs typeface="Merriweather Sans"/>
+                <a:sym typeface="Merriweather Sans"/>
+              </a:rPr>
+              <a:t>Applicants who pass resume review are not automatically qualified. Instead, they earn entry into a passing score examination, which is two rounds of structured interviews.  </a:t>
+            </a:r>
+          </a:p>
+          <a:p>
+            <a:r>
+              <a:rPr lang="en-US" sz="2400" b="1" i="0" u="none" strike="noStrike" cap="none" dirty="0">
+                <a:solidFill>
+                  <a:srgbClr val="000000"/>
+                </a:solidFill>
+                <a:effectLst/>
+                <a:latin typeface="Merriweather Sans"/>
+                <a:ea typeface="Merriweather Sans"/>
+                <a:cs typeface="Merriweather Sans"/>
+                <a:sym typeface="Merriweather Sans"/>
+              </a:rPr>
+              <a:t>Interviews:</a:t>
+            </a:r>
+            <a:r>
+              <a:rPr lang="en-US" sz="2400" b="0" i="0" u="none" strike="noStrike" cap="none" dirty="0">
+                <a:solidFill>
+                  <a:srgbClr val="000000"/>
+                </a:solidFill>
+                <a:effectLst/>
+                <a:latin typeface="Merriweather Sans"/>
+                <a:ea typeface="Merriweather Sans"/>
+                <a:cs typeface="Merriweather Sans"/>
+                <a:sym typeface="Merriweather Sans"/>
+              </a:rPr>
+              <a:t> Before beginning interviews, HR conducts a required 2-hour training with SMEs to practice the structured interview script.</a:t>
+            </a:r>
+          </a:p>
+          <a:p>
+            <a:pPr lvl="0"/>
+            <a:r>
+              <a:rPr lang="en-US" sz="2400" b="0" i="0" u="none" strike="noStrike" cap="none" dirty="0">
+                <a:solidFill>
+                  <a:srgbClr val="000000"/>
+                </a:solidFill>
+                <a:effectLst/>
+                <a:latin typeface="Merriweather Sans"/>
+                <a:ea typeface="Merriweather Sans"/>
+                <a:cs typeface="Merriweather Sans"/>
+                <a:sym typeface="Merriweather Sans"/>
+              </a:rPr>
+              <a:t>Given the heavy time burden for participating SMEs, SME-QA uses one SME per phone interview. SMEs transcribe the applicants’ responses to the best of their ability.</a:t>
+            </a:r>
+          </a:p>
+          <a:p>
+            <a:pPr lvl="0"/>
+            <a:r>
+              <a:rPr lang="en-US" sz="2400" b="0" i="0" u="none" strike="noStrike" cap="none" dirty="0">
+                <a:solidFill>
+                  <a:srgbClr val="000000"/>
+                </a:solidFill>
+                <a:effectLst/>
+                <a:latin typeface="Merriweather Sans"/>
+                <a:ea typeface="Merriweather Sans"/>
+                <a:cs typeface="Merriweather Sans"/>
+                <a:sym typeface="Merriweather Sans"/>
+              </a:rPr>
+              <a:t>HR reviews the SMEs’ analysis of the applicants’ qualifications to make sure they were only based on the required competencies and proficiency levels from job analysis.</a:t>
+            </a:r>
+          </a:p>
+          <a:p>
+            <a:pPr lvl="0"/>
+            <a:r>
+              <a:rPr lang="en-US" sz="2400" b="0" i="0" u="none" strike="noStrike" cap="none" dirty="0">
+                <a:solidFill>
+                  <a:srgbClr val="000000"/>
+                </a:solidFill>
+                <a:effectLst/>
+                <a:latin typeface="Merriweather Sans"/>
+                <a:ea typeface="Merriweather Sans"/>
+                <a:cs typeface="Merriweather Sans"/>
+                <a:sym typeface="Merriweather Sans"/>
+              </a:rPr>
+              <a:t>To be considered qualified with a passing score, applicants must pass two interviews, each with a different SME, measuring the breadth of and then depth of knowledge in the required competencies.</a:t>
+            </a:r>
+          </a:p>
+          <a:p>
+            <a:pPr lvl="0"/>
+            <a:r>
+              <a:rPr lang="en-US" sz="2400" b="0" i="0" u="none" strike="noStrike" cap="none" dirty="0">
+                <a:solidFill>
+                  <a:srgbClr val="000000"/>
+                </a:solidFill>
+                <a:effectLst/>
+                <a:latin typeface="Merriweather Sans"/>
+                <a:ea typeface="Merriweather Sans"/>
+                <a:cs typeface="Merriweather Sans"/>
+                <a:sym typeface="Merriweather Sans"/>
+              </a:rPr>
+              <a:t>Applicants who don’t pass the first interview can’t achieve an overall passing score, so they don’t move on to the second interview. </a:t>
+            </a:r>
+          </a:p>
+          <a:p>
+            <a:r>
+              <a:rPr lang="en-US" sz="2400" b="0" i="0" u="none" strike="noStrike" cap="none" dirty="0">
+                <a:solidFill>
+                  <a:srgbClr val="000000"/>
+                </a:solidFill>
+                <a:effectLst/>
+                <a:latin typeface="Merriweather Sans"/>
+                <a:ea typeface="Merriweather Sans"/>
+                <a:cs typeface="Merriweather Sans"/>
+                <a:sym typeface="Merriweather Sans"/>
+              </a:rPr>
+              <a:t> </a:t>
+            </a:r>
+          </a:p>
+          <a:p>
+            <a:r>
+              <a:rPr lang="en-US" sz="2400" b="1" i="0" u="none" strike="noStrike" cap="none" dirty="0">
+                <a:solidFill>
+                  <a:srgbClr val="000000"/>
+                </a:solidFill>
+                <a:effectLst/>
+                <a:latin typeface="Merriweather Sans"/>
+                <a:ea typeface="Merriweather Sans"/>
+                <a:cs typeface="Merriweather Sans"/>
+                <a:sym typeface="Merriweather Sans"/>
+              </a:rPr>
+              <a:t>Certificate: </a:t>
+            </a:r>
+            <a:r>
+              <a:rPr lang="en-US" sz="2400" b="0" i="0" u="none" strike="noStrike" cap="none" dirty="0">
+                <a:solidFill>
+                  <a:srgbClr val="000000"/>
+                </a:solidFill>
+                <a:effectLst/>
+                <a:latin typeface="Merriweather Sans"/>
+                <a:ea typeface="Merriweather Sans"/>
+                <a:cs typeface="Merriweather Sans"/>
+                <a:sym typeface="Merriweather Sans"/>
+              </a:rPr>
+              <a:t>For the first time, HR</a:t>
+            </a:r>
+            <a:r>
+              <a:rPr lang="en-US" sz="2400" b="1" i="0" u="none" strike="noStrike" cap="none" dirty="0">
+                <a:solidFill>
+                  <a:srgbClr val="000000"/>
+                </a:solidFill>
+                <a:effectLst/>
+                <a:latin typeface="Merriweather Sans"/>
+                <a:ea typeface="Merriweather Sans"/>
+                <a:cs typeface="Merriweather Sans"/>
+                <a:sym typeface="Merriweather Sans"/>
+              </a:rPr>
+              <a:t> </a:t>
+            </a:r>
+            <a:r>
+              <a:rPr lang="en-US" sz="2400" b="0" i="0" u="none" strike="noStrike" cap="none" dirty="0">
+                <a:solidFill>
+                  <a:srgbClr val="000000"/>
+                </a:solidFill>
+                <a:effectLst/>
+                <a:latin typeface="Merriweather Sans"/>
+                <a:ea typeface="Merriweather Sans"/>
+                <a:cs typeface="Merriweather Sans"/>
+                <a:sym typeface="Merriweather Sans"/>
+              </a:rPr>
+              <a:t>adjudicates veterans’ preference claims and then applies normal veterans’ preference rules, followed by category ratings.</a:t>
+            </a:r>
+          </a:p>
+          <a:p>
+            <a:r>
+              <a:rPr lang="en-US" sz="2400" b="0" i="0" u="none" strike="noStrike" cap="none" dirty="0">
+                <a:solidFill>
+                  <a:srgbClr val="000000"/>
+                </a:solidFill>
+                <a:effectLst/>
+                <a:latin typeface="Merriweather Sans"/>
+                <a:ea typeface="Merriweather Sans"/>
+                <a:cs typeface="Merriweather Sans"/>
+                <a:sym typeface="Merriweather Sans"/>
+              </a:rPr>
+              <a:t> </a:t>
+            </a:r>
+          </a:p>
+          <a:p>
+            <a:pPr lvl="0"/>
+            <a:r>
+              <a:rPr lang="en-US" sz="2400" b="0" i="0" u="none" strike="noStrike" cap="none" dirty="0">
+                <a:solidFill>
+                  <a:srgbClr val="000000"/>
+                </a:solidFill>
+                <a:effectLst/>
+                <a:latin typeface="Merriweather Sans"/>
+                <a:ea typeface="Merriweather Sans"/>
+                <a:cs typeface="Merriweather Sans"/>
+                <a:sym typeface="Merriweather Sans"/>
+              </a:rPr>
+              <a:t>For applicants who not only meet but exceed the qualifications, HR uses that info to put applicants into categories.</a:t>
+            </a:r>
+          </a:p>
+          <a:p>
+            <a:pPr lvl="0"/>
+            <a:r>
+              <a:rPr lang="en-US" sz="2400" b="0" i="0" u="none" strike="noStrike" cap="none" dirty="0">
+                <a:solidFill>
+                  <a:srgbClr val="000000"/>
+                </a:solidFill>
+                <a:effectLst/>
+                <a:latin typeface="Merriweather Sans"/>
+                <a:ea typeface="Merriweather Sans"/>
+                <a:cs typeface="Merriweather Sans"/>
+                <a:sym typeface="Merriweather Sans"/>
+              </a:rPr>
+              <a:t>Any disabled veteran who is minimally qualified will float to the top of the best qualified list. Hiring managers must consider them before any other applicant.</a:t>
+            </a:r>
+          </a:p>
+          <a:p>
+            <a:pPr lvl="0"/>
+            <a:r>
+              <a:rPr lang="en-US" sz="2400" b="0" i="0" u="none" strike="noStrike" cap="none" dirty="0">
+                <a:solidFill>
+                  <a:srgbClr val="000000"/>
+                </a:solidFill>
+                <a:effectLst/>
+                <a:latin typeface="Merriweather Sans"/>
+                <a:ea typeface="Merriweather Sans"/>
+                <a:cs typeface="Merriweather Sans"/>
+                <a:sym typeface="Merriweather Sans"/>
+              </a:rPr>
+              <a:t>For example:</a:t>
+            </a:r>
+          </a:p>
+          <a:p>
+            <a:pPr lvl="1"/>
+            <a:r>
+              <a:rPr lang="en-US" sz="2400" b="0" i="0" u="none" strike="noStrike" cap="none" dirty="0">
+                <a:solidFill>
+                  <a:srgbClr val="000000"/>
+                </a:solidFill>
+                <a:effectLst/>
+                <a:latin typeface="Merriweather Sans"/>
+                <a:ea typeface="Merriweather Sans"/>
+                <a:cs typeface="Merriweather Sans"/>
+                <a:sym typeface="Merriweather Sans"/>
+              </a:rPr>
+              <a:t>100 people applied</a:t>
+            </a:r>
+          </a:p>
+          <a:p>
+            <a:pPr lvl="1"/>
+            <a:r>
+              <a:rPr lang="en-US" sz="2400" b="0" i="0" u="none" strike="noStrike" cap="none" dirty="0">
+                <a:solidFill>
+                  <a:srgbClr val="000000"/>
+                </a:solidFill>
+                <a:effectLst/>
+                <a:latin typeface="Merriweather Sans"/>
+                <a:ea typeface="Merriweather Sans"/>
+                <a:cs typeface="Merriweather Sans"/>
+                <a:sym typeface="Merriweather Sans"/>
+              </a:rPr>
+              <a:t>HR removed 2 because they didn’t submit resumes, so SMEs reviewed 98 resumes.</a:t>
+            </a:r>
+          </a:p>
+          <a:p>
+            <a:pPr lvl="1"/>
+            <a:r>
+              <a:rPr lang="en-US" sz="2400" b="0" i="0" u="none" strike="noStrike" cap="none" dirty="0">
+                <a:solidFill>
+                  <a:srgbClr val="000000"/>
+                </a:solidFill>
+                <a:effectLst/>
+                <a:latin typeface="Merriweather Sans"/>
+                <a:ea typeface="Merriweather Sans"/>
+                <a:cs typeface="Merriweather Sans"/>
+                <a:sym typeface="Merriweather Sans"/>
+              </a:rPr>
+              <a:t>SMEs interviewed 40 applicants in the first round.</a:t>
+            </a:r>
+          </a:p>
+          <a:p>
+            <a:pPr lvl="1"/>
+            <a:r>
+              <a:rPr lang="en-US" sz="2400" b="0" i="0" u="none" strike="noStrike" cap="none" dirty="0">
+                <a:solidFill>
+                  <a:srgbClr val="000000"/>
+                </a:solidFill>
+                <a:effectLst/>
+                <a:latin typeface="Merriweather Sans"/>
+                <a:ea typeface="Merriweather Sans"/>
+                <a:cs typeface="Merriweather Sans"/>
+                <a:sym typeface="Merriweather Sans"/>
+              </a:rPr>
+              <a:t>Of those, SMEs interviewed 24 applicants in the second round. </a:t>
+            </a:r>
+          </a:p>
+          <a:p>
+            <a:r>
+              <a:rPr lang="en-US" sz="2400" b="0" i="0" u="none" strike="noStrike" cap="none" dirty="0">
+                <a:solidFill>
+                  <a:srgbClr val="000000"/>
+                </a:solidFill>
+                <a:effectLst/>
+                <a:latin typeface="Merriweather Sans"/>
+                <a:ea typeface="Merriweather Sans"/>
+                <a:cs typeface="Merriweather Sans"/>
+                <a:sym typeface="Merriweather Sans"/>
+              </a:rPr>
+              <a:t>Of those, SMEs considered 14 applicants qualified. Those applicants met the minimum qualifications for the job and received a passing score on both interviews.</a:t>
+            </a:r>
+          </a:p>
+          <a:p>
+            <a:pPr marL="0" lvl="0" indent="0" algn="l" rtl="0">
+              <a:lnSpc>
+                <a:spcPct val="100000"/>
+              </a:lnSpc>
+              <a:spcBef>
+                <a:spcPts val="0"/>
+              </a:spcBef>
+              <a:spcAft>
+                <a:spcPts val="0"/>
+              </a:spcAft>
+              <a:buSzPts val="1400"/>
+              <a:buNone/>
+            </a:pPr>
+            <a:endParaRPr lang="en-US" dirty="0"/>
+          </a:p>
+        </p:txBody>
+      </p:sp>
     </p:spTree>
-    <p:extLst>
-      <p:ext uri="{BB962C8B-B14F-4D97-AF65-F5344CB8AC3E}">
-        <p14:creationId xmlns:p14="http://schemas.microsoft.com/office/powerpoint/2010/main" val="1352616743"/>
-      </p:ext>
-    </p:extLst>
   </p:cSld>
   <p:clrMapOvr>
     <a:masterClrMapping/>
@@ -3392,7 +4380,7 @@
 </p:notes>
 </file>
 
-<file path=ppt/notesSlides/notesSlide27.xml><?xml version="1.0" encoding="utf-8"?>
+<file path=ppt/notesSlides/notesSlide30.xml><?xml version="1.0" encoding="utf-8"?>
 <p:notes xmlns:a="http://schemas.openxmlformats.org/drawingml/2006/main" xmlns:r="http://schemas.openxmlformats.org/officeDocument/2006/relationships" xmlns:p="http://schemas.openxmlformats.org/presentationml/2006/main">
   <p:cSld>
     <p:spTree>
@@ -3436,17 +4424,39 @@
           <a:bodyPr/>
           <a:lstStyle/>
           <a:p>
-            <a:r>
-              <a:rPr lang="en-US" dirty="0"/>
-              <a:t>Only for technical job analysis</a:t>
-            </a:r>
+            <a:pPr marL="457200" marR="0" lvl="0" indent="-228600" algn="l" defTabSz="914400" rtl="0" eaLnBrk="1" fontAlgn="auto" latinLnBrk="0" hangingPunct="1">
+              <a:lnSpc>
+                <a:spcPct val="100000"/>
+              </a:lnSpc>
+              <a:spcBef>
+                <a:spcPts val="0"/>
+              </a:spcBef>
+              <a:spcAft>
+                <a:spcPts val="0"/>
+              </a:spcAft>
+              <a:buClr>
+                <a:srgbClr val="000000"/>
+              </a:buClr>
+              <a:buSzPts val="1400"/>
+              <a:buFont typeface="Arial"/>
+              <a:buNone/>
+              <a:tabLst/>
+              <a:defRPr/>
+            </a:pPr>
+            <a:r>
+              <a:rPr lang="en-US" dirty="0"/>
+              <a:t>This is a “depth” question (useful if doing two structured interviews)</a:t>
+            </a:r>
+          </a:p>
+          <a:p>
+            <a:endParaRPr lang="en-US" dirty="0"/>
           </a:p>
         </p:txBody>
       </p:sp>
     </p:spTree>
     <p:extLst>
       <p:ext uri="{BB962C8B-B14F-4D97-AF65-F5344CB8AC3E}">
-        <p14:creationId xmlns:p14="http://schemas.microsoft.com/office/powerpoint/2010/main" val="709305878"/>
+        <p14:creationId xmlns:p14="http://schemas.microsoft.com/office/powerpoint/2010/main" val="1638882920"/>
       </p:ext>
     </p:extLst>
   </p:cSld>
@@ -3456,12 +4466,12 @@
 </p:notes>
 </file>
 
-<file path=ppt/notesSlides/notesSlide3.xml><?xml version="1.0" encoding="utf-8"?>
-<p:notes xmlns:a="http://schemas.openxmlformats.org/drawingml/2006/main" xmlns:r="http://schemas.openxmlformats.org/officeDocument/2006/relationships" xmlns:p="http://schemas.openxmlformats.org/presentationml/2006/main" showMasterSp="0" showMasterPhAnim="0">
+<file path=ppt/notesSlides/notesSlide31.xml><?xml version="1.0" encoding="utf-8"?>
+<p:notes xmlns:a="http://schemas.openxmlformats.org/drawingml/2006/main" xmlns:r="http://schemas.openxmlformats.org/officeDocument/2006/relationships" xmlns:p="http://schemas.openxmlformats.org/presentationml/2006/main">
   <p:cSld>
     <p:spTree>
       <p:nvGrpSpPr>
-        <p:cNvPr id="1" name="Shape 96"/>
+        <p:cNvPr id="1" name=""/>
         <p:cNvGrpSpPr/>
         <p:nvPr/>
       </p:nvGrpSpPr>
@@ -3475,7 +4485,114 @@
       </p:grpSpPr>
       <p:sp>
         <p:nvSpPr>
-          <p:cNvPr id="97" name="Google Shape;97;p7:notes"/>
+          <p:cNvPr id="2" name="Slide Image Placeholder 1"/>
+          <p:cNvSpPr>
+            <a:spLocks noGrp="1" noRot="1" noChangeAspect="1"/>
+          </p:cNvSpPr>
+          <p:nvPr>
+            <p:ph type="sldImg"/>
+          </p:nvPr>
+        </p:nvSpPr>
+        <p:spPr/>
+      </p:sp>
+      <p:sp>
+        <p:nvSpPr>
+          <p:cNvPr id="3" name="Notes Placeholder 2"/>
+          <p:cNvSpPr>
+            <a:spLocks noGrp="1"/>
+          </p:cNvSpPr>
+          <p:nvPr>
+            <p:ph type="body" idx="1"/>
+          </p:nvPr>
+        </p:nvSpPr>
+        <p:spPr/>
+        <p:txBody>
+          <a:bodyPr/>
+          <a:lstStyle/>
+          <a:p>
+            <a:endParaRPr lang="en-US" dirty="0"/>
+          </a:p>
+        </p:txBody>
+      </p:sp>
+    </p:spTree>
+    <p:extLst>
+      <p:ext uri="{BB962C8B-B14F-4D97-AF65-F5344CB8AC3E}">
+        <p14:creationId xmlns:p14="http://schemas.microsoft.com/office/powerpoint/2010/main" val="3566024079"/>
+      </p:ext>
+    </p:extLst>
+  </p:cSld>
+  <p:clrMapOvr>
+    <a:masterClrMapping/>
+  </p:clrMapOvr>
+</p:notes>
+</file>
+
+<file path=ppt/notesSlides/notesSlide32.xml><?xml version="1.0" encoding="utf-8"?>
+<p:notes xmlns:a="http://schemas.openxmlformats.org/drawingml/2006/main" xmlns:r="http://schemas.openxmlformats.org/officeDocument/2006/relationships" xmlns:p="http://schemas.openxmlformats.org/presentationml/2006/main" showMasterSp="0" showMasterPhAnim="0">
+  <p:cSld>
+    <p:spTree>
+      <p:nvGrpSpPr>
+        <p:cNvPr id="1" name="Shape 304"/>
+        <p:cNvGrpSpPr/>
+        <p:nvPr/>
+      </p:nvGrpSpPr>
+      <p:grpSpPr>
+        <a:xfrm>
+          <a:off x="0" y="0"/>
+          <a:ext cx="0" cy="0"/>
+          <a:chOff x="0" y="0"/>
+          <a:chExt cx="0" cy="0"/>
+        </a:xfrm>
+      </p:grpSpPr>
+      <p:sp>
+        <p:nvSpPr>
+          <p:cNvPr id="305" name="Google Shape;305;p34:notes"/>
+          <p:cNvSpPr txBox="1">
+            <a:spLocks noGrp="1"/>
+          </p:cNvSpPr>
+          <p:nvPr>
+            <p:ph type="body" idx="1"/>
+          </p:nvPr>
+        </p:nvSpPr>
+        <p:spPr>
+          <a:xfrm>
+            <a:off x="917575" y="4415790"/>
+            <a:ext cx="5046663" cy="4183380"/>
+          </a:xfrm>
+          <a:prstGeom prst="rect">
+            <a:avLst/>
+          </a:prstGeom>
+          <a:noFill/>
+          <a:ln>
+            <a:noFill/>
+          </a:ln>
+        </p:spPr>
+        <p:txBody>
+          <a:bodyPr spcFirstLastPara="1" wrap="square" lIns="92425" tIns="46200" rIns="92425" bIns="46200" anchor="t" anchorCtr="0">
+            <a:noAutofit/>
+          </a:bodyPr>
+          <a:lstStyle/>
+          <a:p>
+            <a:pPr marL="0" lvl="0" indent="0" algn="l" rtl="0">
+              <a:lnSpc>
+                <a:spcPct val="100000"/>
+              </a:lnSpc>
+              <a:spcBef>
+                <a:spcPts val="0"/>
+              </a:spcBef>
+              <a:spcAft>
+                <a:spcPts val="0"/>
+              </a:spcAft>
+              <a:buSzPts val="1400"/>
+              <a:buNone/>
+            </a:pPr>
+            <a:endParaRPr/>
+          </a:p>
+        </p:txBody>
+      </p:sp>
+      <p:sp>
+        <p:nvSpPr>
+          <p:cNvPr id="306" name="Google Shape;306;p34:notes"/>
           <p:cNvSpPr>
             <a:spLocks noGrp="1" noRot="1" noChangeAspect="1"/>
           </p:cNvSpPr>
@@ -3518,779 +4635,76 @@
           </a:ln>
         </p:spPr>
       </p:sp>
-      <p:sp>
-        <p:nvSpPr>
-          <p:cNvPr id="98" name="Google Shape;98;p7:notes"/>
-          <p:cNvSpPr txBox="1">
+    </p:spTree>
+    <p:extLst>
+      <p:ext uri="{BB962C8B-B14F-4D97-AF65-F5344CB8AC3E}">
+        <p14:creationId xmlns:p14="http://schemas.microsoft.com/office/powerpoint/2010/main" val="1352616743"/>
+      </p:ext>
+    </p:extLst>
+  </p:cSld>
+  <p:clrMapOvr>
+    <a:masterClrMapping/>
+  </p:clrMapOvr>
+</p:notes>
+</file>
+
+<file path=ppt/notesSlides/notesSlide33.xml><?xml version="1.0" encoding="utf-8"?>
+<p:notes xmlns:a="http://schemas.openxmlformats.org/drawingml/2006/main" xmlns:r="http://schemas.openxmlformats.org/officeDocument/2006/relationships" xmlns:p="http://schemas.openxmlformats.org/presentationml/2006/main">
+  <p:cSld>
+    <p:spTree>
+      <p:nvGrpSpPr>
+        <p:cNvPr id="1" name=""/>
+        <p:cNvGrpSpPr/>
+        <p:nvPr/>
+      </p:nvGrpSpPr>
+      <p:grpSpPr>
+        <a:xfrm>
+          <a:off x="0" y="0"/>
+          <a:ext cx="0" cy="0"/>
+          <a:chOff x="0" y="0"/>
+          <a:chExt cx="0" cy="0"/>
+        </a:xfrm>
+      </p:grpSpPr>
+      <p:sp>
+        <p:nvSpPr>
+          <p:cNvPr id="2" name="Slide Image Placeholder 1"/>
+          <p:cNvSpPr>
+            <a:spLocks noGrp="1" noRot="1" noChangeAspect="1"/>
+          </p:cNvSpPr>
+          <p:nvPr>
+            <p:ph type="sldImg"/>
+          </p:nvPr>
+        </p:nvSpPr>
+        <p:spPr/>
+      </p:sp>
+      <p:sp>
+        <p:nvSpPr>
+          <p:cNvPr id="3" name="Notes Placeholder 2"/>
+          <p:cNvSpPr>
             <a:spLocks noGrp="1"/>
           </p:cNvSpPr>
           <p:nvPr>
             <p:ph type="body" idx="1"/>
           </p:nvPr>
         </p:nvSpPr>
-        <p:spPr>
-          <a:xfrm>
-            <a:off x="917575" y="4415790"/>
-            <a:ext cx="5046663" cy="4183380"/>
-          </a:xfrm>
-          <a:prstGeom prst="rect">
-            <a:avLst/>
-          </a:prstGeom>
-          <a:noFill/>
-          <a:ln>
-            <a:noFill/>
-          </a:ln>
-        </p:spPr>
+        <p:spPr/>
         <p:txBody>
-          <a:bodyPr spcFirstLastPara="1" wrap="square" lIns="92425" tIns="46200" rIns="92425" bIns="46200" anchor="t" anchorCtr="0">
-            <a:noAutofit/>
-          </a:bodyPr>
+          <a:bodyPr/>
           <a:lstStyle/>
           <a:p>
             <a:r>
-              <a:rPr lang="en-US" sz="2400" b="1" i="0" u="none" strike="noStrike" cap="none" dirty="0">
-                <a:solidFill>
-                  <a:srgbClr val="000000"/>
-                </a:solidFill>
-                <a:effectLst/>
-                <a:latin typeface="Merriweather Sans"/>
-                <a:ea typeface="Merriweather Sans"/>
-                <a:cs typeface="Merriweather Sans"/>
-                <a:sym typeface="Merriweather Sans"/>
-              </a:rPr>
-              <a:t>Shorter presentations (10-15 min)</a:t>
-            </a:r>
-          </a:p>
-          <a:p>
-            <a:r>
-              <a:rPr lang="en-US" sz="2400" b="0" i="0" u="none" strike="noStrike" cap="none" dirty="0">
-                <a:solidFill>
-                  <a:srgbClr val="000000"/>
-                </a:solidFill>
-                <a:effectLst/>
-                <a:latin typeface="Merriweather Sans"/>
-                <a:ea typeface="Merriweather Sans"/>
-                <a:cs typeface="Merriweather Sans"/>
-                <a:sym typeface="Merriweather Sans"/>
-              </a:rPr>
-              <a:t> </a:t>
-            </a:r>
-          </a:p>
-          <a:p>
-            <a:r>
-              <a:rPr lang="en-US" sz="2400" b="0" i="0" u="none" strike="noStrike" cap="none" dirty="0">
-                <a:solidFill>
-                  <a:srgbClr val="000000"/>
-                </a:solidFill>
-                <a:effectLst/>
-                <a:latin typeface="Merriweather Sans"/>
-                <a:ea typeface="Merriweather Sans"/>
-                <a:cs typeface="Merriweather Sans"/>
-                <a:sym typeface="Merriweather Sans"/>
-              </a:rPr>
-              <a:t>During the job analysis workshop, SMEs work with HR to establish the specialized experience required for the position, which are presented as technical competencies. In practice, these technical competencies become the minimum qualification bar for the position. HR trains SMEs to assess all applicants against that bar during resume review and phone interviews. HR is responsible for the certificate, but according to the assessment strategy, they lean on SMEs’ deep technical expertise to assess applicants before they’re considered qualified. The hiring manager can be confident that any applicant, including the minimally qualified, will succeed in the role from day one.</a:t>
-            </a:r>
-          </a:p>
-          <a:p>
-            <a:r>
-              <a:rPr lang="en-US" sz="2400" b="0" i="0" u="none" strike="noStrike" cap="none" dirty="0">
-                <a:solidFill>
-                  <a:srgbClr val="000000"/>
-                </a:solidFill>
-                <a:effectLst/>
-                <a:latin typeface="Merriweather Sans"/>
-                <a:ea typeface="Merriweather Sans"/>
-                <a:cs typeface="Merriweather Sans"/>
-                <a:sym typeface="Merriweather Sans"/>
-              </a:rPr>
-              <a:t>Because SME-QA is time-intensive for SMEs, we reduced their participation burden by limiting the number of resume pages they review, including only one SME per structured phone interview, and minimizing the length of justification for every cut.  In addition, applicants who do not receive a passing score in the first interview do not proceed to the second interview.</a:t>
-            </a:r>
-          </a:p>
-          <a:p>
-            <a:r>
-              <a:rPr lang="en-US" sz="2400" b="0" i="0" u="none" strike="noStrike" cap="none" dirty="0">
-                <a:solidFill>
-                  <a:srgbClr val="000000"/>
-                </a:solidFill>
-                <a:effectLst/>
-                <a:latin typeface="Merriweather Sans"/>
-                <a:ea typeface="Merriweather Sans"/>
-                <a:cs typeface="Merriweather Sans"/>
-                <a:sym typeface="Merriweather Sans"/>
-              </a:rPr>
-              <a:t>SME-QA applies to delegated examining, and veterans’ preference and category ratings still apply. However, applicants aren’t considered qualified until after they pass both interview assessments with SMEs. After the assessments are complete, HR adjudicates preference for the first time to all applicants who passed the assessment phase.</a:t>
-            </a:r>
-          </a:p>
-          <a:p>
-            <a:endParaRPr lang="en-US" sz="2400" b="0" i="0" u="none" strike="noStrike" cap="none" dirty="0">
-              <a:solidFill>
-                <a:srgbClr val="000000"/>
-              </a:solidFill>
-              <a:effectLst/>
-              <a:latin typeface="Merriweather Sans"/>
-              <a:ea typeface="Merriweather Sans"/>
-              <a:cs typeface="Merriweather Sans"/>
-              <a:sym typeface="Merriweather Sans"/>
-            </a:endParaRPr>
-          </a:p>
-          <a:p>
-            <a:r>
-              <a:rPr lang="en-US" sz="2400" b="1" i="0" u="none" strike="noStrike" cap="none" dirty="0">
-                <a:solidFill>
-                  <a:srgbClr val="000000"/>
-                </a:solidFill>
-                <a:effectLst/>
-                <a:latin typeface="Merriweather Sans"/>
-                <a:ea typeface="Merriweather Sans"/>
-                <a:cs typeface="Merriweather Sans"/>
-                <a:sym typeface="Merriweather Sans"/>
-              </a:rPr>
-              <a:t>Longer presentations (1 hour)</a:t>
-            </a:r>
-          </a:p>
-          <a:p>
-            <a:r>
-              <a:rPr lang="en-US" sz="2400" b="0" i="0" u="none" strike="noStrike" cap="none" dirty="0">
-                <a:solidFill>
-                  <a:srgbClr val="000000"/>
-                </a:solidFill>
-                <a:effectLst/>
-                <a:latin typeface="Merriweather Sans"/>
-                <a:ea typeface="Merriweather Sans"/>
-                <a:cs typeface="Merriweather Sans"/>
-                <a:sym typeface="Merriweather Sans"/>
-              </a:rPr>
-              <a:t> </a:t>
-            </a:r>
-          </a:p>
-          <a:p>
-            <a:r>
-              <a:rPr lang="en-US" sz="2400" b="0" i="0" u="none" strike="noStrike" cap="none" dirty="0">
-                <a:solidFill>
-                  <a:srgbClr val="000000"/>
-                </a:solidFill>
-                <a:effectLst/>
-                <a:latin typeface="Merriweather Sans"/>
-                <a:ea typeface="Merriweather Sans"/>
-                <a:cs typeface="Merriweather Sans"/>
-                <a:sym typeface="Merriweather Sans"/>
-              </a:rPr>
-              <a:t>During the job analysis workshop, SMEs work with HR to establish the specialized experience required for the position, which are presented as technical competencies. In practice, these technical competencies become the minimum qualification bar for the position. HR trains SMEs to assess all applicants against that bar during resume review and phone interviews. HR is responsible for the certificate, but according to the assessment strategy, they lean on SMEs’ deep technical expertise to assess applicants before they’re considered qualified. The hiring manager can be confident that any applicant, including the minimally qualified, will succeed in the role from day one.</a:t>
-            </a:r>
-          </a:p>
-          <a:p>
-            <a:r>
-              <a:rPr lang="en-US" sz="2400" b="1" i="0" u="none" strike="noStrike" cap="none" dirty="0">
-                <a:solidFill>
-                  <a:srgbClr val="000000"/>
-                </a:solidFill>
-                <a:effectLst/>
-                <a:latin typeface="Merriweather Sans"/>
-                <a:ea typeface="Merriweather Sans"/>
-                <a:cs typeface="Merriweather Sans"/>
-                <a:sym typeface="Merriweather Sans"/>
-              </a:rPr>
-              <a:t>Job Analysis:</a:t>
-            </a:r>
-            <a:r>
-              <a:rPr lang="en-US" sz="2400" b="0" i="0" u="none" strike="noStrike" cap="none" dirty="0">
-                <a:solidFill>
-                  <a:srgbClr val="000000"/>
-                </a:solidFill>
-                <a:effectLst/>
-                <a:latin typeface="Merriweather Sans"/>
-                <a:ea typeface="Merriweather Sans"/>
-                <a:cs typeface="Merriweather Sans"/>
-                <a:sym typeface="Merriweather Sans"/>
-              </a:rPr>
-              <a:t> SMEs and hiring managers work with HR to:</a:t>
-            </a:r>
-          </a:p>
-          <a:p>
-            <a:pPr lvl="0"/>
-            <a:r>
-              <a:rPr lang="en-US" sz="2400" b="0" i="0" u="none" strike="noStrike" cap="none" dirty="0">
-                <a:solidFill>
-                  <a:srgbClr val="000000"/>
-                </a:solidFill>
-                <a:effectLst/>
-                <a:latin typeface="Merriweather Sans"/>
-                <a:ea typeface="Merriweather Sans"/>
-                <a:cs typeface="Merriweather Sans"/>
-                <a:sym typeface="Merriweather Sans"/>
-              </a:rPr>
-              <a:t>Set specialized experience in the form of technical qualification criteria that will in practice become part of the minimum qualifications</a:t>
-            </a:r>
-          </a:p>
-          <a:p>
-            <a:pPr lvl="0"/>
-            <a:r>
-              <a:rPr lang="en-US" sz="2400" b="0" i="0" u="none" strike="noStrike" cap="none" dirty="0">
-                <a:solidFill>
-                  <a:srgbClr val="000000"/>
-                </a:solidFill>
-                <a:effectLst/>
-                <a:latin typeface="Merriweather Sans"/>
-                <a:ea typeface="Merriweather Sans"/>
-                <a:cs typeface="Merriweather Sans"/>
-                <a:sym typeface="Merriweather Sans"/>
-              </a:rPr>
-              <a:t>Write structured interview questions to assess applicants against the defined competencies and proficiency levels</a:t>
-            </a:r>
-          </a:p>
-          <a:p>
-            <a:pPr lvl="0"/>
-            <a:r>
-              <a:rPr lang="en-US" sz="2400" b="0" i="0" u="none" strike="noStrike" cap="none" dirty="0">
-                <a:solidFill>
-                  <a:srgbClr val="000000"/>
-                </a:solidFill>
-                <a:effectLst/>
-                <a:latin typeface="Merriweather Sans"/>
-                <a:ea typeface="Merriweather Sans"/>
-                <a:cs typeface="Merriweather Sans"/>
-                <a:sym typeface="Merriweather Sans"/>
-              </a:rPr>
-              <a:t>Finalize the assessment strategy</a:t>
-            </a:r>
-          </a:p>
-          <a:p>
-            <a:r>
-              <a:rPr lang="en-US" sz="2400" b="1" i="0" u="none" strike="noStrike" cap="none" dirty="0">
-                <a:solidFill>
-                  <a:srgbClr val="000000"/>
-                </a:solidFill>
-                <a:effectLst/>
-                <a:latin typeface="Merriweather Sans"/>
-                <a:ea typeface="Merriweather Sans"/>
-                <a:cs typeface="Merriweather Sans"/>
-                <a:sym typeface="Merriweather Sans"/>
-              </a:rPr>
-              <a:t>Job Announcement:</a:t>
-            </a:r>
-            <a:r>
-              <a:rPr lang="en-US" sz="2400" b="0" i="0" u="none" strike="noStrike" cap="none" dirty="0">
-                <a:solidFill>
-                  <a:srgbClr val="000000"/>
-                </a:solidFill>
-                <a:effectLst/>
-                <a:latin typeface="Merriweather Sans"/>
-                <a:ea typeface="Merriweather Sans"/>
-                <a:cs typeface="Merriweather Sans"/>
-                <a:sym typeface="Merriweather Sans"/>
-              </a:rPr>
-              <a:t> Bridges a standard PD with an accurate announcement.</a:t>
-            </a:r>
-          </a:p>
-          <a:p>
-            <a:pPr lvl="0"/>
-            <a:r>
-              <a:rPr lang="en-US" sz="2400" b="0" i="0" u="none" strike="noStrike" cap="none" dirty="0">
-                <a:solidFill>
-                  <a:srgbClr val="000000"/>
-                </a:solidFill>
-                <a:effectLst/>
-                <a:latin typeface="Merriweather Sans"/>
-                <a:ea typeface="Merriweather Sans"/>
-                <a:cs typeface="Merriweather Sans"/>
-                <a:sym typeface="Merriweather Sans"/>
-              </a:rPr>
-              <a:t>Represents the actual job being hired for</a:t>
-            </a:r>
-          </a:p>
-          <a:p>
-            <a:pPr lvl="0"/>
-            <a:r>
-              <a:rPr lang="en-US" sz="2400" b="0" i="0" u="none" strike="noStrike" cap="none" dirty="0">
-                <a:solidFill>
-                  <a:srgbClr val="000000"/>
-                </a:solidFill>
-                <a:effectLst/>
-                <a:latin typeface="Merriweather Sans"/>
-                <a:ea typeface="Merriweather Sans"/>
-                <a:cs typeface="Merriweather Sans"/>
-                <a:sym typeface="Merriweather Sans"/>
-              </a:rPr>
-              <a:t>Is not cut and pasted from the position description</a:t>
-            </a:r>
-          </a:p>
-          <a:p>
-            <a:pPr lvl="0"/>
-            <a:r>
-              <a:rPr lang="en-US" sz="2400" b="0" i="0" u="none" strike="noStrike" cap="none" dirty="0">
-                <a:solidFill>
-                  <a:srgbClr val="000000"/>
-                </a:solidFill>
-                <a:effectLst/>
-                <a:latin typeface="Merriweather Sans"/>
-                <a:ea typeface="Merriweather Sans"/>
-                <a:cs typeface="Merriweather Sans"/>
-                <a:sym typeface="Merriweather Sans"/>
-              </a:rPr>
-              <a:t>Contains only critical information with links to other items</a:t>
-            </a:r>
-          </a:p>
-          <a:p>
-            <a:pPr lvl="0"/>
-            <a:r>
-              <a:rPr lang="en-US" sz="2400" b="0" i="0" u="none" strike="noStrike" cap="none" dirty="0">
-                <a:solidFill>
-                  <a:srgbClr val="000000"/>
-                </a:solidFill>
-                <a:effectLst/>
-                <a:latin typeface="Merriweather Sans"/>
-                <a:ea typeface="Merriweather Sans"/>
-                <a:cs typeface="Merriweather Sans"/>
-                <a:sym typeface="Merriweather Sans"/>
-              </a:rPr>
-              <a:t>Closes at midnight the day it hits 100 applicants so SMEs aren’t overwhelmed by too many applicants.</a:t>
-            </a:r>
-          </a:p>
-          <a:p>
-            <a:pPr lvl="0"/>
-            <a:r>
-              <a:rPr lang="en-US" sz="2400" b="0" i="0" u="none" strike="noStrike" cap="none" dirty="0">
-                <a:solidFill>
-                  <a:srgbClr val="000000"/>
-                </a:solidFill>
-                <a:effectLst/>
-                <a:latin typeface="Merriweather Sans"/>
-                <a:ea typeface="Merriweather Sans"/>
-                <a:cs typeface="Merriweather Sans"/>
-                <a:sym typeface="Merriweather Sans"/>
-              </a:rPr>
-              <a:t>No occupational questionnaire to assess applicants qualifications. We don’t care how an applicant rates themselves; technical SMEs assess applicants.</a:t>
-            </a:r>
-          </a:p>
-          <a:p>
-            <a:r>
-              <a:rPr lang="en-US" sz="2400" b="0" i="0" u="none" strike="noStrike" cap="none" dirty="0">
-                <a:solidFill>
-                  <a:srgbClr val="000000"/>
-                </a:solidFill>
-                <a:effectLst/>
-                <a:latin typeface="Merriweather Sans"/>
-                <a:ea typeface="Merriweather Sans"/>
-                <a:cs typeface="Merriweather Sans"/>
-                <a:sym typeface="Merriweather Sans"/>
-              </a:rPr>
-              <a:t> </a:t>
-            </a:r>
-          </a:p>
-          <a:p>
-            <a:r>
-              <a:rPr lang="en-US" sz="2400" b="1" i="0" u="none" strike="noStrike" cap="none" dirty="0">
-                <a:solidFill>
-                  <a:srgbClr val="000000"/>
-                </a:solidFill>
-                <a:effectLst/>
-                <a:latin typeface="Merriweather Sans"/>
-                <a:ea typeface="Merriweather Sans"/>
-                <a:cs typeface="Merriweather Sans"/>
-                <a:sym typeface="Merriweather Sans"/>
-              </a:rPr>
-              <a:t>Resume Review:</a:t>
-            </a:r>
-            <a:r>
-              <a:rPr lang="en-US" sz="2400" b="0" i="0" u="none" strike="noStrike" cap="none" dirty="0">
-                <a:solidFill>
-                  <a:srgbClr val="000000"/>
-                </a:solidFill>
-                <a:effectLst/>
-                <a:latin typeface="Merriweather Sans"/>
-                <a:ea typeface="Merriweather Sans"/>
-                <a:cs typeface="Merriweather Sans"/>
-                <a:sym typeface="Merriweather Sans"/>
-              </a:rPr>
-              <a:t> HR only checks for eligibility requirements, SMEs check for the technical competency requirements. There are no quotas for how many applicants can move forward.</a:t>
-            </a:r>
-          </a:p>
-          <a:p>
-            <a:pPr lvl="0"/>
-            <a:r>
-              <a:rPr lang="en-US" sz="2400" b="0" i="0" u="none" strike="noStrike" cap="none" dirty="0">
-                <a:solidFill>
-                  <a:srgbClr val="000000"/>
-                </a:solidFill>
-                <a:effectLst/>
-                <a:latin typeface="Merriweather Sans"/>
-                <a:ea typeface="Merriweather Sans"/>
-                <a:cs typeface="Merriweather Sans"/>
-                <a:sym typeface="Merriweather Sans"/>
-              </a:rPr>
-              <a:t>SMEs determined how many pages of each resume they would review during job analysis and documented in JOA (reduces time burden on SMEs, levels the playing field for private sector applicants).</a:t>
-            </a:r>
-          </a:p>
-          <a:p>
-            <a:pPr lvl="0"/>
-            <a:r>
-              <a:rPr lang="en-US" sz="2400" b="0" i="0" u="none" strike="noStrike" cap="none" dirty="0">
-                <a:solidFill>
-                  <a:srgbClr val="000000"/>
-                </a:solidFill>
-                <a:effectLst/>
-                <a:latin typeface="Merriweather Sans"/>
-                <a:ea typeface="Merriweather Sans"/>
-                <a:cs typeface="Merriweather Sans"/>
-                <a:sym typeface="Merriweather Sans"/>
-              </a:rPr>
-              <a:t>SMEs compare resumes against the required competencies and write 1-4 sentences about why they are moving an applicant forward or cutting them.</a:t>
-            </a:r>
-          </a:p>
-          <a:p>
-            <a:pPr lvl="0"/>
-            <a:r>
-              <a:rPr lang="en-US" sz="2400" b="0" i="0" u="none" strike="noStrike" cap="none" dirty="0">
-                <a:solidFill>
-                  <a:srgbClr val="000000"/>
-                </a:solidFill>
-                <a:effectLst/>
-                <a:latin typeface="Merriweather Sans"/>
-                <a:ea typeface="Merriweather Sans"/>
-                <a:cs typeface="Merriweather Sans"/>
-                <a:sym typeface="Merriweather Sans"/>
-              </a:rPr>
-              <a:t>HR reviews the justifications to make sure cuts were based on retraceable technical reasons (not to second guess SME’s technical judgement).</a:t>
-            </a:r>
-          </a:p>
-          <a:p>
-            <a:pPr lvl="0"/>
-            <a:r>
-              <a:rPr lang="en-US" sz="2400" b="0" i="0" u="none" strike="noStrike" cap="none" dirty="0">
-                <a:solidFill>
-                  <a:srgbClr val="000000"/>
-                </a:solidFill>
-                <a:effectLst/>
-                <a:latin typeface="Merriweather Sans"/>
-                <a:ea typeface="Merriweather Sans"/>
-                <a:cs typeface="Merriweather Sans"/>
-                <a:sym typeface="Merriweather Sans"/>
-              </a:rPr>
-              <a:t>Applicants who pass resume review are not automatically qualified. Instead, they earn entry into a passing score examination, which is two rounds of structured interviews.  </a:t>
-            </a:r>
-          </a:p>
-          <a:p>
-            <a:r>
-              <a:rPr lang="en-US" sz="2400" b="1" i="0" u="none" strike="noStrike" cap="none" dirty="0">
-                <a:solidFill>
-                  <a:srgbClr val="000000"/>
-                </a:solidFill>
-                <a:effectLst/>
-                <a:latin typeface="Merriweather Sans"/>
-                <a:ea typeface="Merriweather Sans"/>
-                <a:cs typeface="Merriweather Sans"/>
-                <a:sym typeface="Merriweather Sans"/>
-              </a:rPr>
-              <a:t>Interviews:</a:t>
-            </a:r>
-            <a:r>
-              <a:rPr lang="en-US" sz="2400" b="0" i="0" u="none" strike="noStrike" cap="none" dirty="0">
-                <a:solidFill>
-                  <a:srgbClr val="000000"/>
-                </a:solidFill>
-                <a:effectLst/>
-                <a:latin typeface="Merriweather Sans"/>
-                <a:ea typeface="Merriweather Sans"/>
-                <a:cs typeface="Merriweather Sans"/>
-                <a:sym typeface="Merriweather Sans"/>
-              </a:rPr>
-              <a:t> Before beginning interviews, HR conducts a required 2-hour training with SMEs to practice the structured interview script.</a:t>
-            </a:r>
-          </a:p>
-          <a:p>
-            <a:pPr lvl="0"/>
-            <a:r>
-              <a:rPr lang="en-US" sz="2400" b="0" i="0" u="none" strike="noStrike" cap="none" dirty="0">
-                <a:solidFill>
-                  <a:srgbClr val="000000"/>
-                </a:solidFill>
-                <a:effectLst/>
-                <a:latin typeface="Merriweather Sans"/>
-                <a:ea typeface="Merriweather Sans"/>
-                <a:cs typeface="Merriweather Sans"/>
-                <a:sym typeface="Merriweather Sans"/>
-              </a:rPr>
-              <a:t>Given the heavy time burden for participating SMEs, SME-QA uses one SME per phone interview. SMEs transcribe the applicants’ responses to the best of their ability.</a:t>
-            </a:r>
-          </a:p>
-          <a:p>
-            <a:pPr lvl="0"/>
-            <a:r>
-              <a:rPr lang="en-US" sz="2400" b="0" i="0" u="none" strike="noStrike" cap="none" dirty="0">
-                <a:solidFill>
-                  <a:srgbClr val="000000"/>
-                </a:solidFill>
-                <a:effectLst/>
-                <a:latin typeface="Merriweather Sans"/>
-                <a:ea typeface="Merriweather Sans"/>
-                <a:cs typeface="Merriweather Sans"/>
-                <a:sym typeface="Merriweather Sans"/>
-              </a:rPr>
-              <a:t>HR reviews the SMEs’ analysis of the applicants’ qualifications to make sure they were only based on the required competencies and proficiency levels from job analysis.</a:t>
-            </a:r>
-          </a:p>
-          <a:p>
-            <a:pPr lvl="0"/>
-            <a:r>
-              <a:rPr lang="en-US" sz="2400" b="0" i="0" u="none" strike="noStrike" cap="none" dirty="0">
-                <a:solidFill>
-                  <a:srgbClr val="000000"/>
-                </a:solidFill>
-                <a:effectLst/>
-                <a:latin typeface="Merriweather Sans"/>
-                <a:ea typeface="Merriweather Sans"/>
-                <a:cs typeface="Merriweather Sans"/>
-                <a:sym typeface="Merriweather Sans"/>
-              </a:rPr>
-              <a:t>To be considered qualified with a passing score, applicants must pass two interviews, each with a different SME, measuring the breadth of and then depth of knowledge in the required competencies.</a:t>
-            </a:r>
-          </a:p>
-          <a:p>
-            <a:pPr lvl="0"/>
-            <a:r>
-              <a:rPr lang="en-US" sz="2400" b="0" i="0" u="none" strike="noStrike" cap="none" dirty="0">
-                <a:solidFill>
-                  <a:srgbClr val="000000"/>
-                </a:solidFill>
-                <a:effectLst/>
-                <a:latin typeface="Merriweather Sans"/>
-                <a:ea typeface="Merriweather Sans"/>
-                <a:cs typeface="Merriweather Sans"/>
-                <a:sym typeface="Merriweather Sans"/>
-              </a:rPr>
-              <a:t>Applicants who don’t pass the first interview can’t achieve an overall passing score, so they don’t move on to the second interview. </a:t>
-            </a:r>
-          </a:p>
-          <a:p>
-            <a:r>
-              <a:rPr lang="en-US" sz="2400" b="0" i="0" u="none" strike="noStrike" cap="none" dirty="0">
-                <a:solidFill>
-                  <a:srgbClr val="000000"/>
-                </a:solidFill>
-                <a:effectLst/>
-                <a:latin typeface="Merriweather Sans"/>
-                <a:ea typeface="Merriweather Sans"/>
-                <a:cs typeface="Merriweather Sans"/>
-                <a:sym typeface="Merriweather Sans"/>
-              </a:rPr>
-              <a:t> </a:t>
-            </a:r>
-          </a:p>
-          <a:p>
-            <a:r>
-              <a:rPr lang="en-US" sz="2400" b="1" i="0" u="none" strike="noStrike" cap="none" dirty="0">
-                <a:solidFill>
-                  <a:srgbClr val="000000"/>
-                </a:solidFill>
-                <a:effectLst/>
-                <a:latin typeface="Merriweather Sans"/>
-                <a:ea typeface="Merriweather Sans"/>
-                <a:cs typeface="Merriweather Sans"/>
-                <a:sym typeface="Merriweather Sans"/>
-              </a:rPr>
-              <a:t>Certificate: </a:t>
-            </a:r>
-            <a:r>
-              <a:rPr lang="en-US" sz="2400" b="0" i="0" u="none" strike="noStrike" cap="none" dirty="0">
-                <a:solidFill>
-                  <a:srgbClr val="000000"/>
-                </a:solidFill>
-                <a:effectLst/>
-                <a:latin typeface="Merriweather Sans"/>
-                <a:ea typeface="Merriweather Sans"/>
-                <a:cs typeface="Merriweather Sans"/>
-                <a:sym typeface="Merriweather Sans"/>
-              </a:rPr>
-              <a:t>For the first time, HR</a:t>
-            </a:r>
-            <a:r>
-              <a:rPr lang="en-US" sz="2400" b="1" i="0" u="none" strike="noStrike" cap="none" dirty="0">
-                <a:solidFill>
-                  <a:srgbClr val="000000"/>
-                </a:solidFill>
-                <a:effectLst/>
-                <a:latin typeface="Merriweather Sans"/>
-                <a:ea typeface="Merriweather Sans"/>
-                <a:cs typeface="Merriweather Sans"/>
-                <a:sym typeface="Merriweather Sans"/>
-              </a:rPr>
-              <a:t> </a:t>
-            </a:r>
-            <a:r>
-              <a:rPr lang="en-US" sz="2400" b="0" i="0" u="none" strike="noStrike" cap="none" dirty="0">
-                <a:solidFill>
-                  <a:srgbClr val="000000"/>
-                </a:solidFill>
-                <a:effectLst/>
-                <a:latin typeface="Merriweather Sans"/>
-                <a:ea typeface="Merriweather Sans"/>
-                <a:cs typeface="Merriweather Sans"/>
-                <a:sym typeface="Merriweather Sans"/>
-              </a:rPr>
-              <a:t>adjudicates veterans’ preference claims and then applies normal veterans’ preference rules, followed by category ratings.</a:t>
-            </a:r>
-          </a:p>
-          <a:p>
-            <a:r>
-              <a:rPr lang="en-US" sz="2400" b="0" i="0" u="none" strike="noStrike" cap="none" dirty="0">
-                <a:solidFill>
-                  <a:srgbClr val="000000"/>
-                </a:solidFill>
-                <a:effectLst/>
-                <a:latin typeface="Merriweather Sans"/>
-                <a:ea typeface="Merriweather Sans"/>
-                <a:cs typeface="Merriweather Sans"/>
-                <a:sym typeface="Merriweather Sans"/>
-              </a:rPr>
-              <a:t> </a:t>
-            </a:r>
-          </a:p>
-          <a:p>
-            <a:pPr lvl="0"/>
-            <a:r>
-              <a:rPr lang="en-US" sz="2400" b="0" i="0" u="none" strike="noStrike" cap="none" dirty="0">
-                <a:solidFill>
-                  <a:srgbClr val="000000"/>
-                </a:solidFill>
-                <a:effectLst/>
-                <a:latin typeface="Merriweather Sans"/>
-                <a:ea typeface="Merriweather Sans"/>
-                <a:cs typeface="Merriweather Sans"/>
-                <a:sym typeface="Merriweather Sans"/>
-              </a:rPr>
-              <a:t>For applicants who not only meet but exceed the qualifications, HR uses that info to put applicants into categories.</a:t>
-            </a:r>
-          </a:p>
-          <a:p>
-            <a:pPr lvl="0"/>
-            <a:r>
-              <a:rPr lang="en-US" sz="2400" b="0" i="0" u="none" strike="noStrike" cap="none" dirty="0">
-                <a:solidFill>
-                  <a:srgbClr val="000000"/>
-                </a:solidFill>
-                <a:effectLst/>
-                <a:latin typeface="Merriweather Sans"/>
-                <a:ea typeface="Merriweather Sans"/>
-                <a:cs typeface="Merriweather Sans"/>
-                <a:sym typeface="Merriweather Sans"/>
-              </a:rPr>
-              <a:t>Any disabled veteran who is minimally qualified will float to the top of the best qualified list. Hiring managers must consider them before any other applicant.</a:t>
-            </a:r>
-          </a:p>
-          <a:p>
-            <a:pPr lvl="0"/>
-            <a:r>
-              <a:rPr lang="en-US" sz="2400" b="0" i="0" u="none" strike="noStrike" cap="none" dirty="0">
-                <a:solidFill>
-                  <a:srgbClr val="000000"/>
-                </a:solidFill>
-                <a:effectLst/>
-                <a:latin typeface="Merriweather Sans"/>
-                <a:ea typeface="Merriweather Sans"/>
-                <a:cs typeface="Merriweather Sans"/>
-                <a:sym typeface="Merriweather Sans"/>
-              </a:rPr>
-              <a:t>For example:</a:t>
-            </a:r>
-          </a:p>
-          <a:p>
-            <a:pPr lvl="1"/>
-            <a:r>
-              <a:rPr lang="en-US" sz="2400" b="0" i="0" u="none" strike="noStrike" cap="none" dirty="0">
-                <a:solidFill>
-                  <a:srgbClr val="000000"/>
-                </a:solidFill>
-                <a:effectLst/>
-                <a:latin typeface="Merriweather Sans"/>
-                <a:ea typeface="Merriweather Sans"/>
-                <a:cs typeface="Merriweather Sans"/>
-                <a:sym typeface="Merriweather Sans"/>
-              </a:rPr>
-              <a:t>100 people applied</a:t>
-            </a:r>
-          </a:p>
-          <a:p>
-            <a:pPr lvl="1"/>
-            <a:r>
-              <a:rPr lang="en-US" sz="2400" b="0" i="0" u="none" strike="noStrike" cap="none" dirty="0">
-                <a:solidFill>
-                  <a:srgbClr val="000000"/>
-                </a:solidFill>
-                <a:effectLst/>
-                <a:latin typeface="Merriweather Sans"/>
-                <a:ea typeface="Merriweather Sans"/>
-                <a:cs typeface="Merriweather Sans"/>
-                <a:sym typeface="Merriweather Sans"/>
-              </a:rPr>
-              <a:t>HR removed 2 because they didn’t submit resumes, so SMEs reviewed 98 resumes.</a:t>
-            </a:r>
-          </a:p>
-          <a:p>
-            <a:pPr lvl="1"/>
-            <a:r>
-              <a:rPr lang="en-US" sz="2400" b="0" i="0" u="none" strike="noStrike" cap="none" dirty="0">
-                <a:solidFill>
-                  <a:srgbClr val="000000"/>
-                </a:solidFill>
-                <a:effectLst/>
-                <a:latin typeface="Merriweather Sans"/>
-                <a:ea typeface="Merriweather Sans"/>
-                <a:cs typeface="Merriweather Sans"/>
-                <a:sym typeface="Merriweather Sans"/>
-              </a:rPr>
-              <a:t>SMEs interviewed 40 applicants in the first round.</a:t>
-            </a:r>
-          </a:p>
-          <a:p>
-            <a:pPr lvl="1"/>
-            <a:r>
-              <a:rPr lang="en-US" sz="2400" b="0" i="0" u="none" strike="noStrike" cap="none" dirty="0">
-                <a:solidFill>
-                  <a:srgbClr val="000000"/>
-                </a:solidFill>
-                <a:effectLst/>
-                <a:latin typeface="Merriweather Sans"/>
-                <a:ea typeface="Merriweather Sans"/>
-                <a:cs typeface="Merriweather Sans"/>
-                <a:sym typeface="Merriweather Sans"/>
-              </a:rPr>
-              <a:t>Of those, SMEs interviewed 24 applicants in the second round. </a:t>
-            </a:r>
-          </a:p>
-          <a:p>
-            <a:r>
-              <a:rPr lang="en-US" sz="2400" b="0" i="0" u="none" strike="noStrike" cap="none" dirty="0">
-                <a:solidFill>
-                  <a:srgbClr val="000000"/>
-                </a:solidFill>
-                <a:effectLst/>
-                <a:latin typeface="Merriweather Sans"/>
-                <a:ea typeface="Merriweather Sans"/>
-                <a:cs typeface="Merriweather Sans"/>
-                <a:sym typeface="Merriweather Sans"/>
-              </a:rPr>
-              <a:t>Of those, SMEs considered 14 applicants qualified. Those applicants met the minimum qualifications for the job and received a passing score on both interviews.</a:t>
-            </a:r>
-          </a:p>
-          <a:p>
-            <a:pPr marL="0" lvl="0" indent="0" algn="l" rtl="0">
-              <a:lnSpc>
-                <a:spcPct val="100000"/>
-              </a:lnSpc>
-              <a:spcBef>
-                <a:spcPts val="0"/>
-              </a:spcBef>
-              <a:spcAft>
-                <a:spcPts val="0"/>
-              </a:spcAft>
-              <a:buSzPts val="1400"/>
-              <a:buNone/>
-            </a:pPr>
-            <a:endParaRPr lang="en-US" dirty="0"/>
+              <a:rPr lang="en-US" dirty="0"/>
+              <a:t>Only for technical job analysis</a:t>
+            </a:r>
           </a:p>
         </p:txBody>
       </p:sp>
     </p:spTree>
+    <p:extLst>
+      <p:ext uri="{BB962C8B-B14F-4D97-AF65-F5344CB8AC3E}">
+        <p14:creationId xmlns:p14="http://schemas.microsoft.com/office/powerpoint/2010/main" val="709305878"/>
+      </p:ext>
+    </p:extLst>
   </p:cSld>
   <p:clrMapOvr>
     <a:masterClrMapping/>
@@ -4431,7 +4845,31 @@
                 <a:cs typeface="Arial"/>
                 <a:sym typeface="Arial"/>
               </a:rPr>
-              <a:t>The qualifications (competencies and proficiencies) you determine today will be used during resume review and phone interviews or other assessment</a:t>
+              <a:t>The qualifications (competencies and proficiencies) you determine today will be used during resume review and structured interviews, or other assessments</a:t>
+            </a:r>
+          </a:p>
+          <a:p>
+            <a:pPr marL="457200" lvl="0" indent="-298450" algn="l" rtl="0">
+              <a:spcBef>
+                <a:spcPts val="0"/>
+              </a:spcBef>
+              <a:spcAft>
+                <a:spcPts val="0"/>
+              </a:spcAft>
+              <a:buClr>
+                <a:srgbClr val="000000"/>
+              </a:buClr>
+              <a:buSzPts val="1100"/>
+              <a:buChar char="•"/>
+            </a:pPr>
+            <a:r>
+              <a:rPr lang="en-US" sz="1100" dirty="0">
+                <a:latin typeface="Arial"/>
+                <a:ea typeface="Arial"/>
+                <a:cs typeface="Arial"/>
+                <a:sym typeface="Arial"/>
+              </a:rPr>
+              <a:t>Applicants who do not receive a passing score during resume review or any assessment will not proceed</a:t>
             </a:r>
             <a:endParaRPr sz="1100" dirty="0">
               <a:latin typeface="Arial"/>
@@ -4461,14 +4899,8 @@
                 <a:cs typeface="Arial"/>
                 <a:sym typeface="Arial"/>
               </a:rPr>
-              <a:t>Applicants who do not receive a passing score during resume review, phone interviews, or other assessments will not proceed</a:t>
-            </a:r>
-            <a:endParaRPr sz="1100" dirty="0">
-              <a:latin typeface="Arial"/>
-              <a:ea typeface="Arial"/>
-              <a:cs typeface="Arial"/>
-              <a:sym typeface="Arial"/>
-            </a:endParaRPr>
+              <a:t>Applicants aren’t considered qualified until after they pass all assessments. Applicants that do not pass the assessments are ineligible.</a:t>
+            </a:r>
           </a:p>
           <a:p>
             <a:pPr marL="457200" lvl="0" indent="-298450" algn="l" rtl="0">
@@ -4491,85 +4923,7 @@
                 <a:cs typeface="Arial"/>
                 <a:sym typeface="Arial"/>
               </a:rPr>
-              <a:t>Applicants are considered qualified when they pass the assessments with SMEs </a:t>
-            </a:r>
-            <a:endParaRPr sz="1100" dirty="0">
-              <a:latin typeface="Arial"/>
-              <a:ea typeface="Arial"/>
-              <a:cs typeface="Arial"/>
-              <a:sym typeface="Arial"/>
-            </a:endParaRPr>
-          </a:p>
-          <a:p>
-            <a:pPr marL="457200" lvl="0" indent="-298450" algn="l" rtl="0">
-              <a:spcBef>
-                <a:spcPts val="0"/>
-              </a:spcBef>
-              <a:spcAft>
-                <a:spcPts val="0"/>
-              </a:spcAft>
-              <a:buClr>
-                <a:srgbClr val="000000"/>
-              </a:buClr>
-              <a:buSzPts val="1100"/>
-              <a:buChar char="•"/>
-            </a:pPr>
-            <a:r>
-              <a:rPr lang="en-US" sz="1100" dirty="0">
-                <a:latin typeface="Arial"/>
-                <a:ea typeface="Arial"/>
-                <a:cs typeface="Arial"/>
-                <a:sym typeface="Arial"/>
-              </a:rPr>
-              <a:t>Applicants aren’t considered qualified until after they pass both interview assessments with SMEs</a:t>
-            </a:r>
-            <a:endParaRPr sz="1100" dirty="0">
-              <a:latin typeface="Arial"/>
-              <a:ea typeface="Arial"/>
-              <a:cs typeface="Arial"/>
-              <a:sym typeface="Arial"/>
-            </a:endParaRPr>
-          </a:p>
-          <a:p>
-            <a:pPr marL="457200" lvl="0" indent="-298450" algn="l" rtl="0">
-              <a:spcBef>
-                <a:spcPts val="0"/>
-              </a:spcBef>
-              <a:spcAft>
-                <a:spcPts val="0"/>
-              </a:spcAft>
-              <a:buClr>
-                <a:srgbClr val="000000"/>
-              </a:buClr>
-              <a:buSzPts val="1100"/>
-              <a:buChar char="•"/>
-            </a:pPr>
-            <a:r>
-              <a:rPr lang="en-US" sz="1100" dirty="0">
-                <a:latin typeface="Arial"/>
-                <a:ea typeface="Arial"/>
-                <a:cs typeface="Arial"/>
-                <a:sym typeface="Arial"/>
-              </a:rPr>
-              <a:t>After the assessments are complete, HR </a:t>
-            </a:r>
-            <a:r>
-              <a:rPr lang="en-US" sz="1100">
-                <a:latin typeface="Arial"/>
-                <a:ea typeface="Arial"/>
-                <a:cs typeface="Arial"/>
-                <a:sym typeface="Arial"/>
-              </a:rPr>
-              <a:t>adjudicates veterans</a:t>
-            </a:r>
-            <a:r>
-              <a:rPr lang="en-US" sz="1100" dirty="0">
-                <a:latin typeface="Arial"/>
-                <a:ea typeface="Arial"/>
-                <a:cs typeface="Arial"/>
-                <a:sym typeface="Arial"/>
-              </a:rPr>
-              <a:t>’ preference to all of the applicants who passed the assessment phase</a:t>
+              <a:t>After the assessments are complete, HR adjudicates veterans’ preference to all of the applicants who passed the assessment phase</a:t>
             </a:r>
             <a:endParaRPr sz="1100" dirty="0">
               <a:latin typeface="Arial"/>
@@ -8793,7 +9147,7 @@
           <a:p>
             <a:r>
               <a:rPr lang="en-US" dirty="0"/>
-              <a:t>As we group similar tasks, we’ll give each grouping a title.</a:t>
+              <a:t>As we group similar tasks, we’ll give each grouping a title representing a common skill, knowledge, or ability related to that grouping.</a:t>
             </a:r>
           </a:p>
           <a:p>
@@ -8805,14 +9159,15 @@
           <a:p>
             <a:r>
               <a:rPr lang="en-US" dirty="0"/>
-              <a:t>Define the competencies to be as specialized as is needed, based on the job tasks.</a:t>
-            </a:r>
-          </a:p>
-          <a:p>
-            <a:pPr lvl="1">
-              <a:spcBef>
-                <a:spcPts val="0"/>
-              </a:spcBef>
+              <a:t>Define competencies specifically based on the job tasks.</a:t>
+            </a:r>
+          </a:p>
+          <a:p>
+            <a:pPr marL="1085958" lvl="2" indent="0">
+              <a:spcBef>
+                <a:spcPts val="1800"/>
+              </a:spcBef>
+              <a:buNone/>
             </a:pPr>
             <a:r>
               <a:rPr lang="en-US" dirty="0"/>
@@ -9057,19 +9412,13 @@
           <a:p>
             <a:r>
               <a:rPr lang="en-US" dirty="0"/>
-              <a:t>Use dots to vote for most critical competencies for this position.</a:t>
-            </a:r>
-          </a:p>
-          <a:p>
-            <a:r>
-              <a:rPr lang="en-US" dirty="0"/>
-              <a:t>Limited number of dots so we can prioritize.</a:t>
-            </a:r>
-          </a:p>
-          <a:p>
-            <a:r>
-              <a:rPr lang="en-US" dirty="0"/>
-              <a:t>Goal: select 4–6 critical competencies.</a:t>
+              <a:t>Each participating gets a limited number of dots to vote for most critical competencies for this position so we can prioritize.</a:t>
+            </a:r>
+          </a:p>
+          <a:p>
+            <a:r>
+              <a:rPr lang="en-US" dirty="0"/>
+              <a:t>Goal: select 3–5 critical competencies.</a:t>
             </a:r>
           </a:p>
           <a:p>
@@ -9077,9 +9426,6 @@
               <a:rPr lang="en-US" dirty="0"/>
               <a:t>You may combine related competencies before voting.</a:t>
             </a:r>
-          </a:p>
-          <a:p>
-            <a:endParaRPr lang="en-US" dirty="0"/>
           </a:p>
         </p:txBody>
       </p:sp>
@@ -9491,10 +9837,10 @@
       </p:grpSpPr>
       <p:sp>
         <p:nvSpPr>
-          <p:cNvPr id="2" name="Title 1">
+          <p:cNvPr id="3" name="Title 2">
             <a:extLst>
               <a:ext uri="{FF2B5EF4-FFF2-40B4-BE49-F238E27FC236}">
-                <a16:creationId xmlns:a16="http://schemas.microsoft.com/office/drawing/2014/main" id="{DDE9DDD5-5CC9-FC40-9EED-5D61EE4977C9}"/>
+                <a16:creationId xmlns:a16="http://schemas.microsoft.com/office/drawing/2014/main" id="{23AF0F5C-DA67-7747-AEA4-22EA056DD7E4}"/>
               </a:ext>
             </a:extLst>
           </p:cNvPr>
@@ -9512,17 +9858,17 @@
           <a:p>
             <a:r>
               <a:rPr lang="en-US" dirty="0"/>
-              <a:t>Create proficiency levels for EACH competency</a:t>
+              <a:t>Determining Proficiency levels</a:t>
             </a:r>
           </a:p>
         </p:txBody>
       </p:sp>
       <p:sp>
         <p:nvSpPr>
-          <p:cNvPr id="3" name="Text Placeholder 2">
+          <p:cNvPr id="4" name="Text Placeholder 3">
             <a:extLst>
               <a:ext uri="{FF2B5EF4-FFF2-40B4-BE49-F238E27FC236}">
-                <a16:creationId xmlns:a16="http://schemas.microsoft.com/office/drawing/2014/main" id="{8CD0B099-CC26-0341-8B45-9D95DB490FA8}"/>
+                <a16:creationId xmlns:a16="http://schemas.microsoft.com/office/drawing/2014/main" id="{8ED47461-AFA0-6F49-88C7-0B0B1E0898D6}"/>
               </a:ext>
             </a:extLst>
           </p:cNvPr>
@@ -9535,13 +9881,13 @@
         </p:nvSpPr>
         <p:spPr>
           <a:xfrm>
-            <a:off x="476250" y="1219200"/>
-            <a:ext cx="16344899" cy="8229600"/>
+            <a:off x="1192143" y="1841500"/>
+            <a:ext cx="14956057" cy="7588250"/>
           </a:xfrm>
         </p:spPr>
         <p:txBody>
           <a:bodyPr>
-            <a:normAutofit fontScale="85000" lnSpcReduction="20000"/>
+            <a:normAutofit/>
           </a:bodyPr>
           <a:lstStyle/>
           <a:p>
@@ -9549,55 +9895,20 @@
               <a:buNone/>
             </a:pPr>
             <a:r>
-              <a:rPr lang="en-US" sz="3200" b="1" dirty="0"/>
-              <a:t>Example Competency: Analytical Ability</a:t>
-            </a:r>
-            <a:br>
-              <a:rPr lang="en-US" sz="3200" b="1" dirty="0"/>
-            </a:br>
-            <a:r>
-              <a:rPr lang="en-US" sz="3200" dirty="0"/>
-              <a:t>Approaches problems quantitatively and displays critical thinking and problem-solving abilities. Breaks down problems into component parts. Uses key metrics to inform decisions. </a:t>
-            </a:r>
-          </a:p>
-          <a:p>
-            <a:r>
-              <a:rPr lang="en-US" b="1" dirty="0"/>
-              <a:t>Novice:</a:t>
-            </a:r>
-            <a:r>
-              <a:rPr lang="en-US" dirty="0"/>
-              <a:t> Unable to break down problems or only talks through problems at a high level. Does not make data-driven decisions. May have classroom education in analysis.</a:t>
-            </a:r>
-          </a:p>
-          <a:p>
-            <a:r>
-              <a:rPr lang="en-US" b="1" dirty="0"/>
-              <a:t>Competent:</a:t>
-            </a:r>
-            <a:r>
-              <a:rPr lang="en-US" dirty="0"/>
-              <a:t> Displays some critical thinking and problem-solving abilities. May start to break a problem down in component parts, but cannot do so completely without help in some situations. Able to identify basic product or project metrics but does not fully connect these to business or user value.</a:t>
-            </a:r>
-          </a:p>
-          <a:p>
-            <a:r>
-              <a:rPr lang="en-US" b="1" dirty="0"/>
-              <a:t>Advanced (minimum required for GS-13):</a:t>
-            </a:r>
-            <a:r>
-              <a:rPr lang="en-US" dirty="0"/>
-              <a:t> Breaks problems down into component parts. Displays repeated experience in qualitative and quantitative analysis. Defines product or project metrics beyond the basics and ties these metrics to decisions.</a:t>
-            </a:r>
-          </a:p>
-          <a:p>
-            <a:r>
-              <a:rPr lang="en-US" b="1" dirty="0"/>
-              <a:t>Expert:</a:t>
-            </a:r>
-            <a:r>
-              <a:rPr lang="en-US" dirty="0"/>
-              <a:t> Brings analytical thinking to everything they do, and has a range and depth of experience doing so. Anticipates the need for metrics and analysis early in the product and project discovery and design process, and carries metrics through iterations.</a:t>
+              <a:rPr lang="en-US" dirty="0"/>
+              <a:t>You can set different proficiency levels depending on how many GS levels are part of this hiring action.</a:t>
+            </a:r>
+          </a:p>
+          <a:p>
+            <a:r>
+              <a:rPr lang="en-US" dirty="0"/>
+              <a:t>Specify two levels for each GS grade being hired if you want to save time during job analysis by defining the minimum required levels: the minimum required level (“meets”) and one level above that (“exceeds”) to establish categories as required by category rating rules.</a:t>
+            </a:r>
+          </a:p>
+          <a:p>
+            <a:r>
+              <a:rPr lang="en-US" dirty="0"/>
+              <a:t>Use four levels when you may want to leverage this work for other grades in the future. The same set of competencies and proficiencies can be used for different grade levels because roles that require more seniority set the required proficiencies higher than junior roles.</a:t>
             </a:r>
           </a:p>
         </p:txBody>
@@ -9605,7 +9916,7 @@
     </p:spTree>
     <p:extLst>
       <p:ext uri="{BB962C8B-B14F-4D97-AF65-F5344CB8AC3E}">
-        <p14:creationId xmlns:p14="http://schemas.microsoft.com/office/powerpoint/2010/main" val="152691610"/>
+        <p14:creationId xmlns:p14="http://schemas.microsoft.com/office/powerpoint/2010/main" val="2567007425"/>
       </p:ext>
     </p:extLst>
   </p:cSld>
@@ -9637,7 +9948,7 @@
           <p:cNvPr id="2" name="Title 1">
             <a:extLst>
               <a:ext uri="{FF2B5EF4-FFF2-40B4-BE49-F238E27FC236}">
-                <a16:creationId xmlns:a16="http://schemas.microsoft.com/office/drawing/2014/main" id="{94468300-5EA3-6648-A2DB-4A99120105EB}"/>
+                <a16:creationId xmlns:a16="http://schemas.microsoft.com/office/drawing/2014/main" id="{DDE9DDD5-5CC9-FC40-9EED-5D61EE4977C9}"/>
               </a:ext>
             </a:extLst>
           </p:cNvPr>
@@ -9655,7 +9966,7 @@
           <a:p>
             <a:r>
               <a:rPr lang="en-US" dirty="0"/>
-              <a:t>Final step – decide the proficiency level for this position for each Competency</a:t>
+              <a:t>Creating proficiency levels: 2 level option</a:t>
             </a:r>
           </a:p>
         </p:txBody>
@@ -9665,7 +9976,7 @@
           <p:cNvPr id="3" name="Text Placeholder 2">
             <a:extLst>
               <a:ext uri="{FF2B5EF4-FFF2-40B4-BE49-F238E27FC236}">
-                <a16:creationId xmlns:a16="http://schemas.microsoft.com/office/drawing/2014/main" id="{3D924E37-623C-BC4C-927E-75F7D4410DBA}"/>
+                <a16:creationId xmlns:a16="http://schemas.microsoft.com/office/drawing/2014/main" id="{8CD0B099-CC26-0341-8B45-9D95DB490FA8}"/>
               </a:ext>
             </a:extLst>
           </p:cNvPr>
@@ -9678,8 +9989,8 @@
         </p:nvSpPr>
         <p:spPr>
           <a:xfrm>
-            <a:off x="1192143" y="1841499"/>
-            <a:ext cx="14956057" cy="7524173"/>
+            <a:off x="476250" y="1219200"/>
+            <a:ext cx="16344899" cy="8229600"/>
           </a:xfrm>
         </p:spPr>
         <p:txBody>
@@ -9688,36 +9999,39 @@
           </a:bodyPr>
           <a:lstStyle/>
           <a:p>
-            <a:pPr>
-              <a:spcAft>
-                <a:spcPts val="1200"/>
-              </a:spcAft>
+            <a:pPr marL="171467" indent="0">
+              <a:buNone/>
             </a:pPr>
             <a:r>
-              <a:rPr lang="en-US" dirty="0"/>
-              <a:t>After defining competencies and proficiency levels, select the required proficiency level to qualify for the grade. Applicants will need a year’s worth of experience at the chosen proficiency level to qualify.</a:t>
-            </a:r>
-          </a:p>
-          <a:p>
-            <a:pPr>
-              <a:spcAft>
-                <a:spcPts val="1200"/>
-              </a:spcAft>
-            </a:pPr>
-            <a:r>
-              <a:rPr lang="en-US" dirty="0"/>
-              <a:t>The same set of competencies can be used for multiple grades. Select proficiency levels for each grade you are hiring. </a:t>
-            </a:r>
-          </a:p>
-          <a:p>
-            <a:pPr>
-              <a:spcAft>
-                <a:spcPts val="1200"/>
-              </a:spcAft>
-            </a:pPr>
-            <a:r>
-              <a:rPr lang="en-US" dirty="0"/>
-              <a:t>Job analysis should typically focus on no more than two grade levels. Jobs at other levels (e.g. entry level positions) may require slightly different competencies.</a:t>
+              <a:rPr lang="en-US" b="1" dirty="0"/>
+              <a:t>Example Competency: Analytical Ability</a:t>
+            </a:r>
+            <a:br>
+              <a:rPr lang="en-US" b="1" dirty="0"/>
+            </a:br>
+            <a:r>
+              <a:rPr lang="en-US" dirty="0"/>
+              <a:t>Approaches problems quantitatively and displays critical thinking and problem-solving abilities. Breaks down problems into component parts. Uses key metrics to inform decisions. </a:t>
+            </a:r>
+          </a:p>
+          <a:p>
+            <a:r>
+              <a:rPr lang="en-US" b="1" dirty="0"/>
+              <a:t>GS-13 Meets:</a:t>
+            </a:r>
+            <a:r>
+              <a:rPr lang="en-US" dirty="0"/>
+              <a:t> Breaks problems down into component parts. Displays repeated experience in qualitative and quantitative analysis. Defines product or project metrics beyond the basics and ties these metrics to decisions.</a:t>
+            </a:r>
+          </a:p>
+          <a:p>
+            <a:r>
+              <a:rPr lang="en-US" b="1" dirty="0"/>
+              <a:t>GS-13 Exceeds:</a:t>
+            </a:r>
+            <a:r>
+              <a:rPr lang="en-US" dirty="0"/>
+              <a:t> Brings analytical thinking to everything they do, and has a range and depth of experience doing so. Anticipates the need for metrics and analysis early in the product and project discovery and design process, and carries metrics through iterations.</a:t>
             </a:r>
           </a:p>
         </p:txBody>
@@ -9725,7 +10039,7 @@
     </p:spTree>
     <p:extLst>
       <p:ext uri="{BB962C8B-B14F-4D97-AF65-F5344CB8AC3E}">
-        <p14:creationId xmlns:p14="http://schemas.microsoft.com/office/powerpoint/2010/main" val="3689359389"/>
+        <p14:creationId xmlns:p14="http://schemas.microsoft.com/office/powerpoint/2010/main" val="152691610"/>
       </p:ext>
     </p:extLst>
   </p:cSld>
@@ -9740,7 +10054,7 @@
   <p:cSld>
     <p:spTree>
       <p:nvGrpSpPr>
-        <p:cNvPr id="1" name="Shape 307"/>
+        <p:cNvPr id="1" name=""/>
         <p:cNvGrpSpPr/>
         <p:nvPr/>
       </p:nvGrpSpPr>
@@ -9754,14 +10068,42 @@
       </p:grpSpPr>
       <p:sp>
         <p:nvSpPr>
-          <p:cNvPr id="4" name="Google Shape;68;p20">
+          <p:cNvPr id="2" name="Title 1">
             <a:extLst>
               <a:ext uri="{FF2B5EF4-FFF2-40B4-BE49-F238E27FC236}">
-                <a16:creationId xmlns:a16="http://schemas.microsoft.com/office/drawing/2014/main" id="{FF013F16-4A52-9A45-B7A8-5DE84E4CEFE2}"/>
+                <a16:creationId xmlns:a16="http://schemas.microsoft.com/office/drawing/2014/main" id="{DDE9DDD5-5CC9-FC40-9EED-5D61EE4977C9}"/>
               </a:ext>
             </a:extLst>
           </p:cNvPr>
-          <p:cNvSpPr txBox="1">
+          <p:cNvSpPr>
+            <a:spLocks noGrp="1"/>
+          </p:cNvSpPr>
+          <p:nvPr>
+            <p:ph type="title"/>
+          </p:nvPr>
+        </p:nvSpPr>
+        <p:spPr/>
+        <p:txBody>
+          <a:bodyPr/>
+          <a:lstStyle/>
+          <a:p>
+            <a:r>
+              <a:rPr lang="en-US" dirty="0"/>
+              <a:t>Creating proficiency levels: 4 level option</a:t>
+            </a:r>
+          </a:p>
+        </p:txBody>
+      </p:sp>
+      <p:sp>
+        <p:nvSpPr>
+          <p:cNvPr id="3" name="Text Placeholder 2">
+            <a:extLst>
+              <a:ext uri="{FF2B5EF4-FFF2-40B4-BE49-F238E27FC236}">
+                <a16:creationId xmlns:a16="http://schemas.microsoft.com/office/drawing/2014/main" id="{8CD0B099-CC26-0341-8B45-9D95DB490FA8}"/>
+              </a:ext>
+            </a:extLst>
+          </p:cNvPr>
+          <p:cNvSpPr>
             <a:spLocks noGrp="1"/>
           </p:cNvSpPr>
           <p:nvPr>
@@ -9770,28 +10112,79 @@
         </p:nvSpPr>
         <p:spPr>
           <a:xfrm>
-            <a:off x="2308393" y="4027713"/>
-            <a:ext cx="12723989" cy="2893800"/>
+            <a:off x="476250" y="1219200"/>
+            <a:ext cx="16344899" cy="8229600"/>
           </a:xfrm>
         </p:spPr>
         <p:txBody>
           <a:bodyPr>
-            <a:normAutofit/>
+            <a:normAutofit fontScale="85000" lnSpcReduction="20000"/>
           </a:bodyPr>
           <a:lstStyle/>
           <a:p>
-            <a:pPr lvl="0"/>
-            <a:r>
-              <a:rPr lang="en-US" dirty="0">
-                <a:sym typeface="Cambria"/>
-              </a:rPr>
-              <a:t>End of Day 1 Presentation</a:t>
-            </a:r>
-            <a:endParaRPr lang="en-US" dirty="0"/>
+            <a:pPr marL="171467" indent="0">
+              <a:buNone/>
+            </a:pPr>
+            <a:r>
+              <a:rPr lang="en-US" sz="3200" b="1" dirty="0"/>
+              <a:t>Example Competency: Analytical Ability</a:t>
+            </a:r>
+            <a:br>
+              <a:rPr lang="en-US" sz="3200" b="1" dirty="0"/>
+            </a:br>
+            <a:r>
+              <a:rPr lang="en-US" sz="3200" dirty="0"/>
+              <a:t>Approaches problems quantitatively and displays critical thinking and problem-solving abilities. Breaks down problems into component parts. Uses key metrics to inform decisions. </a:t>
+            </a:r>
+          </a:p>
+          <a:p>
+            <a:r>
+              <a:rPr lang="en-US" b="1" dirty="0"/>
+              <a:t>Novice:</a:t>
+            </a:r>
+            <a:r>
+              <a:rPr lang="en-US" dirty="0"/>
+              <a:t> Unable to break down problems or only talks through problems at a high level. Does not make data-driven decisions. May have classroom education in analysis.</a:t>
+            </a:r>
+          </a:p>
+          <a:p>
+            <a:r>
+              <a:rPr lang="en-US" b="1" dirty="0"/>
+              <a:t>Competent:</a:t>
+            </a:r>
+            <a:r>
+              <a:rPr lang="en-US" dirty="0"/>
+              <a:t> Displays some critical thinking and problem-solving abilities. May start to break a problem down in component parts, but cannot do so completely without help in some situations. Able to identify basic product or project metrics but does not fully connect these to business or user value.</a:t>
+            </a:r>
+          </a:p>
+          <a:p>
+            <a:r>
+              <a:rPr lang="en-US" b="1" dirty="0"/>
+              <a:t>Advanced (minimum required for GS-13):</a:t>
+            </a:r>
+            <a:r>
+              <a:rPr lang="en-US" dirty="0"/>
+              <a:t> Breaks problems down into component parts. Displays repeated experience in qualitative and quantitative analysis. Defines product or project metrics beyond the basics and ties these metrics to decisions.</a:t>
+            </a:r>
+          </a:p>
+          <a:p>
+            <a:r>
+              <a:rPr lang="en-US" b="1" dirty="0"/>
+              <a:t>Expert:</a:t>
+            </a:r>
+            <a:r>
+              <a:rPr lang="en-US" dirty="0"/>
+              <a:t> Brings analytical thinking to everything they do, and has a range and depth of experience doing so. Anticipates the need for metrics and analysis early in the product and project discovery and design process, and carries metrics through iterations.</a:t>
+            </a:r>
           </a:p>
         </p:txBody>
       </p:sp>
     </p:spTree>
+    <p:extLst>
+      <p:ext uri="{BB962C8B-B14F-4D97-AF65-F5344CB8AC3E}">
+        <p14:creationId xmlns:p14="http://schemas.microsoft.com/office/powerpoint/2010/main" val="1909172532"/>
+      </p:ext>
+    </p:extLst>
   </p:cSld>
   <p:clrMapOvr>
     <a:masterClrMapping/>
@@ -9802,14 +10195,6 @@
 <file path=ppt/slides/slide19.xml><?xml version="1.0" encoding="utf-8"?>
 <p:sld xmlns:a="http://schemas.openxmlformats.org/drawingml/2006/main" xmlns:r="http://schemas.openxmlformats.org/officeDocument/2006/relationships" xmlns:p="http://schemas.openxmlformats.org/presentationml/2006/main">
   <p:cSld>
-    <p:bg>
-      <p:bgPr>
-        <a:solidFill>
-          <a:srgbClr val="FFFF00"/>
-        </a:solidFill>
-        <a:effectLst/>
-      </p:bgPr>
-    </p:bg>
     <p:spTree>
       <p:nvGrpSpPr>
         <p:cNvPr id="1" name=""/>
@@ -9829,7 +10214,7 @@
           <p:cNvPr id="2" name="Title 1">
             <a:extLst>
               <a:ext uri="{FF2B5EF4-FFF2-40B4-BE49-F238E27FC236}">
-                <a16:creationId xmlns:a16="http://schemas.microsoft.com/office/drawing/2014/main" id="{A4932B72-DF93-D54D-850F-12928960533A}"/>
+                <a16:creationId xmlns:a16="http://schemas.microsoft.com/office/drawing/2014/main" id="{94468300-5EA3-6648-A2DB-4A99120105EB}"/>
               </a:ext>
             </a:extLst>
           </p:cNvPr>
@@ -9847,7 +10232,7 @@
           <a:p>
             <a:r>
               <a:rPr lang="en-US" dirty="0"/>
-              <a:t>&lt;Delete THIS SLIDE BEFORE PRESENTING&gt;</a:t>
+              <a:t>decide required proficiency levels (4 level option)</a:t>
             </a:r>
           </a:p>
         </p:txBody>
@@ -9857,7 +10242,7 @@
           <p:cNvPr id="3" name="Text Placeholder 2">
             <a:extLst>
               <a:ext uri="{FF2B5EF4-FFF2-40B4-BE49-F238E27FC236}">
-                <a16:creationId xmlns:a16="http://schemas.microsoft.com/office/drawing/2014/main" id="{DD0C6529-1517-6D4F-B2C1-4578D2693A9A}"/>
+                <a16:creationId xmlns:a16="http://schemas.microsoft.com/office/drawing/2014/main" id="{3D924E37-623C-BC4C-927E-75F7D4410DBA}"/>
               </a:ext>
             </a:extLst>
           </p:cNvPr>
@@ -9865,69 +10250,59 @@
             <a:spLocks noGrp="1"/>
           </p:cNvSpPr>
           <p:nvPr>
-            <p:ph type="body" idx="13"/>
+            <p:ph type="body" idx="1"/>
           </p:nvPr>
         </p:nvSpPr>
-        <p:spPr/>
+        <p:spPr>
+          <a:xfrm>
+            <a:off x="1192143" y="1841499"/>
+            <a:ext cx="14956057" cy="7524173"/>
+          </a:xfrm>
+        </p:spPr>
         <p:txBody>
           <a:bodyPr>
             <a:normAutofit/>
           </a:bodyPr>
           <a:lstStyle/>
           <a:p>
-            <a:r>
-              <a:rPr lang="en-US" b="1" dirty="0"/>
-              <a:t>PREPARE THE FOLLOWING BEFORE DAY 2</a:t>
-            </a:r>
-          </a:p>
-          <a:p>
-            <a:pPr marL="742967" indent="-571500">
-              <a:buClr>
-                <a:schemeClr val="tx2"/>
-              </a:buClr>
-              <a:buFont typeface="Arial" panose="020B0604020202020204" pitchFamily="34" charset="0"/>
-              <a:buChar char="•"/>
+            <a:pPr>
+              <a:spcAft>
+                <a:spcPts val="1200"/>
+              </a:spcAft>
             </a:pPr>
             <a:r>
               <a:rPr lang="en-US" dirty="0"/>
-              <a:t>Draft a JOA with competency names and definitions, the most critical job tasks from the job task exercise, and a few sentences from the PD that describes the position in the context of the agency. The team will review during day 2.</a:t>
-            </a:r>
-          </a:p>
-          <a:p>
-            <a:pPr marL="742967" indent="-571500">
-              <a:buClr>
-                <a:schemeClr val="tx2"/>
-              </a:buClr>
-              <a:buFont typeface="Arial" panose="020B0604020202020204" pitchFamily="34" charset="0"/>
-              <a:buChar char="•"/>
+              <a:t>After defining competencies and proficiency levels, select the required proficiency level to qualify for the grade. Applicants will need a year’s worth of experience at the chosen proficiency level to qualify.</a:t>
+            </a:r>
+          </a:p>
+          <a:p>
+            <a:pPr>
+              <a:spcAft>
+                <a:spcPts val="1200"/>
+              </a:spcAft>
             </a:pPr>
             <a:r>
               <a:rPr lang="en-US" dirty="0"/>
-              <a:t>Combine competencies and proficiencies into a single document.</a:t>
-            </a:r>
-          </a:p>
-          <a:p>
-            <a:pPr marL="742967" indent="-571500">
-              <a:buClr>
-                <a:schemeClr val="tx2"/>
-              </a:buClr>
-              <a:buFont typeface="Arial" panose="020B0604020202020204" pitchFamily="34" charset="0"/>
-              <a:buChar char="•"/>
+              <a:t>The same set of competencies can be used for multiple grades. Select proficiency levels for each grade you are hiring. </a:t>
+            </a:r>
+          </a:p>
+          <a:p>
+            <a:pPr>
+              <a:spcAft>
+                <a:spcPts val="1200"/>
+              </a:spcAft>
             </a:pPr>
             <a:r>
               <a:rPr lang="en-US" dirty="0"/>
-              <a:t>Reminder: Pull at least 2-3 resumes related to this job for practice resume review (Agency Talent Portal, LinkedIn, etc.) Aim to have 5 resumes so you have backup options.</a:t>
-            </a:r>
-          </a:p>
-          <a:p>
-            <a:endParaRPr lang="en-US" dirty="0"/>
+              <a:t>Job analysis should typically focus on no more than two grade levels. Jobs at other levels (e.g. entry level positions) may require slightly different competencies.</a:t>
+            </a:r>
           </a:p>
         </p:txBody>
       </p:sp>
     </p:spTree>
     <p:extLst>
       <p:ext uri="{BB962C8B-B14F-4D97-AF65-F5344CB8AC3E}">
-        <p14:creationId xmlns:p14="http://schemas.microsoft.com/office/powerpoint/2010/main" val="2239205312"/>
+        <p14:creationId xmlns:p14="http://schemas.microsoft.com/office/powerpoint/2010/main" val="3689359389"/>
       </p:ext>
     </p:extLst>
   </p:cSld>
@@ -10125,6 +10500,208 @@
               <a:rPr lang="en-US" dirty="0">
                 <a:sym typeface="Cambria"/>
               </a:rPr>
+              <a:t>End of Day 1 Presentation</a:t>
+            </a:r>
+            <a:endParaRPr lang="en-US" dirty="0"/>
+          </a:p>
+        </p:txBody>
+      </p:sp>
+    </p:spTree>
+  </p:cSld>
+  <p:clrMapOvr>
+    <a:masterClrMapping/>
+  </p:clrMapOvr>
+</p:sld>
+</file>
+
+<file path=ppt/slides/slide21.xml><?xml version="1.0" encoding="utf-8"?>
+<p:sld xmlns:a="http://schemas.openxmlformats.org/drawingml/2006/main" xmlns:r="http://schemas.openxmlformats.org/officeDocument/2006/relationships" xmlns:p="http://schemas.openxmlformats.org/presentationml/2006/main">
+  <p:cSld>
+    <p:bg>
+      <p:bgPr>
+        <a:solidFill>
+          <a:srgbClr val="FFFF00"/>
+        </a:solidFill>
+        <a:effectLst/>
+      </p:bgPr>
+    </p:bg>
+    <p:spTree>
+      <p:nvGrpSpPr>
+        <p:cNvPr id="1" name=""/>
+        <p:cNvGrpSpPr/>
+        <p:nvPr/>
+      </p:nvGrpSpPr>
+      <p:grpSpPr>
+        <a:xfrm>
+          <a:off x="0" y="0"/>
+          <a:ext cx="0" cy="0"/>
+          <a:chOff x="0" y="0"/>
+          <a:chExt cx="0" cy="0"/>
+        </a:xfrm>
+      </p:grpSpPr>
+      <p:sp>
+        <p:nvSpPr>
+          <p:cNvPr id="2" name="Title 1">
+            <a:extLst>
+              <a:ext uri="{FF2B5EF4-FFF2-40B4-BE49-F238E27FC236}">
+                <a16:creationId xmlns:a16="http://schemas.microsoft.com/office/drawing/2014/main" id="{A4932B72-DF93-D54D-850F-12928960533A}"/>
+              </a:ext>
+            </a:extLst>
+          </p:cNvPr>
+          <p:cNvSpPr>
+            <a:spLocks noGrp="1"/>
+          </p:cNvSpPr>
+          <p:nvPr>
+            <p:ph type="title"/>
+          </p:nvPr>
+        </p:nvSpPr>
+        <p:spPr/>
+        <p:txBody>
+          <a:bodyPr/>
+          <a:lstStyle/>
+          <a:p>
+            <a:r>
+              <a:rPr lang="en-US" dirty="0"/>
+              <a:t>&lt;Delete THIS SLIDE BEFORE PRESENTING&gt;</a:t>
+            </a:r>
+          </a:p>
+        </p:txBody>
+      </p:sp>
+      <p:sp>
+        <p:nvSpPr>
+          <p:cNvPr id="3" name="Text Placeholder 2">
+            <a:extLst>
+              <a:ext uri="{FF2B5EF4-FFF2-40B4-BE49-F238E27FC236}">
+                <a16:creationId xmlns:a16="http://schemas.microsoft.com/office/drawing/2014/main" id="{DD0C6529-1517-6D4F-B2C1-4578D2693A9A}"/>
+              </a:ext>
+            </a:extLst>
+          </p:cNvPr>
+          <p:cNvSpPr>
+            <a:spLocks noGrp="1"/>
+          </p:cNvSpPr>
+          <p:nvPr>
+            <p:ph type="body" idx="13"/>
+          </p:nvPr>
+        </p:nvSpPr>
+        <p:spPr/>
+        <p:txBody>
+          <a:bodyPr>
+            <a:normAutofit/>
+          </a:bodyPr>
+          <a:lstStyle/>
+          <a:p>
+            <a:r>
+              <a:rPr lang="en-US" b="1" dirty="0"/>
+              <a:t>PREPARE THE FOLLOWING BEFORE DAY 2</a:t>
+            </a:r>
+          </a:p>
+          <a:p>
+            <a:pPr marL="742967" indent="-571500">
+              <a:buClr>
+                <a:schemeClr val="tx2"/>
+              </a:buClr>
+              <a:buFont typeface="Arial" panose="020B0604020202020204" pitchFamily="34" charset="0"/>
+              <a:buChar char="•"/>
+            </a:pPr>
+            <a:r>
+              <a:rPr lang="en-US" dirty="0"/>
+              <a:t>Draft a JOA with competency names and definitions, the most critical job tasks from the job task exercise, and a few sentences from the PD that describes the position in the context of the agency. The team will review during day 2.</a:t>
+            </a:r>
+          </a:p>
+          <a:p>
+            <a:pPr marL="742967" indent="-571500">
+              <a:buClr>
+                <a:schemeClr val="tx2"/>
+              </a:buClr>
+              <a:buFont typeface="Arial" panose="020B0604020202020204" pitchFamily="34" charset="0"/>
+              <a:buChar char="•"/>
+            </a:pPr>
+            <a:r>
+              <a:rPr lang="en-US" dirty="0"/>
+              <a:t>Combine competencies and proficiencies into a single document.</a:t>
+            </a:r>
+          </a:p>
+          <a:p>
+            <a:pPr marL="742967" indent="-571500">
+              <a:buClr>
+                <a:schemeClr val="tx2"/>
+              </a:buClr>
+              <a:buFont typeface="Arial" panose="020B0604020202020204" pitchFamily="34" charset="0"/>
+              <a:buChar char="•"/>
+            </a:pPr>
+            <a:r>
+              <a:rPr lang="en-US" dirty="0"/>
+              <a:t>Reminder: Pull at least 2-3 resumes related to this job for practice resume review (Agency Talent Portal, LinkedIn, etc.) Aim to have 5 resumes so you have backup options.</a:t>
+            </a:r>
+          </a:p>
+          <a:p>
+            <a:endParaRPr lang="en-US" dirty="0"/>
+          </a:p>
+        </p:txBody>
+      </p:sp>
+    </p:spTree>
+    <p:extLst>
+      <p:ext uri="{BB962C8B-B14F-4D97-AF65-F5344CB8AC3E}">
+        <p14:creationId xmlns:p14="http://schemas.microsoft.com/office/powerpoint/2010/main" val="2239205312"/>
+      </p:ext>
+    </p:extLst>
+  </p:cSld>
+  <p:clrMapOvr>
+    <a:masterClrMapping/>
+  </p:clrMapOvr>
+</p:sld>
+</file>
+
+<file path=ppt/slides/slide22.xml><?xml version="1.0" encoding="utf-8"?>
+<p:sld xmlns:a="http://schemas.openxmlformats.org/drawingml/2006/main" xmlns:r="http://schemas.openxmlformats.org/officeDocument/2006/relationships" xmlns:p="http://schemas.openxmlformats.org/presentationml/2006/main">
+  <p:cSld>
+    <p:spTree>
+      <p:nvGrpSpPr>
+        <p:cNvPr id="1" name="Shape 307"/>
+        <p:cNvGrpSpPr/>
+        <p:nvPr/>
+      </p:nvGrpSpPr>
+      <p:grpSpPr>
+        <a:xfrm>
+          <a:off x="0" y="0"/>
+          <a:ext cx="0" cy="0"/>
+          <a:chOff x="0" y="0"/>
+          <a:chExt cx="0" cy="0"/>
+        </a:xfrm>
+      </p:grpSpPr>
+      <p:sp>
+        <p:nvSpPr>
+          <p:cNvPr id="4" name="Google Shape;68;p20">
+            <a:extLst>
+              <a:ext uri="{FF2B5EF4-FFF2-40B4-BE49-F238E27FC236}">
+                <a16:creationId xmlns:a16="http://schemas.microsoft.com/office/drawing/2014/main" id="{FF013F16-4A52-9A45-B7A8-5DE84E4CEFE2}"/>
+              </a:ext>
+            </a:extLst>
+          </p:cNvPr>
+          <p:cNvSpPr txBox="1">
+            <a:spLocks noGrp="1"/>
+          </p:cNvSpPr>
+          <p:nvPr>
+            <p:ph type="body" idx="1"/>
+          </p:nvPr>
+        </p:nvSpPr>
+        <p:spPr>
+          <a:xfrm>
+            <a:off x="2308393" y="4027713"/>
+            <a:ext cx="12723989" cy="2893800"/>
+          </a:xfrm>
+        </p:spPr>
+        <p:txBody>
+          <a:bodyPr>
+            <a:normAutofit/>
+          </a:bodyPr>
+          <a:lstStyle/>
+          <a:p>
+            <a:pPr lvl="0"/>
+            <a:r>
+              <a:rPr lang="en-US" dirty="0">
+                <a:sym typeface="Cambria"/>
+              </a:rPr>
               <a:t>Start of Day 2 Presentation</a:t>
             </a:r>
             <a:endParaRPr lang="en-US" dirty="0"/>
@@ -10144,7 +10721,7 @@
 </p:sld>
 </file>
 
-<file path=ppt/slides/slide21.xml><?xml version="1.0" encoding="utf-8"?>
+<file path=ppt/slides/slide23.xml><?xml version="1.0" encoding="utf-8"?>
 <p:sld xmlns:a="http://schemas.openxmlformats.org/drawingml/2006/main" xmlns:r="http://schemas.openxmlformats.org/officeDocument/2006/relationships" xmlns:p="http://schemas.openxmlformats.org/presentationml/2006/main">
   <p:cSld>
     <p:spTree>
@@ -10208,7 +10785,7 @@
 </p:sld>
 </file>
 
-<file path=ppt/slides/slide22.xml><?xml version="1.0" encoding="utf-8"?>
+<file path=ppt/slides/slide24.xml><?xml version="1.0" encoding="utf-8"?>
 <p:sld xmlns:a="http://schemas.openxmlformats.org/drawingml/2006/main" xmlns:r="http://schemas.openxmlformats.org/officeDocument/2006/relationships" xmlns:p="http://schemas.openxmlformats.org/presentationml/2006/main">
   <p:cSld>
     <p:spTree>
@@ -10301,7 +10878,7 @@
 </p:sld>
 </file>
 
-<file path=ppt/slides/slide23.xml><?xml version="1.0" encoding="utf-8"?>
+<file path=ppt/slides/slide25.xml><?xml version="1.0" encoding="utf-8"?>
 <p:sld xmlns:a="http://schemas.openxmlformats.org/drawingml/2006/main" xmlns:r="http://schemas.openxmlformats.org/officeDocument/2006/relationships" xmlns:p="http://schemas.openxmlformats.org/presentationml/2006/main">
   <p:cSld>
     <p:spTree>
@@ -10435,149 +11012,6 @@
     <p:extLst>
       <p:ext uri="{BB962C8B-B14F-4D97-AF65-F5344CB8AC3E}">
         <p14:creationId xmlns:p14="http://schemas.microsoft.com/office/powerpoint/2010/main" val="3969998700"/>
-      </p:ext>
-    </p:extLst>
-  </p:cSld>
-  <p:clrMapOvr>
-    <a:masterClrMapping/>
-  </p:clrMapOvr>
-</p:sld>
-</file>
-
-<file path=ppt/slides/slide24.xml><?xml version="1.0" encoding="utf-8"?>
-<p:sld xmlns:a="http://schemas.openxmlformats.org/drawingml/2006/main" xmlns:r="http://schemas.openxmlformats.org/officeDocument/2006/relationships" xmlns:p="http://schemas.openxmlformats.org/presentationml/2006/main">
-  <p:cSld>
-    <p:spTree>
-      <p:nvGrpSpPr>
-        <p:cNvPr id="1" name=""/>
-        <p:cNvGrpSpPr/>
-        <p:nvPr/>
-      </p:nvGrpSpPr>
-      <p:grpSpPr>
-        <a:xfrm>
-          <a:off x="0" y="0"/>
-          <a:ext cx="0" cy="0"/>
-          <a:chOff x="0" y="0"/>
-          <a:chExt cx="0" cy="0"/>
-        </a:xfrm>
-      </p:grpSpPr>
-      <p:sp>
-        <p:nvSpPr>
-          <p:cNvPr id="2" name="Title 1">
-            <a:extLst>
-              <a:ext uri="{FF2B5EF4-FFF2-40B4-BE49-F238E27FC236}">
-                <a16:creationId xmlns:a16="http://schemas.microsoft.com/office/drawing/2014/main" id="{F4D084D1-B6B9-1641-9A1D-07927E0CBB74}"/>
-              </a:ext>
-            </a:extLst>
-          </p:cNvPr>
-          <p:cNvSpPr>
-            <a:spLocks noGrp="1"/>
-          </p:cNvSpPr>
-          <p:nvPr>
-            <p:ph type="title"/>
-          </p:nvPr>
-        </p:nvSpPr>
-        <p:spPr>
-          <a:xfrm>
-            <a:off x="1884218" y="4200730"/>
-            <a:ext cx="13328072" cy="1008580"/>
-          </a:xfrm>
-        </p:spPr>
-        <p:txBody>
-          <a:bodyPr>
-            <a:normAutofit/>
-          </a:bodyPr>
-          <a:lstStyle/>
-          <a:p>
-            <a:pPr algn="ctr"/>
-            <a:r>
-              <a:rPr lang="en-US" dirty="0"/>
-              <a:t>Review draft job announcement</a:t>
-            </a:r>
-          </a:p>
-        </p:txBody>
-      </p:sp>
-    </p:spTree>
-    <p:extLst>
-      <p:ext uri="{BB962C8B-B14F-4D97-AF65-F5344CB8AC3E}">
-        <p14:creationId xmlns:p14="http://schemas.microsoft.com/office/powerpoint/2010/main" val="2580020421"/>
-      </p:ext>
-    </p:extLst>
-  </p:cSld>
-  <p:clrMapOvr>
-    <a:masterClrMapping/>
-  </p:clrMapOvr>
-</p:sld>
-</file>
-
-<file path=ppt/slides/slide25.xml><?xml version="1.0" encoding="utf-8"?>
-<p:sld xmlns:a="http://schemas.openxmlformats.org/drawingml/2006/main" xmlns:r="http://schemas.openxmlformats.org/officeDocument/2006/relationships" xmlns:p="http://schemas.openxmlformats.org/presentationml/2006/main">
-  <p:cSld>
-    <p:spTree>
-      <p:nvGrpSpPr>
-        <p:cNvPr id="1" name=""/>
-        <p:cNvGrpSpPr/>
-        <p:nvPr/>
-      </p:nvGrpSpPr>
-      <p:grpSpPr>
-        <a:xfrm>
-          <a:off x="0" y="0"/>
-          <a:ext cx="0" cy="0"/>
-          <a:chOff x="0" y="0"/>
-          <a:chExt cx="0" cy="0"/>
-        </a:xfrm>
-      </p:grpSpPr>
-      <p:sp>
-        <p:nvSpPr>
-          <p:cNvPr id="2" name="Title 1">
-            <a:extLst>
-              <a:ext uri="{FF2B5EF4-FFF2-40B4-BE49-F238E27FC236}">
-                <a16:creationId xmlns:a16="http://schemas.microsoft.com/office/drawing/2014/main" id="{E0E56BF6-C2AA-1542-B427-9F99DA225EFE}"/>
-              </a:ext>
-            </a:extLst>
-          </p:cNvPr>
-          <p:cNvSpPr>
-            <a:spLocks noGrp="1"/>
-          </p:cNvSpPr>
-          <p:nvPr>
-            <p:ph type="title"/>
-          </p:nvPr>
-        </p:nvSpPr>
-        <p:spPr/>
-        <p:txBody>
-          <a:bodyPr>
-            <a:normAutofit/>
-          </a:bodyPr>
-          <a:lstStyle/>
-          <a:p>
-            <a:r>
-              <a:rPr lang="en-US" dirty="0"/>
-              <a:t>Practice resume review with the competencies and proficiencies</a:t>
-            </a:r>
-            <a:br>
-              <a:rPr lang="en-US" dirty="0"/>
-            </a:br>
-            <a:br>
-              <a:rPr lang="en-US" dirty="0"/>
-            </a:br>
-            <a:r>
-              <a:rPr lang="en-US" dirty="0"/>
-              <a:t>The facilitator will collect </a:t>
-            </a:r>
-            <a:br>
-              <a:rPr lang="en-US" dirty="0"/>
-            </a:br>
-            <a:r>
-              <a:rPr lang="en-US" dirty="0"/>
-              <a:t>responses privately </a:t>
-            </a:r>
-          </a:p>
-        </p:txBody>
-      </p:sp>
-    </p:spTree>
-    <p:extLst>
-      <p:ext uri="{BB962C8B-B14F-4D97-AF65-F5344CB8AC3E}">
-        <p14:creationId xmlns:p14="http://schemas.microsoft.com/office/powerpoint/2010/main" val="3440917198"/>
       </p:ext>
     </p:extLst>
   </p:cSld>
@@ -10609,7 +11043,7 @@
           <p:cNvPr id="2" name="Title 1">
             <a:extLst>
               <a:ext uri="{FF2B5EF4-FFF2-40B4-BE49-F238E27FC236}">
-                <a16:creationId xmlns:a16="http://schemas.microsoft.com/office/drawing/2014/main" id="{9BFF689B-CB37-F045-890E-1702F6255CD6}"/>
+                <a16:creationId xmlns:a16="http://schemas.microsoft.com/office/drawing/2014/main" id="{F4D084D1-B6B9-1641-9A1D-07927E0CBB74}"/>
               </a:ext>
             </a:extLst>
           </p:cNvPr>
@@ -10620,83 +11054,30 @@
             <p:ph type="title"/>
           </p:nvPr>
         </p:nvSpPr>
-        <p:spPr/>
+        <p:spPr>
+          <a:xfrm>
+            <a:off x="1884218" y="4200730"/>
+            <a:ext cx="13328072" cy="1008580"/>
+          </a:xfrm>
+        </p:spPr>
         <p:txBody>
-          <a:bodyPr/>
+          <a:bodyPr>
+            <a:normAutofit/>
+          </a:bodyPr>
           <a:lstStyle/>
           <a:p>
-            <a:r>
-              <a:rPr lang="en-US" dirty="0"/>
-              <a:t>Resume review and competency/proficiency refinement</a:t>
-            </a:r>
-          </a:p>
-        </p:txBody>
-      </p:sp>
-      <p:sp>
-        <p:nvSpPr>
-          <p:cNvPr id="3" name="Text Placeholder 2">
-            <a:extLst>
-              <a:ext uri="{FF2B5EF4-FFF2-40B4-BE49-F238E27FC236}">
-                <a16:creationId xmlns:a16="http://schemas.microsoft.com/office/drawing/2014/main" id="{9C73CD77-D3DE-854F-9047-B671C3713E10}"/>
-              </a:ext>
-            </a:extLst>
-          </p:cNvPr>
-          <p:cNvSpPr>
-            <a:spLocks noGrp="1"/>
-          </p:cNvSpPr>
-          <p:nvPr>
-            <p:ph type="body" idx="1"/>
-          </p:nvPr>
-        </p:nvSpPr>
-        <p:spPr/>
-        <p:txBody>
-          <a:bodyPr/>
-          <a:lstStyle/>
-          <a:p>
-            <a:pPr lvl="0"/>
-            <a:r>
-              <a:rPr lang="en-US" dirty="0"/>
-              <a:t>After resume review practice,</a:t>
-            </a:r>
-          </a:p>
-          <a:p>
-            <a:pPr lvl="1"/>
-            <a:r>
-              <a:rPr lang="en-US" dirty="0"/>
-              <a:t>Clarify if there is recency relevance for any of the competencies.</a:t>
-            </a:r>
-          </a:p>
-          <a:p>
-            <a:pPr lvl="1"/>
-            <a:r>
-              <a:rPr lang="en-US" dirty="0"/>
-              <a:t>Decide page limit (2-3 pages of job experience) for resume review.</a:t>
-            </a:r>
-          </a:p>
-          <a:p>
-            <a:pPr lvl="1"/>
-            <a:r>
-              <a:rPr lang="en-US" dirty="0"/>
-              <a:t>Confirm if all competencies are required or if some are optional for resume review</a:t>
-            </a:r>
-          </a:p>
-          <a:p>
-            <a:pPr lvl="1"/>
-            <a:r>
-              <a:rPr lang="en-US" dirty="0"/>
-              <a:t>Determine if you want a prior work sample or portfolio reviewed with applicant resumes</a:t>
-            </a:r>
-          </a:p>
-          <a:p>
-            <a:pPr lvl="0"/>
-            <a:endParaRPr lang="en-US" dirty="0"/>
+            <a:pPr algn="ctr"/>
+            <a:r>
+              <a:rPr lang="en-US" dirty="0"/>
+              <a:t>Review draft job announcement</a:t>
+            </a:r>
           </a:p>
         </p:txBody>
       </p:sp>
     </p:spTree>
     <p:extLst>
       <p:ext uri="{BB962C8B-B14F-4D97-AF65-F5344CB8AC3E}">
-        <p14:creationId xmlns:p14="http://schemas.microsoft.com/office/powerpoint/2010/main" val="715038746"/>
+        <p14:creationId xmlns:p14="http://schemas.microsoft.com/office/powerpoint/2010/main" val="2580020421"/>
       </p:ext>
     </p:extLst>
   </p:cSld>
@@ -10728,7 +11109,7 @@
           <p:cNvPr id="2" name="Title 1">
             <a:extLst>
               <a:ext uri="{FF2B5EF4-FFF2-40B4-BE49-F238E27FC236}">
-                <a16:creationId xmlns:a16="http://schemas.microsoft.com/office/drawing/2014/main" id="{71EDF02E-0DE9-BF4E-A668-580998E2EC27}"/>
+                <a16:creationId xmlns:a16="http://schemas.microsoft.com/office/drawing/2014/main" id="{E0E56BF6-C2AA-1542-B427-9F99DA225EFE}"/>
               </a:ext>
             </a:extLst>
           </p:cNvPr>
@@ -10741,88 +11122,31 @@
         </p:nvSpPr>
         <p:spPr/>
         <p:txBody>
-          <a:bodyPr/>
-          <a:lstStyle/>
-          <a:p>
-            <a:r>
-              <a:rPr lang="en-US" dirty="0"/>
-              <a:t>Decide Assessment Types</a:t>
-            </a:r>
-          </a:p>
-        </p:txBody>
-      </p:sp>
-      <p:sp>
-        <p:nvSpPr>
-          <p:cNvPr id="3" name="Text Placeholder 2">
-            <a:extLst>
-              <a:ext uri="{FF2B5EF4-FFF2-40B4-BE49-F238E27FC236}">
-                <a16:creationId xmlns:a16="http://schemas.microsoft.com/office/drawing/2014/main" id="{B80BD65C-0B2C-FD43-BEFF-F5280438C64F}"/>
-              </a:ext>
-            </a:extLst>
-          </p:cNvPr>
-          <p:cNvSpPr>
-            <a:spLocks noGrp="1"/>
-          </p:cNvSpPr>
-          <p:nvPr>
-            <p:ph type="body" idx="1"/>
-          </p:nvPr>
-        </p:nvSpPr>
-        <p:spPr/>
-        <p:txBody>
           <a:bodyPr>
-            <a:normAutofit fontScale="92500" lnSpcReduction="20000"/>
+            <a:normAutofit/>
           </a:bodyPr>
           <a:lstStyle/>
           <a:p>
             <a:r>
               <a:rPr lang="en-US" dirty="0"/>
-              <a:t>Based on your competencies, determine initial plan for assessments using one or more of the following. Options include:</a:t>
-            </a:r>
-          </a:p>
-          <a:p>
-            <a:pPr lvl="1"/>
-            <a:r>
-              <a:rPr lang="en-US" dirty="0"/>
-              <a:t>Structured phone interviews</a:t>
-            </a:r>
-          </a:p>
-          <a:p>
-            <a:pPr lvl="1"/>
-            <a:r>
-              <a:rPr lang="en-US" dirty="0"/>
-              <a:t>Written assessments</a:t>
-            </a:r>
-          </a:p>
-          <a:p>
-            <a:pPr lvl="1"/>
-            <a:r>
-              <a:rPr lang="en-US" dirty="0"/>
-              <a:t>Asynchronous recorded interviews</a:t>
-            </a:r>
-          </a:p>
-          <a:p>
-            <a:pPr lvl="1"/>
-            <a:r>
-              <a:rPr lang="en-US" dirty="0" err="1"/>
-              <a:t>USAHire</a:t>
-            </a:r>
-            <a:r>
-              <a:rPr lang="en-US" dirty="0"/>
-              <a:t> assessments</a:t>
-            </a:r>
-          </a:p>
-          <a:p>
-            <a:r>
-              <a:rPr lang="en-US" dirty="0"/>
-              <a:t>Assessment must test applicants in </a:t>
-            </a:r>
-            <a:r>
-              <a:rPr lang="en-US" u="sng" dirty="0"/>
-              <a:t>different</a:t>
-            </a:r>
-            <a:r>
-              <a:rPr lang="en-US" dirty="0"/>
-              <a:t> ways so you can legally eliminate unqualified applicants after each assessment round. Each assessment does not have to evaluate every competency.</a:t>
+              <a:t>Practice resume review with the competencies and proficiencies</a:t>
+            </a:r>
+            <a:br>
+              <a:rPr lang="en-US" dirty="0"/>
+            </a:br>
+            <a:br>
+              <a:rPr lang="en-US" dirty="0"/>
+            </a:br>
+            <a:r>
+              <a:rPr lang="en-US" dirty="0"/>
+              <a:t>The facilitator will collect </a:t>
+            </a:r>
+            <a:br>
+              <a:rPr lang="en-US" dirty="0"/>
+            </a:br>
+            <a:r>
+              <a:rPr lang="en-US" dirty="0"/>
+              <a:t>responses privately </a:t>
             </a:r>
           </a:p>
         </p:txBody>
@@ -10830,7 +11154,7 @@
     </p:spTree>
     <p:extLst>
       <p:ext uri="{BB962C8B-B14F-4D97-AF65-F5344CB8AC3E}">
-        <p14:creationId xmlns:p14="http://schemas.microsoft.com/office/powerpoint/2010/main" val="234458494"/>
+        <p14:creationId xmlns:p14="http://schemas.microsoft.com/office/powerpoint/2010/main" val="3440917198"/>
       </p:ext>
     </p:extLst>
   </p:cSld>
@@ -10862,6 +11186,125 @@
           <p:cNvPr id="2" name="Title 1">
             <a:extLst>
               <a:ext uri="{FF2B5EF4-FFF2-40B4-BE49-F238E27FC236}">
+                <a16:creationId xmlns:a16="http://schemas.microsoft.com/office/drawing/2014/main" id="{9BFF689B-CB37-F045-890E-1702F6255CD6}"/>
+              </a:ext>
+            </a:extLst>
+          </p:cNvPr>
+          <p:cNvSpPr>
+            <a:spLocks noGrp="1"/>
+          </p:cNvSpPr>
+          <p:nvPr>
+            <p:ph type="title"/>
+          </p:nvPr>
+        </p:nvSpPr>
+        <p:spPr/>
+        <p:txBody>
+          <a:bodyPr/>
+          <a:lstStyle/>
+          <a:p>
+            <a:r>
+              <a:rPr lang="en-US" dirty="0"/>
+              <a:t>Resume review and competency/proficiency refinement</a:t>
+            </a:r>
+          </a:p>
+        </p:txBody>
+      </p:sp>
+      <p:sp>
+        <p:nvSpPr>
+          <p:cNvPr id="3" name="Text Placeholder 2">
+            <a:extLst>
+              <a:ext uri="{FF2B5EF4-FFF2-40B4-BE49-F238E27FC236}">
+                <a16:creationId xmlns:a16="http://schemas.microsoft.com/office/drawing/2014/main" id="{9C73CD77-D3DE-854F-9047-B671C3713E10}"/>
+              </a:ext>
+            </a:extLst>
+          </p:cNvPr>
+          <p:cNvSpPr>
+            <a:spLocks noGrp="1"/>
+          </p:cNvSpPr>
+          <p:nvPr>
+            <p:ph type="body" idx="1"/>
+          </p:nvPr>
+        </p:nvSpPr>
+        <p:spPr/>
+        <p:txBody>
+          <a:bodyPr/>
+          <a:lstStyle/>
+          <a:p>
+            <a:pPr lvl="0"/>
+            <a:r>
+              <a:rPr lang="en-US" dirty="0"/>
+              <a:t>After resume review practice,</a:t>
+            </a:r>
+          </a:p>
+          <a:p>
+            <a:pPr lvl="1"/>
+            <a:r>
+              <a:rPr lang="en-US" dirty="0"/>
+              <a:t>Clarify if there is recency relevance for any of the competencies.</a:t>
+            </a:r>
+          </a:p>
+          <a:p>
+            <a:pPr lvl="1"/>
+            <a:r>
+              <a:rPr lang="en-US" dirty="0"/>
+              <a:t>Decide page limit (2-3 pages of job experience) for resume review.</a:t>
+            </a:r>
+          </a:p>
+          <a:p>
+            <a:pPr lvl="1"/>
+            <a:r>
+              <a:rPr lang="en-US" dirty="0"/>
+              <a:t>Confirm if all competencies are required or if some are optional for resume review</a:t>
+            </a:r>
+          </a:p>
+          <a:p>
+            <a:pPr lvl="1"/>
+            <a:r>
+              <a:rPr lang="en-US" dirty="0"/>
+              <a:t>Determine if you want a prior work sample or portfolio reviewed with applicant resumes</a:t>
+            </a:r>
+          </a:p>
+          <a:p>
+            <a:pPr lvl="0"/>
+            <a:endParaRPr lang="en-US" dirty="0"/>
+          </a:p>
+        </p:txBody>
+      </p:sp>
+    </p:spTree>
+    <p:extLst>
+      <p:ext uri="{BB962C8B-B14F-4D97-AF65-F5344CB8AC3E}">
+        <p14:creationId xmlns:p14="http://schemas.microsoft.com/office/powerpoint/2010/main" val="715038746"/>
+      </p:ext>
+    </p:extLst>
+  </p:cSld>
+  <p:clrMapOvr>
+    <a:masterClrMapping/>
+  </p:clrMapOvr>
+</p:sld>
+</file>
+
+<file path=ppt/slides/slide29.xml><?xml version="1.0" encoding="utf-8"?>
+<p:sld xmlns:a="http://schemas.openxmlformats.org/drawingml/2006/main" xmlns:r="http://schemas.openxmlformats.org/officeDocument/2006/relationships" xmlns:p="http://schemas.openxmlformats.org/presentationml/2006/main">
+  <p:cSld>
+    <p:spTree>
+      <p:nvGrpSpPr>
+        <p:cNvPr id="1" name=""/>
+        <p:cNvGrpSpPr/>
+        <p:nvPr/>
+      </p:nvGrpSpPr>
+      <p:grpSpPr>
+        <a:xfrm>
+          <a:off x="0" y="0"/>
+          <a:ext cx="0" cy="0"/>
+          <a:chOff x="0" y="0"/>
+          <a:chExt cx="0" cy="0"/>
+        </a:xfrm>
+      </p:grpSpPr>
+      <p:sp>
+        <p:nvSpPr>
+          <p:cNvPr id="2" name="Title 1">
+            <a:extLst>
+              <a:ext uri="{FF2B5EF4-FFF2-40B4-BE49-F238E27FC236}">
                 <a16:creationId xmlns:a16="http://schemas.microsoft.com/office/drawing/2014/main" id="{71EDF02E-0DE9-BF4E-A668-580998E2EC27}"/>
               </a:ext>
             </a:extLst>
@@ -10880,7 +11323,7 @@
           <a:p>
             <a:r>
               <a:rPr lang="en-US" dirty="0"/>
-              <a:t>Brainstorm assessment questions</a:t>
+              <a:t>Decide Assessment Types</a:t>
             </a:r>
           </a:p>
         </p:txBody>
@@ -10904,13 +11347,219 @@
         <p:spPr/>
         <p:txBody>
           <a:bodyPr>
+            <a:normAutofit fontScale="92500" lnSpcReduction="20000"/>
+          </a:bodyPr>
+          <a:lstStyle/>
+          <a:p>
+            <a:r>
+              <a:rPr lang="en-US" dirty="0"/>
+              <a:t>Based on your competencies, determine initial plan for assessments using one or more of the following. Options include:</a:t>
+            </a:r>
+          </a:p>
+          <a:p>
+            <a:pPr lvl="1"/>
+            <a:r>
+              <a:rPr lang="en-US" dirty="0"/>
+              <a:t>Structured phone interviews (used in every SMEQA action)</a:t>
+            </a:r>
+          </a:p>
+          <a:p>
+            <a:pPr lvl="1"/>
+            <a:r>
+              <a:rPr lang="en-US" dirty="0"/>
+              <a:t>Written assessments</a:t>
+            </a:r>
+          </a:p>
+          <a:p>
+            <a:pPr lvl="1"/>
+            <a:r>
+              <a:rPr lang="en-US" dirty="0"/>
+              <a:t>Asynchronous recorded interviews</a:t>
+            </a:r>
+          </a:p>
+          <a:p>
+            <a:pPr lvl="1"/>
+            <a:r>
+              <a:rPr lang="en-US" dirty="0" err="1"/>
+              <a:t>USAHire</a:t>
+            </a:r>
+            <a:r>
+              <a:rPr lang="en-US" dirty="0"/>
+              <a:t> assessments</a:t>
+            </a:r>
+          </a:p>
+          <a:p>
+            <a:r>
+              <a:rPr lang="en-US" dirty="0"/>
+              <a:t>Assessment must test applicants in </a:t>
+            </a:r>
+            <a:r>
+              <a:rPr lang="en-US" u="sng" dirty="0"/>
+              <a:t>different</a:t>
+            </a:r>
+            <a:r>
+              <a:rPr lang="en-US" dirty="0"/>
+              <a:t> ways so you can legally eliminate unqualified applicants after each assessment round. Each assessment does not have to evaluate every competency.</a:t>
+            </a:r>
+          </a:p>
+        </p:txBody>
+      </p:sp>
+    </p:spTree>
+    <p:extLst>
+      <p:ext uri="{BB962C8B-B14F-4D97-AF65-F5344CB8AC3E}">
+        <p14:creationId xmlns:p14="http://schemas.microsoft.com/office/powerpoint/2010/main" val="234458494"/>
+      </p:ext>
+    </p:extLst>
+  </p:cSld>
+  <p:clrMapOvr>
+    <a:masterClrMapping/>
+  </p:clrMapOvr>
+</p:sld>
+</file>
+
+<file path=ppt/slides/slide3.xml><?xml version="1.0" encoding="utf-8"?>
+<p:sld xmlns:a="http://schemas.openxmlformats.org/drawingml/2006/main" xmlns:r="http://schemas.openxmlformats.org/officeDocument/2006/relationships" xmlns:p="http://schemas.openxmlformats.org/presentationml/2006/main">
+  <p:cSld>
+    <p:spTree>
+      <p:nvGrpSpPr>
+        <p:cNvPr id="1" name=""/>
+        <p:cNvGrpSpPr/>
+        <p:nvPr/>
+      </p:nvGrpSpPr>
+      <p:grpSpPr>
+        <a:xfrm>
+          <a:off x="0" y="0"/>
+          <a:ext cx="0" cy="0"/>
+          <a:chOff x="0" y="0"/>
+          <a:chExt cx="0" cy="0"/>
+        </a:xfrm>
+      </p:grpSpPr>
+      <p:sp>
+        <p:nvSpPr>
+          <p:cNvPr id="2" name="Title 1">
+            <a:extLst>
+              <a:ext uri="{FF2B5EF4-FFF2-40B4-BE49-F238E27FC236}">
+                <a16:creationId xmlns:a16="http://schemas.microsoft.com/office/drawing/2014/main" id="{F4D084D1-B6B9-1641-9A1D-07927E0CBB74}"/>
+              </a:ext>
+            </a:extLst>
+          </p:cNvPr>
+          <p:cNvSpPr>
+            <a:spLocks noGrp="1"/>
+          </p:cNvSpPr>
+          <p:nvPr>
+            <p:ph type="title"/>
+          </p:nvPr>
+        </p:nvSpPr>
+        <p:spPr/>
+        <p:txBody>
+          <a:bodyPr/>
+          <a:lstStyle/>
+          <a:p>
+            <a:pPr algn="ctr"/>
+            <a:r>
+              <a:rPr lang="en-US" dirty="0"/>
+              <a:t>Thank you for coming!</a:t>
+            </a:r>
+            <a:br>
+              <a:rPr lang="en-US" dirty="0"/>
+            </a:br>
+            <a:br>
+              <a:rPr lang="en-US" dirty="0"/>
+            </a:br>
+            <a:br>
+              <a:rPr lang="en-US" dirty="0"/>
+            </a:br>
+            <a:r>
+              <a:rPr lang="en-US" dirty="0"/>
+              <a:t>Let’s introduce ourselves.</a:t>
+            </a:r>
+          </a:p>
+        </p:txBody>
+      </p:sp>
+    </p:spTree>
+    <p:extLst>
+      <p:ext uri="{BB962C8B-B14F-4D97-AF65-F5344CB8AC3E}">
+        <p14:creationId xmlns:p14="http://schemas.microsoft.com/office/powerpoint/2010/main" val="1452944171"/>
+      </p:ext>
+    </p:extLst>
+  </p:cSld>
+  <p:clrMapOvr>
+    <a:masterClrMapping/>
+  </p:clrMapOvr>
+</p:sld>
+</file>
+
+<file path=ppt/slides/slide30.xml><?xml version="1.0" encoding="utf-8"?>
+<p:sld xmlns:a="http://schemas.openxmlformats.org/drawingml/2006/main" xmlns:r="http://schemas.openxmlformats.org/officeDocument/2006/relationships" xmlns:p="http://schemas.openxmlformats.org/presentationml/2006/main">
+  <p:cSld>
+    <p:spTree>
+      <p:nvGrpSpPr>
+        <p:cNvPr id="1" name=""/>
+        <p:cNvGrpSpPr/>
+        <p:nvPr/>
+      </p:nvGrpSpPr>
+      <p:grpSpPr>
+        <a:xfrm>
+          <a:off x="0" y="0"/>
+          <a:ext cx="0" cy="0"/>
+          <a:chOff x="0" y="0"/>
+          <a:chExt cx="0" cy="0"/>
+        </a:xfrm>
+      </p:grpSpPr>
+      <p:sp>
+        <p:nvSpPr>
+          <p:cNvPr id="2" name="Title 1">
+            <a:extLst>
+              <a:ext uri="{FF2B5EF4-FFF2-40B4-BE49-F238E27FC236}">
+                <a16:creationId xmlns:a16="http://schemas.microsoft.com/office/drawing/2014/main" id="{71EDF02E-0DE9-BF4E-A668-580998E2EC27}"/>
+              </a:ext>
+            </a:extLst>
+          </p:cNvPr>
+          <p:cNvSpPr>
+            <a:spLocks noGrp="1"/>
+          </p:cNvSpPr>
+          <p:nvPr>
+            <p:ph type="title"/>
+          </p:nvPr>
+        </p:nvSpPr>
+        <p:spPr/>
+        <p:txBody>
+          <a:bodyPr/>
+          <a:lstStyle/>
+          <a:p>
+            <a:r>
+              <a:rPr lang="en-US" dirty="0"/>
+              <a:t>Determining structured interview Questions</a:t>
+            </a:r>
+          </a:p>
+        </p:txBody>
+      </p:sp>
+      <p:sp>
+        <p:nvSpPr>
+          <p:cNvPr id="3" name="Text Placeholder 2">
+            <a:extLst>
+              <a:ext uri="{FF2B5EF4-FFF2-40B4-BE49-F238E27FC236}">
+                <a16:creationId xmlns:a16="http://schemas.microsoft.com/office/drawing/2014/main" id="{B80BD65C-0B2C-FD43-BEFF-F5280438C64F}"/>
+              </a:ext>
+            </a:extLst>
+          </p:cNvPr>
+          <p:cNvSpPr>
+            <a:spLocks noGrp="1"/>
+          </p:cNvSpPr>
+          <p:nvPr>
+            <p:ph type="body" idx="1"/>
+          </p:nvPr>
+        </p:nvSpPr>
+        <p:spPr/>
+        <p:txBody>
+          <a:bodyPr>
             <a:normAutofit/>
           </a:bodyPr>
           <a:lstStyle/>
           <a:p>
             <a:r>
               <a:rPr lang="en-US" dirty="0"/>
-              <a:t>Next, we’ll create questions. Some example question types.</a:t>
+              <a:t>Example question types for structured interviews:</a:t>
             </a:r>
           </a:p>
           <a:p>
@@ -10949,7 +11598,7 @@
 </p:sld>
 </file>
 
-<file path=ppt/slides/slide29.xml><?xml version="1.0" encoding="utf-8"?>
+<file path=ppt/slides/slide31.xml><?xml version="1.0" encoding="utf-8"?>
 <p:sld xmlns:a="http://schemas.openxmlformats.org/drawingml/2006/main" xmlns:r="http://schemas.openxmlformats.org/officeDocument/2006/relationships" xmlns:p="http://schemas.openxmlformats.org/presentationml/2006/main">
   <p:cSld>
     <p:spTree>
@@ -12132,322 +12781,6 @@
 </p:sld>
 </file>
 
-<file path=ppt/slides/slide3.xml><?xml version="1.0" encoding="utf-8"?>
-<p:sld xmlns:a="http://schemas.openxmlformats.org/drawingml/2006/main" xmlns:r="http://schemas.openxmlformats.org/officeDocument/2006/relationships" xmlns:p="http://schemas.openxmlformats.org/presentationml/2006/main">
-  <p:cSld>
-    <p:spTree>
-      <p:nvGrpSpPr>
-        <p:cNvPr id="1" name=""/>
-        <p:cNvGrpSpPr/>
-        <p:nvPr/>
-      </p:nvGrpSpPr>
-      <p:grpSpPr>
-        <a:xfrm>
-          <a:off x="0" y="0"/>
-          <a:ext cx="0" cy="0"/>
-          <a:chOff x="0" y="0"/>
-          <a:chExt cx="0" cy="0"/>
-        </a:xfrm>
-      </p:grpSpPr>
-      <p:sp>
-        <p:nvSpPr>
-          <p:cNvPr id="2" name="Title 1">
-            <a:extLst>
-              <a:ext uri="{FF2B5EF4-FFF2-40B4-BE49-F238E27FC236}">
-                <a16:creationId xmlns:a16="http://schemas.microsoft.com/office/drawing/2014/main" id="{F4D084D1-B6B9-1641-9A1D-07927E0CBB74}"/>
-              </a:ext>
-            </a:extLst>
-          </p:cNvPr>
-          <p:cNvSpPr>
-            <a:spLocks noGrp="1"/>
-          </p:cNvSpPr>
-          <p:nvPr>
-            <p:ph type="title"/>
-          </p:nvPr>
-        </p:nvSpPr>
-        <p:spPr/>
-        <p:txBody>
-          <a:bodyPr/>
-          <a:lstStyle/>
-          <a:p>
-            <a:pPr algn="ctr"/>
-            <a:r>
-              <a:rPr lang="en-US" dirty="0"/>
-              <a:t>Thank you for coming!</a:t>
-            </a:r>
-            <a:br>
-              <a:rPr lang="en-US" dirty="0"/>
-            </a:br>
-            <a:br>
-              <a:rPr lang="en-US" dirty="0"/>
-            </a:br>
-            <a:br>
-              <a:rPr lang="en-US" dirty="0"/>
-            </a:br>
-            <a:r>
-              <a:rPr lang="en-US" dirty="0"/>
-              <a:t>Let’s introduce ourselves.</a:t>
-            </a:r>
-          </a:p>
-        </p:txBody>
-      </p:sp>
-    </p:spTree>
-    <p:extLst>
-      <p:ext uri="{BB962C8B-B14F-4D97-AF65-F5344CB8AC3E}">
-        <p14:creationId xmlns:p14="http://schemas.microsoft.com/office/powerpoint/2010/main" val="1452944171"/>
-      </p:ext>
-    </p:extLst>
-  </p:cSld>
-  <p:clrMapOvr>
-    <a:masterClrMapping/>
-  </p:clrMapOvr>
-</p:sld>
-</file>
-
-<file path=ppt/slides/slide30.xml><?xml version="1.0" encoding="utf-8"?>
-<p:sld xmlns:a="http://schemas.openxmlformats.org/drawingml/2006/main" xmlns:r="http://schemas.openxmlformats.org/officeDocument/2006/relationships" xmlns:p="http://schemas.openxmlformats.org/presentationml/2006/main">
-  <p:cSld>
-    <p:spTree>
-      <p:nvGrpSpPr>
-        <p:cNvPr id="1" name=""/>
-        <p:cNvGrpSpPr/>
-        <p:nvPr/>
-      </p:nvGrpSpPr>
-      <p:grpSpPr>
-        <a:xfrm>
-          <a:off x="0" y="0"/>
-          <a:ext cx="0" cy="0"/>
-          <a:chOff x="0" y="0"/>
-          <a:chExt cx="0" cy="0"/>
-        </a:xfrm>
-      </p:grpSpPr>
-      <p:sp>
-        <p:nvSpPr>
-          <p:cNvPr id="2" name="Title 1">
-            <a:extLst>
-              <a:ext uri="{FF2B5EF4-FFF2-40B4-BE49-F238E27FC236}">
-                <a16:creationId xmlns:a16="http://schemas.microsoft.com/office/drawing/2014/main" id="{D4E4C047-701E-6045-A204-2E9F55292620}"/>
-              </a:ext>
-            </a:extLst>
-          </p:cNvPr>
-          <p:cNvSpPr>
-            <a:spLocks noGrp="1"/>
-          </p:cNvSpPr>
-          <p:nvPr>
-            <p:ph type="title"/>
-          </p:nvPr>
-        </p:nvSpPr>
-        <p:spPr/>
-        <p:txBody>
-          <a:bodyPr/>
-          <a:lstStyle/>
-          <a:p>
-            <a:r>
-              <a:rPr lang="en-US" dirty="0"/>
-              <a:t>Example Breadth Question – Stakeholder Engagement Competency</a:t>
-            </a:r>
-          </a:p>
-        </p:txBody>
-      </p:sp>
-      <p:sp>
-        <p:nvSpPr>
-          <p:cNvPr id="3" name="Text Placeholder 2">
-            <a:extLst>
-              <a:ext uri="{FF2B5EF4-FFF2-40B4-BE49-F238E27FC236}">
-                <a16:creationId xmlns:a16="http://schemas.microsoft.com/office/drawing/2014/main" id="{D6A4DA58-3293-B044-90E9-FC07DFF20EF1}"/>
-              </a:ext>
-            </a:extLst>
-          </p:cNvPr>
-          <p:cNvSpPr>
-            <a:spLocks noGrp="1"/>
-          </p:cNvSpPr>
-          <p:nvPr>
-            <p:ph type="body" idx="1"/>
-          </p:nvPr>
-        </p:nvSpPr>
-        <p:spPr>
-          <a:xfrm>
-            <a:off x="1192143" y="1841500"/>
-            <a:ext cx="14956057" cy="7392802"/>
-          </a:xfrm>
-          <a:noFill/>
-          <a:ln>
-            <a:noFill/>
-          </a:ln>
-        </p:spPr>
-        <p:txBody>
-          <a:bodyPr spcFirstLastPara="1" wrap="square" lIns="0" tIns="0" rIns="0" bIns="0" anchor="t" anchorCtr="0">
-            <a:normAutofit/>
-          </a:bodyPr>
-          <a:lstStyle/>
-          <a:p>
-            <a:pPr marL="171467" indent="0">
-              <a:buNone/>
-            </a:pPr>
-            <a:r>
-              <a:rPr lang="en-US" b="1" dirty="0"/>
-              <a:t>Question</a:t>
-            </a:r>
-            <a:r>
-              <a:rPr lang="en-US" dirty="0"/>
-              <a:t>: Imagine you will be attending a chief executive briefing along with a number of senior leaders from your organization. These senior leaders have more experience and tenure in the organization than you have. In addition, they hold a view that is in conflict with yours. You need the chief executive to adopt your view. How would you prepare for this meeting?</a:t>
-            </a:r>
-          </a:p>
-        </p:txBody>
-      </p:sp>
-    </p:spTree>
-    <p:extLst>
-      <p:ext uri="{BB962C8B-B14F-4D97-AF65-F5344CB8AC3E}">
-        <p14:creationId xmlns:p14="http://schemas.microsoft.com/office/powerpoint/2010/main" val="1533237504"/>
-      </p:ext>
-    </p:extLst>
-  </p:cSld>
-  <p:clrMapOvr>
-    <a:masterClrMapping/>
-  </p:clrMapOvr>
-</p:sld>
-</file>
-
-<file path=ppt/slides/slide31.xml><?xml version="1.0" encoding="utf-8"?>
-<p:sld xmlns:a="http://schemas.openxmlformats.org/drawingml/2006/main" xmlns:r="http://schemas.openxmlformats.org/officeDocument/2006/relationships" xmlns:p="http://schemas.openxmlformats.org/presentationml/2006/main">
-  <p:cSld>
-    <p:spTree>
-      <p:nvGrpSpPr>
-        <p:cNvPr id="1" name=""/>
-        <p:cNvGrpSpPr/>
-        <p:nvPr/>
-      </p:nvGrpSpPr>
-      <p:grpSpPr>
-        <a:xfrm>
-          <a:off x="0" y="0"/>
-          <a:ext cx="0" cy="0"/>
-          <a:chOff x="0" y="0"/>
-          <a:chExt cx="0" cy="0"/>
-        </a:xfrm>
-      </p:grpSpPr>
-      <p:sp>
-        <p:nvSpPr>
-          <p:cNvPr id="2" name="Title 1">
-            <a:extLst>
-              <a:ext uri="{FF2B5EF4-FFF2-40B4-BE49-F238E27FC236}">
-                <a16:creationId xmlns:a16="http://schemas.microsoft.com/office/drawing/2014/main" id="{D4E4C047-701E-6045-A204-2E9F55292620}"/>
-              </a:ext>
-            </a:extLst>
-          </p:cNvPr>
-          <p:cNvSpPr>
-            <a:spLocks noGrp="1"/>
-          </p:cNvSpPr>
-          <p:nvPr>
-            <p:ph type="title"/>
-          </p:nvPr>
-        </p:nvSpPr>
-        <p:spPr/>
-        <p:txBody>
-          <a:bodyPr/>
-          <a:lstStyle/>
-          <a:p>
-            <a:r>
-              <a:rPr lang="en-US" dirty="0"/>
-              <a:t>Example Depth Question – Stakeholder Engagement Competency</a:t>
-            </a:r>
-          </a:p>
-        </p:txBody>
-      </p:sp>
-      <p:sp>
-        <p:nvSpPr>
-          <p:cNvPr id="3" name="Text Placeholder 2">
-            <a:extLst>
-              <a:ext uri="{FF2B5EF4-FFF2-40B4-BE49-F238E27FC236}">
-                <a16:creationId xmlns:a16="http://schemas.microsoft.com/office/drawing/2014/main" id="{D6A4DA58-3293-B044-90E9-FC07DFF20EF1}"/>
-              </a:ext>
-            </a:extLst>
-          </p:cNvPr>
-          <p:cNvSpPr>
-            <a:spLocks noGrp="1"/>
-          </p:cNvSpPr>
-          <p:nvPr>
-            <p:ph type="body" idx="1"/>
-          </p:nvPr>
-        </p:nvSpPr>
-        <p:spPr>
-          <a:xfrm>
-            <a:off x="1192143" y="1841500"/>
-            <a:ext cx="14956057" cy="7392802"/>
-          </a:xfrm>
-          <a:noFill/>
-          <a:ln>
-            <a:noFill/>
-          </a:ln>
-        </p:spPr>
-        <p:txBody>
-          <a:bodyPr spcFirstLastPara="1" wrap="square" lIns="0" tIns="0" rIns="0" bIns="0" anchor="t" anchorCtr="0">
-            <a:normAutofit fontScale="77500" lnSpcReduction="20000"/>
-          </a:bodyPr>
-          <a:lstStyle/>
-          <a:p>
-            <a:pPr marL="171467" indent="0">
-              <a:buNone/>
-            </a:pPr>
-            <a:r>
-              <a:rPr lang="en-US" b="1" dirty="0"/>
-              <a:t>Same question</a:t>
-            </a:r>
-            <a:r>
-              <a:rPr lang="en-US" dirty="0"/>
-              <a:t>: Imagine you will be attending a chief executive briefing along with a number of senior leaders from your organization. These senior leaders have more experience and tenure in the organization than you have. In addition, they hold a view that is in conflict with yours. You need the chief executive to adopt your view. How would you prepare for this meeting?</a:t>
-            </a:r>
-          </a:p>
-          <a:p>
-            <a:pPr marL="171467" indent="0">
-              <a:buNone/>
-            </a:pPr>
-            <a:r>
-              <a:rPr lang="en-US" b="1" dirty="0"/>
-              <a:t>Required follow-up questions:</a:t>
-            </a:r>
-          </a:p>
-          <a:p>
-            <a:pPr marL="171467" indent="0">
-              <a:buNone/>
-            </a:pPr>
-            <a:r>
-              <a:rPr lang="en-US" dirty="0"/>
-              <a:t>Imagine the meeting does not result in the outcome you had hoped for, what do you do next?</a:t>
-            </a:r>
-          </a:p>
-          <a:p>
-            <a:pPr marL="171467" indent="0">
-              <a:buNone/>
-            </a:pPr>
-            <a:r>
-              <a:rPr lang="en-US" dirty="0"/>
-              <a:t>Imagine the meeting did result in the outcome you hoped for, but the other senior leaders left the meeting with remaining concerns. Would you take any additional action with those stakeholders?</a:t>
-            </a:r>
-          </a:p>
-          <a:p>
-            <a:pPr marL="171467" indent="0">
-              <a:buNone/>
-            </a:pPr>
-            <a:r>
-              <a:rPr lang="en-US" dirty="0"/>
-              <a:t>Tell us about a time when you experienced a situation where you needed to convince a chief executive of something despite the other leaders who did not feel the same way. What was the outcome and what would you do differently next time?</a:t>
-            </a:r>
-          </a:p>
-        </p:txBody>
-      </p:sp>
-    </p:spTree>
-    <p:extLst>
-      <p:ext uri="{BB962C8B-B14F-4D97-AF65-F5344CB8AC3E}">
-        <p14:creationId xmlns:p14="http://schemas.microsoft.com/office/powerpoint/2010/main" val="2563306313"/>
-      </p:ext>
-    </p:extLst>
-  </p:cSld>
-  <p:clrMapOvr>
-    <a:masterClrMapping/>
-  </p:clrMapOvr>
-</p:sld>
-</file>
-
 <file path=ppt/slides/slide32.xml><?xml version="1.0" encoding="utf-8"?>
 <p:sld xmlns:a="http://schemas.openxmlformats.org/drawingml/2006/main" xmlns:r="http://schemas.openxmlformats.org/officeDocument/2006/relationships" xmlns:p="http://schemas.openxmlformats.org/presentationml/2006/main">
   <p:cSld>
@@ -12470,6 +12803,249 @@
           <p:cNvPr id="2" name="Title 1">
             <a:extLst>
               <a:ext uri="{FF2B5EF4-FFF2-40B4-BE49-F238E27FC236}">
+                <a16:creationId xmlns:a16="http://schemas.microsoft.com/office/drawing/2014/main" id="{D4E4C047-701E-6045-A204-2E9F55292620}"/>
+              </a:ext>
+            </a:extLst>
+          </p:cNvPr>
+          <p:cNvSpPr>
+            <a:spLocks noGrp="1"/>
+          </p:cNvSpPr>
+          <p:nvPr>
+            <p:ph type="title"/>
+          </p:nvPr>
+        </p:nvSpPr>
+        <p:spPr/>
+        <p:txBody>
+          <a:bodyPr/>
+          <a:lstStyle/>
+          <a:p>
+            <a:r>
+              <a:rPr lang="en-US" dirty="0"/>
+              <a:t>Example Question without </a:t>
+            </a:r>
+            <a:r>
+              <a:rPr lang="en-US" dirty="0" err="1"/>
+              <a:t>followups</a:t>
+            </a:r>
+            <a:r>
+              <a:rPr lang="en-US" dirty="0"/>
+              <a:t> – Stakeholder Engagement Competency</a:t>
+            </a:r>
+          </a:p>
+        </p:txBody>
+      </p:sp>
+      <p:sp>
+        <p:nvSpPr>
+          <p:cNvPr id="3" name="Text Placeholder 2">
+            <a:extLst>
+              <a:ext uri="{FF2B5EF4-FFF2-40B4-BE49-F238E27FC236}">
+                <a16:creationId xmlns:a16="http://schemas.microsoft.com/office/drawing/2014/main" id="{D6A4DA58-3293-B044-90E9-FC07DFF20EF1}"/>
+              </a:ext>
+            </a:extLst>
+          </p:cNvPr>
+          <p:cNvSpPr>
+            <a:spLocks noGrp="1"/>
+          </p:cNvSpPr>
+          <p:nvPr>
+            <p:ph type="body" idx="1"/>
+          </p:nvPr>
+        </p:nvSpPr>
+        <p:spPr>
+          <a:xfrm>
+            <a:off x="1192143" y="1841500"/>
+            <a:ext cx="14956057" cy="7392802"/>
+          </a:xfrm>
+          <a:noFill/>
+          <a:ln>
+            <a:noFill/>
+          </a:ln>
+        </p:spPr>
+        <p:txBody>
+          <a:bodyPr spcFirstLastPara="1" wrap="square" lIns="0" tIns="0" rIns="0" bIns="0" anchor="t" anchorCtr="0">
+            <a:normAutofit/>
+          </a:bodyPr>
+          <a:lstStyle/>
+          <a:p>
+            <a:pPr marL="171467" indent="0">
+              <a:buNone/>
+            </a:pPr>
+            <a:r>
+              <a:rPr lang="en-US" b="1" dirty="0"/>
+              <a:t>Question</a:t>
+            </a:r>
+            <a:r>
+              <a:rPr lang="en-US" dirty="0"/>
+              <a:t>: Imagine you will be attending a chief executive briefing along with a number of senior leaders from your organization. These senior leaders have more experience and tenure in the organization than you have. In addition, they hold a view that is in conflict with yours. You need the chief executive to adopt your view. How would you prepare for this meeting?</a:t>
+            </a:r>
+          </a:p>
+        </p:txBody>
+      </p:sp>
+    </p:spTree>
+    <p:extLst>
+      <p:ext uri="{BB962C8B-B14F-4D97-AF65-F5344CB8AC3E}">
+        <p14:creationId xmlns:p14="http://schemas.microsoft.com/office/powerpoint/2010/main" val="1533237504"/>
+      </p:ext>
+    </p:extLst>
+  </p:cSld>
+  <p:clrMapOvr>
+    <a:masterClrMapping/>
+  </p:clrMapOvr>
+</p:sld>
+</file>
+
+<file path=ppt/slides/slide33.xml><?xml version="1.0" encoding="utf-8"?>
+<p:sld xmlns:a="http://schemas.openxmlformats.org/drawingml/2006/main" xmlns:r="http://schemas.openxmlformats.org/officeDocument/2006/relationships" xmlns:p="http://schemas.openxmlformats.org/presentationml/2006/main">
+  <p:cSld>
+    <p:spTree>
+      <p:nvGrpSpPr>
+        <p:cNvPr id="1" name=""/>
+        <p:cNvGrpSpPr/>
+        <p:nvPr/>
+      </p:nvGrpSpPr>
+      <p:grpSpPr>
+        <a:xfrm>
+          <a:off x="0" y="0"/>
+          <a:ext cx="0" cy="0"/>
+          <a:chOff x="0" y="0"/>
+          <a:chExt cx="0" cy="0"/>
+        </a:xfrm>
+      </p:grpSpPr>
+      <p:sp>
+        <p:nvSpPr>
+          <p:cNvPr id="2" name="Title 1">
+            <a:extLst>
+              <a:ext uri="{FF2B5EF4-FFF2-40B4-BE49-F238E27FC236}">
+                <a16:creationId xmlns:a16="http://schemas.microsoft.com/office/drawing/2014/main" id="{D4E4C047-701E-6045-A204-2E9F55292620}"/>
+              </a:ext>
+            </a:extLst>
+          </p:cNvPr>
+          <p:cNvSpPr>
+            <a:spLocks noGrp="1"/>
+          </p:cNvSpPr>
+          <p:nvPr>
+            <p:ph type="title"/>
+          </p:nvPr>
+        </p:nvSpPr>
+        <p:spPr/>
+        <p:txBody>
+          <a:bodyPr/>
+          <a:lstStyle/>
+          <a:p>
+            <a:r>
+              <a:rPr lang="en-US" dirty="0"/>
+              <a:t>Example Question with follow-ups – Stakeholder Engagement Competency</a:t>
+            </a:r>
+          </a:p>
+        </p:txBody>
+      </p:sp>
+      <p:sp>
+        <p:nvSpPr>
+          <p:cNvPr id="3" name="Text Placeholder 2">
+            <a:extLst>
+              <a:ext uri="{FF2B5EF4-FFF2-40B4-BE49-F238E27FC236}">
+                <a16:creationId xmlns:a16="http://schemas.microsoft.com/office/drawing/2014/main" id="{D6A4DA58-3293-B044-90E9-FC07DFF20EF1}"/>
+              </a:ext>
+            </a:extLst>
+          </p:cNvPr>
+          <p:cNvSpPr>
+            <a:spLocks noGrp="1"/>
+          </p:cNvSpPr>
+          <p:nvPr>
+            <p:ph type="body" idx="1"/>
+          </p:nvPr>
+        </p:nvSpPr>
+        <p:spPr>
+          <a:xfrm>
+            <a:off x="1192143" y="1841500"/>
+            <a:ext cx="14956057" cy="8140700"/>
+          </a:xfrm>
+          <a:noFill/>
+          <a:ln>
+            <a:noFill/>
+          </a:ln>
+        </p:spPr>
+        <p:txBody>
+          <a:bodyPr spcFirstLastPara="1" wrap="square" lIns="0" tIns="0" rIns="0" bIns="0" anchor="t" anchorCtr="0">
+            <a:normAutofit fontScale="77500" lnSpcReduction="20000"/>
+          </a:bodyPr>
+          <a:lstStyle/>
+          <a:p>
+            <a:pPr marL="171467" indent="0">
+              <a:buNone/>
+            </a:pPr>
+            <a:r>
+              <a:rPr lang="en-US" b="1" dirty="0"/>
+              <a:t>Same question</a:t>
+            </a:r>
+            <a:r>
+              <a:rPr lang="en-US" dirty="0"/>
+              <a:t>: Imagine you will be attending a chief executive briefing along with a number of senior leaders from your organization. These senior leaders have more experience and tenure in the organization than you have. In addition, they hold a view that is in conflict with yours. You need the chief executive to adopt your view. How would you prepare for this meeting?</a:t>
+            </a:r>
+          </a:p>
+          <a:p>
+            <a:pPr marL="171467" indent="0">
+              <a:buNone/>
+            </a:pPr>
+            <a:r>
+              <a:rPr lang="en-US" b="1" dirty="0"/>
+              <a:t>Required follow-up questions:</a:t>
+            </a:r>
+          </a:p>
+          <a:p>
+            <a:r>
+              <a:rPr lang="en-US" dirty="0"/>
+              <a:t>If the meeting does not result in the outcome you had hoped for, what do you do next?</a:t>
+            </a:r>
+          </a:p>
+          <a:p>
+            <a:r>
+              <a:rPr lang="en-US" dirty="0"/>
+              <a:t>Imagine the meeting did result in the outcome you hoped for, but the other senior leaders left the meeting with remaining concerns. Would you take any additional action with those stakeholders?</a:t>
+            </a:r>
+          </a:p>
+          <a:p>
+            <a:r>
+              <a:rPr lang="en-US" dirty="0"/>
+              <a:t>Tell us about a time when you experienced a situation where you needed to convince a chief executive of something despite the other leaders who did not feel the same way. What was the outcome and what would you do differently next time?</a:t>
+            </a:r>
+          </a:p>
+        </p:txBody>
+      </p:sp>
+    </p:spTree>
+    <p:extLst>
+      <p:ext uri="{BB962C8B-B14F-4D97-AF65-F5344CB8AC3E}">
+        <p14:creationId xmlns:p14="http://schemas.microsoft.com/office/powerpoint/2010/main" val="2563306313"/>
+      </p:ext>
+    </p:extLst>
+  </p:cSld>
+  <p:clrMapOvr>
+    <a:masterClrMapping/>
+  </p:clrMapOvr>
+</p:sld>
+</file>
+
+<file path=ppt/slides/slide34.xml><?xml version="1.0" encoding="utf-8"?>
+<p:sld xmlns:a="http://schemas.openxmlformats.org/drawingml/2006/main" xmlns:r="http://schemas.openxmlformats.org/officeDocument/2006/relationships" xmlns:p="http://schemas.openxmlformats.org/presentationml/2006/main">
+  <p:cSld>
+    <p:spTree>
+      <p:nvGrpSpPr>
+        <p:cNvPr id="1" name=""/>
+        <p:cNvGrpSpPr/>
+        <p:nvPr/>
+      </p:nvGrpSpPr>
+      <p:grpSpPr>
+        <a:xfrm>
+          <a:off x="0" y="0"/>
+          <a:ext cx="0" cy="0"/>
+          <a:chOff x="0" y="0"/>
+          <a:chExt cx="0" cy="0"/>
+        </a:xfrm>
+      </p:grpSpPr>
+      <p:sp>
+        <p:nvSpPr>
+          <p:cNvPr id="2" name="Title 1">
+            <a:extLst>
+              <a:ext uri="{FF2B5EF4-FFF2-40B4-BE49-F238E27FC236}">
                 <a16:creationId xmlns:a16="http://schemas.microsoft.com/office/drawing/2014/main" id="{04F7FE27-D6E3-974B-BC2C-90D61B7FD244}"/>
               </a:ext>
             </a:extLst>
@@ -12570,7 +13146,117 @@
 </p:sld>
 </file>
 
-<file path=ppt/slides/slide33.xml><?xml version="1.0" encoding="utf-8"?>
+<file path=ppt/slides/slide35.xml><?xml version="1.0" encoding="utf-8"?>
+<p:sld xmlns:a="http://schemas.openxmlformats.org/drawingml/2006/main" xmlns:r="http://schemas.openxmlformats.org/officeDocument/2006/relationships" xmlns:p="http://schemas.openxmlformats.org/presentationml/2006/main">
+  <p:cSld>
+    <p:spTree>
+      <p:nvGrpSpPr>
+        <p:cNvPr id="1" name=""/>
+        <p:cNvGrpSpPr/>
+        <p:nvPr/>
+      </p:nvGrpSpPr>
+      <p:grpSpPr>
+        <a:xfrm>
+          <a:off x="0" y="0"/>
+          <a:ext cx="0" cy="0"/>
+          <a:chOff x="0" y="0"/>
+          <a:chExt cx="0" cy="0"/>
+        </a:xfrm>
+      </p:grpSpPr>
+      <p:sp>
+        <p:nvSpPr>
+          <p:cNvPr id="2" name="Title 1">
+            <a:extLst>
+              <a:ext uri="{FF2B5EF4-FFF2-40B4-BE49-F238E27FC236}">
+                <a16:creationId xmlns:a16="http://schemas.microsoft.com/office/drawing/2014/main" id="{04F7FE27-D6E3-974B-BC2C-90D61B7FD244}"/>
+              </a:ext>
+            </a:extLst>
+          </p:cNvPr>
+          <p:cNvSpPr>
+            <a:spLocks noGrp="1"/>
+          </p:cNvSpPr>
+          <p:nvPr>
+            <p:ph type="title"/>
+          </p:nvPr>
+        </p:nvSpPr>
+        <p:spPr/>
+        <p:txBody>
+          <a:bodyPr/>
+          <a:lstStyle/>
+          <a:p>
+            <a:r>
+              <a:rPr lang="en-US" dirty="0"/>
+              <a:t>Next Steps</a:t>
+            </a:r>
+          </a:p>
+        </p:txBody>
+      </p:sp>
+      <p:sp>
+        <p:nvSpPr>
+          <p:cNvPr id="3" name="Text Placeholder 2">
+            <a:extLst>
+              <a:ext uri="{FF2B5EF4-FFF2-40B4-BE49-F238E27FC236}">
+                <a16:creationId xmlns:a16="http://schemas.microsoft.com/office/drawing/2014/main" id="{1AB84F35-D072-C14A-8AB5-98633C5CB974}"/>
+              </a:ext>
+            </a:extLst>
+          </p:cNvPr>
+          <p:cNvSpPr>
+            <a:spLocks noGrp="1"/>
+          </p:cNvSpPr>
+          <p:nvPr>
+            <p:ph type="body" idx="1"/>
+          </p:nvPr>
+        </p:nvSpPr>
+        <p:spPr/>
+        <p:txBody>
+          <a:bodyPr/>
+          <a:lstStyle/>
+          <a:p>
+            <a:pPr marL="171467" indent="0">
+              <a:buNone/>
+            </a:pPr>
+            <a:r>
+              <a:rPr lang="en-US" dirty="0"/>
+              <a:t>Customize this slide with information on what will come next. Steps could include:</a:t>
+            </a:r>
+          </a:p>
+          <a:p>
+            <a:r>
+              <a:rPr lang="en-US" dirty="0"/>
+              <a:t>Finalizing job analysis documents</a:t>
+            </a:r>
+          </a:p>
+          <a:p>
+            <a:r>
+              <a:rPr lang="en-US" dirty="0"/>
+              <a:t>JOA posting timeline</a:t>
+            </a:r>
+          </a:p>
+          <a:p>
+            <a:r>
+              <a:rPr lang="en-US" dirty="0"/>
+              <a:t>Likely timeline for resume review or other SME activities</a:t>
+            </a:r>
+          </a:p>
+          <a:p>
+            <a:endParaRPr lang="en-US" dirty="0"/>
+          </a:p>
+        </p:txBody>
+      </p:sp>
+    </p:spTree>
+    <p:extLst>
+      <p:ext uri="{BB962C8B-B14F-4D97-AF65-F5344CB8AC3E}">
+        <p14:creationId xmlns:p14="http://schemas.microsoft.com/office/powerpoint/2010/main" val="2319441773"/>
+      </p:ext>
+    </p:extLst>
+  </p:cSld>
+  <p:clrMapOvr>
+    <a:masterClrMapping/>
+  </p:clrMapOvr>
+</p:sld>
+</file>
+
+<file path=ppt/slides/slide36.xml><?xml version="1.0" encoding="utf-8"?>
 <p:sld xmlns:a="http://schemas.openxmlformats.org/drawingml/2006/main" xmlns:r="http://schemas.openxmlformats.org/officeDocument/2006/relationships" xmlns:p="http://schemas.openxmlformats.org/presentationml/2006/main">
   <p:cSld>
     <p:spTree>
@@ -12628,7 +13314,7 @@
 </p:sld>
 </file>
 
-<file path=ppt/slides/slide34.xml><?xml version="1.0" encoding="utf-8"?>
+<file path=ppt/slides/slide37.xml><?xml version="1.0" encoding="utf-8"?>
 <p:sld xmlns:a="http://schemas.openxmlformats.org/drawingml/2006/main" xmlns:r="http://schemas.openxmlformats.org/officeDocument/2006/relationships" xmlns:p="http://schemas.openxmlformats.org/presentationml/2006/main" show="0">
   <p:cSld>
     <p:spTree>
@@ -12761,7 +13447,7 @@
 </p:sld>
 </file>
 
-<file path=ppt/slides/slide35.xml><?xml version="1.0" encoding="utf-8"?>
+<file path=ppt/slides/slide38.xml><?xml version="1.0" encoding="utf-8"?>
 <p:sld xmlns:a="http://schemas.openxmlformats.org/drawingml/2006/main" xmlns:r="http://schemas.openxmlformats.org/officeDocument/2006/relationships" xmlns:p="http://schemas.openxmlformats.org/presentationml/2006/main" show="0">
   <p:cSld>
     <p:spTree>
@@ -13512,7 +14198,7 @@
             <a:pPr lvl="1"/>
             <a:r>
               <a:rPr lang="en-US" dirty="0"/>
-              <a:t>Create 4 proficiency levels for each competency (1 hr)</a:t>
+              <a:t>Create proficiency levels for each competency (1 hr)</a:t>
             </a:r>
           </a:p>
           <a:p>
@@ -13676,7 +14362,7 @@
         <p:spPr/>
         <p:txBody>
           <a:bodyPr>
-            <a:normAutofit/>
+            <a:normAutofit fontScale="92500"/>
           </a:bodyPr>
           <a:lstStyle/>
           <a:p>
@@ -13694,7 +14380,7 @@
           <a:p>
             <a:r>
               <a:rPr lang="en-US" dirty="0"/>
-              <a:t>Be specific—actual tasks performed in the past month.</a:t>
+              <a:t>Be specific—think of actual tasks performed in the past month.</a:t>
             </a:r>
           </a:p>
           <a:p>
@@ -13707,6 +14393,12 @@
             <a:r>
               <a:rPr lang="en-US" dirty="0"/>
               <a:t>We will analyze the tasks as a group – please work individually</a:t>
+            </a:r>
+          </a:p>
+          <a:p>
+            <a:r>
+              <a:rPr lang="en-US" dirty="0"/>
+              <a:t>If hiring for multiple grades, be sure to list any tasks specific to higher grades</a:t>
             </a:r>
           </a:p>
         </p:txBody>
@@ -13794,37 +14486,37 @@
           <a:p>
             <a:r>
               <a:rPr lang="en-US" dirty="0"/>
-              <a:t>Communicate with customers about issue tickets</a:t>
-            </a:r>
-          </a:p>
-          <a:p>
-            <a:r>
-              <a:rPr lang="en-US" dirty="0"/>
-              <a:t>Research and resolve customer issues</a:t>
-            </a:r>
-          </a:p>
-          <a:p>
-            <a:r>
-              <a:rPr lang="en-US" dirty="0"/>
-              <a:t>Evaluate work by vendors</a:t>
-            </a:r>
-          </a:p>
-          <a:p>
-            <a:r>
-              <a:rPr lang="en-US" dirty="0"/>
-              <a:t>Develop procedures and workflows</a:t>
-            </a:r>
-          </a:p>
-          <a:p>
-            <a:r>
-              <a:rPr lang="en-US" dirty="0"/>
-              <a:t>Interpret data</a:t>
-            </a:r>
-          </a:p>
-          <a:p>
-            <a:r>
-              <a:rPr lang="en-US" dirty="0"/>
-              <a:t>Collect and analyze website usage and performance statistics</a:t>
+              <a:t>“Communicate with customers about issue tickets”</a:t>
+            </a:r>
+          </a:p>
+          <a:p>
+            <a:r>
+              <a:rPr lang="en-US" dirty="0"/>
+              <a:t>“Research and resolve customer issues”</a:t>
+            </a:r>
+          </a:p>
+          <a:p>
+            <a:r>
+              <a:rPr lang="en-US" dirty="0"/>
+              <a:t>“Evaluate work by vendors”</a:t>
+            </a:r>
+          </a:p>
+          <a:p>
+            <a:r>
+              <a:rPr lang="en-US" dirty="0"/>
+              <a:t>“Develop procedures and workflows”</a:t>
+            </a:r>
+          </a:p>
+          <a:p>
+            <a:r>
+              <a:rPr lang="en-US" dirty="0"/>
+              <a:t>“Interpret data”</a:t>
+            </a:r>
+          </a:p>
+          <a:p>
+            <a:r>
+              <a:rPr lang="en-US" dirty="0"/>
+              <a:t>“Collect and analyze website usage and performance statistics”</a:t>
             </a:r>
           </a:p>
         </p:txBody>

--- a/toolkit/job-analysis/job-analysis-presentation.pptx
+++ b/toolkit/job-analysis/job-analysis-presentation.pptx
@@ -470,7 +470,7 @@
           <a:p>
             <a:fld id="{5F1244B9-655E-9143-8F11-143B7EBD7CDE}" type="datetimeFigureOut">
               <a:rPr lang="en-US" smtClean="0"/>
-              <a:t>6/4/21</a:t>
+              <a:t>7/6/21</a:t>
             </a:fld>
             <a:endParaRPr lang="en-US"/>
           </a:p>
@@ -11265,7 +11265,9 @@
         </p:nvSpPr>
         <p:spPr/>
         <p:txBody>
-          <a:bodyPr/>
+          <a:bodyPr>
+            <a:normAutofit lnSpcReduction="10000"/>
+          </a:bodyPr>
           <a:lstStyle/>
           <a:p>
             <a:r>
@@ -11289,6 +11291,12 @@
             <a:r>
               <a:rPr lang="en-US" dirty="0"/>
               <a:t>You may combine related competencies before voting.</a:t>
+            </a:r>
+          </a:p>
+          <a:p>
+            <a:r>
+              <a:rPr lang="en-US" dirty="0"/>
+              <a:t>Once you have a final list, SMEs should independently rate each competency on how important it is (1-5) and turn those into HR. This will be evidence that competencies should or should not be mandatory.</a:t>
             </a:r>
           </a:p>
         </p:txBody>
@@ -16711,48 +16719,6 @@
           </a:p>
           <a:p>
             <a:endParaRPr lang="en-US" dirty="0"/>
-          </a:p>
-        </p:txBody>
-      </p:sp>
-      <p:sp>
-        <p:nvSpPr>
-          <p:cNvPr id="4" name="TextBox 3">
-            <a:extLst>
-              <a:ext uri="{FF2B5EF4-FFF2-40B4-BE49-F238E27FC236}">
-                <a16:creationId xmlns:a16="http://schemas.microsoft.com/office/drawing/2014/main" id="{6A6D0C3C-C2BE-4F4F-BF6F-E4252E87283D}"/>
-              </a:ext>
-            </a:extLst>
-          </p:cNvPr>
-          <p:cNvSpPr txBox="1"/>
-          <p:nvPr/>
-        </p:nvSpPr>
-        <p:spPr>
-          <a:xfrm>
-            <a:off x="304801" y="9252033"/>
-            <a:ext cx="6937828" cy="312881"/>
-          </a:xfrm>
-          <a:prstGeom prst="rect">
-            <a:avLst/>
-          </a:prstGeom>
-          <a:noFill/>
-        </p:spPr>
-        <p:txBody>
-          <a:bodyPr wrap="square" rtlCol="0">
-            <a:spAutoFit/>
-          </a:bodyPr>
-          <a:lstStyle/>
-          <a:p>
-            <a:r>
-              <a:rPr lang="en-US" dirty="0">
-                <a:solidFill>
-                  <a:schemeClr val="tx2">
-                    <a:lumMod val="60000"/>
-                    <a:lumOff val="40000"/>
-                  </a:schemeClr>
-                </a:solidFill>
-              </a:rPr>
-              <a:t>Job Tasks – Competencies – Proficiencies – Assessment Materials – Test Materials</a:t>
-            </a:r>
           </a:p>
         </p:txBody>
       </p:sp>

--- a/toolkit/job-analysis/job-analysis-presentation.pptx
+++ b/toolkit/job-analysis/job-analysis-presentation.pptx
@@ -5,10 +5,10 @@
     <p:sldMasterId id="2147483666" r:id="rId1"/>
   </p:sldMasterIdLst>
   <p:notesMasterIdLst>
-    <p:notesMasterId r:id="rId54"/>
+    <p:notesMasterId r:id="rId55"/>
   </p:notesMasterIdLst>
   <p:handoutMasterIdLst>
-    <p:handoutMasterId r:id="rId55"/>
+    <p:handoutMasterId r:id="rId56"/>
   </p:handoutMasterIdLst>
   <p:sldIdLst>
     <p:sldId id="256" r:id="rId2"/>
@@ -56,61 +56,62 @@
     <p:sldId id="359" r:id="rId44"/>
     <p:sldId id="345" r:id="rId45"/>
     <p:sldId id="355" r:id="rId46"/>
-    <p:sldId id="341" r:id="rId47"/>
-    <p:sldId id="830" r:id="rId48"/>
-    <p:sldId id="831" r:id="rId49"/>
-    <p:sldId id="378" r:id="rId50"/>
-    <p:sldId id="362" r:id="rId51"/>
-    <p:sldId id="360" r:id="rId52"/>
-    <p:sldId id="361" r:id="rId53"/>
+    <p:sldId id="842" r:id="rId47"/>
+    <p:sldId id="341" r:id="rId48"/>
+    <p:sldId id="830" r:id="rId49"/>
+    <p:sldId id="831" r:id="rId50"/>
+    <p:sldId id="378" r:id="rId51"/>
+    <p:sldId id="362" r:id="rId52"/>
+    <p:sldId id="360" r:id="rId53"/>
+    <p:sldId id="361" r:id="rId54"/>
   </p:sldIdLst>
   <p:sldSz cx="17340263" cy="9753600"/>
   <p:notesSz cx="6881813" cy="9296400"/>
   <p:embeddedFontLst>
     <p:embeddedFont>
       <p:font typeface="Avenir" panose="02000503020000020003" pitchFamily="2" charset="0"/>
-      <p:regular r:id="rId56"/>
-      <p:italic r:id="rId57"/>
+      <p:regular r:id="rId57"/>
+      <p:italic r:id="rId58"/>
     </p:embeddedFont>
     <p:embeddedFont>
       <p:font typeface="Cambria" panose="02040503050406030204" pitchFamily="18" charset="0"/>
-      <p:regular r:id="rId58"/>
-      <p:bold r:id="rId59"/>
-      <p:italic r:id="rId60"/>
-      <p:boldItalic r:id="rId61"/>
+      <p:regular r:id="rId59"/>
+      <p:bold r:id="rId60"/>
+      <p:italic r:id="rId61"/>
+      <p:boldItalic r:id="rId62"/>
     </p:embeddedFont>
     <p:embeddedFont>
       <p:font typeface="Merriweather" pitchFamily="2" charset="77"/>
-      <p:regular r:id="rId62"/>
-      <p:bold r:id="rId63"/>
-      <p:italic r:id="rId64"/>
-      <p:boldItalic r:id="rId65"/>
+      <p:regular r:id="rId63"/>
+      <p:bold r:id="rId64"/>
+      <p:italic r:id="rId65"/>
+      <p:boldItalic r:id="rId66"/>
     </p:embeddedFont>
     <p:embeddedFont>
       <p:font typeface="Merriweather Sans" pitchFamily="2" charset="77"/>
-      <p:regular r:id="rId66"/>
-      <p:bold r:id="rId67"/>
-      <p:italic r:id="rId68"/>
-      <p:boldItalic r:id="rId69"/>
+      <p:regular r:id="rId67"/>
+      <p:bold r:id="rId68"/>
+      <p:italic r:id="rId69"/>
+      <p:boldItalic r:id="rId70"/>
     </p:embeddedFont>
     <p:embeddedFont>
       <p:font typeface="Rockwell" panose="02060603020205020403" pitchFamily="18" charset="77"/>
-      <p:regular r:id="rId70"/>
-      <p:bold r:id="rId71"/>
-      <p:italic r:id="rId72"/>
-      <p:boldItalic r:id="rId73"/>
+      <p:regular r:id="rId71"/>
+      <p:bold r:id="rId72"/>
+      <p:italic r:id="rId73"/>
+      <p:boldItalic r:id="rId74"/>
     </p:embeddedFont>
     <p:embeddedFont>
       <p:font typeface="Source Sans Pro" panose="020B0503030403020204" pitchFamily="34" charset="0"/>
-      <p:regular r:id="rId74"/>
-      <p:bold r:id="rId75"/>
-      <p:italic r:id="rId76"/>
-      <p:boldItalic r:id="rId77"/>
+      <p:regular r:id="rId75"/>
+      <p:bold r:id="rId76"/>
+      <p:italic r:id="rId77"/>
+      <p:boldItalic r:id="rId78"/>
     </p:embeddedFont>
     <p:embeddedFont>
       <p:font typeface="Source Sans Pro SemiBold" panose="020B0603030403020204" pitchFamily="34" charset="0"/>
-      <p:bold r:id="rId78"/>
-      <p:boldItalic r:id="rId79"/>
+      <p:bold r:id="rId79"/>
+      <p:boldItalic r:id="rId80"/>
     </p:embeddedFont>
   </p:embeddedFontLst>
   <p:defaultTextStyle>
@@ -2299,10 +2300,43 @@
             </a:r>
           </a:p>
           <a:p>
-            <a:r>
-              <a:rPr lang="en-US" dirty="0"/>
-              <a:t>If the workshop is remote, you will need different tools</a:t>
-            </a:r>
+            <a:endParaRPr lang="en-US" dirty="0"/>
+          </a:p>
+          <a:p>
+            <a:r>
+              <a:rPr lang="en-US" dirty="0"/>
+              <a:t>If the workshop is remote, you will need different tools, such as </a:t>
+            </a:r>
+            <a:r>
+              <a:rPr lang="en-US" sz="2200" b="0" i="0" u="none" strike="noStrike" cap="none" dirty="0">
+                <a:solidFill>
+                  <a:srgbClr val="000000"/>
+                </a:solidFill>
+                <a:effectLst/>
+                <a:latin typeface="Merriweather Sans"/>
+                <a:sym typeface="Merriweather Sans"/>
+              </a:rPr>
+              <a:t>a c</a:t>
+            </a:r>
+            <a:r>
+              <a:rPr lang="en-US" sz="2200" b="0" i="0" u="none" strike="noStrike" cap="none" dirty="0">
+                <a:solidFill>
+                  <a:srgbClr val="000000"/>
+                </a:solidFill>
+                <a:effectLst/>
+                <a:latin typeface="Merriweather Sans"/>
+                <a:ea typeface="Merriweather Sans"/>
+                <a:cs typeface="Merriweather Sans"/>
+                <a:sym typeface="Merriweather Sans"/>
+              </a:rPr>
+              <a:t>ollaboration tool for editing competencies and interview questions (nice to have but not mandatory)</a:t>
+            </a:r>
+          </a:p>
+          <a:p>
+            <a:endParaRPr lang="en-US" dirty="0"/>
+          </a:p>
+          <a:p>
+            <a:endParaRPr lang="en-US" dirty="0"/>
           </a:p>
         </p:txBody>
       </p:sp>
@@ -5303,210 +5337,17 @@
           <a:bodyPr/>
           <a:lstStyle/>
           <a:p>
-            <a:pPr marL="457200" marR="0" lvl="0" indent="-228600" algn="l" defTabSz="914400" rtl="0" eaLnBrk="1" fontAlgn="auto" latinLnBrk="0" hangingPunct="1">
-              <a:lnSpc>
-                <a:spcPct val="100000"/>
-              </a:lnSpc>
-              <a:spcBef>
-                <a:spcPts val="0"/>
-              </a:spcBef>
-              <a:spcAft>
-                <a:spcPts val="0"/>
-              </a:spcAft>
-              <a:buClr>
-                <a:srgbClr val="000000"/>
-              </a:buClr>
-              <a:buSzPts val="1400"/>
-              <a:buFont typeface="Arial"/>
-              <a:buNone/>
-              <a:tabLst/>
-              <a:defRPr/>
-            </a:pPr>
-            <a:r>
-              <a:rPr lang="en-US" b="0" i="0" dirty="0">
-                <a:solidFill>
-                  <a:srgbClr val="1B1B1B"/>
-                </a:solidFill>
-                <a:effectLst/>
-                <a:latin typeface="Source Sans Pro Web"/>
-              </a:rPr>
-              <a:t>The group will check its work to date</a:t>
-            </a:r>
-          </a:p>
-          <a:p>
-            <a:pPr marL="457200" marR="0" lvl="0" indent="-228600" algn="l" defTabSz="914400" rtl="0" eaLnBrk="1" fontAlgn="auto" latinLnBrk="0" hangingPunct="1">
-              <a:lnSpc>
-                <a:spcPct val="100000"/>
-              </a:lnSpc>
-              <a:spcBef>
-                <a:spcPts val="0"/>
-              </a:spcBef>
-              <a:spcAft>
-                <a:spcPts val="0"/>
-              </a:spcAft>
-              <a:buClr>
-                <a:srgbClr val="000000"/>
-              </a:buClr>
-              <a:buSzPts val="1400"/>
-              <a:buFont typeface="Arial"/>
-              <a:buNone/>
-              <a:tabLst/>
-              <a:defRPr/>
-            </a:pPr>
-            <a:r>
-              <a:rPr lang="en-US" dirty="0"/>
-              <a:t>Use 4-5 sample resumes you prepared ahead of time, but timebox to 1 hour and expect to only get through 2-3 resumes.</a:t>
-            </a:r>
-          </a:p>
-          <a:p>
-            <a:pPr marL="457200" marR="0" lvl="0" indent="-228600" algn="l" defTabSz="914400" rtl="0" eaLnBrk="1" fontAlgn="auto" latinLnBrk="0" hangingPunct="1">
-              <a:lnSpc>
-                <a:spcPct val="100000"/>
-              </a:lnSpc>
-              <a:spcBef>
-                <a:spcPts val="0"/>
-              </a:spcBef>
-              <a:spcAft>
-                <a:spcPts val="0"/>
-              </a:spcAft>
-              <a:buClr>
-                <a:srgbClr val="000000"/>
-              </a:buClr>
-              <a:buSzPts val="1400"/>
-              <a:buFont typeface="Arial"/>
-              <a:buNone/>
-              <a:tabLst/>
-              <a:defRPr/>
-            </a:pPr>
-            <a:endParaRPr lang="en-US" b="0" i="0" dirty="0">
-              <a:solidFill>
-                <a:srgbClr val="1B1B1B"/>
-              </a:solidFill>
-              <a:effectLst/>
-              <a:latin typeface="Source Sans Pro Web"/>
-            </a:endParaRPr>
-          </a:p>
-          <a:p>
-            <a:r>
-              <a:rPr lang="en-US" sz="2200" b="0" i="0" u="none" strike="noStrike" cap="none" dirty="0">
-                <a:solidFill>
-                  <a:srgbClr val="000000"/>
-                </a:solidFill>
-                <a:effectLst/>
-                <a:latin typeface="Merriweather Sans"/>
-                <a:ea typeface="Merriweather Sans"/>
-                <a:cs typeface="Merriweather Sans"/>
-                <a:sym typeface="Merriweather Sans"/>
-              </a:rPr>
-              <a:t>Goals: </a:t>
-            </a:r>
-          </a:p>
-          <a:p>
-            <a:pPr marL="685800" indent="-457200">
-              <a:buAutoNum type="arabicParenR"/>
-            </a:pPr>
-            <a:r>
-              <a:rPr lang="en-US" sz="2200" b="0" i="0" u="none" strike="noStrike" cap="none" dirty="0">
-                <a:solidFill>
-                  <a:srgbClr val="000000"/>
-                </a:solidFill>
-                <a:effectLst/>
-                <a:latin typeface="Merriweather Sans"/>
-                <a:ea typeface="Merriweather Sans"/>
-                <a:cs typeface="Merriweather Sans"/>
-                <a:sym typeface="Merriweather Sans"/>
-              </a:rPr>
-              <a:t>Give SMEs 10 minutes to look at the first resume and then have them write down if they think it's a pass or fail against the required proficiencies and why. </a:t>
-            </a:r>
-          </a:p>
-          <a:p>
-            <a:pPr marL="685800" indent="-457200">
-              <a:buAutoNum type="arabicParenR"/>
-            </a:pPr>
-            <a:r>
-              <a:rPr lang="en-US" sz="2200" b="0" i="0" u="none" strike="noStrike" cap="none" dirty="0">
-                <a:solidFill>
-                  <a:srgbClr val="000000"/>
-                </a:solidFill>
-                <a:effectLst/>
-                <a:latin typeface="Merriweather Sans"/>
-                <a:ea typeface="Merriweather Sans"/>
-                <a:cs typeface="Merriweather Sans"/>
-                <a:sym typeface="Merriweather Sans"/>
-              </a:rPr>
-              <a:t>Give them 5 minutes to discuss the differences, </a:t>
-            </a:r>
-          </a:p>
-          <a:p>
-            <a:pPr marL="685800" indent="-457200">
-              <a:buAutoNum type="arabicParenR"/>
-            </a:pPr>
-            <a:r>
-              <a:rPr lang="en-US" sz="2200" b="0" i="0" u="none" strike="noStrike" cap="none" dirty="0">
-                <a:solidFill>
-                  <a:srgbClr val="000000"/>
-                </a:solidFill>
-                <a:effectLst/>
-                <a:latin typeface="Merriweather Sans"/>
-                <a:ea typeface="Merriweather Sans"/>
-                <a:cs typeface="Merriweather Sans"/>
-                <a:sym typeface="Merriweather Sans"/>
-              </a:rPr>
-              <a:t>Ask them if they want to change the proficiency level or tweak the wording of the levels based on this practice. </a:t>
-            </a:r>
-          </a:p>
-          <a:p>
-            <a:pPr marL="685800" indent="-457200">
-              <a:buAutoNum type="arabicParenR"/>
-            </a:pPr>
-            <a:r>
-              <a:rPr lang="en-US" sz="2200" b="0" i="0" u="none" strike="noStrike" cap="none" dirty="0">
-                <a:solidFill>
-                  <a:srgbClr val="000000"/>
-                </a:solidFill>
-                <a:effectLst/>
-                <a:latin typeface="Merriweather Sans"/>
-                <a:ea typeface="Merriweather Sans"/>
-                <a:cs typeface="Merriweather Sans"/>
-                <a:sym typeface="Merriweather Sans"/>
-              </a:rPr>
-              <a:t>Repeat for all required proficiencies</a:t>
-            </a:r>
-          </a:p>
-          <a:p>
-            <a:endParaRPr lang="en-US" sz="2200" b="0" i="0" u="none" strike="noStrike" cap="none" dirty="0">
-              <a:solidFill>
-                <a:srgbClr val="000000"/>
-              </a:solidFill>
-              <a:effectLst/>
-              <a:latin typeface="Merriweather Sans"/>
-              <a:ea typeface="Merriweather Sans"/>
-              <a:cs typeface="Merriweather Sans"/>
-              <a:sym typeface="Merriweather Sans"/>
-            </a:endParaRPr>
-          </a:p>
-          <a:p>
-            <a:r>
-              <a:rPr lang="en-US" sz="2200" b="0" i="0" u="none" strike="noStrike" cap="none" dirty="0">
-                <a:solidFill>
-                  <a:srgbClr val="000000"/>
-                </a:solidFill>
-                <a:effectLst/>
-                <a:latin typeface="Merriweather Sans"/>
-                <a:ea typeface="Merriweather Sans"/>
-                <a:cs typeface="Merriweather Sans"/>
-                <a:sym typeface="Merriweather Sans"/>
-              </a:rPr>
-              <a:t>This goal is not to calibrate SMEs (though this will help with calibration) but to refine the competencies and proficiency levels.</a:t>
-            </a:r>
-            <a:endParaRPr lang="en-US" dirty="0"/>
+            <a:r>
+              <a:rPr lang="en-US" dirty="0"/>
+              <a:t>To help spur groups to create questions.</a:t>
+            </a:r>
           </a:p>
         </p:txBody>
       </p:sp>
     </p:spTree>
     <p:extLst>
       <p:ext uri="{BB962C8B-B14F-4D97-AF65-F5344CB8AC3E}">
-        <p14:creationId xmlns:p14="http://schemas.microsoft.com/office/powerpoint/2010/main" val="1593642967"/>
+        <p14:creationId xmlns:p14="http://schemas.microsoft.com/office/powerpoint/2010/main" val="471467277"/>
       </p:ext>
     </p:extLst>
   </p:cSld>
@@ -5560,17 +5401,210 @@
           <a:bodyPr/>
           <a:lstStyle/>
           <a:p>
-            <a:r>
-              <a:rPr lang="en-US" dirty="0"/>
-              <a:t>We’ve spent several days creating these materials. Thank you for your time and expertise! We’d love to take a group photo!</a:t>
-            </a:r>
+            <a:pPr marL="457200" marR="0" lvl="0" indent="-228600" algn="l" defTabSz="914400" rtl="0" eaLnBrk="1" fontAlgn="auto" latinLnBrk="0" hangingPunct="1">
+              <a:lnSpc>
+                <a:spcPct val="100000"/>
+              </a:lnSpc>
+              <a:spcBef>
+                <a:spcPts val="0"/>
+              </a:spcBef>
+              <a:spcAft>
+                <a:spcPts val="0"/>
+              </a:spcAft>
+              <a:buClr>
+                <a:srgbClr val="000000"/>
+              </a:buClr>
+              <a:buSzPts val="1400"/>
+              <a:buFont typeface="Arial"/>
+              <a:buNone/>
+              <a:tabLst/>
+              <a:defRPr/>
+            </a:pPr>
+            <a:r>
+              <a:rPr lang="en-US" b="0" i="0" dirty="0">
+                <a:solidFill>
+                  <a:srgbClr val="1B1B1B"/>
+                </a:solidFill>
+                <a:effectLst/>
+                <a:latin typeface="Source Sans Pro Web"/>
+              </a:rPr>
+              <a:t>The group will check its work to date</a:t>
+            </a:r>
+          </a:p>
+          <a:p>
+            <a:pPr marL="457200" marR="0" lvl="0" indent="-228600" algn="l" defTabSz="914400" rtl="0" eaLnBrk="1" fontAlgn="auto" latinLnBrk="0" hangingPunct="1">
+              <a:lnSpc>
+                <a:spcPct val="100000"/>
+              </a:lnSpc>
+              <a:spcBef>
+                <a:spcPts val="0"/>
+              </a:spcBef>
+              <a:spcAft>
+                <a:spcPts val="0"/>
+              </a:spcAft>
+              <a:buClr>
+                <a:srgbClr val="000000"/>
+              </a:buClr>
+              <a:buSzPts val="1400"/>
+              <a:buFont typeface="Arial"/>
+              <a:buNone/>
+              <a:tabLst/>
+              <a:defRPr/>
+            </a:pPr>
+            <a:r>
+              <a:rPr lang="en-US" dirty="0"/>
+              <a:t>Use 4-5 sample resumes you prepared ahead of time, but timebox to 1 hour and expect to only get through 2-3 resumes.</a:t>
+            </a:r>
+          </a:p>
+          <a:p>
+            <a:pPr marL="457200" marR="0" lvl="0" indent="-228600" algn="l" defTabSz="914400" rtl="0" eaLnBrk="1" fontAlgn="auto" latinLnBrk="0" hangingPunct="1">
+              <a:lnSpc>
+                <a:spcPct val="100000"/>
+              </a:lnSpc>
+              <a:spcBef>
+                <a:spcPts val="0"/>
+              </a:spcBef>
+              <a:spcAft>
+                <a:spcPts val="0"/>
+              </a:spcAft>
+              <a:buClr>
+                <a:srgbClr val="000000"/>
+              </a:buClr>
+              <a:buSzPts val="1400"/>
+              <a:buFont typeface="Arial"/>
+              <a:buNone/>
+              <a:tabLst/>
+              <a:defRPr/>
+            </a:pPr>
+            <a:endParaRPr lang="en-US" b="0" i="0" dirty="0">
+              <a:solidFill>
+                <a:srgbClr val="1B1B1B"/>
+              </a:solidFill>
+              <a:effectLst/>
+              <a:latin typeface="Source Sans Pro Web"/>
+            </a:endParaRPr>
+          </a:p>
+          <a:p>
+            <a:r>
+              <a:rPr lang="en-US" sz="2200" b="0" i="0" u="none" strike="noStrike" cap="none" dirty="0">
+                <a:solidFill>
+                  <a:srgbClr val="000000"/>
+                </a:solidFill>
+                <a:effectLst/>
+                <a:latin typeface="Merriweather Sans"/>
+                <a:ea typeface="Merriweather Sans"/>
+                <a:cs typeface="Merriweather Sans"/>
+                <a:sym typeface="Merriweather Sans"/>
+              </a:rPr>
+              <a:t>Goals: </a:t>
+            </a:r>
+          </a:p>
+          <a:p>
+            <a:pPr marL="685800" indent="-457200">
+              <a:buAutoNum type="arabicParenR"/>
+            </a:pPr>
+            <a:r>
+              <a:rPr lang="en-US" sz="2200" b="0" i="0" u="none" strike="noStrike" cap="none" dirty="0">
+                <a:solidFill>
+                  <a:srgbClr val="000000"/>
+                </a:solidFill>
+                <a:effectLst/>
+                <a:latin typeface="Merriweather Sans"/>
+                <a:ea typeface="Merriweather Sans"/>
+                <a:cs typeface="Merriweather Sans"/>
+                <a:sym typeface="Merriweather Sans"/>
+              </a:rPr>
+              <a:t>Give SMEs 10 minutes to look at the first resume and then have them write down if they think it's a pass or fail against the required proficiencies and why. </a:t>
+            </a:r>
+          </a:p>
+          <a:p>
+            <a:pPr marL="685800" indent="-457200">
+              <a:buAutoNum type="arabicParenR"/>
+            </a:pPr>
+            <a:r>
+              <a:rPr lang="en-US" sz="2200" b="0" i="0" u="none" strike="noStrike" cap="none" dirty="0">
+                <a:solidFill>
+                  <a:srgbClr val="000000"/>
+                </a:solidFill>
+                <a:effectLst/>
+                <a:latin typeface="Merriweather Sans"/>
+                <a:ea typeface="Merriweather Sans"/>
+                <a:cs typeface="Merriweather Sans"/>
+                <a:sym typeface="Merriweather Sans"/>
+              </a:rPr>
+              <a:t>Give them 5 minutes to discuss the differences, </a:t>
+            </a:r>
+          </a:p>
+          <a:p>
+            <a:pPr marL="685800" indent="-457200">
+              <a:buAutoNum type="arabicParenR"/>
+            </a:pPr>
+            <a:r>
+              <a:rPr lang="en-US" sz="2200" b="0" i="0" u="none" strike="noStrike" cap="none" dirty="0">
+                <a:solidFill>
+                  <a:srgbClr val="000000"/>
+                </a:solidFill>
+                <a:effectLst/>
+                <a:latin typeface="Merriweather Sans"/>
+                <a:ea typeface="Merriweather Sans"/>
+                <a:cs typeface="Merriweather Sans"/>
+                <a:sym typeface="Merriweather Sans"/>
+              </a:rPr>
+              <a:t>Ask them if they want to change the proficiency level or tweak the wording of the levels based on this practice. </a:t>
+            </a:r>
+          </a:p>
+          <a:p>
+            <a:pPr marL="685800" indent="-457200">
+              <a:buAutoNum type="arabicParenR"/>
+            </a:pPr>
+            <a:r>
+              <a:rPr lang="en-US" sz="2200" b="0" i="0" u="none" strike="noStrike" cap="none" dirty="0">
+                <a:solidFill>
+                  <a:srgbClr val="000000"/>
+                </a:solidFill>
+                <a:effectLst/>
+                <a:latin typeface="Merriweather Sans"/>
+                <a:ea typeface="Merriweather Sans"/>
+                <a:cs typeface="Merriweather Sans"/>
+                <a:sym typeface="Merriweather Sans"/>
+              </a:rPr>
+              <a:t>Repeat for all required proficiencies</a:t>
+            </a:r>
+          </a:p>
+          <a:p>
+            <a:endParaRPr lang="en-US" sz="2200" b="0" i="0" u="none" strike="noStrike" cap="none" dirty="0">
+              <a:solidFill>
+                <a:srgbClr val="000000"/>
+              </a:solidFill>
+              <a:effectLst/>
+              <a:latin typeface="Merriweather Sans"/>
+              <a:ea typeface="Merriweather Sans"/>
+              <a:cs typeface="Merriweather Sans"/>
+              <a:sym typeface="Merriweather Sans"/>
+            </a:endParaRPr>
+          </a:p>
+          <a:p>
+            <a:r>
+              <a:rPr lang="en-US" sz="2200" b="0" i="0" u="none" strike="noStrike" cap="none" dirty="0">
+                <a:solidFill>
+                  <a:srgbClr val="000000"/>
+                </a:solidFill>
+                <a:effectLst/>
+                <a:latin typeface="Merriweather Sans"/>
+                <a:ea typeface="Merriweather Sans"/>
+                <a:cs typeface="Merriweather Sans"/>
+                <a:sym typeface="Merriweather Sans"/>
+              </a:rPr>
+              <a:t>This goal is not to calibrate SMEs (though this will help with calibration) but to refine the competencies and proficiency levels.</a:t>
+            </a:r>
+            <a:endParaRPr lang="en-US" dirty="0"/>
           </a:p>
         </p:txBody>
       </p:sp>
     </p:spTree>
     <p:extLst>
       <p:ext uri="{BB962C8B-B14F-4D97-AF65-F5344CB8AC3E}">
-        <p14:creationId xmlns:p14="http://schemas.microsoft.com/office/powerpoint/2010/main" val="586746067"/>
+        <p14:creationId xmlns:p14="http://schemas.microsoft.com/office/powerpoint/2010/main" val="1593642967"/>
       </p:ext>
     </p:extLst>
   </p:cSld>
@@ -5624,6 +5658,70 @@
           <a:bodyPr/>
           <a:lstStyle/>
           <a:p>
+            <a:r>
+              <a:rPr lang="en-US" dirty="0"/>
+              <a:t>We’ve spent several days creating these materials. Thank you for your time and expertise! We’d love to take a group photo!</a:t>
+            </a:r>
+          </a:p>
+        </p:txBody>
+      </p:sp>
+    </p:spTree>
+    <p:extLst>
+      <p:ext uri="{BB962C8B-B14F-4D97-AF65-F5344CB8AC3E}">
+        <p14:creationId xmlns:p14="http://schemas.microsoft.com/office/powerpoint/2010/main" val="586746067"/>
+      </p:ext>
+    </p:extLst>
+  </p:cSld>
+  <p:clrMapOvr>
+    <a:masterClrMapping/>
+  </p:clrMapOvr>
+</p:notes>
+</file>
+
+<file path=ppt/notesSlides/notesSlide45.xml><?xml version="1.0" encoding="utf-8"?>
+<p:notes xmlns:a="http://schemas.openxmlformats.org/drawingml/2006/main" xmlns:r="http://schemas.openxmlformats.org/officeDocument/2006/relationships" xmlns:p="http://schemas.openxmlformats.org/presentationml/2006/main">
+  <p:cSld>
+    <p:spTree>
+      <p:nvGrpSpPr>
+        <p:cNvPr id="1" name=""/>
+        <p:cNvGrpSpPr/>
+        <p:nvPr/>
+      </p:nvGrpSpPr>
+      <p:grpSpPr>
+        <a:xfrm>
+          <a:off x="0" y="0"/>
+          <a:ext cx="0" cy="0"/>
+          <a:chOff x="0" y="0"/>
+          <a:chExt cx="0" cy="0"/>
+        </a:xfrm>
+      </p:grpSpPr>
+      <p:sp>
+        <p:nvSpPr>
+          <p:cNvPr id="2" name="Slide Image Placeholder 1"/>
+          <p:cNvSpPr>
+            <a:spLocks noGrp="1" noRot="1" noChangeAspect="1"/>
+          </p:cNvSpPr>
+          <p:nvPr>
+            <p:ph type="sldImg"/>
+          </p:nvPr>
+        </p:nvSpPr>
+        <p:spPr/>
+      </p:sp>
+      <p:sp>
+        <p:nvSpPr>
+          <p:cNvPr id="3" name="Notes Placeholder 2"/>
+          <p:cNvSpPr>
+            <a:spLocks noGrp="1"/>
+          </p:cNvSpPr>
+          <p:nvPr>
+            <p:ph type="body" idx="1"/>
+          </p:nvPr>
+        </p:nvSpPr>
+        <p:spPr/>
+        <p:txBody>
+          <a:bodyPr/>
+          <a:lstStyle/>
+          <a:p>
             <a:endParaRPr lang="en-US" dirty="0"/>
           </a:p>
         </p:txBody>
@@ -5641,7 +5739,7 @@
 </p:notes>
 </file>
 
-<file path=ppt/notesSlides/notesSlide45.xml><?xml version="1.0" encoding="utf-8"?>
+<file path=ppt/notesSlides/notesSlide46.xml><?xml version="1.0" encoding="utf-8"?>
 <p:notes xmlns:a="http://schemas.openxmlformats.org/drawingml/2006/main" xmlns:r="http://schemas.openxmlformats.org/officeDocument/2006/relationships" xmlns:p="http://schemas.openxmlformats.org/presentationml/2006/main" showMasterSp="0" showMasterPhAnim="0">
   <p:cSld>
     <p:spTree>
@@ -5762,7 +5860,7 @@
 </p:notes>
 </file>
 
-<file path=ppt/notesSlides/notesSlide46.xml><?xml version="1.0" encoding="utf-8"?>
+<file path=ppt/notesSlides/notesSlide47.xml><?xml version="1.0" encoding="utf-8"?>
 <p:notes xmlns:a="http://schemas.openxmlformats.org/drawingml/2006/main" xmlns:r="http://schemas.openxmlformats.org/officeDocument/2006/relationships" xmlns:p="http://schemas.openxmlformats.org/presentationml/2006/main">
   <p:cSld>
     <p:spTree>
@@ -11914,10 +12012,15 @@
             <p:ph type="body" idx="13"/>
           </p:nvPr>
         </p:nvSpPr>
-        <p:spPr/>
+        <p:spPr>
+          <a:xfrm>
+            <a:off x="1192143" y="1841500"/>
+            <a:ext cx="14956057" cy="7912100"/>
+          </a:xfrm>
+        </p:spPr>
         <p:txBody>
           <a:bodyPr>
-            <a:normAutofit/>
+            <a:normAutofit fontScale="92500" lnSpcReduction="10000"/>
           </a:bodyPr>
           <a:lstStyle/>
           <a:p>
@@ -11936,7 +12039,7 @@
             </a:pPr>
             <a:r>
               <a:rPr lang="en-US" dirty="0"/>
-              <a:t>PD to be used for this hiring action</a:t>
+              <a:t>The formal position description (PD) to be used in this hiring action</a:t>
             </a:r>
           </a:p>
           <a:p>
@@ -11949,7 +12052,7 @@
             </a:pPr>
             <a:r>
               <a:rPr lang="en-US" dirty="0"/>
-              <a:t>Bring example competencies and proficiencies from within the agency and from OPM’s mosaic competencies for potential use as a starting point</a:t>
+              <a:t>At least 3 resumes related to this job for competency refinement (Agency Talent Portal, LinkedIn, etc.) Aim to have 5 resumes so you have backup options.</a:t>
             </a:r>
           </a:p>
           <a:p>
@@ -11962,7 +12065,33 @@
             </a:pPr>
             <a:r>
               <a:rPr lang="en-US" dirty="0"/>
-              <a:t>Bring workshop supplies: name tags, post-it notes, sharpies, large easel-size post-it paper, dots for voting</a:t>
+              <a:t>Example competencies and proficiencies from within the agency and from OPM’s mosaic competencies for potential use as a starting point</a:t>
+            </a:r>
+          </a:p>
+          <a:p>
+            <a:pPr marL="742967" indent="-571500">
+              <a:buClr>
+                <a:schemeClr val="tx2"/>
+              </a:buClr>
+              <a:buFont typeface="Arial" panose="020B0604020202020204" pitchFamily="34" charset="0"/>
+              <a:buChar char="•"/>
+            </a:pPr>
+            <a:r>
+              <a:rPr lang="en-US" dirty="0"/>
+              <a:t>Bring workshop supplies: name tags, post-it notes, sharpies, large easel-size post-it paper, dot stickers for voting. (consider coffee if early AM)</a:t>
+            </a:r>
+          </a:p>
+          <a:p>
+            <a:pPr marL="742967" indent="-571500">
+              <a:buClr>
+                <a:schemeClr val="tx2"/>
+              </a:buClr>
+              <a:buFont typeface="Arial" panose="020B0604020202020204" pitchFamily="34" charset="0"/>
+              <a:buChar char="•"/>
+            </a:pPr>
+            <a:r>
+              <a:rPr lang="en-US" dirty="0"/>
+              <a:t>You may want to print off the slides for participant reference</a:t>
             </a:r>
           </a:p>
           <a:p>
@@ -16275,15 +16404,7 @@
           <a:p>
             <a:r>
               <a:rPr lang="en-US" dirty="0"/>
-              <a:t>Example Question without </a:t>
-            </a:r>
-            <a:r>
-              <a:rPr lang="en-US" dirty="0" err="1"/>
-              <a:t>followups</a:t>
-            </a:r>
-            <a:r>
-              <a:rPr lang="en-US" dirty="0"/>
-              <a:t> – Stakeholder Engagement Competency</a:t>
+              <a:t>Example Question without follow-ups – Stakeholder Engagement Competency</a:t>
             </a:r>
           </a:p>
         </p:txBody>
@@ -16500,7 +16621,7 @@
           <p:cNvPr id="2" name="Title 1">
             <a:extLst>
               <a:ext uri="{FF2B5EF4-FFF2-40B4-BE49-F238E27FC236}">
-                <a16:creationId xmlns:a16="http://schemas.microsoft.com/office/drawing/2014/main" id="{04F7FE27-D6E3-974B-BC2C-90D61B7FD244}"/>
+                <a16:creationId xmlns:a16="http://schemas.microsoft.com/office/drawing/2014/main" id="{D4E4C047-701E-6045-A204-2E9F55292620}"/>
               </a:ext>
             </a:extLst>
           </p:cNvPr>
@@ -16518,8 +16639,26 @@
           <a:p>
             <a:r>
               <a:rPr lang="en-US" dirty="0"/>
-              <a:t>Questions to Avoid</a:t>
-            </a:r>
+              <a:t>More example Questions Prompts</a:t>
+            </a:r>
+            <a:r>
+              <a:rPr lang="en-US" dirty="0">
+                <a:sym typeface="Wingdings" pitchFamily="2" charset="2"/>
+              </a:rPr>
+              <a:t> </a:t>
+            </a:r>
+            <a:br>
+              <a:rPr lang="en-US" dirty="0">
+                <a:sym typeface="Wingdings" pitchFamily="2" charset="2"/>
+              </a:rPr>
+            </a:br>
+            <a:r>
+              <a:rPr lang="en-US" dirty="0">
+                <a:sym typeface="Wingdings" pitchFamily="2" charset="2"/>
+              </a:rPr>
+              <a:t>(display this slide while groups are breaking out)</a:t>
+            </a:r>
+            <a:endParaRPr lang="en-US" dirty="0"/>
           </a:p>
         </p:txBody>
       </p:sp>
@@ -16528,7 +16667,7 @@
           <p:cNvPr id="3" name="Text Placeholder 2">
             <a:extLst>
               <a:ext uri="{FF2B5EF4-FFF2-40B4-BE49-F238E27FC236}">
-                <a16:creationId xmlns:a16="http://schemas.microsoft.com/office/drawing/2014/main" id="{1AB84F35-D072-C14A-8AB5-98633C5CB974}"/>
+                <a16:creationId xmlns:a16="http://schemas.microsoft.com/office/drawing/2014/main" id="{D6A4DA58-3293-B044-90E9-FC07DFF20EF1}"/>
               </a:ext>
             </a:extLst>
           </p:cNvPr>
@@ -16539,50 +16678,148 @@
             <p:ph type="body" idx="1"/>
           </p:nvPr>
         </p:nvSpPr>
-        <p:spPr/>
+        <p:spPr>
+          <a:xfrm>
+            <a:off x="1192143" y="1841500"/>
+            <a:ext cx="14956057" cy="7392802"/>
+          </a:xfrm>
+          <a:noFill/>
+          <a:ln>
+            <a:noFill/>
+          </a:ln>
+        </p:spPr>
         <p:txBody>
-          <a:bodyPr/>
+          <a:bodyPr spcFirstLastPara="1" wrap="square" lIns="0" tIns="0" rIns="0" bIns="0" anchor="t" anchorCtr="0">
+            <a:normAutofit/>
+          </a:bodyPr>
           <a:lstStyle/>
           <a:p>
-            <a:pPr marL="171467" indent="0">
+            <a:pPr lvl="1">
+              <a:spcBef>
+                <a:spcPts val="600"/>
+              </a:spcBef>
+            </a:pPr>
+            <a:r>
+              <a:rPr lang="en-US" dirty="0"/>
+              <a:t>Past experience: </a:t>
+            </a:r>
+          </a:p>
+          <a:p>
+            <a:pPr lvl="2">
+              <a:spcBef>
+                <a:spcPts val="600"/>
+              </a:spcBef>
+            </a:pPr>
+            <a:r>
+              <a:rPr lang="en-US" dirty="0"/>
+              <a:t>“Tell me about a time when….”</a:t>
+            </a:r>
+          </a:p>
+          <a:p>
+            <a:pPr lvl="2">
+              <a:spcBef>
+                <a:spcPts val="600"/>
+              </a:spcBef>
+            </a:pPr>
+            <a:r>
+              <a:rPr lang="en-US" dirty="0"/>
+              <a:t>“What’s an example of you effectively using...”</a:t>
+            </a:r>
+          </a:p>
+          <a:p>
+            <a:pPr lvl="2">
+              <a:spcBef>
+                <a:spcPts val="600"/>
+              </a:spcBef>
+            </a:pPr>
+            <a:r>
+              <a:rPr lang="en-US" dirty="0"/>
+              <a:t>”What was your most challenging project….”</a:t>
+            </a:r>
+          </a:p>
+          <a:p>
+            <a:pPr marL="1057380" lvl="2" indent="0">
+              <a:spcBef>
+                <a:spcPts val="600"/>
+              </a:spcBef>
               <a:buNone/>
             </a:pPr>
-            <a:r>
-              <a:rPr lang="en-US" b="1" dirty="0"/>
-              <a:t>Brain teasers or puzzles:</a:t>
-            </a:r>
-            <a:r>
-              <a:rPr lang="en-US" dirty="0"/>
-              <a:t> These create stress for the applicant and don't test their skills.</a:t>
-            </a:r>
-          </a:p>
-          <a:p>
-            <a:pPr marL="171467" indent="0">
+            <a:endParaRPr lang="en-US" dirty="0"/>
+          </a:p>
+          <a:p>
+            <a:pPr lvl="1">
+              <a:spcBef>
+                <a:spcPts val="600"/>
+              </a:spcBef>
+            </a:pPr>
+            <a:r>
+              <a:rPr lang="en-US" dirty="0"/>
+              <a:t>Hypothetical situation: “Imagine we have a problem with…”</a:t>
+            </a:r>
+          </a:p>
+          <a:p>
+            <a:pPr lvl="2">
+              <a:spcBef>
+                <a:spcPts val="600"/>
+              </a:spcBef>
+            </a:pPr>
+            <a:r>
+              <a:rPr lang="en-US" dirty="0"/>
+              <a:t>“How would you go about addressing an issue with…”</a:t>
+            </a:r>
+          </a:p>
+          <a:p>
+            <a:pPr lvl="2">
+              <a:spcBef>
+                <a:spcPts val="600"/>
+              </a:spcBef>
+            </a:pPr>
+            <a:r>
+              <a:rPr lang="en-US" dirty="0"/>
+              <a:t>“What are some strategies you would use if….”</a:t>
+            </a:r>
+          </a:p>
+          <a:p>
+            <a:pPr marL="1057380" lvl="2" indent="0">
+              <a:spcBef>
+                <a:spcPts val="600"/>
+              </a:spcBef>
               <a:buNone/>
             </a:pPr>
-            <a:r>
-              <a:rPr lang="en-US" b="1" dirty="0"/>
-              <a:t>Self-assessing strengths and weaknesses:</a:t>
-            </a:r>
-            <a:r>
-              <a:rPr lang="en-US" dirty="0"/>
-              <a:t> These create disingenuous answers that don't relate to competencies.</a:t>
-            </a:r>
-          </a:p>
-          <a:p>
-            <a:pPr marL="171467" indent="0">
-              <a:buNone/>
+            <a:endParaRPr lang="en-US" dirty="0"/>
+          </a:p>
+          <a:p>
+            <a:pPr lvl="1">
+              <a:spcBef>
+                <a:spcPts val="600"/>
+              </a:spcBef>
             </a:pPr>
             <a:r>
-              <a:rPr lang="en-US" b="1" dirty="0"/>
-              <a:t>Questions about five year plans and future goals:</a:t>
-            </a:r>
-            <a:r>
-              <a:rPr lang="en-US" dirty="0"/>
-              <a:t> These don't test competencies and can reveal inappropriate information that introduces bias.</a:t>
-            </a:r>
-          </a:p>
-          <a:p>
+              <a:rPr lang="en-US" dirty="0"/>
+              <a:t>Applicant’s viewpoint: “What do you think about…”</a:t>
+            </a:r>
+          </a:p>
+          <a:p>
+            <a:pPr lvl="2">
+              <a:spcBef>
+                <a:spcPts val="600"/>
+              </a:spcBef>
+            </a:pPr>
+            <a:r>
+              <a:rPr lang="en-US" dirty="0"/>
+              <a:t>”In your view, what are the different aspects of…”</a:t>
+            </a:r>
+          </a:p>
+          <a:p>
+            <a:pPr lvl="2">
+              <a:spcBef>
+                <a:spcPts val="600"/>
+              </a:spcBef>
+            </a:pPr>
+            <a:endParaRPr lang="en-US" dirty="0"/>
+          </a:p>
+          <a:p>
+            <a:pPr lvl="1"/>
             <a:endParaRPr lang="en-US" dirty="0"/>
           </a:p>
         </p:txBody>
@@ -16590,7 +16827,7 @@
     </p:spTree>
     <p:extLst>
       <p:ext uri="{BB962C8B-B14F-4D97-AF65-F5344CB8AC3E}">
-        <p14:creationId xmlns:p14="http://schemas.microsoft.com/office/powerpoint/2010/main" val="3229110467"/>
+        <p14:creationId xmlns:p14="http://schemas.microsoft.com/office/powerpoint/2010/main" val="2912999459"/>
       </p:ext>
     </p:extLst>
   </p:cSld>
@@ -16622,7 +16859,7 @@
           <p:cNvPr id="2" name="Title 1">
             <a:extLst>
               <a:ext uri="{FF2B5EF4-FFF2-40B4-BE49-F238E27FC236}">
-                <a16:creationId xmlns:a16="http://schemas.microsoft.com/office/drawing/2014/main" id="{E0E56BF6-C2AA-1542-B427-9F99DA225EFE}"/>
+                <a16:creationId xmlns:a16="http://schemas.microsoft.com/office/drawing/2014/main" id="{04F7FE27-D6E3-974B-BC2C-90D61B7FD244}"/>
               </a:ext>
             </a:extLst>
           </p:cNvPr>
@@ -16633,29 +16870,86 @@
             <p:ph type="title"/>
           </p:nvPr>
         </p:nvSpPr>
-        <p:spPr>
-          <a:xfrm>
-            <a:off x="1693318" y="3951348"/>
-            <a:ext cx="13953626" cy="3485772"/>
-          </a:xfrm>
-        </p:spPr>
+        <p:spPr/>
         <p:txBody>
-          <a:bodyPr>
-            <a:normAutofit/>
-          </a:bodyPr>
+          <a:bodyPr/>
           <a:lstStyle/>
           <a:p>
             <a:r>
               <a:rPr lang="en-US" dirty="0"/>
-              <a:t>Review job announcement</a:t>
-            </a:r>
+              <a:t>Questions to Avoid</a:t>
+            </a:r>
+          </a:p>
+        </p:txBody>
+      </p:sp>
+      <p:sp>
+        <p:nvSpPr>
+          <p:cNvPr id="3" name="Text Placeholder 2">
+            <a:extLst>
+              <a:ext uri="{FF2B5EF4-FFF2-40B4-BE49-F238E27FC236}">
+                <a16:creationId xmlns:a16="http://schemas.microsoft.com/office/drawing/2014/main" id="{1AB84F35-D072-C14A-8AB5-98633C5CB974}"/>
+              </a:ext>
+            </a:extLst>
+          </p:cNvPr>
+          <p:cNvSpPr>
+            <a:spLocks noGrp="1"/>
+          </p:cNvSpPr>
+          <p:nvPr>
+            <p:ph type="body" idx="1"/>
+          </p:nvPr>
+        </p:nvSpPr>
+        <p:spPr/>
+        <p:txBody>
+          <a:bodyPr/>
+          <a:lstStyle/>
+          <a:p>
+            <a:pPr marL="171467" indent="0">
+              <a:buNone/>
+            </a:pPr>
+            <a:r>
+              <a:rPr lang="en-US" b="1" dirty="0"/>
+              <a:t>Brain teasers or puzzles:</a:t>
+            </a:r>
+            <a:r>
+              <a:rPr lang="en-US" dirty="0"/>
+              <a:t> These create stress for the applicant and don't test their skills.</a:t>
+            </a:r>
+          </a:p>
+          <a:p>
+            <a:pPr marL="171467" indent="0">
+              <a:buNone/>
+            </a:pPr>
+            <a:r>
+              <a:rPr lang="en-US" b="1" dirty="0"/>
+              <a:t>Self-assessing strengths and weaknesses:</a:t>
+            </a:r>
+            <a:r>
+              <a:rPr lang="en-US" dirty="0"/>
+              <a:t> These create disingenuous answers that don't relate to competencies.</a:t>
+            </a:r>
+          </a:p>
+          <a:p>
+            <a:pPr marL="171467" indent="0">
+              <a:buNone/>
+            </a:pPr>
+            <a:r>
+              <a:rPr lang="en-US" b="1" dirty="0"/>
+              <a:t>Questions about an applicant’s future goals (e.g. “Where do you want to be in five years?”):</a:t>
+            </a:r>
+            <a:r>
+              <a:rPr lang="en-US" dirty="0"/>
+              <a:t> These don't test competencies and can reveal inappropriate information that introduces bias.</a:t>
+            </a:r>
+          </a:p>
+          <a:p>
+            <a:endParaRPr lang="en-US" dirty="0"/>
           </a:p>
         </p:txBody>
       </p:sp>
     </p:spTree>
     <p:extLst>
       <p:ext uri="{BB962C8B-B14F-4D97-AF65-F5344CB8AC3E}">
-        <p14:creationId xmlns:p14="http://schemas.microsoft.com/office/powerpoint/2010/main" val="1356412489"/>
+        <p14:creationId xmlns:p14="http://schemas.microsoft.com/office/powerpoint/2010/main" val="3229110467"/>
       </p:ext>
     </p:extLst>
   </p:cSld>
@@ -16684,10 +16978,10 @@
       </p:grpSpPr>
       <p:sp>
         <p:nvSpPr>
-          <p:cNvPr id="3" name="Text Placeholder 2">
+          <p:cNvPr id="2" name="Title 1">
             <a:extLst>
               <a:ext uri="{FF2B5EF4-FFF2-40B4-BE49-F238E27FC236}">
-                <a16:creationId xmlns:a16="http://schemas.microsoft.com/office/drawing/2014/main" id="{1AB84F35-D072-C14A-8AB5-98633C5CB974}"/>
+                <a16:creationId xmlns:a16="http://schemas.microsoft.com/office/drawing/2014/main" id="{E0E56BF6-C2AA-1542-B427-9F99DA225EFE}"/>
               </a:ext>
             </a:extLst>
           </p:cNvPr>
@@ -16695,37 +16989,32 @@
             <a:spLocks noGrp="1"/>
           </p:cNvSpPr>
           <p:nvPr>
-            <p:ph type="body" idx="1"/>
+            <p:ph type="title"/>
           </p:nvPr>
         </p:nvSpPr>
         <p:spPr>
           <a:xfrm>
-            <a:off x="1308258" y="4105729"/>
-            <a:ext cx="7763171" cy="2309586"/>
+            <a:off x="1693318" y="3951348"/>
+            <a:ext cx="13953626" cy="3485772"/>
           </a:xfrm>
         </p:spPr>
         <p:txBody>
-          <a:bodyPr/>
+          <a:bodyPr>
+            <a:normAutofit/>
+          </a:bodyPr>
           <a:lstStyle/>
           <a:p>
-            <a:pPr marL="171467" indent="0">
-              <a:buNone/>
-            </a:pPr>
-            <a:r>
-              <a:rPr lang="en-US" b="1" dirty="0"/>
-              <a:t>Test the material on each other</a:t>
-            </a:r>
-            <a:endParaRPr lang="en-US" dirty="0"/>
-          </a:p>
-          <a:p>
-            <a:endParaRPr lang="en-US" dirty="0"/>
+            <a:r>
+              <a:rPr lang="en-US" dirty="0"/>
+              <a:t>Review job announcement</a:t>
+            </a:r>
           </a:p>
         </p:txBody>
       </p:sp>
     </p:spTree>
     <p:extLst>
       <p:ext uri="{BB962C8B-B14F-4D97-AF65-F5344CB8AC3E}">
-        <p14:creationId xmlns:p14="http://schemas.microsoft.com/office/powerpoint/2010/main" val="2639643946"/>
+        <p14:creationId xmlns:p14="http://schemas.microsoft.com/office/powerpoint/2010/main" val="1356412489"/>
       </p:ext>
     </p:extLst>
   </p:cSld>
@@ -16754,34 +17043,6 @@
       </p:grpSpPr>
       <p:sp>
         <p:nvSpPr>
-          <p:cNvPr id="2" name="Title 1">
-            <a:extLst>
-              <a:ext uri="{FF2B5EF4-FFF2-40B4-BE49-F238E27FC236}">
-                <a16:creationId xmlns:a16="http://schemas.microsoft.com/office/drawing/2014/main" id="{04F7FE27-D6E3-974B-BC2C-90D61B7FD244}"/>
-              </a:ext>
-            </a:extLst>
-          </p:cNvPr>
-          <p:cNvSpPr>
-            <a:spLocks noGrp="1"/>
-          </p:cNvSpPr>
-          <p:nvPr>
-            <p:ph type="title"/>
-          </p:nvPr>
-        </p:nvSpPr>
-        <p:spPr/>
-        <p:txBody>
-          <a:bodyPr/>
-          <a:lstStyle/>
-          <a:p>
-            <a:r>
-              <a:rPr lang="en-US" dirty="0"/>
-              <a:t>Next Steps</a:t>
-            </a:r>
-          </a:p>
-        </p:txBody>
-      </p:sp>
-      <p:sp>
-        <p:nvSpPr>
           <p:cNvPr id="3" name="Text Placeholder 2">
             <a:extLst>
               <a:ext uri="{FF2B5EF4-FFF2-40B4-BE49-F238E27FC236}">
@@ -16796,7 +17057,12 @@
             <p:ph type="body" idx="1"/>
           </p:nvPr>
         </p:nvSpPr>
-        <p:spPr/>
+        <p:spPr>
+          <a:xfrm>
+            <a:off x="1308258" y="4105729"/>
+            <a:ext cx="7763171" cy="2309586"/>
+          </a:xfrm>
+        </p:spPr>
         <p:txBody>
           <a:bodyPr/>
           <a:lstStyle/>
@@ -16805,27 +17071,10 @@
               <a:buNone/>
             </a:pPr>
             <a:r>
-              <a:rPr lang="en-US" dirty="0"/>
-              <a:t>Customize this slide with information on what will come next. Steps could include:</a:t>
-            </a:r>
-          </a:p>
-          <a:p>
-            <a:r>
-              <a:rPr lang="en-US" dirty="0"/>
-              <a:t>Finalizing job analysis documents</a:t>
-            </a:r>
-          </a:p>
-          <a:p>
-            <a:r>
-              <a:rPr lang="en-US" dirty="0"/>
-              <a:t>JOA posting timeline</a:t>
-            </a:r>
-          </a:p>
-          <a:p>
-            <a:r>
-              <a:rPr lang="en-US" dirty="0"/>
-              <a:t>Likely timeline for resume review or other SME activities</a:t>
-            </a:r>
+              <a:rPr lang="en-US" b="1" dirty="0"/>
+              <a:t>Test the material on each other</a:t>
+            </a:r>
+            <a:endParaRPr lang="en-US" dirty="0"/>
           </a:p>
           <a:p>
             <a:endParaRPr lang="en-US" dirty="0"/>
@@ -16835,7 +17084,7 @@
     </p:spTree>
     <p:extLst>
       <p:ext uri="{BB962C8B-B14F-4D97-AF65-F5344CB8AC3E}">
-        <p14:creationId xmlns:p14="http://schemas.microsoft.com/office/powerpoint/2010/main" val="2319441773"/>
+        <p14:creationId xmlns:p14="http://schemas.microsoft.com/office/powerpoint/2010/main" val="2639643946"/>
       </p:ext>
     </p:extLst>
   </p:cSld>
@@ -16980,6 +17229,116 @@
   <p:cSld>
     <p:spTree>
       <p:nvGrpSpPr>
+        <p:cNvPr id="1" name=""/>
+        <p:cNvGrpSpPr/>
+        <p:nvPr/>
+      </p:nvGrpSpPr>
+      <p:grpSpPr>
+        <a:xfrm>
+          <a:off x="0" y="0"/>
+          <a:ext cx="0" cy="0"/>
+          <a:chOff x="0" y="0"/>
+          <a:chExt cx="0" cy="0"/>
+        </a:xfrm>
+      </p:grpSpPr>
+      <p:sp>
+        <p:nvSpPr>
+          <p:cNvPr id="2" name="Title 1">
+            <a:extLst>
+              <a:ext uri="{FF2B5EF4-FFF2-40B4-BE49-F238E27FC236}">
+                <a16:creationId xmlns:a16="http://schemas.microsoft.com/office/drawing/2014/main" id="{04F7FE27-D6E3-974B-BC2C-90D61B7FD244}"/>
+              </a:ext>
+            </a:extLst>
+          </p:cNvPr>
+          <p:cNvSpPr>
+            <a:spLocks noGrp="1"/>
+          </p:cNvSpPr>
+          <p:nvPr>
+            <p:ph type="title"/>
+          </p:nvPr>
+        </p:nvSpPr>
+        <p:spPr/>
+        <p:txBody>
+          <a:bodyPr/>
+          <a:lstStyle/>
+          <a:p>
+            <a:r>
+              <a:rPr lang="en-US" dirty="0"/>
+              <a:t>Next Steps</a:t>
+            </a:r>
+          </a:p>
+        </p:txBody>
+      </p:sp>
+      <p:sp>
+        <p:nvSpPr>
+          <p:cNvPr id="3" name="Text Placeholder 2">
+            <a:extLst>
+              <a:ext uri="{FF2B5EF4-FFF2-40B4-BE49-F238E27FC236}">
+                <a16:creationId xmlns:a16="http://schemas.microsoft.com/office/drawing/2014/main" id="{1AB84F35-D072-C14A-8AB5-98633C5CB974}"/>
+              </a:ext>
+            </a:extLst>
+          </p:cNvPr>
+          <p:cNvSpPr>
+            <a:spLocks noGrp="1"/>
+          </p:cNvSpPr>
+          <p:nvPr>
+            <p:ph type="body" idx="1"/>
+          </p:nvPr>
+        </p:nvSpPr>
+        <p:spPr/>
+        <p:txBody>
+          <a:bodyPr/>
+          <a:lstStyle/>
+          <a:p>
+            <a:pPr marL="171467" indent="0">
+              <a:buNone/>
+            </a:pPr>
+            <a:r>
+              <a:rPr lang="en-US" dirty="0"/>
+              <a:t>Customize this slide with information on what will come next. Steps could include:</a:t>
+            </a:r>
+          </a:p>
+          <a:p>
+            <a:r>
+              <a:rPr lang="en-US" dirty="0"/>
+              <a:t>Finalizing job analysis documents</a:t>
+            </a:r>
+          </a:p>
+          <a:p>
+            <a:r>
+              <a:rPr lang="en-US" dirty="0"/>
+              <a:t>JOA posting timeline</a:t>
+            </a:r>
+          </a:p>
+          <a:p>
+            <a:r>
+              <a:rPr lang="en-US" dirty="0"/>
+              <a:t>Likely timeline for resume review or other SME activities</a:t>
+            </a:r>
+          </a:p>
+          <a:p>
+            <a:endParaRPr lang="en-US" dirty="0"/>
+          </a:p>
+        </p:txBody>
+      </p:sp>
+    </p:spTree>
+    <p:extLst>
+      <p:ext uri="{BB962C8B-B14F-4D97-AF65-F5344CB8AC3E}">
+        <p14:creationId xmlns:p14="http://schemas.microsoft.com/office/powerpoint/2010/main" val="2319441773"/>
+      </p:ext>
+    </p:extLst>
+  </p:cSld>
+  <p:clrMapOvr>
+    <a:masterClrMapping/>
+  </p:clrMapOvr>
+</p:sld>
+</file>
+
+<file path=ppt/slides/slide51.xml><?xml version="1.0" encoding="utf-8"?>
+<p:sld xmlns:a="http://schemas.openxmlformats.org/drawingml/2006/main" xmlns:r="http://schemas.openxmlformats.org/officeDocument/2006/relationships" xmlns:p="http://schemas.openxmlformats.org/presentationml/2006/main">
+  <p:cSld>
+    <p:spTree>
+      <p:nvGrpSpPr>
         <p:cNvPr id="1" name="Shape 307"/>
         <p:cNvGrpSpPr/>
         <p:nvPr/>
@@ -17033,7 +17392,7 @@
 </p:sld>
 </file>
 
-<file path=ppt/slides/slide51.xml><?xml version="1.0" encoding="utf-8"?>
+<file path=ppt/slides/slide52.xml><?xml version="1.0" encoding="utf-8"?>
 <p:sld xmlns:a="http://schemas.openxmlformats.org/drawingml/2006/main" xmlns:r="http://schemas.openxmlformats.org/officeDocument/2006/relationships" xmlns:p="http://schemas.openxmlformats.org/presentationml/2006/main" show="0">
   <p:cSld>
     <p:spTree>
@@ -17166,7 +17525,7 @@
 </p:sld>
 </file>
 
-<file path=ppt/slides/slide52.xml><?xml version="1.0" encoding="utf-8"?>
+<file path=ppt/slides/slide53.xml><?xml version="1.0" encoding="utf-8"?>
 <p:sld xmlns:a="http://schemas.openxmlformats.org/drawingml/2006/main" xmlns:r="http://schemas.openxmlformats.org/officeDocument/2006/relationships" xmlns:p="http://schemas.openxmlformats.org/presentationml/2006/main" show="0">
   <p:cSld>
     <p:spTree>

--- a/toolkit/job-analysis/job-analysis-presentation.pptx
+++ b/toolkit/job-analysis/job-analysis-presentation.pptx
@@ -81,14 +81,14 @@
       <p:boldItalic r:id="rId62"/>
     </p:embeddedFont>
     <p:embeddedFont>
-      <p:font typeface="Merriweather" pitchFamily="2" charset="77"/>
+      <p:font typeface="Merriweather" panose="02060503050406030704" pitchFamily="18" charset="0"/>
       <p:regular r:id="rId63"/>
       <p:bold r:id="rId64"/>
       <p:italic r:id="rId65"/>
       <p:boldItalic r:id="rId66"/>
     </p:embeddedFont>
     <p:embeddedFont>
-      <p:font typeface="Merriweather Sans" pitchFamily="2" charset="77"/>
+      <p:font typeface="Merriweather Sans" panose="02060503050406030704" pitchFamily="18" charset="0"/>
       <p:regular r:id="rId67"/>
       <p:bold r:id="rId68"/>
       <p:italic r:id="rId69"/>
@@ -102,14 +102,14 @@
       <p:boldItalic r:id="rId74"/>
     </p:embeddedFont>
     <p:embeddedFont>
-      <p:font typeface="Source Sans Pro" panose="020B0503030403020204" pitchFamily="34" charset="0"/>
+      <p:font typeface="Source Sans Pro" panose="020B0503030403020204" pitchFamily="34" charset="77"/>
       <p:regular r:id="rId75"/>
       <p:bold r:id="rId76"/>
       <p:italic r:id="rId77"/>
       <p:boldItalic r:id="rId78"/>
     </p:embeddedFont>
     <p:embeddedFont>
-      <p:font typeface="Source Sans Pro SemiBold" panose="020B0603030403020204" pitchFamily="34" charset="0"/>
+      <p:font typeface="Source Sans Pro SemiBold" panose="020B0503030403020204" pitchFamily="34" charset="77"/>
       <p:bold r:id="rId79"/>
       <p:boldItalic r:id="rId80"/>
     </p:embeddedFont>
@@ -471,7 +471,7 @@
           <a:p>
             <a:fld id="{5F1244B9-655E-9143-8F11-143B7EBD7CDE}" type="datetimeFigureOut">
               <a:rPr lang="en-US" smtClean="0"/>
-              <a:t>7/6/21</a:t>
+              <a:t>8/27/21</a:t>
             </a:fld>
             <a:endParaRPr lang="en-US"/>
           </a:p>
@@ -3034,10 +3034,20 @@
                 <a:cs typeface="Merriweather Sans"/>
                 <a:sym typeface="Merriweather Sans"/>
               </a:rPr>
-              <a:t>First, you develop the materials from the overall Job Analysis Workshop. Then the job announcement is posted and applicants apply. Once applicants apply, then SMEs will review applicants through resume review and assessments. The cert will be created only after this assessment, ensuring that only candidates who are qualified make it onto the hiring cert. </a:t>
-            </a:r>
-          </a:p>
-          <a:p>
+              <a:t>First, you develop the materials from the overall Job Analysis Workshop. Then the job announcement is posted and applicants apply. Once applicants apply, then SMEs will review applicants through resume review and assessments. Only after this assessment are veteran preference requirements applied and the cert(s) created.  This better ensures certification of qualified candidates.</a:t>
+            </a:r>
+            <a:br>
+              <a:rPr lang="en-US" sz="2200" b="0" i="0" u="none" strike="noStrike" cap="none" dirty="0">
+                <a:solidFill>
+                  <a:srgbClr val="000000"/>
+                </a:solidFill>
+                <a:effectLst/>
+                <a:latin typeface="Merriweather Sans"/>
+                <a:ea typeface="Merriweather Sans"/>
+                <a:cs typeface="Merriweather Sans"/>
+                <a:sym typeface="Merriweather Sans"/>
+              </a:rPr>
+            </a:br>
             <a:endParaRPr lang="en-US" sz="2200" b="0" i="0" u="none" strike="noStrike" cap="none" dirty="0">
               <a:solidFill>
                 <a:srgbClr val="000000"/>
@@ -6071,7 +6081,7 @@
                 <a:cs typeface="Merriweather Sans"/>
                 <a:sym typeface="Merriweather Sans"/>
               </a:rPr>
-              <a:t>Because SME-QA is time-intensive for SMEs, we reduced their participation burden by limiting the number of resume pages they review, including only one SME per structured phone interview, and minimizing the length of justification for every cut.  In addition, applicants who do not receive a passing score in the first interview do not proceed to the second interview.</a:t>
+              <a:t>Because SME-QA is time-intensive for SMEs, we reduced their participation burden by limiting the number of resume pages they review, including only one SME per assessment, and minimizing the length of justification for every cut.  In addition, applicants who do not receive a passing score in the first interview do not proceed to the second interview.</a:t>
             </a:r>
           </a:p>
           <a:p>
@@ -6449,7 +6459,7 @@
                 <a:cs typeface="Merriweather Sans"/>
                 <a:sym typeface="Merriweather Sans"/>
               </a:rPr>
-              <a:t>Interviews:</a:t>
+              <a:t>Assessments:</a:t>
             </a:r>
             <a:r>
               <a:rPr lang="en-US" sz="2400" b="0" i="0" u="none" strike="noStrike" cap="none" dirty="0">
@@ -6462,7 +6472,7 @@
                 <a:cs typeface="Merriweather Sans"/>
                 <a:sym typeface="Merriweather Sans"/>
               </a:rPr>
-              <a:t> Before beginning interviews, HR conducts a required 2-hour training with SMEs to practice the structured interview script.</a:t>
+              <a:t> Before beginning assessments, such as interviews, HR conducts a required 2-hour training with SMEs to practice the structured interview script.</a:t>
             </a:r>
           </a:p>
           <a:p>
@@ -6642,7 +6652,7 @@
                 <a:cs typeface="Merriweather Sans"/>
                 <a:sym typeface="Merriweather Sans"/>
               </a:rPr>
-              <a:t>Any disabled veteran who is minimally qualified will float to the top of the best qualified list. Hiring managers must consider them before any other applicant.</a:t>
+              <a:t>Any CPS or CP veteran who is minimally qualified will float to the top of the best qualified list. Hiring managers must consider them before any other applicant. (except for scientific or professional positions at the GS-9 level or higher).</a:t>
             </a:r>
           </a:p>
           <a:p>
@@ -6869,7 +6879,7 @@
                 <a:cs typeface="Arial"/>
                 <a:sym typeface="Arial"/>
               </a:rPr>
-              <a:t>This process allows you to set the qualifications for the role you are hiring for, ensuring that you can find and hire applicants that are fully qualified</a:t>
+              <a:t>This process allows you to set the qualifications for the role you are hiring for, ensuring that you can find and hire applicants that are truly qualified</a:t>
             </a:r>
             <a:endParaRPr sz="1100" dirty="0">
               <a:latin typeface="Arial"/>
@@ -14420,13 +14430,6 @@
             </a:pPr>
             <a:r>
               <a:rPr lang="en-US" dirty="0"/>
-              <a:t>Decide which assessment(s) to use for each competency: </a:t>
-            </a:r>
-          </a:p>
-          <a:p>
-            <a:pPr lvl="1"/>
-            <a:r>
-              <a:rPr lang="en-US" dirty="0"/>
               <a:t>Work Sample </a:t>
             </a:r>
           </a:p>
@@ -14436,7 +14439,7 @@
             </a:pPr>
             <a:r>
               <a:rPr lang="en-US" dirty="0"/>
-              <a:t>+ You’d ask applicants to provide a sample of past work, such as a portfolio submitted along with a resume</a:t>
+              <a:t>+ You’d ask applicants to provide a sample of past work at the time of application, such as a portfolio submitted along with a resume</a:t>
             </a:r>
           </a:p>
           <a:p>
@@ -14445,7 +14448,7 @@
             </a:pPr>
             <a:r>
               <a:rPr lang="en-US" dirty="0"/>
-              <a:t>+ Can help screen out unqualified applicants before a more timely assessment. </a:t>
+              <a:t>+ Can help screen out unqualified applicants before a more time-consuming assessment. </a:t>
             </a:r>
           </a:p>
         </p:txBody>
@@ -14536,18 +14539,7 @@
             </a:pPr>
             <a:r>
               <a:rPr lang="en-US" dirty="0"/>
-              <a:t>Decide which assessment(s) to use for each competency: </a:t>
-            </a:r>
-          </a:p>
-          <a:p>
-            <a:pPr lvl="1"/>
-            <a:r>
-              <a:rPr lang="en-US" dirty="0" err="1"/>
-              <a:t>USAHire</a:t>
-            </a:r>
-            <a:r>
-              <a:rPr lang="en-US" dirty="0"/>
-              <a:t> assessments </a:t>
+              <a:t>USAHire assessments </a:t>
             </a:r>
           </a:p>
           <a:p>
@@ -14899,13 +14891,7 @@
             </a:pPr>
             <a:r>
               <a:rPr lang="en-US" dirty="0"/>
-              <a:t>Decide which assessment(s) to use for each competency: </a:t>
-            </a:r>
-          </a:p>
-          <a:p>
-            <a:r>
-              <a:rPr lang="en-US" dirty="0"/>
-              <a:t>After resume review, or after they apply, we can send applicants a written prompt to complete: </a:t>
+              <a:t>Sending applicants a written prompt to complete: </a:t>
             </a:r>
           </a:p>
           <a:p>
@@ -14914,7 +14900,7 @@
             </a:pPr>
             <a:r>
               <a:rPr lang="en-US" dirty="0"/>
-              <a:t>    + Period of time allowed can range from an hour to a wee</a:t>
+              <a:t>    + Period of time allowed can range from an hour to a week</a:t>
             </a:r>
           </a:p>
           <a:p>
@@ -15018,13 +15004,6 @@
             <a:pPr marL="171467" indent="0">
               <a:buNone/>
             </a:pPr>
-            <a:r>
-              <a:rPr lang="en-US" dirty="0"/>
-              <a:t>Decide which assessment(s) to use for each competency: </a:t>
-            </a:r>
-          </a:p>
-          <a:p>
-            <a:pPr lvl="1"/>
             <a:r>
               <a:rPr lang="en-US" dirty="0"/>
               <a:t>Structured Phone Interview</a:t>
